--- a/alcoholquestions.pptx
+++ b/alcoholquestions.pptx
@@ -115,21 +115,116 @@
 </p:presentation>
 </file>
 
+<file path=ppt/revisionInfo.xml><?xml version="1.0" encoding="utf-8"?>
+<p1510:revInfo xmlns:a="http://schemas.openxmlformats.org/drawingml/2006/main" xmlns:r="http://schemas.openxmlformats.org/officeDocument/2006/relationships" xmlns:p1510="http://schemas.microsoft.com/office/powerpoint/2015/10/main">
+  <p1510:revLst>
+    <p1510:client id="{35CB8859-946B-47B2-B238-137014B76091}" v="4" dt="2026-02-18T15:52:47.533"/>
+  </p1510:revLst>
+</p1510:revInfo>
+</file>
+
 <file path=ppt/changesInfos/changesInfo1.xml><?xml version="1.0" encoding="utf-8"?>
 <pc:chgInfo xmlns:a="http://schemas.openxmlformats.org/drawingml/2006/main" xmlns:r="http://schemas.openxmlformats.org/officeDocument/2006/relationships" xmlns:ac="http://schemas.microsoft.com/office/drawing/2013/main/command" xmlns:pc="http://schemas.microsoft.com/office/powerpoint/2013/main/command">
   <pc:docChgLst>
     <pc:chgData name="Brennan Brown" userId="bcf6cc9e-21d7-4e63-b7dc-a8459bd698b0" providerId="ADAL" clId="{30F1509B-5785-4C08-8791-C8021B43727B}"/>
-    <pc:docChg chg="addSld delSld modSld sldOrd">
-      <pc:chgData name="Brennan Brown" userId="bcf6cc9e-21d7-4e63-b7dc-a8459bd698b0" providerId="ADAL" clId="{30F1509B-5785-4C08-8791-C8021B43727B}" dt="2026-02-18T12:46:33.917" v="4" actId="47"/>
+    <pc:docChg chg="custSel addSld delSld modSld sldOrd">
+      <pc:chgData name="Brennan Brown" userId="bcf6cc9e-21d7-4e63-b7dc-a8459bd698b0" providerId="ADAL" clId="{30F1509B-5785-4C08-8791-C8021B43727B}" dt="2026-02-18T15:58:59.416" v="12" actId="22"/>
       <pc:docMkLst>
         <pc:docMk/>
       </pc:docMkLst>
-      <pc:sldChg chg="new">
-        <pc:chgData name="Brennan Brown" userId="bcf6cc9e-21d7-4e63-b7dc-a8459bd698b0" providerId="ADAL" clId="{30F1509B-5785-4C08-8791-C8021B43727B}" dt="2026-02-17T22:03:10.382" v="0" actId="680"/>
+      <pc:sldChg chg="addSp delSp modSp mod">
+        <pc:chgData name="Brennan Brown" userId="bcf6cc9e-21d7-4e63-b7dc-a8459bd698b0" providerId="ADAL" clId="{30F1509B-5785-4C08-8791-C8021B43727B}" dt="2026-02-18T15:45:24.683" v="7"/>
+        <pc:sldMkLst>
+          <pc:docMk/>
+          <pc:sldMk cId="309893376" sldId="333"/>
+        </pc:sldMkLst>
+        <pc:spChg chg="del mod">
+          <ac:chgData name="Brennan Brown" userId="bcf6cc9e-21d7-4e63-b7dc-a8459bd698b0" providerId="ADAL" clId="{30F1509B-5785-4C08-8791-C8021B43727B}" dt="2026-02-18T15:45:24.683" v="7"/>
+          <ac:spMkLst>
+            <pc:docMk/>
+            <pc:sldMk cId="309893376" sldId="333"/>
+            <ac:spMk id="2" creationId="{6DAAE1D4-0CF2-4B2B-5957-14FB48180C0E}"/>
+          </ac:spMkLst>
+        </pc:spChg>
+        <pc:spChg chg="del">
+          <ac:chgData name="Brennan Brown" userId="bcf6cc9e-21d7-4e63-b7dc-a8459bd698b0" providerId="ADAL" clId="{30F1509B-5785-4C08-8791-C8021B43727B}" dt="2026-02-18T15:45:05.919" v="5"/>
+          <ac:spMkLst>
+            <pc:docMk/>
+            <pc:sldMk cId="309893376" sldId="333"/>
+            <ac:spMk id="3" creationId="{60F26EA3-04E8-C3B7-EA6A-24A036BCD4D7}"/>
+          </ac:spMkLst>
+        </pc:spChg>
+        <pc:picChg chg="add mod">
+          <ac:chgData name="Brennan Brown" userId="bcf6cc9e-21d7-4e63-b7dc-a8459bd698b0" providerId="ADAL" clId="{30F1509B-5785-4C08-8791-C8021B43727B}" dt="2026-02-18T15:45:05.919" v="5"/>
+          <ac:picMkLst>
+            <pc:docMk/>
+            <pc:sldMk cId="309893376" sldId="333"/>
+            <ac:picMk id="4" creationId="{58AE6040-D907-C27F-64EC-D6904EA797E6}"/>
+          </ac:picMkLst>
+        </pc:picChg>
+        <pc:picChg chg="add mod">
+          <ac:chgData name="Brennan Brown" userId="bcf6cc9e-21d7-4e63-b7dc-a8459bd698b0" providerId="ADAL" clId="{30F1509B-5785-4C08-8791-C8021B43727B}" dt="2026-02-18T15:45:24.683" v="7"/>
+          <ac:picMkLst>
+            <pc:docMk/>
+            <pc:sldMk cId="309893376" sldId="333"/>
+            <ac:picMk id="5" creationId="{DAF3DC8B-F0F6-2A2F-E501-15017D51FACF}"/>
+          </ac:picMkLst>
+        </pc:picChg>
+      </pc:sldChg>
+      <pc:sldChg chg="addSp delSp modSp new mod">
+        <pc:chgData name="Brennan Brown" userId="bcf6cc9e-21d7-4e63-b7dc-a8459bd698b0" providerId="ADAL" clId="{30F1509B-5785-4C08-8791-C8021B43727B}" dt="2026-02-18T15:58:59.416" v="12" actId="22"/>
         <pc:sldMkLst>
           <pc:docMk/>
           <pc:sldMk cId="3797059458" sldId="334"/>
         </pc:sldMkLst>
+        <pc:spChg chg="del">
+          <ac:chgData name="Brennan Brown" userId="bcf6cc9e-21d7-4e63-b7dc-a8459bd698b0" providerId="ADAL" clId="{30F1509B-5785-4C08-8791-C8021B43727B}" dt="2026-02-18T15:47:16.763" v="8"/>
+          <ac:spMkLst>
+            <pc:docMk/>
+            <pc:sldMk cId="3797059458" sldId="334"/>
+            <ac:spMk id="3" creationId="{F099ADB6-1F06-C663-A558-DC665F0BCE52}"/>
+          </ac:spMkLst>
+        </pc:spChg>
+        <pc:spChg chg="add">
+          <ac:chgData name="Brennan Brown" userId="bcf6cc9e-21d7-4e63-b7dc-a8459bd698b0" providerId="ADAL" clId="{30F1509B-5785-4C08-8791-C8021B43727B}" dt="2026-02-18T15:58:59.416" v="12" actId="22"/>
+          <ac:spMkLst>
+            <pc:docMk/>
+            <pc:sldMk cId="3797059458" sldId="334"/>
+            <ac:spMk id="4" creationId="{67183C4C-122D-8442-4C53-6BD170DF4125}"/>
+          </ac:spMkLst>
+        </pc:spChg>
+        <pc:spChg chg="add del mod">
+          <ac:chgData name="Brennan Brown" userId="bcf6cc9e-21d7-4e63-b7dc-a8459bd698b0" providerId="ADAL" clId="{30F1509B-5785-4C08-8791-C8021B43727B}" dt="2026-02-18T15:52:47.533" v="10"/>
+          <ac:spMkLst>
+            <pc:docMk/>
+            <pc:sldMk cId="3797059458" sldId="334"/>
+            <ac:spMk id="5" creationId="{3EB3D709-0FC9-62A7-3340-32ACA085FA17}"/>
+          </ac:spMkLst>
+        </pc:spChg>
+        <pc:spChg chg="add mod">
+          <ac:chgData name="Brennan Brown" userId="bcf6cc9e-21d7-4e63-b7dc-a8459bd698b0" providerId="ADAL" clId="{30F1509B-5785-4C08-8791-C8021B43727B}" dt="2026-02-18T15:52:55.046" v="11" actId="478"/>
+          <ac:spMkLst>
+            <pc:docMk/>
+            <pc:sldMk cId="3797059458" sldId="334"/>
+            <ac:spMk id="6" creationId="{47C89B0C-EDCA-A801-83D4-6493CBCA3E62}"/>
+          </ac:spMkLst>
+        </pc:spChg>
+        <pc:picChg chg="add del mod">
+          <ac:chgData name="Brennan Brown" userId="bcf6cc9e-21d7-4e63-b7dc-a8459bd698b0" providerId="ADAL" clId="{30F1509B-5785-4C08-8791-C8021B43727B}" dt="2026-02-18T15:52:55.046" v="11" actId="478"/>
+          <ac:picMkLst>
+            <pc:docMk/>
+            <pc:sldMk cId="3797059458" sldId="334"/>
+            <ac:picMk id="3" creationId="{C48DBCBF-F8F2-8217-F4F3-680AAFC4E00F}"/>
+          </ac:picMkLst>
+        </pc:picChg>
+        <pc:picChg chg="add del mod">
+          <ac:chgData name="Brennan Brown" userId="bcf6cc9e-21d7-4e63-b7dc-a8459bd698b0" providerId="ADAL" clId="{30F1509B-5785-4C08-8791-C8021B43727B}" dt="2026-02-18T15:48:09.297" v="9" actId="478"/>
+          <ac:picMkLst>
+            <pc:docMk/>
+            <pc:sldMk cId="3797059458" sldId="334"/>
+            <ac:picMk id="4" creationId="{64735D52-6C38-23E9-4B24-E13AF8507482}"/>
+          </ac:picMkLst>
+        </pc:picChg>
       </pc:sldChg>
       <pc:sldChg chg="new del ord">
         <pc:chgData name="Brennan Brown" userId="bcf6cc9e-21d7-4e63-b7dc-a8459bd698b0" providerId="ADAL" clId="{30F1509B-5785-4C08-8791-C8021B43727B}" dt="2026-02-18T12:46:33.917" v="4" actId="47"/>
@@ -5246,56 +5341,70 @@
           <a:chExt cx="0" cy="0"/>
         </a:xfrm>
       </p:grpSpPr>
-      <p:sp>
-        <p:nvSpPr>
-          <p:cNvPr id="2" name="Online Image Placeholder 1">
-            <a:extLst>
-              <a:ext uri="{FF2B5EF4-FFF2-40B4-BE49-F238E27FC236}">
-                <a16:creationId xmlns:a16="http://schemas.microsoft.com/office/drawing/2014/main" id="{6DAAE1D4-0CF2-4B2B-5957-14FB48180C0E}"/>
-              </a:ext>
-            </a:extLst>
-          </p:cNvPr>
-          <p:cNvSpPr>
-            <a:spLocks noGrp="1"/>
-          </p:cNvSpPr>
+      <p:pic>
+        <p:nvPicPr>
+          <p:cNvPr id="5" name="Online Image Placeholder 4">
+            <a:extLst>
+              <a:ext uri="{FF2B5EF4-FFF2-40B4-BE49-F238E27FC236}">
+                <a16:creationId xmlns:a16="http://schemas.microsoft.com/office/drawing/2014/main" id="{DAF3DC8B-F0F6-2A2F-E501-15017D51FACF}"/>
+              </a:ext>
+            </a:extLst>
+          </p:cNvPr>
+          <p:cNvPicPr>
+            <a:picLocks noGrp="1" noChangeAspect="1"/>
+          </p:cNvPicPr>
           <p:nvPr>
             <p:ph type="clipArt" sz="quarter" idx="13"/>
           </p:nvPr>
-        </p:nvSpPr>
-        <p:spPr/>
-        <p:txBody>
-          <a:bodyPr/>
-          <a:lstStyle/>
-          <a:p>
-            <a:endParaRPr lang="en-US"/>
-          </a:p>
-        </p:txBody>
-      </p:sp>
-      <p:sp>
-        <p:nvSpPr>
-          <p:cNvPr id="3" name="Online Image Placeholder 2">
-            <a:extLst>
-              <a:ext uri="{FF2B5EF4-FFF2-40B4-BE49-F238E27FC236}">
-                <a16:creationId xmlns:a16="http://schemas.microsoft.com/office/drawing/2014/main" id="{60F26EA3-04E8-C3B7-EA6A-24A036BCD4D7}"/>
-              </a:ext>
-            </a:extLst>
-          </p:cNvPr>
-          <p:cNvSpPr>
-            <a:spLocks noGrp="1"/>
-          </p:cNvSpPr>
+        </p:nvPicPr>
+        <p:blipFill>
+          <a:blip r:embed="rId2"/>
+          <a:stretch>
+            <a:fillRect/>
+          </a:stretch>
+        </p:blipFill>
+        <p:spPr>
+          <a:xfrm>
+            <a:off x="4463179" y="3108325"/>
+            <a:ext cx="4438804" cy="1354138"/>
+          </a:xfrm>
+          <a:prstGeom prst="rect">
+            <a:avLst/>
+          </a:prstGeom>
+        </p:spPr>
+      </p:pic>
+      <p:pic>
+        <p:nvPicPr>
+          <p:cNvPr id="4" name="Online Image Placeholder 3">
+            <a:extLst>
+              <a:ext uri="{FF2B5EF4-FFF2-40B4-BE49-F238E27FC236}">
+                <a16:creationId xmlns:a16="http://schemas.microsoft.com/office/drawing/2014/main" id="{58AE6040-D907-C27F-64EC-D6904EA797E6}"/>
+              </a:ext>
+            </a:extLst>
+          </p:cNvPr>
+          <p:cNvPicPr>
+            <a:picLocks noGrp="1" noChangeAspect="1"/>
+          </p:cNvPicPr>
           <p:nvPr>
             <p:ph type="clipArt" sz="quarter" idx="14"/>
           </p:nvPr>
-        </p:nvSpPr>
-        <p:spPr/>
-        <p:txBody>
-          <a:bodyPr/>
-          <a:lstStyle/>
-          <a:p>
-            <a:endParaRPr lang="en-US"/>
-          </a:p>
-        </p:txBody>
-      </p:sp>
+        </p:nvPicPr>
+        <p:blipFill>
+          <a:blip r:embed="rId3"/>
+          <a:stretch>
+            <a:fillRect/>
+          </a:stretch>
+        </p:blipFill>
+        <p:spPr>
+          <a:xfrm>
+            <a:off x="4781017" y="3027363"/>
+            <a:ext cx="3803128" cy="1516062"/>
+          </a:xfrm>
+          <a:prstGeom prst="rect">
+            <a:avLst/>
+          </a:prstGeom>
+        </p:spPr>
+      </p:pic>
     </p:spTree>
     <p:extLst>
       <p:ext uri="{BB962C8B-B14F-4D97-AF65-F5344CB8AC3E}">
@@ -5353,10 +5462,10 @@
       </p:sp>
       <p:sp>
         <p:nvSpPr>
-          <p:cNvPr id="3" name="Online Image Placeholder 2">
-            <a:extLst>
-              <a:ext uri="{FF2B5EF4-FFF2-40B4-BE49-F238E27FC236}">
-                <a16:creationId xmlns:a16="http://schemas.microsoft.com/office/drawing/2014/main" id="{F099ADB6-1F06-C663-A558-DC665F0BCE52}"/>
+          <p:cNvPr id="6" name="Online Image Placeholder 5">
+            <a:extLst>
+              <a:ext uri="{FF2B5EF4-FFF2-40B4-BE49-F238E27FC236}">
+                <a16:creationId xmlns:a16="http://schemas.microsoft.com/office/drawing/2014/main" id="{47C89B0C-EDCA-A801-83D4-6493CBCA3E62}"/>
               </a:ext>
             </a:extLst>
           </p:cNvPr>
@@ -5373,6 +5482,145 @@
           <a:lstStyle/>
           <a:p>
             <a:endParaRPr lang="en-US"/>
+          </a:p>
+        </p:txBody>
+      </p:sp>
+      <p:sp>
+        <p:nvSpPr>
+          <p:cNvPr id="4" name="TextBox 3">
+            <a:extLst>
+              <a:ext uri="{FF2B5EF4-FFF2-40B4-BE49-F238E27FC236}">
+                <a16:creationId xmlns:a16="http://schemas.microsoft.com/office/drawing/2014/main" id="{67183C4C-122D-8442-4C53-6BD170DF4125}"/>
+              </a:ext>
+            </a:extLst>
+          </p:cNvPr>
+          <p:cNvSpPr txBox="1"/>
+          <p:nvPr/>
+        </p:nvSpPr>
+        <p:spPr>
+          <a:xfrm>
+            <a:off x="3087859" y="1440324"/>
+            <a:ext cx="6260122" cy="3970318"/>
+          </a:xfrm>
+          <a:prstGeom prst="rect">
+            <a:avLst/>
+          </a:prstGeom>
+          <a:noFill/>
+        </p:spPr>
+        <p:txBody>
+          <a:bodyPr wrap="square">
+            <a:spAutoFit/>
+          </a:bodyPr>
+          <a:lstStyle/>
+          <a:p>
+            <a:r>
+              <a:rPr lang="en-US"/>
+              <a:t>{ "name": "alcoholquestions.pptx", "path": "alcoholquestions.pptx", "sha": "2781e6318b5e01dc7bca84ef7f5f26a0aa8b058e", "size": 980899, "</a:t>
+            </a:r>
+            <a:r>
+              <a:rPr lang="en-US" dirty="0" err="1"/>
+              <a:t>url</a:t>
+            </a:r>
+            <a:r>
+              <a:rPr lang="en-US" dirty="0"/>
+              <a:t>": "https://api.github.com/repos/</a:t>
+            </a:r>
+            <a:r>
+              <a:rPr lang="en-US" dirty="0" err="1"/>
+              <a:t>chemykill</a:t>
+            </a:r>
+            <a:r>
+              <a:rPr lang="en-US" dirty="0"/>
+              <a:t>/</a:t>
+            </a:r>
+            <a:r>
+              <a:rPr lang="en-US" dirty="0" err="1"/>
+              <a:t>alcoholproblems</a:t>
+            </a:r>
+            <a:r>
+              <a:rPr lang="en-US" dirty="0"/>
+              <a:t>/contents/</a:t>
+            </a:r>
+            <a:r>
+              <a:rPr lang="en-US" dirty="0" err="1"/>
+              <a:t>alcoholquestions.pptx?ref</a:t>
+            </a:r>
+            <a:r>
+              <a:rPr lang="en-US" dirty="0"/>
+              <a:t>=main", "</a:t>
+            </a:r>
+            <a:r>
+              <a:rPr lang="en-US" dirty="0" err="1"/>
+              <a:t>html_url</a:t>
+            </a:r>
+            <a:r>
+              <a:rPr lang="en-US" dirty="0"/>
+              <a:t>": "https://github.com/</a:t>
+            </a:r>
+            <a:r>
+              <a:rPr lang="en-US" dirty="0" err="1"/>
+              <a:t>chemykill</a:t>
+            </a:r>
+            <a:r>
+              <a:rPr lang="en-US" dirty="0"/>
+              <a:t>/</a:t>
+            </a:r>
+            <a:r>
+              <a:rPr lang="en-US" dirty="0" err="1"/>
+              <a:t>alcoholproblems</a:t>
+            </a:r>
+            <a:r>
+              <a:rPr lang="en-US" dirty="0"/>
+              <a:t>/blob/main/alcoholquestions.pptx", "</a:t>
+            </a:r>
+            <a:r>
+              <a:rPr lang="en-US" dirty="0" err="1"/>
+              <a:t>git_url</a:t>
+            </a:r>
+            <a:r>
+              <a:rPr lang="en-US" dirty="0"/>
+              <a:t>": "https://api.github.com/repos/</a:t>
+            </a:r>
+            <a:r>
+              <a:rPr lang="en-US" dirty="0" err="1"/>
+              <a:t>chemykill</a:t>
+            </a:r>
+            <a:r>
+              <a:rPr lang="en-US" dirty="0"/>
+              <a:t>/</a:t>
+            </a:r>
+            <a:r>
+              <a:rPr lang="en-US" dirty="0" err="1"/>
+              <a:t>alcoholproblems</a:t>
+            </a:r>
+            <a:r>
+              <a:rPr lang="en-US" dirty="0"/>
+              <a:t>/git/blobs/2781e6318b5e01dc7bca84ef7f5f26a0aa8b058e", "</a:t>
+            </a:r>
+            <a:r>
+              <a:rPr lang="en-US" dirty="0" err="1"/>
+              <a:t>download_url</a:t>
+            </a:r>
+            <a:r>
+              <a:rPr lang="en-US" dirty="0"/>
+              <a:t>": "https://raw.githubusercontent.com/</a:t>
+            </a:r>
+            <a:r>
+              <a:rPr lang="en-US" dirty="0" err="1"/>
+              <a:t>chemykill</a:t>
+            </a:r>
+            <a:r>
+              <a:rPr lang="en-US" dirty="0"/>
+              <a:t>/</a:t>
+            </a:r>
+            <a:r>
+              <a:rPr lang="en-US" dirty="0" err="1"/>
+              <a:t>alcoholproblems</a:t>
+            </a:r>
+            <a:r>
+              <a:rPr lang="en-US" dirty="0"/>
+              <a:t>/main/alcoholquestions.pptx", "type": "file", "content": "", "encoding": "base64" }</a:t>
+            </a:r>
           </a:p>
         </p:txBody>
       </p:sp>
@@ -5685,56 +5933,12 @@
 </file>
 
 <file path=customXml/item1.xml><?xml version="1.0" encoding="utf-8"?>
-<p:properties xmlns:p="http://schemas.microsoft.com/office/2006/metadata/properties" xmlns:xsi="http://www.w3.org/2001/XMLSchema-instance" xmlns:pc="http://schemas.microsoft.com/office/infopath/2007/PartnerControls">
-  <documentManagement>
-    <CultureName xmlns="1249b8ab-053a-46ef-b7db-624f618d251b" xsi:nil="true"/>
-    <Students xmlns="1249b8ab-053a-46ef-b7db-624f618d251b">
-      <UserInfo>
-        <DisplayName/>
-        <AccountId xsi:nil="true"/>
-        <AccountType/>
-      </UserInfo>
-    </Students>
-    <Invited_Students xmlns="1249b8ab-053a-46ef-b7db-624f618d251b" xsi:nil="true"/>
-    <Templates xmlns="1249b8ab-053a-46ef-b7db-624f618d251b" xsi:nil="true"/>
-    <Teachers xmlns="1249b8ab-053a-46ef-b7db-624f618d251b">
-      <UserInfo>
-        <DisplayName/>
-        <AccountId xsi:nil="true"/>
-        <AccountType/>
-      </UserInfo>
-    </Teachers>
-    <Student_Groups xmlns="1249b8ab-053a-46ef-b7db-624f618d251b">
-      <UserInfo>
-        <DisplayName/>
-        <AccountId xsi:nil="true"/>
-        <AccountType/>
-      </UserInfo>
-    </Student_Groups>
-    <Distribution_Groups xmlns="1249b8ab-053a-46ef-b7db-624f618d251b" xsi:nil="true"/>
-    <LMS_Mappings xmlns="1249b8ab-053a-46ef-b7db-624f618d251b" xsi:nil="true"/>
-    <Is_Collaboration_Space_Locked xmlns="1249b8ab-053a-46ef-b7db-624f618d251b" xsi:nil="true"/>
-    <Teams_Channel_Section_Location xmlns="1249b8ab-053a-46ef-b7db-624f618d251b" xsi:nil="true"/>
-    <Has_Teacher_Only_SectionGroup xmlns="1249b8ab-053a-46ef-b7db-624f618d251b" xsi:nil="true"/>
-    <Math_Settings xmlns="1249b8ab-053a-46ef-b7db-624f618d251b" xsi:nil="true"/>
-    <Owner xmlns="1249b8ab-053a-46ef-b7db-624f618d251b">
-      <UserInfo>
-        <DisplayName/>
-        <AccountId xsi:nil="true"/>
-        <AccountType/>
-      </UserInfo>
-    </Owner>
-    <Invited_Teachers xmlns="1249b8ab-053a-46ef-b7db-624f618d251b" xsi:nil="true"/>
-    <DefaultSectionNames xmlns="1249b8ab-053a-46ef-b7db-624f618d251b" xsi:nil="true"/>
-    <NotebookType xmlns="1249b8ab-053a-46ef-b7db-624f618d251b" xsi:nil="true"/>
-    <FolderType xmlns="1249b8ab-053a-46ef-b7db-624f618d251b" xsi:nil="true"/>
-    <AppVersion xmlns="1249b8ab-053a-46ef-b7db-624f618d251b" xsi:nil="true"/>
-    <TeamsChannelId xmlns="1249b8ab-053a-46ef-b7db-624f618d251b" xsi:nil="true"/>
-    <Self_Registration_Enabled xmlns="1249b8ab-053a-46ef-b7db-624f618d251b" xsi:nil="true"/>
-    <IsNotebookLocked xmlns="1249b8ab-053a-46ef-b7db-624f618d251b" xsi:nil="true"/>
-    <_activity xmlns="1249b8ab-053a-46ef-b7db-624f618d251b" xsi:nil="true"/>
-  </documentManagement>
-</p:properties>
+<?mso-contentType ?>
+<FormTemplates xmlns="http://schemas.microsoft.com/sharepoint/v3/contenttype/forms">
+  <Display>DocumentLibraryForm</Display>
+  <Edit>DocumentLibraryForm</Edit>
+  <New>DocumentLibraryForm</New>
+</FormTemplates>
 </file>
 
 <file path=customXml/item2.xml><?xml version="1.0" encoding="utf-8"?>
@@ -6191,22 +6395,62 @@
 </file>
 
 <file path=customXml/item3.xml><?xml version="1.0" encoding="utf-8"?>
-<?mso-contentType ?>
-<FormTemplates xmlns="http://schemas.microsoft.com/sharepoint/v3/contenttype/forms">
-  <Display>DocumentLibraryForm</Display>
-  <Edit>DocumentLibraryForm</Edit>
-  <New>DocumentLibraryForm</New>
-</FormTemplates>
+<p:properties xmlns:p="http://schemas.microsoft.com/office/2006/metadata/properties" xmlns:xsi="http://www.w3.org/2001/XMLSchema-instance" xmlns:pc="http://schemas.microsoft.com/office/infopath/2007/PartnerControls">
+  <documentManagement>
+    <CultureName xmlns="1249b8ab-053a-46ef-b7db-624f618d251b" xsi:nil="true"/>
+    <Students xmlns="1249b8ab-053a-46ef-b7db-624f618d251b">
+      <UserInfo>
+        <DisplayName/>
+        <AccountId xsi:nil="true"/>
+        <AccountType/>
+      </UserInfo>
+    </Students>
+    <Invited_Students xmlns="1249b8ab-053a-46ef-b7db-624f618d251b" xsi:nil="true"/>
+    <Templates xmlns="1249b8ab-053a-46ef-b7db-624f618d251b" xsi:nil="true"/>
+    <Teachers xmlns="1249b8ab-053a-46ef-b7db-624f618d251b">
+      <UserInfo>
+        <DisplayName/>
+        <AccountId xsi:nil="true"/>
+        <AccountType/>
+      </UserInfo>
+    </Teachers>
+    <Student_Groups xmlns="1249b8ab-053a-46ef-b7db-624f618d251b">
+      <UserInfo>
+        <DisplayName/>
+        <AccountId xsi:nil="true"/>
+        <AccountType/>
+      </UserInfo>
+    </Student_Groups>
+    <Distribution_Groups xmlns="1249b8ab-053a-46ef-b7db-624f618d251b" xsi:nil="true"/>
+    <LMS_Mappings xmlns="1249b8ab-053a-46ef-b7db-624f618d251b" xsi:nil="true"/>
+    <Is_Collaboration_Space_Locked xmlns="1249b8ab-053a-46ef-b7db-624f618d251b" xsi:nil="true"/>
+    <Teams_Channel_Section_Location xmlns="1249b8ab-053a-46ef-b7db-624f618d251b" xsi:nil="true"/>
+    <Has_Teacher_Only_SectionGroup xmlns="1249b8ab-053a-46ef-b7db-624f618d251b" xsi:nil="true"/>
+    <Math_Settings xmlns="1249b8ab-053a-46ef-b7db-624f618d251b" xsi:nil="true"/>
+    <Owner xmlns="1249b8ab-053a-46ef-b7db-624f618d251b">
+      <UserInfo>
+        <DisplayName/>
+        <AccountId xsi:nil="true"/>
+        <AccountType/>
+      </UserInfo>
+    </Owner>
+    <Invited_Teachers xmlns="1249b8ab-053a-46ef-b7db-624f618d251b" xsi:nil="true"/>
+    <DefaultSectionNames xmlns="1249b8ab-053a-46ef-b7db-624f618d251b" xsi:nil="true"/>
+    <NotebookType xmlns="1249b8ab-053a-46ef-b7db-624f618d251b" xsi:nil="true"/>
+    <FolderType xmlns="1249b8ab-053a-46ef-b7db-624f618d251b" xsi:nil="true"/>
+    <AppVersion xmlns="1249b8ab-053a-46ef-b7db-624f618d251b" xsi:nil="true"/>
+    <TeamsChannelId xmlns="1249b8ab-053a-46ef-b7db-624f618d251b" xsi:nil="true"/>
+    <Self_Registration_Enabled xmlns="1249b8ab-053a-46ef-b7db-624f618d251b" xsi:nil="true"/>
+    <IsNotebookLocked xmlns="1249b8ab-053a-46ef-b7db-624f618d251b" xsi:nil="true"/>
+    <_activity xmlns="1249b8ab-053a-46ef-b7db-624f618d251b" xsi:nil="true"/>
+  </documentManagement>
+</p:properties>
 </file>
 
 <file path=customXml/itemProps1.xml><?xml version="1.0" encoding="utf-8"?>
-<ds:datastoreItem xmlns:ds="http://schemas.openxmlformats.org/officeDocument/2006/customXml" ds:itemID="{E8B38406-C1FA-47F6-9170-0E159FE9BD48}">
+<ds:datastoreItem xmlns:ds="http://schemas.openxmlformats.org/officeDocument/2006/customXml" ds:itemID="{0C6E3EE3-9DF2-4466-830C-F249E8CF1815}">
   <ds:schemaRefs>
-    <ds:schemaRef ds:uri="http://schemas.microsoft.com/office/2006/metadata/properties"/>
-    <ds:schemaRef ds:uri="http://www.w3.org/2000/xmlns/"/>
-    <ds:schemaRef ds:uri="1249b8ab-053a-46ef-b7db-624f618d251b"/>
-    <ds:schemaRef ds:uri="http://www.w3.org/2001/XMLSchema-instance"/>
-    <ds:schemaRef ds:uri="http://schemas.microsoft.com/office/infopath/2007/PartnerControls"/>
+    <ds:schemaRef ds:uri="http://schemas.microsoft.com/sharepoint/v3/contenttype/forms"/>
   </ds:schemaRefs>
 </ds:datastoreItem>
 </file>
@@ -6232,9 +6476,13 @@
 </file>
 
 <file path=customXml/itemProps3.xml><?xml version="1.0" encoding="utf-8"?>
-<ds:datastoreItem xmlns:ds="http://schemas.openxmlformats.org/officeDocument/2006/customXml" ds:itemID="{0C6E3EE3-9DF2-4466-830C-F249E8CF1815}">
+<ds:datastoreItem xmlns:ds="http://schemas.openxmlformats.org/officeDocument/2006/customXml" ds:itemID="{E8B38406-C1FA-47F6-9170-0E159FE9BD48}">
   <ds:schemaRefs>
-    <ds:schemaRef ds:uri="http://schemas.microsoft.com/sharepoint/v3/contenttype/forms"/>
+    <ds:schemaRef ds:uri="http://schemas.microsoft.com/office/2006/metadata/properties"/>
+    <ds:schemaRef ds:uri="http://www.w3.org/2000/xmlns/"/>
+    <ds:schemaRef ds:uri="1249b8ab-053a-46ef-b7db-624f618d251b"/>
+    <ds:schemaRef ds:uri="http://www.w3.org/2001/XMLSchema-instance"/>
+    <ds:schemaRef ds:uri="http://schemas.microsoft.com/office/infopath/2007/PartnerControls"/>
   </ds:schemaRefs>
 </ds:datastoreItem>
 </file>
--- a/alcoholquestions.pptx
+++ b/alcoholquestions.pptx
@@ -127,13 +127,13 @@
 <pc:chgInfo xmlns:a="http://schemas.openxmlformats.org/drawingml/2006/main" xmlns:r="http://schemas.openxmlformats.org/officeDocument/2006/relationships" xmlns:ac="http://schemas.microsoft.com/office/drawing/2013/main/command" xmlns:pc="http://schemas.microsoft.com/office/powerpoint/2013/main/command">
   <pc:docChgLst>
     <pc:chgData name="Brennan Brown" userId="bcf6cc9e-21d7-4e63-b7dc-a8459bd698b0" providerId="ADAL" clId="{30F1509B-5785-4C08-8791-C8021B43727B}"/>
-    <pc:docChg chg="custSel addSld delSld modSld sldOrd">
-      <pc:chgData name="Brennan Brown" userId="bcf6cc9e-21d7-4e63-b7dc-a8459bd698b0" providerId="ADAL" clId="{30F1509B-5785-4C08-8791-C8021B43727B}" dt="2026-02-18T15:58:59.416" v="12" actId="22"/>
+    <pc:docChg chg="undo redo custSel addSld delSld modSld sldOrd">
+      <pc:chgData name="Brennan Brown" userId="bcf6cc9e-21d7-4e63-b7dc-a8459bd698b0" providerId="ADAL" clId="{30F1509B-5785-4C08-8791-C8021B43727B}" dt="2026-02-18T16:01:35.360" v="19" actId="1076"/>
       <pc:docMkLst>
         <pc:docMk/>
       </pc:docMkLst>
       <pc:sldChg chg="addSp delSp modSp mod">
-        <pc:chgData name="Brennan Brown" userId="bcf6cc9e-21d7-4e63-b7dc-a8459bd698b0" providerId="ADAL" clId="{30F1509B-5785-4C08-8791-C8021B43727B}" dt="2026-02-18T15:45:24.683" v="7"/>
+        <pc:chgData name="Brennan Brown" userId="bcf6cc9e-21d7-4e63-b7dc-a8459bd698b0" providerId="ADAL" clId="{30F1509B-5785-4C08-8791-C8021B43727B}" dt="2026-02-18T16:01:35.360" v="19" actId="1076"/>
         <pc:sldMkLst>
           <pc:docMk/>
           <pc:sldMk cId="309893376" sldId="333"/>
@@ -154,16 +154,32 @@
             <ac:spMk id="3" creationId="{60F26EA3-04E8-C3B7-EA6A-24A036BCD4D7}"/>
           </ac:spMkLst>
         </pc:spChg>
-        <pc:picChg chg="add mod">
-          <ac:chgData name="Brennan Brown" userId="bcf6cc9e-21d7-4e63-b7dc-a8459bd698b0" providerId="ADAL" clId="{30F1509B-5785-4C08-8791-C8021B43727B}" dt="2026-02-18T15:45:05.919" v="5"/>
+        <pc:spChg chg="add mod">
+          <ac:chgData name="Brennan Brown" userId="bcf6cc9e-21d7-4e63-b7dc-a8459bd698b0" providerId="ADAL" clId="{30F1509B-5785-4C08-8791-C8021B43727B}" dt="2026-02-18T16:01:35.360" v="19" actId="1076"/>
+          <ac:spMkLst>
+            <pc:docMk/>
+            <pc:sldMk cId="309893376" sldId="333"/>
+            <ac:spMk id="3" creationId="{CBA95F85-F3BA-F4D8-C868-56B3A7A89B49}"/>
+          </ac:spMkLst>
+        </pc:spChg>
+        <pc:spChg chg="add mod">
+          <ac:chgData name="Brennan Brown" userId="bcf6cc9e-21d7-4e63-b7dc-a8459bd698b0" providerId="ADAL" clId="{30F1509B-5785-4C08-8791-C8021B43727B}" dt="2026-02-18T16:01:25.786" v="18" actId="478"/>
+          <ac:spMkLst>
+            <pc:docMk/>
+            <pc:sldMk cId="309893376" sldId="333"/>
+            <ac:spMk id="7" creationId="{6B9CC2DA-5E40-B2C1-35A2-D0829817D5A5}"/>
+          </ac:spMkLst>
+        </pc:spChg>
+        <pc:picChg chg="add del mod">
+          <ac:chgData name="Brennan Brown" userId="bcf6cc9e-21d7-4e63-b7dc-a8459bd698b0" providerId="ADAL" clId="{30F1509B-5785-4C08-8791-C8021B43727B}" dt="2026-02-18T16:01:14.693" v="16" actId="21"/>
           <ac:picMkLst>
             <pc:docMk/>
             <pc:sldMk cId="309893376" sldId="333"/>
             <ac:picMk id="4" creationId="{58AE6040-D907-C27F-64EC-D6904EA797E6}"/>
           </ac:picMkLst>
         </pc:picChg>
-        <pc:picChg chg="add mod">
-          <ac:chgData name="Brennan Brown" userId="bcf6cc9e-21d7-4e63-b7dc-a8459bd698b0" providerId="ADAL" clId="{30F1509B-5785-4C08-8791-C8021B43727B}" dt="2026-02-18T15:45:24.683" v="7"/>
+        <pc:picChg chg="add del mod">
+          <ac:chgData name="Brennan Brown" userId="bcf6cc9e-21d7-4e63-b7dc-a8459bd698b0" providerId="ADAL" clId="{30F1509B-5785-4C08-8791-C8021B43727B}" dt="2026-02-18T16:01:25.786" v="18" actId="478"/>
           <ac:picMkLst>
             <pc:docMk/>
             <pc:sldMk cId="309893376" sldId="333"/>
@@ -172,7 +188,7 @@
         </pc:picChg>
       </pc:sldChg>
       <pc:sldChg chg="addSp delSp modSp new mod">
-        <pc:chgData name="Brennan Brown" userId="bcf6cc9e-21d7-4e63-b7dc-a8459bd698b0" providerId="ADAL" clId="{30F1509B-5785-4C08-8791-C8021B43727B}" dt="2026-02-18T15:58:59.416" v="12" actId="22"/>
+        <pc:chgData name="Brennan Brown" userId="bcf6cc9e-21d7-4e63-b7dc-a8459bd698b0" providerId="ADAL" clId="{30F1509B-5785-4C08-8791-C8021B43727B}" dt="2026-02-18T16:01:11.084" v="15" actId="478"/>
         <pc:sldMkLst>
           <pc:docMk/>
           <pc:sldMk cId="3797059458" sldId="334"/>
@@ -185,8 +201,8 @@
             <ac:spMk id="3" creationId="{F099ADB6-1F06-C663-A558-DC665F0BCE52}"/>
           </ac:spMkLst>
         </pc:spChg>
-        <pc:spChg chg="add">
-          <ac:chgData name="Brennan Brown" userId="bcf6cc9e-21d7-4e63-b7dc-a8459bd698b0" providerId="ADAL" clId="{30F1509B-5785-4C08-8791-C8021B43727B}" dt="2026-02-18T15:58:59.416" v="12" actId="22"/>
+        <pc:spChg chg="add del">
+          <ac:chgData name="Brennan Brown" userId="bcf6cc9e-21d7-4e63-b7dc-a8459bd698b0" providerId="ADAL" clId="{30F1509B-5785-4C08-8791-C8021B43727B}" dt="2026-02-18T16:01:11.084" v="15" actId="478"/>
           <ac:spMkLst>
             <pc:docMk/>
             <pc:sldMk cId="3797059458" sldId="334"/>
@@ -5341,70 +5357,61 @@
           <a:chExt cx="0" cy="0"/>
         </a:xfrm>
       </p:grpSpPr>
-      <p:pic>
-        <p:nvPicPr>
-          <p:cNvPr id="5" name="Online Image Placeholder 4">
-            <a:extLst>
-              <a:ext uri="{FF2B5EF4-FFF2-40B4-BE49-F238E27FC236}">
-                <a16:creationId xmlns:a16="http://schemas.microsoft.com/office/drawing/2014/main" id="{DAF3DC8B-F0F6-2A2F-E501-15017D51FACF}"/>
-              </a:ext>
-            </a:extLst>
-          </p:cNvPr>
-          <p:cNvPicPr>
-            <a:picLocks noGrp="1" noChangeAspect="1"/>
-          </p:cNvPicPr>
-          <p:nvPr>
-            <p:ph type="clipArt" sz="quarter" idx="13"/>
-          </p:nvPr>
-        </p:nvPicPr>
-        <p:blipFill>
-          <a:blip r:embed="rId2"/>
-          <a:stretch>
-            <a:fillRect/>
-          </a:stretch>
-        </p:blipFill>
+      <p:sp>
+        <p:nvSpPr>
+          <p:cNvPr id="3" name="Online Image Placeholder 2">
+            <a:extLst>
+              <a:ext uri="{FF2B5EF4-FFF2-40B4-BE49-F238E27FC236}">
+                <a16:creationId xmlns:a16="http://schemas.microsoft.com/office/drawing/2014/main" id="{CBA95F85-F3BA-F4D8-C868-56B3A7A89B49}"/>
+              </a:ext>
+            </a:extLst>
+          </p:cNvPr>
+          <p:cNvSpPr>
+            <a:spLocks noGrp="1"/>
+          </p:cNvSpPr>
+          <p:nvPr>
+            <p:ph type="clipArt" sz="quarter" idx="14"/>
+          </p:nvPr>
+        </p:nvSpPr>
         <p:spPr>
           <a:xfrm>
-            <a:off x="4463179" y="3108325"/>
-            <a:ext cx="4438804" cy="1354138"/>
+            <a:off x="3081337" y="3027363"/>
+            <a:ext cx="7104063" cy="1516062"/>
           </a:xfrm>
-          <a:prstGeom prst="rect">
-            <a:avLst/>
-          </a:prstGeom>
         </p:spPr>
-      </p:pic>
-      <p:pic>
-        <p:nvPicPr>
-          <p:cNvPr id="4" name="Online Image Placeholder 3">
-            <a:extLst>
-              <a:ext uri="{FF2B5EF4-FFF2-40B4-BE49-F238E27FC236}">
-                <a16:creationId xmlns:a16="http://schemas.microsoft.com/office/drawing/2014/main" id="{58AE6040-D907-C27F-64EC-D6904EA797E6}"/>
-              </a:ext>
-            </a:extLst>
-          </p:cNvPr>
-          <p:cNvPicPr>
-            <a:picLocks noGrp="1" noChangeAspect="1"/>
-          </p:cNvPicPr>
-          <p:nvPr>
-            <p:ph type="clipArt" sz="quarter" idx="14"/>
-          </p:nvPr>
-        </p:nvPicPr>
-        <p:blipFill>
-          <a:blip r:embed="rId3"/>
-          <a:stretch>
-            <a:fillRect/>
-          </a:stretch>
-        </p:blipFill>
-        <p:spPr>
-          <a:xfrm>
-            <a:off x="4781017" y="3027363"/>
-            <a:ext cx="3803128" cy="1516062"/>
-          </a:xfrm>
-          <a:prstGeom prst="rect">
-            <a:avLst/>
-          </a:prstGeom>
-        </p:spPr>
-      </p:pic>
+        <p:txBody>
+          <a:bodyPr/>
+          <a:lstStyle/>
+          <a:p>
+            <a:endParaRPr lang="en-US"/>
+          </a:p>
+        </p:txBody>
+      </p:sp>
+      <p:sp>
+        <p:nvSpPr>
+          <p:cNvPr id="7" name="Online Image Placeholder 6">
+            <a:extLst>
+              <a:ext uri="{FF2B5EF4-FFF2-40B4-BE49-F238E27FC236}">
+                <a16:creationId xmlns:a16="http://schemas.microsoft.com/office/drawing/2014/main" id="{6B9CC2DA-5E40-B2C1-35A2-D0829817D5A5}"/>
+              </a:ext>
+            </a:extLst>
+          </p:cNvPr>
+          <p:cNvSpPr>
+            <a:spLocks noGrp="1"/>
+          </p:cNvSpPr>
+          <p:nvPr>
+            <p:ph type="clipArt" sz="quarter" idx="13"/>
+          </p:nvPr>
+        </p:nvSpPr>
+        <p:spPr/>
+        <p:txBody>
+          <a:bodyPr/>
+          <a:lstStyle/>
+          <a:p>
+            <a:endParaRPr lang="en-US"/>
+          </a:p>
+        </p:txBody>
+      </p:sp>
     </p:spTree>
     <p:extLst>
       <p:ext uri="{BB962C8B-B14F-4D97-AF65-F5344CB8AC3E}">
@@ -5482,145 +5489,6 @@
           <a:lstStyle/>
           <a:p>
             <a:endParaRPr lang="en-US"/>
-          </a:p>
-        </p:txBody>
-      </p:sp>
-      <p:sp>
-        <p:nvSpPr>
-          <p:cNvPr id="4" name="TextBox 3">
-            <a:extLst>
-              <a:ext uri="{FF2B5EF4-FFF2-40B4-BE49-F238E27FC236}">
-                <a16:creationId xmlns:a16="http://schemas.microsoft.com/office/drawing/2014/main" id="{67183C4C-122D-8442-4C53-6BD170DF4125}"/>
-              </a:ext>
-            </a:extLst>
-          </p:cNvPr>
-          <p:cNvSpPr txBox="1"/>
-          <p:nvPr/>
-        </p:nvSpPr>
-        <p:spPr>
-          <a:xfrm>
-            <a:off x="3087859" y="1440324"/>
-            <a:ext cx="6260122" cy="3970318"/>
-          </a:xfrm>
-          <a:prstGeom prst="rect">
-            <a:avLst/>
-          </a:prstGeom>
-          <a:noFill/>
-        </p:spPr>
-        <p:txBody>
-          <a:bodyPr wrap="square">
-            <a:spAutoFit/>
-          </a:bodyPr>
-          <a:lstStyle/>
-          <a:p>
-            <a:r>
-              <a:rPr lang="en-US"/>
-              <a:t>{ "name": "alcoholquestions.pptx", "path": "alcoholquestions.pptx", "sha": "2781e6318b5e01dc7bca84ef7f5f26a0aa8b058e", "size": 980899, "</a:t>
-            </a:r>
-            <a:r>
-              <a:rPr lang="en-US" dirty="0" err="1"/>
-              <a:t>url</a:t>
-            </a:r>
-            <a:r>
-              <a:rPr lang="en-US" dirty="0"/>
-              <a:t>": "https://api.github.com/repos/</a:t>
-            </a:r>
-            <a:r>
-              <a:rPr lang="en-US" dirty="0" err="1"/>
-              <a:t>chemykill</a:t>
-            </a:r>
-            <a:r>
-              <a:rPr lang="en-US" dirty="0"/>
-              <a:t>/</a:t>
-            </a:r>
-            <a:r>
-              <a:rPr lang="en-US" dirty="0" err="1"/>
-              <a:t>alcoholproblems</a:t>
-            </a:r>
-            <a:r>
-              <a:rPr lang="en-US" dirty="0"/>
-              <a:t>/contents/</a:t>
-            </a:r>
-            <a:r>
-              <a:rPr lang="en-US" dirty="0" err="1"/>
-              <a:t>alcoholquestions.pptx?ref</a:t>
-            </a:r>
-            <a:r>
-              <a:rPr lang="en-US" dirty="0"/>
-              <a:t>=main", "</a:t>
-            </a:r>
-            <a:r>
-              <a:rPr lang="en-US" dirty="0" err="1"/>
-              <a:t>html_url</a:t>
-            </a:r>
-            <a:r>
-              <a:rPr lang="en-US" dirty="0"/>
-              <a:t>": "https://github.com/</a:t>
-            </a:r>
-            <a:r>
-              <a:rPr lang="en-US" dirty="0" err="1"/>
-              <a:t>chemykill</a:t>
-            </a:r>
-            <a:r>
-              <a:rPr lang="en-US" dirty="0"/>
-              <a:t>/</a:t>
-            </a:r>
-            <a:r>
-              <a:rPr lang="en-US" dirty="0" err="1"/>
-              <a:t>alcoholproblems</a:t>
-            </a:r>
-            <a:r>
-              <a:rPr lang="en-US" dirty="0"/>
-              <a:t>/blob/main/alcoholquestions.pptx", "</a:t>
-            </a:r>
-            <a:r>
-              <a:rPr lang="en-US" dirty="0" err="1"/>
-              <a:t>git_url</a:t>
-            </a:r>
-            <a:r>
-              <a:rPr lang="en-US" dirty="0"/>
-              <a:t>": "https://api.github.com/repos/</a:t>
-            </a:r>
-            <a:r>
-              <a:rPr lang="en-US" dirty="0" err="1"/>
-              <a:t>chemykill</a:t>
-            </a:r>
-            <a:r>
-              <a:rPr lang="en-US" dirty="0"/>
-              <a:t>/</a:t>
-            </a:r>
-            <a:r>
-              <a:rPr lang="en-US" dirty="0" err="1"/>
-              <a:t>alcoholproblems</a:t>
-            </a:r>
-            <a:r>
-              <a:rPr lang="en-US" dirty="0"/>
-              <a:t>/git/blobs/2781e6318b5e01dc7bca84ef7f5f26a0aa8b058e", "</a:t>
-            </a:r>
-            <a:r>
-              <a:rPr lang="en-US" dirty="0" err="1"/>
-              <a:t>download_url</a:t>
-            </a:r>
-            <a:r>
-              <a:rPr lang="en-US" dirty="0"/>
-              <a:t>": "https://raw.githubusercontent.com/</a:t>
-            </a:r>
-            <a:r>
-              <a:rPr lang="en-US" dirty="0" err="1"/>
-              <a:t>chemykill</a:t>
-            </a:r>
-            <a:r>
-              <a:rPr lang="en-US" dirty="0"/>
-              <a:t>/</a:t>
-            </a:r>
-            <a:r>
-              <a:rPr lang="en-US" dirty="0" err="1"/>
-              <a:t>alcoholproblems</a:t>
-            </a:r>
-            <a:r>
-              <a:rPr lang="en-US" dirty="0"/>
-              <a:t>/main/alcoholquestions.pptx", "type": "file", "content": "", "encoding": "base64" }</a:t>
-            </a:r>
           </a:p>
         </p:txBody>
       </p:sp>
@@ -5933,12 +5801,56 @@
 </file>
 
 <file path=customXml/item1.xml><?xml version="1.0" encoding="utf-8"?>
-<?mso-contentType ?>
-<FormTemplates xmlns="http://schemas.microsoft.com/sharepoint/v3/contenttype/forms">
-  <Display>DocumentLibraryForm</Display>
-  <Edit>DocumentLibraryForm</Edit>
-  <New>DocumentLibraryForm</New>
-</FormTemplates>
+<p:properties xmlns:p="http://schemas.microsoft.com/office/2006/metadata/properties" xmlns:xsi="http://www.w3.org/2001/XMLSchema-instance" xmlns:pc="http://schemas.microsoft.com/office/infopath/2007/PartnerControls">
+  <documentManagement>
+    <CultureName xmlns="1249b8ab-053a-46ef-b7db-624f618d251b" xsi:nil="true"/>
+    <Students xmlns="1249b8ab-053a-46ef-b7db-624f618d251b">
+      <UserInfo>
+        <DisplayName/>
+        <AccountId xsi:nil="true"/>
+        <AccountType/>
+      </UserInfo>
+    </Students>
+    <Invited_Students xmlns="1249b8ab-053a-46ef-b7db-624f618d251b" xsi:nil="true"/>
+    <Templates xmlns="1249b8ab-053a-46ef-b7db-624f618d251b" xsi:nil="true"/>
+    <Teachers xmlns="1249b8ab-053a-46ef-b7db-624f618d251b">
+      <UserInfo>
+        <DisplayName/>
+        <AccountId xsi:nil="true"/>
+        <AccountType/>
+      </UserInfo>
+    </Teachers>
+    <Student_Groups xmlns="1249b8ab-053a-46ef-b7db-624f618d251b">
+      <UserInfo>
+        <DisplayName/>
+        <AccountId xsi:nil="true"/>
+        <AccountType/>
+      </UserInfo>
+    </Student_Groups>
+    <Distribution_Groups xmlns="1249b8ab-053a-46ef-b7db-624f618d251b" xsi:nil="true"/>
+    <LMS_Mappings xmlns="1249b8ab-053a-46ef-b7db-624f618d251b" xsi:nil="true"/>
+    <Is_Collaboration_Space_Locked xmlns="1249b8ab-053a-46ef-b7db-624f618d251b" xsi:nil="true"/>
+    <Teams_Channel_Section_Location xmlns="1249b8ab-053a-46ef-b7db-624f618d251b" xsi:nil="true"/>
+    <Has_Teacher_Only_SectionGroup xmlns="1249b8ab-053a-46ef-b7db-624f618d251b" xsi:nil="true"/>
+    <Math_Settings xmlns="1249b8ab-053a-46ef-b7db-624f618d251b" xsi:nil="true"/>
+    <Owner xmlns="1249b8ab-053a-46ef-b7db-624f618d251b">
+      <UserInfo>
+        <DisplayName/>
+        <AccountId xsi:nil="true"/>
+        <AccountType/>
+      </UserInfo>
+    </Owner>
+    <Invited_Teachers xmlns="1249b8ab-053a-46ef-b7db-624f618d251b" xsi:nil="true"/>
+    <DefaultSectionNames xmlns="1249b8ab-053a-46ef-b7db-624f618d251b" xsi:nil="true"/>
+    <NotebookType xmlns="1249b8ab-053a-46ef-b7db-624f618d251b" xsi:nil="true"/>
+    <FolderType xmlns="1249b8ab-053a-46ef-b7db-624f618d251b" xsi:nil="true"/>
+    <AppVersion xmlns="1249b8ab-053a-46ef-b7db-624f618d251b" xsi:nil="true"/>
+    <TeamsChannelId xmlns="1249b8ab-053a-46ef-b7db-624f618d251b" xsi:nil="true"/>
+    <Self_Registration_Enabled xmlns="1249b8ab-053a-46ef-b7db-624f618d251b" xsi:nil="true"/>
+    <IsNotebookLocked xmlns="1249b8ab-053a-46ef-b7db-624f618d251b" xsi:nil="true"/>
+    <_activity xmlns="1249b8ab-053a-46ef-b7db-624f618d251b" xsi:nil="true"/>
+  </documentManagement>
+</p:properties>
 </file>
 
 <file path=customXml/item2.xml><?xml version="1.0" encoding="utf-8"?>
@@ -6395,62 +6307,22 @@
 </file>
 
 <file path=customXml/item3.xml><?xml version="1.0" encoding="utf-8"?>
-<p:properties xmlns:p="http://schemas.microsoft.com/office/2006/metadata/properties" xmlns:xsi="http://www.w3.org/2001/XMLSchema-instance" xmlns:pc="http://schemas.microsoft.com/office/infopath/2007/PartnerControls">
-  <documentManagement>
-    <CultureName xmlns="1249b8ab-053a-46ef-b7db-624f618d251b" xsi:nil="true"/>
-    <Students xmlns="1249b8ab-053a-46ef-b7db-624f618d251b">
-      <UserInfo>
-        <DisplayName/>
-        <AccountId xsi:nil="true"/>
-        <AccountType/>
-      </UserInfo>
-    </Students>
-    <Invited_Students xmlns="1249b8ab-053a-46ef-b7db-624f618d251b" xsi:nil="true"/>
-    <Templates xmlns="1249b8ab-053a-46ef-b7db-624f618d251b" xsi:nil="true"/>
-    <Teachers xmlns="1249b8ab-053a-46ef-b7db-624f618d251b">
-      <UserInfo>
-        <DisplayName/>
-        <AccountId xsi:nil="true"/>
-        <AccountType/>
-      </UserInfo>
-    </Teachers>
-    <Student_Groups xmlns="1249b8ab-053a-46ef-b7db-624f618d251b">
-      <UserInfo>
-        <DisplayName/>
-        <AccountId xsi:nil="true"/>
-        <AccountType/>
-      </UserInfo>
-    </Student_Groups>
-    <Distribution_Groups xmlns="1249b8ab-053a-46ef-b7db-624f618d251b" xsi:nil="true"/>
-    <LMS_Mappings xmlns="1249b8ab-053a-46ef-b7db-624f618d251b" xsi:nil="true"/>
-    <Is_Collaboration_Space_Locked xmlns="1249b8ab-053a-46ef-b7db-624f618d251b" xsi:nil="true"/>
-    <Teams_Channel_Section_Location xmlns="1249b8ab-053a-46ef-b7db-624f618d251b" xsi:nil="true"/>
-    <Has_Teacher_Only_SectionGroup xmlns="1249b8ab-053a-46ef-b7db-624f618d251b" xsi:nil="true"/>
-    <Math_Settings xmlns="1249b8ab-053a-46ef-b7db-624f618d251b" xsi:nil="true"/>
-    <Owner xmlns="1249b8ab-053a-46ef-b7db-624f618d251b">
-      <UserInfo>
-        <DisplayName/>
-        <AccountId xsi:nil="true"/>
-        <AccountType/>
-      </UserInfo>
-    </Owner>
-    <Invited_Teachers xmlns="1249b8ab-053a-46ef-b7db-624f618d251b" xsi:nil="true"/>
-    <DefaultSectionNames xmlns="1249b8ab-053a-46ef-b7db-624f618d251b" xsi:nil="true"/>
-    <NotebookType xmlns="1249b8ab-053a-46ef-b7db-624f618d251b" xsi:nil="true"/>
-    <FolderType xmlns="1249b8ab-053a-46ef-b7db-624f618d251b" xsi:nil="true"/>
-    <AppVersion xmlns="1249b8ab-053a-46ef-b7db-624f618d251b" xsi:nil="true"/>
-    <TeamsChannelId xmlns="1249b8ab-053a-46ef-b7db-624f618d251b" xsi:nil="true"/>
-    <Self_Registration_Enabled xmlns="1249b8ab-053a-46ef-b7db-624f618d251b" xsi:nil="true"/>
-    <IsNotebookLocked xmlns="1249b8ab-053a-46ef-b7db-624f618d251b" xsi:nil="true"/>
-    <_activity xmlns="1249b8ab-053a-46ef-b7db-624f618d251b" xsi:nil="true"/>
-  </documentManagement>
-</p:properties>
+<?mso-contentType ?>
+<FormTemplates xmlns="http://schemas.microsoft.com/sharepoint/v3/contenttype/forms">
+  <Display>DocumentLibraryForm</Display>
+  <Edit>DocumentLibraryForm</Edit>
+  <New>DocumentLibraryForm</New>
+</FormTemplates>
 </file>
 
 <file path=customXml/itemProps1.xml><?xml version="1.0" encoding="utf-8"?>
-<ds:datastoreItem xmlns:ds="http://schemas.openxmlformats.org/officeDocument/2006/customXml" ds:itemID="{0C6E3EE3-9DF2-4466-830C-F249E8CF1815}">
+<ds:datastoreItem xmlns:ds="http://schemas.openxmlformats.org/officeDocument/2006/customXml" ds:itemID="{E8B38406-C1FA-47F6-9170-0E159FE9BD48}">
   <ds:schemaRefs>
-    <ds:schemaRef ds:uri="http://schemas.microsoft.com/sharepoint/v3/contenttype/forms"/>
+    <ds:schemaRef ds:uri="http://schemas.microsoft.com/office/2006/metadata/properties"/>
+    <ds:schemaRef ds:uri="http://www.w3.org/2000/xmlns/"/>
+    <ds:schemaRef ds:uri="1249b8ab-053a-46ef-b7db-624f618d251b"/>
+    <ds:schemaRef ds:uri="http://www.w3.org/2001/XMLSchema-instance"/>
+    <ds:schemaRef ds:uri="http://schemas.microsoft.com/office/infopath/2007/PartnerControls"/>
   </ds:schemaRefs>
 </ds:datastoreItem>
 </file>
@@ -6476,13 +6348,9 @@
 </file>
 
 <file path=customXml/itemProps3.xml><?xml version="1.0" encoding="utf-8"?>
-<ds:datastoreItem xmlns:ds="http://schemas.openxmlformats.org/officeDocument/2006/customXml" ds:itemID="{E8B38406-C1FA-47F6-9170-0E159FE9BD48}">
+<ds:datastoreItem xmlns:ds="http://schemas.openxmlformats.org/officeDocument/2006/customXml" ds:itemID="{0C6E3EE3-9DF2-4466-830C-F249E8CF1815}">
   <ds:schemaRefs>
-    <ds:schemaRef ds:uri="http://schemas.microsoft.com/office/2006/metadata/properties"/>
-    <ds:schemaRef ds:uri="http://www.w3.org/2000/xmlns/"/>
-    <ds:schemaRef ds:uri="1249b8ab-053a-46ef-b7db-624f618d251b"/>
-    <ds:schemaRef ds:uri="http://www.w3.org/2001/XMLSchema-instance"/>
-    <ds:schemaRef ds:uri="http://schemas.microsoft.com/office/infopath/2007/PartnerControls"/>
+    <ds:schemaRef ds:uri="http://schemas.microsoft.com/sharepoint/v3/contenttype/forms"/>
   </ds:schemaRefs>
 </ds:datastoreItem>
 </file>
--- a/alcoholquestions.pptx
+++ b/alcoholquestions.pptx
@@ -118,7 +118,7 @@
 <file path=ppt/revisionInfo.xml><?xml version="1.0" encoding="utf-8"?>
 <p1510:revInfo xmlns:a="http://schemas.openxmlformats.org/drawingml/2006/main" xmlns:r="http://schemas.openxmlformats.org/officeDocument/2006/relationships" xmlns:p1510="http://schemas.microsoft.com/office/powerpoint/2015/10/main">
   <p1510:revLst>
-    <p1510:client id="{35CB8859-946B-47B2-B238-137014B76091}" v="4" dt="2026-02-18T15:52:47.533"/>
+    <p1510:client id="{35CB8859-946B-47B2-B238-137014B76091}" v="5" dt="2026-02-18T16:03:03.048"/>
   </p1510:revLst>
 </p1510:revInfo>
 </file>
@@ -128,7 +128,7 @@
   <pc:docChgLst>
     <pc:chgData name="Brennan Brown" userId="bcf6cc9e-21d7-4e63-b7dc-a8459bd698b0" providerId="ADAL" clId="{30F1509B-5785-4C08-8791-C8021B43727B}"/>
     <pc:docChg chg="undo redo custSel addSld delSld modSld sldOrd">
-      <pc:chgData name="Brennan Brown" userId="bcf6cc9e-21d7-4e63-b7dc-a8459bd698b0" providerId="ADAL" clId="{30F1509B-5785-4C08-8791-C8021B43727B}" dt="2026-02-18T16:01:35.360" v="19" actId="1076"/>
+      <pc:chgData name="Brennan Brown" userId="bcf6cc9e-21d7-4e63-b7dc-a8459bd698b0" providerId="ADAL" clId="{30F1509B-5785-4C08-8791-C8021B43727B}" dt="2026-02-18T16:03:03.048" v="21"/>
       <pc:docMkLst>
         <pc:docMk/>
       </pc:docMkLst>
@@ -188,11 +188,19 @@
         </pc:picChg>
       </pc:sldChg>
       <pc:sldChg chg="addSp delSp modSp new mod">
-        <pc:chgData name="Brennan Brown" userId="bcf6cc9e-21d7-4e63-b7dc-a8459bd698b0" providerId="ADAL" clId="{30F1509B-5785-4C08-8791-C8021B43727B}" dt="2026-02-18T16:01:11.084" v="15" actId="478"/>
+        <pc:chgData name="Brennan Brown" userId="bcf6cc9e-21d7-4e63-b7dc-a8459bd698b0" providerId="ADAL" clId="{30F1509B-5785-4C08-8791-C8021B43727B}" dt="2026-02-18T16:03:03.048" v="21"/>
         <pc:sldMkLst>
           <pc:docMk/>
           <pc:sldMk cId="3797059458" sldId="334"/>
         </pc:sldMkLst>
+        <pc:spChg chg="del">
+          <ac:chgData name="Brennan Brown" userId="bcf6cc9e-21d7-4e63-b7dc-a8459bd698b0" providerId="ADAL" clId="{30F1509B-5785-4C08-8791-C8021B43727B}" dt="2026-02-18T16:03:03.048" v="21"/>
+          <ac:spMkLst>
+            <pc:docMk/>
+            <pc:sldMk cId="3797059458" sldId="334"/>
+            <ac:spMk id="2" creationId="{35420568-D2A1-3022-C7D4-036500EE130F}"/>
+          </ac:spMkLst>
+        </pc:spChg>
         <pc:spChg chg="del">
           <ac:chgData name="Brennan Brown" userId="bcf6cc9e-21d7-4e63-b7dc-a8459bd698b0" providerId="ADAL" clId="{30F1509B-5785-4C08-8791-C8021B43727B}" dt="2026-02-18T15:47:16.763" v="8"/>
           <ac:spMkLst>
@@ -218,13 +226,21 @@
           </ac:spMkLst>
         </pc:spChg>
         <pc:spChg chg="add mod">
-          <ac:chgData name="Brennan Brown" userId="bcf6cc9e-21d7-4e63-b7dc-a8459bd698b0" providerId="ADAL" clId="{30F1509B-5785-4C08-8791-C8021B43727B}" dt="2026-02-18T15:52:55.046" v="11" actId="478"/>
+          <ac:chgData name="Brennan Brown" userId="bcf6cc9e-21d7-4e63-b7dc-a8459bd698b0" providerId="ADAL" clId="{30F1509B-5785-4C08-8791-C8021B43727B}" dt="2026-02-18T16:03:01.345" v="20" actId="1076"/>
           <ac:spMkLst>
             <pc:docMk/>
             <pc:sldMk cId="3797059458" sldId="334"/>
             <ac:spMk id="6" creationId="{47C89B0C-EDCA-A801-83D4-6493CBCA3E62}"/>
           </ac:spMkLst>
         </pc:spChg>
+        <pc:picChg chg="add mod">
+          <ac:chgData name="Brennan Brown" userId="bcf6cc9e-21d7-4e63-b7dc-a8459bd698b0" providerId="ADAL" clId="{30F1509B-5785-4C08-8791-C8021B43727B}" dt="2026-02-18T16:03:03.048" v="21"/>
+          <ac:picMkLst>
+            <pc:docMk/>
+            <pc:sldMk cId="3797059458" sldId="334"/>
+            <ac:picMk id="3" creationId="{269ADA12-0E2C-EDF2-4EEA-B8BC8BF16832}"/>
+          </ac:picMkLst>
+        </pc:picChg>
         <pc:picChg chg="add del mod">
           <ac:chgData name="Brennan Brown" userId="bcf6cc9e-21d7-4e63-b7dc-a8459bd698b0" providerId="ADAL" clId="{30F1509B-5785-4C08-8791-C8021B43727B}" dt="2026-02-18T15:52:55.046" v="11" actId="478"/>
           <ac:picMkLst>
@@ -5444,54 +5460,66 @@
       </p:grpSpPr>
       <p:sp>
         <p:nvSpPr>
-          <p:cNvPr id="2" name="Online Image Placeholder 1">
-            <a:extLst>
-              <a:ext uri="{FF2B5EF4-FFF2-40B4-BE49-F238E27FC236}">
-                <a16:creationId xmlns:a16="http://schemas.microsoft.com/office/drawing/2014/main" id="{35420568-D2A1-3022-C7D4-036500EE130F}"/>
-              </a:ext>
-            </a:extLst>
-          </p:cNvPr>
-          <p:cNvSpPr>
-            <a:spLocks noGrp="1"/>
-          </p:cNvSpPr>
-          <p:nvPr>
-            <p:ph type="clipArt" sz="quarter" idx="13"/>
-          </p:nvPr>
-        </p:nvSpPr>
-        <p:spPr/>
+          <p:cNvPr id="6" name="Online Image Placeholder 5">
+            <a:extLst>
+              <a:ext uri="{FF2B5EF4-FFF2-40B4-BE49-F238E27FC236}">
+                <a16:creationId xmlns:a16="http://schemas.microsoft.com/office/drawing/2014/main" id="{47C89B0C-EDCA-A801-83D4-6493CBCA3E62}"/>
+              </a:ext>
+            </a:extLst>
+          </p:cNvPr>
+          <p:cNvSpPr>
+            <a:spLocks noGrp="1"/>
+          </p:cNvSpPr>
+          <p:nvPr>
+            <p:ph type="clipArt" sz="quarter" idx="14"/>
+          </p:nvPr>
+        </p:nvSpPr>
+        <p:spPr>
+          <a:xfrm>
+            <a:off x="3625225" y="3108325"/>
+            <a:ext cx="7104063" cy="1516062"/>
+          </a:xfrm>
+        </p:spPr>
         <p:txBody>
           <a:bodyPr/>
           <a:lstStyle/>
           <a:p>
-            <a:endParaRPr lang="en-US"/>
-          </a:p>
-        </p:txBody>
-      </p:sp>
-      <p:sp>
-        <p:nvSpPr>
-          <p:cNvPr id="6" name="Online Image Placeholder 5">
-            <a:extLst>
-              <a:ext uri="{FF2B5EF4-FFF2-40B4-BE49-F238E27FC236}">
-                <a16:creationId xmlns:a16="http://schemas.microsoft.com/office/drawing/2014/main" id="{47C89B0C-EDCA-A801-83D4-6493CBCA3E62}"/>
-              </a:ext>
-            </a:extLst>
-          </p:cNvPr>
-          <p:cNvSpPr>
-            <a:spLocks noGrp="1"/>
-          </p:cNvSpPr>
-          <p:nvPr>
-            <p:ph type="clipArt" sz="quarter" idx="14"/>
-          </p:nvPr>
-        </p:nvSpPr>
-        <p:spPr/>
-        <p:txBody>
-          <a:bodyPr/>
-          <a:lstStyle/>
-          <a:p>
-            <a:endParaRPr lang="en-US"/>
-          </a:p>
-        </p:txBody>
-      </p:sp>
+            <a:endParaRPr lang="en-US" dirty="0"/>
+          </a:p>
+        </p:txBody>
+      </p:sp>
+      <p:pic>
+        <p:nvPicPr>
+          <p:cNvPr id="3" name="Online Image Placeholder 2">
+            <a:extLst>
+              <a:ext uri="{FF2B5EF4-FFF2-40B4-BE49-F238E27FC236}">
+                <a16:creationId xmlns:a16="http://schemas.microsoft.com/office/drawing/2014/main" id="{269ADA12-0E2C-EDF2-4EEA-B8BC8BF16832}"/>
+              </a:ext>
+            </a:extLst>
+          </p:cNvPr>
+          <p:cNvPicPr>
+            <a:picLocks noGrp="1" noChangeAspect="1"/>
+          </p:cNvPicPr>
+          <p:nvPr>
+            <p:ph type="clipArt" sz="quarter" idx="13"/>
+          </p:nvPr>
+        </p:nvPicPr>
+        <p:blipFill>
+          <a:blip r:embed="rId2"/>
+          <a:stretch>
+            <a:fillRect/>
+          </a:stretch>
+        </p:blipFill>
+        <p:spPr>
+          <a:xfrm>
+            <a:off x="5153032" y="3108325"/>
+            <a:ext cx="2960674" cy="1354138"/>
+          </a:xfrm>
+          <a:prstGeom prst="rect">
+            <a:avLst/>
+          </a:prstGeom>
+        </p:spPr>
+      </p:pic>
     </p:spTree>
     <p:extLst>
       <p:ext uri="{BB962C8B-B14F-4D97-AF65-F5344CB8AC3E}">

--- a/alcoholquestions.pptx
+++ b/alcoholquestions.pptx
@@ -118,7 +118,7 @@
 <file path=ppt/revisionInfo.xml><?xml version="1.0" encoding="utf-8"?>
 <p1510:revInfo xmlns:a="http://schemas.openxmlformats.org/drawingml/2006/main" xmlns:r="http://schemas.openxmlformats.org/officeDocument/2006/relationships" xmlns:p1510="http://schemas.microsoft.com/office/powerpoint/2015/10/main">
   <p1510:revLst>
-    <p1510:client id="{35CB8859-946B-47B2-B238-137014B76091}" v="5" dt="2026-02-18T16:03:03.048"/>
+    <p1510:client id="{35CB8859-946B-47B2-B238-137014B76091}" v="6" dt="2026-02-18T16:03:14.836"/>
   </p1510:revLst>
 </p1510:revInfo>
 </file>
@@ -128,7 +128,7 @@
   <pc:docChgLst>
     <pc:chgData name="Brennan Brown" userId="bcf6cc9e-21d7-4e63-b7dc-a8459bd698b0" providerId="ADAL" clId="{30F1509B-5785-4C08-8791-C8021B43727B}"/>
     <pc:docChg chg="undo redo custSel addSld delSld modSld sldOrd">
-      <pc:chgData name="Brennan Brown" userId="bcf6cc9e-21d7-4e63-b7dc-a8459bd698b0" providerId="ADAL" clId="{30F1509B-5785-4C08-8791-C8021B43727B}" dt="2026-02-18T16:03:03.048" v="21"/>
+      <pc:chgData name="Brennan Brown" userId="bcf6cc9e-21d7-4e63-b7dc-a8459bd698b0" providerId="ADAL" clId="{30F1509B-5785-4C08-8791-C8021B43727B}" dt="2026-02-18T16:03:17.897" v="23" actId="1076"/>
       <pc:docMkLst>
         <pc:docMk/>
       </pc:docMkLst>
@@ -188,7 +188,7 @@
         </pc:picChg>
       </pc:sldChg>
       <pc:sldChg chg="addSp delSp modSp new mod">
-        <pc:chgData name="Brennan Brown" userId="bcf6cc9e-21d7-4e63-b7dc-a8459bd698b0" providerId="ADAL" clId="{30F1509B-5785-4C08-8791-C8021B43727B}" dt="2026-02-18T16:03:03.048" v="21"/>
+        <pc:chgData name="Brennan Brown" userId="bcf6cc9e-21d7-4e63-b7dc-a8459bd698b0" providerId="ADAL" clId="{30F1509B-5785-4C08-8791-C8021B43727B}" dt="2026-02-18T16:03:17.897" v="23" actId="1076"/>
         <pc:sldMkLst>
           <pc:docMk/>
           <pc:sldMk cId="3797059458" sldId="334"/>
@@ -225,8 +225,8 @@
             <ac:spMk id="5" creationId="{3EB3D709-0FC9-62A7-3340-32ACA085FA17}"/>
           </ac:spMkLst>
         </pc:spChg>
-        <pc:spChg chg="add mod">
-          <ac:chgData name="Brennan Brown" userId="bcf6cc9e-21d7-4e63-b7dc-a8459bd698b0" providerId="ADAL" clId="{30F1509B-5785-4C08-8791-C8021B43727B}" dt="2026-02-18T16:03:01.345" v="20" actId="1076"/>
+        <pc:spChg chg="add del mod">
+          <ac:chgData name="Brennan Brown" userId="bcf6cc9e-21d7-4e63-b7dc-a8459bd698b0" providerId="ADAL" clId="{30F1509B-5785-4C08-8791-C8021B43727B}" dt="2026-02-18T16:03:14.836" v="22"/>
           <ac:spMkLst>
             <pc:docMk/>
             <pc:sldMk cId="3797059458" sldId="334"/>
@@ -255,6 +255,14 @@
             <pc:docMk/>
             <pc:sldMk cId="3797059458" sldId="334"/>
             <ac:picMk id="4" creationId="{64735D52-6C38-23E9-4B24-E13AF8507482}"/>
+          </ac:picMkLst>
+        </pc:picChg>
+        <pc:picChg chg="add mod">
+          <ac:chgData name="Brennan Brown" userId="bcf6cc9e-21d7-4e63-b7dc-a8459bd698b0" providerId="ADAL" clId="{30F1509B-5785-4C08-8791-C8021B43727B}" dt="2026-02-18T16:03:17.897" v="23" actId="1076"/>
+          <ac:picMkLst>
+            <pc:docMk/>
+            <pc:sldMk cId="3797059458" sldId="334"/>
+            <ac:picMk id="5" creationId="{EECA05C9-61B9-4395-711B-1C7E797E2468}"/>
           </ac:picMkLst>
         </pc:picChg>
       </pc:sldChg>
@@ -5458,36 +5466,38 @@
           <a:chExt cx="0" cy="0"/>
         </a:xfrm>
       </p:grpSpPr>
-      <p:sp>
-        <p:nvSpPr>
-          <p:cNvPr id="6" name="Online Image Placeholder 5">
-            <a:extLst>
-              <a:ext uri="{FF2B5EF4-FFF2-40B4-BE49-F238E27FC236}">
-                <a16:creationId xmlns:a16="http://schemas.microsoft.com/office/drawing/2014/main" id="{47C89B0C-EDCA-A801-83D4-6493CBCA3E62}"/>
-              </a:ext>
-            </a:extLst>
-          </p:cNvPr>
-          <p:cNvSpPr>
-            <a:spLocks noGrp="1"/>
-          </p:cNvSpPr>
+      <p:pic>
+        <p:nvPicPr>
+          <p:cNvPr id="5" name="Online Image Placeholder 4">
+            <a:extLst>
+              <a:ext uri="{FF2B5EF4-FFF2-40B4-BE49-F238E27FC236}">
+                <a16:creationId xmlns:a16="http://schemas.microsoft.com/office/drawing/2014/main" id="{EECA05C9-61B9-4395-711B-1C7E797E2468}"/>
+              </a:ext>
+            </a:extLst>
+          </p:cNvPr>
+          <p:cNvPicPr>
+            <a:picLocks noGrp="1" noChangeAspect="1"/>
+          </p:cNvPicPr>
           <p:nvPr>
             <p:ph type="clipArt" sz="quarter" idx="14"/>
           </p:nvPr>
-        </p:nvSpPr>
+        </p:nvPicPr>
+        <p:blipFill>
+          <a:blip r:embed="rId2"/>
+          <a:stretch>
+            <a:fillRect/>
+          </a:stretch>
+        </p:blipFill>
         <p:spPr>
           <a:xfrm>
-            <a:off x="3625225" y="3108325"/>
-            <a:ext cx="7104063" cy="1516062"/>
+            <a:off x="4466962" y="3027362"/>
+            <a:ext cx="4332814" cy="1516063"/>
           </a:xfrm>
+          <a:prstGeom prst="rect">
+            <a:avLst/>
+          </a:prstGeom>
         </p:spPr>
-        <p:txBody>
-          <a:bodyPr/>
-          <a:lstStyle/>
-          <a:p>
-            <a:endParaRPr lang="en-US" dirty="0"/>
-          </a:p>
-        </p:txBody>
-      </p:sp>
+      </p:pic>
       <p:pic>
         <p:nvPicPr>
           <p:cNvPr id="3" name="Online Image Placeholder 2">
@@ -5505,7 +5515,7 @@
           </p:nvPr>
         </p:nvPicPr>
         <p:blipFill>
-          <a:blip r:embed="rId2"/>
+          <a:blip r:embed="rId3"/>
           <a:stretch>
             <a:fillRect/>
           </a:stretch>

--- a/alcoholquestions.pptx
+++ b/alcoholquestions.pptx
@@ -9,6 +9,7 @@
     <p:sldId id="332" r:id="rId6"/>
     <p:sldId id="333" r:id="rId7"/>
     <p:sldId id="334" r:id="rId8"/>
+    <p:sldId id="335" r:id="rId9"/>
   </p:sldIdLst>
   <p:sldSz cx="12192000" cy="6858000"/>
   <p:notesSz cx="6858000" cy="9144000"/>
@@ -118,7 +119,7 @@
 <file path=ppt/revisionInfo.xml><?xml version="1.0" encoding="utf-8"?>
 <p1510:revInfo xmlns:a="http://schemas.openxmlformats.org/drawingml/2006/main" xmlns:r="http://schemas.openxmlformats.org/officeDocument/2006/relationships" xmlns:p1510="http://schemas.microsoft.com/office/powerpoint/2015/10/main">
   <p1510:revLst>
-    <p1510:client id="{35CB8859-946B-47B2-B238-137014B76091}" v="6" dt="2026-02-18T16:03:14.836"/>
+    <p1510:client id="{35CB8859-946B-47B2-B238-137014B76091}" v="10" dt="2026-02-18T16:04:42.552"/>
   </p1510:revLst>
 </p1510:revInfo>
 </file>
@@ -128,12 +129,12 @@
   <pc:docChgLst>
     <pc:chgData name="Brennan Brown" userId="bcf6cc9e-21d7-4e63-b7dc-a8459bd698b0" providerId="ADAL" clId="{30F1509B-5785-4C08-8791-C8021B43727B}"/>
     <pc:docChg chg="undo redo custSel addSld delSld modSld sldOrd">
-      <pc:chgData name="Brennan Brown" userId="bcf6cc9e-21d7-4e63-b7dc-a8459bd698b0" providerId="ADAL" clId="{30F1509B-5785-4C08-8791-C8021B43727B}" dt="2026-02-18T16:03:17.897" v="23" actId="1076"/>
+      <pc:chgData name="Brennan Brown" userId="bcf6cc9e-21d7-4e63-b7dc-a8459bd698b0" providerId="ADAL" clId="{30F1509B-5785-4C08-8791-C8021B43727B}" dt="2026-02-18T16:04:42.552" v="33"/>
       <pc:docMkLst>
         <pc:docMk/>
       </pc:docMkLst>
       <pc:sldChg chg="addSp delSp modSp mod">
-        <pc:chgData name="Brennan Brown" userId="bcf6cc9e-21d7-4e63-b7dc-a8459bd698b0" providerId="ADAL" clId="{30F1509B-5785-4C08-8791-C8021B43727B}" dt="2026-02-18T16:01:35.360" v="19" actId="1076"/>
+        <pc:chgData name="Brennan Brown" userId="bcf6cc9e-21d7-4e63-b7dc-a8459bd698b0" providerId="ADAL" clId="{30F1509B-5785-4C08-8791-C8021B43727B}" dt="2026-02-18T16:03:50.583" v="25"/>
         <pc:sldMkLst>
           <pc:docMk/>
           <pc:sldMk cId="309893376" sldId="333"/>
@@ -154,16 +155,16 @@
             <ac:spMk id="3" creationId="{60F26EA3-04E8-C3B7-EA6A-24A036BCD4D7}"/>
           </ac:spMkLst>
         </pc:spChg>
-        <pc:spChg chg="add mod">
-          <ac:chgData name="Brennan Brown" userId="bcf6cc9e-21d7-4e63-b7dc-a8459bd698b0" providerId="ADAL" clId="{30F1509B-5785-4C08-8791-C8021B43727B}" dt="2026-02-18T16:01:35.360" v="19" actId="1076"/>
+        <pc:spChg chg="add del mod">
+          <ac:chgData name="Brennan Brown" userId="bcf6cc9e-21d7-4e63-b7dc-a8459bd698b0" providerId="ADAL" clId="{30F1509B-5785-4C08-8791-C8021B43727B}" dt="2026-02-18T16:03:50.583" v="25"/>
           <ac:spMkLst>
             <pc:docMk/>
             <pc:sldMk cId="309893376" sldId="333"/>
             <ac:spMk id="3" creationId="{CBA95F85-F3BA-F4D8-C868-56B3A7A89B49}"/>
           </ac:spMkLst>
         </pc:spChg>
-        <pc:spChg chg="add mod">
-          <ac:chgData name="Brennan Brown" userId="bcf6cc9e-21d7-4e63-b7dc-a8459bd698b0" providerId="ADAL" clId="{30F1509B-5785-4C08-8791-C8021B43727B}" dt="2026-02-18T16:01:25.786" v="18" actId="478"/>
+        <pc:spChg chg="add del mod">
+          <ac:chgData name="Brennan Brown" userId="bcf6cc9e-21d7-4e63-b7dc-a8459bd698b0" providerId="ADAL" clId="{30F1509B-5785-4C08-8791-C8021B43727B}" dt="2026-02-18T16:03:41.809" v="24"/>
           <ac:spMkLst>
             <pc:docMk/>
             <pc:sldMk cId="309893376" sldId="333"/>
@@ -184,6 +185,22 @@
             <pc:docMk/>
             <pc:sldMk cId="309893376" sldId="333"/>
             <ac:picMk id="5" creationId="{DAF3DC8B-F0F6-2A2F-E501-15017D51FACF}"/>
+          </ac:picMkLst>
+        </pc:picChg>
+        <pc:picChg chg="add mod">
+          <ac:chgData name="Brennan Brown" userId="bcf6cc9e-21d7-4e63-b7dc-a8459bd698b0" providerId="ADAL" clId="{30F1509B-5785-4C08-8791-C8021B43727B}" dt="2026-02-18T16:03:41.809" v="24"/>
+          <ac:picMkLst>
+            <pc:docMk/>
+            <pc:sldMk cId="309893376" sldId="333"/>
+            <ac:picMk id="8" creationId="{E83512EA-6921-062E-49DD-3CBEC56B33E8}"/>
+          </ac:picMkLst>
+        </pc:picChg>
+        <pc:picChg chg="add mod">
+          <ac:chgData name="Brennan Brown" userId="bcf6cc9e-21d7-4e63-b7dc-a8459bd698b0" providerId="ADAL" clId="{30F1509B-5785-4C08-8791-C8021B43727B}" dt="2026-02-18T16:03:50.583" v="25"/>
+          <ac:picMkLst>
+            <pc:docMk/>
+            <pc:sldMk cId="309893376" sldId="333"/>
+            <ac:picMk id="9" creationId="{3073BB44-6E27-B014-2A30-EF5BA8022F97}"/>
           </ac:picMkLst>
         </pc:picChg>
       </pc:sldChg>
@@ -272,6 +289,45 @@
           <pc:docMk/>
           <pc:sldMk cId="1713987108" sldId="335"/>
         </pc:sldMkLst>
+      </pc:sldChg>
+      <pc:sldChg chg="addSp delSp modSp new mod">
+        <pc:chgData name="Brennan Brown" userId="bcf6cc9e-21d7-4e63-b7dc-a8459bd698b0" providerId="ADAL" clId="{30F1509B-5785-4C08-8791-C8021B43727B}" dt="2026-02-18T16:04:42.552" v="33"/>
+        <pc:sldMkLst>
+          <pc:docMk/>
+          <pc:sldMk cId="4212105296" sldId="335"/>
+        </pc:sldMkLst>
+        <pc:spChg chg="del">
+          <ac:chgData name="Brennan Brown" userId="bcf6cc9e-21d7-4e63-b7dc-a8459bd698b0" providerId="ADAL" clId="{30F1509B-5785-4C08-8791-C8021B43727B}" dt="2026-02-18T16:04:26.498" v="29"/>
+          <ac:spMkLst>
+            <pc:docMk/>
+            <pc:sldMk cId="4212105296" sldId="335"/>
+            <ac:spMk id="2" creationId="{A3D52821-2377-81D6-8F8C-2CD12B292DC1}"/>
+          </ac:spMkLst>
+        </pc:spChg>
+        <pc:spChg chg="del mod">
+          <ac:chgData name="Brennan Brown" userId="bcf6cc9e-21d7-4e63-b7dc-a8459bd698b0" providerId="ADAL" clId="{30F1509B-5785-4C08-8791-C8021B43727B}" dt="2026-02-18T16:04:42.552" v="33"/>
+          <ac:spMkLst>
+            <pc:docMk/>
+            <pc:sldMk cId="4212105296" sldId="335"/>
+            <ac:spMk id="3" creationId="{1FF5C050-C5D6-6D2E-5481-B3CEAE2A1E1A}"/>
+          </ac:spMkLst>
+        </pc:spChg>
+        <pc:picChg chg="add mod">
+          <ac:chgData name="Brennan Brown" userId="bcf6cc9e-21d7-4e63-b7dc-a8459bd698b0" providerId="ADAL" clId="{30F1509B-5785-4C08-8791-C8021B43727B}" dt="2026-02-18T16:04:26.498" v="29"/>
+          <ac:picMkLst>
+            <pc:docMk/>
+            <pc:sldMk cId="4212105296" sldId="335"/>
+            <ac:picMk id="4" creationId="{DE54C42C-8969-518F-0CD9-007264CECBCC}"/>
+          </ac:picMkLst>
+        </pc:picChg>
+        <pc:picChg chg="add mod">
+          <ac:chgData name="Brennan Brown" userId="bcf6cc9e-21d7-4e63-b7dc-a8459bd698b0" providerId="ADAL" clId="{30F1509B-5785-4C08-8791-C8021B43727B}" dt="2026-02-18T16:04:42.552" v="33"/>
+          <ac:picMkLst>
+            <pc:docMk/>
+            <pc:sldMk cId="4212105296" sldId="335"/>
+            <ac:picMk id="5" creationId="{83BB78A4-B6EA-1E4F-DF7C-54B2C558E4FB}"/>
+          </ac:picMkLst>
+        </pc:picChg>
       </pc:sldChg>
     </pc:docChg>
   </pc:docChgLst>
@@ -5381,61 +5437,70 @@
           <a:chExt cx="0" cy="0"/>
         </a:xfrm>
       </p:grpSpPr>
-      <p:sp>
-        <p:nvSpPr>
-          <p:cNvPr id="3" name="Online Image Placeholder 2">
-            <a:extLst>
-              <a:ext uri="{FF2B5EF4-FFF2-40B4-BE49-F238E27FC236}">
-                <a16:creationId xmlns:a16="http://schemas.microsoft.com/office/drawing/2014/main" id="{CBA95F85-F3BA-F4D8-C868-56B3A7A89B49}"/>
-              </a:ext>
-            </a:extLst>
-          </p:cNvPr>
-          <p:cNvSpPr>
-            <a:spLocks noGrp="1"/>
-          </p:cNvSpPr>
-          <p:nvPr>
-            <p:ph type="clipArt" sz="quarter" idx="14"/>
-          </p:nvPr>
-        </p:nvSpPr>
+      <p:pic>
+        <p:nvPicPr>
+          <p:cNvPr id="8" name="Online Image Placeholder 7">
+            <a:extLst>
+              <a:ext uri="{FF2B5EF4-FFF2-40B4-BE49-F238E27FC236}">
+                <a16:creationId xmlns:a16="http://schemas.microsoft.com/office/drawing/2014/main" id="{E83512EA-6921-062E-49DD-3CBEC56B33E8}"/>
+              </a:ext>
+            </a:extLst>
+          </p:cNvPr>
+          <p:cNvPicPr>
+            <a:picLocks noGrp="1" noChangeAspect="1"/>
+          </p:cNvPicPr>
+          <p:nvPr>
+            <p:ph type="clipArt" sz="quarter" idx="13"/>
+          </p:nvPr>
+        </p:nvPicPr>
+        <p:blipFill>
+          <a:blip r:embed="rId2"/>
+          <a:stretch>
+            <a:fillRect/>
+          </a:stretch>
+        </p:blipFill>
         <p:spPr>
           <a:xfrm>
-            <a:off x="3081337" y="3027363"/>
-            <a:ext cx="7104063" cy="1516062"/>
+            <a:off x="4934673" y="3108325"/>
+            <a:ext cx="3397392" cy="1354138"/>
           </a:xfrm>
+          <a:prstGeom prst="rect">
+            <a:avLst/>
+          </a:prstGeom>
         </p:spPr>
-        <p:txBody>
-          <a:bodyPr/>
-          <a:lstStyle/>
-          <a:p>
-            <a:endParaRPr lang="en-US"/>
-          </a:p>
-        </p:txBody>
-      </p:sp>
-      <p:sp>
-        <p:nvSpPr>
-          <p:cNvPr id="7" name="Online Image Placeholder 6">
-            <a:extLst>
-              <a:ext uri="{FF2B5EF4-FFF2-40B4-BE49-F238E27FC236}">
-                <a16:creationId xmlns:a16="http://schemas.microsoft.com/office/drawing/2014/main" id="{6B9CC2DA-5E40-B2C1-35A2-D0829817D5A5}"/>
-              </a:ext>
-            </a:extLst>
-          </p:cNvPr>
-          <p:cNvSpPr>
-            <a:spLocks noGrp="1"/>
-          </p:cNvSpPr>
-          <p:nvPr>
-            <p:ph type="clipArt" sz="quarter" idx="13"/>
-          </p:nvPr>
-        </p:nvSpPr>
-        <p:spPr/>
-        <p:txBody>
-          <a:bodyPr/>
-          <a:lstStyle/>
-          <a:p>
-            <a:endParaRPr lang="en-US"/>
-          </a:p>
-        </p:txBody>
-      </p:sp>
+      </p:pic>
+      <p:pic>
+        <p:nvPicPr>
+          <p:cNvPr id="9" name="Online Image Placeholder 8">
+            <a:extLst>
+              <a:ext uri="{FF2B5EF4-FFF2-40B4-BE49-F238E27FC236}">
+                <a16:creationId xmlns:a16="http://schemas.microsoft.com/office/drawing/2014/main" id="{3073BB44-6E27-B014-2A30-EF5BA8022F97}"/>
+              </a:ext>
+            </a:extLst>
+          </p:cNvPr>
+          <p:cNvPicPr>
+            <a:picLocks noGrp="1" noChangeAspect="1"/>
+          </p:cNvPicPr>
+          <p:nvPr>
+            <p:ph type="clipArt" sz="quarter" idx="14"/>
+          </p:nvPr>
+        </p:nvPicPr>
+        <p:blipFill>
+          <a:blip r:embed="rId3"/>
+          <a:stretch>
+            <a:fillRect/>
+          </a:stretch>
+        </p:blipFill>
+        <p:spPr>
+          <a:xfrm>
+            <a:off x="4154636" y="3027363"/>
+            <a:ext cx="4957465" cy="1516062"/>
+          </a:xfrm>
+          <a:prstGeom prst="rect">
+            <a:avLst/>
+          </a:prstGeom>
+        </p:spPr>
+      </p:pic>
     </p:spTree>
     <p:extLst>
       <p:ext uri="{BB962C8B-B14F-4D97-AF65-F5344CB8AC3E}">
@@ -5534,6 +5599,100 @@
     <p:extLst>
       <p:ext uri="{BB962C8B-B14F-4D97-AF65-F5344CB8AC3E}">
         <p14:creationId xmlns:p14="http://schemas.microsoft.com/office/powerpoint/2010/main" val="3797059458"/>
+      </p:ext>
+    </p:extLst>
+  </p:cSld>
+  <p:clrMapOvr>
+    <a:masterClrMapping/>
+  </p:clrMapOvr>
+</p:sld>
+</file>
+
+<file path=ppt/slides/slide5.xml><?xml version="1.0" encoding="utf-8"?>
+<p:sld xmlns:a="http://schemas.openxmlformats.org/drawingml/2006/main" xmlns:r="http://schemas.openxmlformats.org/officeDocument/2006/relationships" xmlns:p="http://schemas.openxmlformats.org/presentationml/2006/main">
+  <p:cSld>
+    <p:spTree>
+      <p:nvGrpSpPr>
+        <p:cNvPr id="1" name=""/>
+        <p:cNvGrpSpPr/>
+        <p:nvPr/>
+      </p:nvGrpSpPr>
+      <p:grpSpPr>
+        <a:xfrm>
+          <a:off x="0" y="0"/>
+          <a:ext cx="0" cy="0"/>
+          <a:chOff x="0" y="0"/>
+          <a:chExt cx="0" cy="0"/>
+        </a:xfrm>
+      </p:grpSpPr>
+      <p:pic>
+        <p:nvPicPr>
+          <p:cNvPr id="4" name="Online Image Placeholder 3">
+            <a:extLst>
+              <a:ext uri="{FF2B5EF4-FFF2-40B4-BE49-F238E27FC236}">
+                <a16:creationId xmlns:a16="http://schemas.microsoft.com/office/drawing/2014/main" id="{DE54C42C-8969-518F-0CD9-007264CECBCC}"/>
+              </a:ext>
+            </a:extLst>
+          </p:cNvPr>
+          <p:cNvPicPr>
+            <a:picLocks noGrp="1" noChangeAspect="1"/>
+          </p:cNvPicPr>
+          <p:nvPr>
+            <p:ph type="clipArt" sz="quarter" idx="13"/>
+          </p:nvPr>
+        </p:nvPicPr>
+        <p:blipFill>
+          <a:blip r:embed="rId2"/>
+          <a:stretch>
+            <a:fillRect/>
+          </a:stretch>
+        </p:blipFill>
+        <p:spPr>
+          <a:xfrm>
+            <a:off x="5163985" y="3108325"/>
+            <a:ext cx="2938767" cy="1354138"/>
+          </a:xfrm>
+          <a:prstGeom prst="rect">
+            <a:avLst/>
+          </a:prstGeom>
+        </p:spPr>
+      </p:pic>
+      <p:pic>
+        <p:nvPicPr>
+          <p:cNvPr id="5" name="Online Image Placeholder 4">
+            <a:extLst>
+              <a:ext uri="{FF2B5EF4-FFF2-40B4-BE49-F238E27FC236}">
+                <a16:creationId xmlns:a16="http://schemas.microsoft.com/office/drawing/2014/main" id="{83BB78A4-B6EA-1E4F-DF7C-54B2C558E4FB}"/>
+              </a:ext>
+            </a:extLst>
+          </p:cNvPr>
+          <p:cNvPicPr>
+            <a:picLocks noGrp="1" noChangeAspect="1"/>
+          </p:cNvPicPr>
+          <p:nvPr>
+            <p:ph type="clipArt" sz="quarter" idx="14"/>
+          </p:nvPr>
+        </p:nvPicPr>
+        <p:blipFill>
+          <a:blip r:embed="rId3"/>
+          <a:stretch>
+            <a:fillRect/>
+          </a:stretch>
+        </p:blipFill>
+        <p:spPr>
+          <a:xfrm>
+            <a:off x="3781246" y="3027363"/>
+            <a:ext cx="5704246" cy="1516062"/>
+          </a:xfrm>
+          <a:prstGeom prst="rect">
+            <a:avLst/>
+          </a:prstGeom>
+        </p:spPr>
+      </p:pic>
+    </p:spTree>
+    <p:extLst>
+      <p:ext uri="{BB962C8B-B14F-4D97-AF65-F5344CB8AC3E}">
+        <p14:creationId xmlns:p14="http://schemas.microsoft.com/office/powerpoint/2010/main" val="4212105296"/>
       </p:ext>
     </p:extLst>
   </p:cSld>

--- a/alcoholquestions.pptx
+++ b/alcoholquestions.pptx
@@ -10,6 +10,7 @@
     <p:sldId id="333" r:id="rId7"/>
     <p:sldId id="334" r:id="rId8"/>
     <p:sldId id="335" r:id="rId9"/>
+    <p:sldId id="336" r:id="rId10"/>
   </p:sldIdLst>
   <p:sldSz cx="12192000" cy="6858000"/>
   <p:notesSz cx="6858000" cy="9144000"/>
@@ -129,7 +130,7 @@
   <pc:docChgLst>
     <pc:chgData name="Brennan Brown" userId="bcf6cc9e-21d7-4e63-b7dc-a8459bd698b0" providerId="ADAL" clId="{30F1509B-5785-4C08-8791-C8021B43727B}"/>
     <pc:docChg chg="undo redo custSel addSld delSld modSld sldOrd">
-      <pc:chgData name="Brennan Brown" userId="bcf6cc9e-21d7-4e63-b7dc-a8459bd698b0" providerId="ADAL" clId="{30F1509B-5785-4C08-8791-C8021B43727B}" dt="2026-02-18T16:04:42.552" v="33"/>
+      <pc:chgData name="Brennan Brown" userId="bcf6cc9e-21d7-4e63-b7dc-a8459bd698b0" providerId="ADAL" clId="{30F1509B-5785-4C08-8791-C8021B43727B}" dt="2026-02-18T16:08:53.927" v="34" actId="680"/>
       <pc:docMkLst>
         <pc:docMk/>
       </pc:docMkLst>
@@ -328,6 +329,13 @@
             <ac:picMk id="5" creationId="{83BB78A4-B6EA-1E4F-DF7C-54B2C558E4FB}"/>
           </ac:picMkLst>
         </pc:picChg>
+      </pc:sldChg>
+      <pc:sldChg chg="new">
+        <pc:chgData name="Brennan Brown" userId="bcf6cc9e-21d7-4e63-b7dc-a8459bd698b0" providerId="ADAL" clId="{30F1509B-5785-4C08-8791-C8021B43727B}" dt="2026-02-18T16:08:53.927" v="34" actId="680"/>
+        <pc:sldMkLst>
+          <pc:docMk/>
+          <pc:sldMk cId="3840861800" sldId="336"/>
+        </pc:sldMkLst>
       </pc:sldChg>
     </pc:docChg>
   </pc:docChgLst>
@@ -5702,6 +5710,86 @@
 </p:sld>
 </file>
 
+<file path=ppt/slides/slide6.xml><?xml version="1.0" encoding="utf-8"?>
+<p:sld xmlns:a="http://schemas.openxmlformats.org/drawingml/2006/main" xmlns:r="http://schemas.openxmlformats.org/officeDocument/2006/relationships" xmlns:p="http://schemas.openxmlformats.org/presentationml/2006/main">
+  <p:cSld>
+    <p:spTree>
+      <p:nvGrpSpPr>
+        <p:cNvPr id="1" name=""/>
+        <p:cNvGrpSpPr/>
+        <p:nvPr/>
+      </p:nvGrpSpPr>
+      <p:grpSpPr>
+        <a:xfrm>
+          <a:off x="0" y="0"/>
+          <a:ext cx="0" cy="0"/>
+          <a:chOff x="0" y="0"/>
+          <a:chExt cx="0" cy="0"/>
+        </a:xfrm>
+      </p:grpSpPr>
+      <p:sp>
+        <p:nvSpPr>
+          <p:cNvPr id="2" name="Online Image Placeholder 1">
+            <a:extLst>
+              <a:ext uri="{FF2B5EF4-FFF2-40B4-BE49-F238E27FC236}">
+                <a16:creationId xmlns:a16="http://schemas.microsoft.com/office/drawing/2014/main" id="{DD068385-5191-4850-2424-A7DF30BCC330}"/>
+              </a:ext>
+            </a:extLst>
+          </p:cNvPr>
+          <p:cNvSpPr>
+            <a:spLocks noGrp="1"/>
+          </p:cNvSpPr>
+          <p:nvPr>
+            <p:ph type="clipArt" sz="quarter" idx="13"/>
+          </p:nvPr>
+        </p:nvSpPr>
+        <p:spPr/>
+        <p:txBody>
+          <a:bodyPr/>
+          <a:lstStyle/>
+          <a:p>
+            <a:endParaRPr lang="en-US"/>
+          </a:p>
+        </p:txBody>
+      </p:sp>
+      <p:sp>
+        <p:nvSpPr>
+          <p:cNvPr id="3" name="Online Image Placeholder 2">
+            <a:extLst>
+              <a:ext uri="{FF2B5EF4-FFF2-40B4-BE49-F238E27FC236}">
+                <a16:creationId xmlns:a16="http://schemas.microsoft.com/office/drawing/2014/main" id="{A56DF067-434A-6167-91F8-2A26C809D9BC}"/>
+              </a:ext>
+            </a:extLst>
+          </p:cNvPr>
+          <p:cNvSpPr>
+            <a:spLocks noGrp="1"/>
+          </p:cNvSpPr>
+          <p:nvPr>
+            <p:ph type="clipArt" sz="quarter" idx="14"/>
+          </p:nvPr>
+        </p:nvSpPr>
+        <p:spPr/>
+        <p:txBody>
+          <a:bodyPr/>
+          <a:lstStyle/>
+          <a:p>
+            <a:endParaRPr lang="en-US"/>
+          </a:p>
+        </p:txBody>
+      </p:sp>
+    </p:spTree>
+    <p:extLst>
+      <p:ext uri="{BB962C8B-B14F-4D97-AF65-F5344CB8AC3E}">
+        <p14:creationId xmlns:p14="http://schemas.microsoft.com/office/powerpoint/2010/main" val="3840861800"/>
+      </p:ext>
+    </p:extLst>
+  </p:cSld>
+  <p:clrMapOvr>
+    <a:masterClrMapping/>
+  </p:clrMapOvr>
+</p:sld>
+</file>
+
 <file path=ppt/theme/theme1.xml><?xml version="1.0" encoding="utf-8"?>
 <a:theme xmlns:a="http://schemas.openxmlformats.org/drawingml/2006/main" name="Office Theme">
   <a:themeElements>
@@ -5998,56 +6086,12 @@
 </file>
 
 <file path=customXml/item1.xml><?xml version="1.0" encoding="utf-8"?>
-<p:properties xmlns:p="http://schemas.microsoft.com/office/2006/metadata/properties" xmlns:xsi="http://www.w3.org/2001/XMLSchema-instance" xmlns:pc="http://schemas.microsoft.com/office/infopath/2007/PartnerControls">
-  <documentManagement>
-    <CultureName xmlns="1249b8ab-053a-46ef-b7db-624f618d251b" xsi:nil="true"/>
-    <Students xmlns="1249b8ab-053a-46ef-b7db-624f618d251b">
-      <UserInfo>
-        <DisplayName/>
-        <AccountId xsi:nil="true"/>
-        <AccountType/>
-      </UserInfo>
-    </Students>
-    <Invited_Students xmlns="1249b8ab-053a-46ef-b7db-624f618d251b" xsi:nil="true"/>
-    <Templates xmlns="1249b8ab-053a-46ef-b7db-624f618d251b" xsi:nil="true"/>
-    <Teachers xmlns="1249b8ab-053a-46ef-b7db-624f618d251b">
-      <UserInfo>
-        <DisplayName/>
-        <AccountId xsi:nil="true"/>
-        <AccountType/>
-      </UserInfo>
-    </Teachers>
-    <Student_Groups xmlns="1249b8ab-053a-46ef-b7db-624f618d251b">
-      <UserInfo>
-        <DisplayName/>
-        <AccountId xsi:nil="true"/>
-        <AccountType/>
-      </UserInfo>
-    </Student_Groups>
-    <Distribution_Groups xmlns="1249b8ab-053a-46ef-b7db-624f618d251b" xsi:nil="true"/>
-    <LMS_Mappings xmlns="1249b8ab-053a-46ef-b7db-624f618d251b" xsi:nil="true"/>
-    <Is_Collaboration_Space_Locked xmlns="1249b8ab-053a-46ef-b7db-624f618d251b" xsi:nil="true"/>
-    <Teams_Channel_Section_Location xmlns="1249b8ab-053a-46ef-b7db-624f618d251b" xsi:nil="true"/>
-    <Has_Teacher_Only_SectionGroup xmlns="1249b8ab-053a-46ef-b7db-624f618d251b" xsi:nil="true"/>
-    <Math_Settings xmlns="1249b8ab-053a-46ef-b7db-624f618d251b" xsi:nil="true"/>
-    <Owner xmlns="1249b8ab-053a-46ef-b7db-624f618d251b">
-      <UserInfo>
-        <DisplayName/>
-        <AccountId xsi:nil="true"/>
-        <AccountType/>
-      </UserInfo>
-    </Owner>
-    <Invited_Teachers xmlns="1249b8ab-053a-46ef-b7db-624f618d251b" xsi:nil="true"/>
-    <DefaultSectionNames xmlns="1249b8ab-053a-46ef-b7db-624f618d251b" xsi:nil="true"/>
-    <NotebookType xmlns="1249b8ab-053a-46ef-b7db-624f618d251b" xsi:nil="true"/>
-    <FolderType xmlns="1249b8ab-053a-46ef-b7db-624f618d251b" xsi:nil="true"/>
-    <AppVersion xmlns="1249b8ab-053a-46ef-b7db-624f618d251b" xsi:nil="true"/>
-    <TeamsChannelId xmlns="1249b8ab-053a-46ef-b7db-624f618d251b" xsi:nil="true"/>
-    <Self_Registration_Enabled xmlns="1249b8ab-053a-46ef-b7db-624f618d251b" xsi:nil="true"/>
-    <IsNotebookLocked xmlns="1249b8ab-053a-46ef-b7db-624f618d251b" xsi:nil="true"/>
-    <_activity xmlns="1249b8ab-053a-46ef-b7db-624f618d251b" xsi:nil="true"/>
-  </documentManagement>
-</p:properties>
+<?mso-contentType ?>
+<FormTemplates xmlns="http://schemas.microsoft.com/sharepoint/v3/contenttype/forms">
+  <Display>DocumentLibraryForm</Display>
+  <Edit>DocumentLibraryForm</Edit>
+  <New>DocumentLibraryForm</New>
+</FormTemplates>
 </file>
 
 <file path=customXml/item2.xml><?xml version="1.0" encoding="utf-8"?>
@@ -6504,22 +6548,62 @@
 </file>
 
 <file path=customXml/item3.xml><?xml version="1.0" encoding="utf-8"?>
-<?mso-contentType ?>
-<FormTemplates xmlns="http://schemas.microsoft.com/sharepoint/v3/contenttype/forms">
-  <Display>DocumentLibraryForm</Display>
-  <Edit>DocumentLibraryForm</Edit>
-  <New>DocumentLibraryForm</New>
-</FormTemplates>
+<p:properties xmlns:p="http://schemas.microsoft.com/office/2006/metadata/properties" xmlns:xsi="http://www.w3.org/2001/XMLSchema-instance" xmlns:pc="http://schemas.microsoft.com/office/infopath/2007/PartnerControls">
+  <documentManagement>
+    <CultureName xmlns="1249b8ab-053a-46ef-b7db-624f618d251b" xsi:nil="true"/>
+    <Students xmlns="1249b8ab-053a-46ef-b7db-624f618d251b">
+      <UserInfo>
+        <DisplayName/>
+        <AccountId xsi:nil="true"/>
+        <AccountType/>
+      </UserInfo>
+    </Students>
+    <Invited_Students xmlns="1249b8ab-053a-46ef-b7db-624f618d251b" xsi:nil="true"/>
+    <Templates xmlns="1249b8ab-053a-46ef-b7db-624f618d251b" xsi:nil="true"/>
+    <Teachers xmlns="1249b8ab-053a-46ef-b7db-624f618d251b">
+      <UserInfo>
+        <DisplayName/>
+        <AccountId xsi:nil="true"/>
+        <AccountType/>
+      </UserInfo>
+    </Teachers>
+    <Student_Groups xmlns="1249b8ab-053a-46ef-b7db-624f618d251b">
+      <UserInfo>
+        <DisplayName/>
+        <AccountId xsi:nil="true"/>
+        <AccountType/>
+      </UserInfo>
+    </Student_Groups>
+    <Distribution_Groups xmlns="1249b8ab-053a-46ef-b7db-624f618d251b" xsi:nil="true"/>
+    <LMS_Mappings xmlns="1249b8ab-053a-46ef-b7db-624f618d251b" xsi:nil="true"/>
+    <Is_Collaboration_Space_Locked xmlns="1249b8ab-053a-46ef-b7db-624f618d251b" xsi:nil="true"/>
+    <Teams_Channel_Section_Location xmlns="1249b8ab-053a-46ef-b7db-624f618d251b" xsi:nil="true"/>
+    <Has_Teacher_Only_SectionGroup xmlns="1249b8ab-053a-46ef-b7db-624f618d251b" xsi:nil="true"/>
+    <Math_Settings xmlns="1249b8ab-053a-46ef-b7db-624f618d251b" xsi:nil="true"/>
+    <Owner xmlns="1249b8ab-053a-46ef-b7db-624f618d251b">
+      <UserInfo>
+        <DisplayName/>
+        <AccountId xsi:nil="true"/>
+        <AccountType/>
+      </UserInfo>
+    </Owner>
+    <Invited_Teachers xmlns="1249b8ab-053a-46ef-b7db-624f618d251b" xsi:nil="true"/>
+    <DefaultSectionNames xmlns="1249b8ab-053a-46ef-b7db-624f618d251b" xsi:nil="true"/>
+    <NotebookType xmlns="1249b8ab-053a-46ef-b7db-624f618d251b" xsi:nil="true"/>
+    <FolderType xmlns="1249b8ab-053a-46ef-b7db-624f618d251b" xsi:nil="true"/>
+    <AppVersion xmlns="1249b8ab-053a-46ef-b7db-624f618d251b" xsi:nil="true"/>
+    <TeamsChannelId xmlns="1249b8ab-053a-46ef-b7db-624f618d251b" xsi:nil="true"/>
+    <Self_Registration_Enabled xmlns="1249b8ab-053a-46ef-b7db-624f618d251b" xsi:nil="true"/>
+    <IsNotebookLocked xmlns="1249b8ab-053a-46ef-b7db-624f618d251b" xsi:nil="true"/>
+    <_activity xmlns="1249b8ab-053a-46ef-b7db-624f618d251b" xsi:nil="true"/>
+  </documentManagement>
+</p:properties>
 </file>
 
 <file path=customXml/itemProps1.xml><?xml version="1.0" encoding="utf-8"?>
-<ds:datastoreItem xmlns:ds="http://schemas.openxmlformats.org/officeDocument/2006/customXml" ds:itemID="{E8B38406-C1FA-47F6-9170-0E159FE9BD48}">
+<ds:datastoreItem xmlns:ds="http://schemas.openxmlformats.org/officeDocument/2006/customXml" ds:itemID="{0C6E3EE3-9DF2-4466-830C-F249E8CF1815}">
   <ds:schemaRefs>
-    <ds:schemaRef ds:uri="http://schemas.microsoft.com/office/2006/metadata/properties"/>
-    <ds:schemaRef ds:uri="http://www.w3.org/2000/xmlns/"/>
-    <ds:schemaRef ds:uri="1249b8ab-053a-46ef-b7db-624f618d251b"/>
-    <ds:schemaRef ds:uri="http://www.w3.org/2001/XMLSchema-instance"/>
-    <ds:schemaRef ds:uri="http://schemas.microsoft.com/office/infopath/2007/PartnerControls"/>
+    <ds:schemaRef ds:uri="http://schemas.microsoft.com/sharepoint/v3/contenttype/forms"/>
   </ds:schemaRefs>
 </ds:datastoreItem>
 </file>
@@ -6545,9 +6629,13 @@
 </file>
 
 <file path=customXml/itemProps3.xml><?xml version="1.0" encoding="utf-8"?>
-<ds:datastoreItem xmlns:ds="http://schemas.openxmlformats.org/officeDocument/2006/customXml" ds:itemID="{0C6E3EE3-9DF2-4466-830C-F249E8CF1815}">
+<ds:datastoreItem xmlns:ds="http://schemas.openxmlformats.org/officeDocument/2006/customXml" ds:itemID="{E8B38406-C1FA-47F6-9170-0E159FE9BD48}">
   <ds:schemaRefs>
-    <ds:schemaRef ds:uri="http://schemas.microsoft.com/sharepoint/v3/contenttype/forms"/>
+    <ds:schemaRef ds:uri="http://schemas.microsoft.com/office/2006/metadata/properties"/>
+    <ds:schemaRef ds:uri="http://www.w3.org/2000/xmlns/"/>
+    <ds:schemaRef ds:uri="1249b8ab-053a-46ef-b7db-624f618d251b"/>
+    <ds:schemaRef ds:uri="http://www.w3.org/2001/XMLSchema-instance"/>
+    <ds:schemaRef ds:uri="http://schemas.microsoft.com/office/infopath/2007/PartnerControls"/>
   </ds:schemaRefs>
 </ds:datastoreItem>
 </file>
--- a/alcoholquestions.pptx
+++ b/alcoholquestions.pptx
@@ -5,12 +5,13 @@
     <p:sldMasterId id="2147483648" r:id="rId4"/>
   </p:sldMasterIdLst>
   <p:sldIdLst>
-    <p:sldId id="260" r:id="rId5"/>
-    <p:sldId id="332" r:id="rId6"/>
-    <p:sldId id="333" r:id="rId7"/>
-    <p:sldId id="334" r:id="rId8"/>
-    <p:sldId id="335" r:id="rId9"/>
-    <p:sldId id="336" r:id="rId10"/>
+    <p:sldId id="337" r:id="rId5"/>
+    <p:sldId id="260" r:id="rId6"/>
+    <p:sldId id="332" r:id="rId7"/>
+    <p:sldId id="333" r:id="rId8"/>
+    <p:sldId id="334" r:id="rId9"/>
+    <p:sldId id="335" r:id="rId10"/>
+    <p:sldId id="336" r:id="rId11"/>
   </p:sldIdLst>
   <p:sldSz cx="12192000" cy="6858000"/>
   <p:notesSz cx="6858000" cy="9144000"/>
@@ -130,7 +131,7 @@
   <pc:docChgLst>
     <pc:chgData name="Brennan Brown" userId="bcf6cc9e-21d7-4e63-b7dc-a8459bd698b0" providerId="ADAL" clId="{30F1509B-5785-4C08-8791-C8021B43727B}"/>
     <pc:docChg chg="undo redo custSel addSld delSld modSld sldOrd">
-      <pc:chgData name="Brennan Brown" userId="bcf6cc9e-21d7-4e63-b7dc-a8459bd698b0" providerId="ADAL" clId="{30F1509B-5785-4C08-8791-C8021B43727B}" dt="2026-02-18T16:08:53.927" v="34" actId="680"/>
+      <pc:chgData name="Brennan Brown" userId="bcf6cc9e-21d7-4e63-b7dc-a8459bd698b0" providerId="ADAL" clId="{30F1509B-5785-4C08-8791-C8021B43727B}" dt="2026-02-19T15:09:41.035" v="95" actId="20577"/>
       <pc:docMkLst>
         <pc:docMk/>
       </pc:docMkLst>
@@ -337,6 +338,29 @@
           <pc:sldMk cId="3840861800" sldId="336"/>
         </pc:sldMkLst>
       </pc:sldChg>
+      <pc:sldChg chg="addSp modSp new mod ord modClrScheme chgLayout">
+        <pc:chgData name="Brennan Brown" userId="bcf6cc9e-21d7-4e63-b7dc-a8459bd698b0" providerId="ADAL" clId="{30F1509B-5785-4C08-8791-C8021B43727B}" dt="2026-02-19T15:09:41.035" v="95" actId="20577"/>
+        <pc:sldMkLst>
+          <pc:docMk/>
+          <pc:sldMk cId="4124199133" sldId="337"/>
+        </pc:sldMkLst>
+        <pc:spChg chg="add mod">
+          <ac:chgData name="Brennan Brown" userId="bcf6cc9e-21d7-4e63-b7dc-a8459bd698b0" providerId="ADAL" clId="{30F1509B-5785-4C08-8791-C8021B43727B}" dt="2026-02-19T15:09:33.035" v="61" actId="20577"/>
+          <ac:spMkLst>
+            <pc:docMk/>
+            <pc:sldMk cId="4124199133" sldId="337"/>
+            <ac:spMk id="2" creationId="{0C257C63-4843-51B6-916D-4612C0A4D417}"/>
+          </ac:spMkLst>
+        </pc:spChg>
+        <pc:spChg chg="add mod">
+          <ac:chgData name="Brennan Brown" userId="bcf6cc9e-21d7-4e63-b7dc-a8459bd698b0" providerId="ADAL" clId="{30F1509B-5785-4C08-8791-C8021B43727B}" dt="2026-02-19T15:09:41.035" v="95" actId="20577"/>
+          <ac:spMkLst>
+            <pc:docMk/>
+            <pc:sldMk cId="4124199133" sldId="337"/>
+            <ac:spMk id="3" creationId="{C858662C-A4D7-4BED-92FF-BA6E8FECF70E}"/>
+          </ac:spMkLst>
+        </pc:spChg>
+      </pc:sldChg>
     </pc:docChg>
   </pc:docChgLst>
 </pc:chgInfo>
@@ -489,7 +513,7 @@
           <a:p>
             <a:fld id="{13014762-DFFB-4EBE-8655-EB0D0E44861E}" type="datetimeFigureOut">
               <a:rPr lang="en-US" smtClean="0"/>
-              <a:t>2/18/2026</a:t>
+              <a:t>2/19/2026</a:t>
             </a:fld>
             <a:endParaRPr lang="en-US"/>
           </a:p>
@@ -780,7 +804,7 @@
           <a:p>
             <a:fld id="{13014762-DFFB-4EBE-8655-EB0D0E44861E}" type="datetimeFigureOut">
               <a:rPr lang="en-US" smtClean="0"/>
-              <a:t>2/18/2026</a:t>
+              <a:t>2/19/2026</a:t>
             </a:fld>
             <a:endParaRPr lang="en-US"/>
           </a:p>
@@ -978,7 +1002,7 @@
           <a:p>
             <a:fld id="{13014762-DFFB-4EBE-8655-EB0D0E44861E}" type="datetimeFigureOut">
               <a:rPr lang="en-US" smtClean="0"/>
-              <a:t>2/18/2026</a:t>
+              <a:t>2/19/2026</a:t>
             </a:fld>
             <a:endParaRPr lang="en-US"/>
           </a:p>
@@ -1186,7 +1210,7 @@
           <a:p>
             <a:fld id="{13014762-DFFB-4EBE-8655-EB0D0E44861E}" type="datetimeFigureOut">
               <a:rPr lang="en-US" smtClean="0"/>
-              <a:t>2/18/2026</a:t>
+              <a:t>2/19/2026</a:t>
             </a:fld>
             <a:endParaRPr lang="en-US"/>
           </a:p>
@@ -1299,7 +1323,7 @@
           <a:p>
             <a:fld id="{13014762-DFFB-4EBE-8655-EB0D0E44861E}" type="datetimeFigureOut">
               <a:rPr lang="en-US" smtClean="0"/>
-              <a:t>2/18/2026</a:t>
+              <a:t>2/19/2026</a:t>
             </a:fld>
             <a:endParaRPr lang="en-US"/>
           </a:p>
@@ -2070,7 +2094,7 @@
           <a:p>
             <a:fld id="{13014762-DFFB-4EBE-8655-EB0D0E44861E}" type="datetimeFigureOut">
               <a:rPr lang="en-US" smtClean="0"/>
-              <a:t>2/18/2026</a:t>
+              <a:t>2/19/2026</a:t>
             </a:fld>
             <a:endParaRPr lang="en-US"/>
           </a:p>
@@ -2345,7 +2369,7 @@
           <a:p>
             <a:fld id="{13014762-DFFB-4EBE-8655-EB0D0E44861E}" type="datetimeFigureOut">
               <a:rPr lang="en-US" smtClean="0"/>
-              <a:t>2/18/2026</a:t>
+              <a:t>2/19/2026</a:t>
             </a:fld>
             <a:endParaRPr lang="en-US"/>
           </a:p>
@@ -2610,7 +2634,7 @@
           <a:p>
             <a:fld id="{13014762-DFFB-4EBE-8655-EB0D0E44861E}" type="datetimeFigureOut">
               <a:rPr lang="en-US" smtClean="0"/>
-              <a:t>2/18/2026</a:t>
+              <a:t>2/19/2026</a:t>
             </a:fld>
             <a:endParaRPr lang="en-US"/>
           </a:p>
@@ -3022,7 +3046,7 @@
           <a:p>
             <a:fld id="{13014762-DFFB-4EBE-8655-EB0D0E44861E}" type="datetimeFigureOut">
               <a:rPr lang="en-US" smtClean="0"/>
-              <a:t>2/18/2026</a:t>
+              <a:t>2/19/2026</a:t>
             </a:fld>
             <a:endParaRPr lang="en-US"/>
           </a:p>
@@ -3163,7 +3187,7 @@
           <a:p>
             <a:fld id="{13014762-DFFB-4EBE-8655-EB0D0E44861E}" type="datetimeFigureOut">
               <a:rPr lang="en-US" smtClean="0"/>
-              <a:t>2/18/2026</a:t>
+              <a:t>2/19/2026</a:t>
             </a:fld>
             <a:endParaRPr lang="en-US"/>
           </a:p>
@@ -3276,7 +3300,7 @@
           <a:p>
             <a:fld id="{13014762-DFFB-4EBE-8655-EB0D0E44861E}" type="datetimeFigureOut">
               <a:rPr lang="en-US" smtClean="0"/>
-              <a:t>2/18/2026</a:t>
+              <a:t>2/19/2026</a:t>
             </a:fld>
             <a:endParaRPr lang="en-US"/>
           </a:p>
@@ -3587,7 +3611,7 @@
           <a:p>
             <a:fld id="{13014762-DFFB-4EBE-8655-EB0D0E44861E}" type="datetimeFigureOut">
               <a:rPr lang="en-US" smtClean="0"/>
-              <a:t>2/18/2026</a:t>
+              <a:t>2/19/2026</a:t>
             </a:fld>
             <a:endParaRPr lang="en-US"/>
           </a:p>
@@ -3845,7 +3869,7 @@
           <a:p>
             <a:fld id="{13014762-DFFB-4EBE-8655-EB0D0E44861E}" type="datetimeFigureOut">
               <a:rPr lang="en-US" smtClean="0"/>
-              <a:t>2/18/2026</a:t>
+              <a:t>2/19/2026</a:t>
             </a:fld>
             <a:endParaRPr lang="en-US"/>
           </a:p>
@@ -4518,6 +4542,92 @@
       </p:grpSpPr>
       <p:sp>
         <p:nvSpPr>
+          <p:cNvPr id="2" name="Title 1">
+            <a:extLst>
+              <a:ext uri="{FF2B5EF4-FFF2-40B4-BE49-F238E27FC236}">
+                <a16:creationId xmlns:a16="http://schemas.microsoft.com/office/drawing/2014/main" id="{0C257C63-4843-51B6-916D-4612C0A4D417}"/>
+              </a:ext>
+            </a:extLst>
+          </p:cNvPr>
+          <p:cNvSpPr>
+            <a:spLocks noGrp="1"/>
+          </p:cNvSpPr>
+          <p:nvPr>
+            <p:ph type="ctrTitle"/>
+          </p:nvPr>
+        </p:nvSpPr>
+        <p:spPr/>
+        <p:txBody>
+          <a:bodyPr/>
+          <a:lstStyle/>
+          <a:p>
+            <a:r>
+              <a:rPr lang="en-US" dirty="0"/>
+              <a:t>Preparation of Alcohols</a:t>
+            </a:r>
+          </a:p>
+        </p:txBody>
+      </p:sp>
+      <p:sp>
+        <p:nvSpPr>
+          <p:cNvPr id="3" name="Subtitle 2">
+            <a:extLst>
+              <a:ext uri="{FF2B5EF4-FFF2-40B4-BE49-F238E27FC236}">
+                <a16:creationId xmlns:a16="http://schemas.microsoft.com/office/drawing/2014/main" id="{C858662C-A4D7-4BED-92FF-BA6E8FECF70E}"/>
+              </a:ext>
+            </a:extLst>
+          </p:cNvPr>
+          <p:cNvSpPr>
+            <a:spLocks noGrp="1"/>
+          </p:cNvSpPr>
+          <p:nvPr>
+            <p:ph type="subTitle" idx="1"/>
+          </p:nvPr>
+        </p:nvSpPr>
+        <p:spPr/>
+        <p:txBody>
+          <a:bodyPr/>
+          <a:lstStyle/>
+          <a:p>
+            <a:r>
+              <a:rPr lang="en-US" dirty="0"/>
+              <a:t>Substitution Reactions</a:t>
+            </a:r>
+          </a:p>
+        </p:txBody>
+      </p:sp>
+    </p:spTree>
+    <p:extLst>
+      <p:ext uri="{BB962C8B-B14F-4D97-AF65-F5344CB8AC3E}">
+        <p14:creationId xmlns:p14="http://schemas.microsoft.com/office/powerpoint/2010/main" val="4124199133"/>
+      </p:ext>
+    </p:extLst>
+  </p:cSld>
+  <p:clrMapOvr>
+    <a:masterClrMapping/>
+  </p:clrMapOvr>
+</p:sld>
+</file>
+
+<file path=ppt/slides/slide2.xml><?xml version="1.0" encoding="utf-8"?>
+<p:sld xmlns:a="http://schemas.openxmlformats.org/drawingml/2006/main" xmlns:r="http://schemas.openxmlformats.org/officeDocument/2006/relationships" xmlns:p="http://schemas.openxmlformats.org/presentationml/2006/main">
+  <p:cSld>
+    <p:spTree>
+      <p:nvGrpSpPr>
+        <p:cNvPr id="1" name=""/>
+        <p:cNvGrpSpPr/>
+        <p:nvPr/>
+      </p:nvGrpSpPr>
+      <p:grpSpPr>
+        <a:xfrm>
+          <a:off x="0" y="0"/>
+          <a:ext cx="0" cy="0"/>
+          <a:chOff x="0" y="0"/>
+          <a:chExt cx="0" cy="0"/>
+        </a:xfrm>
+      </p:grpSpPr>
+      <p:sp>
+        <p:nvSpPr>
           <p:cNvPr id="21" name="Rectangle 20">
             <a:extLst>
               <a:ext uri="{FF2B5EF4-FFF2-40B4-BE49-F238E27FC236}">
@@ -5334,7 +5444,7 @@
 </p:sld>
 </file>
 
-<file path=ppt/slides/slide2.xml><?xml version="1.0" encoding="utf-8"?>
+<file path=ppt/slides/slide3.xml><?xml version="1.0" encoding="utf-8"?>
 <p:sld xmlns:a="http://schemas.openxmlformats.org/drawingml/2006/main" xmlns:r="http://schemas.openxmlformats.org/officeDocument/2006/relationships" xmlns:p="http://schemas.openxmlformats.org/presentationml/2006/main">
   <p:cSld>
     <p:spTree>
@@ -5428,7 +5538,7 @@
 </p:sld>
 </file>
 
-<file path=ppt/slides/slide3.xml><?xml version="1.0" encoding="utf-8"?>
+<file path=ppt/slides/slide4.xml><?xml version="1.0" encoding="utf-8"?>
 <p:sld xmlns:a="http://schemas.openxmlformats.org/drawingml/2006/main" xmlns:r="http://schemas.openxmlformats.org/officeDocument/2006/relationships" xmlns:p="http://schemas.openxmlformats.org/presentationml/2006/main">
   <p:cSld>
     <p:spTree>
@@ -5522,7 +5632,7 @@
 </p:sld>
 </file>
 
-<file path=ppt/slides/slide4.xml><?xml version="1.0" encoding="utf-8"?>
+<file path=ppt/slides/slide5.xml><?xml version="1.0" encoding="utf-8"?>
 <p:sld xmlns:a="http://schemas.openxmlformats.org/drawingml/2006/main" xmlns:r="http://schemas.openxmlformats.org/officeDocument/2006/relationships" xmlns:p="http://schemas.openxmlformats.org/presentationml/2006/main">
   <p:cSld>
     <p:spTree>
@@ -5616,7 +5726,7 @@
 </p:sld>
 </file>
 
-<file path=ppt/slides/slide5.xml><?xml version="1.0" encoding="utf-8"?>
+<file path=ppt/slides/slide6.xml><?xml version="1.0" encoding="utf-8"?>
 <p:sld xmlns:a="http://schemas.openxmlformats.org/drawingml/2006/main" xmlns:r="http://schemas.openxmlformats.org/officeDocument/2006/relationships" xmlns:p="http://schemas.openxmlformats.org/presentationml/2006/main">
   <p:cSld>
     <p:spTree>
@@ -5710,7 +5820,7 @@
 </p:sld>
 </file>
 
-<file path=ppt/slides/slide6.xml><?xml version="1.0" encoding="utf-8"?>
+<file path=ppt/slides/slide7.xml><?xml version="1.0" encoding="utf-8"?>
 <p:sld xmlns:a="http://schemas.openxmlformats.org/drawingml/2006/main" xmlns:r="http://schemas.openxmlformats.org/officeDocument/2006/relationships" xmlns:p="http://schemas.openxmlformats.org/presentationml/2006/main">
   <p:cSld>
     <p:spTree>
@@ -6086,12 +6196,56 @@
 </file>
 
 <file path=customXml/item1.xml><?xml version="1.0" encoding="utf-8"?>
-<?mso-contentType ?>
-<FormTemplates xmlns="http://schemas.microsoft.com/sharepoint/v3/contenttype/forms">
-  <Display>DocumentLibraryForm</Display>
-  <Edit>DocumentLibraryForm</Edit>
-  <New>DocumentLibraryForm</New>
-</FormTemplates>
+<p:properties xmlns:p="http://schemas.microsoft.com/office/2006/metadata/properties" xmlns:xsi="http://www.w3.org/2001/XMLSchema-instance" xmlns:pc="http://schemas.microsoft.com/office/infopath/2007/PartnerControls">
+  <documentManagement>
+    <CultureName xmlns="1249b8ab-053a-46ef-b7db-624f618d251b" xsi:nil="true"/>
+    <Students xmlns="1249b8ab-053a-46ef-b7db-624f618d251b">
+      <UserInfo>
+        <DisplayName/>
+        <AccountId xsi:nil="true"/>
+        <AccountType/>
+      </UserInfo>
+    </Students>
+    <Invited_Students xmlns="1249b8ab-053a-46ef-b7db-624f618d251b" xsi:nil="true"/>
+    <Templates xmlns="1249b8ab-053a-46ef-b7db-624f618d251b" xsi:nil="true"/>
+    <Teachers xmlns="1249b8ab-053a-46ef-b7db-624f618d251b">
+      <UserInfo>
+        <DisplayName/>
+        <AccountId xsi:nil="true"/>
+        <AccountType/>
+      </UserInfo>
+    </Teachers>
+    <Student_Groups xmlns="1249b8ab-053a-46ef-b7db-624f618d251b">
+      <UserInfo>
+        <DisplayName/>
+        <AccountId xsi:nil="true"/>
+        <AccountType/>
+      </UserInfo>
+    </Student_Groups>
+    <Distribution_Groups xmlns="1249b8ab-053a-46ef-b7db-624f618d251b" xsi:nil="true"/>
+    <LMS_Mappings xmlns="1249b8ab-053a-46ef-b7db-624f618d251b" xsi:nil="true"/>
+    <Is_Collaboration_Space_Locked xmlns="1249b8ab-053a-46ef-b7db-624f618d251b" xsi:nil="true"/>
+    <Teams_Channel_Section_Location xmlns="1249b8ab-053a-46ef-b7db-624f618d251b" xsi:nil="true"/>
+    <Has_Teacher_Only_SectionGroup xmlns="1249b8ab-053a-46ef-b7db-624f618d251b" xsi:nil="true"/>
+    <Math_Settings xmlns="1249b8ab-053a-46ef-b7db-624f618d251b" xsi:nil="true"/>
+    <Owner xmlns="1249b8ab-053a-46ef-b7db-624f618d251b">
+      <UserInfo>
+        <DisplayName/>
+        <AccountId xsi:nil="true"/>
+        <AccountType/>
+      </UserInfo>
+    </Owner>
+    <Invited_Teachers xmlns="1249b8ab-053a-46ef-b7db-624f618d251b" xsi:nil="true"/>
+    <DefaultSectionNames xmlns="1249b8ab-053a-46ef-b7db-624f618d251b" xsi:nil="true"/>
+    <NotebookType xmlns="1249b8ab-053a-46ef-b7db-624f618d251b" xsi:nil="true"/>
+    <FolderType xmlns="1249b8ab-053a-46ef-b7db-624f618d251b" xsi:nil="true"/>
+    <AppVersion xmlns="1249b8ab-053a-46ef-b7db-624f618d251b" xsi:nil="true"/>
+    <TeamsChannelId xmlns="1249b8ab-053a-46ef-b7db-624f618d251b" xsi:nil="true"/>
+    <Self_Registration_Enabled xmlns="1249b8ab-053a-46ef-b7db-624f618d251b" xsi:nil="true"/>
+    <IsNotebookLocked xmlns="1249b8ab-053a-46ef-b7db-624f618d251b" xsi:nil="true"/>
+    <_activity xmlns="1249b8ab-053a-46ef-b7db-624f618d251b" xsi:nil="true"/>
+  </documentManagement>
+</p:properties>
 </file>
 
 <file path=customXml/item2.xml><?xml version="1.0" encoding="utf-8"?>
@@ -6548,62 +6702,22 @@
 </file>
 
 <file path=customXml/item3.xml><?xml version="1.0" encoding="utf-8"?>
-<p:properties xmlns:p="http://schemas.microsoft.com/office/2006/metadata/properties" xmlns:xsi="http://www.w3.org/2001/XMLSchema-instance" xmlns:pc="http://schemas.microsoft.com/office/infopath/2007/PartnerControls">
-  <documentManagement>
-    <CultureName xmlns="1249b8ab-053a-46ef-b7db-624f618d251b" xsi:nil="true"/>
-    <Students xmlns="1249b8ab-053a-46ef-b7db-624f618d251b">
-      <UserInfo>
-        <DisplayName/>
-        <AccountId xsi:nil="true"/>
-        <AccountType/>
-      </UserInfo>
-    </Students>
-    <Invited_Students xmlns="1249b8ab-053a-46ef-b7db-624f618d251b" xsi:nil="true"/>
-    <Templates xmlns="1249b8ab-053a-46ef-b7db-624f618d251b" xsi:nil="true"/>
-    <Teachers xmlns="1249b8ab-053a-46ef-b7db-624f618d251b">
-      <UserInfo>
-        <DisplayName/>
-        <AccountId xsi:nil="true"/>
-        <AccountType/>
-      </UserInfo>
-    </Teachers>
-    <Student_Groups xmlns="1249b8ab-053a-46ef-b7db-624f618d251b">
-      <UserInfo>
-        <DisplayName/>
-        <AccountId xsi:nil="true"/>
-        <AccountType/>
-      </UserInfo>
-    </Student_Groups>
-    <Distribution_Groups xmlns="1249b8ab-053a-46ef-b7db-624f618d251b" xsi:nil="true"/>
-    <LMS_Mappings xmlns="1249b8ab-053a-46ef-b7db-624f618d251b" xsi:nil="true"/>
-    <Is_Collaboration_Space_Locked xmlns="1249b8ab-053a-46ef-b7db-624f618d251b" xsi:nil="true"/>
-    <Teams_Channel_Section_Location xmlns="1249b8ab-053a-46ef-b7db-624f618d251b" xsi:nil="true"/>
-    <Has_Teacher_Only_SectionGroup xmlns="1249b8ab-053a-46ef-b7db-624f618d251b" xsi:nil="true"/>
-    <Math_Settings xmlns="1249b8ab-053a-46ef-b7db-624f618d251b" xsi:nil="true"/>
-    <Owner xmlns="1249b8ab-053a-46ef-b7db-624f618d251b">
-      <UserInfo>
-        <DisplayName/>
-        <AccountId xsi:nil="true"/>
-        <AccountType/>
-      </UserInfo>
-    </Owner>
-    <Invited_Teachers xmlns="1249b8ab-053a-46ef-b7db-624f618d251b" xsi:nil="true"/>
-    <DefaultSectionNames xmlns="1249b8ab-053a-46ef-b7db-624f618d251b" xsi:nil="true"/>
-    <NotebookType xmlns="1249b8ab-053a-46ef-b7db-624f618d251b" xsi:nil="true"/>
-    <FolderType xmlns="1249b8ab-053a-46ef-b7db-624f618d251b" xsi:nil="true"/>
-    <AppVersion xmlns="1249b8ab-053a-46ef-b7db-624f618d251b" xsi:nil="true"/>
-    <TeamsChannelId xmlns="1249b8ab-053a-46ef-b7db-624f618d251b" xsi:nil="true"/>
-    <Self_Registration_Enabled xmlns="1249b8ab-053a-46ef-b7db-624f618d251b" xsi:nil="true"/>
-    <IsNotebookLocked xmlns="1249b8ab-053a-46ef-b7db-624f618d251b" xsi:nil="true"/>
-    <_activity xmlns="1249b8ab-053a-46ef-b7db-624f618d251b" xsi:nil="true"/>
-  </documentManagement>
-</p:properties>
+<?mso-contentType ?>
+<FormTemplates xmlns="http://schemas.microsoft.com/sharepoint/v3/contenttype/forms">
+  <Display>DocumentLibraryForm</Display>
+  <Edit>DocumentLibraryForm</Edit>
+  <New>DocumentLibraryForm</New>
+</FormTemplates>
 </file>
 
 <file path=customXml/itemProps1.xml><?xml version="1.0" encoding="utf-8"?>
-<ds:datastoreItem xmlns:ds="http://schemas.openxmlformats.org/officeDocument/2006/customXml" ds:itemID="{0C6E3EE3-9DF2-4466-830C-F249E8CF1815}">
+<ds:datastoreItem xmlns:ds="http://schemas.openxmlformats.org/officeDocument/2006/customXml" ds:itemID="{E8B38406-C1FA-47F6-9170-0E159FE9BD48}">
   <ds:schemaRefs>
-    <ds:schemaRef ds:uri="http://schemas.microsoft.com/sharepoint/v3/contenttype/forms"/>
+    <ds:schemaRef ds:uri="http://schemas.microsoft.com/office/2006/metadata/properties"/>
+    <ds:schemaRef ds:uri="http://www.w3.org/2000/xmlns/"/>
+    <ds:schemaRef ds:uri="1249b8ab-053a-46ef-b7db-624f618d251b"/>
+    <ds:schemaRef ds:uri="http://www.w3.org/2001/XMLSchema-instance"/>
+    <ds:schemaRef ds:uri="http://schemas.microsoft.com/office/infopath/2007/PartnerControls"/>
   </ds:schemaRefs>
 </ds:datastoreItem>
 </file>
@@ -6629,13 +6743,9 @@
 </file>
 
 <file path=customXml/itemProps3.xml><?xml version="1.0" encoding="utf-8"?>
-<ds:datastoreItem xmlns:ds="http://schemas.openxmlformats.org/officeDocument/2006/customXml" ds:itemID="{E8B38406-C1FA-47F6-9170-0E159FE9BD48}">
+<ds:datastoreItem xmlns:ds="http://schemas.openxmlformats.org/officeDocument/2006/customXml" ds:itemID="{0C6E3EE3-9DF2-4466-830C-F249E8CF1815}">
   <ds:schemaRefs>
-    <ds:schemaRef ds:uri="http://schemas.microsoft.com/office/2006/metadata/properties"/>
-    <ds:schemaRef ds:uri="http://www.w3.org/2000/xmlns/"/>
-    <ds:schemaRef ds:uri="1249b8ab-053a-46ef-b7db-624f618d251b"/>
-    <ds:schemaRef ds:uri="http://www.w3.org/2001/XMLSchema-instance"/>
-    <ds:schemaRef ds:uri="http://schemas.microsoft.com/office/infopath/2007/PartnerControls"/>
+    <ds:schemaRef ds:uri="http://schemas.microsoft.com/sharepoint/v3/contenttype/forms"/>
   </ds:schemaRefs>
 </ds:datastoreItem>
 </file>
--- a/alcoholquestions.pptx
+++ b/alcoholquestions.pptx
@@ -12,6 +12,7 @@
     <p:sldId id="334" r:id="rId9"/>
     <p:sldId id="335" r:id="rId10"/>
     <p:sldId id="336" r:id="rId11"/>
+    <p:sldId id="338" r:id="rId12"/>
   </p:sldIdLst>
   <p:sldSz cx="12192000" cy="6858000"/>
   <p:notesSz cx="6858000" cy="9144000"/>
@@ -131,7 +132,7 @@
   <pc:docChgLst>
     <pc:chgData name="Brennan Brown" userId="bcf6cc9e-21d7-4e63-b7dc-a8459bd698b0" providerId="ADAL" clId="{30F1509B-5785-4C08-8791-C8021B43727B}"/>
     <pc:docChg chg="undo redo custSel addSld delSld modSld sldOrd">
-      <pc:chgData name="Brennan Brown" userId="bcf6cc9e-21d7-4e63-b7dc-a8459bd698b0" providerId="ADAL" clId="{30F1509B-5785-4C08-8791-C8021B43727B}" dt="2026-02-19T15:09:41.035" v="95" actId="20577"/>
+      <pc:chgData name="Brennan Brown" userId="bcf6cc9e-21d7-4e63-b7dc-a8459bd698b0" providerId="ADAL" clId="{30F1509B-5785-4C08-8791-C8021B43727B}" dt="2026-02-19T15:10:55.640" v="160" actId="680"/>
       <pc:docMkLst>
         <pc:docMk/>
       </pc:docMkLst>
@@ -331,12 +332,44 @@
           </ac:picMkLst>
         </pc:picChg>
       </pc:sldChg>
-      <pc:sldChg chg="new">
-        <pc:chgData name="Brennan Brown" userId="bcf6cc9e-21d7-4e63-b7dc-a8459bd698b0" providerId="ADAL" clId="{30F1509B-5785-4C08-8791-C8021B43727B}" dt="2026-02-18T16:08:53.927" v="34" actId="680"/>
+      <pc:sldChg chg="addSp delSp modSp new mod modClrScheme chgLayout">
+        <pc:chgData name="Brennan Brown" userId="bcf6cc9e-21d7-4e63-b7dc-a8459bd698b0" providerId="ADAL" clId="{30F1509B-5785-4C08-8791-C8021B43727B}" dt="2026-02-19T15:10:52.850" v="159" actId="20577"/>
         <pc:sldMkLst>
           <pc:docMk/>
           <pc:sldMk cId="3840861800" sldId="336"/>
         </pc:sldMkLst>
+        <pc:spChg chg="del">
+          <ac:chgData name="Brennan Brown" userId="bcf6cc9e-21d7-4e63-b7dc-a8459bd698b0" providerId="ADAL" clId="{30F1509B-5785-4C08-8791-C8021B43727B}" dt="2026-02-19T15:10:31.365" v="96" actId="700"/>
+          <ac:spMkLst>
+            <pc:docMk/>
+            <pc:sldMk cId="3840861800" sldId="336"/>
+            <ac:spMk id="2" creationId="{DD068385-5191-4850-2424-A7DF30BCC330}"/>
+          </ac:spMkLst>
+        </pc:spChg>
+        <pc:spChg chg="del">
+          <ac:chgData name="Brennan Brown" userId="bcf6cc9e-21d7-4e63-b7dc-a8459bd698b0" providerId="ADAL" clId="{30F1509B-5785-4C08-8791-C8021B43727B}" dt="2026-02-19T15:10:31.365" v="96" actId="700"/>
+          <ac:spMkLst>
+            <pc:docMk/>
+            <pc:sldMk cId="3840861800" sldId="336"/>
+            <ac:spMk id="3" creationId="{A56DF067-434A-6167-91F8-2A26C809D9BC}"/>
+          </ac:spMkLst>
+        </pc:spChg>
+        <pc:spChg chg="add mod">
+          <ac:chgData name="Brennan Brown" userId="bcf6cc9e-21d7-4e63-b7dc-a8459bd698b0" providerId="ADAL" clId="{30F1509B-5785-4C08-8791-C8021B43727B}" dt="2026-02-19T15:10:43.730" v="129" actId="20577"/>
+          <ac:spMkLst>
+            <pc:docMk/>
+            <pc:sldMk cId="3840861800" sldId="336"/>
+            <ac:spMk id="4" creationId="{CE01C38C-EFDC-DA90-8663-BEF6A930581D}"/>
+          </ac:spMkLst>
+        </pc:spChg>
+        <pc:spChg chg="add mod">
+          <ac:chgData name="Brennan Brown" userId="bcf6cc9e-21d7-4e63-b7dc-a8459bd698b0" providerId="ADAL" clId="{30F1509B-5785-4C08-8791-C8021B43727B}" dt="2026-02-19T15:10:52.850" v="159" actId="20577"/>
+          <ac:spMkLst>
+            <pc:docMk/>
+            <pc:sldMk cId="3840861800" sldId="336"/>
+            <ac:spMk id="5" creationId="{A3C48B9C-575D-EB46-74DE-DF90C9692065}"/>
+          </ac:spMkLst>
+        </pc:spChg>
       </pc:sldChg>
       <pc:sldChg chg="addSp modSp new mod ord modClrScheme chgLayout">
         <pc:chgData name="Brennan Brown" userId="bcf6cc9e-21d7-4e63-b7dc-a8459bd698b0" providerId="ADAL" clId="{30F1509B-5785-4C08-8791-C8021B43727B}" dt="2026-02-19T15:09:41.035" v="95" actId="20577"/>
@@ -360,6 +393,13 @@
             <ac:spMk id="3" creationId="{C858662C-A4D7-4BED-92FF-BA6E8FECF70E}"/>
           </ac:spMkLst>
         </pc:spChg>
+      </pc:sldChg>
+      <pc:sldChg chg="new">
+        <pc:chgData name="Brennan Brown" userId="bcf6cc9e-21d7-4e63-b7dc-a8459bd698b0" providerId="ADAL" clId="{30F1509B-5785-4C08-8791-C8021B43727B}" dt="2026-02-19T15:10:55.640" v="160" actId="680"/>
+        <pc:sldMkLst>
+          <pc:docMk/>
+          <pc:sldMk cId="2336822022" sldId="338"/>
+        </pc:sldMkLst>
       </pc:sldChg>
     </pc:docChg>
   </pc:docChgLst>
@@ -5839,18 +5879,18 @@
       </p:grpSpPr>
       <p:sp>
         <p:nvSpPr>
-          <p:cNvPr id="2" name="Online Image Placeholder 1">
-            <a:extLst>
-              <a:ext uri="{FF2B5EF4-FFF2-40B4-BE49-F238E27FC236}">
-                <a16:creationId xmlns:a16="http://schemas.microsoft.com/office/drawing/2014/main" id="{DD068385-5191-4850-2424-A7DF30BCC330}"/>
-              </a:ext>
-            </a:extLst>
-          </p:cNvPr>
-          <p:cNvSpPr>
-            <a:spLocks noGrp="1"/>
-          </p:cNvSpPr>
-          <p:nvPr>
-            <p:ph type="clipArt" sz="quarter" idx="13"/>
+          <p:cNvPr id="4" name="Title 3">
+            <a:extLst>
+              <a:ext uri="{FF2B5EF4-FFF2-40B4-BE49-F238E27FC236}">
+                <a16:creationId xmlns:a16="http://schemas.microsoft.com/office/drawing/2014/main" id="{CE01C38C-EFDC-DA90-8663-BEF6A930581D}"/>
+              </a:ext>
+            </a:extLst>
+          </p:cNvPr>
+          <p:cNvSpPr>
+            <a:spLocks noGrp="1"/>
+          </p:cNvSpPr>
+          <p:nvPr>
+            <p:ph type="ctrTitle"/>
           </p:nvPr>
         </p:nvSpPr>
         <p:spPr/>
@@ -5858,24 +5898,27 @@
           <a:bodyPr/>
           <a:lstStyle/>
           <a:p>
-            <a:endParaRPr lang="en-US"/>
-          </a:p>
-        </p:txBody>
-      </p:sp>
-      <p:sp>
-        <p:nvSpPr>
-          <p:cNvPr id="3" name="Online Image Placeholder 2">
-            <a:extLst>
-              <a:ext uri="{FF2B5EF4-FFF2-40B4-BE49-F238E27FC236}">
-                <a16:creationId xmlns:a16="http://schemas.microsoft.com/office/drawing/2014/main" id="{A56DF067-434A-6167-91F8-2A26C809D9BC}"/>
-              </a:ext>
-            </a:extLst>
-          </p:cNvPr>
-          <p:cNvSpPr>
-            <a:spLocks noGrp="1"/>
-          </p:cNvSpPr>
-          <p:nvPr>
-            <p:ph type="clipArt" sz="quarter" idx="14"/>
+            <a:r>
+              <a:rPr lang="en-US" dirty="0"/>
+              <a:t>Preparation of Alcohols</a:t>
+            </a:r>
+          </a:p>
+        </p:txBody>
+      </p:sp>
+      <p:sp>
+        <p:nvSpPr>
+          <p:cNvPr id="5" name="Subtitle 4">
+            <a:extLst>
+              <a:ext uri="{FF2B5EF4-FFF2-40B4-BE49-F238E27FC236}">
+                <a16:creationId xmlns:a16="http://schemas.microsoft.com/office/drawing/2014/main" id="{A3C48B9C-575D-EB46-74DE-DF90C9692065}"/>
+              </a:ext>
+            </a:extLst>
+          </p:cNvPr>
+          <p:cNvSpPr>
+            <a:spLocks noGrp="1"/>
+          </p:cNvSpPr>
+          <p:nvPr>
+            <p:ph type="subTitle" idx="1"/>
           </p:nvPr>
         </p:nvSpPr>
         <p:spPr/>
@@ -5883,7 +5926,10 @@
           <a:bodyPr/>
           <a:lstStyle/>
           <a:p>
-            <a:endParaRPr lang="en-US"/>
+            <a:r>
+              <a:rPr lang="en-US" dirty="0"/>
+              <a:t>Acid Catalyzed Hydration</a:t>
+            </a:r>
           </a:p>
         </p:txBody>
       </p:sp>
@@ -5891,6 +5937,86 @@
     <p:extLst>
       <p:ext uri="{BB962C8B-B14F-4D97-AF65-F5344CB8AC3E}">
         <p14:creationId xmlns:p14="http://schemas.microsoft.com/office/powerpoint/2010/main" val="3840861800"/>
+      </p:ext>
+    </p:extLst>
+  </p:cSld>
+  <p:clrMapOvr>
+    <a:masterClrMapping/>
+  </p:clrMapOvr>
+</p:sld>
+</file>
+
+<file path=ppt/slides/slide8.xml><?xml version="1.0" encoding="utf-8"?>
+<p:sld xmlns:a="http://schemas.openxmlformats.org/drawingml/2006/main" xmlns:r="http://schemas.openxmlformats.org/officeDocument/2006/relationships" xmlns:p="http://schemas.openxmlformats.org/presentationml/2006/main">
+  <p:cSld>
+    <p:spTree>
+      <p:nvGrpSpPr>
+        <p:cNvPr id="1" name=""/>
+        <p:cNvGrpSpPr/>
+        <p:nvPr/>
+      </p:nvGrpSpPr>
+      <p:grpSpPr>
+        <a:xfrm>
+          <a:off x="0" y="0"/>
+          <a:ext cx="0" cy="0"/>
+          <a:chOff x="0" y="0"/>
+          <a:chExt cx="0" cy="0"/>
+        </a:xfrm>
+      </p:grpSpPr>
+      <p:sp>
+        <p:nvSpPr>
+          <p:cNvPr id="2" name="Online Image Placeholder 1">
+            <a:extLst>
+              <a:ext uri="{FF2B5EF4-FFF2-40B4-BE49-F238E27FC236}">
+                <a16:creationId xmlns:a16="http://schemas.microsoft.com/office/drawing/2014/main" id="{CB50A119-D8E8-3E6C-EBB1-BF280168A5BE}"/>
+              </a:ext>
+            </a:extLst>
+          </p:cNvPr>
+          <p:cNvSpPr>
+            <a:spLocks noGrp="1"/>
+          </p:cNvSpPr>
+          <p:nvPr>
+            <p:ph type="clipArt" sz="quarter" idx="13"/>
+          </p:nvPr>
+        </p:nvSpPr>
+        <p:spPr/>
+        <p:txBody>
+          <a:bodyPr/>
+          <a:lstStyle/>
+          <a:p>
+            <a:endParaRPr lang="en-US"/>
+          </a:p>
+        </p:txBody>
+      </p:sp>
+      <p:sp>
+        <p:nvSpPr>
+          <p:cNvPr id="3" name="Online Image Placeholder 2">
+            <a:extLst>
+              <a:ext uri="{FF2B5EF4-FFF2-40B4-BE49-F238E27FC236}">
+                <a16:creationId xmlns:a16="http://schemas.microsoft.com/office/drawing/2014/main" id="{12B0E730-6B73-028B-C7D1-E4418AC6DEDE}"/>
+              </a:ext>
+            </a:extLst>
+          </p:cNvPr>
+          <p:cNvSpPr>
+            <a:spLocks noGrp="1"/>
+          </p:cNvSpPr>
+          <p:nvPr>
+            <p:ph type="clipArt" sz="quarter" idx="14"/>
+          </p:nvPr>
+        </p:nvSpPr>
+        <p:spPr/>
+        <p:txBody>
+          <a:bodyPr/>
+          <a:lstStyle/>
+          <a:p>
+            <a:endParaRPr lang="en-US"/>
+          </a:p>
+        </p:txBody>
+      </p:sp>
+    </p:spTree>
+    <p:extLst>
+      <p:ext uri="{BB962C8B-B14F-4D97-AF65-F5344CB8AC3E}">
+        <p14:creationId xmlns:p14="http://schemas.microsoft.com/office/powerpoint/2010/main" val="2336822022"/>
       </p:ext>
     </p:extLst>
   </p:cSld>

--- a/alcoholquestions.pptx
+++ b/alcoholquestions.pptx
@@ -3,16 +3,18 @@
 <p:presentation xmlns:a="http://schemas.openxmlformats.org/drawingml/2006/main" xmlns:r="http://schemas.openxmlformats.org/officeDocument/2006/relationships" xmlns:p="http://schemas.openxmlformats.org/presentationml/2006/main" saveSubsetFonts="1">
   <p:sldMasterIdLst>
     <p:sldMasterId id="2147483648" r:id="rId4"/>
+    <p:sldMasterId id="2147483663" r:id="rId5"/>
+    <p:sldMasterId id="2147483661" r:id="rId6"/>
   </p:sldMasterIdLst>
   <p:sldIdLst>
-    <p:sldId id="337" r:id="rId5"/>
-    <p:sldId id="260" r:id="rId6"/>
-    <p:sldId id="332" r:id="rId7"/>
-    <p:sldId id="333" r:id="rId8"/>
-    <p:sldId id="334" r:id="rId9"/>
-    <p:sldId id="335" r:id="rId10"/>
-    <p:sldId id="336" r:id="rId11"/>
-    <p:sldId id="338" r:id="rId12"/>
+    <p:sldId id="337" r:id="rId7"/>
+    <p:sldId id="260" r:id="rId8"/>
+    <p:sldId id="332" r:id="rId9"/>
+    <p:sldId id="333" r:id="rId10"/>
+    <p:sldId id="334" r:id="rId11"/>
+    <p:sldId id="335" r:id="rId12"/>
+    <p:sldId id="336" r:id="rId13"/>
+    <p:sldId id="338" r:id="rId14"/>
   </p:sldIdLst>
   <p:sldSz cx="12192000" cy="6858000"/>
   <p:notesSz cx="6858000" cy="9144000"/>
@@ -122,7 +124,7 @@
 <file path=ppt/revisionInfo.xml><?xml version="1.0" encoding="utf-8"?>
 <p1510:revInfo xmlns:a="http://schemas.openxmlformats.org/drawingml/2006/main" xmlns:r="http://schemas.openxmlformats.org/officeDocument/2006/relationships" xmlns:p1510="http://schemas.microsoft.com/office/powerpoint/2015/10/main">
   <p1510:revLst>
-    <p1510:client id="{35CB8859-946B-47B2-B238-137014B76091}" v="10" dt="2026-02-18T16:04:42.552"/>
+    <p1510:client id="{35CB8859-946B-47B2-B238-137014B76091}" v="13" dt="2026-02-19T15:26:22.076"/>
   </p1510:revLst>
 </p1510:revInfo>
 </file>
@@ -627,6 +629,317 @@
 </file>
 
 <file path=ppt/slideLayouts/slideLayout10.xml><?xml version="1.0" encoding="utf-8"?>
+<p:sldLayout xmlns:a="http://schemas.openxmlformats.org/drawingml/2006/main" xmlns:r="http://schemas.openxmlformats.org/officeDocument/2006/relationships" xmlns:p="http://schemas.openxmlformats.org/presentationml/2006/main" type="objTx" preserve="1">
+  <p:cSld name="Content with Caption">
+    <p:spTree>
+      <p:nvGrpSpPr>
+        <p:cNvPr id="1" name=""/>
+        <p:cNvGrpSpPr/>
+        <p:nvPr/>
+      </p:nvGrpSpPr>
+      <p:grpSpPr>
+        <a:xfrm>
+          <a:off x="0" y="0"/>
+          <a:ext cx="0" cy="0"/>
+          <a:chOff x="0" y="0"/>
+          <a:chExt cx="0" cy="0"/>
+        </a:xfrm>
+      </p:grpSpPr>
+      <p:sp>
+        <p:nvSpPr>
+          <p:cNvPr id="2" name="Title 1">
+            <a:extLst>
+              <a:ext uri="{FF2B5EF4-FFF2-40B4-BE49-F238E27FC236}">
+                <a16:creationId xmlns:a16="http://schemas.microsoft.com/office/drawing/2014/main" id="{F092F68E-F5B2-421B-A02C-D7D87542B602}"/>
+              </a:ext>
+            </a:extLst>
+          </p:cNvPr>
+          <p:cNvSpPr>
+            <a:spLocks noGrp="1"/>
+          </p:cNvSpPr>
+          <p:nvPr>
+            <p:ph type="title"/>
+          </p:nvPr>
+        </p:nvSpPr>
+        <p:spPr>
+          <a:xfrm>
+            <a:off x="839788" y="457200"/>
+            <a:ext cx="3932237" cy="1600200"/>
+          </a:xfrm>
+        </p:spPr>
+        <p:txBody>
+          <a:bodyPr anchor="b"/>
+          <a:lstStyle>
+            <a:lvl1pPr>
+              <a:defRPr sz="3200"/>
+            </a:lvl1pPr>
+          </a:lstStyle>
+          <a:p>
+            <a:r>
+              <a:rPr lang="en-US"/>
+              <a:t>Click to edit Master title style</a:t>
+            </a:r>
+          </a:p>
+        </p:txBody>
+      </p:sp>
+      <p:sp>
+        <p:nvSpPr>
+          <p:cNvPr id="3" name="Content Placeholder 2">
+            <a:extLst>
+              <a:ext uri="{FF2B5EF4-FFF2-40B4-BE49-F238E27FC236}">
+                <a16:creationId xmlns:a16="http://schemas.microsoft.com/office/drawing/2014/main" id="{510EDD4C-9ED6-4238-A516-E584D502D2E8}"/>
+              </a:ext>
+            </a:extLst>
+          </p:cNvPr>
+          <p:cNvSpPr>
+            <a:spLocks noGrp="1"/>
+          </p:cNvSpPr>
+          <p:nvPr>
+            <p:ph idx="1"/>
+          </p:nvPr>
+        </p:nvSpPr>
+        <p:spPr>
+          <a:xfrm>
+            <a:off x="5183188" y="987425"/>
+            <a:ext cx="6172200" cy="4873625"/>
+          </a:xfrm>
+        </p:spPr>
+        <p:txBody>
+          <a:bodyPr/>
+          <a:lstStyle>
+            <a:lvl1pPr>
+              <a:defRPr sz="3200"/>
+            </a:lvl1pPr>
+            <a:lvl2pPr>
+              <a:defRPr sz="2800"/>
+            </a:lvl2pPr>
+            <a:lvl3pPr>
+              <a:defRPr sz="2400"/>
+            </a:lvl3pPr>
+            <a:lvl4pPr>
+              <a:defRPr sz="2000"/>
+            </a:lvl4pPr>
+            <a:lvl5pPr>
+              <a:defRPr sz="2000"/>
+            </a:lvl5pPr>
+            <a:lvl6pPr>
+              <a:defRPr sz="2000"/>
+            </a:lvl6pPr>
+            <a:lvl7pPr>
+              <a:defRPr sz="2000"/>
+            </a:lvl7pPr>
+            <a:lvl8pPr>
+              <a:defRPr sz="2000"/>
+            </a:lvl8pPr>
+            <a:lvl9pPr>
+              <a:defRPr sz="2000"/>
+            </a:lvl9pPr>
+          </a:lstStyle>
+          <a:p>
+            <a:pPr lvl="0"/>
+            <a:r>
+              <a:rPr lang="en-US"/>
+              <a:t>Click to edit Master text styles</a:t>
+            </a:r>
+          </a:p>
+          <a:p>
+            <a:pPr lvl="1"/>
+            <a:r>
+              <a:rPr lang="en-US"/>
+              <a:t>Second level</a:t>
+            </a:r>
+          </a:p>
+          <a:p>
+            <a:pPr lvl="2"/>
+            <a:r>
+              <a:rPr lang="en-US"/>
+              <a:t>Third level</a:t>
+            </a:r>
+          </a:p>
+          <a:p>
+            <a:pPr lvl="3"/>
+            <a:r>
+              <a:rPr lang="en-US"/>
+              <a:t>Fourth level</a:t>
+            </a:r>
+          </a:p>
+          <a:p>
+            <a:pPr lvl="4"/>
+            <a:r>
+              <a:rPr lang="en-US"/>
+              <a:t>Fifth level</a:t>
+            </a:r>
+          </a:p>
+        </p:txBody>
+      </p:sp>
+      <p:sp>
+        <p:nvSpPr>
+          <p:cNvPr id="4" name="Text Placeholder 3">
+            <a:extLst>
+              <a:ext uri="{FF2B5EF4-FFF2-40B4-BE49-F238E27FC236}">
+                <a16:creationId xmlns:a16="http://schemas.microsoft.com/office/drawing/2014/main" id="{8278C6F1-AAB9-4723-99F8-CFBA073A750A}"/>
+              </a:ext>
+            </a:extLst>
+          </p:cNvPr>
+          <p:cNvSpPr>
+            <a:spLocks noGrp="1"/>
+          </p:cNvSpPr>
+          <p:nvPr>
+            <p:ph type="body" sz="half" idx="2"/>
+          </p:nvPr>
+        </p:nvSpPr>
+        <p:spPr>
+          <a:xfrm>
+            <a:off x="839788" y="2057400"/>
+            <a:ext cx="3932237" cy="3811588"/>
+          </a:xfrm>
+        </p:spPr>
+        <p:txBody>
+          <a:bodyPr/>
+          <a:lstStyle>
+            <a:lvl1pPr marL="0" indent="0">
+              <a:buNone/>
+              <a:defRPr sz="1600"/>
+            </a:lvl1pPr>
+            <a:lvl2pPr marL="457200" indent="0">
+              <a:buNone/>
+              <a:defRPr sz="1400"/>
+            </a:lvl2pPr>
+            <a:lvl3pPr marL="914400" indent="0">
+              <a:buNone/>
+              <a:defRPr sz="1200"/>
+            </a:lvl3pPr>
+            <a:lvl4pPr marL="1371600" indent="0">
+              <a:buNone/>
+              <a:defRPr sz="1000"/>
+            </a:lvl4pPr>
+            <a:lvl5pPr marL="1828800" indent="0">
+              <a:buNone/>
+              <a:defRPr sz="1000"/>
+            </a:lvl5pPr>
+            <a:lvl6pPr marL="2286000" indent="0">
+              <a:buNone/>
+              <a:defRPr sz="1000"/>
+            </a:lvl6pPr>
+            <a:lvl7pPr marL="2743200" indent="0">
+              <a:buNone/>
+              <a:defRPr sz="1000"/>
+            </a:lvl7pPr>
+            <a:lvl8pPr marL="3200400" indent="0">
+              <a:buNone/>
+              <a:defRPr sz="1000"/>
+            </a:lvl8pPr>
+            <a:lvl9pPr marL="3657600" indent="0">
+              <a:buNone/>
+              <a:defRPr sz="1000"/>
+            </a:lvl9pPr>
+          </a:lstStyle>
+          <a:p>
+            <a:pPr lvl="0"/>
+            <a:r>
+              <a:rPr lang="en-US"/>
+              <a:t>Click to edit Master text styles</a:t>
+            </a:r>
+          </a:p>
+        </p:txBody>
+      </p:sp>
+      <p:sp>
+        <p:nvSpPr>
+          <p:cNvPr id="5" name="Date Placeholder 4">
+            <a:extLst>
+              <a:ext uri="{FF2B5EF4-FFF2-40B4-BE49-F238E27FC236}">
+                <a16:creationId xmlns:a16="http://schemas.microsoft.com/office/drawing/2014/main" id="{FA5C6B83-F23B-4AEC-9CCB-BEC01613551C}"/>
+              </a:ext>
+            </a:extLst>
+          </p:cNvPr>
+          <p:cNvSpPr>
+            <a:spLocks noGrp="1"/>
+          </p:cNvSpPr>
+          <p:nvPr>
+            <p:ph type="dt" sz="half" idx="10"/>
+          </p:nvPr>
+        </p:nvSpPr>
+        <p:spPr/>
+        <p:txBody>
+          <a:bodyPr/>
+          <a:lstStyle/>
+          <a:p>
+            <a:fld id="{13014762-DFFB-4EBE-8655-EB0D0E44861E}" type="datetimeFigureOut">
+              <a:rPr lang="en-US" smtClean="0"/>
+              <a:t>2/19/2026</a:t>
+            </a:fld>
+            <a:endParaRPr lang="en-US"/>
+          </a:p>
+        </p:txBody>
+      </p:sp>
+      <p:sp>
+        <p:nvSpPr>
+          <p:cNvPr id="6" name="Footer Placeholder 5">
+            <a:extLst>
+              <a:ext uri="{FF2B5EF4-FFF2-40B4-BE49-F238E27FC236}">
+                <a16:creationId xmlns:a16="http://schemas.microsoft.com/office/drawing/2014/main" id="{BB4D1C9D-67F8-4160-A6B6-1C5BBC968F2C}"/>
+              </a:ext>
+            </a:extLst>
+          </p:cNvPr>
+          <p:cNvSpPr>
+            <a:spLocks noGrp="1"/>
+          </p:cNvSpPr>
+          <p:nvPr>
+            <p:ph type="ftr" sz="quarter" idx="11"/>
+          </p:nvPr>
+        </p:nvSpPr>
+        <p:spPr/>
+        <p:txBody>
+          <a:bodyPr/>
+          <a:lstStyle/>
+          <a:p>
+            <a:endParaRPr lang="en-US"/>
+          </a:p>
+        </p:txBody>
+      </p:sp>
+      <p:sp>
+        <p:nvSpPr>
+          <p:cNvPr id="7" name="Slide Number Placeholder 6">
+            <a:extLst>
+              <a:ext uri="{FF2B5EF4-FFF2-40B4-BE49-F238E27FC236}">
+                <a16:creationId xmlns:a16="http://schemas.microsoft.com/office/drawing/2014/main" id="{38076209-E739-4BB1-81B0-679D756F5155}"/>
+              </a:ext>
+            </a:extLst>
+          </p:cNvPr>
+          <p:cNvSpPr>
+            <a:spLocks noGrp="1"/>
+          </p:cNvSpPr>
+          <p:nvPr>
+            <p:ph type="sldNum" sz="quarter" idx="12"/>
+          </p:nvPr>
+        </p:nvSpPr>
+        <p:spPr/>
+        <p:txBody>
+          <a:bodyPr/>
+          <a:lstStyle/>
+          <a:p>
+            <a:fld id="{698B0EB1-831C-4439-A09B-221EC37904F7}" type="slidenum">
+              <a:rPr lang="en-US" smtClean="0"/>
+              <a:t>‹#›</a:t>
+            </a:fld>
+            <a:endParaRPr lang="en-US"/>
+          </a:p>
+        </p:txBody>
+      </p:sp>
+    </p:spTree>
+    <p:extLst>
+      <p:ext uri="{BB962C8B-B14F-4D97-AF65-F5344CB8AC3E}">
+        <p14:creationId xmlns:p14="http://schemas.microsoft.com/office/powerpoint/2010/main" val="375894196"/>
+      </p:ext>
+    </p:extLst>
+  </p:cSld>
+  <p:clrMapOvr>
+    <a:masterClrMapping/>
+  </p:clrMapOvr>
+</p:sldLayout>
+</file>
+
+<file path=ppt/slideLayouts/slideLayout11.xml><?xml version="1.0" encoding="utf-8"?>
 <p:sldLayout xmlns:a="http://schemas.openxmlformats.org/drawingml/2006/main" xmlns:r="http://schemas.openxmlformats.org/officeDocument/2006/relationships" xmlns:p="http://schemas.openxmlformats.org/presentationml/2006/main" type="picTx" preserve="1">
   <p:cSld name="Picture with Caption">
     <p:spTree>
@@ -917,7 +1230,7 @@
 </p:sldLayout>
 </file>
 
-<file path=ppt/slideLayouts/slideLayout11.xml><?xml version="1.0" encoding="utf-8"?>
+<file path=ppt/slideLayouts/slideLayout12.xml><?xml version="1.0" encoding="utf-8"?>
 <p:sldLayout xmlns:a="http://schemas.openxmlformats.org/drawingml/2006/main" xmlns:r="http://schemas.openxmlformats.org/officeDocument/2006/relationships" xmlns:p="http://schemas.openxmlformats.org/presentationml/2006/main" type="vertTx" preserve="1">
   <p:cSld name="Title and Vertical Text">
     <p:spTree>
@@ -1115,7 +1428,7 @@
 </p:sldLayout>
 </file>
 
-<file path=ppt/slideLayouts/slideLayout12.xml><?xml version="1.0" encoding="utf-8"?>
+<file path=ppt/slideLayouts/slideLayout13.xml><?xml version="1.0" encoding="utf-8"?>
 <p:sldLayout xmlns:a="http://schemas.openxmlformats.org/drawingml/2006/main" xmlns:r="http://schemas.openxmlformats.org/officeDocument/2006/relationships" xmlns:p="http://schemas.openxmlformats.org/presentationml/2006/main" type="vertTitleAndTx" preserve="1">
   <p:cSld name="Vertical Title and Text">
     <p:spTree>
@@ -1323,7 +1636,1173 @@
 </p:sldLayout>
 </file>
 
+<file path=ppt/slideLayouts/slideLayout14.xml><?xml version="1.0" encoding="utf-8"?>
+<p:sldLayout xmlns:a="http://schemas.openxmlformats.org/drawingml/2006/main" xmlns:r="http://schemas.openxmlformats.org/officeDocument/2006/relationships" xmlns:p="http://schemas.openxmlformats.org/presentationml/2006/main" preserve="1" userDrawn="1">
+  <p:cSld name="Q&amp;A 2">
+    <p:spTree>
+      <p:nvGrpSpPr>
+        <p:cNvPr id="1" name=""/>
+        <p:cNvGrpSpPr/>
+        <p:nvPr/>
+      </p:nvGrpSpPr>
+      <p:grpSpPr>
+        <a:xfrm>
+          <a:off x="0" y="0"/>
+          <a:ext cx="0" cy="0"/>
+          <a:chOff x="0" y="0"/>
+          <a:chExt cx="0" cy="0"/>
+        </a:xfrm>
+      </p:grpSpPr>
+      <p:sp>
+        <p:nvSpPr>
+          <p:cNvPr id="3" name="Date Placeholder 2">
+            <a:extLst>
+              <a:ext uri="{FF2B5EF4-FFF2-40B4-BE49-F238E27FC236}">
+                <a16:creationId xmlns:a16="http://schemas.microsoft.com/office/drawing/2014/main" id="{53B03F67-3C42-E25A-AA44-5B427B056A92}"/>
+              </a:ext>
+            </a:extLst>
+          </p:cNvPr>
+          <p:cNvSpPr>
+            <a:spLocks noGrp="1"/>
+          </p:cNvSpPr>
+          <p:nvPr>
+            <p:ph type="dt" sz="half" idx="10"/>
+          </p:nvPr>
+        </p:nvSpPr>
+        <p:spPr/>
+        <p:txBody>
+          <a:bodyPr/>
+          <a:lstStyle/>
+          <a:p>
+            <a:pPr marL="0" marR="0" lvl="0" indent="0" algn="l" defTabSz="914400" rtl="0" eaLnBrk="1" fontAlgn="auto" latinLnBrk="0" hangingPunct="1">
+              <a:lnSpc>
+                <a:spcPct val="100000"/>
+              </a:lnSpc>
+              <a:spcBef>
+                <a:spcPts val="0"/>
+              </a:spcBef>
+              <a:spcAft>
+                <a:spcPts val="0"/>
+              </a:spcAft>
+              <a:buClrTx/>
+              <a:buSzTx/>
+              <a:buFontTx/>
+              <a:buNone/>
+              <a:tabLst/>
+              <a:defRPr/>
+            </a:pPr>
+            <a:fld id="{13014762-DFFB-4EBE-8655-EB0D0E44861E}" type="datetimeFigureOut">
+              <a:rPr kumimoji="0" lang="en-US" sz="1200" b="0" i="0" u="none" strike="noStrike" kern="1200" cap="none" spc="0" normalizeH="0" baseline="0" noProof="0" smtClean="0">
+                <a:ln>
+                  <a:noFill/>
+                </a:ln>
+                <a:solidFill>
+                  <a:prstClr val="black">
+                    <a:tint val="75000"/>
+                  </a:prstClr>
+                </a:solidFill>
+                <a:effectLst/>
+                <a:uLnTx/>
+                <a:uFillTx/>
+                <a:latin typeface="Calibri" panose="020F0502020204030204"/>
+                <a:ea typeface="+mn-ea"/>
+                <a:cs typeface="+mn-cs"/>
+              </a:rPr>
+              <a:pPr marL="0" marR="0" lvl="0" indent="0" algn="l" defTabSz="914400" rtl="0" eaLnBrk="1" fontAlgn="auto" latinLnBrk="0" hangingPunct="1">
+                <a:lnSpc>
+                  <a:spcPct val="100000"/>
+                </a:lnSpc>
+                <a:spcBef>
+                  <a:spcPts val="0"/>
+                </a:spcBef>
+                <a:spcAft>
+                  <a:spcPts val="0"/>
+                </a:spcAft>
+                <a:buClrTx/>
+                <a:buSzTx/>
+                <a:buFontTx/>
+                <a:buNone/>
+                <a:tabLst/>
+                <a:defRPr/>
+              </a:pPr>
+              <a:t>2/19/2026</a:t>
+            </a:fld>
+            <a:endParaRPr kumimoji="0" lang="en-US" sz="1200" b="0" i="0" u="none" strike="noStrike" kern="1200" cap="none" spc="0" normalizeH="0" baseline="0" noProof="0">
+              <a:ln>
+                <a:noFill/>
+              </a:ln>
+              <a:solidFill>
+                <a:prstClr val="black">
+                  <a:tint val="75000"/>
+                </a:prstClr>
+              </a:solidFill>
+              <a:effectLst/>
+              <a:uLnTx/>
+              <a:uFillTx/>
+              <a:latin typeface="Calibri" panose="020F0502020204030204"/>
+              <a:ea typeface="+mn-ea"/>
+              <a:cs typeface="+mn-cs"/>
+            </a:endParaRPr>
+          </a:p>
+        </p:txBody>
+      </p:sp>
+      <p:sp>
+        <p:nvSpPr>
+          <p:cNvPr id="4" name="Footer Placeholder 3">
+            <a:extLst>
+              <a:ext uri="{FF2B5EF4-FFF2-40B4-BE49-F238E27FC236}">
+                <a16:creationId xmlns:a16="http://schemas.microsoft.com/office/drawing/2014/main" id="{0DCF314A-8DBA-7851-DCAF-E342F19BBC02}"/>
+              </a:ext>
+            </a:extLst>
+          </p:cNvPr>
+          <p:cNvSpPr>
+            <a:spLocks noGrp="1"/>
+          </p:cNvSpPr>
+          <p:nvPr>
+            <p:ph type="ftr" sz="quarter" idx="11"/>
+          </p:nvPr>
+        </p:nvSpPr>
+        <p:spPr/>
+        <p:txBody>
+          <a:bodyPr/>
+          <a:lstStyle/>
+          <a:p>
+            <a:pPr marL="0" marR="0" lvl="0" indent="0" algn="ctr" defTabSz="914400" rtl="0" eaLnBrk="1" fontAlgn="auto" latinLnBrk="0" hangingPunct="1">
+              <a:lnSpc>
+                <a:spcPct val="100000"/>
+              </a:lnSpc>
+              <a:spcBef>
+                <a:spcPts val="0"/>
+              </a:spcBef>
+              <a:spcAft>
+                <a:spcPts val="0"/>
+              </a:spcAft>
+              <a:buClrTx/>
+              <a:buSzTx/>
+              <a:buFontTx/>
+              <a:buNone/>
+              <a:tabLst/>
+              <a:defRPr/>
+            </a:pPr>
+            <a:endParaRPr kumimoji="0" lang="en-US" sz="1200" b="0" i="0" u="none" strike="noStrike" kern="1200" cap="none" spc="0" normalizeH="0" baseline="0" noProof="0">
+              <a:ln>
+                <a:noFill/>
+              </a:ln>
+              <a:solidFill>
+                <a:prstClr val="black">
+                  <a:tint val="75000"/>
+                </a:prstClr>
+              </a:solidFill>
+              <a:effectLst/>
+              <a:uLnTx/>
+              <a:uFillTx/>
+              <a:latin typeface="Calibri" panose="020F0502020204030204"/>
+              <a:ea typeface="+mn-ea"/>
+              <a:cs typeface="+mn-cs"/>
+            </a:endParaRPr>
+          </a:p>
+        </p:txBody>
+      </p:sp>
+      <p:sp>
+        <p:nvSpPr>
+          <p:cNvPr id="5" name="Slide Number Placeholder 4">
+            <a:extLst>
+              <a:ext uri="{FF2B5EF4-FFF2-40B4-BE49-F238E27FC236}">
+                <a16:creationId xmlns:a16="http://schemas.microsoft.com/office/drawing/2014/main" id="{148A27ED-849B-00B9-A1F8-C55EE4FB5FAB}"/>
+              </a:ext>
+            </a:extLst>
+          </p:cNvPr>
+          <p:cNvSpPr>
+            <a:spLocks noGrp="1"/>
+          </p:cNvSpPr>
+          <p:nvPr>
+            <p:ph type="sldNum" sz="quarter" idx="12"/>
+          </p:nvPr>
+        </p:nvSpPr>
+        <p:spPr/>
+        <p:txBody>
+          <a:bodyPr/>
+          <a:lstStyle/>
+          <a:p>
+            <a:pPr marL="0" marR="0" lvl="0" indent="0" algn="r" defTabSz="914400" rtl="0" eaLnBrk="1" fontAlgn="auto" latinLnBrk="0" hangingPunct="1">
+              <a:lnSpc>
+                <a:spcPct val="100000"/>
+              </a:lnSpc>
+              <a:spcBef>
+                <a:spcPts val="0"/>
+              </a:spcBef>
+              <a:spcAft>
+                <a:spcPts val="0"/>
+              </a:spcAft>
+              <a:buClrTx/>
+              <a:buSzTx/>
+              <a:buFontTx/>
+              <a:buNone/>
+              <a:tabLst/>
+              <a:defRPr/>
+            </a:pPr>
+            <a:fld id="{698B0EB1-831C-4439-A09B-221EC37904F7}" type="slidenum">
+              <a:rPr kumimoji="0" lang="en-US" sz="1200" b="0" i="0" u="none" strike="noStrike" kern="1200" cap="none" spc="0" normalizeH="0" baseline="0" noProof="0" smtClean="0">
+                <a:ln>
+                  <a:noFill/>
+                </a:ln>
+                <a:solidFill>
+                  <a:prstClr val="black">
+                    <a:tint val="75000"/>
+                  </a:prstClr>
+                </a:solidFill>
+                <a:effectLst/>
+                <a:uLnTx/>
+                <a:uFillTx/>
+                <a:latin typeface="Calibri" panose="020F0502020204030204"/>
+                <a:ea typeface="+mn-ea"/>
+                <a:cs typeface="+mn-cs"/>
+              </a:rPr>
+              <a:pPr marL="0" marR="0" lvl="0" indent="0" algn="r" defTabSz="914400" rtl="0" eaLnBrk="1" fontAlgn="auto" latinLnBrk="0" hangingPunct="1">
+                <a:lnSpc>
+                  <a:spcPct val="100000"/>
+                </a:lnSpc>
+                <a:spcBef>
+                  <a:spcPts val="0"/>
+                </a:spcBef>
+                <a:spcAft>
+                  <a:spcPts val="0"/>
+                </a:spcAft>
+                <a:buClrTx/>
+                <a:buSzTx/>
+                <a:buFontTx/>
+                <a:buNone/>
+                <a:tabLst/>
+                <a:defRPr/>
+              </a:pPr>
+              <a:t>‹#›</a:t>
+            </a:fld>
+            <a:endParaRPr kumimoji="0" lang="en-US" sz="1200" b="0" i="0" u="none" strike="noStrike" kern="1200" cap="none" spc="0" normalizeH="0" baseline="0" noProof="0">
+              <a:ln>
+                <a:noFill/>
+              </a:ln>
+              <a:solidFill>
+                <a:prstClr val="black">
+                  <a:tint val="75000"/>
+                </a:prstClr>
+              </a:solidFill>
+              <a:effectLst/>
+              <a:uLnTx/>
+              <a:uFillTx/>
+              <a:latin typeface="Calibri" panose="020F0502020204030204"/>
+              <a:ea typeface="+mn-ea"/>
+              <a:cs typeface="+mn-cs"/>
+            </a:endParaRPr>
+          </a:p>
+        </p:txBody>
+      </p:sp>
+      <p:sp>
+        <p:nvSpPr>
+          <p:cNvPr id="6" name="Oval 5">
+            <a:hlinkClick r:id="" action="ppaction://noaction">
+              <a:snd r:embed="rId2" name="click.wav"/>
+            </a:hlinkClick>
+            <a:extLst>
+              <a:ext uri="{FF2B5EF4-FFF2-40B4-BE49-F238E27FC236}">
+                <a16:creationId xmlns:a16="http://schemas.microsoft.com/office/drawing/2014/main" id="{481FE094-D750-6BE4-37E5-6AAA654F3637}"/>
+              </a:ext>
+            </a:extLst>
+          </p:cNvPr>
+          <p:cNvSpPr/>
+          <p:nvPr userDrawn="1"/>
+        </p:nvSpPr>
+        <p:spPr>
+          <a:xfrm>
+            <a:off x="816634" y="2751826"/>
+            <a:ext cx="1354348" cy="1354348"/>
+          </a:xfrm>
+          <a:prstGeom prst="ellipse">
+            <a:avLst/>
+          </a:prstGeom>
+          <a:solidFill>
+            <a:srgbClr val="67D331"/>
+          </a:solidFill>
+          <a:effectLst>
+            <a:glow rad="101600">
+              <a:schemeClr val="accent6">
+                <a:satMod val="175000"/>
+                <a:alpha val="40000"/>
+              </a:schemeClr>
+            </a:glow>
+          </a:effectLst>
+          <a:scene3d>
+            <a:camera prst="orthographicFront"/>
+            <a:lightRig rig="threePt" dir="t"/>
+          </a:scene3d>
+          <a:sp3d>
+            <a:bevelT w="152400" h="50800" prst="softRound"/>
+          </a:sp3d>
+        </p:spPr>
+        <p:style>
+          <a:lnRef idx="2">
+            <a:schemeClr val="accent1">
+              <a:shade val="15000"/>
+            </a:schemeClr>
+          </a:lnRef>
+          <a:fillRef idx="1">
+            <a:schemeClr val="accent1"/>
+          </a:fillRef>
+          <a:effectRef idx="0">
+            <a:schemeClr val="accent1"/>
+          </a:effectRef>
+          <a:fontRef idx="minor">
+            <a:schemeClr val="lt1"/>
+          </a:fontRef>
+        </p:style>
+        <p:txBody>
+          <a:bodyPr rtlCol="0" anchor="ctr"/>
+          <a:lstStyle/>
+          <a:p>
+            <a:pPr marL="0" marR="0" lvl="0" indent="0" algn="ctr" defTabSz="914400" rtl="0" eaLnBrk="1" fontAlgn="auto" latinLnBrk="0" hangingPunct="1">
+              <a:lnSpc>
+                <a:spcPct val="100000"/>
+              </a:lnSpc>
+              <a:spcBef>
+                <a:spcPts val="0"/>
+              </a:spcBef>
+              <a:spcAft>
+                <a:spcPts val="0"/>
+              </a:spcAft>
+              <a:buClrTx/>
+              <a:buSzTx/>
+              <a:buFontTx/>
+              <a:buNone/>
+              <a:tabLst/>
+              <a:defRPr/>
+            </a:pPr>
+            <a:r>
+              <a:rPr kumimoji="0" lang="en-US" sz="1600" b="0" i="0" u="none" strike="noStrike" kern="1200" cap="none" spc="0" normalizeH="0" baseline="0" noProof="0" dirty="0">
+                <a:ln>
+                  <a:noFill/>
+                </a:ln>
+                <a:solidFill>
+                  <a:prstClr val="white"/>
+                </a:solidFill>
+                <a:effectLst/>
+                <a:uLnTx/>
+                <a:uFillTx/>
+                <a:latin typeface="Calibri" panose="020F0502020204030204"/>
+                <a:ea typeface="+mn-ea"/>
+                <a:cs typeface="+mn-cs"/>
+              </a:rPr>
+              <a:t>Click for question</a:t>
+            </a:r>
+          </a:p>
+        </p:txBody>
+      </p:sp>
+      <p:sp>
+        <p:nvSpPr>
+          <p:cNvPr id="7" name="Oval 6">
+            <a:hlinkClick r:id="" action="ppaction://noaction">
+              <a:snd r:embed="rId2" name="click.wav"/>
+            </a:hlinkClick>
+            <a:extLst>
+              <a:ext uri="{FF2B5EF4-FFF2-40B4-BE49-F238E27FC236}">
+                <a16:creationId xmlns:a16="http://schemas.microsoft.com/office/drawing/2014/main" id="{17A3E5A5-FC2A-79FE-2468-8A516CF99856}"/>
+              </a:ext>
+            </a:extLst>
+          </p:cNvPr>
+          <p:cNvSpPr/>
+          <p:nvPr userDrawn="1"/>
+        </p:nvSpPr>
+        <p:spPr>
+          <a:xfrm>
+            <a:off x="711100" y="2670674"/>
+            <a:ext cx="1565413" cy="1516652"/>
+          </a:xfrm>
+          <a:prstGeom prst="ellipse">
+            <a:avLst/>
+          </a:prstGeom>
+          <a:solidFill>
+            <a:srgbClr val="FF0000"/>
+          </a:solidFill>
+          <a:ln>
+            <a:noFill/>
+          </a:ln>
+          <a:effectLst>
+            <a:outerShdw blurRad="44450" dist="27940" dir="5400000" algn="ctr">
+              <a:srgbClr val="000000">
+                <a:alpha val="32000"/>
+              </a:srgbClr>
+            </a:outerShdw>
+          </a:effectLst>
+          <a:scene3d>
+            <a:camera prst="orthographicFront">
+              <a:rot lat="0" lon="0" rev="0"/>
+            </a:camera>
+            <a:lightRig rig="balanced" dir="t">
+              <a:rot lat="0" lon="0" rev="8700000"/>
+            </a:lightRig>
+          </a:scene3d>
+          <a:sp3d>
+            <a:bevelT w="190500" h="38100"/>
+          </a:sp3d>
+        </p:spPr>
+        <p:style>
+          <a:lnRef idx="2">
+            <a:schemeClr val="accent1">
+              <a:shade val="15000"/>
+            </a:schemeClr>
+          </a:lnRef>
+          <a:fillRef idx="1">
+            <a:schemeClr val="accent1"/>
+          </a:fillRef>
+          <a:effectRef idx="0">
+            <a:schemeClr val="accent1"/>
+          </a:effectRef>
+          <a:fontRef idx="minor">
+            <a:schemeClr val="lt1"/>
+          </a:fontRef>
+        </p:style>
+        <p:txBody>
+          <a:bodyPr rtlCol="0" anchor="ctr"/>
+          <a:lstStyle/>
+          <a:p>
+            <a:pPr marL="0" marR="0" lvl="0" indent="0" algn="ctr" defTabSz="914400" rtl="0" eaLnBrk="1" fontAlgn="auto" latinLnBrk="0" hangingPunct="1">
+              <a:lnSpc>
+                <a:spcPct val="100000"/>
+              </a:lnSpc>
+              <a:spcBef>
+                <a:spcPts val="0"/>
+              </a:spcBef>
+              <a:spcAft>
+                <a:spcPts val="0"/>
+              </a:spcAft>
+              <a:buClrTx/>
+              <a:buSzTx/>
+              <a:buFontTx/>
+              <a:buNone/>
+              <a:tabLst/>
+              <a:defRPr/>
+            </a:pPr>
+            <a:r>
+              <a:rPr kumimoji="0" lang="en-US" sz="1800" b="0" i="0" u="none" strike="noStrike" kern="1200" cap="none" spc="0" normalizeH="0" baseline="0" noProof="0" dirty="0">
+                <a:ln>
+                  <a:noFill/>
+                </a:ln>
+                <a:solidFill>
+                  <a:prstClr val="white"/>
+                </a:solidFill>
+                <a:effectLst/>
+                <a:uLnTx/>
+                <a:uFillTx/>
+                <a:latin typeface="Calibri" panose="020F0502020204030204"/>
+                <a:ea typeface="+mn-ea"/>
+                <a:cs typeface="+mn-cs"/>
+              </a:rPr>
+              <a:t>Click for Answer!</a:t>
+            </a:r>
+          </a:p>
+        </p:txBody>
+      </p:sp>
+      <p:sp>
+        <p:nvSpPr>
+          <p:cNvPr id="8" name="Rectangle 7">
+            <a:extLst>
+              <a:ext uri="{FF2B5EF4-FFF2-40B4-BE49-F238E27FC236}">
+                <a16:creationId xmlns:a16="http://schemas.microsoft.com/office/drawing/2014/main" id="{C5102D04-1677-0840-B1FF-57862D7A6A9B}"/>
+              </a:ext>
+            </a:extLst>
+          </p:cNvPr>
+          <p:cNvSpPr/>
+          <p:nvPr userDrawn="1"/>
+        </p:nvSpPr>
+        <p:spPr>
+          <a:xfrm>
+            <a:off x="2319703" y="903420"/>
+            <a:ext cx="7552593" cy="1767254"/>
+          </a:xfrm>
+          <a:prstGeom prst="rect">
+            <a:avLst/>
+          </a:prstGeom>
+          <a:solidFill>
+            <a:schemeClr val="bg1"/>
+          </a:solidFill>
+          <a:ln w="19050"/>
+          <a:effectLst>
+            <a:outerShdw blurRad="50800" dist="38100" dir="8100000" algn="tr" rotWithShape="0">
+              <a:prstClr val="black">
+                <a:alpha val="40000"/>
+              </a:prstClr>
+            </a:outerShdw>
+          </a:effectLst>
+        </p:spPr>
+        <p:style>
+          <a:lnRef idx="2">
+            <a:schemeClr val="accent1">
+              <a:shade val="15000"/>
+            </a:schemeClr>
+          </a:lnRef>
+          <a:fillRef idx="1">
+            <a:schemeClr val="accent1"/>
+          </a:fillRef>
+          <a:effectRef idx="0">
+            <a:schemeClr val="accent1"/>
+          </a:effectRef>
+          <a:fontRef idx="minor">
+            <a:schemeClr val="lt1"/>
+          </a:fontRef>
+        </p:style>
+        <p:txBody>
+          <a:bodyPr rtlCol="0" anchor="ctr"/>
+          <a:lstStyle/>
+          <a:p>
+            <a:pPr marL="0" marR="0" lvl="0" indent="0" algn="ctr" defTabSz="914400" rtl="0" eaLnBrk="1" fontAlgn="auto" latinLnBrk="0" hangingPunct="1">
+              <a:lnSpc>
+                <a:spcPct val="100000"/>
+              </a:lnSpc>
+              <a:spcBef>
+                <a:spcPts val="0"/>
+              </a:spcBef>
+              <a:spcAft>
+                <a:spcPts val="0"/>
+              </a:spcAft>
+              <a:buClrTx/>
+              <a:buSzTx/>
+              <a:buFontTx/>
+              <a:buNone/>
+              <a:tabLst/>
+              <a:defRPr/>
+            </a:pPr>
+            <a:endParaRPr kumimoji="0" lang="en-US" sz="1800" b="0" i="0" u="none" strike="noStrike" kern="1200" cap="none" spc="0" normalizeH="0" baseline="0" noProof="0">
+              <a:ln>
+                <a:noFill/>
+              </a:ln>
+              <a:solidFill>
+                <a:prstClr val="white"/>
+              </a:solidFill>
+              <a:effectLst/>
+              <a:uLnTx/>
+              <a:uFillTx/>
+              <a:latin typeface="Calibri" panose="020F0502020204030204"/>
+              <a:ea typeface="+mn-ea"/>
+              <a:cs typeface="+mn-cs"/>
+            </a:endParaRPr>
+          </a:p>
+        </p:txBody>
+      </p:sp>
+      <p:sp>
+        <p:nvSpPr>
+          <p:cNvPr id="10" name="Online Image Placeholder 9">
+            <a:extLst>
+              <a:ext uri="{FF2B5EF4-FFF2-40B4-BE49-F238E27FC236}">
+                <a16:creationId xmlns:a16="http://schemas.microsoft.com/office/drawing/2014/main" id="{14578564-A4C4-EA78-D47E-E92343EE0E03}"/>
+              </a:ext>
+            </a:extLst>
+          </p:cNvPr>
+          <p:cNvSpPr>
+            <a:spLocks noGrp="1"/>
+          </p:cNvSpPr>
+          <p:nvPr>
+            <p:ph type="clipArt" sz="quarter" idx="13"/>
+          </p:nvPr>
+        </p:nvSpPr>
+        <p:spPr>
+          <a:xfrm>
+            <a:off x="2482306" y="1029789"/>
+            <a:ext cx="7227383" cy="1514515"/>
+          </a:xfrm>
+        </p:spPr>
+        <p:txBody>
+          <a:bodyPr/>
+          <a:lstStyle/>
+          <a:p>
+            <a:r>
+              <a:rPr lang="en-US"/>
+              <a:t>Click icon to add online image</a:t>
+            </a:r>
+          </a:p>
+        </p:txBody>
+      </p:sp>
+      <p:sp>
+        <p:nvSpPr>
+          <p:cNvPr id="2" name="Rectangle 1">
+            <a:extLst>
+              <a:ext uri="{FF2B5EF4-FFF2-40B4-BE49-F238E27FC236}">
+                <a16:creationId xmlns:a16="http://schemas.microsoft.com/office/drawing/2014/main" id="{7CE1B845-9F81-E564-06C6-62C7989499BC}"/>
+              </a:ext>
+            </a:extLst>
+          </p:cNvPr>
+          <p:cNvSpPr/>
+          <p:nvPr userDrawn="1"/>
+        </p:nvSpPr>
+        <p:spPr>
+          <a:xfrm>
+            <a:off x="2319703" y="4182214"/>
+            <a:ext cx="7552593" cy="1767254"/>
+          </a:xfrm>
+          <a:prstGeom prst="rect">
+            <a:avLst/>
+          </a:prstGeom>
+          <a:solidFill>
+            <a:schemeClr val="bg1"/>
+          </a:solidFill>
+          <a:ln w="19050"/>
+          <a:effectLst>
+            <a:outerShdw blurRad="50800" dist="38100" dir="8100000" algn="tr" rotWithShape="0">
+              <a:prstClr val="black">
+                <a:alpha val="40000"/>
+              </a:prstClr>
+            </a:outerShdw>
+          </a:effectLst>
+        </p:spPr>
+        <p:style>
+          <a:lnRef idx="2">
+            <a:schemeClr val="accent1">
+              <a:shade val="15000"/>
+            </a:schemeClr>
+          </a:lnRef>
+          <a:fillRef idx="1">
+            <a:schemeClr val="accent1"/>
+          </a:fillRef>
+          <a:effectRef idx="0">
+            <a:schemeClr val="accent1"/>
+          </a:effectRef>
+          <a:fontRef idx="minor">
+            <a:schemeClr val="lt1"/>
+          </a:fontRef>
+        </p:style>
+        <p:txBody>
+          <a:bodyPr rtlCol="0" anchor="ctr"/>
+          <a:lstStyle/>
+          <a:p>
+            <a:pPr marL="0" marR="0" lvl="0" indent="0" algn="ctr" defTabSz="914400" rtl="0" eaLnBrk="1" fontAlgn="auto" latinLnBrk="0" hangingPunct="1">
+              <a:lnSpc>
+                <a:spcPct val="100000"/>
+              </a:lnSpc>
+              <a:spcBef>
+                <a:spcPts val="0"/>
+              </a:spcBef>
+              <a:spcAft>
+                <a:spcPts val="0"/>
+              </a:spcAft>
+              <a:buClrTx/>
+              <a:buSzTx/>
+              <a:buFontTx/>
+              <a:buNone/>
+              <a:tabLst/>
+              <a:defRPr/>
+            </a:pPr>
+            <a:endParaRPr kumimoji="0" lang="en-US" sz="1800" b="0" i="0" u="none" strike="noStrike" kern="1200" cap="none" spc="0" normalizeH="0" baseline="0" noProof="0">
+              <a:ln>
+                <a:noFill/>
+              </a:ln>
+              <a:solidFill>
+                <a:prstClr val="white"/>
+              </a:solidFill>
+              <a:effectLst/>
+              <a:uLnTx/>
+              <a:uFillTx/>
+              <a:latin typeface="Calibri" panose="020F0502020204030204"/>
+              <a:ea typeface="+mn-ea"/>
+              <a:cs typeface="+mn-cs"/>
+            </a:endParaRPr>
+          </a:p>
+        </p:txBody>
+      </p:sp>
+      <p:sp>
+        <p:nvSpPr>
+          <p:cNvPr id="12" name="Online Image Placeholder 11">
+            <a:extLst>
+              <a:ext uri="{FF2B5EF4-FFF2-40B4-BE49-F238E27FC236}">
+                <a16:creationId xmlns:a16="http://schemas.microsoft.com/office/drawing/2014/main" id="{E8A66693-428B-9B46-4C50-83EB3AE80C3E}"/>
+              </a:ext>
+            </a:extLst>
+          </p:cNvPr>
+          <p:cNvSpPr>
+            <a:spLocks noGrp="1"/>
+          </p:cNvSpPr>
+          <p:nvPr>
+            <p:ph type="clipArt" sz="quarter" idx="14"/>
+          </p:nvPr>
+        </p:nvSpPr>
+        <p:spPr>
+          <a:xfrm>
+            <a:off x="2482306" y="4312149"/>
+            <a:ext cx="7227383" cy="1516062"/>
+          </a:xfrm>
+        </p:spPr>
+        <p:txBody>
+          <a:bodyPr/>
+          <a:lstStyle/>
+          <a:p>
+            <a:r>
+              <a:rPr lang="en-US" dirty="0"/>
+              <a:t>Click icon to add online image</a:t>
+            </a:r>
+          </a:p>
+        </p:txBody>
+      </p:sp>
+    </p:spTree>
+    <p:extLst>
+      <p:ext uri="{BB962C8B-B14F-4D97-AF65-F5344CB8AC3E}">
+        <p14:creationId xmlns:p14="http://schemas.microsoft.com/office/powerpoint/2010/main" val="4287922626"/>
+      </p:ext>
+    </p:extLst>
+  </p:cSld>
+  <p:clrMapOvr>
+    <a:masterClrMapping/>
+  </p:clrMapOvr>
+  <p:timing>
+    <p:tnLst>
+      <p:par>
+        <p:cTn id="1" dur="indefinite" restart="never" nodeType="tmRoot">
+          <p:childTnLst>
+            <p:seq concurrent="1" nextAc="seek">
+              <p:cTn id="2" restart="whenNotActive" fill="hold" evtFilter="cancelBubble" nodeType="interactiveSeq">
+                <p:stCondLst>
+                  <p:cond evt="onClick" delay="0">
+                    <p:tgtEl>
+                      <p:spTgt spid="7"/>
+                    </p:tgtEl>
+                  </p:cond>
+                </p:stCondLst>
+                <p:endSync evt="end" delay="0">
+                  <p:rtn val="all"/>
+                </p:endSync>
+                <p:childTnLst>
+                  <p:par>
+                    <p:cTn id="3" fill="hold">
+                      <p:stCondLst>
+                        <p:cond delay="0"/>
+                      </p:stCondLst>
+                      <p:childTnLst>
+                        <p:par>
+                          <p:cTn id="4" fill="hold">
+                            <p:stCondLst>
+                              <p:cond delay="0"/>
+                            </p:stCondLst>
+                            <p:childTnLst>
+                              <p:par>
+                                <p:cTn id="5" presetID="1" presetClass="exit" presetSubtype="0" fill="hold" grpId="0" nodeType="clickEffect">
+                                  <p:stCondLst>
+                                    <p:cond delay="0"/>
+                                  </p:stCondLst>
+                                  <p:childTnLst>
+                                    <p:set>
+                                      <p:cBhvr>
+                                        <p:cTn id="6" dur="1" fill="hold">
+                                          <p:stCondLst>
+                                            <p:cond delay="0"/>
+                                          </p:stCondLst>
+                                        </p:cTn>
+                                        <p:tgtEl>
+                                          <p:spTgt spid="7"/>
+                                        </p:tgtEl>
+                                        <p:attrNameLst>
+                                          <p:attrName>style.visibility</p:attrName>
+                                        </p:attrNameLst>
+                                      </p:cBhvr>
+                                      <p:to>
+                                        <p:strVal val="hidden"/>
+                                      </p:to>
+                                    </p:set>
+                                  </p:childTnLst>
+                                </p:cTn>
+                              </p:par>
+                              <p:par>
+                                <p:cTn id="7" presetID="22" presetClass="exit" presetSubtype="8" fill="hold" grpId="0" nodeType="withEffect" nodePh="1">
+                                  <p:stCondLst>
+                                    <p:cond delay="0"/>
+                                  </p:stCondLst>
+                                  <p:endCondLst>
+                                    <p:cond evt="begin" delay="0">
+                                      <p:tn val="7"/>
+                                    </p:cond>
+                                  </p:endCondLst>
+                                  <p:childTnLst>
+                                    <p:animEffect transition="out" filter="wipe(left)">
+                                      <p:cBhvr>
+                                        <p:cTn id="8" dur="500"/>
+                                        <p:tgtEl>
+                                          <p:spTgt spid="10"/>
+                                        </p:tgtEl>
+                                      </p:cBhvr>
+                                    </p:animEffect>
+                                    <p:set>
+                                      <p:cBhvr>
+                                        <p:cTn id="9" dur="1" fill="hold">
+                                          <p:stCondLst>
+                                            <p:cond delay="499"/>
+                                          </p:stCondLst>
+                                        </p:cTn>
+                                        <p:tgtEl>
+                                          <p:spTgt spid="10"/>
+                                        </p:tgtEl>
+                                        <p:attrNameLst>
+                                          <p:attrName>style.visibility</p:attrName>
+                                        </p:attrNameLst>
+                                      </p:cBhvr>
+                                      <p:to>
+                                        <p:strVal val="hidden"/>
+                                      </p:to>
+                                    </p:set>
+                                  </p:childTnLst>
+                                </p:cTn>
+                              </p:par>
+                              <p:par>
+                                <p:cTn id="10" presetID="22" presetClass="entr" presetSubtype="8" fill="hold" grpId="0" nodeType="withEffect" nodePh="1">
+                                  <p:stCondLst>
+                                    <p:cond delay="0"/>
+                                  </p:stCondLst>
+                                  <p:endCondLst>
+                                    <p:cond evt="begin" delay="0">
+                                      <p:tn val="10"/>
+                                    </p:cond>
+                                  </p:endCondLst>
+                                  <p:childTnLst>
+                                    <p:set>
+                                      <p:cBhvr>
+                                        <p:cTn id="11" dur="1" fill="hold">
+                                          <p:stCondLst>
+                                            <p:cond delay="0"/>
+                                          </p:stCondLst>
+                                        </p:cTn>
+                                        <p:tgtEl>
+                                          <p:spTgt spid="12"/>
+                                        </p:tgtEl>
+                                        <p:attrNameLst>
+                                          <p:attrName>style.visibility</p:attrName>
+                                        </p:attrNameLst>
+                                      </p:cBhvr>
+                                      <p:to>
+                                        <p:strVal val="visible"/>
+                                      </p:to>
+                                    </p:set>
+                                    <p:animEffect transition="in" filter="wipe(left)">
+                                      <p:cBhvr>
+                                        <p:cTn id="12" dur="500"/>
+                                        <p:tgtEl>
+                                          <p:spTgt spid="12"/>
+                                        </p:tgtEl>
+                                      </p:cBhvr>
+                                    </p:animEffect>
+                                  </p:childTnLst>
+                                </p:cTn>
+                              </p:par>
+                            </p:childTnLst>
+                          </p:cTn>
+                        </p:par>
+                      </p:childTnLst>
+                    </p:cTn>
+                  </p:par>
+                </p:childTnLst>
+              </p:cTn>
+              <p:nextCondLst>
+                <p:cond evt="onClick" delay="0">
+                  <p:tgtEl>
+                    <p:spTgt spid="7"/>
+                  </p:tgtEl>
+                </p:cond>
+              </p:nextCondLst>
+            </p:seq>
+            <p:seq concurrent="1" nextAc="seek">
+              <p:cTn id="13" restart="whenNotActive" fill="hold" evtFilter="cancelBubble" nodeType="interactiveSeq">
+                <p:stCondLst>
+                  <p:cond evt="onClick" delay="0">
+                    <p:tgtEl>
+                      <p:spTgt spid="6"/>
+                    </p:tgtEl>
+                  </p:cond>
+                </p:stCondLst>
+                <p:endSync evt="end" delay="0">
+                  <p:rtn val="all"/>
+                </p:endSync>
+                <p:childTnLst>
+                  <p:par>
+                    <p:cTn id="14" fill="hold">
+                      <p:stCondLst>
+                        <p:cond delay="0"/>
+                      </p:stCondLst>
+                      <p:childTnLst>
+                        <p:par>
+                          <p:cTn id="15" fill="hold">
+                            <p:stCondLst>
+                              <p:cond delay="0"/>
+                            </p:stCondLst>
+                            <p:childTnLst>
+                              <p:par>
+                                <p:cTn id="16" presetID="1" presetClass="entr" presetSubtype="0" fill="hold" grpId="1" nodeType="clickEffect">
+                                  <p:stCondLst>
+                                    <p:cond delay="0"/>
+                                  </p:stCondLst>
+                                  <p:childTnLst>
+                                    <p:set>
+                                      <p:cBhvr>
+                                        <p:cTn id="17" dur="1" fill="hold">
+                                          <p:stCondLst>
+                                            <p:cond delay="0"/>
+                                          </p:stCondLst>
+                                        </p:cTn>
+                                        <p:tgtEl>
+                                          <p:spTgt spid="7"/>
+                                        </p:tgtEl>
+                                        <p:attrNameLst>
+                                          <p:attrName>style.visibility</p:attrName>
+                                        </p:attrNameLst>
+                                      </p:cBhvr>
+                                      <p:to>
+                                        <p:strVal val="visible"/>
+                                      </p:to>
+                                    </p:set>
+                                  </p:childTnLst>
+                                </p:cTn>
+                              </p:par>
+                              <p:par>
+                                <p:cTn id="18" presetID="22" presetClass="entr" presetSubtype="2" fill="hold" grpId="1" nodeType="withEffect" nodePh="1">
+                                  <p:stCondLst>
+                                    <p:cond delay="0"/>
+                                  </p:stCondLst>
+                                  <p:endCondLst>
+                                    <p:cond delay="0"/>
+                                  </p:endCondLst>
+                                  <p:childTnLst>
+                                    <p:set>
+                                      <p:cBhvr>
+                                        <p:cTn id="19" dur="1" fill="hold">
+                                          <p:stCondLst>
+                                            <p:cond delay="0"/>
+                                          </p:stCondLst>
+                                        </p:cTn>
+                                        <p:tgtEl>
+                                          <p:spTgt spid="10"/>
+                                        </p:tgtEl>
+                                        <p:attrNameLst>
+                                          <p:attrName>style.visibility</p:attrName>
+                                        </p:attrNameLst>
+                                      </p:cBhvr>
+                                      <p:to>
+                                        <p:strVal val="visible"/>
+                                      </p:to>
+                                    </p:set>
+                                    <p:animEffect transition="in" filter="wipe(right)">
+                                      <p:cBhvr>
+                                        <p:cTn id="20" dur="500"/>
+                                        <p:tgtEl>
+                                          <p:spTgt spid="10"/>
+                                        </p:tgtEl>
+                                      </p:cBhvr>
+                                    </p:animEffect>
+                                  </p:childTnLst>
+                                </p:cTn>
+                              </p:par>
+                              <p:par>
+                                <p:cTn id="21" presetID="22" presetClass="exit" presetSubtype="2" fill="hold" grpId="1" nodeType="withEffect" nodePh="1">
+                                  <p:stCondLst>
+                                    <p:cond delay="0"/>
+                                  </p:stCondLst>
+                                  <p:endCondLst>
+                                    <p:cond delay="0"/>
+                                  </p:endCondLst>
+                                  <p:childTnLst>
+                                    <p:animEffect transition="out" filter="wipe(right)">
+                                      <p:cBhvr>
+                                        <p:cTn id="22" dur="500"/>
+                                        <p:tgtEl>
+                                          <p:spTgt spid="12"/>
+                                        </p:tgtEl>
+                                      </p:cBhvr>
+                                    </p:animEffect>
+                                    <p:set>
+                                      <p:cBhvr>
+                                        <p:cTn id="23" dur="1" fill="hold">
+                                          <p:stCondLst>
+                                            <p:cond delay="499"/>
+                                          </p:stCondLst>
+                                        </p:cTn>
+                                        <p:tgtEl>
+                                          <p:spTgt spid="12"/>
+                                        </p:tgtEl>
+                                        <p:attrNameLst>
+                                          <p:attrName>style.visibility</p:attrName>
+                                        </p:attrNameLst>
+                                      </p:cBhvr>
+                                      <p:to>
+                                        <p:strVal val="hidden"/>
+                                      </p:to>
+                                    </p:set>
+                                  </p:childTnLst>
+                                </p:cTn>
+                              </p:par>
+                            </p:childTnLst>
+                          </p:cTn>
+                        </p:par>
+                      </p:childTnLst>
+                    </p:cTn>
+                  </p:par>
+                </p:childTnLst>
+              </p:cTn>
+              <p:nextCondLst>
+                <p:cond evt="onClick" delay="0">
+                  <p:tgtEl>
+                    <p:spTgt spid="6"/>
+                  </p:tgtEl>
+                </p:cond>
+              </p:nextCondLst>
+            </p:seq>
+          </p:childTnLst>
+        </p:cTn>
+      </p:par>
+    </p:tnLst>
+    <p:bldLst>
+      <p:bldP spid="7" grpId="0" animBg="1"/>
+      <p:bldP spid="7" grpId="1" animBg="1"/>
+      <p:bldP spid="10" grpId="0"/>
+      <p:bldP spid="10" grpId="1"/>
+      <p:bldP spid="12" grpId="0"/>
+      <p:bldP spid="12" grpId="1"/>
+    </p:bldLst>
+  </p:timing>
+</p:sldLayout>
+</file>
+
 <file path=ppt/slideLayouts/slideLayout2.xml><?xml version="1.0" encoding="utf-8"?>
+<p:sldLayout xmlns:a="http://schemas.openxmlformats.org/drawingml/2006/main" xmlns:r="http://schemas.openxmlformats.org/officeDocument/2006/relationships" xmlns:p="http://schemas.openxmlformats.org/presentationml/2006/main" preserve="1" userDrawn="1">
+  <p:cSld name="Custom Layout">
+    <p:spTree>
+      <p:nvGrpSpPr>
+        <p:cNvPr id="1" name=""/>
+        <p:cNvGrpSpPr/>
+        <p:nvPr/>
+      </p:nvGrpSpPr>
+      <p:grpSpPr>
+        <a:xfrm>
+          <a:off x="0" y="0"/>
+          <a:ext cx="0" cy="0"/>
+          <a:chOff x="0" y="0"/>
+          <a:chExt cx="0" cy="0"/>
+        </a:xfrm>
+      </p:grpSpPr>
+      <p:sp>
+        <p:nvSpPr>
+          <p:cNvPr id="2" name="Title 1">
+            <a:extLst>
+              <a:ext uri="{FF2B5EF4-FFF2-40B4-BE49-F238E27FC236}">
+                <a16:creationId xmlns:a16="http://schemas.microsoft.com/office/drawing/2014/main" id="{0CDA8AA7-8EA0-59A2-B496-71DF0D135F02}"/>
+              </a:ext>
+            </a:extLst>
+          </p:cNvPr>
+          <p:cNvSpPr>
+            <a:spLocks noGrp="1"/>
+          </p:cNvSpPr>
+          <p:nvPr>
+            <p:ph type="title"/>
+          </p:nvPr>
+        </p:nvSpPr>
+        <p:spPr/>
+        <p:txBody>
+          <a:bodyPr/>
+          <a:lstStyle/>
+          <a:p>
+            <a:r>
+              <a:rPr lang="en-US"/>
+              <a:t>Click to edit Master title style</a:t>
+            </a:r>
+          </a:p>
+        </p:txBody>
+      </p:sp>
+      <p:sp>
+        <p:nvSpPr>
+          <p:cNvPr id="3" name="Date Placeholder 2">
+            <a:extLst>
+              <a:ext uri="{FF2B5EF4-FFF2-40B4-BE49-F238E27FC236}">
+                <a16:creationId xmlns:a16="http://schemas.microsoft.com/office/drawing/2014/main" id="{BA49D652-4E7E-92A9-BF62-A14DE5F061F4}"/>
+              </a:ext>
+            </a:extLst>
+          </p:cNvPr>
+          <p:cNvSpPr>
+            <a:spLocks noGrp="1"/>
+          </p:cNvSpPr>
+          <p:nvPr>
+            <p:ph type="dt" sz="half" idx="10"/>
+          </p:nvPr>
+        </p:nvSpPr>
+        <p:spPr/>
+        <p:txBody>
+          <a:bodyPr/>
+          <a:lstStyle/>
+          <a:p>
+            <a:fld id="{13014762-DFFB-4EBE-8655-EB0D0E44861E}" type="datetimeFigureOut">
+              <a:rPr lang="en-US" smtClean="0"/>
+              <a:t>2/19/2026</a:t>
+            </a:fld>
+            <a:endParaRPr lang="en-US"/>
+          </a:p>
+        </p:txBody>
+      </p:sp>
+      <p:sp>
+        <p:nvSpPr>
+          <p:cNvPr id="4" name="Footer Placeholder 3">
+            <a:extLst>
+              <a:ext uri="{FF2B5EF4-FFF2-40B4-BE49-F238E27FC236}">
+                <a16:creationId xmlns:a16="http://schemas.microsoft.com/office/drawing/2014/main" id="{D733C40B-E264-B308-7B73-F01C193F1EBF}"/>
+              </a:ext>
+            </a:extLst>
+          </p:cNvPr>
+          <p:cNvSpPr>
+            <a:spLocks noGrp="1"/>
+          </p:cNvSpPr>
+          <p:nvPr>
+            <p:ph type="ftr" sz="quarter" idx="11"/>
+          </p:nvPr>
+        </p:nvSpPr>
+        <p:spPr/>
+        <p:txBody>
+          <a:bodyPr/>
+          <a:lstStyle/>
+          <a:p>
+            <a:endParaRPr lang="en-US"/>
+          </a:p>
+        </p:txBody>
+      </p:sp>
+      <p:sp>
+        <p:nvSpPr>
+          <p:cNvPr id="5" name="Slide Number Placeholder 4">
+            <a:extLst>
+              <a:ext uri="{FF2B5EF4-FFF2-40B4-BE49-F238E27FC236}">
+                <a16:creationId xmlns:a16="http://schemas.microsoft.com/office/drawing/2014/main" id="{6032C9BD-71E5-5F2C-D1DE-F17F1267F704}"/>
+              </a:ext>
+            </a:extLst>
+          </p:cNvPr>
+          <p:cNvSpPr>
+            <a:spLocks noGrp="1"/>
+          </p:cNvSpPr>
+          <p:nvPr>
+            <p:ph type="sldNum" sz="quarter" idx="12"/>
+          </p:nvPr>
+        </p:nvSpPr>
+        <p:spPr/>
+        <p:txBody>
+          <a:bodyPr/>
+          <a:lstStyle/>
+          <a:p>
+            <a:fld id="{698B0EB1-831C-4439-A09B-221EC37904F7}" type="slidenum">
+              <a:rPr lang="en-US" smtClean="0"/>
+              <a:t>‹#›</a:t>
+            </a:fld>
+            <a:endParaRPr lang="en-US"/>
+          </a:p>
+        </p:txBody>
+      </p:sp>
+    </p:spTree>
+    <p:extLst>
+      <p:ext uri="{BB962C8B-B14F-4D97-AF65-F5344CB8AC3E}">
+        <p14:creationId xmlns:p14="http://schemas.microsoft.com/office/powerpoint/2010/main" val="845933481"/>
+      </p:ext>
+    </p:extLst>
+  </p:cSld>
+  <p:clrMapOvr>
+    <a:masterClrMapping/>
+  </p:clrMapOvr>
+</p:sldLayout>
+</file>
+
+<file path=ppt/slideLayouts/slideLayout3.xml><?xml version="1.0" encoding="utf-8"?>
 <p:sldLayout xmlns:a="http://schemas.openxmlformats.org/drawingml/2006/main" xmlns:r="http://schemas.openxmlformats.org/officeDocument/2006/relationships" xmlns:p="http://schemas.openxmlformats.org/presentationml/2006/main" preserve="1" userDrawn="1">
   <p:cSld name="Question and Answer ">
     <p:spTree>
@@ -2009,7 +3488,7 @@
 </p:sldLayout>
 </file>
 
-<file path=ppt/slideLayouts/slideLayout3.xml><?xml version="1.0" encoding="utf-8"?>
+<file path=ppt/slideLayouts/slideLayout4.xml><?xml version="1.0" encoding="utf-8"?>
 <p:sldLayout xmlns:a="http://schemas.openxmlformats.org/drawingml/2006/main" xmlns:r="http://schemas.openxmlformats.org/officeDocument/2006/relationships" xmlns:p="http://schemas.openxmlformats.org/presentationml/2006/main" type="obj" preserve="1">
   <p:cSld name="Title and Content">
     <p:spTree>
@@ -2207,7 +3686,7 @@
 </p:sldLayout>
 </file>
 
-<file path=ppt/slideLayouts/slideLayout4.xml><?xml version="1.0" encoding="utf-8"?>
+<file path=ppt/slideLayouts/slideLayout5.xml><?xml version="1.0" encoding="utf-8"?>
 <p:sldLayout xmlns:a="http://schemas.openxmlformats.org/drawingml/2006/main" xmlns:r="http://schemas.openxmlformats.org/officeDocument/2006/relationships" xmlns:p="http://schemas.openxmlformats.org/presentationml/2006/main" type="secHead" preserve="1">
   <p:cSld name="Section Header">
     <p:spTree>
@@ -2482,7 +3961,7 @@
 </p:sldLayout>
 </file>
 
-<file path=ppt/slideLayouts/slideLayout5.xml><?xml version="1.0" encoding="utf-8"?>
+<file path=ppt/slideLayouts/slideLayout6.xml><?xml version="1.0" encoding="utf-8"?>
 <p:sldLayout xmlns:a="http://schemas.openxmlformats.org/drawingml/2006/main" xmlns:r="http://schemas.openxmlformats.org/officeDocument/2006/relationships" xmlns:p="http://schemas.openxmlformats.org/presentationml/2006/main" type="twoObj" preserve="1">
   <p:cSld name="Two Content">
     <p:spTree>
@@ -2747,7 +4226,7 @@
 </p:sldLayout>
 </file>
 
-<file path=ppt/slideLayouts/slideLayout6.xml><?xml version="1.0" encoding="utf-8"?>
+<file path=ppt/slideLayouts/slideLayout7.xml><?xml version="1.0" encoding="utf-8"?>
 <p:sldLayout xmlns:a="http://schemas.openxmlformats.org/drawingml/2006/main" xmlns:r="http://schemas.openxmlformats.org/officeDocument/2006/relationships" xmlns:p="http://schemas.openxmlformats.org/presentationml/2006/main" type="twoTxTwoObj" preserve="1">
   <p:cSld name="Comparison">
     <p:spTree>
@@ -3159,7 +4638,7 @@
 </p:sldLayout>
 </file>
 
-<file path=ppt/slideLayouts/slideLayout7.xml><?xml version="1.0" encoding="utf-8"?>
+<file path=ppt/slideLayouts/slideLayout8.xml><?xml version="1.0" encoding="utf-8"?>
 <p:sldLayout xmlns:a="http://schemas.openxmlformats.org/drawingml/2006/main" xmlns:r="http://schemas.openxmlformats.org/officeDocument/2006/relationships" xmlns:p="http://schemas.openxmlformats.org/presentationml/2006/main" type="titleOnly" preserve="1">
   <p:cSld name="Title Only">
     <p:spTree>
@@ -3300,7 +4779,7 @@
 </p:sldLayout>
 </file>
 
-<file path=ppt/slideLayouts/slideLayout8.xml><?xml version="1.0" encoding="utf-8"?>
+<file path=ppt/slideLayouts/slideLayout9.xml><?xml version="1.0" encoding="utf-8"?>
 <p:sldLayout xmlns:a="http://schemas.openxmlformats.org/drawingml/2006/main" xmlns:r="http://schemas.openxmlformats.org/officeDocument/2006/relationships" xmlns:p="http://schemas.openxmlformats.org/presentationml/2006/main" type="blank" preserve="1">
   <p:cSld name="Blank">
     <p:spTree>
@@ -3404,317 +4883,6 @@
     <p:extLst>
       <p:ext uri="{BB962C8B-B14F-4D97-AF65-F5344CB8AC3E}">
         <p14:creationId xmlns:p14="http://schemas.microsoft.com/office/powerpoint/2010/main" val="66846930"/>
-      </p:ext>
-    </p:extLst>
-  </p:cSld>
-  <p:clrMapOvr>
-    <a:masterClrMapping/>
-  </p:clrMapOvr>
-</p:sldLayout>
-</file>
-
-<file path=ppt/slideLayouts/slideLayout9.xml><?xml version="1.0" encoding="utf-8"?>
-<p:sldLayout xmlns:a="http://schemas.openxmlformats.org/drawingml/2006/main" xmlns:r="http://schemas.openxmlformats.org/officeDocument/2006/relationships" xmlns:p="http://schemas.openxmlformats.org/presentationml/2006/main" type="objTx" preserve="1">
-  <p:cSld name="Content with Caption">
-    <p:spTree>
-      <p:nvGrpSpPr>
-        <p:cNvPr id="1" name=""/>
-        <p:cNvGrpSpPr/>
-        <p:nvPr/>
-      </p:nvGrpSpPr>
-      <p:grpSpPr>
-        <a:xfrm>
-          <a:off x="0" y="0"/>
-          <a:ext cx="0" cy="0"/>
-          <a:chOff x="0" y="0"/>
-          <a:chExt cx="0" cy="0"/>
-        </a:xfrm>
-      </p:grpSpPr>
-      <p:sp>
-        <p:nvSpPr>
-          <p:cNvPr id="2" name="Title 1">
-            <a:extLst>
-              <a:ext uri="{FF2B5EF4-FFF2-40B4-BE49-F238E27FC236}">
-                <a16:creationId xmlns:a16="http://schemas.microsoft.com/office/drawing/2014/main" id="{F092F68E-F5B2-421B-A02C-D7D87542B602}"/>
-              </a:ext>
-            </a:extLst>
-          </p:cNvPr>
-          <p:cNvSpPr>
-            <a:spLocks noGrp="1"/>
-          </p:cNvSpPr>
-          <p:nvPr>
-            <p:ph type="title"/>
-          </p:nvPr>
-        </p:nvSpPr>
-        <p:spPr>
-          <a:xfrm>
-            <a:off x="839788" y="457200"/>
-            <a:ext cx="3932237" cy="1600200"/>
-          </a:xfrm>
-        </p:spPr>
-        <p:txBody>
-          <a:bodyPr anchor="b"/>
-          <a:lstStyle>
-            <a:lvl1pPr>
-              <a:defRPr sz="3200"/>
-            </a:lvl1pPr>
-          </a:lstStyle>
-          <a:p>
-            <a:r>
-              <a:rPr lang="en-US"/>
-              <a:t>Click to edit Master title style</a:t>
-            </a:r>
-          </a:p>
-        </p:txBody>
-      </p:sp>
-      <p:sp>
-        <p:nvSpPr>
-          <p:cNvPr id="3" name="Content Placeholder 2">
-            <a:extLst>
-              <a:ext uri="{FF2B5EF4-FFF2-40B4-BE49-F238E27FC236}">
-                <a16:creationId xmlns:a16="http://schemas.microsoft.com/office/drawing/2014/main" id="{510EDD4C-9ED6-4238-A516-E584D502D2E8}"/>
-              </a:ext>
-            </a:extLst>
-          </p:cNvPr>
-          <p:cNvSpPr>
-            <a:spLocks noGrp="1"/>
-          </p:cNvSpPr>
-          <p:nvPr>
-            <p:ph idx="1"/>
-          </p:nvPr>
-        </p:nvSpPr>
-        <p:spPr>
-          <a:xfrm>
-            <a:off x="5183188" y="987425"/>
-            <a:ext cx="6172200" cy="4873625"/>
-          </a:xfrm>
-        </p:spPr>
-        <p:txBody>
-          <a:bodyPr/>
-          <a:lstStyle>
-            <a:lvl1pPr>
-              <a:defRPr sz="3200"/>
-            </a:lvl1pPr>
-            <a:lvl2pPr>
-              <a:defRPr sz="2800"/>
-            </a:lvl2pPr>
-            <a:lvl3pPr>
-              <a:defRPr sz="2400"/>
-            </a:lvl3pPr>
-            <a:lvl4pPr>
-              <a:defRPr sz="2000"/>
-            </a:lvl4pPr>
-            <a:lvl5pPr>
-              <a:defRPr sz="2000"/>
-            </a:lvl5pPr>
-            <a:lvl6pPr>
-              <a:defRPr sz="2000"/>
-            </a:lvl6pPr>
-            <a:lvl7pPr>
-              <a:defRPr sz="2000"/>
-            </a:lvl7pPr>
-            <a:lvl8pPr>
-              <a:defRPr sz="2000"/>
-            </a:lvl8pPr>
-            <a:lvl9pPr>
-              <a:defRPr sz="2000"/>
-            </a:lvl9pPr>
-          </a:lstStyle>
-          <a:p>
-            <a:pPr lvl="0"/>
-            <a:r>
-              <a:rPr lang="en-US"/>
-              <a:t>Click to edit Master text styles</a:t>
-            </a:r>
-          </a:p>
-          <a:p>
-            <a:pPr lvl="1"/>
-            <a:r>
-              <a:rPr lang="en-US"/>
-              <a:t>Second level</a:t>
-            </a:r>
-          </a:p>
-          <a:p>
-            <a:pPr lvl="2"/>
-            <a:r>
-              <a:rPr lang="en-US"/>
-              <a:t>Third level</a:t>
-            </a:r>
-          </a:p>
-          <a:p>
-            <a:pPr lvl="3"/>
-            <a:r>
-              <a:rPr lang="en-US"/>
-              <a:t>Fourth level</a:t>
-            </a:r>
-          </a:p>
-          <a:p>
-            <a:pPr lvl="4"/>
-            <a:r>
-              <a:rPr lang="en-US"/>
-              <a:t>Fifth level</a:t>
-            </a:r>
-          </a:p>
-        </p:txBody>
-      </p:sp>
-      <p:sp>
-        <p:nvSpPr>
-          <p:cNvPr id="4" name="Text Placeholder 3">
-            <a:extLst>
-              <a:ext uri="{FF2B5EF4-FFF2-40B4-BE49-F238E27FC236}">
-                <a16:creationId xmlns:a16="http://schemas.microsoft.com/office/drawing/2014/main" id="{8278C6F1-AAB9-4723-99F8-CFBA073A750A}"/>
-              </a:ext>
-            </a:extLst>
-          </p:cNvPr>
-          <p:cNvSpPr>
-            <a:spLocks noGrp="1"/>
-          </p:cNvSpPr>
-          <p:nvPr>
-            <p:ph type="body" sz="half" idx="2"/>
-          </p:nvPr>
-        </p:nvSpPr>
-        <p:spPr>
-          <a:xfrm>
-            <a:off x="839788" y="2057400"/>
-            <a:ext cx="3932237" cy="3811588"/>
-          </a:xfrm>
-        </p:spPr>
-        <p:txBody>
-          <a:bodyPr/>
-          <a:lstStyle>
-            <a:lvl1pPr marL="0" indent="0">
-              <a:buNone/>
-              <a:defRPr sz="1600"/>
-            </a:lvl1pPr>
-            <a:lvl2pPr marL="457200" indent="0">
-              <a:buNone/>
-              <a:defRPr sz="1400"/>
-            </a:lvl2pPr>
-            <a:lvl3pPr marL="914400" indent="0">
-              <a:buNone/>
-              <a:defRPr sz="1200"/>
-            </a:lvl3pPr>
-            <a:lvl4pPr marL="1371600" indent="0">
-              <a:buNone/>
-              <a:defRPr sz="1000"/>
-            </a:lvl4pPr>
-            <a:lvl5pPr marL="1828800" indent="0">
-              <a:buNone/>
-              <a:defRPr sz="1000"/>
-            </a:lvl5pPr>
-            <a:lvl6pPr marL="2286000" indent="0">
-              <a:buNone/>
-              <a:defRPr sz="1000"/>
-            </a:lvl6pPr>
-            <a:lvl7pPr marL="2743200" indent="0">
-              <a:buNone/>
-              <a:defRPr sz="1000"/>
-            </a:lvl7pPr>
-            <a:lvl8pPr marL="3200400" indent="0">
-              <a:buNone/>
-              <a:defRPr sz="1000"/>
-            </a:lvl8pPr>
-            <a:lvl9pPr marL="3657600" indent="0">
-              <a:buNone/>
-              <a:defRPr sz="1000"/>
-            </a:lvl9pPr>
-          </a:lstStyle>
-          <a:p>
-            <a:pPr lvl="0"/>
-            <a:r>
-              <a:rPr lang="en-US"/>
-              <a:t>Click to edit Master text styles</a:t>
-            </a:r>
-          </a:p>
-        </p:txBody>
-      </p:sp>
-      <p:sp>
-        <p:nvSpPr>
-          <p:cNvPr id="5" name="Date Placeholder 4">
-            <a:extLst>
-              <a:ext uri="{FF2B5EF4-FFF2-40B4-BE49-F238E27FC236}">
-                <a16:creationId xmlns:a16="http://schemas.microsoft.com/office/drawing/2014/main" id="{FA5C6B83-F23B-4AEC-9CCB-BEC01613551C}"/>
-              </a:ext>
-            </a:extLst>
-          </p:cNvPr>
-          <p:cNvSpPr>
-            <a:spLocks noGrp="1"/>
-          </p:cNvSpPr>
-          <p:nvPr>
-            <p:ph type="dt" sz="half" idx="10"/>
-          </p:nvPr>
-        </p:nvSpPr>
-        <p:spPr/>
-        <p:txBody>
-          <a:bodyPr/>
-          <a:lstStyle/>
-          <a:p>
-            <a:fld id="{13014762-DFFB-4EBE-8655-EB0D0E44861E}" type="datetimeFigureOut">
-              <a:rPr lang="en-US" smtClean="0"/>
-              <a:t>2/19/2026</a:t>
-            </a:fld>
-            <a:endParaRPr lang="en-US"/>
-          </a:p>
-        </p:txBody>
-      </p:sp>
-      <p:sp>
-        <p:nvSpPr>
-          <p:cNvPr id="6" name="Footer Placeholder 5">
-            <a:extLst>
-              <a:ext uri="{FF2B5EF4-FFF2-40B4-BE49-F238E27FC236}">
-                <a16:creationId xmlns:a16="http://schemas.microsoft.com/office/drawing/2014/main" id="{BB4D1C9D-67F8-4160-A6B6-1C5BBC968F2C}"/>
-              </a:ext>
-            </a:extLst>
-          </p:cNvPr>
-          <p:cNvSpPr>
-            <a:spLocks noGrp="1"/>
-          </p:cNvSpPr>
-          <p:nvPr>
-            <p:ph type="ftr" sz="quarter" idx="11"/>
-          </p:nvPr>
-        </p:nvSpPr>
-        <p:spPr/>
-        <p:txBody>
-          <a:bodyPr/>
-          <a:lstStyle/>
-          <a:p>
-            <a:endParaRPr lang="en-US"/>
-          </a:p>
-        </p:txBody>
-      </p:sp>
-      <p:sp>
-        <p:nvSpPr>
-          <p:cNvPr id="7" name="Slide Number Placeholder 6">
-            <a:extLst>
-              <a:ext uri="{FF2B5EF4-FFF2-40B4-BE49-F238E27FC236}">
-                <a16:creationId xmlns:a16="http://schemas.microsoft.com/office/drawing/2014/main" id="{38076209-E739-4BB1-81B0-679D756F5155}"/>
-              </a:ext>
-            </a:extLst>
-          </p:cNvPr>
-          <p:cNvSpPr>
-            <a:spLocks noGrp="1"/>
-          </p:cNvSpPr>
-          <p:nvPr>
-            <p:ph type="sldNum" sz="quarter" idx="12"/>
-          </p:nvPr>
-        </p:nvSpPr>
-        <p:spPr/>
-        <p:txBody>
-          <a:bodyPr/>
-          <a:lstStyle/>
-          <a:p>
-            <a:fld id="{698B0EB1-831C-4439-A09B-221EC37904F7}" type="slidenum">
-              <a:rPr lang="en-US" smtClean="0"/>
-              <a:t>‹#›</a:t>
-            </a:fld>
-            <a:endParaRPr lang="en-US"/>
-          </a:p>
-        </p:txBody>
-      </p:sp>
-    </p:spTree>
-    <p:extLst>
-      <p:ext uri="{BB962C8B-B14F-4D97-AF65-F5344CB8AC3E}">
-        <p14:creationId xmlns:p14="http://schemas.microsoft.com/office/powerpoint/2010/main" val="375894196"/>
       </p:ext>
     </p:extLst>
   </p:cSld>
@@ -4026,7 +5194,7 @@
             <a:avLst/>
           </a:prstGeom>
           <a:blipFill>
-            <a:blip r:embed="rId14"/>
+            <a:blip r:embed="rId15"/>
             <a:stretch>
               <a:fillRect/>
             </a:stretch>
@@ -4233,7 +5401,7 @@
           <p:nvPr userDrawn="1"/>
         </p:nvPicPr>
         <p:blipFill>
-          <a:blip r:embed="rId15"/>
+          <a:blip r:embed="rId16"/>
           <a:stretch>
             <a:fillRect/>
           </a:stretch>
@@ -4268,18 +5436,2150 @@
   <p:clrMap bg1="lt1" tx1="dk1" bg2="lt2" tx2="dk2" accent1="accent1" accent2="accent2" accent3="accent3" accent4="accent4" accent5="accent5" accent6="accent6" hlink="hlink" folHlink="folHlink"/>
   <p:sldLayoutIdLst>
     <p:sldLayoutId id="2147483649" r:id="rId1"/>
-    <p:sldLayoutId id="2147483660" r:id="rId2"/>
-    <p:sldLayoutId id="2147483650" r:id="rId3"/>
-    <p:sldLayoutId id="2147483651" r:id="rId4"/>
-    <p:sldLayoutId id="2147483652" r:id="rId5"/>
-    <p:sldLayoutId id="2147483653" r:id="rId6"/>
-    <p:sldLayoutId id="2147483654" r:id="rId7"/>
-    <p:sldLayoutId id="2147483655" r:id="rId8"/>
-    <p:sldLayoutId id="2147483656" r:id="rId9"/>
-    <p:sldLayoutId id="2147483657" r:id="rId10"/>
-    <p:sldLayoutId id="2147483658" r:id="rId11"/>
-    <p:sldLayoutId id="2147483659" r:id="rId12"/>
+    <p:sldLayoutId id="2147483662" r:id="rId2"/>
+    <p:sldLayoutId id="2147483660" r:id="rId3"/>
+    <p:sldLayoutId id="2147483650" r:id="rId4"/>
+    <p:sldLayoutId id="2147483651" r:id="rId5"/>
+    <p:sldLayoutId id="2147483652" r:id="rId6"/>
+    <p:sldLayoutId id="2147483653" r:id="rId7"/>
+    <p:sldLayoutId id="2147483654" r:id="rId8"/>
+    <p:sldLayoutId id="2147483655" r:id="rId9"/>
+    <p:sldLayoutId id="2147483656" r:id="rId10"/>
+    <p:sldLayoutId id="2147483657" r:id="rId11"/>
+    <p:sldLayoutId id="2147483658" r:id="rId12"/>
+    <p:sldLayoutId id="2147483659" r:id="rId13"/>
   </p:sldLayoutIdLst>
+  <p:txStyles>
+    <p:titleStyle>
+      <a:lvl1pPr algn="l" defTabSz="914400" rtl="0" eaLnBrk="1" latinLnBrk="0" hangingPunct="1">
+        <a:lnSpc>
+          <a:spcPct val="90000"/>
+        </a:lnSpc>
+        <a:spcBef>
+          <a:spcPct val="0"/>
+        </a:spcBef>
+        <a:buNone/>
+        <a:defRPr sz="4400" kern="1200">
+          <a:solidFill>
+            <a:schemeClr val="tx1"/>
+          </a:solidFill>
+          <a:latin typeface="Vani" panose="02040502050405020303" pitchFamily="18" charset="0"/>
+          <a:ea typeface="+mj-ea"/>
+          <a:cs typeface="Vani" panose="02040502050405020303" pitchFamily="18" charset="0"/>
+        </a:defRPr>
+      </a:lvl1pPr>
+    </p:titleStyle>
+    <p:bodyStyle>
+      <a:lvl1pPr marL="228600" indent="-228600" algn="l" defTabSz="914400" rtl="0" eaLnBrk="1" latinLnBrk="0" hangingPunct="1">
+        <a:lnSpc>
+          <a:spcPct val="90000"/>
+        </a:lnSpc>
+        <a:spcBef>
+          <a:spcPts val="1000"/>
+        </a:spcBef>
+        <a:buFont typeface="Arial" panose="020B0604020202020204" pitchFamily="34" charset="0"/>
+        <a:buChar char="•"/>
+        <a:defRPr sz="2800" kern="1200">
+          <a:solidFill>
+            <a:schemeClr val="tx1"/>
+          </a:solidFill>
+          <a:latin typeface="Vani" panose="02040502050405020303" pitchFamily="18" charset="0"/>
+          <a:ea typeface="+mn-ea"/>
+          <a:cs typeface="Vani" panose="02040502050405020303" pitchFamily="18" charset="0"/>
+        </a:defRPr>
+      </a:lvl1pPr>
+      <a:lvl2pPr marL="685800" indent="-228600" algn="l" defTabSz="914400" rtl="0" eaLnBrk="1" latinLnBrk="0" hangingPunct="1">
+        <a:lnSpc>
+          <a:spcPct val="90000"/>
+        </a:lnSpc>
+        <a:spcBef>
+          <a:spcPts val="500"/>
+        </a:spcBef>
+        <a:buFont typeface="Arial" panose="020B0604020202020204" pitchFamily="34" charset="0"/>
+        <a:buChar char="•"/>
+        <a:defRPr sz="2400" kern="1200">
+          <a:solidFill>
+            <a:schemeClr val="tx1"/>
+          </a:solidFill>
+          <a:latin typeface="Vani" panose="02040502050405020303" pitchFamily="18" charset="0"/>
+          <a:ea typeface="+mn-ea"/>
+          <a:cs typeface="Vani" panose="02040502050405020303" pitchFamily="18" charset="0"/>
+        </a:defRPr>
+      </a:lvl2pPr>
+      <a:lvl3pPr marL="1143000" indent="-228600" algn="l" defTabSz="914400" rtl="0" eaLnBrk="1" latinLnBrk="0" hangingPunct="1">
+        <a:lnSpc>
+          <a:spcPct val="90000"/>
+        </a:lnSpc>
+        <a:spcBef>
+          <a:spcPts val="500"/>
+        </a:spcBef>
+        <a:buFont typeface="Arial" panose="020B0604020202020204" pitchFamily="34" charset="0"/>
+        <a:buChar char="•"/>
+        <a:defRPr sz="2000" kern="1200">
+          <a:solidFill>
+            <a:schemeClr val="tx1"/>
+          </a:solidFill>
+          <a:latin typeface="Vani" panose="02040502050405020303" pitchFamily="18" charset="0"/>
+          <a:ea typeface="+mn-ea"/>
+          <a:cs typeface="Vani" panose="02040502050405020303" pitchFamily="18" charset="0"/>
+        </a:defRPr>
+      </a:lvl3pPr>
+      <a:lvl4pPr marL="1600200" indent="-228600" algn="l" defTabSz="914400" rtl="0" eaLnBrk="1" latinLnBrk="0" hangingPunct="1">
+        <a:lnSpc>
+          <a:spcPct val="90000"/>
+        </a:lnSpc>
+        <a:spcBef>
+          <a:spcPts val="500"/>
+        </a:spcBef>
+        <a:buFont typeface="Arial" panose="020B0604020202020204" pitchFamily="34" charset="0"/>
+        <a:buChar char="•"/>
+        <a:defRPr sz="1800" kern="1200">
+          <a:solidFill>
+            <a:schemeClr val="tx1"/>
+          </a:solidFill>
+          <a:latin typeface="Vani" panose="02040502050405020303" pitchFamily="18" charset="0"/>
+          <a:ea typeface="+mn-ea"/>
+          <a:cs typeface="Vani" panose="02040502050405020303" pitchFamily="18" charset="0"/>
+        </a:defRPr>
+      </a:lvl4pPr>
+      <a:lvl5pPr marL="2057400" indent="-228600" algn="l" defTabSz="914400" rtl="0" eaLnBrk="1" latinLnBrk="0" hangingPunct="1">
+        <a:lnSpc>
+          <a:spcPct val="90000"/>
+        </a:lnSpc>
+        <a:spcBef>
+          <a:spcPts val="500"/>
+        </a:spcBef>
+        <a:buFont typeface="Arial" panose="020B0604020202020204" pitchFamily="34" charset="0"/>
+        <a:buChar char="•"/>
+        <a:defRPr sz="1800" kern="1200">
+          <a:solidFill>
+            <a:schemeClr val="tx1"/>
+          </a:solidFill>
+          <a:latin typeface="Vani" panose="02040502050405020303" pitchFamily="18" charset="0"/>
+          <a:ea typeface="+mn-ea"/>
+          <a:cs typeface="Vani" panose="02040502050405020303" pitchFamily="18" charset="0"/>
+        </a:defRPr>
+      </a:lvl5pPr>
+      <a:lvl6pPr marL="2514600" indent="-228600" algn="l" defTabSz="914400" rtl="0" eaLnBrk="1" latinLnBrk="0" hangingPunct="1">
+        <a:lnSpc>
+          <a:spcPct val="90000"/>
+        </a:lnSpc>
+        <a:spcBef>
+          <a:spcPts val="500"/>
+        </a:spcBef>
+        <a:buFont typeface="Arial" panose="020B0604020202020204" pitchFamily="34" charset="0"/>
+        <a:buChar char="•"/>
+        <a:defRPr sz="1800" kern="1200">
+          <a:solidFill>
+            <a:schemeClr val="tx1"/>
+          </a:solidFill>
+          <a:latin typeface="+mn-lt"/>
+          <a:ea typeface="+mn-ea"/>
+          <a:cs typeface="+mn-cs"/>
+        </a:defRPr>
+      </a:lvl6pPr>
+      <a:lvl7pPr marL="2971800" indent="-228600" algn="l" defTabSz="914400" rtl="0" eaLnBrk="1" latinLnBrk="0" hangingPunct="1">
+        <a:lnSpc>
+          <a:spcPct val="90000"/>
+        </a:lnSpc>
+        <a:spcBef>
+          <a:spcPts val="500"/>
+        </a:spcBef>
+        <a:buFont typeface="Arial" panose="020B0604020202020204" pitchFamily="34" charset="0"/>
+        <a:buChar char="•"/>
+        <a:defRPr sz="1800" kern="1200">
+          <a:solidFill>
+            <a:schemeClr val="tx1"/>
+          </a:solidFill>
+          <a:latin typeface="+mn-lt"/>
+          <a:ea typeface="+mn-ea"/>
+          <a:cs typeface="+mn-cs"/>
+        </a:defRPr>
+      </a:lvl7pPr>
+      <a:lvl8pPr marL="3429000" indent="-228600" algn="l" defTabSz="914400" rtl="0" eaLnBrk="1" latinLnBrk="0" hangingPunct="1">
+        <a:lnSpc>
+          <a:spcPct val="90000"/>
+        </a:lnSpc>
+        <a:spcBef>
+          <a:spcPts val="500"/>
+        </a:spcBef>
+        <a:buFont typeface="Arial" panose="020B0604020202020204" pitchFamily="34" charset="0"/>
+        <a:buChar char="•"/>
+        <a:defRPr sz="1800" kern="1200">
+          <a:solidFill>
+            <a:schemeClr val="tx1"/>
+          </a:solidFill>
+          <a:latin typeface="+mn-lt"/>
+          <a:ea typeface="+mn-ea"/>
+          <a:cs typeface="+mn-cs"/>
+        </a:defRPr>
+      </a:lvl8pPr>
+      <a:lvl9pPr marL="3886200" indent="-228600" algn="l" defTabSz="914400" rtl="0" eaLnBrk="1" latinLnBrk="0" hangingPunct="1">
+        <a:lnSpc>
+          <a:spcPct val="90000"/>
+        </a:lnSpc>
+        <a:spcBef>
+          <a:spcPts val="500"/>
+        </a:spcBef>
+        <a:buFont typeface="Arial" panose="020B0604020202020204" pitchFamily="34" charset="0"/>
+        <a:buChar char="•"/>
+        <a:defRPr sz="1800" kern="1200">
+          <a:solidFill>
+            <a:schemeClr val="tx1"/>
+          </a:solidFill>
+          <a:latin typeface="+mn-lt"/>
+          <a:ea typeface="+mn-ea"/>
+          <a:cs typeface="+mn-cs"/>
+        </a:defRPr>
+      </a:lvl9pPr>
+    </p:bodyStyle>
+    <p:otherStyle>
+      <a:defPPr>
+        <a:defRPr lang="en-US"/>
+      </a:defPPr>
+      <a:lvl1pPr marL="0" algn="l" defTabSz="914400" rtl="0" eaLnBrk="1" latinLnBrk="0" hangingPunct="1">
+        <a:defRPr sz="1800" kern="1200">
+          <a:solidFill>
+            <a:schemeClr val="tx1"/>
+          </a:solidFill>
+          <a:latin typeface="+mn-lt"/>
+          <a:ea typeface="+mn-ea"/>
+          <a:cs typeface="+mn-cs"/>
+        </a:defRPr>
+      </a:lvl1pPr>
+      <a:lvl2pPr marL="457200" algn="l" defTabSz="914400" rtl="0" eaLnBrk="1" latinLnBrk="0" hangingPunct="1">
+        <a:defRPr sz="1800" kern="1200">
+          <a:solidFill>
+            <a:schemeClr val="tx1"/>
+          </a:solidFill>
+          <a:latin typeface="+mn-lt"/>
+          <a:ea typeface="+mn-ea"/>
+          <a:cs typeface="+mn-cs"/>
+        </a:defRPr>
+      </a:lvl2pPr>
+      <a:lvl3pPr marL="914400" algn="l" defTabSz="914400" rtl="0" eaLnBrk="1" latinLnBrk="0" hangingPunct="1">
+        <a:defRPr sz="1800" kern="1200">
+          <a:solidFill>
+            <a:schemeClr val="tx1"/>
+          </a:solidFill>
+          <a:latin typeface="+mn-lt"/>
+          <a:ea typeface="+mn-ea"/>
+          <a:cs typeface="+mn-cs"/>
+        </a:defRPr>
+      </a:lvl3pPr>
+      <a:lvl4pPr marL="1371600" algn="l" defTabSz="914400" rtl="0" eaLnBrk="1" latinLnBrk="0" hangingPunct="1">
+        <a:defRPr sz="1800" kern="1200">
+          <a:solidFill>
+            <a:schemeClr val="tx1"/>
+          </a:solidFill>
+          <a:latin typeface="+mn-lt"/>
+          <a:ea typeface="+mn-ea"/>
+          <a:cs typeface="+mn-cs"/>
+        </a:defRPr>
+      </a:lvl4pPr>
+      <a:lvl5pPr marL="1828800" algn="l" defTabSz="914400" rtl="0" eaLnBrk="1" latinLnBrk="0" hangingPunct="1">
+        <a:defRPr sz="1800" kern="1200">
+          <a:solidFill>
+            <a:schemeClr val="tx1"/>
+          </a:solidFill>
+          <a:latin typeface="+mn-lt"/>
+          <a:ea typeface="+mn-ea"/>
+          <a:cs typeface="+mn-cs"/>
+        </a:defRPr>
+      </a:lvl5pPr>
+      <a:lvl6pPr marL="2286000" algn="l" defTabSz="914400" rtl="0" eaLnBrk="1" latinLnBrk="0" hangingPunct="1">
+        <a:defRPr sz="1800" kern="1200">
+          <a:solidFill>
+            <a:schemeClr val="tx1"/>
+          </a:solidFill>
+          <a:latin typeface="+mn-lt"/>
+          <a:ea typeface="+mn-ea"/>
+          <a:cs typeface="+mn-cs"/>
+        </a:defRPr>
+      </a:lvl6pPr>
+      <a:lvl7pPr marL="2743200" algn="l" defTabSz="914400" rtl="0" eaLnBrk="1" latinLnBrk="0" hangingPunct="1">
+        <a:defRPr sz="1800" kern="1200">
+          <a:solidFill>
+            <a:schemeClr val="tx1"/>
+          </a:solidFill>
+          <a:latin typeface="+mn-lt"/>
+          <a:ea typeface="+mn-ea"/>
+          <a:cs typeface="+mn-cs"/>
+        </a:defRPr>
+      </a:lvl7pPr>
+      <a:lvl8pPr marL="3200400" algn="l" defTabSz="914400" rtl="0" eaLnBrk="1" latinLnBrk="0" hangingPunct="1">
+        <a:defRPr sz="1800" kern="1200">
+          <a:solidFill>
+            <a:schemeClr val="tx1"/>
+          </a:solidFill>
+          <a:latin typeface="+mn-lt"/>
+          <a:ea typeface="+mn-ea"/>
+          <a:cs typeface="+mn-cs"/>
+        </a:defRPr>
+      </a:lvl8pPr>
+      <a:lvl9pPr marL="3657600" algn="l" defTabSz="914400" rtl="0" eaLnBrk="1" latinLnBrk="0" hangingPunct="1">
+        <a:defRPr sz="1800" kern="1200">
+          <a:solidFill>
+            <a:schemeClr val="tx1"/>
+          </a:solidFill>
+          <a:latin typeface="+mn-lt"/>
+          <a:ea typeface="+mn-ea"/>
+          <a:cs typeface="+mn-cs"/>
+        </a:defRPr>
+      </a:lvl9pPr>
+    </p:otherStyle>
+  </p:txStyles>
+</p:sldMaster>
+</file>
+
+<file path=ppt/slideMasters/slideMaster2.xml><?xml version="1.0" encoding="utf-8"?>
+<p:sldMaster xmlns:a="http://schemas.openxmlformats.org/drawingml/2006/main" xmlns:r="http://schemas.openxmlformats.org/officeDocument/2006/relationships" xmlns:p="http://schemas.openxmlformats.org/presentationml/2006/main" preserve="1">
+  <p:cSld>
+    <p:bg>
+      <p:bgPr>
+        <a:gradFill flip="none" rotWithShape="1">
+          <a:gsLst>
+            <a:gs pos="0">
+              <a:schemeClr val="bg2"/>
+            </a:gs>
+            <a:gs pos="17000">
+              <a:schemeClr val="bg2"/>
+            </a:gs>
+            <a:gs pos="100000">
+              <a:srgbClr val="E9AC7F"/>
+            </a:gs>
+          </a:gsLst>
+          <a:lin ang="5400000" scaled="1"/>
+          <a:tileRect/>
+        </a:gradFill>
+        <a:effectLst/>
+      </p:bgPr>
+    </p:bg>
+    <p:spTree>
+      <p:nvGrpSpPr>
+        <p:cNvPr id="1" name=""/>
+        <p:cNvGrpSpPr/>
+        <p:nvPr/>
+      </p:nvGrpSpPr>
+      <p:grpSpPr>
+        <a:xfrm>
+          <a:off x="0" y="0"/>
+          <a:ext cx="0" cy="0"/>
+          <a:chOff x="0" y="0"/>
+          <a:chExt cx="0" cy="0"/>
+        </a:xfrm>
+      </p:grpSpPr>
+      <p:sp>
+        <p:nvSpPr>
+          <p:cNvPr id="2" name="Title Placeholder 1">
+            <a:extLst>
+              <a:ext uri="{FF2B5EF4-FFF2-40B4-BE49-F238E27FC236}">
+                <a16:creationId xmlns:a16="http://schemas.microsoft.com/office/drawing/2014/main" id="{608127F7-706A-41F7-B6D3-F9758313077B}"/>
+              </a:ext>
+            </a:extLst>
+          </p:cNvPr>
+          <p:cNvSpPr>
+            <a:spLocks noGrp="1"/>
+          </p:cNvSpPr>
+          <p:nvPr>
+            <p:ph type="title"/>
+          </p:nvPr>
+        </p:nvSpPr>
+        <p:spPr>
+          <a:xfrm>
+            <a:off x="838200" y="365125"/>
+            <a:ext cx="10515600" cy="1325563"/>
+          </a:xfrm>
+          <a:prstGeom prst="rect">
+            <a:avLst/>
+          </a:prstGeom>
+        </p:spPr>
+        <p:txBody>
+          <a:bodyPr vert="horz" lIns="91440" tIns="45720" rIns="91440" bIns="45720" rtlCol="0" anchor="ctr">
+            <a:normAutofit/>
+          </a:bodyPr>
+          <a:lstStyle/>
+          <a:p>
+            <a:r>
+              <a:rPr lang="en-US"/>
+              <a:t>Click to edit Master title style</a:t>
+            </a:r>
+            <a:endParaRPr lang="en-US" dirty="0"/>
+          </a:p>
+        </p:txBody>
+      </p:sp>
+      <p:sp>
+        <p:nvSpPr>
+          <p:cNvPr id="3" name="Text Placeholder 2">
+            <a:extLst>
+              <a:ext uri="{FF2B5EF4-FFF2-40B4-BE49-F238E27FC236}">
+                <a16:creationId xmlns:a16="http://schemas.microsoft.com/office/drawing/2014/main" id="{53605D06-5E85-4188-850E-3A613DA998B6}"/>
+              </a:ext>
+            </a:extLst>
+          </p:cNvPr>
+          <p:cNvSpPr>
+            <a:spLocks noGrp="1"/>
+          </p:cNvSpPr>
+          <p:nvPr>
+            <p:ph type="body" idx="1"/>
+          </p:nvPr>
+        </p:nvSpPr>
+        <p:spPr>
+          <a:xfrm>
+            <a:off x="838200" y="1825625"/>
+            <a:ext cx="10515600" cy="4351338"/>
+          </a:xfrm>
+          <a:prstGeom prst="rect">
+            <a:avLst/>
+          </a:prstGeom>
+        </p:spPr>
+        <p:txBody>
+          <a:bodyPr vert="horz" lIns="91440" tIns="45720" rIns="91440" bIns="45720" rtlCol="0">
+            <a:normAutofit/>
+          </a:bodyPr>
+          <a:lstStyle/>
+          <a:p>
+            <a:pPr lvl="0"/>
+            <a:r>
+              <a:rPr lang="en-US"/>
+              <a:t>Click to edit Master text styles</a:t>
+            </a:r>
+          </a:p>
+          <a:p>
+            <a:pPr lvl="1"/>
+            <a:r>
+              <a:rPr lang="en-US"/>
+              <a:t>Second level</a:t>
+            </a:r>
+          </a:p>
+          <a:p>
+            <a:pPr lvl="2"/>
+            <a:r>
+              <a:rPr lang="en-US"/>
+              <a:t>Third level</a:t>
+            </a:r>
+          </a:p>
+          <a:p>
+            <a:pPr lvl="3"/>
+            <a:r>
+              <a:rPr lang="en-US"/>
+              <a:t>Fourth level</a:t>
+            </a:r>
+          </a:p>
+          <a:p>
+            <a:pPr lvl="4"/>
+            <a:r>
+              <a:rPr lang="en-US"/>
+              <a:t>Fifth level</a:t>
+            </a:r>
+            <a:endParaRPr lang="en-US" dirty="0"/>
+          </a:p>
+        </p:txBody>
+      </p:sp>
+      <p:sp>
+        <p:nvSpPr>
+          <p:cNvPr id="4" name="Date Placeholder 3">
+            <a:extLst>
+              <a:ext uri="{FF2B5EF4-FFF2-40B4-BE49-F238E27FC236}">
+                <a16:creationId xmlns:a16="http://schemas.microsoft.com/office/drawing/2014/main" id="{DF0CA9CD-3B33-488C-AA77-1217C5510338}"/>
+              </a:ext>
+            </a:extLst>
+          </p:cNvPr>
+          <p:cNvSpPr>
+            <a:spLocks noGrp="1"/>
+          </p:cNvSpPr>
+          <p:nvPr>
+            <p:ph type="dt" sz="half" idx="2"/>
+          </p:nvPr>
+        </p:nvSpPr>
+        <p:spPr>
+          <a:xfrm>
+            <a:off x="838200" y="6356350"/>
+            <a:ext cx="2743200" cy="365125"/>
+          </a:xfrm>
+          <a:prstGeom prst="rect">
+            <a:avLst/>
+          </a:prstGeom>
+        </p:spPr>
+        <p:txBody>
+          <a:bodyPr vert="horz" lIns="91440" tIns="45720" rIns="91440" bIns="45720" rtlCol="0" anchor="ctr"/>
+          <a:lstStyle>
+            <a:lvl1pPr algn="l">
+              <a:defRPr sz="1200">
+                <a:solidFill>
+                  <a:schemeClr val="tx1">
+                    <a:tint val="75000"/>
+                  </a:schemeClr>
+                </a:solidFill>
+              </a:defRPr>
+            </a:lvl1pPr>
+          </a:lstStyle>
+          <a:p>
+            <a:pPr marL="0" marR="0" lvl="0" indent="0" algn="l" defTabSz="914400" rtl="0" eaLnBrk="1" fontAlgn="auto" latinLnBrk="0" hangingPunct="1">
+              <a:lnSpc>
+                <a:spcPct val="100000"/>
+              </a:lnSpc>
+              <a:spcBef>
+                <a:spcPts val="0"/>
+              </a:spcBef>
+              <a:spcAft>
+                <a:spcPts val="0"/>
+              </a:spcAft>
+              <a:buClrTx/>
+              <a:buSzTx/>
+              <a:buFontTx/>
+              <a:buNone/>
+              <a:tabLst/>
+              <a:defRPr/>
+            </a:pPr>
+            <a:fld id="{13014762-DFFB-4EBE-8655-EB0D0E44861E}" type="datetimeFigureOut">
+              <a:rPr kumimoji="0" lang="en-US" sz="1200" b="0" i="0" u="none" strike="noStrike" kern="1200" cap="none" spc="0" normalizeH="0" baseline="0" noProof="0" smtClean="0">
+                <a:ln>
+                  <a:noFill/>
+                </a:ln>
+                <a:solidFill>
+                  <a:prstClr val="black">
+                    <a:tint val="75000"/>
+                  </a:prstClr>
+                </a:solidFill>
+                <a:effectLst/>
+                <a:uLnTx/>
+                <a:uFillTx/>
+                <a:latin typeface="Calibri" panose="020F0502020204030204"/>
+                <a:ea typeface="+mn-ea"/>
+                <a:cs typeface="+mn-cs"/>
+              </a:rPr>
+              <a:pPr marL="0" marR="0" lvl="0" indent="0" algn="l" defTabSz="914400" rtl="0" eaLnBrk="1" fontAlgn="auto" latinLnBrk="0" hangingPunct="1">
+                <a:lnSpc>
+                  <a:spcPct val="100000"/>
+                </a:lnSpc>
+                <a:spcBef>
+                  <a:spcPts val="0"/>
+                </a:spcBef>
+                <a:spcAft>
+                  <a:spcPts val="0"/>
+                </a:spcAft>
+                <a:buClrTx/>
+                <a:buSzTx/>
+                <a:buFontTx/>
+                <a:buNone/>
+                <a:tabLst/>
+                <a:defRPr/>
+              </a:pPr>
+              <a:t>2/19/2026</a:t>
+            </a:fld>
+            <a:endParaRPr kumimoji="0" lang="en-US" sz="1200" b="0" i="0" u="none" strike="noStrike" kern="1200" cap="none" spc="0" normalizeH="0" baseline="0" noProof="0">
+              <a:ln>
+                <a:noFill/>
+              </a:ln>
+              <a:solidFill>
+                <a:prstClr val="black">
+                  <a:tint val="75000"/>
+                </a:prstClr>
+              </a:solidFill>
+              <a:effectLst/>
+              <a:uLnTx/>
+              <a:uFillTx/>
+              <a:latin typeface="Calibri" panose="020F0502020204030204"/>
+              <a:ea typeface="+mn-ea"/>
+              <a:cs typeface="+mn-cs"/>
+            </a:endParaRPr>
+          </a:p>
+        </p:txBody>
+      </p:sp>
+      <p:sp>
+        <p:nvSpPr>
+          <p:cNvPr id="5" name="Footer Placeholder 4">
+            <a:extLst>
+              <a:ext uri="{FF2B5EF4-FFF2-40B4-BE49-F238E27FC236}">
+                <a16:creationId xmlns:a16="http://schemas.microsoft.com/office/drawing/2014/main" id="{026D2A87-6945-4F7F-BC28-50F9048066DB}"/>
+              </a:ext>
+            </a:extLst>
+          </p:cNvPr>
+          <p:cNvSpPr>
+            <a:spLocks noGrp="1"/>
+          </p:cNvSpPr>
+          <p:nvPr>
+            <p:ph type="ftr" sz="quarter" idx="3"/>
+          </p:nvPr>
+        </p:nvSpPr>
+        <p:spPr>
+          <a:xfrm>
+            <a:off x="4038600" y="6356350"/>
+            <a:ext cx="4114800" cy="365125"/>
+          </a:xfrm>
+          <a:prstGeom prst="rect">
+            <a:avLst/>
+          </a:prstGeom>
+        </p:spPr>
+        <p:txBody>
+          <a:bodyPr vert="horz" lIns="91440" tIns="45720" rIns="91440" bIns="45720" rtlCol="0" anchor="ctr"/>
+          <a:lstStyle>
+            <a:lvl1pPr algn="ctr">
+              <a:defRPr sz="1200">
+                <a:solidFill>
+                  <a:schemeClr val="tx1">
+                    <a:tint val="75000"/>
+                  </a:schemeClr>
+                </a:solidFill>
+              </a:defRPr>
+            </a:lvl1pPr>
+          </a:lstStyle>
+          <a:p>
+            <a:pPr marL="0" marR="0" lvl="0" indent="0" algn="ctr" defTabSz="914400" rtl="0" eaLnBrk="1" fontAlgn="auto" latinLnBrk="0" hangingPunct="1">
+              <a:lnSpc>
+                <a:spcPct val="100000"/>
+              </a:lnSpc>
+              <a:spcBef>
+                <a:spcPts val="0"/>
+              </a:spcBef>
+              <a:spcAft>
+                <a:spcPts val="0"/>
+              </a:spcAft>
+              <a:buClrTx/>
+              <a:buSzTx/>
+              <a:buFontTx/>
+              <a:buNone/>
+              <a:tabLst/>
+              <a:defRPr/>
+            </a:pPr>
+            <a:endParaRPr kumimoji="0" lang="en-US" sz="1200" b="0" i="0" u="none" strike="noStrike" kern="1200" cap="none" spc="0" normalizeH="0" baseline="0" noProof="0">
+              <a:ln>
+                <a:noFill/>
+              </a:ln>
+              <a:solidFill>
+                <a:prstClr val="black">
+                  <a:tint val="75000"/>
+                </a:prstClr>
+              </a:solidFill>
+              <a:effectLst/>
+              <a:uLnTx/>
+              <a:uFillTx/>
+              <a:latin typeface="Calibri" panose="020F0502020204030204"/>
+              <a:ea typeface="+mn-ea"/>
+              <a:cs typeface="+mn-cs"/>
+            </a:endParaRPr>
+          </a:p>
+        </p:txBody>
+      </p:sp>
+      <p:sp>
+        <p:nvSpPr>
+          <p:cNvPr id="6" name="Slide Number Placeholder 5">
+            <a:extLst>
+              <a:ext uri="{FF2B5EF4-FFF2-40B4-BE49-F238E27FC236}">
+                <a16:creationId xmlns:a16="http://schemas.microsoft.com/office/drawing/2014/main" id="{AB6BAD95-2F7B-4D3A-8EAD-0497407393C4}"/>
+              </a:ext>
+            </a:extLst>
+          </p:cNvPr>
+          <p:cNvSpPr>
+            <a:spLocks noGrp="1"/>
+          </p:cNvSpPr>
+          <p:nvPr>
+            <p:ph type="sldNum" sz="quarter" idx="4"/>
+          </p:nvPr>
+        </p:nvSpPr>
+        <p:spPr>
+          <a:xfrm>
+            <a:off x="8610600" y="6356350"/>
+            <a:ext cx="2743200" cy="365125"/>
+          </a:xfrm>
+          <a:prstGeom prst="rect">
+            <a:avLst/>
+          </a:prstGeom>
+        </p:spPr>
+        <p:txBody>
+          <a:bodyPr vert="horz" lIns="91440" tIns="45720" rIns="91440" bIns="45720" rtlCol="0" anchor="ctr"/>
+          <a:lstStyle>
+            <a:lvl1pPr algn="r">
+              <a:defRPr sz="1200">
+                <a:solidFill>
+                  <a:schemeClr val="tx1">
+                    <a:tint val="75000"/>
+                  </a:schemeClr>
+                </a:solidFill>
+              </a:defRPr>
+            </a:lvl1pPr>
+          </a:lstStyle>
+          <a:p>
+            <a:pPr marL="0" marR="0" lvl="0" indent="0" algn="r" defTabSz="914400" rtl="0" eaLnBrk="1" fontAlgn="auto" latinLnBrk="0" hangingPunct="1">
+              <a:lnSpc>
+                <a:spcPct val="100000"/>
+              </a:lnSpc>
+              <a:spcBef>
+                <a:spcPts val="0"/>
+              </a:spcBef>
+              <a:spcAft>
+                <a:spcPts val="0"/>
+              </a:spcAft>
+              <a:buClrTx/>
+              <a:buSzTx/>
+              <a:buFontTx/>
+              <a:buNone/>
+              <a:tabLst/>
+              <a:defRPr/>
+            </a:pPr>
+            <a:fld id="{698B0EB1-831C-4439-A09B-221EC37904F7}" type="slidenum">
+              <a:rPr kumimoji="0" lang="en-US" sz="1200" b="0" i="0" u="none" strike="noStrike" kern="1200" cap="none" spc="0" normalizeH="0" baseline="0" noProof="0" smtClean="0">
+                <a:ln>
+                  <a:noFill/>
+                </a:ln>
+                <a:solidFill>
+                  <a:prstClr val="black">
+                    <a:tint val="75000"/>
+                  </a:prstClr>
+                </a:solidFill>
+                <a:effectLst/>
+                <a:uLnTx/>
+                <a:uFillTx/>
+                <a:latin typeface="Calibri" panose="020F0502020204030204"/>
+                <a:ea typeface="+mn-ea"/>
+                <a:cs typeface="+mn-cs"/>
+              </a:rPr>
+              <a:pPr marL="0" marR="0" lvl="0" indent="0" algn="r" defTabSz="914400" rtl="0" eaLnBrk="1" fontAlgn="auto" latinLnBrk="0" hangingPunct="1">
+                <a:lnSpc>
+                  <a:spcPct val="100000"/>
+                </a:lnSpc>
+                <a:spcBef>
+                  <a:spcPts val="0"/>
+                </a:spcBef>
+                <a:spcAft>
+                  <a:spcPts val="0"/>
+                </a:spcAft>
+                <a:buClrTx/>
+                <a:buSzTx/>
+                <a:buFontTx/>
+                <a:buNone/>
+                <a:tabLst/>
+                <a:defRPr/>
+              </a:pPr>
+              <a:t>‹#›</a:t>
+            </a:fld>
+            <a:endParaRPr kumimoji="0" lang="en-US" sz="1200" b="0" i="0" u="none" strike="noStrike" kern="1200" cap="none" spc="0" normalizeH="0" baseline="0" noProof="0">
+              <a:ln>
+                <a:noFill/>
+              </a:ln>
+              <a:solidFill>
+                <a:prstClr val="black">
+                  <a:tint val="75000"/>
+                </a:prstClr>
+              </a:solidFill>
+              <a:effectLst/>
+              <a:uLnTx/>
+              <a:uFillTx/>
+              <a:latin typeface="Calibri" panose="020F0502020204030204"/>
+              <a:ea typeface="+mn-ea"/>
+              <a:cs typeface="+mn-cs"/>
+            </a:endParaRPr>
+          </a:p>
+        </p:txBody>
+      </p:sp>
+      <p:sp>
+        <p:nvSpPr>
+          <p:cNvPr id="7" name="Rectangle 6">
+            <a:extLst>
+              <a:ext uri="{FF2B5EF4-FFF2-40B4-BE49-F238E27FC236}">
+                <a16:creationId xmlns:a16="http://schemas.microsoft.com/office/drawing/2014/main" id="{4C70ADC1-1184-4B0D-B984-E64BB44D42B3}"/>
+              </a:ext>
+            </a:extLst>
+          </p:cNvPr>
+          <p:cNvSpPr/>
+          <p:nvPr userDrawn="1"/>
+        </p:nvSpPr>
+        <p:spPr>
+          <a:xfrm>
+            <a:off x="0" y="241300"/>
+            <a:ext cx="12192000" cy="540657"/>
+          </a:xfrm>
+          <a:prstGeom prst="rect">
+            <a:avLst/>
+          </a:prstGeom>
+          <a:blipFill>
+            <a:blip r:embed="rId3"/>
+            <a:stretch>
+              <a:fillRect/>
+            </a:stretch>
+          </a:blipFill>
+          <a:ln>
+            <a:noFill/>
+          </a:ln>
+          <a:effectLst>
+            <a:outerShdw blurRad="38100" dist="50800" dir="5400000" algn="ctr" rotWithShape="0">
+              <a:srgbClr val="000000">
+                <a:alpha val="43137"/>
+              </a:srgbClr>
+            </a:outerShdw>
+          </a:effectLst>
+        </p:spPr>
+        <p:style>
+          <a:lnRef idx="2">
+            <a:schemeClr val="accent1">
+              <a:shade val="50000"/>
+            </a:schemeClr>
+          </a:lnRef>
+          <a:fillRef idx="1">
+            <a:schemeClr val="accent1"/>
+          </a:fillRef>
+          <a:effectRef idx="0">
+            <a:schemeClr val="accent1"/>
+          </a:effectRef>
+          <a:fontRef idx="minor">
+            <a:schemeClr val="lt1"/>
+          </a:fontRef>
+        </p:style>
+        <p:txBody>
+          <a:bodyPr rtlCol="0" anchor="ctr"/>
+          <a:lstStyle/>
+          <a:p>
+            <a:pPr marL="0" marR="0" lvl="0" indent="0" algn="ctr" defTabSz="914400" rtl="0" eaLnBrk="1" fontAlgn="auto" latinLnBrk="0" hangingPunct="1">
+              <a:lnSpc>
+                <a:spcPct val="100000"/>
+              </a:lnSpc>
+              <a:spcBef>
+                <a:spcPts val="0"/>
+              </a:spcBef>
+              <a:spcAft>
+                <a:spcPts val="0"/>
+              </a:spcAft>
+              <a:buClrTx/>
+              <a:buSzTx/>
+              <a:buFontTx/>
+              <a:buNone/>
+              <a:tabLst/>
+              <a:defRPr/>
+            </a:pPr>
+            <a:endParaRPr kumimoji="0" lang="en-US" sz="1800" b="0" i="0" u="none" strike="noStrike" kern="1200" cap="none" spc="0" normalizeH="0" baseline="0" noProof="0" dirty="0">
+              <a:ln>
+                <a:noFill/>
+              </a:ln>
+              <a:solidFill>
+                <a:prstClr val="white"/>
+              </a:solidFill>
+              <a:effectLst/>
+              <a:uLnTx/>
+              <a:uFillTx/>
+              <a:latin typeface="Calibri" panose="020F0502020204030204"/>
+              <a:ea typeface="+mn-ea"/>
+              <a:cs typeface="+mn-cs"/>
+            </a:endParaRPr>
+          </a:p>
+        </p:txBody>
+      </p:sp>
+      <p:grpSp>
+        <p:nvGrpSpPr>
+          <p:cNvPr id="8" name="Group 7">
+            <a:extLst>
+              <a:ext uri="{FF2B5EF4-FFF2-40B4-BE49-F238E27FC236}">
+                <a16:creationId xmlns:a16="http://schemas.microsoft.com/office/drawing/2014/main" id="{70210908-D1A4-469C-8292-0886562935B1}"/>
+              </a:ext>
+            </a:extLst>
+          </p:cNvPr>
+          <p:cNvGrpSpPr/>
+          <p:nvPr userDrawn="1"/>
+        </p:nvGrpSpPr>
+        <p:grpSpPr>
+          <a:xfrm>
+            <a:off x="10350726" y="241300"/>
+            <a:ext cx="1649652" cy="2416181"/>
+            <a:chOff x="5373448" y="635000"/>
+            <a:chExt cx="1649652" cy="2416181"/>
+          </a:xfrm>
+          <a:gradFill>
+            <a:gsLst>
+              <a:gs pos="0">
+                <a:schemeClr val="bg1">
+                  <a:lumMod val="75000"/>
+                </a:schemeClr>
+              </a:gs>
+              <a:gs pos="100000">
+                <a:srgbClr val="7030A0"/>
+              </a:gs>
+            </a:gsLst>
+            <a:lin ang="5400000" scaled="1"/>
+          </a:gradFill>
+          <a:effectLst>
+            <a:outerShdw blurRad="50800" dist="38100" dir="5400000" algn="t" rotWithShape="0">
+              <a:prstClr val="black">
+                <a:alpha val="40000"/>
+              </a:prstClr>
+            </a:outerShdw>
+          </a:effectLst>
+        </p:grpSpPr>
+        <p:sp>
+          <p:nvSpPr>
+            <p:cNvPr id="9" name="Rectangle 8">
+              <a:extLst>
+                <a:ext uri="{FF2B5EF4-FFF2-40B4-BE49-F238E27FC236}">
+                  <a16:creationId xmlns:a16="http://schemas.microsoft.com/office/drawing/2014/main" id="{649C990E-EC9F-4C37-876B-29D97F490ABC}"/>
+                </a:ext>
+              </a:extLst>
+            </p:cNvPr>
+            <p:cNvSpPr/>
+            <p:nvPr/>
+          </p:nvSpPr>
+          <p:spPr>
+            <a:xfrm>
+              <a:off x="5391150" y="635000"/>
+              <a:ext cx="1631950" cy="2006600"/>
+            </a:xfrm>
+            <a:prstGeom prst="rect">
+              <a:avLst/>
+            </a:prstGeom>
+            <a:grpFill/>
+            <a:ln>
+              <a:noFill/>
+            </a:ln>
+          </p:spPr>
+          <p:style>
+            <a:lnRef idx="2">
+              <a:schemeClr val="accent1">
+                <a:shade val="50000"/>
+              </a:schemeClr>
+            </a:lnRef>
+            <a:fillRef idx="1">
+              <a:schemeClr val="accent1"/>
+            </a:fillRef>
+            <a:effectRef idx="0">
+              <a:schemeClr val="accent1"/>
+            </a:effectRef>
+            <a:fontRef idx="minor">
+              <a:schemeClr val="lt1"/>
+            </a:fontRef>
+          </p:style>
+          <p:txBody>
+            <a:bodyPr rtlCol="0" anchor="ctr"/>
+            <a:lstStyle/>
+            <a:p>
+              <a:pPr marL="0" marR="0" lvl="0" indent="0" algn="ctr" defTabSz="914400" rtl="0" eaLnBrk="1" fontAlgn="auto" latinLnBrk="0" hangingPunct="1">
+                <a:lnSpc>
+                  <a:spcPct val="100000"/>
+                </a:lnSpc>
+                <a:spcBef>
+                  <a:spcPts val="0"/>
+                </a:spcBef>
+                <a:spcAft>
+                  <a:spcPts val="0"/>
+                </a:spcAft>
+                <a:buClrTx/>
+                <a:buSzTx/>
+                <a:buFontTx/>
+                <a:buNone/>
+                <a:tabLst/>
+                <a:defRPr/>
+              </a:pPr>
+              <a:endParaRPr kumimoji="0" lang="en-US" sz="1800" b="0" i="0" u="none" strike="noStrike" kern="1200" cap="none" spc="0" normalizeH="0" baseline="0" noProof="0">
+                <a:ln>
+                  <a:noFill/>
+                </a:ln>
+                <a:solidFill>
+                  <a:srgbClr val="FF0000"/>
+                </a:solidFill>
+                <a:effectLst/>
+                <a:uLnTx/>
+                <a:uFillTx/>
+                <a:latin typeface="Calibri" panose="020F0502020204030204"/>
+                <a:ea typeface="+mn-ea"/>
+                <a:cs typeface="+mn-cs"/>
+              </a:endParaRPr>
+            </a:p>
+          </p:txBody>
+        </p:sp>
+        <p:sp>
+          <p:nvSpPr>
+            <p:cNvPr id="10" name="Teardrop 9">
+              <a:extLst>
+                <a:ext uri="{FF2B5EF4-FFF2-40B4-BE49-F238E27FC236}">
+                  <a16:creationId xmlns:a16="http://schemas.microsoft.com/office/drawing/2014/main" id="{23A921F5-2FA3-45CC-9E4D-7AFBF04D7E0C}"/>
+                </a:ext>
+              </a:extLst>
+            </p:cNvPr>
+            <p:cNvSpPr/>
+            <p:nvPr/>
+          </p:nvSpPr>
+          <p:spPr>
+            <a:xfrm rot="2914181">
+              <a:off x="5425147" y="2180320"/>
+              <a:ext cx="819162" cy="922559"/>
+            </a:xfrm>
+            <a:prstGeom prst="teardrop">
+              <a:avLst>
+                <a:gd name="adj" fmla="val 185364"/>
+              </a:avLst>
+            </a:prstGeom>
+            <a:grpFill/>
+            <a:ln>
+              <a:noFill/>
+            </a:ln>
+          </p:spPr>
+          <p:style>
+            <a:lnRef idx="2">
+              <a:schemeClr val="accent1">
+                <a:shade val="50000"/>
+              </a:schemeClr>
+            </a:lnRef>
+            <a:fillRef idx="1">
+              <a:schemeClr val="accent1"/>
+            </a:fillRef>
+            <a:effectRef idx="0">
+              <a:schemeClr val="accent1"/>
+            </a:effectRef>
+            <a:fontRef idx="minor">
+              <a:schemeClr val="lt1"/>
+            </a:fontRef>
+          </p:style>
+          <p:txBody>
+            <a:bodyPr rtlCol="0" anchor="ctr"/>
+            <a:lstStyle/>
+            <a:p>
+              <a:pPr marL="0" marR="0" lvl="0" indent="0" algn="ctr" defTabSz="914400" rtl="0" eaLnBrk="1" fontAlgn="auto" latinLnBrk="0" hangingPunct="1">
+                <a:lnSpc>
+                  <a:spcPct val="100000"/>
+                </a:lnSpc>
+                <a:spcBef>
+                  <a:spcPts val="0"/>
+                </a:spcBef>
+                <a:spcAft>
+                  <a:spcPts val="0"/>
+                </a:spcAft>
+                <a:buClrTx/>
+                <a:buSzTx/>
+                <a:buFontTx/>
+                <a:buNone/>
+                <a:tabLst/>
+                <a:defRPr/>
+              </a:pPr>
+              <a:endParaRPr kumimoji="0" lang="en-US" sz="1800" b="0" i="0" u="none" strike="noStrike" kern="1200" cap="none" spc="0" normalizeH="0" baseline="0" noProof="0">
+                <a:ln>
+                  <a:noFill/>
+                </a:ln>
+                <a:solidFill>
+                  <a:srgbClr val="FF0000"/>
+                </a:solidFill>
+                <a:effectLst/>
+                <a:uLnTx/>
+                <a:uFillTx/>
+                <a:latin typeface="Calibri" panose="020F0502020204030204"/>
+                <a:ea typeface="+mn-ea"/>
+                <a:cs typeface="+mn-cs"/>
+              </a:endParaRPr>
+            </a:p>
+          </p:txBody>
+        </p:sp>
+      </p:grpSp>
+      <p:pic>
+        <p:nvPicPr>
+          <p:cNvPr id="11" name="Picture 10">
+            <a:extLst>
+              <a:ext uri="{FF2B5EF4-FFF2-40B4-BE49-F238E27FC236}">
+                <a16:creationId xmlns:a16="http://schemas.microsoft.com/office/drawing/2014/main" id="{738720D9-4231-4286-8579-1F1C80EB058E}"/>
+              </a:ext>
+            </a:extLst>
+          </p:cNvPr>
+          <p:cNvPicPr>
+            <a:picLocks noChangeAspect="1"/>
+          </p:cNvPicPr>
+          <p:nvPr userDrawn="1"/>
+        </p:nvPicPr>
+        <p:blipFill>
+          <a:blip r:embed="rId4"/>
+          <a:stretch>
+            <a:fillRect/>
+          </a:stretch>
+        </p:blipFill>
+        <p:spPr>
+          <a:xfrm>
+            <a:off x="10269318" y="482600"/>
+            <a:ext cx="1812469" cy="1765300"/>
+          </a:xfrm>
+          <a:prstGeom prst="rect">
+            <a:avLst/>
+          </a:prstGeom>
+          <a:ln>
+            <a:noFill/>
+          </a:ln>
+          <a:effectLst>
+            <a:outerShdw blurRad="292100" dist="139700" dir="2700000" algn="tl" rotWithShape="0">
+              <a:srgbClr val="333333">
+                <a:alpha val="65000"/>
+              </a:srgbClr>
+            </a:outerShdw>
+          </a:effectLst>
+        </p:spPr>
+      </p:pic>
+    </p:spTree>
+    <p:extLst>
+      <p:ext uri="{BB962C8B-B14F-4D97-AF65-F5344CB8AC3E}">
+        <p14:creationId xmlns:p14="http://schemas.microsoft.com/office/powerpoint/2010/main" val="2719895689"/>
+      </p:ext>
+    </p:extLst>
+  </p:cSld>
+  <p:clrMap bg1="lt1" tx1="dk1" bg2="lt2" tx2="dk2" accent1="accent1" accent2="accent2" accent3="accent3" accent4="accent4" accent5="accent5" accent6="accent6" hlink="hlink" folHlink="folHlink"/>
+  <p:sldLayoutIdLst>
+    <p:sldLayoutId id="2147483664" r:id="rId1"/>
+  </p:sldLayoutIdLst>
+  <p:txStyles>
+    <p:titleStyle>
+      <a:lvl1pPr algn="l" defTabSz="914400" rtl="0" eaLnBrk="1" latinLnBrk="0" hangingPunct="1">
+        <a:lnSpc>
+          <a:spcPct val="90000"/>
+        </a:lnSpc>
+        <a:spcBef>
+          <a:spcPct val="0"/>
+        </a:spcBef>
+        <a:buNone/>
+        <a:defRPr sz="4400" kern="1200">
+          <a:solidFill>
+            <a:schemeClr val="tx1"/>
+          </a:solidFill>
+          <a:latin typeface="Vani" panose="02040502050405020303" pitchFamily="18" charset="0"/>
+          <a:ea typeface="+mj-ea"/>
+          <a:cs typeface="Vani" panose="02040502050405020303" pitchFamily="18" charset="0"/>
+        </a:defRPr>
+      </a:lvl1pPr>
+    </p:titleStyle>
+    <p:bodyStyle>
+      <a:lvl1pPr marL="228600" indent="-228600" algn="l" defTabSz="914400" rtl="0" eaLnBrk="1" latinLnBrk="0" hangingPunct="1">
+        <a:lnSpc>
+          <a:spcPct val="90000"/>
+        </a:lnSpc>
+        <a:spcBef>
+          <a:spcPts val="1000"/>
+        </a:spcBef>
+        <a:buFont typeface="Arial" panose="020B0604020202020204" pitchFamily="34" charset="0"/>
+        <a:buChar char="•"/>
+        <a:defRPr sz="2800" kern="1200">
+          <a:solidFill>
+            <a:schemeClr val="tx1"/>
+          </a:solidFill>
+          <a:latin typeface="Vani" panose="02040502050405020303" pitchFamily="18" charset="0"/>
+          <a:ea typeface="+mn-ea"/>
+          <a:cs typeface="Vani" panose="02040502050405020303" pitchFamily="18" charset="0"/>
+        </a:defRPr>
+      </a:lvl1pPr>
+      <a:lvl2pPr marL="685800" indent="-228600" algn="l" defTabSz="914400" rtl="0" eaLnBrk="1" latinLnBrk="0" hangingPunct="1">
+        <a:lnSpc>
+          <a:spcPct val="90000"/>
+        </a:lnSpc>
+        <a:spcBef>
+          <a:spcPts val="500"/>
+        </a:spcBef>
+        <a:buFont typeface="Arial" panose="020B0604020202020204" pitchFamily="34" charset="0"/>
+        <a:buChar char="•"/>
+        <a:defRPr sz="2400" kern="1200">
+          <a:solidFill>
+            <a:schemeClr val="tx1"/>
+          </a:solidFill>
+          <a:latin typeface="Vani" panose="02040502050405020303" pitchFamily="18" charset="0"/>
+          <a:ea typeface="+mn-ea"/>
+          <a:cs typeface="Vani" panose="02040502050405020303" pitchFamily="18" charset="0"/>
+        </a:defRPr>
+      </a:lvl2pPr>
+      <a:lvl3pPr marL="1143000" indent="-228600" algn="l" defTabSz="914400" rtl="0" eaLnBrk="1" latinLnBrk="0" hangingPunct="1">
+        <a:lnSpc>
+          <a:spcPct val="90000"/>
+        </a:lnSpc>
+        <a:spcBef>
+          <a:spcPts val="500"/>
+        </a:spcBef>
+        <a:buFont typeface="Arial" panose="020B0604020202020204" pitchFamily="34" charset="0"/>
+        <a:buChar char="•"/>
+        <a:defRPr sz="2000" kern="1200">
+          <a:solidFill>
+            <a:schemeClr val="tx1"/>
+          </a:solidFill>
+          <a:latin typeface="Vani" panose="02040502050405020303" pitchFamily="18" charset="0"/>
+          <a:ea typeface="+mn-ea"/>
+          <a:cs typeface="Vani" panose="02040502050405020303" pitchFamily="18" charset="0"/>
+        </a:defRPr>
+      </a:lvl3pPr>
+      <a:lvl4pPr marL="1600200" indent="-228600" algn="l" defTabSz="914400" rtl="0" eaLnBrk="1" latinLnBrk="0" hangingPunct="1">
+        <a:lnSpc>
+          <a:spcPct val="90000"/>
+        </a:lnSpc>
+        <a:spcBef>
+          <a:spcPts val="500"/>
+        </a:spcBef>
+        <a:buFont typeface="Arial" panose="020B0604020202020204" pitchFamily="34" charset="0"/>
+        <a:buChar char="•"/>
+        <a:defRPr sz="1800" kern="1200">
+          <a:solidFill>
+            <a:schemeClr val="tx1"/>
+          </a:solidFill>
+          <a:latin typeface="Vani" panose="02040502050405020303" pitchFamily="18" charset="0"/>
+          <a:ea typeface="+mn-ea"/>
+          <a:cs typeface="Vani" panose="02040502050405020303" pitchFamily="18" charset="0"/>
+        </a:defRPr>
+      </a:lvl4pPr>
+      <a:lvl5pPr marL="2057400" indent="-228600" algn="l" defTabSz="914400" rtl="0" eaLnBrk="1" latinLnBrk="0" hangingPunct="1">
+        <a:lnSpc>
+          <a:spcPct val="90000"/>
+        </a:lnSpc>
+        <a:spcBef>
+          <a:spcPts val="500"/>
+        </a:spcBef>
+        <a:buFont typeface="Arial" panose="020B0604020202020204" pitchFamily="34" charset="0"/>
+        <a:buChar char="•"/>
+        <a:defRPr sz="1800" kern="1200">
+          <a:solidFill>
+            <a:schemeClr val="tx1"/>
+          </a:solidFill>
+          <a:latin typeface="Vani" panose="02040502050405020303" pitchFamily="18" charset="0"/>
+          <a:ea typeface="+mn-ea"/>
+          <a:cs typeface="Vani" panose="02040502050405020303" pitchFamily="18" charset="0"/>
+        </a:defRPr>
+      </a:lvl5pPr>
+      <a:lvl6pPr marL="2514600" indent="-228600" algn="l" defTabSz="914400" rtl="0" eaLnBrk="1" latinLnBrk="0" hangingPunct="1">
+        <a:lnSpc>
+          <a:spcPct val="90000"/>
+        </a:lnSpc>
+        <a:spcBef>
+          <a:spcPts val="500"/>
+        </a:spcBef>
+        <a:buFont typeface="Arial" panose="020B0604020202020204" pitchFamily="34" charset="0"/>
+        <a:buChar char="•"/>
+        <a:defRPr sz="1800" kern="1200">
+          <a:solidFill>
+            <a:schemeClr val="tx1"/>
+          </a:solidFill>
+          <a:latin typeface="+mn-lt"/>
+          <a:ea typeface="+mn-ea"/>
+          <a:cs typeface="+mn-cs"/>
+        </a:defRPr>
+      </a:lvl6pPr>
+      <a:lvl7pPr marL="2971800" indent="-228600" algn="l" defTabSz="914400" rtl="0" eaLnBrk="1" latinLnBrk="0" hangingPunct="1">
+        <a:lnSpc>
+          <a:spcPct val="90000"/>
+        </a:lnSpc>
+        <a:spcBef>
+          <a:spcPts val="500"/>
+        </a:spcBef>
+        <a:buFont typeface="Arial" panose="020B0604020202020204" pitchFamily="34" charset="0"/>
+        <a:buChar char="•"/>
+        <a:defRPr sz="1800" kern="1200">
+          <a:solidFill>
+            <a:schemeClr val="tx1"/>
+          </a:solidFill>
+          <a:latin typeface="+mn-lt"/>
+          <a:ea typeface="+mn-ea"/>
+          <a:cs typeface="+mn-cs"/>
+        </a:defRPr>
+      </a:lvl7pPr>
+      <a:lvl8pPr marL="3429000" indent="-228600" algn="l" defTabSz="914400" rtl="0" eaLnBrk="1" latinLnBrk="0" hangingPunct="1">
+        <a:lnSpc>
+          <a:spcPct val="90000"/>
+        </a:lnSpc>
+        <a:spcBef>
+          <a:spcPts val="500"/>
+        </a:spcBef>
+        <a:buFont typeface="Arial" panose="020B0604020202020204" pitchFamily="34" charset="0"/>
+        <a:buChar char="•"/>
+        <a:defRPr sz="1800" kern="1200">
+          <a:solidFill>
+            <a:schemeClr val="tx1"/>
+          </a:solidFill>
+          <a:latin typeface="+mn-lt"/>
+          <a:ea typeface="+mn-ea"/>
+          <a:cs typeface="+mn-cs"/>
+        </a:defRPr>
+      </a:lvl8pPr>
+      <a:lvl9pPr marL="3886200" indent="-228600" algn="l" defTabSz="914400" rtl="0" eaLnBrk="1" latinLnBrk="0" hangingPunct="1">
+        <a:lnSpc>
+          <a:spcPct val="90000"/>
+        </a:lnSpc>
+        <a:spcBef>
+          <a:spcPts val="500"/>
+        </a:spcBef>
+        <a:buFont typeface="Arial" panose="020B0604020202020204" pitchFamily="34" charset="0"/>
+        <a:buChar char="•"/>
+        <a:defRPr sz="1800" kern="1200">
+          <a:solidFill>
+            <a:schemeClr val="tx1"/>
+          </a:solidFill>
+          <a:latin typeface="+mn-lt"/>
+          <a:ea typeface="+mn-ea"/>
+          <a:cs typeface="+mn-cs"/>
+        </a:defRPr>
+      </a:lvl9pPr>
+    </p:bodyStyle>
+    <p:otherStyle>
+      <a:defPPr>
+        <a:defRPr lang="en-US"/>
+      </a:defPPr>
+      <a:lvl1pPr marL="0" algn="l" defTabSz="914400" rtl="0" eaLnBrk="1" latinLnBrk="0" hangingPunct="1">
+        <a:defRPr sz="1800" kern="1200">
+          <a:solidFill>
+            <a:schemeClr val="tx1"/>
+          </a:solidFill>
+          <a:latin typeface="+mn-lt"/>
+          <a:ea typeface="+mn-ea"/>
+          <a:cs typeface="+mn-cs"/>
+        </a:defRPr>
+      </a:lvl1pPr>
+      <a:lvl2pPr marL="457200" algn="l" defTabSz="914400" rtl="0" eaLnBrk="1" latinLnBrk="0" hangingPunct="1">
+        <a:defRPr sz="1800" kern="1200">
+          <a:solidFill>
+            <a:schemeClr val="tx1"/>
+          </a:solidFill>
+          <a:latin typeface="+mn-lt"/>
+          <a:ea typeface="+mn-ea"/>
+          <a:cs typeface="+mn-cs"/>
+        </a:defRPr>
+      </a:lvl2pPr>
+      <a:lvl3pPr marL="914400" algn="l" defTabSz="914400" rtl="0" eaLnBrk="1" latinLnBrk="0" hangingPunct="1">
+        <a:defRPr sz="1800" kern="1200">
+          <a:solidFill>
+            <a:schemeClr val="tx1"/>
+          </a:solidFill>
+          <a:latin typeface="+mn-lt"/>
+          <a:ea typeface="+mn-ea"/>
+          <a:cs typeface="+mn-cs"/>
+        </a:defRPr>
+      </a:lvl3pPr>
+      <a:lvl4pPr marL="1371600" algn="l" defTabSz="914400" rtl="0" eaLnBrk="1" latinLnBrk="0" hangingPunct="1">
+        <a:defRPr sz="1800" kern="1200">
+          <a:solidFill>
+            <a:schemeClr val="tx1"/>
+          </a:solidFill>
+          <a:latin typeface="+mn-lt"/>
+          <a:ea typeface="+mn-ea"/>
+          <a:cs typeface="+mn-cs"/>
+        </a:defRPr>
+      </a:lvl4pPr>
+      <a:lvl5pPr marL="1828800" algn="l" defTabSz="914400" rtl="0" eaLnBrk="1" latinLnBrk="0" hangingPunct="1">
+        <a:defRPr sz="1800" kern="1200">
+          <a:solidFill>
+            <a:schemeClr val="tx1"/>
+          </a:solidFill>
+          <a:latin typeface="+mn-lt"/>
+          <a:ea typeface="+mn-ea"/>
+          <a:cs typeface="+mn-cs"/>
+        </a:defRPr>
+      </a:lvl5pPr>
+      <a:lvl6pPr marL="2286000" algn="l" defTabSz="914400" rtl="0" eaLnBrk="1" latinLnBrk="0" hangingPunct="1">
+        <a:defRPr sz="1800" kern="1200">
+          <a:solidFill>
+            <a:schemeClr val="tx1"/>
+          </a:solidFill>
+          <a:latin typeface="+mn-lt"/>
+          <a:ea typeface="+mn-ea"/>
+          <a:cs typeface="+mn-cs"/>
+        </a:defRPr>
+      </a:lvl6pPr>
+      <a:lvl7pPr marL="2743200" algn="l" defTabSz="914400" rtl="0" eaLnBrk="1" latinLnBrk="0" hangingPunct="1">
+        <a:defRPr sz="1800" kern="1200">
+          <a:solidFill>
+            <a:schemeClr val="tx1"/>
+          </a:solidFill>
+          <a:latin typeface="+mn-lt"/>
+          <a:ea typeface="+mn-ea"/>
+          <a:cs typeface="+mn-cs"/>
+        </a:defRPr>
+      </a:lvl7pPr>
+      <a:lvl8pPr marL="3200400" algn="l" defTabSz="914400" rtl="0" eaLnBrk="1" latinLnBrk="0" hangingPunct="1">
+        <a:defRPr sz="1800" kern="1200">
+          <a:solidFill>
+            <a:schemeClr val="tx1"/>
+          </a:solidFill>
+          <a:latin typeface="+mn-lt"/>
+          <a:ea typeface="+mn-ea"/>
+          <a:cs typeface="+mn-cs"/>
+        </a:defRPr>
+      </a:lvl8pPr>
+      <a:lvl9pPr marL="3657600" algn="l" defTabSz="914400" rtl="0" eaLnBrk="1" latinLnBrk="0" hangingPunct="1">
+        <a:defRPr sz="1800" kern="1200">
+          <a:solidFill>
+            <a:schemeClr val="tx1"/>
+          </a:solidFill>
+          <a:latin typeface="+mn-lt"/>
+          <a:ea typeface="+mn-ea"/>
+          <a:cs typeface="+mn-cs"/>
+        </a:defRPr>
+      </a:lvl9pPr>
+    </p:otherStyle>
+  </p:txStyles>
+</p:sldMaster>
+</file>
+
+<file path=ppt/slideMasters/slideMaster3.xml><?xml version="1.0" encoding="utf-8"?>
+<p:sldMaster xmlns:a="http://schemas.openxmlformats.org/drawingml/2006/main" xmlns:r="http://schemas.openxmlformats.org/officeDocument/2006/relationships" xmlns:p="http://schemas.openxmlformats.org/presentationml/2006/main" preserve="1">
+  <p:cSld>
+    <p:bg>
+      <p:bgPr>
+        <a:gradFill flip="none" rotWithShape="1">
+          <a:gsLst>
+            <a:gs pos="0">
+              <a:schemeClr val="bg2"/>
+            </a:gs>
+            <a:gs pos="17000">
+              <a:schemeClr val="bg2"/>
+            </a:gs>
+            <a:gs pos="100000">
+              <a:srgbClr val="E9AC7F"/>
+            </a:gs>
+          </a:gsLst>
+          <a:lin ang="5400000" scaled="1"/>
+          <a:tileRect/>
+        </a:gradFill>
+        <a:effectLst/>
+      </p:bgPr>
+    </p:bg>
+    <p:spTree>
+      <p:nvGrpSpPr>
+        <p:cNvPr id="1" name=""/>
+        <p:cNvGrpSpPr/>
+        <p:nvPr/>
+      </p:nvGrpSpPr>
+      <p:grpSpPr>
+        <a:xfrm>
+          <a:off x="0" y="0"/>
+          <a:ext cx="0" cy="0"/>
+          <a:chOff x="0" y="0"/>
+          <a:chExt cx="0" cy="0"/>
+        </a:xfrm>
+      </p:grpSpPr>
+      <p:sp>
+        <p:nvSpPr>
+          <p:cNvPr id="2" name="Title Placeholder 1">
+            <a:extLst>
+              <a:ext uri="{FF2B5EF4-FFF2-40B4-BE49-F238E27FC236}">
+                <a16:creationId xmlns:a16="http://schemas.microsoft.com/office/drawing/2014/main" id="{608127F7-706A-41F7-B6D3-F9758313077B}"/>
+              </a:ext>
+            </a:extLst>
+          </p:cNvPr>
+          <p:cNvSpPr>
+            <a:spLocks noGrp="1"/>
+          </p:cNvSpPr>
+          <p:nvPr>
+            <p:ph type="title"/>
+          </p:nvPr>
+        </p:nvSpPr>
+        <p:spPr>
+          <a:xfrm>
+            <a:off x="838200" y="365125"/>
+            <a:ext cx="10515600" cy="1325563"/>
+          </a:xfrm>
+          <a:prstGeom prst="rect">
+            <a:avLst/>
+          </a:prstGeom>
+        </p:spPr>
+        <p:txBody>
+          <a:bodyPr vert="horz" lIns="91440" tIns="45720" rIns="91440" bIns="45720" rtlCol="0" anchor="ctr">
+            <a:normAutofit/>
+          </a:bodyPr>
+          <a:lstStyle/>
+          <a:p>
+            <a:r>
+              <a:rPr lang="en-US"/>
+              <a:t>Click to edit Master title style</a:t>
+            </a:r>
+            <a:endParaRPr lang="en-US" dirty="0"/>
+          </a:p>
+        </p:txBody>
+      </p:sp>
+      <p:sp>
+        <p:nvSpPr>
+          <p:cNvPr id="3" name="Text Placeholder 2">
+            <a:extLst>
+              <a:ext uri="{FF2B5EF4-FFF2-40B4-BE49-F238E27FC236}">
+                <a16:creationId xmlns:a16="http://schemas.microsoft.com/office/drawing/2014/main" id="{53605D06-5E85-4188-850E-3A613DA998B6}"/>
+              </a:ext>
+            </a:extLst>
+          </p:cNvPr>
+          <p:cNvSpPr>
+            <a:spLocks noGrp="1"/>
+          </p:cNvSpPr>
+          <p:nvPr>
+            <p:ph type="body" idx="1"/>
+          </p:nvPr>
+        </p:nvSpPr>
+        <p:spPr>
+          <a:xfrm>
+            <a:off x="838200" y="1825625"/>
+            <a:ext cx="10515600" cy="4351338"/>
+          </a:xfrm>
+          <a:prstGeom prst="rect">
+            <a:avLst/>
+          </a:prstGeom>
+        </p:spPr>
+        <p:txBody>
+          <a:bodyPr vert="horz" lIns="91440" tIns="45720" rIns="91440" bIns="45720" rtlCol="0">
+            <a:normAutofit/>
+          </a:bodyPr>
+          <a:lstStyle/>
+          <a:p>
+            <a:pPr lvl="0"/>
+            <a:r>
+              <a:rPr lang="en-US"/>
+              <a:t>Click to edit Master text styles</a:t>
+            </a:r>
+          </a:p>
+          <a:p>
+            <a:pPr lvl="1"/>
+            <a:r>
+              <a:rPr lang="en-US"/>
+              <a:t>Second level</a:t>
+            </a:r>
+          </a:p>
+          <a:p>
+            <a:pPr lvl="2"/>
+            <a:r>
+              <a:rPr lang="en-US"/>
+              <a:t>Third level</a:t>
+            </a:r>
+          </a:p>
+          <a:p>
+            <a:pPr lvl="3"/>
+            <a:r>
+              <a:rPr lang="en-US"/>
+              <a:t>Fourth level</a:t>
+            </a:r>
+          </a:p>
+          <a:p>
+            <a:pPr lvl="4"/>
+            <a:r>
+              <a:rPr lang="en-US"/>
+              <a:t>Fifth level</a:t>
+            </a:r>
+            <a:endParaRPr lang="en-US" dirty="0"/>
+          </a:p>
+        </p:txBody>
+      </p:sp>
+      <p:sp>
+        <p:nvSpPr>
+          <p:cNvPr id="4" name="Date Placeholder 3">
+            <a:extLst>
+              <a:ext uri="{FF2B5EF4-FFF2-40B4-BE49-F238E27FC236}">
+                <a16:creationId xmlns:a16="http://schemas.microsoft.com/office/drawing/2014/main" id="{DF0CA9CD-3B33-488C-AA77-1217C5510338}"/>
+              </a:ext>
+            </a:extLst>
+          </p:cNvPr>
+          <p:cNvSpPr>
+            <a:spLocks noGrp="1"/>
+          </p:cNvSpPr>
+          <p:nvPr>
+            <p:ph type="dt" sz="half" idx="2"/>
+          </p:nvPr>
+        </p:nvSpPr>
+        <p:spPr>
+          <a:xfrm>
+            <a:off x="838200" y="6356350"/>
+            <a:ext cx="2743200" cy="365125"/>
+          </a:xfrm>
+          <a:prstGeom prst="rect">
+            <a:avLst/>
+          </a:prstGeom>
+        </p:spPr>
+        <p:txBody>
+          <a:bodyPr vert="horz" lIns="91440" tIns="45720" rIns="91440" bIns="45720" rtlCol="0" anchor="ctr"/>
+          <a:lstStyle>
+            <a:lvl1pPr algn="l">
+              <a:defRPr sz="1200">
+                <a:solidFill>
+                  <a:schemeClr val="tx1">
+                    <a:tint val="75000"/>
+                  </a:schemeClr>
+                </a:solidFill>
+              </a:defRPr>
+            </a:lvl1pPr>
+          </a:lstStyle>
+          <a:p>
+            <a:pPr marL="0" marR="0" lvl="0" indent="0" algn="l" defTabSz="914400" rtl="0" eaLnBrk="1" fontAlgn="auto" latinLnBrk="0" hangingPunct="1">
+              <a:lnSpc>
+                <a:spcPct val="100000"/>
+              </a:lnSpc>
+              <a:spcBef>
+                <a:spcPts val="0"/>
+              </a:spcBef>
+              <a:spcAft>
+                <a:spcPts val="0"/>
+              </a:spcAft>
+              <a:buClrTx/>
+              <a:buSzTx/>
+              <a:buFontTx/>
+              <a:buNone/>
+              <a:tabLst/>
+              <a:defRPr/>
+            </a:pPr>
+            <a:fld id="{13014762-DFFB-4EBE-8655-EB0D0E44861E}" type="datetimeFigureOut">
+              <a:rPr kumimoji="0" lang="en-US" sz="1200" b="0" i="0" u="none" strike="noStrike" kern="1200" cap="none" spc="0" normalizeH="0" baseline="0" noProof="0" smtClean="0">
+                <a:ln>
+                  <a:noFill/>
+                </a:ln>
+                <a:solidFill>
+                  <a:prstClr val="black">
+                    <a:tint val="75000"/>
+                  </a:prstClr>
+                </a:solidFill>
+                <a:effectLst/>
+                <a:uLnTx/>
+                <a:uFillTx/>
+                <a:latin typeface="Calibri" panose="020F0502020204030204"/>
+                <a:ea typeface="+mn-ea"/>
+                <a:cs typeface="+mn-cs"/>
+              </a:rPr>
+              <a:pPr marL="0" marR="0" lvl="0" indent="0" algn="l" defTabSz="914400" rtl="0" eaLnBrk="1" fontAlgn="auto" latinLnBrk="0" hangingPunct="1">
+                <a:lnSpc>
+                  <a:spcPct val="100000"/>
+                </a:lnSpc>
+                <a:spcBef>
+                  <a:spcPts val="0"/>
+                </a:spcBef>
+                <a:spcAft>
+                  <a:spcPts val="0"/>
+                </a:spcAft>
+                <a:buClrTx/>
+                <a:buSzTx/>
+                <a:buFontTx/>
+                <a:buNone/>
+                <a:tabLst/>
+                <a:defRPr/>
+              </a:pPr>
+              <a:t>2/19/2026</a:t>
+            </a:fld>
+            <a:endParaRPr kumimoji="0" lang="en-US" sz="1200" b="0" i="0" u="none" strike="noStrike" kern="1200" cap="none" spc="0" normalizeH="0" baseline="0" noProof="0">
+              <a:ln>
+                <a:noFill/>
+              </a:ln>
+              <a:solidFill>
+                <a:prstClr val="black">
+                  <a:tint val="75000"/>
+                </a:prstClr>
+              </a:solidFill>
+              <a:effectLst/>
+              <a:uLnTx/>
+              <a:uFillTx/>
+              <a:latin typeface="Calibri" panose="020F0502020204030204"/>
+              <a:ea typeface="+mn-ea"/>
+              <a:cs typeface="+mn-cs"/>
+            </a:endParaRPr>
+          </a:p>
+        </p:txBody>
+      </p:sp>
+      <p:sp>
+        <p:nvSpPr>
+          <p:cNvPr id="5" name="Footer Placeholder 4">
+            <a:extLst>
+              <a:ext uri="{FF2B5EF4-FFF2-40B4-BE49-F238E27FC236}">
+                <a16:creationId xmlns:a16="http://schemas.microsoft.com/office/drawing/2014/main" id="{026D2A87-6945-4F7F-BC28-50F9048066DB}"/>
+              </a:ext>
+            </a:extLst>
+          </p:cNvPr>
+          <p:cNvSpPr>
+            <a:spLocks noGrp="1"/>
+          </p:cNvSpPr>
+          <p:nvPr>
+            <p:ph type="ftr" sz="quarter" idx="3"/>
+          </p:nvPr>
+        </p:nvSpPr>
+        <p:spPr>
+          <a:xfrm>
+            <a:off x="4038600" y="6356350"/>
+            <a:ext cx="4114800" cy="365125"/>
+          </a:xfrm>
+          <a:prstGeom prst="rect">
+            <a:avLst/>
+          </a:prstGeom>
+        </p:spPr>
+        <p:txBody>
+          <a:bodyPr vert="horz" lIns="91440" tIns="45720" rIns="91440" bIns="45720" rtlCol="0" anchor="ctr"/>
+          <a:lstStyle>
+            <a:lvl1pPr algn="ctr">
+              <a:defRPr sz="1200">
+                <a:solidFill>
+                  <a:schemeClr val="tx1">
+                    <a:tint val="75000"/>
+                  </a:schemeClr>
+                </a:solidFill>
+              </a:defRPr>
+            </a:lvl1pPr>
+          </a:lstStyle>
+          <a:p>
+            <a:pPr marL="0" marR="0" lvl="0" indent="0" algn="ctr" defTabSz="914400" rtl="0" eaLnBrk="1" fontAlgn="auto" latinLnBrk="0" hangingPunct="1">
+              <a:lnSpc>
+                <a:spcPct val="100000"/>
+              </a:lnSpc>
+              <a:spcBef>
+                <a:spcPts val="0"/>
+              </a:spcBef>
+              <a:spcAft>
+                <a:spcPts val="0"/>
+              </a:spcAft>
+              <a:buClrTx/>
+              <a:buSzTx/>
+              <a:buFontTx/>
+              <a:buNone/>
+              <a:tabLst/>
+              <a:defRPr/>
+            </a:pPr>
+            <a:endParaRPr kumimoji="0" lang="en-US" sz="1200" b="0" i="0" u="none" strike="noStrike" kern="1200" cap="none" spc="0" normalizeH="0" baseline="0" noProof="0">
+              <a:ln>
+                <a:noFill/>
+              </a:ln>
+              <a:solidFill>
+                <a:prstClr val="black">
+                  <a:tint val="75000"/>
+                </a:prstClr>
+              </a:solidFill>
+              <a:effectLst/>
+              <a:uLnTx/>
+              <a:uFillTx/>
+              <a:latin typeface="Calibri" panose="020F0502020204030204"/>
+              <a:ea typeface="+mn-ea"/>
+              <a:cs typeface="+mn-cs"/>
+            </a:endParaRPr>
+          </a:p>
+        </p:txBody>
+      </p:sp>
+      <p:sp>
+        <p:nvSpPr>
+          <p:cNvPr id="6" name="Slide Number Placeholder 5">
+            <a:extLst>
+              <a:ext uri="{FF2B5EF4-FFF2-40B4-BE49-F238E27FC236}">
+                <a16:creationId xmlns:a16="http://schemas.microsoft.com/office/drawing/2014/main" id="{AB6BAD95-2F7B-4D3A-8EAD-0497407393C4}"/>
+              </a:ext>
+            </a:extLst>
+          </p:cNvPr>
+          <p:cNvSpPr>
+            <a:spLocks noGrp="1"/>
+          </p:cNvSpPr>
+          <p:nvPr>
+            <p:ph type="sldNum" sz="quarter" idx="4"/>
+          </p:nvPr>
+        </p:nvSpPr>
+        <p:spPr>
+          <a:xfrm>
+            <a:off x="8610600" y="6356350"/>
+            <a:ext cx="2743200" cy="365125"/>
+          </a:xfrm>
+          <a:prstGeom prst="rect">
+            <a:avLst/>
+          </a:prstGeom>
+        </p:spPr>
+        <p:txBody>
+          <a:bodyPr vert="horz" lIns="91440" tIns="45720" rIns="91440" bIns="45720" rtlCol="0" anchor="ctr"/>
+          <a:lstStyle>
+            <a:lvl1pPr algn="r">
+              <a:defRPr sz="1200">
+                <a:solidFill>
+                  <a:schemeClr val="tx1">
+                    <a:tint val="75000"/>
+                  </a:schemeClr>
+                </a:solidFill>
+              </a:defRPr>
+            </a:lvl1pPr>
+          </a:lstStyle>
+          <a:p>
+            <a:pPr marL="0" marR="0" lvl="0" indent="0" algn="r" defTabSz="914400" rtl="0" eaLnBrk="1" fontAlgn="auto" latinLnBrk="0" hangingPunct="1">
+              <a:lnSpc>
+                <a:spcPct val="100000"/>
+              </a:lnSpc>
+              <a:spcBef>
+                <a:spcPts val="0"/>
+              </a:spcBef>
+              <a:spcAft>
+                <a:spcPts val="0"/>
+              </a:spcAft>
+              <a:buClrTx/>
+              <a:buSzTx/>
+              <a:buFontTx/>
+              <a:buNone/>
+              <a:tabLst/>
+              <a:defRPr/>
+            </a:pPr>
+            <a:fld id="{698B0EB1-831C-4439-A09B-221EC37904F7}" type="slidenum">
+              <a:rPr kumimoji="0" lang="en-US" sz="1200" b="0" i="0" u="none" strike="noStrike" kern="1200" cap="none" spc="0" normalizeH="0" baseline="0" noProof="0" smtClean="0">
+                <a:ln>
+                  <a:noFill/>
+                </a:ln>
+                <a:solidFill>
+                  <a:prstClr val="black">
+                    <a:tint val="75000"/>
+                  </a:prstClr>
+                </a:solidFill>
+                <a:effectLst/>
+                <a:uLnTx/>
+                <a:uFillTx/>
+                <a:latin typeface="Calibri" panose="020F0502020204030204"/>
+                <a:ea typeface="+mn-ea"/>
+                <a:cs typeface="+mn-cs"/>
+              </a:rPr>
+              <a:pPr marL="0" marR="0" lvl="0" indent="0" algn="r" defTabSz="914400" rtl="0" eaLnBrk="1" fontAlgn="auto" latinLnBrk="0" hangingPunct="1">
+                <a:lnSpc>
+                  <a:spcPct val="100000"/>
+                </a:lnSpc>
+                <a:spcBef>
+                  <a:spcPts val="0"/>
+                </a:spcBef>
+                <a:spcAft>
+                  <a:spcPts val="0"/>
+                </a:spcAft>
+                <a:buClrTx/>
+                <a:buSzTx/>
+                <a:buFontTx/>
+                <a:buNone/>
+                <a:tabLst/>
+                <a:defRPr/>
+              </a:pPr>
+              <a:t>‹#›</a:t>
+            </a:fld>
+            <a:endParaRPr kumimoji="0" lang="en-US" sz="1200" b="0" i="0" u="none" strike="noStrike" kern="1200" cap="none" spc="0" normalizeH="0" baseline="0" noProof="0">
+              <a:ln>
+                <a:noFill/>
+              </a:ln>
+              <a:solidFill>
+                <a:prstClr val="black">
+                  <a:tint val="75000"/>
+                </a:prstClr>
+              </a:solidFill>
+              <a:effectLst/>
+              <a:uLnTx/>
+              <a:uFillTx/>
+              <a:latin typeface="Calibri" panose="020F0502020204030204"/>
+              <a:ea typeface="+mn-ea"/>
+              <a:cs typeface="+mn-cs"/>
+            </a:endParaRPr>
+          </a:p>
+        </p:txBody>
+      </p:sp>
+      <p:sp>
+        <p:nvSpPr>
+          <p:cNvPr id="7" name="Rectangle 6">
+            <a:extLst>
+              <a:ext uri="{FF2B5EF4-FFF2-40B4-BE49-F238E27FC236}">
+                <a16:creationId xmlns:a16="http://schemas.microsoft.com/office/drawing/2014/main" id="{4C70ADC1-1184-4B0D-B984-E64BB44D42B3}"/>
+              </a:ext>
+            </a:extLst>
+          </p:cNvPr>
+          <p:cNvSpPr/>
+          <p:nvPr userDrawn="1"/>
+        </p:nvSpPr>
+        <p:spPr>
+          <a:xfrm>
+            <a:off x="0" y="241300"/>
+            <a:ext cx="12192000" cy="540657"/>
+          </a:xfrm>
+          <a:prstGeom prst="rect">
+            <a:avLst/>
+          </a:prstGeom>
+          <a:blipFill>
+            <a:blip r:embed="rId2"/>
+            <a:stretch>
+              <a:fillRect/>
+            </a:stretch>
+          </a:blipFill>
+          <a:ln>
+            <a:noFill/>
+          </a:ln>
+          <a:effectLst>
+            <a:outerShdw blurRad="38100" dist="50800" dir="5400000" algn="ctr" rotWithShape="0">
+              <a:srgbClr val="000000">
+                <a:alpha val="43137"/>
+              </a:srgbClr>
+            </a:outerShdw>
+          </a:effectLst>
+        </p:spPr>
+        <p:style>
+          <a:lnRef idx="2">
+            <a:schemeClr val="accent1">
+              <a:shade val="50000"/>
+            </a:schemeClr>
+          </a:lnRef>
+          <a:fillRef idx="1">
+            <a:schemeClr val="accent1"/>
+          </a:fillRef>
+          <a:effectRef idx="0">
+            <a:schemeClr val="accent1"/>
+          </a:effectRef>
+          <a:fontRef idx="minor">
+            <a:schemeClr val="lt1"/>
+          </a:fontRef>
+        </p:style>
+        <p:txBody>
+          <a:bodyPr rtlCol="0" anchor="ctr"/>
+          <a:lstStyle/>
+          <a:p>
+            <a:pPr marL="0" marR="0" lvl="0" indent="0" algn="ctr" defTabSz="914400" rtl="0" eaLnBrk="1" fontAlgn="auto" latinLnBrk="0" hangingPunct="1">
+              <a:lnSpc>
+                <a:spcPct val="100000"/>
+              </a:lnSpc>
+              <a:spcBef>
+                <a:spcPts val="0"/>
+              </a:spcBef>
+              <a:spcAft>
+                <a:spcPts val="0"/>
+              </a:spcAft>
+              <a:buClrTx/>
+              <a:buSzTx/>
+              <a:buFontTx/>
+              <a:buNone/>
+              <a:tabLst/>
+              <a:defRPr/>
+            </a:pPr>
+            <a:endParaRPr kumimoji="0" lang="en-US" sz="1800" b="0" i="0" u="none" strike="noStrike" kern="1200" cap="none" spc="0" normalizeH="0" baseline="0" noProof="0" dirty="0">
+              <a:ln>
+                <a:noFill/>
+              </a:ln>
+              <a:solidFill>
+                <a:prstClr val="white"/>
+              </a:solidFill>
+              <a:effectLst/>
+              <a:uLnTx/>
+              <a:uFillTx/>
+              <a:latin typeface="Calibri" panose="020F0502020204030204"/>
+              <a:ea typeface="+mn-ea"/>
+              <a:cs typeface="+mn-cs"/>
+            </a:endParaRPr>
+          </a:p>
+        </p:txBody>
+      </p:sp>
+      <p:grpSp>
+        <p:nvGrpSpPr>
+          <p:cNvPr id="8" name="Group 7">
+            <a:extLst>
+              <a:ext uri="{FF2B5EF4-FFF2-40B4-BE49-F238E27FC236}">
+                <a16:creationId xmlns:a16="http://schemas.microsoft.com/office/drawing/2014/main" id="{70210908-D1A4-469C-8292-0886562935B1}"/>
+              </a:ext>
+            </a:extLst>
+          </p:cNvPr>
+          <p:cNvGrpSpPr/>
+          <p:nvPr userDrawn="1"/>
+        </p:nvGrpSpPr>
+        <p:grpSpPr>
+          <a:xfrm>
+            <a:off x="10350726" y="241300"/>
+            <a:ext cx="1649652" cy="2416181"/>
+            <a:chOff x="5373448" y="635000"/>
+            <a:chExt cx="1649652" cy="2416181"/>
+          </a:xfrm>
+          <a:gradFill>
+            <a:gsLst>
+              <a:gs pos="0">
+                <a:schemeClr val="bg1">
+                  <a:lumMod val="75000"/>
+                </a:schemeClr>
+              </a:gs>
+              <a:gs pos="100000">
+                <a:srgbClr val="7030A0"/>
+              </a:gs>
+            </a:gsLst>
+            <a:lin ang="5400000" scaled="1"/>
+          </a:gradFill>
+          <a:effectLst>
+            <a:outerShdw blurRad="50800" dist="38100" dir="5400000" algn="t" rotWithShape="0">
+              <a:prstClr val="black">
+                <a:alpha val="40000"/>
+              </a:prstClr>
+            </a:outerShdw>
+          </a:effectLst>
+        </p:grpSpPr>
+        <p:sp>
+          <p:nvSpPr>
+            <p:cNvPr id="9" name="Rectangle 8">
+              <a:extLst>
+                <a:ext uri="{FF2B5EF4-FFF2-40B4-BE49-F238E27FC236}">
+                  <a16:creationId xmlns:a16="http://schemas.microsoft.com/office/drawing/2014/main" id="{649C990E-EC9F-4C37-876B-29D97F490ABC}"/>
+                </a:ext>
+              </a:extLst>
+            </p:cNvPr>
+            <p:cNvSpPr/>
+            <p:nvPr/>
+          </p:nvSpPr>
+          <p:spPr>
+            <a:xfrm>
+              <a:off x="5391150" y="635000"/>
+              <a:ext cx="1631950" cy="2006600"/>
+            </a:xfrm>
+            <a:prstGeom prst="rect">
+              <a:avLst/>
+            </a:prstGeom>
+            <a:grpFill/>
+            <a:ln>
+              <a:noFill/>
+            </a:ln>
+          </p:spPr>
+          <p:style>
+            <a:lnRef idx="2">
+              <a:schemeClr val="accent1">
+                <a:shade val="50000"/>
+              </a:schemeClr>
+            </a:lnRef>
+            <a:fillRef idx="1">
+              <a:schemeClr val="accent1"/>
+            </a:fillRef>
+            <a:effectRef idx="0">
+              <a:schemeClr val="accent1"/>
+            </a:effectRef>
+            <a:fontRef idx="minor">
+              <a:schemeClr val="lt1"/>
+            </a:fontRef>
+          </p:style>
+          <p:txBody>
+            <a:bodyPr rtlCol="0" anchor="ctr"/>
+            <a:lstStyle/>
+            <a:p>
+              <a:pPr marL="0" marR="0" lvl="0" indent="0" algn="ctr" defTabSz="914400" rtl="0" eaLnBrk="1" fontAlgn="auto" latinLnBrk="0" hangingPunct="1">
+                <a:lnSpc>
+                  <a:spcPct val="100000"/>
+                </a:lnSpc>
+                <a:spcBef>
+                  <a:spcPts val="0"/>
+                </a:spcBef>
+                <a:spcAft>
+                  <a:spcPts val="0"/>
+                </a:spcAft>
+                <a:buClrTx/>
+                <a:buSzTx/>
+                <a:buFontTx/>
+                <a:buNone/>
+                <a:tabLst/>
+                <a:defRPr/>
+              </a:pPr>
+              <a:endParaRPr kumimoji="0" lang="en-US" sz="1800" b="0" i="0" u="none" strike="noStrike" kern="1200" cap="none" spc="0" normalizeH="0" baseline="0" noProof="0">
+                <a:ln>
+                  <a:noFill/>
+                </a:ln>
+                <a:solidFill>
+                  <a:srgbClr val="FF0000"/>
+                </a:solidFill>
+                <a:effectLst/>
+                <a:uLnTx/>
+                <a:uFillTx/>
+                <a:latin typeface="Calibri" panose="020F0502020204030204"/>
+                <a:ea typeface="+mn-ea"/>
+                <a:cs typeface="+mn-cs"/>
+              </a:endParaRPr>
+            </a:p>
+          </p:txBody>
+        </p:sp>
+        <p:sp>
+          <p:nvSpPr>
+            <p:cNvPr id="10" name="Teardrop 9">
+              <a:extLst>
+                <a:ext uri="{FF2B5EF4-FFF2-40B4-BE49-F238E27FC236}">
+                  <a16:creationId xmlns:a16="http://schemas.microsoft.com/office/drawing/2014/main" id="{23A921F5-2FA3-45CC-9E4D-7AFBF04D7E0C}"/>
+                </a:ext>
+              </a:extLst>
+            </p:cNvPr>
+            <p:cNvSpPr/>
+            <p:nvPr/>
+          </p:nvSpPr>
+          <p:spPr>
+            <a:xfrm rot="2914181">
+              <a:off x="5425147" y="2180320"/>
+              <a:ext cx="819162" cy="922559"/>
+            </a:xfrm>
+            <a:prstGeom prst="teardrop">
+              <a:avLst>
+                <a:gd name="adj" fmla="val 185364"/>
+              </a:avLst>
+            </a:prstGeom>
+            <a:grpFill/>
+            <a:ln>
+              <a:noFill/>
+            </a:ln>
+          </p:spPr>
+          <p:style>
+            <a:lnRef idx="2">
+              <a:schemeClr val="accent1">
+                <a:shade val="50000"/>
+              </a:schemeClr>
+            </a:lnRef>
+            <a:fillRef idx="1">
+              <a:schemeClr val="accent1"/>
+            </a:fillRef>
+            <a:effectRef idx="0">
+              <a:schemeClr val="accent1"/>
+            </a:effectRef>
+            <a:fontRef idx="minor">
+              <a:schemeClr val="lt1"/>
+            </a:fontRef>
+          </p:style>
+          <p:txBody>
+            <a:bodyPr rtlCol="0" anchor="ctr"/>
+            <a:lstStyle/>
+            <a:p>
+              <a:pPr marL="0" marR="0" lvl="0" indent="0" algn="ctr" defTabSz="914400" rtl="0" eaLnBrk="1" fontAlgn="auto" latinLnBrk="0" hangingPunct="1">
+                <a:lnSpc>
+                  <a:spcPct val="100000"/>
+                </a:lnSpc>
+                <a:spcBef>
+                  <a:spcPts val="0"/>
+                </a:spcBef>
+                <a:spcAft>
+                  <a:spcPts val="0"/>
+                </a:spcAft>
+                <a:buClrTx/>
+                <a:buSzTx/>
+                <a:buFontTx/>
+                <a:buNone/>
+                <a:tabLst/>
+                <a:defRPr/>
+              </a:pPr>
+              <a:endParaRPr kumimoji="0" lang="en-US" sz="1800" b="0" i="0" u="none" strike="noStrike" kern="1200" cap="none" spc="0" normalizeH="0" baseline="0" noProof="0">
+                <a:ln>
+                  <a:noFill/>
+                </a:ln>
+                <a:solidFill>
+                  <a:srgbClr val="FF0000"/>
+                </a:solidFill>
+                <a:effectLst/>
+                <a:uLnTx/>
+                <a:uFillTx/>
+                <a:latin typeface="Calibri" panose="020F0502020204030204"/>
+                <a:ea typeface="+mn-ea"/>
+                <a:cs typeface="+mn-cs"/>
+              </a:endParaRPr>
+            </a:p>
+          </p:txBody>
+        </p:sp>
+      </p:grpSp>
+      <p:pic>
+        <p:nvPicPr>
+          <p:cNvPr id="11" name="Picture 10">
+            <a:extLst>
+              <a:ext uri="{FF2B5EF4-FFF2-40B4-BE49-F238E27FC236}">
+                <a16:creationId xmlns:a16="http://schemas.microsoft.com/office/drawing/2014/main" id="{738720D9-4231-4286-8579-1F1C80EB058E}"/>
+              </a:ext>
+            </a:extLst>
+          </p:cNvPr>
+          <p:cNvPicPr>
+            <a:picLocks noChangeAspect="1"/>
+          </p:cNvPicPr>
+          <p:nvPr userDrawn="1"/>
+        </p:nvPicPr>
+        <p:blipFill>
+          <a:blip r:embed="rId3"/>
+          <a:stretch>
+            <a:fillRect/>
+          </a:stretch>
+        </p:blipFill>
+        <p:spPr>
+          <a:xfrm>
+            <a:off x="10269318" y="482600"/>
+            <a:ext cx="1812469" cy="1765300"/>
+          </a:xfrm>
+          <a:prstGeom prst="rect">
+            <a:avLst/>
+          </a:prstGeom>
+          <a:ln>
+            <a:noFill/>
+          </a:ln>
+          <a:effectLst>
+            <a:outerShdw blurRad="292100" dist="139700" dir="2700000" algn="tl" rotWithShape="0">
+              <a:srgbClr val="333333">
+                <a:alpha val="65000"/>
+              </a:srgbClr>
+            </a:outerShdw>
+          </a:effectLst>
+        </p:spPr>
+      </p:pic>
+    </p:spTree>
+    <p:extLst>
+      <p:ext uri="{BB962C8B-B14F-4D97-AF65-F5344CB8AC3E}">
+        <p14:creationId xmlns:p14="http://schemas.microsoft.com/office/powerpoint/2010/main" val="1398555496"/>
+      </p:ext>
+    </p:extLst>
+  </p:cSld>
+  <p:clrMap bg1="lt1" tx1="dk1" bg2="lt2" tx2="dk2" accent1="accent1" accent2="accent2" accent3="accent3" accent4="accent4" accent5="accent5" accent6="accent6" hlink="hlink" folHlink="folHlink"/>
   <p:txStyles>
     <p:titleStyle>
       <a:lvl1pPr algn="l" defTabSz="914400" rtl="0" eaLnBrk="1" latinLnBrk="0" hangingPunct="1">
@@ -6321,57 +9621,603 @@
 </a:theme>
 </file>
 
+<file path=ppt/theme/theme2.xml><?xml version="1.0" encoding="utf-8"?>
+<a:theme xmlns:a="http://schemas.openxmlformats.org/drawingml/2006/main" name="2_Office Theme">
+  <a:themeElements>
+    <a:clrScheme name="Office">
+      <a:dk1>
+        <a:sysClr val="windowText" lastClr="000000"/>
+      </a:dk1>
+      <a:lt1>
+        <a:sysClr val="window" lastClr="FFFFFF"/>
+      </a:lt1>
+      <a:dk2>
+        <a:srgbClr val="44546A"/>
+      </a:dk2>
+      <a:lt2>
+        <a:srgbClr val="E7E6E6"/>
+      </a:lt2>
+      <a:accent1>
+        <a:srgbClr val="4472C4"/>
+      </a:accent1>
+      <a:accent2>
+        <a:srgbClr val="ED7D31"/>
+      </a:accent2>
+      <a:accent3>
+        <a:srgbClr val="A5A5A5"/>
+      </a:accent3>
+      <a:accent4>
+        <a:srgbClr val="FFC000"/>
+      </a:accent4>
+      <a:accent5>
+        <a:srgbClr val="5B9BD5"/>
+      </a:accent5>
+      <a:accent6>
+        <a:srgbClr val="70AD47"/>
+      </a:accent6>
+      <a:hlink>
+        <a:srgbClr val="0563C1"/>
+      </a:hlink>
+      <a:folHlink>
+        <a:srgbClr val="954F72"/>
+      </a:folHlink>
+    </a:clrScheme>
+    <a:fontScheme name="Office">
+      <a:majorFont>
+        <a:latin typeface="Calibri Light" panose="020F0302020204030204"/>
+        <a:ea typeface=""/>
+        <a:cs typeface=""/>
+        <a:font script="Jpan" typeface="游ゴシック Light"/>
+        <a:font script="Hang" typeface="맑은 고딕"/>
+        <a:font script="Hans" typeface="等线 Light"/>
+        <a:font script="Hant" typeface="新細明體"/>
+        <a:font script="Arab" typeface="Times New Roman"/>
+        <a:font script="Hebr" typeface="Times New Roman"/>
+        <a:font script="Thai" typeface="Angsana New"/>
+        <a:font script="Ethi" typeface="Nyala"/>
+        <a:font script="Beng" typeface="Vrinda"/>
+        <a:font script="Gujr" typeface="Shruti"/>
+        <a:font script="Khmr" typeface="MoolBoran"/>
+        <a:font script="Knda" typeface="Tunga"/>
+        <a:font script="Guru" typeface="Raavi"/>
+        <a:font script="Cans" typeface="Euphemia"/>
+        <a:font script="Cher" typeface="Plantagenet Cherokee"/>
+        <a:font script="Yiii" typeface="Microsoft Yi Baiti"/>
+        <a:font script="Tibt" typeface="Microsoft Himalaya"/>
+        <a:font script="Thaa" typeface="MV Boli"/>
+        <a:font script="Deva" typeface="Mangal"/>
+        <a:font script="Telu" typeface="Gautami"/>
+        <a:font script="Taml" typeface="Latha"/>
+        <a:font script="Syrc" typeface="Estrangelo Edessa"/>
+        <a:font script="Orya" typeface="Kalinga"/>
+        <a:font script="Mlym" typeface="Kartika"/>
+        <a:font script="Laoo" typeface="DokChampa"/>
+        <a:font script="Sinh" typeface="Iskoola Pota"/>
+        <a:font script="Mong" typeface="Mongolian Baiti"/>
+        <a:font script="Viet" typeface="Times New Roman"/>
+        <a:font script="Uigh" typeface="Microsoft Uighur"/>
+        <a:font script="Geor" typeface="Sylfaen"/>
+        <a:font script="Armn" typeface="Arial"/>
+        <a:font script="Bugi" typeface="Leelawadee UI"/>
+        <a:font script="Bopo" typeface="Microsoft JhengHei"/>
+        <a:font script="Java" typeface="Javanese Text"/>
+        <a:font script="Lisu" typeface="Segoe UI"/>
+        <a:font script="Mymr" typeface="Myanmar Text"/>
+        <a:font script="Nkoo" typeface="Ebrima"/>
+        <a:font script="Olck" typeface="Nirmala UI"/>
+        <a:font script="Osma" typeface="Ebrima"/>
+        <a:font script="Phag" typeface="Phagspa"/>
+        <a:font script="Syrn" typeface="Estrangelo Edessa"/>
+        <a:font script="Syrj" typeface="Estrangelo Edessa"/>
+        <a:font script="Syre" typeface="Estrangelo Edessa"/>
+        <a:font script="Sora" typeface="Nirmala UI"/>
+        <a:font script="Tale" typeface="Microsoft Tai Le"/>
+        <a:font script="Talu" typeface="Microsoft New Tai Lue"/>
+        <a:font script="Tfng" typeface="Ebrima"/>
+      </a:majorFont>
+      <a:minorFont>
+        <a:latin typeface="Calibri" panose="020F0502020204030204"/>
+        <a:ea typeface=""/>
+        <a:cs typeface=""/>
+        <a:font script="Jpan" typeface="游ゴシック"/>
+        <a:font script="Hang" typeface="맑은 고딕"/>
+        <a:font script="Hans" typeface="等线"/>
+        <a:font script="Hant" typeface="新細明體"/>
+        <a:font script="Arab" typeface="Arial"/>
+        <a:font script="Hebr" typeface="Arial"/>
+        <a:font script="Thai" typeface="Cordia New"/>
+        <a:font script="Ethi" typeface="Nyala"/>
+        <a:font script="Beng" typeface="Vrinda"/>
+        <a:font script="Gujr" typeface="Shruti"/>
+        <a:font script="Khmr" typeface="DaunPenh"/>
+        <a:font script="Knda" typeface="Tunga"/>
+        <a:font script="Guru" typeface="Raavi"/>
+        <a:font script="Cans" typeface="Euphemia"/>
+        <a:font script="Cher" typeface="Plantagenet Cherokee"/>
+        <a:font script="Yiii" typeface="Microsoft Yi Baiti"/>
+        <a:font script="Tibt" typeface="Microsoft Himalaya"/>
+        <a:font script="Thaa" typeface="MV Boli"/>
+        <a:font script="Deva" typeface="Mangal"/>
+        <a:font script="Telu" typeface="Gautami"/>
+        <a:font script="Taml" typeface="Latha"/>
+        <a:font script="Syrc" typeface="Estrangelo Edessa"/>
+        <a:font script="Orya" typeface="Kalinga"/>
+        <a:font script="Mlym" typeface="Kartika"/>
+        <a:font script="Laoo" typeface="DokChampa"/>
+        <a:font script="Sinh" typeface="Iskoola Pota"/>
+        <a:font script="Mong" typeface="Mongolian Baiti"/>
+        <a:font script="Viet" typeface="Arial"/>
+        <a:font script="Uigh" typeface="Microsoft Uighur"/>
+        <a:font script="Geor" typeface="Sylfaen"/>
+        <a:font script="Armn" typeface="Arial"/>
+        <a:font script="Bugi" typeface="Leelawadee UI"/>
+        <a:font script="Bopo" typeface="Microsoft JhengHei"/>
+        <a:font script="Java" typeface="Javanese Text"/>
+        <a:font script="Lisu" typeface="Segoe UI"/>
+        <a:font script="Mymr" typeface="Myanmar Text"/>
+        <a:font script="Nkoo" typeface="Ebrima"/>
+        <a:font script="Olck" typeface="Nirmala UI"/>
+        <a:font script="Osma" typeface="Ebrima"/>
+        <a:font script="Phag" typeface="Phagspa"/>
+        <a:font script="Syrn" typeface="Estrangelo Edessa"/>
+        <a:font script="Syrj" typeface="Estrangelo Edessa"/>
+        <a:font script="Syre" typeface="Estrangelo Edessa"/>
+        <a:font script="Sora" typeface="Nirmala UI"/>
+        <a:font script="Tale" typeface="Microsoft Tai Le"/>
+        <a:font script="Talu" typeface="Microsoft New Tai Lue"/>
+        <a:font script="Tfng" typeface="Ebrima"/>
+      </a:minorFont>
+    </a:fontScheme>
+    <a:fmtScheme name="Office">
+      <a:fillStyleLst>
+        <a:solidFill>
+          <a:schemeClr val="phClr"/>
+        </a:solidFill>
+        <a:gradFill rotWithShape="1">
+          <a:gsLst>
+            <a:gs pos="0">
+              <a:schemeClr val="phClr">
+                <a:lumMod val="110000"/>
+                <a:satMod val="105000"/>
+                <a:tint val="67000"/>
+              </a:schemeClr>
+            </a:gs>
+            <a:gs pos="50000">
+              <a:schemeClr val="phClr">
+                <a:lumMod val="105000"/>
+                <a:satMod val="103000"/>
+                <a:tint val="73000"/>
+              </a:schemeClr>
+            </a:gs>
+            <a:gs pos="100000">
+              <a:schemeClr val="phClr">
+                <a:lumMod val="105000"/>
+                <a:satMod val="109000"/>
+                <a:tint val="81000"/>
+              </a:schemeClr>
+            </a:gs>
+          </a:gsLst>
+          <a:lin ang="5400000" scaled="0"/>
+        </a:gradFill>
+        <a:gradFill rotWithShape="1">
+          <a:gsLst>
+            <a:gs pos="0">
+              <a:schemeClr val="phClr">
+                <a:satMod val="103000"/>
+                <a:lumMod val="102000"/>
+                <a:tint val="94000"/>
+              </a:schemeClr>
+            </a:gs>
+            <a:gs pos="50000">
+              <a:schemeClr val="phClr">
+                <a:satMod val="110000"/>
+                <a:lumMod val="100000"/>
+                <a:shade val="100000"/>
+              </a:schemeClr>
+            </a:gs>
+            <a:gs pos="100000">
+              <a:schemeClr val="phClr">
+                <a:lumMod val="99000"/>
+                <a:satMod val="120000"/>
+                <a:shade val="78000"/>
+              </a:schemeClr>
+            </a:gs>
+          </a:gsLst>
+          <a:lin ang="5400000" scaled="0"/>
+        </a:gradFill>
+      </a:fillStyleLst>
+      <a:lnStyleLst>
+        <a:ln w="6350" cap="flat" cmpd="sng" algn="ctr">
+          <a:solidFill>
+            <a:schemeClr val="phClr"/>
+          </a:solidFill>
+          <a:prstDash val="solid"/>
+          <a:miter lim="800000"/>
+        </a:ln>
+        <a:ln w="12700" cap="flat" cmpd="sng" algn="ctr">
+          <a:solidFill>
+            <a:schemeClr val="phClr"/>
+          </a:solidFill>
+          <a:prstDash val="solid"/>
+          <a:miter lim="800000"/>
+        </a:ln>
+        <a:ln w="19050" cap="flat" cmpd="sng" algn="ctr">
+          <a:solidFill>
+            <a:schemeClr val="phClr"/>
+          </a:solidFill>
+          <a:prstDash val="solid"/>
+          <a:miter lim="800000"/>
+        </a:ln>
+      </a:lnStyleLst>
+      <a:effectStyleLst>
+        <a:effectStyle>
+          <a:effectLst/>
+        </a:effectStyle>
+        <a:effectStyle>
+          <a:effectLst/>
+        </a:effectStyle>
+        <a:effectStyle>
+          <a:effectLst>
+            <a:outerShdw blurRad="57150" dist="19050" dir="5400000" algn="ctr" rotWithShape="0">
+              <a:srgbClr val="000000">
+                <a:alpha val="63000"/>
+              </a:srgbClr>
+            </a:outerShdw>
+          </a:effectLst>
+        </a:effectStyle>
+      </a:effectStyleLst>
+      <a:bgFillStyleLst>
+        <a:solidFill>
+          <a:schemeClr val="phClr"/>
+        </a:solidFill>
+        <a:solidFill>
+          <a:schemeClr val="phClr">
+            <a:tint val="95000"/>
+            <a:satMod val="170000"/>
+          </a:schemeClr>
+        </a:solidFill>
+        <a:gradFill rotWithShape="1">
+          <a:gsLst>
+            <a:gs pos="0">
+              <a:schemeClr val="phClr">
+                <a:tint val="93000"/>
+                <a:satMod val="150000"/>
+                <a:shade val="98000"/>
+                <a:lumMod val="102000"/>
+              </a:schemeClr>
+            </a:gs>
+            <a:gs pos="50000">
+              <a:schemeClr val="phClr">
+                <a:tint val="98000"/>
+                <a:satMod val="130000"/>
+                <a:shade val="90000"/>
+                <a:lumMod val="103000"/>
+              </a:schemeClr>
+            </a:gs>
+            <a:gs pos="100000">
+              <a:schemeClr val="phClr">
+                <a:shade val="63000"/>
+                <a:satMod val="120000"/>
+              </a:schemeClr>
+            </a:gs>
+          </a:gsLst>
+          <a:lin ang="5400000" scaled="0"/>
+        </a:gradFill>
+      </a:bgFillStyleLst>
+    </a:fmtScheme>
+  </a:themeElements>
+  <a:objectDefaults/>
+  <a:extraClrSchemeLst/>
+  <a:extLst>
+    <a:ext uri="{05A4C25C-085E-4340-85A3-A5531E510DB2}">
+      <thm15:themeFamily xmlns:thm15="http://schemas.microsoft.com/office/thememl/2012/main" name="Presentation1" id="{CE9A0C13-2CCB-4F92-8A0E-E6C2DCD1F7B1}" vid="{243EA940-D5F3-4787-B928-CF67E8CF8082}"/>
+    </a:ext>
+  </a:extLst>
+</a:theme>
+</file>
+
+<file path=ppt/theme/theme3.xml><?xml version="1.0" encoding="utf-8"?>
+<a:theme xmlns:a="http://schemas.openxmlformats.org/drawingml/2006/main" name="1_Office Theme">
+  <a:themeElements>
+    <a:clrScheme name="Office">
+      <a:dk1>
+        <a:sysClr val="windowText" lastClr="000000"/>
+      </a:dk1>
+      <a:lt1>
+        <a:sysClr val="window" lastClr="FFFFFF"/>
+      </a:lt1>
+      <a:dk2>
+        <a:srgbClr val="44546A"/>
+      </a:dk2>
+      <a:lt2>
+        <a:srgbClr val="E7E6E6"/>
+      </a:lt2>
+      <a:accent1>
+        <a:srgbClr val="4472C4"/>
+      </a:accent1>
+      <a:accent2>
+        <a:srgbClr val="ED7D31"/>
+      </a:accent2>
+      <a:accent3>
+        <a:srgbClr val="A5A5A5"/>
+      </a:accent3>
+      <a:accent4>
+        <a:srgbClr val="FFC000"/>
+      </a:accent4>
+      <a:accent5>
+        <a:srgbClr val="5B9BD5"/>
+      </a:accent5>
+      <a:accent6>
+        <a:srgbClr val="70AD47"/>
+      </a:accent6>
+      <a:hlink>
+        <a:srgbClr val="0563C1"/>
+      </a:hlink>
+      <a:folHlink>
+        <a:srgbClr val="954F72"/>
+      </a:folHlink>
+    </a:clrScheme>
+    <a:fontScheme name="Office">
+      <a:majorFont>
+        <a:latin typeface="Calibri Light" panose="020F0302020204030204"/>
+        <a:ea typeface=""/>
+        <a:cs typeface=""/>
+        <a:font script="Jpan" typeface="游ゴシック Light"/>
+        <a:font script="Hang" typeface="맑은 고딕"/>
+        <a:font script="Hans" typeface="等线 Light"/>
+        <a:font script="Hant" typeface="新細明體"/>
+        <a:font script="Arab" typeface="Times New Roman"/>
+        <a:font script="Hebr" typeface="Times New Roman"/>
+        <a:font script="Thai" typeface="Angsana New"/>
+        <a:font script="Ethi" typeface="Nyala"/>
+        <a:font script="Beng" typeface="Vrinda"/>
+        <a:font script="Gujr" typeface="Shruti"/>
+        <a:font script="Khmr" typeface="MoolBoran"/>
+        <a:font script="Knda" typeface="Tunga"/>
+        <a:font script="Guru" typeface="Raavi"/>
+        <a:font script="Cans" typeface="Euphemia"/>
+        <a:font script="Cher" typeface="Plantagenet Cherokee"/>
+        <a:font script="Yiii" typeface="Microsoft Yi Baiti"/>
+        <a:font script="Tibt" typeface="Microsoft Himalaya"/>
+        <a:font script="Thaa" typeface="MV Boli"/>
+        <a:font script="Deva" typeface="Mangal"/>
+        <a:font script="Telu" typeface="Gautami"/>
+        <a:font script="Taml" typeface="Latha"/>
+        <a:font script="Syrc" typeface="Estrangelo Edessa"/>
+        <a:font script="Orya" typeface="Kalinga"/>
+        <a:font script="Mlym" typeface="Kartika"/>
+        <a:font script="Laoo" typeface="DokChampa"/>
+        <a:font script="Sinh" typeface="Iskoola Pota"/>
+        <a:font script="Mong" typeface="Mongolian Baiti"/>
+        <a:font script="Viet" typeface="Times New Roman"/>
+        <a:font script="Uigh" typeface="Microsoft Uighur"/>
+        <a:font script="Geor" typeface="Sylfaen"/>
+        <a:font script="Armn" typeface="Arial"/>
+        <a:font script="Bugi" typeface="Leelawadee UI"/>
+        <a:font script="Bopo" typeface="Microsoft JhengHei"/>
+        <a:font script="Java" typeface="Javanese Text"/>
+        <a:font script="Lisu" typeface="Segoe UI"/>
+        <a:font script="Mymr" typeface="Myanmar Text"/>
+        <a:font script="Nkoo" typeface="Ebrima"/>
+        <a:font script="Olck" typeface="Nirmala UI"/>
+        <a:font script="Osma" typeface="Ebrima"/>
+        <a:font script="Phag" typeface="Phagspa"/>
+        <a:font script="Syrn" typeface="Estrangelo Edessa"/>
+        <a:font script="Syrj" typeface="Estrangelo Edessa"/>
+        <a:font script="Syre" typeface="Estrangelo Edessa"/>
+        <a:font script="Sora" typeface="Nirmala UI"/>
+        <a:font script="Tale" typeface="Microsoft Tai Le"/>
+        <a:font script="Talu" typeface="Microsoft New Tai Lue"/>
+        <a:font script="Tfng" typeface="Ebrima"/>
+      </a:majorFont>
+      <a:minorFont>
+        <a:latin typeface="Calibri" panose="020F0502020204030204"/>
+        <a:ea typeface=""/>
+        <a:cs typeface=""/>
+        <a:font script="Jpan" typeface="游ゴシック"/>
+        <a:font script="Hang" typeface="맑은 고딕"/>
+        <a:font script="Hans" typeface="等线"/>
+        <a:font script="Hant" typeface="新細明體"/>
+        <a:font script="Arab" typeface="Arial"/>
+        <a:font script="Hebr" typeface="Arial"/>
+        <a:font script="Thai" typeface="Cordia New"/>
+        <a:font script="Ethi" typeface="Nyala"/>
+        <a:font script="Beng" typeface="Vrinda"/>
+        <a:font script="Gujr" typeface="Shruti"/>
+        <a:font script="Khmr" typeface="DaunPenh"/>
+        <a:font script="Knda" typeface="Tunga"/>
+        <a:font script="Guru" typeface="Raavi"/>
+        <a:font script="Cans" typeface="Euphemia"/>
+        <a:font script="Cher" typeface="Plantagenet Cherokee"/>
+        <a:font script="Yiii" typeface="Microsoft Yi Baiti"/>
+        <a:font script="Tibt" typeface="Microsoft Himalaya"/>
+        <a:font script="Thaa" typeface="MV Boli"/>
+        <a:font script="Deva" typeface="Mangal"/>
+        <a:font script="Telu" typeface="Gautami"/>
+        <a:font script="Taml" typeface="Latha"/>
+        <a:font script="Syrc" typeface="Estrangelo Edessa"/>
+        <a:font script="Orya" typeface="Kalinga"/>
+        <a:font script="Mlym" typeface="Kartika"/>
+        <a:font script="Laoo" typeface="DokChampa"/>
+        <a:font script="Sinh" typeface="Iskoola Pota"/>
+        <a:font script="Mong" typeface="Mongolian Baiti"/>
+        <a:font script="Viet" typeface="Arial"/>
+        <a:font script="Uigh" typeface="Microsoft Uighur"/>
+        <a:font script="Geor" typeface="Sylfaen"/>
+        <a:font script="Armn" typeface="Arial"/>
+        <a:font script="Bugi" typeface="Leelawadee UI"/>
+        <a:font script="Bopo" typeface="Microsoft JhengHei"/>
+        <a:font script="Java" typeface="Javanese Text"/>
+        <a:font script="Lisu" typeface="Segoe UI"/>
+        <a:font script="Mymr" typeface="Myanmar Text"/>
+        <a:font script="Nkoo" typeface="Ebrima"/>
+        <a:font script="Olck" typeface="Nirmala UI"/>
+        <a:font script="Osma" typeface="Ebrima"/>
+        <a:font script="Phag" typeface="Phagspa"/>
+        <a:font script="Syrn" typeface="Estrangelo Edessa"/>
+        <a:font script="Syrj" typeface="Estrangelo Edessa"/>
+        <a:font script="Syre" typeface="Estrangelo Edessa"/>
+        <a:font script="Sora" typeface="Nirmala UI"/>
+        <a:font script="Tale" typeface="Microsoft Tai Le"/>
+        <a:font script="Talu" typeface="Microsoft New Tai Lue"/>
+        <a:font script="Tfng" typeface="Ebrima"/>
+      </a:minorFont>
+    </a:fontScheme>
+    <a:fmtScheme name="Office">
+      <a:fillStyleLst>
+        <a:solidFill>
+          <a:schemeClr val="phClr"/>
+        </a:solidFill>
+        <a:gradFill rotWithShape="1">
+          <a:gsLst>
+            <a:gs pos="0">
+              <a:schemeClr val="phClr">
+                <a:lumMod val="110000"/>
+                <a:satMod val="105000"/>
+                <a:tint val="67000"/>
+              </a:schemeClr>
+            </a:gs>
+            <a:gs pos="50000">
+              <a:schemeClr val="phClr">
+                <a:lumMod val="105000"/>
+                <a:satMod val="103000"/>
+                <a:tint val="73000"/>
+              </a:schemeClr>
+            </a:gs>
+            <a:gs pos="100000">
+              <a:schemeClr val="phClr">
+                <a:lumMod val="105000"/>
+                <a:satMod val="109000"/>
+                <a:tint val="81000"/>
+              </a:schemeClr>
+            </a:gs>
+          </a:gsLst>
+          <a:lin ang="5400000" scaled="0"/>
+        </a:gradFill>
+        <a:gradFill rotWithShape="1">
+          <a:gsLst>
+            <a:gs pos="0">
+              <a:schemeClr val="phClr">
+                <a:satMod val="103000"/>
+                <a:lumMod val="102000"/>
+                <a:tint val="94000"/>
+              </a:schemeClr>
+            </a:gs>
+            <a:gs pos="50000">
+              <a:schemeClr val="phClr">
+                <a:satMod val="110000"/>
+                <a:lumMod val="100000"/>
+                <a:shade val="100000"/>
+              </a:schemeClr>
+            </a:gs>
+            <a:gs pos="100000">
+              <a:schemeClr val="phClr">
+                <a:lumMod val="99000"/>
+                <a:satMod val="120000"/>
+                <a:shade val="78000"/>
+              </a:schemeClr>
+            </a:gs>
+          </a:gsLst>
+          <a:lin ang="5400000" scaled="0"/>
+        </a:gradFill>
+      </a:fillStyleLst>
+      <a:lnStyleLst>
+        <a:ln w="6350" cap="flat" cmpd="sng" algn="ctr">
+          <a:solidFill>
+            <a:schemeClr val="phClr"/>
+          </a:solidFill>
+          <a:prstDash val="solid"/>
+          <a:miter lim="800000"/>
+        </a:ln>
+        <a:ln w="12700" cap="flat" cmpd="sng" algn="ctr">
+          <a:solidFill>
+            <a:schemeClr val="phClr"/>
+          </a:solidFill>
+          <a:prstDash val="solid"/>
+          <a:miter lim="800000"/>
+        </a:ln>
+        <a:ln w="19050" cap="flat" cmpd="sng" algn="ctr">
+          <a:solidFill>
+            <a:schemeClr val="phClr"/>
+          </a:solidFill>
+          <a:prstDash val="solid"/>
+          <a:miter lim="800000"/>
+        </a:ln>
+      </a:lnStyleLst>
+      <a:effectStyleLst>
+        <a:effectStyle>
+          <a:effectLst/>
+        </a:effectStyle>
+        <a:effectStyle>
+          <a:effectLst/>
+        </a:effectStyle>
+        <a:effectStyle>
+          <a:effectLst>
+            <a:outerShdw blurRad="57150" dist="19050" dir="5400000" algn="ctr" rotWithShape="0">
+              <a:srgbClr val="000000">
+                <a:alpha val="63000"/>
+              </a:srgbClr>
+            </a:outerShdw>
+          </a:effectLst>
+        </a:effectStyle>
+      </a:effectStyleLst>
+      <a:bgFillStyleLst>
+        <a:solidFill>
+          <a:schemeClr val="phClr"/>
+        </a:solidFill>
+        <a:solidFill>
+          <a:schemeClr val="phClr">
+            <a:tint val="95000"/>
+            <a:satMod val="170000"/>
+          </a:schemeClr>
+        </a:solidFill>
+        <a:gradFill rotWithShape="1">
+          <a:gsLst>
+            <a:gs pos="0">
+              <a:schemeClr val="phClr">
+                <a:tint val="93000"/>
+                <a:satMod val="150000"/>
+                <a:shade val="98000"/>
+                <a:lumMod val="102000"/>
+              </a:schemeClr>
+            </a:gs>
+            <a:gs pos="50000">
+              <a:schemeClr val="phClr">
+                <a:tint val="98000"/>
+                <a:satMod val="130000"/>
+                <a:shade val="90000"/>
+                <a:lumMod val="103000"/>
+              </a:schemeClr>
+            </a:gs>
+            <a:gs pos="100000">
+              <a:schemeClr val="phClr">
+                <a:shade val="63000"/>
+                <a:satMod val="120000"/>
+              </a:schemeClr>
+            </a:gs>
+          </a:gsLst>
+          <a:lin ang="5400000" scaled="0"/>
+        </a:gradFill>
+      </a:bgFillStyleLst>
+    </a:fmtScheme>
+  </a:themeElements>
+  <a:objectDefaults/>
+  <a:extraClrSchemeLst/>
+  <a:extLst>
+    <a:ext uri="{05A4C25C-085E-4340-85A3-A5531E510DB2}">
+      <thm15:themeFamily xmlns:thm15="http://schemas.microsoft.com/office/thememl/2012/main" name="Presentation1" id="{CE9A0C13-2CCB-4F92-8A0E-E6C2DCD1F7B1}" vid="{243EA940-D5F3-4787-B928-CF67E8CF8082}"/>
+    </a:ext>
+  </a:extLst>
+</a:theme>
+</file>
+
 <file path=customXml/item1.xml><?xml version="1.0" encoding="utf-8"?>
-<p:properties xmlns:p="http://schemas.microsoft.com/office/2006/metadata/properties" xmlns:xsi="http://www.w3.org/2001/XMLSchema-instance" xmlns:pc="http://schemas.microsoft.com/office/infopath/2007/PartnerControls">
-  <documentManagement>
-    <CultureName xmlns="1249b8ab-053a-46ef-b7db-624f618d251b" xsi:nil="true"/>
-    <Students xmlns="1249b8ab-053a-46ef-b7db-624f618d251b">
-      <UserInfo>
-        <DisplayName/>
-        <AccountId xsi:nil="true"/>
-        <AccountType/>
-      </UserInfo>
-    </Students>
-    <Invited_Students xmlns="1249b8ab-053a-46ef-b7db-624f618d251b" xsi:nil="true"/>
-    <Templates xmlns="1249b8ab-053a-46ef-b7db-624f618d251b" xsi:nil="true"/>
-    <Teachers xmlns="1249b8ab-053a-46ef-b7db-624f618d251b">
-      <UserInfo>
-        <DisplayName/>
-        <AccountId xsi:nil="true"/>
-        <AccountType/>
-      </UserInfo>
-    </Teachers>
-    <Student_Groups xmlns="1249b8ab-053a-46ef-b7db-624f618d251b">
-      <UserInfo>
-        <DisplayName/>
-        <AccountId xsi:nil="true"/>
-        <AccountType/>
-      </UserInfo>
-    </Student_Groups>
-    <Distribution_Groups xmlns="1249b8ab-053a-46ef-b7db-624f618d251b" xsi:nil="true"/>
-    <LMS_Mappings xmlns="1249b8ab-053a-46ef-b7db-624f618d251b" xsi:nil="true"/>
-    <Is_Collaboration_Space_Locked xmlns="1249b8ab-053a-46ef-b7db-624f618d251b" xsi:nil="true"/>
-    <Teams_Channel_Section_Location xmlns="1249b8ab-053a-46ef-b7db-624f618d251b" xsi:nil="true"/>
-    <Has_Teacher_Only_SectionGroup xmlns="1249b8ab-053a-46ef-b7db-624f618d251b" xsi:nil="true"/>
-    <Math_Settings xmlns="1249b8ab-053a-46ef-b7db-624f618d251b" xsi:nil="true"/>
-    <Owner xmlns="1249b8ab-053a-46ef-b7db-624f618d251b">
-      <UserInfo>
-        <DisplayName/>
-        <AccountId xsi:nil="true"/>
-        <AccountType/>
-      </UserInfo>
-    </Owner>
-    <Invited_Teachers xmlns="1249b8ab-053a-46ef-b7db-624f618d251b" xsi:nil="true"/>
-    <DefaultSectionNames xmlns="1249b8ab-053a-46ef-b7db-624f618d251b" xsi:nil="true"/>
-    <NotebookType xmlns="1249b8ab-053a-46ef-b7db-624f618d251b" xsi:nil="true"/>
-    <FolderType xmlns="1249b8ab-053a-46ef-b7db-624f618d251b" xsi:nil="true"/>
-    <AppVersion xmlns="1249b8ab-053a-46ef-b7db-624f618d251b" xsi:nil="true"/>
-    <TeamsChannelId xmlns="1249b8ab-053a-46ef-b7db-624f618d251b" xsi:nil="true"/>
-    <Self_Registration_Enabled xmlns="1249b8ab-053a-46ef-b7db-624f618d251b" xsi:nil="true"/>
-    <IsNotebookLocked xmlns="1249b8ab-053a-46ef-b7db-624f618d251b" xsi:nil="true"/>
-    <_activity xmlns="1249b8ab-053a-46ef-b7db-624f618d251b" xsi:nil="true"/>
-  </documentManagement>
-</p:properties>
+<?mso-contentType ?>
+<FormTemplates xmlns="http://schemas.microsoft.com/sharepoint/v3/contenttype/forms">
+  <Display>DocumentLibraryForm</Display>
+  <Edit>DocumentLibraryForm</Edit>
+  <New>DocumentLibraryForm</New>
+</FormTemplates>
 </file>
 
 <file path=customXml/item2.xml><?xml version="1.0" encoding="utf-8"?>
@@ -6828,22 +10674,62 @@
 </file>
 
 <file path=customXml/item3.xml><?xml version="1.0" encoding="utf-8"?>
-<?mso-contentType ?>
-<FormTemplates xmlns="http://schemas.microsoft.com/sharepoint/v3/contenttype/forms">
-  <Display>DocumentLibraryForm</Display>
-  <Edit>DocumentLibraryForm</Edit>
-  <New>DocumentLibraryForm</New>
-</FormTemplates>
+<p:properties xmlns:p="http://schemas.microsoft.com/office/2006/metadata/properties" xmlns:xsi="http://www.w3.org/2001/XMLSchema-instance" xmlns:pc="http://schemas.microsoft.com/office/infopath/2007/PartnerControls">
+  <documentManagement>
+    <CultureName xmlns="1249b8ab-053a-46ef-b7db-624f618d251b" xsi:nil="true"/>
+    <Students xmlns="1249b8ab-053a-46ef-b7db-624f618d251b">
+      <UserInfo>
+        <DisplayName/>
+        <AccountId xsi:nil="true"/>
+        <AccountType/>
+      </UserInfo>
+    </Students>
+    <Invited_Students xmlns="1249b8ab-053a-46ef-b7db-624f618d251b" xsi:nil="true"/>
+    <Templates xmlns="1249b8ab-053a-46ef-b7db-624f618d251b" xsi:nil="true"/>
+    <Teachers xmlns="1249b8ab-053a-46ef-b7db-624f618d251b">
+      <UserInfo>
+        <DisplayName/>
+        <AccountId xsi:nil="true"/>
+        <AccountType/>
+      </UserInfo>
+    </Teachers>
+    <Student_Groups xmlns="1249b8ab-053a-46ef-b7db-624f618d251b">
+      <UserInfo>
+        <DisplayName/>
+        <AccountId xsi:nil="true"/>
+        <AccountType/>
+      </UserInfo>
+    </Student_Groups>
+    <Distribution_Groups xmlns="1249b8ab-053a-46ef-b7db-624f618d251b" xsi:nil="true"/>
+    <LMS_Mappings xmlns="1249b8ab-053a-46ef-b7db-624f618d251b" xsi:nil="true"/>
+    <Is_Collaboration_Space_Locked xmlns="1249b8ab-053a-46ef-b7db-624f618d251b" xsi:nil="true"/>
+    <Teams_Channel_Section_Location xmlns="1249b8ab-053a-46ef-b7db-624f618d251b" xsi:nil="true"/>
+    <Has_Teacher_Only_SectionGroup xmlns="1249b8ab-053a-46ef-b7db-624f618d251b" xsi:nil="true"/>
+    <Math_Settings xmlns="1249b8ab-053a-46ef-b7db-624f618d251b" xsi:nil="true"/>
+    <Owner xmlns="1249b8ab-053a-46ef-b7db-624f618d251b">
+      <UserInfo>
+        <DisplayName/>
+        <AccountId xsi:nil="true"/>
+        <AccountType/>
+      </UserInfo>
+    </Owner>
+    <Invited_Teachers xmlns="1249b8ab-053a-46ef-b7db-624f618d251b" xsi:nil="true"/>
+    <DefaultSectionNames xmlns="1249b8ab-053a-46ef-b7db-624f618d251b" xsi:nil="true"/>
+    <NotebookType xmlns="1249b8ab-053a-46ef-b7db-624f618d251b" xsi:nil="true"/>
+    <FolderType xmlns="1249b8ab-053a-46ef-b7db-624f618d251b" xsi:nil="true"/>
+    <AppVersion xmlns="1249b8ab-053a-46ef-b7db-624f618d251b" xsi:nil="true"/>
+    <TeamsChannelId xmlns="1249b8ab-053a-46ef-b7db-624f618d251b" xsi:nil="true"/>
+    <Self_Registration_Enabled xmlns="1249b8ab-053a-46ef-b7db-624f618d251b" xsi:nil="true"/>
+    <IsNotebookLocked xmlns="1249b8ab-053a-46ef-b7db-624f618d251b" xsi:nil="true"/>
+    <_activity xmlns="1249b8ab-053a-46ef-b7db-624f618d251b" xsi:nil="true"/>
+  </documentManagement>
+</p:properties>
 </file>
 
 <file path=customXml/itemProps1.xml><?xml version="1.0" encoding="utf-8"?>
-<ds:datastoreItem xmlns:ds="http://schemas.openxmlformats.org/officeDocument/2006/customXml" ds:itemID="{E8B38406-C1FA-47F6-9170-0E159FE9BD48}">
+<ds:datastoreItem xmlns:ds="http://schemas.openxmlformats.org/officeDocument/2006/customXml" ds:itemID="{0C6E3EE3-9DF2-4466-830C-F249E8CF1815}">
   <ds:schemaRefs>
-    <ds:schemaRef ds:uri="http://schemas.microsoft.com/office/2006/metadata/properties"/>
-    <ds:schemaRef ds:uri="http://www.w3.org/2000/xmlns/"/>
-    <ds:schemaRef ds:uri="1249b8ab-053a-46ef-b7db-624f618d251b"/>
-    <ds:schemaRef ds:uri="http://www.w3.org/2001/XMLSchema-instance"/>
-    <ds:schemaRef ds:uri="http://schemas.microsoft.com/office/infopath/2007/PartnerControls"/>
+    <ds:schemaRef ds:uri="http://schemas.microsoft.com/sharepoint/v3/contenttype/forms"/>
   </ds:schemaRefs>
 </ds:datastoreItem>
 </file>
@@ -6869,9 +10755,13 @@
 </file>
 
 <file path=customXml/itemProps3.xml><?xml version="1.0" encoding="utf-8"?>
-<ds:datastoreItem xmlns:ds="http://schemas.openxmlformats.org/officeDocument/2006/customXml" ds:itemID="{0C6E3EE3-9DF2-4466-830C-F249E8CF1815}">
+<ds:datastoreItem xmlns:ds="http://schemas.openxmlformats.org/officeDocument/2006/customXml" ds:itemID="{E8B38406-C1FA-47F6-9170-0E159FE9BD48}">
   <ds:schemaRefs>
-    <ds:schemaRef ds:uri="http://schemas.microsoft.com/sharepoint/v3/contenttype/forms"/>
+    <ds:schemaRef ds:uri="http://schemas.microsoft.com/office/2006/metadata/properties"/>
+    <ds:schemaRef ds:uri="http://www.w3.org/2000/xmlns/"/>
+    <ds:schemaRef ds:uri="1249b8ab-053a-46ef-b7db-624f618d251b"/>
+    <ds:schemaRef ds:uri="http://www.w3.org/2001/XMLSchema-instance"/>
+    <ds:schemaRef ds:uri="http://schemas.microsoft.com/office/infopath/2007/PartnerControls"/>
   </ds:schemaRefs>
 </ds:datastoreItem>
 </file>
--- a/alcoholquestions.pptx
+++ b/alcoholquestions.pptx
@@ -3,18 +3,16 @@
 <p:presentation xmlns:a="http://schemas.openxmlformats.org/drawingml/2006/main" xmlns:r="http://schemas.openxmlformats.org/officeDocument/2006/relationships" xmlns:p="http://schemas.openxmlformats.org/presentationml/2006/main" saveSubsetFonts="1">
   <p:sldMasterIdLst>
     <p:sldMasterId id="2147483648" r:id="rId4"/>
-    <p:sldMasterId id="2147483663" r:id="rId5"/>
-    <p:sldMasterId id="2147483661" r:id="rId6"/>
   </p:sldMasterIdLst>
   <p:sldIdLst>
-    <p:sldId id="337" r:id="rId7"/>
-    <p:sldId id="260" r:id="rId8"/>
-    <p:sldId id="332" r:id="rId9"/>
-    <p:sldId id="333" r:id="rId10"/>
-    <p:sldId id="334" r:id="rId11"/>
-    <p:sldId id="335" r:id="rId12"/>
-    <p:sldId id="336" r:id="rId13"/>
-    <p:sldId id="338" r:id="rId14"/>
+    <p:sldId id="337" r:id="rId5"/>
+    <p:sldId id="260" r:id="rId6"/>
+    <p:sldId id="332" r:id="rId7"/>
+    <p:sldId id="333" r:id="rId8"/>
+    <p:sldId id="334" r:id="rId9"/>
+    <p:sldId id="335" r:id="rId10"/>
+    <p:sldId id="336" r:id="rId11"/>
+    <p:sldId id="338" r:id="rId12"/>
   </p:sldIdLst>
   <p:sldSz cx="12192000" cy="6858000"/>
   <p:notesSz cx="6858000" cy="9144000"/>
@@ -133,8 +131,8 @@
 <pc:chgInfo xmlns:a="http://schemas.openxmlformats.org/drawingml/2006/main" xmlns:r="http://schemas.openxmlformats.org/officeDocument/2006/relationships" xmlns:ac="http://schemas.microsoft.com/office/drawing/2013/main/command" xmlns:pc="http://schemas.microsoft.com/office/powerpoint/2013/main/command">
   <pc:docChgLst>
     <pc:chgData name="Brennan Brown" userId="bcf6cc9e-21d7-4e63-b7dc-a8459bd698b0" providerId="ADAL" clId="{30F1509B-5785-4C08-8791-C8021B43727B}"/>
-    <pc:docChg chg="undo redo custSel addSld delSld modSld sldOrd">
-      <pc:chgData name="Brennan Brown" userId="bcf6cc9e-21d7-4e63-b7dc-a8459bd698b0" providerId="ADAL" clId="{30F1509B-5785-4C08-8791-C8021B43727B}" dt="2026-02-19T15:10:55.640" v="160" actId="680"/>
+    <pc:docChg chg="undo redo custSel addSld delSld modSld sldOrd delMainMaster modMainMaster">
+      <pc:chgData name="Brennan Brown" userId="bcf6cc9e-21d7-4e63-b7dc-a8459bd698b0" providerId="ADAL" clId="{30F1509B-5785-4C08-8791-C8021B43727B}" dt="2026-02-19T15:26:40.760" v="164" actId="20578"/>
       <pc:docMkLst>
         <pc:docMk/>
       </pc:docMkLst>
@@ -403,6 +401,80 @@
           <pc:sldMk cId="2336822022" sldId="338"/>
         </pc:sldMkLst>
       </pc:sldChg>
+      <pc:sldMasterChg chg="modSldLayout sldLayoutOrd">
+        <pc:chgData name="Brennan Brown" userId="bcf6cc9e-21d7-4e63-b7dc-a8459bd698b0" providerId="ADAL" clId="{30F1509B-5785-4C08-8791-C8021B43727B}" dt="2026-02-19T15:26:40.760" v="164" actId="20578"/>
+        <pc:sldMasterMkLst>
+          <pc:docMk/>
+          <pc:sldMasterMk cId="2719746289" sldId="2147483648"/>
+        </pc:sldMasterMkLst>
+        <pc:sldLayoutChg chg="modSp mod ord">
+          <pc:chgData name="Brennan Brown" userId="bcf6cc9e-21d7-4e63-b7dc-a8459bd698b0" providerId="ADAL" clId="{30F1509B-5785-4C08-8791-C8021B43727B}" dt="2026-02-19T15:26:40.760" v="164" actId="20578"/>
+          <pc:sldLayoutMkLst>
+            <pc:docMk/>
+            <pc:sldMasterMk cId="2719746289" sldId="2147483648"/>
+            <pc:sldLayoutMk cId="4287922626" sldId="2147483664"/>
+          </pc:sldLayoutMkLst>
+          <pc:spChg chg="mod">
+            <ac:chgData name="Brennan Brown" userId="bcf6cc9e-21d7-4e63-b7dc-a8459bd698b0" providerId="ADAL" clId="{30F1509B-5785-4C08-8791-C8021B43727B}" dt="2026-02-19T15:26:33.258" v="161" actId="20578"/>
+            <ac:spMkLst>
+              <pc:docMk/>
+              <pc:sldMasterMk cId="2719746289" sldId="2147483648"/>
+              <pc:sldLayoutMk cId="4287922626" sldId="2147483664"/>
+              <ac:spMk id="3" creationId="{53B03F67-3C42-E25A-AA44-5B427B056A92}"/>
+            </ac:spMkLst>
+          </pc:spChg>
+          <pc:spChg chg="mod">
+            <ac:chgData name="Brennan Brown" userId="bcf6cc9e-21d7-4e63-b7dc-a8459bd698b0" providerId="ADAL" clId="{30F1509B-5785-4C08-8791-C8021B43727B}" dt="2026-02-19T15:26:33.258" v="161" actId="20578"/>
+            <ac:spMkLst>
+              <pc:docMk/>
+              <pc:sldMasterMk cId="2719746289" sldId="2147483648"/>
+              <pc:sldLayoutMk cId="4287922626" sldId="2147483664"/>
+              <ac:spMk id="4" creationId="{0DCF314A-8DBA-7851-DCAF-E342F19BBC02}"/>
+            </ac:spMkLst>
+          </pc:spChg>
+          <pc:spChg chg="mod">
+            <ac:chgData name="Brennan Brown" userId="bcf6cc9e-21d7-4e63-b7dc-a8459bd698b0" providerId="ADAL" clId="{30F1509B-5785-4C08-8791-C8021B43727B}" dt="2026-02-19T15:26:33.258" v="161" actId="20578"/>
+            <ac:spMkLst>
+              <pc:docMk/>
+              <pc:sldMasterMk cId="2719746289" sldId="2147483648"/>
+              <pc:sldLayoutMk cId="4287922626" sldId="2147483664"/>
+              <ac:spMk id="5" creationId="{148A27ED-849B-00B9-A1F8-C55EE4FB5FAB}"/>
+            </ac:spMkLst>
+          </pc:spChg>
+          <pc:spChg chg="mod">
+            <ac:chgData name="Brennan Brown" userId="bcf6cc9e-21d7-4e63-b7dc-a8459bd698b0" providerId="ADAL" clId="{30F1509B-5785-4C08-8791-C8021B43727B}" dt="2026-02-19T15:26:33.258" v="161" actId="20578"/>
+            <ac:spMkLst>
+              <pc:docMk/>
+              <pc:sldMasterMk cId="2719746289" sldId="2147483648"/>
+              <pc:sldLayoutMk cId="4287922626" sldId="2147483664"/>
+              <ac:spMk id="10" creationId="{14578564-A4C4-EA78-D47E-E92343EE0E03}"/>
+            </ac:spMkLst>
+          </pc:spChg>
+          <pc:spChg chg="mod">
+            <ac:chgData name="Brennan Brown" userId="bcf6cc9e-21d7-4e63-b7dc-a8459bd698b0" providerId="ADAL" clId="{30F1509B-5785-4C08-8791-C8021B43727B}" dt="2026-02-19T15:26:33.258" v="161" actId="20578"/>
+            <ac:spMkLst>
+              <pc:docMk/>
+              <pc:sldMasterMk cId="2719746289" sldId="2147483648"/>
+              <pc:sldLayoutMk cId="4287922626" sldId="2147483664"/>
+              <ac:spMk id="12" creationId="{E8A66693-428B-9B46-4C50-83EB3AE80C3E}"/>
+            </ac:spMkLst>
+          </pc:spChg>
+        </pc:sldLayoutChg>
+      </pc:sldMasterChg>
+      <pc:sldMasterChg chg="del">
+        <pc:chgData name="Brennan Brown" userId="bcf6cc9e-21d7-4e63-b7dc-a8459bd698b0" providerId="ADAL" clId="{30F1509B-5785-4C08-8791-C8021B43727B}" dt="2026-02-19T15:26:37.515" v="163" actId="2696"/>
+        <pc:sldMasterMkLst>
+          <pc:docMk/>
+          <pc:sldMasterMk cId="1398555496" sldId="2147483661"/>
+        </pc:sldMasterMkLst>
+      </pc:sldMasterChg>
+      <pc:sldMasterChg chg="del sldLayoutOrd">
+        <pc:chgData name="Brennan Brown" userId="bcf6cc9e-21d7-4e63-b7dc-a8459bd698b0" providerId="ADAL" clId="{30F1509B-5785-4C08-8791-C8021B43727B}" dt="2026-02-19T15:26:36.644" v="162" actId="2696"/>
+        <pc:sldMasterMkLst>
+          <pc:docMk/>
+          <pc:sldMasterMk cId="2719895689" sldId="2147483663"/>
+        </pc:sldMasterMkLst>
+      </pc:sldMasterChg>
     </pc:docChg>
   </pc:docChgLst>
 </pc:chgInfo>
@@ -629,6 +701,119 @@
 </file>
 
 <file path=ppt/slideLayouts/slideLayout10.xml><?xml version="1.0" encoding="utf-8"?>
+<p:sldLayout xmlns:a="http://schemas.openxmlformats.org/drawingml/2006/main" xmlns:r="http://schemas.openxmlformats.org/officeDocument/2006/relationships" xmlns:p="http://schemas.openxmlformats.org/presentationml/2006/main" type="blank" preserve="1">
+  <p:cSld name="Blank">
+    <p:spTree>
+      <p:nvGrpSpPr>
+        <p:cNvPr id="1" name=""/>
+        <p:cNvGrpSpPr/>
+        <p:nvPr/>
+      </p:nvGrpSpPr>
+      <p:grpSpPr>
+        <a:xfrm>
+          <a:off x="0" y="0"/>
+          <a:ext cx="0" cy="0"/>
+          <a:chOff x="0" y="0"/>
+          <a:chExt cx="0" cy="0"/>
+        </a:xfrm>
+      </p:grpSpPr>
+      <p:sp>
+        <p:nvSpPr>
+          <p:cNvPr id="2" name="Date Placeholder 1">
+            <a:extLst>
+              <a:ext uri="{FF2B5EF4-FFF2-40B4-BE49-F238E27FC236}">
+                <a16:creationId xmlns:a16="http://schemas.microsoft.com/office/drawing/2014/main" id="{F527DD7A-35FD-4374-8631-FFA5E1259E09}"/>
+              </a:ext>
+            </a:extLst>
+          </p:cNvPr>
+          <p:cNvSpPr>
+            <a:spLocks noGrp="1"/>
+          </p:cNvSpPr>
+          <p:nvPr>
+            <p:ph type="dt" sz="half" idx="10"/>
+          </p:nvPr>
+        </p:nvSpPr>
+        <p:spPr/>
+        <p:txBody>
+          <a:bodyPr/>
+          <a:lstStyle/>
+          <a:p>
+            <a:fld id="{13014762-DFFB-4EBE-8655-EB0D0E44861E}" type="datetimeFigureOut">
+              <a:rPr lang="en-US" smtClean="0"/>
+              <a:t>2/19/2026</a:t>
+            </a:fld>
+            <a:endParaRPr lang="en-US"/>
+          </a:p>
+        </p:txBody>
+      </p:sp>
+      <p:sp>
+        <p:nvSpPr>
+          <p:cNvPr id="3" name="Footer Placeholder 2">
+            <a:extLst>
+              <a:ext uri="{FF2B5EF4-FFF2-40B4-BE49-F238E27FC236}">
+                <a16:creationId xmlns:a16="http://schemas.microsoft.com/office/drawing/2014/main" id="{FA1CAD15-EA38-42C9-9F11-CDB7DDBA3079}"/>
+              </a:ext>
+            </a:extLst>
+          </p:cNvPr>
+          <p:cNvSpPr>
+            <a:spLocks noGrp="1"/>
+          </p:cNvSpPr>
+          <p:nvPr>
+            <p:ph type="ftr" sz="quarter" idx="11"/>
+          </p:nvPr>
+        </p:nvSpPr>
+        <p:spPr/>
+        <p:txBody>
+          <a:bodyPr/>
+          <a:lstStyle/>
+          <a:p>
+            <a:endParaRPr lang="en-US"/>
+          </a:p>
+        </p:txBody>
+      </p:sp>
+      <p:sp>
+        <p:nvSpPr>
+          <p:cNvPr id="4" name="Slide Number Placeholder 3">
+            <a:extLst>
+              <a:ext uri="{FF2B5EF4-FFF2-40B4-BE49-F238E27FC236}">
+                <a16:creationId xmlns:a16="http://schemas.microsoft.com/office/drawing/2014/main" id="{58C030A8-FBDF-47AF-819D-2F006685B502}"/>
+              </a:ext>
+            </a:extLst>
+          </p:cNvPr>
+          <p:cNvSpPr>
+            <a:spLocks noGrp="1"/>
+          </p:cNvSpPr>
+          <p:nvPr>
+            <p:ph type="sldNum" sz="quarter" idx="12"/>
+          </p:nvPr>
+        </p:nvSpPr>
+        <p:spPr/>
+        <p:txBody>
+          <a:bodyPr/>
+          <a:lstStyle/>
+          <a:p>
+            <a:fld id="{698B0EB1-831C-4439-A09B-221EC37904F7}" type="slidenum">
+              <a:rPr lang="en-US" smtClean="0"/>
+              <a:t>‹#›</a:t>
+            </a:fld>
+            <a:endParaRPr lang="en-US"/>
+          </a:p>
+        </p:txBody>
+      </p:sp>
+    </p:spTree>
+    <p:extLst>
+      <p:ext uri="{BB962C8B-B14F-4D97-AF65-F5344CB8AC3E}">
+        <p14:creationId xmlns:p14="http://schemas.microsoft.com/office/powerpoint/2010/main" val="66846930"/>
+      </p:ext>
+    </p:extLst>
+  </p:cSld>
+  <p:clrMapOvr>
+    <a:masterClrMapping/>
+  </p:clrMapOvr>
+</p:sldLayout>
+</file>
+
+<file path=ppt/slideLayouts/slideLayout11.xml><?xml version="1.0" encoding="utf-8"?>
 <p:sldLayout xmlns:a="http://schemas.openxmlformats.org/drawingml/2006/main" xmlns:r="http://schemas.openxmlformats.org/officeDocument/2006/relationships" xmlns:p="http://schemas.openxmlformats.org/presentationml/2006/main" type="objTx" preserve="1">
   <p:cSld name="Content with Caption">
     <p:spTree>
@@ -939,7 +1124,7 @@
 </p:sldLayout>
 </file>
 
-<file path=ppt/slideLayouts/slideLayout11.xml><?xml version="1.0" encoding="utf-8"?>
+<file path=ppt/slideLayouts/slideLayout12.xml><?xml version="1.0" encoding="utf-8"?>
 <p:sldLayout xmlns:a="http://schemas.openxmlformats.org/drawingml/2006/main" xmlns:r="http://schemas.openxmlformats.org/officeDocument/2006/relationships" xmlns:p="http://schemas.openxmlformats.org/presentationml/2006/main" type="picTx" preserve="1">
   <p:cSld name="Picture with Caption">
     <p:spTree>
@@ -1230,7 +1415,7 @@
 </p:sldLayout>
 </file>
 
-<file path=ppt/slideLayouts/slideLayout12.xml><?xml version="1.0" encoding="utf-8"?>
+<file path=ppt/slideLayouts/slideLayout13.xml><?xml version="1.0" encoding="utf-8"?>
 <p:sldLayout xmlns:a="http://schemas.openxmlformats.org/drawingml/2006/main" xmlns:r="http://schemas.openxmlformats.org/officeDocument/2006/relationships" xmlns:p="http://schemas.openxmlformats.org/presentationml/2006/main" type="vertTx" preserve="1">
   <p:cSld name="Title and Vertical Text">
     <p:spTree>
@@ -1428,7 +1613,7 @@
 </p:sldLayout>
 </file>
 
-<file path=ppt/slideLayouts/slideLayout13.xml><?xml version="1.0" encoding="utf-8"?>
+<file path=ppt/slideLayouts/slideLayout14.xml><?xml version="1.0" encoding="utf-8"?>
 <p:sldLayout xmlns:a="http://schemas.openxmlformats.org/drawingml/2006/main" xmlns:r="http://schemas.openxmlformats.org/officeDocument/2006/relationships" xmlns:p="http://schemas.openxmlformats.org/presentationml/2006/main" type="vertTitleAndTx" preserve="1">
   <p:cSld name="Vertical Title and Text">
     <p:spTree>
@@ -1636,7 +1821,148 @@
 </p:sldLayout>
 </file>
 
-<file path=ppt/slideLayouts/slideLayout14.xml><?xml version="1.0" encoding="utf-8"?>
+<file path=ppt/slideLayouts/slideLayout2.xml><?xml version="1.0" encoding="utf-8"?>
+<p:sldLayout xmlns:a="http://schemas.openxmlformats.org/drawingml/2006/main" xmlns:r="http://schemas.openxmlformats.org/officeDocument/2006/relationships" xmlns:p="http://schemas.openxmlformats.org/presentationml/2006/main" preserve="1" userDrawn="1">
+  <p:cSld name="Custom Layout">
+    <p:spTree>
+      <p:nvGrpSpPr>
+        <p:cNvPr id="1" name=""/>
+        <p:cNvGrpSpPr/>
+        <p:nvPr/>
+      </p:nvGrpSpPr>
+      <p:grpSpPr>
+        <a:xfrm>
+          <a:off x="0" y="0"/>
+          <a:ext cx="0" cy="0"/>
+          <a:chOff x="0" y="0"/>
+          <a:chExt cx="0" cy="0"/>
+        </a:xfrm>
+      </p:grpSpPr>
+      <p:sp>
+        <p:nvSpPr>
+          <p:cNvPr id="2" name="Title 1">
+            <a:extLst>
+              <a:ext uri="{FF2B5EF4-FFF2-40B4-BE49-F238E27FC236}">
+                <a16:creationId xmlns:a16="http://schemas.microsoft.com/office/drawing/2014/main" id="{0CDA8AA7-8EA0-59A2-B496-71DF0D135F02}"/>
+              </a:ext>
+            </a:extLst>
+          </p:cNvPr>
+          <p:cNvSpPr>
+            <a:spLocks noGrp="1"/>
+          </p:cNvSpPr>
+          <p:nvPr>
+            <p:ph type="title"/>
+          </p:nvPr>
+        </p:nvSpPr>
+        <p:spPr/>
+        <p:txBody>
+          <a:bodyPr/>
+          <a:lstStyle/>
+          <a:p>
+            <a:r>
+              <a:rPr lang="en-US"/>
+              <a:t>Click to edit Master title style</a:t>
+            </a:r>
+          </a:p>
+        </p:txBody>
+      </p:sp>
+      <p:sp>
+        <p:nvSpPr>
+          <p:cNvPr id="3" name="Date Placeholder 2">
+            <a:extLst>
+              <a:ext uri="{FF2B5EF4-FFF2-40B4-BE49-F238E27FC236}">
+                <a16:creationId xmlns:a16="http://schemas.microsoft.com/office/drawing/2014/main" id="{BA49D652-4E7E-92A9-BF62-A14DE5F061F4}"/>
+              </a:ext>
+            </a:extLst>
+          </p:cNvPr>
+          <p:cNvSpPr>
+            <a:spLocks noGrp="1"/>
+          </p:cNvSpPr>
+          <p:nvPr>
+            <p:ph type="dt" sz="half" idx="10"/>
+          </p:nvPr>
+        </p:nvSpPr>
+        <p:spPr/>
+        <p:txBody>
+          <a:bodyPr/>
+          <a:lstStyle/>
+          <a:p>
+            <a:fld id="{13014762-DFFB-4EBE-8655-EB0D0E44861E}" type="datetimeFigureOut">
+              <a:rPr lang="en-US" smtClean="0"/>
+              <a:t>2/19/2026</a:t>
+            </a:fld>
+            <a:endParaRPr lang="en-US"/>
+          </a:p>
+        </p:txBody>
+      </p:sp>
+      <p:sp>
+        <p:nvSpPr>
+          <p:cNvPr id="4" name="Footer Placeholder 3">
+            <a:extLst>
+              <a:ext uri="{FF2B5EF4-FFF2-40B4-BE49-F238E27FC236}">
+                <a16:creationId xmlns:a16="http://schemas.microsoft.com/office/drawing/2014/main" id="{D733C40B-E264-B308-7B73-F01C193F1EBF}"/>
+              </a:ext>
+            </a:extLst>
+          </p:cNvPr>
+          <p:cNvSpPr>
+            <a:spLocks noGrp="1"/>
+          </p:cNvSpPr>
+          <p:nvPr>
+            <p:ph type="ftr" sz="quarter" idx="11"/>
+          </p:nvPr>
+        </p:nvSpPr>
+        <p:spPr/>
+        <p:txBody>
+          <a:bodyPr/>
+          <a:lstStyle/>
+          <a:p>
+            <a:endParaRPr lang="en-US"/>
+          </a:p>
+        </p:txBody>
+      </p:sp>
+      <p:sp>
+        <p:nvSpPr>
+          <p:cNvPr id="5" name="Slide Number Placeholder 4">
+            <a:extLst>
+              <a:ext uri="{FF2B5EF4-FFF2-40B4-BE49-F238E27FC236}">
+                <a16:creationId xmlns:a16="http://schemas.microsoft.com/office/drawing/2014/main" id="{6032C9BD-71E5-5F2C-D1DE-F17F1267F704}"/>
+              </a:ext>
+            </a:extLst>
+          </p:cNvPr>
+          <p:cNvSpPr>
+            <a:spLocks noGrp="1"/>
+          </p:cNvSpPr>
+          <p:nvPr>
+            <p:ph type="sldNum" sz="quarter" idx="12"/>
+          </p:nvPr>
+        </p:nvSpPr>
+        <p:spPr/>
+        <p:txBody>
+          <a:bodyPr/>
+          <a:lstStyle/>
+          <a:p>
+            <a:fld id="{698B0EB1-831C-4439-A09B-221EC37904F7}" type="slidenum">
+              <a:rPr lang="en-US" smtClean="0"/>
+              <a:t>‹#›</a:t>
+            </a:fld>
+            <a:endParaRPr lang="en-US"/>
+          </a:p>
+        </p:txBody>
+      </p:sp>
+    </p:spTree>
+    <p:extLst>
+      <p:ext uri="{BB962C8B-B14F-4D97-AF65-F5344CB8AC3E}">
+        <p14:creationId xmlns:p14="http://schemas.microsoft.com/office/powerpoint/2010/main" val="845933481"/>
+      </p:ext>
+    </p:extLst>
+  </p:cSld>
+  <p:clrMapOvr>
+    <a:masterClrMapping/>
+  </p:clrMapOvr>
+</p:sldLayout>
+</file>
+
+<file path=ppt/slideLayouts/slideLayout3.xml><?xml version="1.0" encoding="utf-8"?>
 <p:sldLayout xmlns:a="http://schemas.openxmlformats.org/drawingml/2006/main" xmlns:r="http://schemas.openxmlformats.org/officeDocument/2006/relationships" xmlns:p="http://schemas.openxmlformats.org/presentationml/2006/main" preserve="1" userDrawn="1">
   <p:cSld name="Q&amp;A 2">
     <p:spTree>
@@ -2661,148 +2987,7 @@
 </p:sldLayout>
 </file>
 
-<file path=ppt/slideLayouts/slideLayout2.xml><?xml version="1.0" encoding="utf-8"?>
-<p:sldLayout xmlns:a="http://schemas.openxmlformats.org/drawingml/2006/main" xmlns:r="http://schemas.openxmlformats.org/officeDocument/2006/relationships" xmlns:p="http://schemas.openxmlformats.org/presentationml/2006/main" preserve="1" userDrawn="1">
-  <p:cSld name="Custom Layout">
-    <p:spTree>
-      <p:nvGrpSpPr>
-        <p:cNvPr id="1" name=""/>
-        <p:cNvGrpSpPr/>
-        <p:nvPr/>
-      </p:nvGrpSpPr>
-      <p:grpSpPr>
-        <a:xfrm>
-          <a:off x="0" y="0"/>
-          <a:ext cx="0" cy="0"/>
-          <a:chOff x="0" y="0"/>
-          <a:chExt cx="0" cy="0"/>
-        </a:xfrm>
-      </p:grpSpPr>
-      <p:sp>
-        <p:nvSpPr>
-          <p:cNvPr id="2" name="Title 1">
-            <a:extLst>
-              <a:ext uri="{FF2B5EF4-FFF2-40B4-BE49-F238E27FC236}">
-                <a16:creationId xmlns:a16="http://schemas.microsoft.com/office/drawing/2014/main" id="{0CDA8AA7-8EA0-59A2-B496-71DF0D135F02}"/>
-              </a:ext>
-            </a:extLst>
-          </p:cNvPr>
-          <p:cNvSpPr>
-            <a:spLocks noGrp="1"/>
-          </p:cNvSpPr>
-          <p:nvPr>
-            <p:ph type="title"/>
-          </p:nvPr>
-        </p:nvSpPr>
-        <p:spPr/>
-        <p:txBody>
-          <a:bodyPr/>
-          <a:lstStyle/>
-          <a:p>
-            <a:r>
-              <a:rPr lang="en-US"/>
-              <a:t>Click to edit Master title style</a:t>
-            </a:r>
-          </a:p>
-        </p:txBody>
-      </p:sp>
-      <p:sp>
-        <p:nvSpPr>
-          <p:cNvPr id="3" name="Date Placeholder 2">
-            <a:extLst>
-              <a:ext uri="{FF2B5EF4-FFF2-40B4-BE49-F238E27FC236}">
-                <a16:creationId xmlns:a16="http://schemas.microsoft.com/office/drawing/2014/main" id="{BA49D652-4E7E-92A9-BF62-A14DE5F061F4}"/>
-              </a:ext>
-            </a:extLst>
-          </p:cNvPr>
-          <p:cNvSpPr>
-            <a:spLocks noGrp="1"/>
-          </p:cNvSpPr>
-          <p:nvPr>
-            <p:ph type="dt" sz="half" idx="10"/>
-          </p:nvPr>
-        </p:nvSpPr>
-        <p:spPr/>
-        <p:txBody>
-          <a:bodyPr/>
-          <a:lstStyle/>
-          <a:p>
-            <a:fld id="{13014762-DFFB-4EBE-8655-EB0D0E44861E}" type="datetimeFigureOut">
-              <a:rPr lang="en-US" smtClean="0"/>
-              <a:t>2/19/2026</a:t>
-            </a:fld>
-            <a:endParaRPr lang="en-US"/>
-          </a:p>
-        </p:txBody>
-      </p:sp>
-      <p:sp>
-        <p:nvSpPr>
-          <p:cNvPr id="4" name="Footer Placeholder 3">
-            <a:extLst>
-              <a:ext uri="{FF2B5EF4-FFF2-40B4-BE49-F238E27FC236}">
-                <a16:creationId xmlns:a16="http://schemas.microsoft.com/office/drawing/2014/main" id="{D733C40B-E264-B308-7B73-F01C193F1EBF}"/>
-              </a:ext>
-            </a:extLst>
-          </p:cNvPr>
-          <p:cNvSpPr>
-            <a:spLocks noGrp="1"/>
-          </p:cNvSpPr>
-          <p:nvPr>
-            <p:ph type="ftr" sz="quarter" idx="11"/>
-          </p:nvPr>
-        </p:nvSpPr>
-        <p:spPr/>
-        <p:txBody>
-          <a:bodyPr/>
-          <a:lstStyle/>
-          <a:p>
-            <a:endParaRPr lang="en-US"/>
-          </a:p>
-        </p:txBody>
-      </p:sp>
-      <p:sp>
-        <p:nvSpPr>
-          <p:cNvPr id="5" name="Slide Number Placeholder 4">
-            <a:extLst>
-              <a:ext uri="{FF2B5EF4-FFF2-40B4-BE49-F238E27FC236}">
-                <a16:creationId xmlns:a16="http://schemas.microsoft.com/office/drawing/2014/main" id="{6032C9BD-71E5-5F2C-D1DE-F17F1267F704}"/>
-              </a:ext>
-            </a:extLst>
-          </p:cNvPr>
-          <p:cNvSpPr>
-            <a:spLocks noGrp="1"/>
-          </p:cNvSpPr>
-          <p:nvPr>
-            <p:ph type="sldNum" sz="quarter" idx="12"/>
-          </p:nvPr>
-        </p:nvSpPr>
-        <p:spPr/>
-        <p:txBody>
-          <a:bodyPr/>
-          <a:lstStyle/>
-          <a:p>
-            <a:fld id="{698B0EB1-831C-4439-A09B-221EC37904F7}" type="slidenum">
-              <a:rPr lang="en-US" smtClean="0"/>
-              <a:t>‹#›</a:t>
-            </a:fld>
-            <a:endParaRPr lang="en-US"/>
-          </a:p>
-        </p:txBody>
-      </p:sp>
-    </p:spTree>
-    <p:extLst>
-      <p:ext uri="{BB962C8B-B14F-4D97-AF65-F5344CB8AC3E}">
-        <p14:creationId xmlns:p14="http://schemas.microsoft.com/office/powerpoint/2010/main" val="845933481"/>
-      </p:ext>
-    </p:extLst>
-  </p:cSld>
-  <p:clrMapOvr>
-    <a:masterClrMapping/>
-  </p:clrMapOvr>
-</p:sldLayout>
-</file>
-
-<file path=ppt/slideLayouts/slideLayout3.xml><?xml version="1.0" encoding="utf-8"?>
+<file path=ppt/slideLayouts/slideLayout4.xml><?xml version="1.0" encoding="utf-8"?>
 <p:sldLayout xmlns:a="http://schemas.openxmlformats.org/drawingml/2006/main" xmlns:r="http://schemas.openxmlformats.org/officeDocument/2006/relationships" xmlns:p="http://schemas.openxmlformats.org/presentationml/2006/main" preserve="1" userDrawn="1">
   <p:cSld name="Question and Answer ">
     <p:spTree>
@@ -3488,7 +3673,7 @@
 </p:sldLayout>
 </file>
 
-<file path=ppt/slideLayouts/slideLayout4.xml><?xml version="1.0" encoding="utf-8"?>
+<file path=ppt/slideLayouts/slideLayout5.xml><?xml version="1.0" encoding="utf-8"?>
 <p:sldLayout xmlns:a="http://schemas.openxmlformats.org/drawingml/2006/main" xmlns:r="http://schemas.openxmlformats.org/officeDocument/2006/relationships" xmlns:p="http://schemas.openxmlformats.org/presentationml/2006/main" type="obj" preserve="1">
   <p:cSld name="Title and Content">
     <p:spTree>
@@ -3686,7 +3871,7 @@
 </p:sldLayout>
 </file>
 
-<file path=ppt/slideLayouts/slideLayout5.xml><?xml version="1.0" encoding="utf-8"?>
+<file path=ppt/slideLayouts/slideLayout6.xml><?xml version="1.0" encoding="utf-8"?>
 <p:sldLayout xmlns:a="http://schemas.openxmlformats.org/drawingml/2006/main" xmlns:r="http://schemas.openxmlformats.org/officeDocument/2006/relationships" xmlns:p="http://schemas.openxmlformats.org/presentationml/2006/main" type="secHead" preserve="1">
   <p:cSld name="Section Header">
     <p:spTree>
@@ -3961,7 +4146,7 @@
 </p:sldLayout>
 </file>
 
-<file path=ppt/slideLayouts/slideLayout6.xml><?xml version="1.0" encoding="utf-8"?>
+<file path=ppt/slideLayouts/slideLayout7.xml><?xml version="1.0" encoding="utf-8"?>
 <p:sldLayout xmlns:a="http://schemas.openxmlformats.org/drawingml/2006/main" xmlns:r="http://schemas.openxmlformats.org/officeDocument/2006/relationships" xmlns:p="http://schemas.openxmlformats.org/presentationml/2006/main" type="twoObj" preserve="1">
   <p:cSld name="Two Content">
     <p:spTree>
@@ -4226,7 +4411,7 @@
 </p:sldLayout>
 </file>
 
-<file path=ppt/slideLayouts/slideLayout7.xml><?xml version="1.0" encoding="utf-8"?>
+<file path=ppt/slideLayouts/slideLayout8.xml><?xml version="1.0" encoding="utf-8"?>
 <p:sldLayout xmlns:a="http://schemas.openxmlformats.org/drawingml/2006/main" xmlns:r="http://schemas.openxmlformats.org/officeDocument/2006/relationships" xmlns:p="http://schemas.openxmlformats.org/presentationml/2006/main" type="twoTxTwoObj" preserve="1">
   <p:cSld name="Comparison">
     <p:spTree>
@@ -4638,7 +4823,7 @@
 </p:sldLayout>
 </file>
 
-<file path=ppt/slideLayouts/slideLayout8.xml><?xml version="1.0" encoding="utf-8"?>
+<file path=ppt/slideLayouts/slideLayout9.xml><?xml version="1.0" encoding="utf-8"?>
 <p:sldLayout xmlns:a="http://schemas.openxmlformats.org/drawingml/2006/main" xmlns:r="http://schemas.openxmlformats.org/officeDocument/2006/relationships" xmlns:p="http://schemas.openxmlformats.org/presentationml/2006/main" type="titleOnly" preserve="1">
   <p:cSld name="Title Only">
     <p:spTree>
@@ -4770,119 +4955,6 @@
     <p:extLst>
       <p:ext uri="{BB962C8B-B14F-4D97-AF65-F5344CB8AC3E}">
         <p14:creationId xmlns:p14="http://schemas.microsoft.com/office/powerpoint/2010/main" val="3375470921"/>
-      </p:ext>
-    </p:extLst>
-  </p:cSld>
-  <p:clrMapOvr>
-    <a:masterClrMapping/>
-  </p:clrMapOvr>
-</p:sldLayout>
-</file>
-
-<file path=ppt/slideLayouts/slideLayout9.xml><?xml version="1.0" encoding="utf-8"?>
-<p:sldLayout xmlns:a="http://schemas.openxmlformats.org/drawingml/2006/main" xmlns:r="http://schemas.openxmlformats.org/officeDocument/2006/relationships" xmlns:p="http://schemas.openxmlformats.org/presentationml/2006/main" type="blank" preserve="1">
-  <p:cSld name="Blank">
-    <p:spTree>
-      <p:nvGrpSpPr>
-        <p:cNvPr id="1" name=""/>
-        <p:cNvGrpSpPr/>
-        <p:nvPr/>
-      </p:nvGrpSpPr>
-      <p:grpSpPr>
-        <a:xfrm>
-          <a:off x="0" y="0"/>
-          <a:ext cx="0" cy="0"/>
-          <a:chOff x="0" y="0"/>
-          <a:chExt cx="0" cy="0"/>
-        </a:xfrm>
-      </p:grpSpPr>
-      <p:sp>
-        <p:nvSpPr>
-          <p:cNvPr id="2" name="Date Placeholder 1">
-            <a:extLst>
-              <a:ext uri="{FF2B5EF4-FFF2-40B4-BE49-F238E27FC236}">
-                <a16:creationId xmlns:a16="http://schemas.microsoft.com/office/drawing/2014/main" id="{F527DD7A-35FD-4374-8631-FFA5E1259E09}"/>
-              </a:ext>
-            </a:extLst>
-          </p:cNvPr>
-          <p:cNvSpPr>
-            <a:spLocks noGrp="1"/>
-          </p:cNvSpPr>
-          <p:nvPr>
-            <p:ph type="dt" sz="half" idx="10"/>
-          </p:nvPr>
-        </p:nvSpPr>
-        <p:spPr/>
-        <p:txBody>
-          <a:bodyPr/>
-          <a:lstStyle/>
-          <a:p>
-            <a:fld id="{13014762-DFFB-4EBE-8655-EB0D0E44861E}" type="datetimeFigureOut">
-              <a:rPr lang="en-US" smtClean="0"/>
-              <a:t>2/19/2026</a:t>
-            </a:fld>
-            <a:endParaRPr lang="en-US"/>
-          </a:p>
-        </p:txBody>
-      </p:sp>
-      <p:sp>
-        <p:nvSpPr>
-          <p:cNvPr id="3" name="Footer Placeholder 2">
-            <a:extLst>
-              <a:ext uri="{FF2B5EF4-FFF2-40B4-BE49-F238E27FC236}">
-                <a16:creationId xmlns:a16="http://schemas.microsoft.com/office/drawing/2014/main" id="{FA1CAD15-EA38-42C9-9F11-CDB7DDBA3079}"/>
-              </a:ext>
-            </a:extLst>
-          </p:cNvPr>
-          <p:cNvSpPr>
-            <a:spLocks noGrp="1"/>
-          </p:cNvSpPr>
-          <p:nvPr>
-            <p:ph type="ftr" sz="quarter" idx="11"/>
-          </p:nvPr>
-        </p:nvSpPr>
-        <p:spPr/>
-        <p:txBody>
-          <a:bodyPr/>
-          <a:lstStyle/>
-          <a:p>
-            <a:endParaRPr lang="en-US"/>
-          </a:p>
-        </p:txBody>
-      </p:sp>
-      <p:sp>
-        <p:nvSpPr>
-          <p:cNvPr id="4" name="Slide Number Placeholder 3">
-            <a:extLst>
-              <a:ext uri="{FF2B5EF4-FFF2-40B4-BE49-F238E27FC236}">
-                <a16:creationId xmlns:a16="http://schemas.microsoft.com/office/drawing/2014/main" id="{58C030A8-FBDF-47AF-819D-2F006685B502}"/>
-              </a:ext>
-            </a:extLst>
-          </p:cNvPr>
-          <p:cNvSpPr>
-            <a:spLocks noGrp="1"/>
-          </p:cNvSpPr>
-          <p:nvPr>
-            <p:ph type="sldNum" sz="quarter" idx="12"/>
-          </p:nvPr>
-        </p:nvSpPr>
-        <p:spPr/>
-        <p:txBody>
-          <a:bodyPr/>
-          <a:lstStyle/>
-          <a:p>
-            <a:fld id="{698B0EB1-831C-4439-A09B-221EC37904F7}" type="slidenum">
-              <a:rPr lang="en-US" smtClean="0"/>
-              <a:t>‹#›</a:t>
-            </a:fld>
-            <a:endParaRPr lang="en-US"/>
-          </a:p>
-        </p:txBody>
-      </p:sp>
-    </p:spTree>
-    <p:extLst>
-      <p:ext uri="{BB962C8B-B14F-4D97-AF65-F5344CB8AC3E}">
-        <p14:creationId xmlns:p14="http://schemas.microsoft.com/office/powerpoint/2010/main" val="66846930"/>
       </p:ext>
     </p:extLst>
   </p:cSld>
@@ -5194,7 +5266,7 @@
             <a:avLst/>
           </a:prstGeom>
           <a:blipFill>
-            <a:blip r:embed="rId15"/>
+            <a:blip r:embed="rId16"/>
             <a:stretch>
               <a:fillRect/>
             </a:stretch>
@@ -5401,7 +5473,7 @@
           <p:nvPr userDrawn="1"/>
         </p:nvPicPr>
         <p:blipFill>
-          <a:blip r:embed="rId16"/>
+          <a:blip r:embed="rId17"/>
           <a:stretch>
             <a:fillRect/>
           </a:stretch>
@@ -5437,2149 +5509,19 @@
   <p:sldLayoutIdLst>
     <p:sldLayoutId id="2147483649" r:id="rId1"/>
     <p:sldLayoutId id="2147483662" r:id="rId2"/>
-    <p:sldLayoutId id="2147483660" r:id="rId3"/>
-    <p:sldLayoutId id="2147483650" r:id="rId4"/>
-    <p:sldLayoutId id="2147483651" r:id="rId5"/>
-    <p:sldLayoutId id="2147483652" r:id="rId6"/>
-    <p:sldLayoutId id="2147483653" r:id="rId7"/>
-    <p:sldLayoutId id="2147483654" r:id="rId8"/>
-    <p:sldLayoutId id="2147483655" r:id="rId9"/>
-    <p:sldLayoutId id="2147483656" r:id="rId10"/>
-    <p:sldLayoutId id="2147483657" r:id="rId11"/>
-    <p:sldLayoutId id="2147483658" r:id="rId12"/>
-    <p:sldLayoutId id="2147483659" r:id="rId13"/>
+    <p:sldLayoutId id="2147483664" r:id="rId3"/>
+    <p:sldLayoutId id="2147483660" r:id="rId4"/>
+    <p:sldLayoutId id="2147483650" r:id="rId5"/>
+    <p:sldLayoutId id="2147483651" r:id="rId6"/>
+    <p:sldLayoutId id="2147483652" r:id="rId7"/>
+    <p:sldLayoutId id="2147483653" r:id="rId8"/>
+    <p:sldLayoutId id="2147483654" r:id="rId9"/>
+    <p:sldLayoutId id="2147483655" r:id="rId10"/>
+    <p:sldLayoutId id="2147483656" r:id="rId11"/>
+    <p:sldLayoutId id="2147483657" r:id="rId12"/>
+    <p:sldLayoutId id="2147483658" r:id="rId13"/>
+    <p:sldLayoutId id="2147483659" r:id="rId14"/>
   </p:sldLayoutIdLst>
-  <p:txStyles>
-    <p:titleStyle>
-      <a:lvl1pPr algn="l" defTabSz="914400" rtl="0" eaLnBrk="1" latinLnBrk="0" hangingPunct="1">
-        <a:lnSpc>
-          <a:spcPct val="90000"/>
-        </a:lnSpc>
-        <a:spcBef>
-          <a:spcPct val="0"/>
-        </a:spcBef>
-        <a:buNone/>
-        <a:defRPr sz="4400" kern="1200">
-          <a:solidFill>
-            <a:schemeClr val="tx1"/>
-          </a:solidFill>
-          <a:latin typeface="Vani" panose="02040502050405020303" pitchFamily="18" charset="0"/>
-          <a:ea typeface="+mj-ea"/>
-          <a:cs typeface="Vani" panose="02040502050405020303" pitchFamily="18" charset="0"/>
-        </a:defRPr>
-      </a:lvl1pPr>
-    </p:titleStyle>
-    <p:bodyStyle>
-      <a:lvl1pPr marL="228600" indent="-228600" algn="l" defTabSz="914400" rtl="0" eaLnBrk="1" latinLnBrk="0" hangingPunct="1">
-        <a:lnSpc>
-          <a:spcPct val="90000"/>
-        </a:lnSpc>
-        <a:spcBef>
-          <a:spcPts val="1000"/>
-        </a:spcBef>
-        <a:buFont typeface="Arial" panose="020B0604020202020204" pitchFamily="34" charset="0"/>
-        <a:buChar char="•"/>
-        <a:defRPr sz="2800" kern="1200">
-          <a:solidFill>
-            <a:schemeClr val="tx1"/>
-          </a:solidFill>
-          <a:latin typeface="Vani" panose="02040502050405020303" pitchFamily="18" charset="0"/>
-          <a:ea typeface="+mn-ea"/>
-          <a:cs typeface="Vani" panose="02040502050405020303" pitchFamily="18" charset="0"/>
-        </a:defRPr>
-      </a:lvl1pPr>
-      <a:lvl2pPr marL="685800" indent="-228600" algn="l" defTabSz="914400" rtl="0" eaLnBrk="1" latinLnBrk="0" hangingPunct="1">
-        <a:lnSpc>
-          <a:spcPct val="90000"/>
-        </a:lnSpc>
-        <a:spcBef>
-          <a:spcPts val="500"/>
-        </a:spcBef>
-        <a:buFont typeface="Arial" panose="020B0604020202020204" pitchFamily="34" charset="0"/>
-        <a:buChar char="•"/>
-        <a:defRPr sz="2400" kern="1200">
-          <a:solidFill>
-            <a:schemeClr val="tx1"/>
-          </a:solidFill>
-          <a:latin typeface="Vani" panose="02040502050405020303" pitchFamily="18" charset="0"/>
-          <a:ea typeface="+mn-ea"/>
-          <a:cs typeface="Vani" panose="02040502050405020303" pitchFamily="18" charset="0"/>
-        </a:defRPr>
-      </a:lvl2pPr>
-      <a:lvl3pPr marL="1143000" indent="-228600" algn="l" defTabSz="914400" rtl="0" eaLnBrk="1" latinLnBrk="0" hangingPunct="1">
-        <a:lnSpc>
-          <a:spcPct val="90000"/>
-        </a:lnSpc>
-        <a:spcBef>
-          <a:spcPts val="500"/>
-        </a:spcBef>
-        <a:buFont typeface="Arial" panose="020B0604020202020204" pitchFamily="34" charset="0"/>
-        <a:buChar char="•"/>
-        <a:defRPr sz="2000" kern="1200">
-          <a:solidFill>
-            <a:schemeClr val="tx1"/>
-          </a:solidFill>
-          <a:latin typeface="Vani" panose="02040502050405020303" pitchFamily="18" charset="0"/>
-          <a:ea typeface="+mn-ea"/>
-          <a:cs typeface="Vani" panose="02040502050405020303" pitchFamily="18" charset="0"/>
-        </a:defRPr>
-      </a:lvl3pPr>
-      <a:lvl4pPr marL="1600200" indent="-228600" algn="l" defTabSz="914400" rtl="0" eaLnBrk="1" latinLnBrk="0" hangingPunct="1">
-        <a:lnSpc>
-          <a:spcPct val="90000"/>
-        </a:lnSpc>
-        <a:spcBef>
-          <a:spcPts val="500"/>
-        </a:spcBef>
-        <a:buFont typeface="Arial" panose="020B0604020202020204" pitchFamily="34" charset="0"/>
-        <a:buChar char="•"/>
-        <a:defRPr sz="1800" kern="1200">
-          <a:solidFill>
-            <a:schemeClr val="tx1"/>
-          </a:solidFill>
-          <a:latin typeface="Vani" panose="02040502050405020303" pitchFamily="18" charset="0"/>
-          <a:ea typeface="+mn-ea"/>
-          <a:cs typeface="Vani" panose="02040502050405020303" pitchFamily="18" charset="0"/>
-        </a:defRPr>
-      </a:lvl4pPr>
-      <a:lvl5pPr marL="2057400" indent="-228600" algn="l" defTabSz="914400" rtl="0" eaLnBrk="1" latinLnBrk="0" hangingPunct="1">
-        <a:lnSpc>
-          <a:spcPct val="90000"/>
-        </a:lnSpc>
-        <a:spcBef>
-          <a:spcPts val="500"/>
-        </a:spcBef>
-        <a:buFont typeface="Arial" panose="020B0604020202020204" pitchFamily="34" charset="0"/>
-        <a:buChar char="•"/>
-        <a:defRPr sz="1800" kern="1200">
-          <a:solidFill>
-            <a:schemeClr val="tx1"/>
-          </a:solidFill>
-          <a:latin typeface="Vani" panose="02040502050405020303" pitchFamily="18" charset="0"/>
-          <a:ea typeface="+mn-ea"/>
-          <a:cs typeface="Vani" panose="02040502050405020303" pitchFamily="18" charset="0"/>
-        </a:defRPr>
-      </a:lvl5pPr>
-      <a:lvl6pPr marL="2514600" indent="-228600" algn="l" defTabSz="914400" rtl="0" eaLnBrk="1" latinLnBrk="0" hangingPunct="1">
-        <a:lnSpc>
-          <a:spcPct val="90000"/>
-        </a:lnSpc>
-        <a:spcBef>
-          <a:spcPts val="500"/>
-        </a:spcBef>
-        <a:buFont typeface="Arial" panose="020B0604020202020204" pitchFamily="34" charset="0"/>
-        <a:buChar char="•"/>
-        <a:defRPr sz="1800" kern="1200">
-          <a:solidFill>
-            <a:schemeClr val="tx1"/>
-          </a:solidFill>
-          <a:latin typeface="+mn-lt"/>
-          <a:ea typeface="+mn-ea"/>
-          <a:cs typeface="+mn-cs"/>
-        </a:defRPr>
-      </a:lvl6pPr>
-      <a:lvl7pPr marL="2971800" indent="-228600" algn="l" defTabSz="914400" rtl="0" eaLnBrk="1" latinLnBrk="0" hangingPunct="1">
-        <a:lnSpc>
-          <a:spcPct val="90000"/>
-        </a:lnSpc>
-        <a:spcBef>
-          <a:spcPts val="500"/>
-        </a:spcBef>
-        <a:buFont typeface="Arial" panose="020B0604020202020204" pitchFamily="34" charset="0"/>
-        <a:buChar char="•"/>
-        <a:defRPr sz="1800" kern="1200">
-          <a:solidFill>
-            <a:schemeClr val="tx1"/>
-          </a:solidFill>
-          <a:latin typeface="+mn-lt"/>
-          <a:ea typeface="+mn-ea"/>
-          <a:cs typeface="+mn-cs"/>
-        </a:defRPr>
-      </a:lvl7pPr>
-      <a:lvl8pPr marL="3429000" indent="-228600" algn="l" defTabSz="914400" rtl="0" eaLnBrk="1" latinLnBrk="0" hangingPunct="1">
-        <a:lnSpc>
-          <a:spcPct val="90000"/>
-        </a:lnSpc>
-        <a:spcBef>
-          <a:spcPts val="500"/>
-        </a:spcBef>
-        <a:buFont typeface="Arial" panose="020B0604020202020204" pitchFamily="34" charset="0"/>
-        <a:buChar char="•"/>
-        <a:defRPr sz="1800" kern="1200">
-          <a:solidFill>
-            <a:schemeClr val="tx1"/>
-          </a:solidFill>
-          <a:latin typeface="+mn-lt"/>
-          <a:ea typeface="+mn-ea"/>
-          <a:cs typeface="+mn-cs"/>
-        </a:defRPr>
-      </a:lvl8pPr>
-      <a:lvl9pPr marL="3886200" indent="-228600" algn="l" defTabSz="914400" rtl="0" eaLnBrk="1" latinLnBrk="0" hangingPunct="1">
-        <a:lnSpc>
-          <a:spcPct val="90000"/>
-        </a:lnSpc>
-        <a:spcBef>
-          <a:spcPts val="500"/>
-        </a:spcBef>
-        <a:buFont typeface="Arial" panose="020B0604020202020204" pitchFamily="34" charset="0"/>
-        <a:buChar char="•"/>
-        <a:defRPr sz="1800" kern="1200">
-          <a:solidFill>
-            <a:schemeClr val="tx1"/>
-          </a:solidFill>
-          <a:latin typeface="+mn-lt"/>
-          <a:ea typeface="+mn-ea"/>
-          <a:cs typeface="+mn-cs"/>
-        </a:defRPr>
-      </a:lvl9pPr>
-    </p:bodyStyle>
-    <p:otherStyle>
-      <a:defPPr>
-        <a:defRPr lang="en-US"/>
-      </a:defPPr>
-      <a:lvl1pPr marL="0" algn="l" defTabSz="914400" rtl="0" eaLnBrk="1" latinLnBrk="0" hangingPunct="1">
-        <a:defRPr sz="1800" kern="1200">
-          <a:solidFill>
-            <a:schemeClr val="tx1"/>
-          </a:solidFill>
-          <a:latin typeface="+mn-lt"/>
-          <a:ea typeface="+mn-ea"/>
-          <a:cs typeface="+mn-cs"/>
-        </a:defRPr>
-      </a:lvl1pPr>
-      <a:lvl2pPr marL="457200" algn="l" defTabSz="914400" rtl="0" eaLnBrk="1" latinLnBrk="0" hangingPunct="1">
-        <a:defRPr sz="1800" kern="1200">
-          <a:solidFill>
-            <a:schemeClr val="tx1"/>
-          </a:solidFill>
-          <a:latin typeface="+mn-lt"/>
-          <a:ea typeface="+mn-ea"/>
-          <a:cs typeface="+mn-cs"/>
-        </a:defRPr>
-      </a:lvl2pPr>
-      <a:lvl3pPr marL="914400" algn="l" defTabSz="914400" rtl="0" eaLnBrk="1" latinLnBrk="0" hangingPunct="1">
-        <a:defRPr sz="1800" kern="1200">
-          <a:solidFill>
-            <a:schemeClr val="tx1"/>
-          </a:solidFill>
-          <a:latin typeface="+mn-lt"/>
-          <a:ea typeface="+mn-ea"/>
-          <a:cs typeface="+mn-cs"/>
-        </a:defRPr>
-      </a:lvl3pPr>
-      <a:lvl4pPr marL="1371600" algn="l" defTabSz="914400" rtl="0" eaLnBrk="1" latinLnBrk="0" hangingPunct="1">
-        <a:defRPr sz="1800" kern="1200">
-          <a:solidFill>
-            <a:schemeClr val="tx1"/>
-          </a:solidFill>
-          <a:latin typeface="+mn-lt"/>
-          <a:ea typeface="+mn-ea"/>
-          <a:cs typeface="+mn-cs"/>
-        </a:defRPr>
-      </a:lvl4pPr>
-      <a:lvl5pPr marL="1828800" algn="l" defTabSz="914400" rtl="0" eaLnBrk="1" latinLnBrk="0" hangingPunct="1">
-        <a:defRPr sz="1800" kern="1200">
-          <a:solidFill>
-            <a:schemeClr val="tx1"/>
-          </a:solidFill>
-          <a:latin typeface="+mn-lt"/>
-          <a:ea typeface="+mn-ea"/>
-          <a:cs typeface="+mn-cs"/>
-        </a:defRPr>
-      </a:lvl5pPr>
-      <a:lvl6pPr marL="2286000" algn="l" defTabSz="914400" rtl="0" eaLnBrk="1" latinLnBrk="0" hangingPunct="1">
-        <a:defRPr sz="1800" kern="1200">
-          <a:solidFill>
-            <a:schemeClr val="tx1"/>
-          </a:solidFill>
-          <a:latin typeface="+mn-lt"/>
-          <a:ea typeface="+mn-ea"/>
-          <a:cs typeface="+mn-cs"/>
-        </a:defRPr>
-      </a:lvl6pPr>
-      <a:lvl7pPr marL="2743200" algn="l" defTabSz="914400" rtl="0" eaLnBrk="1" latinLnBrk="0" hangingPunct="1">
-        <a:defRPr sz="1800" kern="1200">
-          <a:solidFill>
-            <a:schemeClr val="tx1"/>
-          </a:solidFill>
-          <a:latin typeface="+mn-lt"/>
-          <a:ea typeface="+mn-ea"/>
-          <a:cs typeface="+mn-cs"/>
-        </a:defRPr>
-      </a:lvl7pPr>
-      <a:lvl8pPr marL="3200400" algn="l" defTabSz="914400" rtl="0" eaLnBrk="1" latinLnBrk="0" hangingPunct="1">
-        <a:defRPr sz="1800" kern="1200">
-          <a:solidFill>
-            <a:schemeClr val="tx1"/>
-          </a:solidFill>
-          <a:latin typeface="+mn-lt"/>
-          <a:ea typeface="+mn-ea"/>
-          <a:cs typeface="+mn-cs"/>
-        </a:defRPr>
-      </a:lvl8pPr>
-      <a:lvl9pPr marL="3657600" algn="l" defTabSz="914400" rtl="0" eaLnBrk="1" latinLnBrk="0" hangingPunct="1">
-        <a:defRPr sz="1800" kern="1200">
-          <a:solidFill>
-            <a:schemeClr val="tx1"/>
-          </a:solidFill>
-          <a:latin typeface="+mn-lt"/>
-          <a:ea typeface="+mn-ea"/>
-          <a:cs typeface="+mn-cs"/>
-        </a:defRPr>
-      </a:lvl9pPr>
-    </p:otherStyle>
-  </p:txStyles>
-</p:sldMaster>
-</file>
-
-<file path=ppt/slideMasters/slideMaster2.xml><?xml version="1.0" encoding="utf-8"?>
-<p:sldMaster xmlns:a="http://schemas.openxmlformats.org/drawingml/2006/main" xmlns:r="http://schemas.openxmlformats.org/officeDocument/2006/relationships" xmlns:p="http://schemas.openxmlformats.org/presentationml/2006/main" preserve="1">
-  <p:cSld>
-    <p:bg>
-      <p:bgPr>
-        <a:gradFill flip="none" rotWithShape="1">
-          <a:gsLst>
-            <a:gs pos="0">
-              <a:schemeClr val="bg2"/>
-            </a:gs>
-            <a:gs pos="17000">
-              <a:schemeClr val="bg2"/>
-            </a:gs>
-            <a:gs pos="100000">
-              <a:srgbClr val="E9AC7F"/>
-            </a:gs>
-          </a:gsLst>
-          <a:lin ang="5400000" scaled="1"/>
-          <a:tileRect/>
-        </a:gradFill>
-        <a:effectLst/>
-      </p:bgPr>
-    </p:bg>
-    <p:spTree>
-      <p:nvGrpSpPr>
-        <p:cNvPr id="1" name=""/>
-        <p:cNvGrpSpPr/>
-        <p:nvPr/>
-      </p:nvGrpSpPr>
-      <p:grpSpPr>
-        <a:xfrm>
-          <a:off x="0" y="0"/>
-          <a:ext cx="0" cy="0"/>
-          <a:chOff x="0" y="0"/>
-          <a:chExt cx="0" cy="0"/>
-        </a:xfrm>
-      </p:grpSpPr>
-      <p:sp>
-        <p:nvSpPr>
-          <p:cNvPr id="2" name="Title Placeholder 1">
-            <a:extLst>
-              <a:ext uri="{FF2B5EF4-FFF2-40B4-BE49-F238E27FC236}">
-                <a16:creationId xmlns:a16="http://schemas.microsoft.com/office/drawing/2014/main" id="{608127F7-706A-41F7-B6D3-F9758313077B}"/>
-              </a:ext>
-            </a:extLst>
-          </p:cNvPr>
-          <p:cNvSpPr>
-            <a:spLocks noGrp="1"/>
-          </p:cNvSpPr>
-          <p:nvPr>
-            <p:ph type="title"/>
-          </p:nvPr>
-        </p:nvSpPr>
-        <p:spPr>
-          <a:xfrm>
-            <a:off x="838200" y="365125"/>
-            <a:ext cx="10515600" cy="1325563"/>
-          </a:xfrm>
-          <a:prstGeom prst="rect">
-            <a:avLst/>
-          </a:prstGeom>
-        </p:spPr>
-        <p:txBody>
-          <a:bodyPr vert="horz" lIns="91440" tIns="45720" rIns="91440" bIns="45720" rtlCol="0" anchor="ctr">
-            <a:normAutofit/>
-          </a:bodyPr>
-          <a:lstStyle/>
-          <a:p>
-            <a:r>
-              <a:rPr lang="en-US"/>
-              <a:t>Click to edit Master title style</a:t>
-            </a:r>
-            <a:endParaRPr lang="en-US" dirty="0"/>
-          </a:p>
-        </p:txBody>
-      </p:sp>
-      <p:sp>
-        <p:nvSpPr>
-          <p:cNvPr id="3" name="Text Placeholder 2">
-            <a:extLst>
-              <a:ext uri="{FF2B5EF4-FFF2-40B4-BE49-F238E27FC236}">
-                <a16:creationId xmlns:a16="http://schemas.microsoft.com/office/drawing/2014/main" id="{53605D06-5E85-4188-850E-3A613DA998B6}"/>
-              </a:ext>
-            </a:extLst>
-          </p:cNvPr>
-          <p:cNvSpPr>
-            <a:spLocks noGrp="1"/>
-          </p:cNvSpPr>
-          <p:nvPr>
-            <p:ph type="body" idx="1"/>
-          </p:nvPr>
-        </p:nvSpPr>
-        <p:spPr>
-          <a:xfrm>
-            <a:off x="838200" y="1825625"/>
-            <a:ext cx="10515600" cy="4351338"/>
-          </a:xfrm>
-          <a:prstGeom prst="rect">
-            <a:avLst/>
-          </a:prstGeom>
-        </p:spPr>
-        <p:txBody>
-          <a:bodyPr vert="horz" lIns="91440" tIns="45720" rIns="91440" bIns="45720" rtlCol="0">
-            <a:normAutofit/>
-          </a:bodyPr>
-          <a:lstStyle/>
-          <a:p>
-            <a:pPr lvl="0"/>
-            <a:r>
-              <a:rPr lang="en-US"/>
-              <a:t>Click to edit Master text styles</a:t>
-            </a:r>
-          </a:p>
-          <a:p>
-            <a:pPr lvl="1"/>
-            <a:r>
-              <a:rPr lang="en-US"/>
-              <a:t>Second level</a:t>
-            </a:r>
-          </a:p>
-          <a:p>
-            <a:pPr lvl="2"/>
-            <a:r>
-              <a:rPr lang="en-US"/>
-              <a:t>Third level</a:t>
-            </a:r>
-          </a:p>
-          <a:p>
-            <a:pPr lvl="3"/>
-            <a:r>
-              <a:rPr lang="en-US"/>
-              <a:t>Fourth level</a:t>
-            </a:r>
-          </a:p>
-          <a:p>
-            <a:pPr lvl="4"/>
-            <a:r>
-              <a:rPr lang="en-US"/>
-              <a:t>Fifth level</a:t>
-            </a:r>
-            <a:endParaRPr lang="en-US" dirty="0"/>
-          </a:p>
-        </p:txBody>
-      </p:sp>
-      <p:sp>
-        <p:nvSpPr>
-          <p:cNvPr id="4" name="Date Placeholder 3">
-            <a:extLst>
-              <a:ext uri="{FF2B5EF4-FFF2-40B4-BE49-F238E27FC236}">
-                <a16:creationId xmlns:a16="http://schemas.microsoft.com/office/drawing/2014/main" id="{DF0CA9CD-3B33-488C-AA77-1217C5510338}"/>
-              </a:ext>
-            </a:extLst>
-          </p:cNvPr>
-          <p:cNvSpPr>
-            <a:spLocks noGrp="1"/>
-          </p:cNvSpPr>
-          <p:nvPr>
-            <p:ph type="dt" sz="half" idx="2"/>
-          </p:nvPr>
-        </p:nvSpPr>
-        <p:spPr>
-          <a:xfrm>
-            <a:off x="838200" y="6356350"/>
-            <a:ext cx="2743200" cy="365125"/>
-          </a:xfrm>
-          <a:prstGeom prst="rect">
-            <a:avLst/>
-          </a:prstGeom>
-        </p:spPr>
-        <p:txBody>
-          <a:bodyPr vert="horz" lIns="91440" tIns="45720" rIns="91440" bIns="45720" rtlCol="0" anchor="ctr"/>
-          <a:lstStyle>
-            <a:lvl1pPr algn="l">
-              <a:defRPr sz="1200">
-                <a:solidFill>
-                  <a:schemeClr val="tx1">
-                    <a:tint val="75000"/>
-                  </a:schemeClr>
-                </a:solidFill>
-              </a:defRPr>
-            </a:lvl1pPr>
-          </a:lstStyle>
-          <a:p>
-            <a:pPr marL="0" marR="0" lvl="0" indent="0" algn="l" defTabSz="914400" rtl="0" eaLnBrk="1" fontAlgn="auto" latinLnBrk="0" hangingPunct="1">
-              <a:lnSpc>
-                <a:spcPct val="100000"/>
-              </a:lnSpc>
-              <a:spcBef>
-                <a:spcPts val="0"/>
-              </a:spcBef>
-              <a:spcAft>
-                <a:spcPts val="0"/>
-              </a:spcAft>
-              <a:buClrTx/>
-              <a:buSzTx/>
-              <a:buFontTx/>
-              <a:buNone/>
-              <a:tabLst/>
-              <a:defRPr/>
-            </a:pPr>
-            <a:fld id="{13014762-DFFB-4EBE-8655-EB0D0E44861E}" type="datetimeFigureOut">
-              <a:rPr kumimoji="0" lang="en-US" sz="1200" b="0" i="0" u="none" strike="noStrike" kern="1200" cap="none" spc="0" normalizeH="0" baseline="0" noProof="0" smtClean="0">
-                <a:ln>
-                  <a:noFill/>
-                </a:ln>
-                <a:solidFill>
-                  <a:prstClr val="black">
-                    <a:tint val="75000"/>
-                  </a:prstClr>
-                </a:solidFill>
-                <a:effectLst/>
-                <a:uLnTx/>
-                <a:uFillTx/>
-                <a:latin typeface="Calibri" panose="020F0502020204030204"/>
-                <a:ea typeface="+mn-ea"/>
-                <a:cs typeface="+mn-cs"/>
-              </a:rPr>
-              <a:pPr marL="0" marR="0" lvl="0" indent="0" algn="l" defTabSz="914400" rtl="0" eaLnBrk="1" fontAlgn="auto" latinLnBrk="0" hangingPunct="1">
-                <a:lnSpc>
-                  <a:spcPct val="100000"/>
-                </a:lnSpc>
-                <a:spcBef>
-                  <a:spcPts val="0"/>
-                </a:spcBef>
-                <a:spcAft>
-                  <a:spcPts val="0"/>
-                </a:spcAft>
-                <a:buClrTx/>
-                <a:buSzTx/>
-                <a:buFontTx/>
-                <a:buNone/>
-                <a:tabLst/>
-                <a:defRPr/>
-              </a:pPr>
-              <a:t>2/19/2026</a:t>
-            </a:fld>
-            <a:endParaRPr kumimoji="0" lang="en-US" sz="1200" b="0" i="0" u="none" strike="noStrike" kern="1200" cap="none" spc="0" normalizeH="0" baseline="0" noProof="0">
-              <a:ln>
-                <a:noFill/>
-              </a:ln>
-              <a:solidFill>
-                <a:prstClr val="black">
-                  <a:tint val="75000"/>
-                </a:prstClr>
-              </a:solidFill>
-              <a:effectLst/>
-              <a:uLnTx/>
-              <a:uFillTx/>
-              <a:latin typeface="Calibri" panose="020F0502020204030204"/>
-              <a:ea typeface="+mn-ea"/>
-              <a:cs typeface="+mn-cs"/>
-            </a:endParaRPr>
-          </a:p>
-        </p:txBody>
-      </p:sp>
-      <p:sp>
-        <p:nvSpPr>
-          <p:cNvPr id="5" name="Footer Placeholder 4">
-            <a:extLst>
-              <a:ext uri="{FF2B5EF4-FFF2-40B4-BE49-F238E27FC236}">
-                <a16:creationId xmlns:a16="http://schemas.microsoft.com/office/drawing/2014/main" id="{026D2A87-6945-4F7F-BC28-50F9048066DB}"/>
-              </a:ext>
-            </a:extLst>
-          </p:cNvPr>
-          <p:cNvSpPr>
-            <a:spLocks noGrp="1"/>
-          </p:cNvSpPr>
-          <p:nvPr>
-            <p:ph type="ftr" sz="quarter" idx="3"/>
-          </p:nvPr>
-        </p:nvSpPr>
-        <p:spPr>
-          <a:xfrm>
-            <a:off x="4038600" y="6356350"/>
-            <a:ext cx="4114800" cy="365125"/>
-          </a:xfrm>
-          <a:prstGeom prst="rect">
-            <a:avLst/>
-          </a:prstGeom>
-        </p:spPr>
-        <p:txBody>
-          <a:bodyPr vert="horz" lIns="91440" tIns="45720" rIns="91440" bIns="45720" rtlCol="0" anchor="ctr"/>
-          <a:lstStyle>
-            <a:lvl1pPr algn="ctr">
-              <a:defRPr sz="1200">
-                <a:solidFill>
-                  <a:schemeClr val="tx1">
-                    <a:tint val="75000"/>
-                  </a:schemeClr>
-                </a:solidFill>
-              </a:defRPr>
-            </a:lvl1pPr>
-          </a:lstStyle>
-          <a:p>
-            <a:pPr marL="0" marR="0" lvl="0" indent="0" algn="ctr" defTabSz="914400" rtl="0" eaLnBrk="1" fontAlgn="auto" latinLnBrk="0" hangingPunct="1">
-              <a:lnSpc>
-                <a:spcPct val="100000"/>
-              </a:lnSpc>
-              <a:spcBef>
-                <a:spcPts val="0"/>
-              </a:spcBef>
-              <a:spcAft>
-                <a:spcPts val="0"/>
-              </a:spcAft>
-              <a:buClrTx/>
-              <a:buSzTx/>
-              <a:buFontTx/>
-              <a:buNone/>
-              <a:tabLst/>
-              <a:defRPr/>
-            </a:pPr>
-            <a:endParaRPr kumimoji="0" lang="en-US" sz="1200" b="0" i="0" u="none" strike="noStrike" kern="1200" cap="none" spc="0" normalizeH="0" baseline="0" noProof="0">
-              <a:ln>
-                <a:noFill/>
-              </a:ln>
-              <a:solidFill>
-                <a:prstClr val="black">
-                  <a:tint val="75000"/>
-                </a:prstClr>
-              </a:solidFill>
-              <a:effectLst/>
-              <a:uLnTx/>
-              <a:uFillTx/>
-              <a:latin typeface="Calibri" panose="020F0502020204030204"/>
-              <a:ea typeface="+mn-ea"/>
-              <a:cs typeface="+mn-cs"/>
-            </a:endParaRPr>
-          </a:p>
-        </p:txBody>
-      </p:sp>
-      <p:sp>
-        <p:nvSpPr>
-          <p:cNvPr id="6" name="Slide Number Placeholder 5">
-            <a:extLst>
-              <a:ext uri="{FF2B5EF4-FFF2-40B4-BE49-F238E27FC236}">
-                <a16:creationId xmlns:a16="http://schemas.microsoft.com/office/drawing/2014/main" id="{AB6BAD95-2F7B-4D3A-8EAD-0497407393C4}"/>
-              </a:ext>
-            </a:extLst>
-          </p:cNvPr>
-          <p:cNvSpPr>
-            <a:spLocks noGrp="1"/>
-          </p:cNvSpPr>
-          <p:nvPr>
-            <p:ph type="sldNum" sz="quarter" idx="4"/>
-          </p:nvPr>
-        </p:nvSpPr>
-        <p:spPr>
-          <a:xfrm>
-            <a:off x="8610600" y="6356350"/>
-            <a:ext cx="2743200" cy="365125"/>
-          </a:xfrm>
-          <a:prstGeom prst="rect">
-            <a:avLst/>
-          </a:prstGeom>
-        </p:spPr>
-        <p:txBody>
-          <a:bodyPr vert="horz" lIns="91440" tIns="45720" rIns="91440" bIns="45720" rtlCol="0" anchor="ctr"/>
-          <a:lstStyle>
-            <a:lvl1pPr algn="r">
-              <a:defRPr sz="1200">
-                <a:solidFill>
-                  <a:schemeClr val="tx1">
-                    <a:tint val="75000"/>
-                  </a:schemeClr>
-                </a:solidFill>
-              </a:defRPr>
-            </a:lvl1pPr>
-          </a:lstStyle>
-          <a:p>
-            <a:pPr marL="0" marR="0" lvl="0" indent="0" algn="r" defTabSz="914400" rtl="0" eaLnBrk="1" fontAlgn="auto" latinLnBrk="0" hangingPunct="1">
-              <a:lnSpc>
-                <a:spcPct val="100000"/>
-              </a:lnSpc>
-              <a:spcBef>
-                <a:spcPts val="0"/>
-              </a:spcBef>
-              <a:spcAft>
-                <a:spcPts val="0"/>
-              </a:spcAft>
-              <a:buClrTx/>
-              <a:buSzTx/>
-              <a:buFontTx/>
-              <a:buNone/>
-              <a:tabLst/>
-              <a:defRPr/>
-            </a:pPr>
-            <a:fld id="{698B0EB1-831C-4439-A09B-221EC37904F7}" type="slidenum">
-              <a:rPr kumimoji="0" lang="en-US" sz="1200" b="0" i="0" u="none" strike="noStrike" kern="1200" cap="none" spc="0" normalizeH="0" baseline="0" noProof="0" smtClean="0">
-                <a:ln>
-                  <a:noFill/>
-                </a:ln>
-                <a:solidFill>
-                  <a:prstClr val="black">
-                    <a:tint val="75000"/>
-                  </a:prstClr>
-                </a:solidFill>
-                <a:effectLst/>
-                <a:uLnTx/>
-                <a:uFillTx/>
-                <a:latin typeface="Calibri" panose="020F0502020204030204"/>
-                <a:ea typeface="+mn-ea"/>
-                <a:cs typeface="+mn-cs"/>
-              </a:rPr>
-              <a:pPr marL="0" marR="0" lvl="0" indent="0" algn="r" defTabSz="914400" rtl="0" eaLnBrk="1" fontAlgn="auto" latinLnBrk="0" hangingPunct="1">
-                <a:lnSpc>
-                  <a:spcPct val="100000"/>
-                </a:lnSpc>
-                <a:spcBef>
-                  <a:spcPts val="0"/>
-                </a:spcBef>
-                <a:spcAft>
-                  <a:spcPts val="0"/>
-                </a:spcAft>
-                <a:buClrTx/>
-                <a:buSzTx/>
-                <a:buFontTx/>
-                <a:buNone/>
-                <a:tabLst/>
-                <a:defRPr/>
-              </a:pPr>
-              <a:t>‹#›</a:t>
-            </a:fld>
-            <a:endParaRPr kumimoji="0" lang="en-US" sz="1200" b="0" i="0" u="none" strike="noStrike" kern="1200" cap="none" spc="0" normalizeH="0" baseline="0" noProof="0">
-              <a:ln>
-                <a:noFill/>
-              </a:ln>
-              <a:solidFill>
-                <a:prstClr val="black">
-                  <a:tint val="75000"/>
-                </a:prstClr>
-              </a:solidFill>
-              <a:effectLst/>
-              <a:uLnTx/>
-              <a:uFillTx/>
-              <a:latin typeface="Calibri" panose="020F0502020204030204"/>
-              <a:ea typeface="+mn-ea"/>
-              <a:cs typeface="+mn-cs"/>
-            </a:endParaRPr>
-          </a:p>
-        </p:txBody>
-      </p:sp>
-      <p:sp>
-        <p:nvSpPr>
-          <p:cNvPr id="7" name="Rectangle 6">
-            <a:extLst>
-              <a:ext uri="{FF2B5EF4-FFF2-40B4-BE49-F238E27FC236}">
-                <a16:creationId xmlns:a16="http://schemas.microsoft.com/office/drawing/2014/main" id="{4C70ADC1-1184-4B0D-B984-E64BB44D42B3}"/>
-              </a:ext>
-            </a:extLst>
-          </p:cNvPr>
-          <p:cNvSpPr/>
-          <p:nvPr userDrawn="1"/>
-        </p:nvSpPr>
-        <p:spPr>
-          <a:xfrm>
-            <a:off x="0" y="241300"/>
-            <a:ext cx="12192000" cy="540657"/>
-          </a:xfrm>
-          <a:prstGeom prst="rect">
-            <a:avLst/>
-          </a:prstGeom>
-          <a:blipFill>
-            <a:blip r:embed="rId3"/>
-            <a:stretch>
-              <a:fillRect/>
-            </a:stretch>
-          </a:blipFill>
-          <a:ln>
-            <a:noFill/>
-          </a:ln>
-          <a:effectLst>
-            <a:outerShdw blurRad="38100" dist="50800" dir="5400000" algn="ctr" rotWithShape="0">
-              <a:srgbClr val="000000">
-                <a:alpha val="43137"/>
-              </a:srgbClr>
-            </a:outerShdw>
-          </a:effectLst>
-        </p:spPr>
-        <p:style>
-          <a:lnRef idx="2">
-            <a:schemeClr val="accent1">
-              <a:shade val="50000"/>
-            </a:schemeClr>
-          </a:lnRef>
-          <a:fillRef idx="1">
-            <a:schemeClr val="accent1"/>
-          </a:fillRef>
-          <a:effectRef idx="0">
-            <a:schemeClr val="accent1"/>
-          </a:effectRef>
-          <a:fontRef idx="minor">
-            <a:schemeClr val="lt1"/>
-          </a:fontRef>
-        </p:style>
-        <p:txBody>
-          <a:bodyPr rtlCol="0" anchor="ctr"/>
-          <a:lstStyle/>
-          <a:p>
-            <a:pPr marL="0" marR="0" lvl="0" indent="0" algn="ctr" defTabSz="914400" rtl="0" eaLnBrk="1" fontAlgn="auto" latinLnBrk="0" hangingPunct="1">
-              <a:lnSpc>
-                <a:spcPct val="100000"/>
-              </a:lnSpc>
-              <a:spcBef>
-                <a:spcPts val="0"/>
-              </a:spcBef>
-              <a:spcAft>
-                <a:spcPts val="0"/>
-              </a:spcAft>
-              <a:buClrTx/>
-              <a:buSzTx/>
-              <a:buFontTx/>
-              <a:buNone/>
-              <a:tabLst/>
-              <a:defRPr/>
-            </a:pPr>
-            <a:endParaRPr kumimoji="0" lang="en-US" sz="1800" b="0" i="0" u="none" strike="noStrike" kern="1200" cap="none" spc="0" normalizeH="0" baseline="0" noProof="0" dirty="0">
-              <a:ln>
-                <a:noFill/>
-              </a:ln>
-              <a:solidFill>
-                <a:prstClr val="white"/>
-              </a:solidFill>
-              <a:effectLst/>
-              <a:uLnTx/>
-              <a:uFillTx/>
-              <a:latin typeface="Calibri" panose="020F0502020204030204"/>
-              <a:ea typeface="+mn-ea"/>
-              <a:cs typeface="+mn-cs"/>
-            </a:endParaRPr>
-          </a:p>
-        </p:txBody>
-      </p:sp>
-      <p:grpSp>
-        <p:nvGrpSpPr>
-          <p:cNvPr id="8" name="Group 7">
-            <a:extLst>
-              <a:ext uri="{FF2B5EF4-FFF2-40B4-BE49-F238E27FC236}">
-                <a16:creationId xmlns:a16="http://schemas.microsoft.com/office/drawing/2014/main" id="{70210908-D1A4-469C-8292-0886562935B1}"/>
-              </a:ext>
-            </a:extLst>
-          </p:cNvPr>
-          <p:cNvGrpSpPr/>
-          <p:nvPr userDrawn="1"/>
-        </p:nvGrpSpPr>
-        <p:grpSpPr>
-          <a:xfrm>
-            <a:off x="10350726" y="241300"/>
-            <a:ext cx="1649652" cy="2416181"/>
-            <a:chOff x="5373448" y="635000"/>
-            <a:chExt cx="1649652" cy="2416181"/>
-          </a:xfrm>
-          <a:gradFill>
-            <a:gsLst>
-              <a:gs pos="0">
-                <a:schemeClr val="bg1">
-                  <a:lumMod val="75000"/>
-                </a:schemeClr>
-              </a:gs>
-              <a:gs pos="100000">
-                <a:srgbClr val="7030A0"/>
-              </a:gs>
-            </a:gsLst>
-            <a:lin ang="5400000" scaled="1"/>
-          </a:gradFill>
-          <a:effectLst>
-            <a:outerShdw blurRad="50800" dist="38100" dir="5400000" algn="t" rotWithShape="0">
-              <a:prstClr val="black">
-                <a:alpha val="40000"/>
-              </a:prstClr>
-            </a:outerShdw>
-          </a:effectLst>
-        </p:grpSpPr>
-        <p:sp>
-          <p:nvSpPr>
-            <p:cNvPr id="9" name="Rectangle 8">
-              <a:extLst>
-                <a:ext uri="{FF2B5EF4-FFF2-40B4-BE49-F238E27FC236}">
-                  <a16:creationId xmlns:a16="http://schemas.microsoft.com/office/drawing/2014/main" id="{649C990E-EC9F-4C37-876B-29D97F490ABC}"/>
-                </a:ext>
-              </a:extLst>
-            </p:cNvPr>
-            <p:cNvSpPr/>
-            <p:nvPr/>
-          </p:nvSpPr>
-          <p:spPr>
-            <a:xfrm>
-              <a:off x="5391150" y="635000"/>
-              <a:ext cx="1631950" cy="2006600"/>
-            </a:xfrm>
-            <a:prstGeom prst="rect">
-              <a:avLst/>
-            </a:prstGeom>
-            <a:grpFill/>
-            <a:ln>
-              <a:noFill/>
-            </a:ln>
-          </p:spPr>
-          <p:style>
-            <a:lnRef idx="2">
-              <a:schemeClr val="accent1">
-                <a:shade val="50000"/>
-              </a:schemeClr>
-            </a:lnRef>
-            <a:fillRef idx="1">
-              <a:schemeClr val="accent1"/>
-            </a:fillRef>
-            <a:effectRef idx="0">
-              <a:schemeClr val="accent1"/>
-            </a:effectRef>
-            <a:fontRef idx="minor">
-              <a:schemeClr val="lt1"/>
-            </a:fontRef>
-          </p:style>
-          <p:txBody>
-            <a:bodyPr rtlCol="0" anchor="ctr"/>
-            <a:lstStyle/>
-            <a:p>
-              <a:pPr marL="0" marR="0" lvl="0" indent="0" algn="ctr" defTabSz="914400" rtl="0" eaLnBrk="1" fontAlgn="auto" latinLnBrk="0" hangingPunct="1">
-                <a:lnSpc>
-                  <a:spcPct val="100000"/>
-                </a:lnSpc>
-                <a:spcBef>
-                  <a:spcPts val="0"/>
-                </a:spcBef>
-                <a:spcAft>
-                  <a:spcPts val="0"/>
-                </a:spcAft>
-                <a:buClrTx/>
-                <a:buSzTx/>
-                <a:buFontTx/>
-                <a:buNone/>
-                <a:tabLst/>
-                <a:defRPr/>
-              </a:pPr>
-              <a:endParaRPr kumimoji="0" lang="en-US" sz="1800" b="0" i="0" u="none" strike="noStrike" kern="1200" cap="none" spc="0" normalizeH="0" baseline="0" noProof="0">
-                <a:ln>
-                  <a:noFill/>
-                </a:ln>
-                <a:solidFill>
-                  <a:srgbClr val="FF0000"/>
-                </a:solidFill>
-                <a:effectLst/>
-                <a:uLnTx/>
-                <a:uFillTx/>
-                <a:latin typeface="Calibri" panose="020F0502020204030204"/>
-                <a:ea typeface="+mn-ea"/>
-                <a:cs typeface="+mn-cs"/>
-              </a:endParaRPr>
-            </a:p>
-          </p:txBody>
-        </p:sp>
-        <p:sp>
-          <p:nvSpPr>
-            <p:cNvPr id="10" name="Teardrop 9">
-              <a:extLst>
-                <a:ext uri="{FF2B5EF4-FFF2-40B4-BE49-F238E27FC236}">
-                  <a16:creationId xmlns:a16="http://schemas.microsoft.com/office/drawing/2014/main" id="{23A921F5-2FA3-45CC-9E4D-7AFBF04D7E0C}"/>
-                </a:ext>
-              </a:extLst>
-            </p:cNvPr>
-            <p:cNvSpPr/>
-            <p:nvPr/>
-          </p:nvSpPr>
-          <p:spPr>
-            <a:xfrm rot="2914181">
-              <a:off x="5425147" y="2180320"/>
-              <a:ext cx="819162" cy="922559"/>
-            </a:xfrm>
-            <a:prstGeom prst="teardrop">
-              <a:avLst>
-                <a:gd name="adj" fmla="val 185364"/>
-              </a:avLst>
-            </a:prstGeom>
-            <a:grpFill/>
-            <a:ln>
-              <a:noFill/>
-            </a:ln>
-          </p:spPr>
-          <p:style>
-            <a:lnRef idx="2">
-              <a:schemeClr val="accent1">
-                <a:shade val="50000"/>
-              </a:schemeClr>
-            </a:lnRef>
-            <a:fillRef idx="1">
-              <a:schemeClr val="accent1"/>
-            </a:fillRef>
-            <a:effectRef idx="0">
-              <a:schemeClr val="accent1"/>
-            </a:effectRef>
-            <a:fontRef idx="minor">
-              <a:schemeClr val="lt1"/>
-            </a:fontRef>
-          </p:style>
-          <p:txBody>
-            <a:bodyPr rtlCol="0" anchor="ctr"/>
-            <a:lstStyle/>
-            <a:p>
-              <a:pPr marL="0" marR="0" lvl="0" indent="0" algn="ctr" defTabSz="914400" rtl="0" eaLnBrk="1" fontAlgn="auto" latinLnBrk="0" hangingPunct="1">
-                <a:lnSpc>
-                  <a:spcPct val="100000"/>
-                </a:lnSpc>
-                <a:spcBef>
-                  <a:spcPts val="0"/>
-                </a:spcBef>
-                <a:spcAft>
-                  <a:spcPts val="0"/>
-                </a:spcAft>
-                <a:buClrTx/>
-                <a:buSzTx/>
-                <a:buFontTx/>
-                <a:buNone/>
-                <a:tabLst/>
-                <a:defRPr/>
-              </a:pPr>
-              <a:endParaRPr kumimoji="0" lang="en-US" sz="1800" b="0" i="0" u="none" strike="noStrike" kern="1200" cap="none" spc="0" normalizeH="0" baseline="0" noProof="0">
-                <a:ln>
-                  <a:noFill/>
-                </a:ln>
-                <a:solidFill>
-                  <a:srgbClr val="FF0000"/>
-                </a:solidFill>
-                <a:effectLst/>
-                <a:uLnTx/>
-                <a:uFillTx/>
-                <a:latin typeface="Calibri" panose="020F0502020204030204"/>
-                <a:ea typeface="+mn-ea"/>
-                <a:cs typeface="+mn-cs"/>
-              </a:endParaRPr>
-            </a:p>
-          </p:txBody>
-        </p:sp>
-      </p:grpSp>
-      <p:pic>
-        <p:nvPicPr>
-          <p:cNvPr id="11" name="Picture 10">
-            <a:extLst>
-              <a:ext uri="{FF2B5EF4-FFF2-40B4-BE49-F238E27FC236}">
-                <a16:creationId xmlns:a16="http://schemas.microsoft.com/office/drawing/2014/main" id="{738720D9-4231-4286-8579-1F1C80EB058E}"/>
-              </a:ext>
-            </a:extLst>
-          </p:cNvPr>
-          <p:cNvPicPr>
-            <a:picLocks noChangeAspect="1"/>
-          </p:cNvPicPr>
-          <p:nvPr userDrawn="1"/>
-        </p:nvPicPr>
-        <p:blipFill>
-          <a:blip r:embed="rId4"/>
-          <a:stretch>
-            <a:fillRect/>
-          </a:stretch>
-        </p:blipFill>
-        <p:spPr>
-          <a:xfrm>
-            <a:off x="10269318" y="482600"/>
-            <a:ext cx="1812469" cy="1765300"/>
-          </a:xfrm>
-          <a:prstGeom prst="rect">
-            <a:avLst/>
-          </a:prstGeom>
-          <a:ln>
-            <a:noFill/>
-          </a:ln>
-          <a:effectLst>
-            <a:outerShdw blurRad="292100" dist="139700" dir="2700000" algn="tl" rotWithShape="0">
-              <a:srgbClr val="333333">
-                <a:alpha val="65000"/>
-              </a:srgbClr>
-            </a:outerShdw>
-          </a:effectLst>
-        </p:spPr>
-      </p:pic>
-    </p:spTree>
-    <p:extLst>
-      <p:ext uri="{BB962C8B-B14F-4D97-AF65-F5344CB8AC3E}">
-        <p14:creationId xmlns:p14="http://schemas.microsoft.com/office/powerpoint/2010/main" val="2719895689"/>
-      </p:ext>
-    </p:extLst>
-  </p:cSld>
-  <p:clrMap bg1="lt1" tx1="dk1" bg2="lt2" tx2="dk2" accent1="accent1" accent2="accent2" accent3="accent3" accent4="accent4" accent5="accent5" accent6="accent6" hlink="hlink" folHlink="folHlink"/>
-  <p:sldLayoutIdLst>
-    <p:sldLayoutId id="2147483664" r:id="rId1"/>
-  </p:sldLayoutIdLst>
-  <p:txStyles>
-    <p:titleStyle>
-      <a:lvl1pPr algn="l" defTabSz="914400" rtl="0" eaLnBrk="1" latinLnBrk="0" hangingPunct="1">
-        <a:lnSpc>
-          <a:spcPct val="90000"/>
-        </a:lnSpc>
-        <a:spcBef>
-          <a:spcPct val="0"/>
-        </a:spcBef>
-        <a:buNone/>
-        <a:defRPr sz="4400" kern="1200">
-          <a:solidFill>
-            <a:schemeClr val="tx1"/>
-          </a:solidFill>
-          <a:latin typeface="Vani" panose="02040502050405020303" pitchFamily="18" charset="0"/>
-          <a:ea typeface="+mj-ea"/>
-          <a:cs typeface="Vani" panose="02040502050405020303" pitchFamily="18" charset="0"/>
-        </a:defRPr>
-      </a:lvl1pPr>
-    </p:titleStyle>
-    <p:bodyStyle>
-      <a:lvl1pPr marL="228600" indent="-228600" algn="l" defTabSz="914400" rtl="0" eaLnBrk="1" latinLnBrk="0" hangingPunct="1">
-        <a:lnSpc>
-          <a:spcPct val="90000"/>
-        </a:lnSpc>
-        <a:spcBef>
-          <a:spcPts val="1000"/>
-        </a:spcBef>
-        <a:buFont typeface="Arial" panose="020B0604020202020204" pitchFamily="34" charset="0"/>
-        <a:buChar char="•"/>
-        <a:defRPr sz="2800" kern="1200">
-          <a:solidFill>
-            <a:schemeClr val="tx1"/>
-          </a:solidFill>
-          <a:latin typeface="Vani" panose="02040502050405020303" pitchFamily="18" charset="0"/>
-          <a:ea typeface="+mn-ea"/>
-          <a:cs typeface="Vani" panose="02040502050405020303" pitchFamily="18" charset="0"/>
-        </a:defRPr>
-      </a:lvl1pPr>
-      <a:lvl2pPr marL="685800" indent="-228600" algn="l" defTabSz="914400" rtl="0" eaLnBrk="1" latinLnBrk="0" hangingPunct="1">
-        <a:lnSpc>
-          <a:spcPct val="90000"/>
-        </a:lnSpc>
-        <a:spcBef>
-          <a:spcPts val="500"/>
-        </a:spcBef>
-        <a:buFont typeface="Arial" panose="020B0604020202020204" pitchFamily="34" charset="0"/>
-        <a:buChar char="•"/>
-        <a:defRPr sz="2400" kern="1200">
-          <a:solidFill>
-            <a:schemeClr val="tx1"/>
-          </a:solidFill>
-          <a:latin typeface="Vani" panose="02040502050405020303" pitchFamily="18" charset="0"/>
-          <a:ea typeface="+mn-ea"/>
-          <a:cs typeface="Vani" panose="02040502050405020303" pitchFamily="18" charset="0"/>
-        </a:defRPr>
-      </a:lvl2pPr>
-      <a:lvl3pPr marL="1143000" indent="-228600" algn="l" defTabSz="914400" rtl="0" eaLnBrk="1" latinLnBrk="0" hangingPunct="1">
-        <a:lnSpc>
-          <a:spcPct val="90000"/>
-        </a:lnSpc>
-        <a:spcBef>
-          <a:spcPts val="500"/>
-        </a:spcBef>
-        <a:buFont typeface="Arial" panose="020B0604020202020204" pitchFamily="34" charset="0"/>
-        <a:buChar char="•"/>
-        <a:defRPr sz="2000" kern="1200">
-          <a:solidFill>
-            <a:schemeClr val="tx1"/>
-          </a:solidFill>
-          <a:latin typeface="Vani" panose="02040502050405020303" pitchFamily="18" charset="0"/>
-          <a:ea typeface="+mn-ea"/>
-          <a:cs typeface="Vani" panose="02040502050405020303" pitchFamily="18" charset="0"/>
-        </a:defRPr>
-      </a:lvl3pPr>
-      <a:lvl4pPr marL="1600200" indent="-228600" algn="l" defTabSz="914400" rtl="0" eaLnBrk="1" latinLnBrk="0" hangingPunct="1">
-        <a:lnSpc>
-          <a:spcPct val="90000"/>
-        </a:lnSpc>
-        <a:spcBef>
-          <a:spcPts val="500"/>
-        </a:spcBef>
-        <a:buFont typeface="Arial" panose="020B0604020202020204" pitchFamily="34" charset="0"/>
-        <a:buChar char="•"/>
-        <a:defRPr sz="1800" kern="1200">
-          <a:solidFill>
-            <a:schemeClr val="tx1"/>
-          </a:solidFill>
-          <a:latin typeface="Vani" panose="02040502050405020303" pitchFamily="18" charset="0"/>
-          <a:ea typeface="+mn-ea"/>
-          <a:cs typeface="Vani" panose="02040502050405020303" pitchFamily="18" charset="0"/>
-        </a:defRPr>
-      </a:lvl4pPr>
-      <a:lvl5pPr marL="2057400" indent="-228600" algn="l" defTabSz="914400" rtl="0" eaLnBrk="1" latinLnBrk="0" hangingPunct="1">
-        <a:lnSpc>
-          <a:spcPct val="90000"/>
-        </a:lnSpc>
-        <a:spcBef>
-          <a:spcPts val="500"/>
-        </a:spcBef>
-        <a:buFont typeface="Arial" panose="020B0604020202020204" pitchFamily="34" charset="0"/>
-        <a:buChar char="•"/>
-        <a:defRPr sz="1800" kern="1200">
-          <a:solidFill>
-            <a:schemeClr val="tx1"/>
-          </a:solidFill>
-          <a:latin typeface="Vani" panose="02040502050405020303" pitchFamily="18" charset="0"/>
-          <a:ea typeface="+mn-ea"/>
-          <a:cs typeface="Vani" panose="02040502050405020303" pitchFamily="18" charset="0"/>
-        </a:defRPr>
-      </a:lvl5pPr>
-      <a:lvl6pPr marL="2514600" indent="-228600" algn="l" defTabSz="914400" rtl="0" eaLnBrk="1" latinLnBrk="0" hangingPunct="1">
-        <a:lnSpc>
-          <a:spcPct val="90000"/>
-        </a:lnSpc>
-        <a:spcBef>
-          <a:spcPts val="500"/>
-        </a:spcBef>
-        <a:buFont typeface="Arial" panose="020B0604020202020204" pitchFamily="34" charset="0"/>
-        <a:buChar char="•"/>
-        <a:defRPr sz="1800" kern="1200">
-          <a:solidFill>
-            <a:schemeClr val="tx1"/>
-          </a:solidFill>
-          <a:latin typeface="+mn-lt"/>
-          <a:ea typeface="+mn-ea"/>
-          <a:cs typeface="+mn-cs"/>
-        </a:defRPr>
-      </a:lvl6pPr>
-      <a:lvl7pPr marL="2971800" indent="-228600" algn="l" defTabSz="914400" rtl="0" eaLnBrk="1" latinLnBrk="0" hangingPunct="1">
-        <a:lnSpc>
-          <a:spcPct val="90000"/>
-        </a:lnSpc>
-        <a:spcBef>
-          <a:spcPts val="500"/>
-        </a:spcBef>
-        <a:buFont typeface="Arial" panose="020B0604020202020204" pitchFamily="34" charset="0"/>
-        <a:buChar char="•"/>
-        <a:defRPr sz="1800" kern="1200">
-          <a:solidFill>
-            <a:schemeClr val="tx1"/>
-          </a:solidFill>
-          <a:latin typeface="+mn-lt"/>
-          <a:ea typeface="+mn-ea"/>
-          <a:cs typeface="+mn-cs"/>
-        </a:defRPr>
-      </a:lvl7pPr>
-      <a:lvl8pPr marL="3429000" indent="-228600" algn="l" defTabSz="914400" rtl="0" eaLnBrk="1" latinLnBrk="0" hangingPunct="1">
-        <a:lnSpc>
-          <a:spcPct val="90000"/>
-        </a:lnSpc>
-        <a:spcBef>
-          <a:spcPts val="500"/>
-        </a:spcBef>
-        <a:buFont typeface="Arial" panose="020B0604020202020204" pitchFamily="34" charset="0"/>
-        <a:buChar char="•"/>
-        <a:defRPr sz="1800" kern="1200">
-          <a:solidFill>
-            <a:schemeClr val="tx1"/>
-          </a:solidFill>
-          <a:latin typeface="+mn-lt"/>
-          <a:ea typeface="+mn-ea"/>
-          <a:cs typeface="+mn-cs"/>
-        </a:defRPr>
-      </a:lvl8pPr>
-      <a:lvl9pPr marL="3886200" indent="-228600" algn="l" defTabSz="914400" rtl="0" eaLnBrk="1" latinLnBrk="0" hangingPunct="1">
-        <a:lnSpc>
-          <a:spcPct val="90000"/>
-        </a:lnSpc>
-        <a:spcBef>
-          <a:spcPts val="500"/>
-        </a:spcBef>
-        <a:buFont typeface="Arial" panose="020B0604020202020204" pitchFamily="34" charset="0"/>
-        <a:buChar char="•"/>
-        <a:defRPr sz="1800" kern="1200">
-          <a:solidFill>
-            <a:schemeClr val="tx1"/>
-          </a:solidFill>
-          <a:latin typeface="+mn-lt"/>
-          <a:ea typeface="+mn-ea"/>
-          <a:cs typeface="+mn-cs"/>
-        </a:defRPr>
-      </a:lvl9pPr>
-    </p:bodyStyle>
-    <p:otherStyle>
-      <a:defPPr>
-        <a:defRPr lang="en-US"/>
-      </a:defPPr>
-      <a:lvl1pPr marL="0" algn="l" defTabSz="914400" rtl="0" eaLnBrk="1" latinLnBrk="0" hangingPunct="1">
-        <a:defRPr sz="1800" kern="1200">
-          <a:solidFill>
-            <a:schemeClr val="tx1"/>
-          </a:solidFill>
-          <a:latin typeface="+mn-lt"/>
-          <a:ea typeface="+mn-ea"/>
-          <a:cs typeface="+mn-cs"/>
-        </a:defRPr>
-      </a:lvl1pPr>
-      <a:lvl2pPr marL="457200" algn="l" defTabSz="914400" rtl="0" eaLnBrk="1" latinLnBrk="0" hangingPunct="1">
-        <a:defRPr sz="1800" kern="1200">
-          <a:solidFill>
-            <a:schemeClr val="tx1"/>
-          </a:solidFill>
-          <a:latin typeface="+mn-lt"/>
-          <a:ea typeface="+mn-ea"/>
-          <a:cs typeface="+mn-cs"/>
-        </a:defRPr>
-      </a:lvl2pPr>
-      <a:lvl3pPr marL="914400" algn="l" defTabSz="914400" rtl="0" eaLnBrk="1" latinLnBrk="0" hangingPunct="1">
-        <a:defRPr sz="1800" kern="1200">
-          <a:solidFill>
-            <a:schemeClr val="tx1"/>
-          </a:solidFill>
-          <a:latin typeface="+mn-lt"/>
-          <a:ea typeface="+mn-ea"/>
-          <a:cs typeface="+mn-cs"/>
-        </a:defRPr>
-      </a:lvl3pPr>
-      <a:lvl4pPr marL="1371600" algn="l" defTabSz="914400" rtl="0" eaLnBrk="1" latinLnBrk="0" hangingPunct="1">
-        <a:defRPr sz="1800" kern="1200">
-          <a:solidFill>
-            <a:schemeClr val="tx1"/>
-          </a:solidFill>
-          <a:latin typeface="+mn-lt"/>
-          <a:ea typeface="+mn-ea"/>
-          <a:cs typeface="+mn-cs"/>
-        </a:defRPr>
-      </a:lvl4pPr>
-      <a:lvl5pPr marL="1828800" algn="l" defTabSz="914400" rtl="0" eaLnBrk="1" latinLnBrk="0" hangingPunct="1">
-        <a:defRPr sz="1800" kern="1200">
-          <a:solidFill>
-            <a:schemeClr val="tx1"/>
-          </a:solidFill>
-          <a:latin typeface="+mn-lt"/>
-          <a:ea typeface="+mn-ea"/>
-          <a:cs typeface="+mn-cs"/>
-        </a:defRPr>
-      </a:lvl5pPr>
-      <a:lvl6pPr marL="2286000" algn="l" defTabSz="914400" rtl="0" eaLnBrk="1" latinLnBrk="0" hangingPunct="1">
-        <a:defRPr sz="1800" kern="1200">
-          <a:solidFill>
-            <a:schemeClr val="tx1"/>
-          </a:solidFill>
-          <a:latin typeface="+mn-lt"/>
-          <a:ea typeface="+mn-ea"/>
-          <a:cs typeface="+mn-cs"/>
-        </a:defRPr>
-      </a:lvl6pPr>
-      <a:lvl7pPr marL="2743200" algn="l" defTabSz="914400" rtl="0" eaLnBrk="1" latinLnBrk="0" hangingPunct="1">
-        <a:defRPr sz="1800" kern="1200">
-          <a:solidFill>
-            <a:schemeClr val="tx1"/>
-          </a:solidFill>
-          <a:latin typeface="+mn-lt"/>
-          <a:ea typeface="+mn-ea"/>
-          <a:cs typeface="+mn-cs"/>
-        </a:defRPr>
-      </a:lvl7pPr>
-      <a:lvl8pPr marL="3200400" algn="l" defTabSz="914400" rtl="0" eaLnBrk="1" latinLnBrk="0" hangingPunct="1">
-        <a:defRPr sz="1800" kern="1200">
-          <a:solidFill>
-            <a:schemeClr val="tx1"/>
-          </a:solidFill>
-          <a:latin typeface="+mn-lt"/>
-          <a:ea typeface="+mn-ea"/>
-          <a:cs typeface="+mn-cs"/>
-        </a:defRPr>
-      </a:lvl8pPr>
-      <a:lvl9pPr marL="3657600" algn="l" defTabSz="914400" rtl="0" eaLnBrk="1" latinLnBrk="0" hangingPunct="1">
-        <a:defRPr sz="1800" kern="1200">
-          <a:solidFill>
-            <a:schemeClr val="tx1"/>
-          </a:solidFill>
-          <a:latin typeface="+mn-lt"/>
-          <a:ea typeface="+mn-ea"/>
-          <a:cs typeface="+mn-cs"/>
-        </a:defRPr>
-      </a:lvl9pPr>
-    </p:otherStyle>
-  </p:txStyles>
-</p:sldMaster>
-</file>
-
-<file path=ppt/slideMasters/slideMaster3.xml><?xml version="1.0" encoding="utf-8"?>
-<p:sldMaster xmlns:a="http://schemas.openxmlformats.org/drawingml/2006/main" xmlns:r="http://schemas.openxmlformats.org/officeDocument/2006/relationships" xmlns:p="http://schemas.openxmlformats.org/presentationml/2006/main" preserve="1">
-  <p:cSld>
-    <p:bg>
-      <p:bgPr>
-        <a:gradFill flip="none" rotWithShape="1">
-          <a:gsLst>
-            <a:gs pos="0">
-              <a:schemeClr val="bg2"/>
-            </a:gs>
-            <a:gs pos="17000">
-              <a:schemeClr val="bg2"/>
-            </a:gs>
-            <a:gs pos="100000">
-              <a:srgbClr val="E9AC7F"/>
-            </a:gs>
-          </a:gsLst>
-          <a:lin ang="5400000" scaled="1"/>
-          <a:tileRect/>
-        </a:gradFill>
-        <a:effectLst/>
-      </p:bgPr>
-    </p:bg>
-    <p:spTree>
-      <p:nvGrpSpPr>
-        <p:cNvPr id="1" name=""/>
-        <p:cNvGrpSpPr/>
-        <p:nvPr/>
-      </p:nvGrpSpPr>
-      <p:grpSpPr>
-        <a:xfrm>
-          <a:off x="0" y="0"/>
-          <a:ext cx="0" cy="0"/>
-          <a:chOff x="0" y="0"/>
-          <a:chExt cx="0" cy="0"/>
-        </a:xfrm>
-      </p:grpSpPr>
-      <p:sp>
-        <p:nvSpPr>
-          <p:cNvPr id="2" name="Title Placeholder 1">
-            <a:extLst>
-              <a:ext uri="{FF2B5EF4-FFF2-40B4-BE49-F238E27FC236}">
-                <a16:creationId xmlns:a16="http://schemas.microsoft.com/office/drawing/2014/main" id="{608127F7-706A-41F7-B6D3-F9758313077B}"/>
-              </a:ext>
-            </a:extLst>
-          </p:cNvPr>
-          <p:cNvSpPr>
-            <a:spLocks noGrp="1"/>
-          </p:cNvSpPr>
-          <p:nvPr>
-            <p:ph type="title"/>
-          </p:nvPr>
-        </p:nvSpPr>
-        <p:spPr>
-          <a:xfrm>
-            <a:off x="838200" y="365125"/>
-            <a:ext cx="10515600" cy="1325563"/>
-          </a:xfrm>
-          <a:prstGeom prst="rect">
-            <a:avLst/>
-          </a:prstGeom>
-        </p:spPr>
-        <p:txBody>
-          <a:bodyPr vert="horz" lIns="91440" tIns="45720" rIns="91440" bIns="45720" rtlCol="0" anchor="ctr">
-            <a:normAutofit/>
-          </a:bodyPr>
-          <a:lstStyle/>
-          <a:p>
-            <a:r>
-              <a:rPr lang="en-US"/>
-              <a:t>Click to edit Master title style</a:t>
-            </a:r>
-            <a:endParaRPr lang="en-US" dirty="0"/>
-          </a:p>
-        </p:txBody>
-      </p:sp>
-      <p:sp>
-        <p:nvSpPr>
-          <p:cNvPr id="3" name="Text Placeholder 2">
-            <a:extLst>
-              <a:ext uri="{FF2B5EF4-FFF2-40B4-BE49-F238E27FC236}">
-                <a16:creationId xmlns:a16="http://schemas.microsoft.com/office/drawing/2014/main" id="{53605D06-5E85-4188-850E-3A613DA998B6}"/>
-              </a:ext>
-            </a:extLst>
-          </p:cNvPr>
-          <p:cNvSpPr>
-            <a:spLocks noGrp="1"/>
-          </p:cNvSpPr>
-          <p:nvPr>
-            <p:ph type="body" idx="1"/>
-          </p:nvPr>
-        </p:nvSpPr>
-        <p:spPr>
-          <a:xfrm>
-            <a:off x="838200" y="1825625"/>
-            <a:ext cx="10515600" cy="4351338"/>
-          </a:xfrm>
-          <a:prstGeom prst="rect">
-            <a:avLst/>
-          </a:prstGeom>
-        </p:spPr>
-        <p:txBody>
-          <a:bodyPr vert="horz" lIns="91440" tIns="45720" rIns="91440" bIns="45720" rtlCol="0">
-            <a:normAutofit/>
-          </a:bodyPr>
-          <a:lstStyle/>
-          <a:p>
-            <a:pPr lvl="0"/>
-            <a:r>
-              <a:rPr lang="en-US"/>
-              <a:t>Click to edit Master text styles</a:t>
-            </a:r>
-          </a:p>
-          <a:p>
-            <a:pPr lvl="1"/>
-            <a:r>
-              <a:rPr lang="en-US"/>
-              <a:t>Second level</a:t>
-            </a:r>
-          </a:p>
-          <a:p>
-            <a:pPr lvl="2"/>
-            <a:r>
-              <a:rPr lang="en-US"/>
-              <a:t>Third level</a:t>
-            </a:r>
-          </a:p>
-          <a:p>
-            <a:pPr lvl="3"/>
-            <a:r>
-              <a:rPr lang="en-US"/>
-              <a:t>Fourth level</a:t>
-            </a:r>
-          </a:p>
-          <a:p>
-            <a:pPr lvl="4"/>
-            <a:r>
-              <a:rPr lang="en-US"/>
-              <a:t>Fifth level</a:t>
-            </a:r>
-            <a:endParaRPr lang="en-US" dirty="0"/>
-          </a:p>
-        </p:txBody>
-      </p:sp>
-      <p:sp>
-        <p:nvSpPr>
-          <p:cNvPr id="4" name="Date Placeholder 3">
-            <a:extLst>
-              <a:ext uri="{FF2B5EF4-FFF2-40B4-BE49-F238E27FC236}">
-                <a16:creationId xmlns:a16="http://schemas.microsoft.com/office/drawing/2014/main" id="{DF0CA9CD-3B33-488C-AA77-1217C5510338}"/>
-              </a:ext>
-            </a:extLst>
-          </p:cNvPr>
-          <p:cNvSpPr>
-            <a:spLocks noGrp="1"/>
-          </p:cNvSpPr>
-          <p:nvPr>
-            <p:ph type="dt" sz="half" idx="2"/>
-          </p:nvPr>
-        </p:nvSpPr>
-        <p:spPr>
-          <a:xfrm>
-            <a:off x="838200" y="6356350"/>
-            <a:ext cx="2743200" cy="365125"/>
-          </a:xfrm>
-          <a:prstGeom prst="rect">
-            <a:avLst/>
-          </a:prstGeom>
-        </p:spPr>
-        <p:txBody>
-          <a:bodyPr vert="horz" lIns="91440" tIns="45720" rIns="91440" bIns="45720" rtlCol="0" anchor="ctr"/>
-          <a:lstStyle>
-            <a:lvl1pPr algn="l">
-              <a:defRPr sz="1200">
-                <a:solidFill>
-                  <a:schemeClr val="tx1">
-                    <a:tint val="75000"/>
-                  </a:schemeClr>
-                </a:solidFill>
-              </a:defRPr>
-            </a:lvl1pPr>
-          </a:lstStyle>
-          <a:p>
-            <a:pPr marL="0" marR="0" lvl="0" indent="0" algn="l" defTabSz="914400" rtl="0" eaLnBrk="1" fontAlgn="auto" latinLnBrk="0" hangingPunct="1">
-              <a:lnSpc>
-                <a:spcPct val="100000"/>
-              </a:lnSpc>
-              <a:spcBef>
-                <a:spcPts val="0"/>
-              </a:spcBef>
-              <a:spcAft>
-                <a:spcPts val="0"/>
-              </a:spcAft>
-              <a:buClrTx/>
-              <a:buSzTx/>
-              <a:buFontTx/>
-              <a:buNone/>
-              <a:tabLst/>
-              <a:defRPr/>
-            </a:pPr>
-            <a:fld id="{13014762-DFFB-4EBE-8655-EB0D0E44861E}" type="datetimeFigureOut">
-              <a:rPr kumimoji="0" lang="en-US" sz="1200" b="0" i="0" u="none" strike="noStrike" kern="1200" cap="none" spc="0" normalizeH="0" baseline="0" noProof="0" smtClean="0">
-                <a:ln>
-                  <a:noFill/>
-                </a:ln>
-                <a:solidFill>
-                  <a:prstClr val="black">
-                    <a:tint val="75000"/>
-                  </a:prstClr>
-                </a:solidFill>
-                <a:effectLst/>
-                <a:uLnTx/>
-                <a:uFillTx/>
-                <a:latin typeface="Calibri" panose="020F0502020204030204"/>
-                <a:ea typeface="+mn-ea"/>
-                <a:cs typeface="+mn-cs"/>
-              </a:rPr>
-              <a:pPr marL="0" marR="0" lvl="0" indent="0" algn="l" defTabSz="914400" rtl="0" eaLnBrk="1" fontAlgn="auto" latinLnBrk="0" hangingPunct="1">
-                <a:lnSpc>
-                  <a:spcPct val="100000"/>
-                </a:lnSpc>
-                <a:spcBef>
-                  <a:spcPts val="0"/>
-                </a:spcBef>
-                <a:spcAft>
-                  <a:spcPts val="0"/>
-                </a:spcAft>
-                <a:buClrTx/>
-                <a:buSzTx/>
-                <a:buFontTx/>
-                <a:buNone/>
-                <a:tabLst/>
-                <a:defRPr/>
-              </a:pPr>
-              <a:t>2/19/2026</a:t>
-            </a:fld>
-            <a:endParaRPr kumimoji="0" lang="en-US" sz="1200" b="0" i="0" u="none" strike="noStrike" kern="1200" cap="none" spc="0" normalizeH="0" baseline="0" noProof="0">
-              <a:ln>
-                <a:noFill/>
-              </a:ln>
-              <a:solidFill>
-                <a:prstClr val="black">
-                  <a:tint val="75000"/>
-                </a:prstClr>
-              </a:solidFill>
-              <a:effectLst/>
-              <a:uLnTx/>
-              <a:uFillTx/>
-              <a:latin typeface="Calibri" panose="020F0502020204030204"/>
-              <a:ea typeface="+mn-ea"/>
-              <a:cs typeface="+mn-cs"/>
-            </a:endParaRPr>
-          </a:p>
-        </p:txBody>
-      </p:sp>
-      <p:sp>
-        <p:nvSpPr>
-          <p:cNvPr id="5" name="Footer Placeholder 4">
-            <a:extLst>
-              <a:ext uri="{FF2B5EF4-FFF2-40B4-BE49-F238E27FC236}">
-                <a16:creationId xmlns:a16="http://schemas.microsoft.com/office/drawing/2014/main" id="{026D2A87-6945-4F7F-BC28-50F9048066DB}"/>
-              </a:ext>
-            </a:extLst>
-          </p:cNvPr>
-          <p:cNvSpPr>
-            <a:spLocks noGrp="1"/>
-          </p:cNvSpPr>
-          <p:nvPr>
-            <p:ph type="ftr" sz="quarter" idx="3"/>
-          </p:nvPr>
-        </p:nvSpPr>
-        <p:spPr>
-          <a:xfrm>
-            <a:off x="4038600" y="6356350"/>
-            <a:ext cx="4114800" cy="365125"/>
-          </a:xfrm>
-          <a:prstGeom prst="rect">
-            <a:avLst/>
-          </a:prstGeom>
-        </p:spPr>
-        <p:txBody>
-          <a:bodyPr vert="horz" lIns="91440" tIns="45720" rIns="91440" bIns="45720" rtlCol="0" anchor="ctr"/>
-          <a:lstStyle>
-            <a:lvl1pPr algn="ctr">
-              <a:defRPr sz="1200">
-                <a:solidFill>
-                  <a:schemeClr val="tx1">
-                    <a:tint val="75000"/>
-                  </a:schemeClr>
-                </a:solidFill>
-              </a:defRPr>
-            </a:lvl1pPr>
-          </a:lstStyle>
-          <a:p>
-            <a:pPr marL="0" marR="0" lvl="0" indent="0" algn="ctr" defTabSz="914400" rtl="0" eaLnBrk="1" fontAlgn="auto" latinLnBrk="0" hangingPunct="1">
-              <a:lnSpc>
-                <a:spcPct val="100000"/>
-              </a:lnSpc>
-              <a:spcBef>
-                <a:spcPts val="0"/>
-              </a:spcBef>
-              <a:spcAft>
-                <a:spcPts val="0"/>
-              </a:spcAft>
-              <a:buClrTx/>
-              <a:buSzTx/>
-              <a:buFontTx/>
-              <a:buNone/>
-              <a:tabLst/>
-              <a:defRPr/>
-            </a:pPr>
-            <a:endParaRPr kumimoji="0" lang="en-US" sz="1200" b="0" i="0" u="none" strike="noStrike" kern="1200" cap="none" spc="0" normalizeH="0" baseline="0" noProof="0">
-              <a:ln>
-                <a:noFill/>
-              </a:ln>
-              <a:solidFill>
-                <a:prstClr val="black">
-                  <a:tint val="75000"/>
-                </a:prstClr>
-              </a:solidFill>
-              <a:effectLst/>
-              <a:uLnTx/>
-              <a:uFillTx/>
-              <a:latin typeface="Calibri" panose="020F0502020204030204"/>
-              <a:ea typeface="+mn-ea"/>
-              <a:cs typeface="+mn-cs"/>
-            </a:endParaRPr>
-          </a:p>
-        </p:txBody>
-      </p:sp>
-      <p:sp>
-        <p:nvSpPr>
-          <p:cNvPr id="6" name="Slide Number Placeholder 5">
-            <a:extLst>
-              <a:ext uri="{FF2B5EF4-FFF2-40B4-BE49-F238E27FC236}">
-                <a16:creationId xmlns:a16="http://schemas.microsoft.com/office/drawing/2014/main" id="{AB6BAD95-2F7B-4D3A-8EAD-0497407393C4}"/>
-              </a:ext>
-            </a:extLst>
-          </p:cNvPr>
-          <p:cNvSpPr>
-            <a:spLocks noGrp="1"/>
-          </p:cNvSpPr>
-          <p:nvPr>
-            <p:ph type="sldNum" sz="quarter" idx="4"/>
-          </p:nvPr>
-        </p:nvSpPr>
-        <p:spPr>
-          <a:xfrm>
-            <a:off x="8610600" y="6356350"/>
-            <a:ext cx="2743200" cy="365125"/>
-          </a:xfrm>
-          <a:prstGeom prst="rect">
-            <a:avLst/>
-          </a:prstGeom>
-        </p:spPr>
-        <p:txBody>
-          <a:bodyPr vert="horz" lIns="91440" tIns="45720" rIns="91440" bIns="45720" rtlCol="0" anchor="ctr"/>
-          <a:lstStyle>
-            <a:lvl1pPr algn="r">
-              <a:defRPr sz="1200">
-                <a:solidFill>
-                  <a:schemeClr val="tx1">
-                    <a:tint val="75000"/>
-                  </a:schemeClr>
-                </a:solidFill>
-              </a:defRPr>
-            </a:lvl1pPr>
-          </a:lstStyle>
-          <a:p>
-            <a:pPr marL="0" marR="0" lvl="0" indent="0" algn="r" defTabSz="914400" rtl="0" eaLnBrk="1" fontAlgn="auto" latinLnBrk="0" hangingPunct="1">
-              <a:lnSpc>
-                <a:spcPct val="100000"/>
-              </a:lnSpc>
-              <a:spcBef>
-                <a:spcPts val="0"/>
-              </a:spcBef>
-              <a:spcAft>
-                <a:spcPts val="0"/>
-              </a:spcAft>
-              <a:buClrTx/>
-              <a:buSzTx/>
-              <a:buFontTx/>
-              <a:buNone/>
-              <a:tabLst/>
-              <a:defRPr/>
-            </a:pPr>
-            <a:fld id="{698B0EB1-831C-4439-A09B-221EC37904F7}" type="slidenum">
-              <a:rPr kumimoji="0" lang="en-US" sz="1200" b="0" i="0" u="none" strike="noStrike" kern="1200" cap="none" spc="0" normalizeH="0" baseline="0" noProof="0" smtClean="0">
-                <a:ln>
-                  <a:noFill/>
-                </a:ln>
-                <a:solidFill>
-                  <a:prstClr val="black">
-                    <a:tint val="75000"/>
-                  </a:prstClr>
-                </a:solidFill>
-                <a:effectLst/>
-                <a:uLnTx/>
-                <a:uFillTx/>
-                <a:latin typeface="Calibri" panose="020F0502020204030204"/>
-                <a:ea typeface="+mn-ea"/>
-                <a:cs typeface="+mn-cs"/>
-              </a:rPr>
-              <a:pPr marL="0" marR="0" lvl="0" indent="0" algn="r" defTabSz="914400" rtl="0" eaLnBrk="1" fontAlgn="auto" latinLnBrk="0" hangingPunct="1">
-                <a:lnSpc>
-                  <a:spcPct val="100000"/>
-                </a:lnSpc>
-                <a:spcBef>
-                  <a:spcPts val="0"/>
-                </a:spcBef>
-                <a:spcAft>
-                  <a:spcPts val="0"/>
-                </a:spcAft>
-                <a:buClrTx/>
-                <a:buSzTx/>
-                <a:buFontTx/>
-                <a:buNone/>
-                <a:tabLst/>
-                <a:defRPr/>
-              </a:pPr>
-              <a:t>‹#›</a:t>
-            </a:fld>
-            <a:endParaRPr kumimoji="0" lang="en-US" sz="1200" b="0" i="0" u="none" strike="noStrike" kern="1200" cap="none" spc="0" normalizeH="0" baseline="0" noProof="0">
-              <a:ln>
-                <a:noFill/>
-              </a:ln>
-              <a:solidFill>
-                <a:prstClr val="black">
-                  <a:tint val="75000"/>
-                </a:prstClr>
-              </a:solidFill>
-              <a:effectLst/>
-              <a:uLnTx/>
-              <a:uFillTx/>
-              <a:latin typeface="Calibri" panose="020F0502020204030204"/>
-              <a:ea typeface="+mn-ea"/>
-              <a:cs typeface="+mn-cs"/>
-            </a:endParaRPr>
-          </a:p>
-        </p:txBody>
-      </p:sp>
-      <p:sp>
-        <p:nvSpPr>
-          <p:cNvPr id="7" name="Rectangle 6">
-            <a:extLst>
-              <a:ext uri="{FF2B5EF4-FFF2-40B4-BE49-F238E27FC236}">
-                <a16:creationId xmlns:a16="http://schemas.microsoft.com/office/drawing/2014/main" id="{4C70ADC1-1184-4B0D-B984-E64BB44D42B3}"/>
-              </a:ext>
-            </a:extLst>
-          </p:cNvPr>
-          <p:cNvSpPr/>
-          <p:nvPr userDrawn="1"/>
-        </p:nvSpPr>
-        <p:spPr>
-          <a:xfrm>
-            <a:off x="0" y="241300"/>
-            <a:ext cx="12192000" cy="540657"/>
-          </a:xfrm>
-          <a:prstGeom prst="rect">
-            <a:avLst/>
-          </a:prstGeom>
-          <a:blipFill>
-            <a:blip r:embed="rId2"/>
-            <a:stretch>
-              <a:fillRect/>
-            </a:stretch>
-          </a:blipFill>
-          <a:ln>
-            <a:noFill/>
-          </a:ln>
-          <a:effectLst>
-            <a:outerShdw blurRad="38100" dist="50800" dir="5400000" algn="ctr" rotWithShape="0">
-              <a:srgbClr val="000000">
-                <a:alpha val="43137"/>
-              </a:srgbClr>
-            </a:outerShdw>
-          </a:effectLst>
-        </p:spPr>
-        <p:style>
-          <a:lnRef idx="2">
-            <a:schemeClr val="accent1">
-              <a:shade val="50000"/>
-            </a:schemeClr>
-          </a:lnRef>
-          <a:fillRef idx="1">
-            <a:schemeClr val="accent1"/>
-          </a:fillRef>
-          <a:effectRef idx="0">
-            <a:schemeClr val="accent1"/>
-          </a:effectRef>
-          <a:fontRef idx="minor">
-            <a:schemeClr val="lt1"/>
-          </a:fontRef>
-        </p:style>
-        <p:txBody>
-          <a:bodyPr rtlCol="0" anchor="ctr"/>
-          <a:lstStyle/>
-          <a:p>
-            <a:pPr marL="0" marR="0" lvl="0" indent="0" algn="ctr" defTabSz="914400" rtl="0" eaLnBrk="1" fontAlgn="auto" latinLnBrk="0" hangingPunct="1">
-              <a:lnSpc>
-                <a:spcPct val="100000"/>
-              </a:lnSpc>
-              <a:spcBef>
-                <a:spcPts val="0"/>
-              </a:spcBef>
-              <a:spcAft>
-                <a:spcPts val="0"/>
-              </a:spcAft>
-              <a:buClrTx/>
-              <a:buSzTx/>
-              <a:buFontTx/>
-              <a:buNone/>
-              <a:tabLst/>
-              <a:defRPr/>
-            </a:pPr>
-            <a:endParaRPr kumimoji="0" lang="en-US" sz="1800" b="0" i="0" u="none" strike="noStrike" kern="1200" cap="none" spc="0" normalizeH="0" baseline="0" noProof="0" dirty="0">
-              <a:ln>
-                <a:noFill/>
-              </a:ln>
-              <a:solidFill>
-                <a:prstClr val="white"/>
-              </a:solidFill>
-              <a:effectLst/>
-              <a:uLnTx/>
-              <a:uFillTx/>
-              <a:latin typeface="Calibri" panose="020F0502020204030204"/>
-              <a:ea typeface="+mn-ea"/>
-              <a:cs typeface="+mn-cs"/>
-            </a:endParaRPr>
-          </a:p>
-        </p:txBody>
-      </p:sp>
-      <p:grpSp>
-        <p:nvGrpSpPr>
-          <p:cNvPr id="8" name="Group 7">
-            <a:extLst>
-              <a:ext uri="{FF2B5EF4-FFF2-40B4-BE49-F238E27FC236}">
-                <a16:creationId xmlns:a16="http://schemas.microsoft.com/office/drawing/2014/main" id="{70210908-D1A4-469C-8292-0886562935B1}"/>
-              </a:ext>
-            </a:extLst>
-          </p:cNvPr>
-          <p:cNvGrpSpPr/>
-          <p:nvPr userDrawn="1"/>
-        </p:nvGrpSpPr>
-        <p:grpSpPr>
-          <a:xfrm>
-            <a:off x="10350726" y="241300"/>
-            <a:ext cx="1649652" cy="2416181"/>
-            <a:chOff x="5373448" y="635000"/>
-            <a:chExt cx="1649652" cy="2416181"/>
-          </a:xfrm>
-          <a:gradFill>
-            <a:gsLst>
-              <a:gs pos="0">
-                <a:schemeClr val="bg1">
-                  <a:lumMod val="75000"/>
-                </a:schemeClr>
-              </a:gs>
-              <a:gs pos="100000">
-                <a:srgbClr val="7030A0"/>
-              </a:gs>
-            </a:gsLst>
-            <a:lin ang="5400000" scaled="1"/>
-          </a:gradFill>
-          <a:effectLst>
-            <a:outerShdw blurRad="50800" dist="38100" dir="5400000" algn="t" rotWithShape="0">
-              <a:prstClr val="black">
-                <a:alpha val="40000"/>
-              </a:prstClr>
-            </a:outerShdw>
-          </a:effectLst>
-        </p:grpSpPr>
-        <p:sp>
-          <p:nvSpPr>
-            <p:cNvPr id="9" name="Rectangle 8">
-              <a:extLst>
-                <a:ext uri="{FF2B5EF4-FFF2-40B4-BE49-F238E27FC236}">
-                  <a16:creationId xmlns:a16="http://schemas.microsoft.com/office/drawing/2014/main" id="{649C990E-EC9F-4C37-876B-29D97F490ABC}"/>
-                </a:ext>
-              </a:extLst>
-            </p:cNvPr>
-            <p:cNvSpPr/>
-            <p:nvPr/>
-          </p:nvSpPr>
-          <p:spPr>
-            <a:xfrm>
-              <a:off x="5391150" y="635000"/>
-              <a:ext cx="1631950" cy="2006600"/>
-            </a:xfrm>
-            <a:prstGeom prst="rect">
-              <a:avLst/>
-            </a:prstGeom>
-            <a:grpFill/>
-            <a:ln>
-              <a:noFill/>
-            </a:ln>
-          </p:spPr>
-          <p:style>
-            <a:lnRef idx="2">
-              <a:schemeClr val="accent1">
-                <a:shade val="50000"/>
-              </a:schemeClr>
-            </a:lnRef>
-            <a:fillRef idx="1">
-              <a:schemeClr val="accent1"/>
-            </a:fillRef>
-            <a:effectRef idx="0">
-              <a:schemeClr val="accent1"/>
-            </a:effectRef>
-            <a:fontRef idx="minor">
-              <a:schemeClr val="lt1"/>
-            </a:fontRef>
-          </p:style>
-          <p:txBody>
-            <a:bodyPr rtlCol="0" anchor="ctr"/>
-            <a:lstStyle/>
-            <a:p>
-              <a:pPr marL="0" marR="0" lvl="0" indent="0" algn="ctr" defTabSz="914400" rtl="0" eaLnBrk="1" fontAlgn="auto" latinLnBrk="0" hangingPunct="1">
-                <a:lnSpc>
-                  <a:spcPct val="100000"/>
-                </a:lnSpc>
-                <a:spcBef>
-                  <a:spcPts val="0"/>
-                </a:spcBef>
-                <a:spcAft>
-                  <a:spcPts val="0"/>
-                </a:spcAft>
-                <a:buClrTx/>
-                <a:buSzTx/>
-                <a:buFontTx/>
-                <a:buNone/>
-                <a:tabLst/>
-                <a:defRPr/>
-              </a:pPr>
-              <a:endParaRPr kumimoji="0" lang="en-US" sz="1800" b="0" i="0" u="none" strike="noStrike" kern="1200" cap="none" spc="0" normalizeH="0" baseline="0" noProof="0">
-                <a:ln>
-                  <a:noFill/>
-                </a:ln>
-                <a:solidFill>
-                  <a:srgbClr val="FF0000"/>
-                </a:solidFill>
-                <a:effectLst/>
-                <a:uLnTx/>
-                <a:uFillTx/>
-                <a:latin typeface="Calibri" panose="020F0502020204030204"/>
-                <a:ea typeface="+mn-ea"/>
-                <a:cs typeface="+mn-cs"/>
-              </a:endParaRPr>
-            </a:p>
-          </p:txBody>
-        </p:sp>
-        <p:sp>
-          <p:nvSpPr>
-            <p:cNvPr id="10" name="Teardrop 9">
-              <a:extLst>
-                <a:ext uri="{FF2B5EF4-FFF2-40B4-BE49-F238E27FC236}">
-                  <a16:creationId xmlns:a16="http://schemas.microsoft.com/office/drawing/2014/main" id="{23A921F5-2FA3-45CC-9E4D-7AFBF04D7E0C}"/>
-                </a:ext>
-              </a:extLst>
-            </p:cNvPr>
-            <p:cNvSpPr/>
-            <p:nvPr/>
-          </p:nvSpPr>
-          <p:spPr>
-            <a:xfrm rot="2914181">
-              <a:off x="5425147" y="2180320"/>
-              <a:ext cx="819162" cy="922559"/>
-            </a:xfrm>
-            <a:prstGeom prst="teardrop">
-              <a:avLst>
-                <a:gd name="adj" fmla="val 185364"/>
-              </a:avLst>
-            </a:prstGeom>
-            <a:grpFill/>
-            <a:ln>
-              <a:noFill/>
-            </a:ln>
-          </p:spPr>
-          <p:style>
-            <a:lnRef idx="2">
-              <a:schemeClr val="accent1">
-                <a:shade val="50000"/>
-              </a:schemeClr>
-            </a:lnRef>
-            <a:fillRef idx="1">
-              <a:schemeClr val="accent1"/>
-            </a:fillRef>
-            <a:effectRef idx="0">
-              <a:schemeClr val="accent1"/>
-            </a:effectRef>
-            <a:fontRef idx="minor">
-              <a:schemeClr val="lt1"/>
-            </a:fontRef>
-          </p:style>
-          <p:txBody>
-            <a:bodyPr rtlCol="0" anchor="ctr"/>
-            <a:lstStyle/>
-            <a:p>
-              <a:pPr marL="0" marR="0" lvl="0" indent="0" algn="ctr" defTabSz="914400" rtl="0" eaLnBrk="1" fontAlgn="auto" latinLnBrk="0" hangingPunct="1">
-                <a:lnSpc>
-                  <a:spcPct val="100000"/>
-                </a:lnSpc>
-                <a:spcBef>
-                  <a:spcPts val="0"/>
-                </a:spcBef>
-                <a:spcAft>
-                  <a:spcPts val="0"/>
-                </a:spcAft>
-                <a:buClrTx/>
-                <a:buSzTx/>
-                <a:buFontTx/>
-                <a:buNone/>
-                <a:tabLst/>
-                <a:defRPr/>
-              </a:pPr>
-              <a:endParaRPr kumimoji="0" lang="en-US" sz="1800" b="0" i="0" u="none" strike="noStrike" kern="1200" cap="none" spc="0" normalizeH="0" baseline="0" noProof="0">
-                <a:ln>
-                  <a:noFill/>
-                </a:ln>
-                <a:solidFill>
-                  <a:srgbClr val="FF0000"/>
-                </a:solidFill>
-                <a:effectLst/>
-                <a:uLnTx/>
-                <a:uFillTx/>
-                <a:latin typeface="Calibri" panose="020F0502020204030204"/>
-                <a:ea typeface="+mn-ea"/>
-                <a:cs typeface="+mn-cs"/>
-              </a:endParaRPr>
-            </a:p>
-          </p:txBody>
-        </p:sp>
-      </p:grpSp>
-      <p:pic>
-        <p:nvPicPr>
-          <p:cNvPr id="11" name="Picture 10">
-            <a:extLst>
-              <a:ext uri="{FF2B5EF4-FFF2-40B4-BE49-F238E27FC236}">
-                <a16:creationId xmlns:a16="http://schemas.microsoft.com/office/drawing/2014/main" id="{738720D9-4231-4286-8579-1F1C80EB058E}"/>
-              </a:ext>
-            </a:extLst>
-          </p:cNvPr>
-          <p:cNvPicPr>
-            <a:picLocks noChangeAspect="1"/>
-          </p:cNvPicPr>
-          <p:nvPr userDrawn="1"/>
-        </p:nvPicPr>
-        <p:blipFill>
-          <a:blip r:embed="rId3"/>
-          <a:stretch>
-            <a:fillRect/>
-          </a:stretch>
-        </p:blipFill>
-        <p:spPr>
-          <a:xfrm>
-            <a:off x="10269318" y="482600"/>
-            <a:ext cx="1812469" cy="1765300"/>
-          </a:xfrm>
-          <a:prstGeom prst="rect">
-            <a:avLst/>
-          </a:prstGeom>
-          <a:ln>
-            <a:noFill/>
-          </a:ln>
-          <a:effectLst>
-            <a:outerShdw blurRad="292100" dist="139700" dir="2700000" algn="tl" rotWithShape="0">
-              <a:srgbClr val="333333">
-                <a:alpha val="65000"/>
-              </a:srgbClr>
-            </a:outerShdw>
-          </a:effectLst>
-        </p:spPr>
-      </p:pic>
-    </p:spTree>
-    <p:extLst>
-      <p:ext uri="{BB962C8B-B14F-4D97-AF65-F5344CB8AC3E}">
-        <p14:creationId xmlns:p14="http://schemas.microsoft.com/office/powerpoint/2010/main" val="1398555496"/>
-      </p:ext>
-    </p:extLst>
-  </p:cSld>
-  <p:clrMap bg1="lt1" tx1="dk1" bg2="lt2" tx2="dk2" accent1="accent1" accent2="accent2" accent3="accent3" accent4="accent4" accent5="accent5" accent6="accent6" hlink="hlink" folHlink="folHlink"/>
   <p:txStyles>
     <p:titleStyle>
       <a:lvl1pPr algn="l" defTabSz="914400" rtl="0" eaLnBrk="1" latinLnBrk="0" hangingPunct="1">
@@ -9616,596 +7558,6 @@
   <a:extLst>
     <a:ext uri="{05A4C25C-085E-4340-85A3-A5531E510DB2}">
       <thm15:themeFamily xmlns:thm15="http://schemas.microsoft.com/office/thememl/2012/main" name="Alcohols Practice Problems" id="{BED3A8EF-292B-46C3-BFBB-06AEAADFED0C}" vid="{F7383CF8-2245-4D08-AA9D-07CBA35BF26D}"/>
-    </a:ext>
-  </a:extLst>
-</a:theme>
-</file>
-
-<file path=ppt/theme/theme2.xml><?xml version="1.0" encoding="utf-8"?>
-<a:theme xmlns:a="http://schemas.openxmlformats.org/drawingml/2006/main" name="2_Office Theme">
-  <a:themeElements>
-    <a:clrScheme name="Office">
-      <a:dk1>
-        <a:sysClr val="windowText" lastClr="000000"/>
-      </a:dk1>
-      <a:lt1>
-        <a:sysClr val="window" lastClr="FFFFFF"/>
-      </a:lt1>
-      <a:dk2>
-        <a:srgbClr val="44546A"/>
-      </a:dk2>
-      <a:lt2>
-        <a:srgbClr val="E7E6E6"/>
-      </a:lt2>
-      <a:accent1>
-        <a:srgbClr val="4472C4"/>
-      </a:accent1>
-      <a:accent2>
-        <a:srgbClr val="ED7D31"/>
-      </a:accent2>
-      <a:accent3>
-        <a:srgbClr val="A5A5A5"/>
-      </a:accent3>
-      <a:accent4>
-        <a:srgbClr val="FFC000"/>
-      </a:accent4>
-      <a:accent5>
-        <a:srgbClr val="5B9BD5"/>
-      </a:accent5>
-      <a:accent6>
-        <a:srgbClr val="70AD47"/>
-      </a:accent6>
-      <a:hlink>
-        <a:srgbClr val="0563C1"/>
-      </a:hlink>
-      <a:folHlink>
-        <a:srgbClr val="954F72"/>
-      </a:folHlink>
-    </a:clrScheme>
-    <a:fontScheme name="Office">
-      <a:majorFont>
-        <a:latin typeface="Calibri Light" panose="020F0302020204030204"/>
-        <a:ea typeface=""/>
-        <a:cs typeface=""/>
-        <a:font script="Jpan" typeface="游ゴシック Light"/>
-        <a:font script="Hang" typeface="맑은 고딕"/>
-        <a:font script="Hans" typeface="等线 Light"/>
-        <a:font script="Hant" typeface="新細明體"/>
-        <a:font script="Arab" typeface="Times New Roman"/>
-        <a:font script="Hebr" typeface="Times New Roman"/>
-        <a:font script="Thai" typeface="Angsana New"/>
-        <a:font script="Ethi" typeface="Nyala"/>
-        <a:font script="Beng" typeface="Vrinda"/>
-        <a:font script="Gujr" typeface="Shruti"/>
-        <a:font script="Khmr" typeface="MoolBoran"/>
-        <a:font script="Knda" typeface="Tunga"/>
-        <a:font script="Guru" typeface="Raavi"/>
-        <a:font script="Cans" typeface="Euphemia"/>
-        <a:font script="Cher" typeface="Plantagenet Cherokee"/>
-        <a:font script="Yiii" typeface="Microsoft Yi Baiti"/>
-        <a:font script="Tibt" typeface="Microsoft Himalaya"/>
-        <a:font script="Thaa" typeface="MV Boli"/>
-        <a:font script="Deva" typeface="Mangal"/>
-        <a:font script="Telu" typeface="Gautami"/>
-        <a:font script="Taml" typeface="Latha"/>
-        <a:font script="Syrc" typeface="Estrangelo Edessa"/>
-        <a:font script="Orya" typeface="Kalinga"/>
-        <a:font script="Mlym" typeface="Kartika"/>
-        <a:font script="Laoo" typeface="DokChampa"/>
-        <a:font script="Sinh" typeface="Iskoola Pota"/>
-        <a:font script="Mong" typeface="Mongolian Baiti"/>
-        <a:font script="Viet" typeface="Times New Roman"/>
-        <a:font script="Uigh" typeface="Microsoft Uighur"/>
-        <a:font script="Geor" typeface="Sylfaen"/>
-        <a:font script="Armn" typeface="Arial"/>
-        <a:font script="Bugi" typeface="Leelawadee UI"/>
-        <a:font script="Bopo" typeface="Microsoft JhengHei"/>
-        <a:font script="Java" typeface="Javanese Text"/>
-        <a:font script="Lisu" typeface="Segoe UI"/>
-        <a:font script="Mymr" typeface="Myanmar Text"/>
-        <a:font script="Nkoo" typeface="Ebrima"/>
-        <a:font script="Olck" typeface="Nirmala UI"/>
-        <a:font script="Osma" typeface="Ebrima"/>
-        <a:font script="Phag" typeface="Phagspa"/>
-        <a:font script="Syrn" typeface="Estrangelo Edessa"/>
-        <a:font script="Syrj" typeface="Estrangelo Edessa"/>
-        <a:font script="Syre" typeface="Estrangelo Edessa"/>
-        <a:font script="Sora" typeface="Nirmala UI"/>
-        <a:font script="Tale" typeface="Microsoft Tai Le"/>
-        <a:font script="Talu" typeface="Microsoft New Tai Lue"/>
-        <a:font script="Tfng" typeface="Ebrima"/>
-      </a:majorFont>
-      <a:minorFont>
-        <a:latin typeface="Calibri" panose="020F0502020204030204"/>
-        <a:ea typeface=""/>
-        <a:cs typeface=""/>
-        <a:font script="Jpan" typeface="游ゴシック"/>
-        <a:font script="Hang" typeface="맑은 고딕"/>
-        <a:font script="Hans" typeface="等线"/>
-        <a:font script="Hant" typeface="新細明體"/>
-        <a:font script="Arab" typeface="Arial"/>
-        <a:font script="Hebr" typeface="Arial"/>
-        <a:font script="Thai" typeface="Cordia New"/>
-        <a:font script="Ethi" typeface="Nyala"/>
-        <a:font script="Beng" typeface="Vrinda"/>
-        <a:font script="Gujr" typeface="Shruti"/>
-        <a:font script="Khmr" typeface="DaunPenh"/>
-        <a:font script="Knda" typeface="Tunga"/>
-        <a:font script="Guru" typeface="Raavi"/>
-        <a:font script="Cans" typeface="Euphemia"/>
-        <a:font script="Cher" typeface="Plantagenet Cherokee"/>
-        <a:font script="Yiii" typeface="Microsoft Yi Baiti"/>
-        <a:font script="Tibt" typeface="Microsoft Himalaya"/>
-        <a:font script="Thaa" typeface="MV Boli"/>
-        <a:font script="Deva" typeface="Mangal"/>
-        <a:font script="Telu" typeface="Gautami"/>
-        <a:font script="Taml" typeface="Latha"/>
-        <a:font script="Syrc" typeface="Estrangelo Edessa"/>
-        <a:font script="Orya" typeface="Kalinga"/>
-        <a:font script="Mlym" typeface="Kartika"/>
-        <a:font script="Laoo" typeface="DokChampa"/>
-        <a:font script="Sinh" typeface="Iskoola Pota"/>
-        <a:font script="Mong" typeface="Mongolian Baiti"/>
-        <a:font script="Viet" typeface="Arial"/>
-        <a:font script="Uigh" typeface="Microsoft Uighur"/>
-        <a:font script="Geor" typeface="Sylfaen"/>
-        <a:font script="Armn" typeface="Arial"/>
-        <a:font script="Bugi" typeface="Leelawadee UI"/>
-        <a:font script="Bopo" typeface="Microsoft JhengHei"/>
-        <a:font script="Java" typeface="Javanese Text"/>
-        <a:font script="Lisu" typeface="Segoe UI"/>
-        <a:font script="Mymr" typeface="Myanmar Text"/>
-        <a:font script="Nkoo" typeface="Ebrima"/>
-        <a:font script="Olck" typeface="Nirmala UI"/>
-        <a:font script="Osma" typeface="Ebrima"/>
-        <a:font script="Phag" typeface="Phagspa"/>
-        <a:font script="Syrn" typeface="Estrangelo Edessa"/>
-        <a:font script="Syrj" typeface="Estrangelo Edessa"/>
-        <a:font script="Syre" typeface="Estrangelo Edessa"/>
-        <a:font script="Sora" typeface="Nirmala UI"/>
-        <a:font script="Tale" typeface="Microsoft Tai Le"/>
-        <a:font script="Talu" typeface="Microsoft New Tai Lue"/>
-        <a:font script="Tfng" typeface="Ebrima"/>
-      </a:minorFont>
-    </a:fontScheme>
-    <a:fmtScheme name="Office">
-      <a:fillStyleLst>
-        <a:solidFill>
-          <a:schemeClr val="phClr"/>
-        </a:solidFill>
-        <a:gradFill rotWithShape="1">
-          <a:gsLst>
-            <a:gs pos="0">
-              <a:schemeClr val="phClr">
-                <a:lumMod val="110000"/>
-                <a:satMod val="105000"/>
-                <a:tint val="67000"/>
-              </a:schemeClr>
-            </a:gs>
-            <a:gs pos="50000">
-              <a:schemeClr val="phClr">
-                <a:lumMod val="105000"/>
-                <a:satMod val="103000"/>
-                <a:tint val="73000"/>
-              </a:schemeClr>
-            </a:gs>
-            <a:gs pos="100000">
-              <a:schemeClr val="phClr">
-                <a:lumMod val="105000"/>
-                <a:satMod val="109000"/>
-                <a:tint val="81000"/>
-              </a:schemeClr>
-            </a:gs>
-          </a:gsLst>
-          <a:lin ang="5400000" scaled="0"/>
-        </a:gradFill>
-        <a:gradFill rotWithShape="1">
-          <a:gsLst>
-            <a:gs pos="0">
-              <a:schemeClr val="phClr">
-                <a:satMod val="103000"/>
-                <a:lumMod val="102000"/>
-                <a:tint val="94000"/>
-              </a:schemeClr>
-            </a:gs>
-            <a:gs pos="50000">
-              <a:schemeClr val="phClr">
-                <a:satMod val="110000"/>
-                <a:lumMod val="100000"/>
-                <a:shade val="100000"/>
-              </a:schemeClr>
-            </a:gs>
-            <a:gs pos="100000">
-              <a:schemeClr val="phClr">
-                <a:lumMod val="99000"/>
-                <a:satMod val="120000"/>
-                <a:shade val="78000"/>
-              </a:schemeClr>
-            </a:gs>
-          </a:gsLst>
-          <a:lin ang="5400000" scaled="0"/>
-        </a:gradFill>
-      </a:fillStyleLst>
-      <a:lnStyleLst>
-        <a:ln w="6350" cap="flat" cmpd="sng" algn="ctr">
-          <a:solidFill>
-            <a:schemeClr val="phClr"/>
-          </a:solidFill>
-          <a:prstDash val="solid"/>
-          <a:miter lim="800000"/>
-        </a:ln>
-        <a:ln w="12700" cap="flat" cmpd="sng" algn="ctr">
-          <a:solidFill>
-            <a:schemeClr val="phClr"/>
-          </a:solidFill>
-          <a:prstDash val="solid"/>
-          <a:miter lim="800000"/>
-        </a:ln>
-        <a:ln w="19050" cap="flat" cmpd="sng" algn="ctr">
-          <a:solidFill>
-            <a:schemeClr val="phClr"/>
-          </a:solidFill>
-          <a:prstDash val="solid"/>
-          <a:miter lim="800000"/>
-        </a:ln>
-      </a:lnStyleLst>
-      <a:effectStyleLst>
-        <a:effectStyle>
-          <a:effectLst/>
-        </a:effectStyle>
-        <a:effectStyle>
-          <a:effectLst/>
-        </a:effectStyle>
-        <a:effectStyle>
-          <a:effectLst>
-            <a:outerShdw blurRad="57150" dist="19050" dir="5400000" algn="ctr" rotWithShape="0">
-              <a:srgbClr val="000000">
-                <a:alpha val="63000"/>
-              </a:srgbClr>
-            </a:outerShdw>
-          </a:effectLst>
-        </a:effectStyle>
-      </a:effectStyleLst>
-      <a:bgFillStyleLst>
-        <a:solidFill>
-          <a:schemeClr val="phClr"/>
-        </a:solidFill>
-        <a:solidFill>
-          <a:schemeClr val="phClr">
-            <a:tint val="95000"/>
-            <a:satMod val="170000"/>
-          </a:schemeClr>
-        </a:solidFill>
-        <a:gradFill rotWithShape="1">
-          <a:gsLst>
-            <a:gs pos="0">
-              <a:schemeClr val="phClr">
-                <a:tint val="93000"/>
-                <a:satMod val="150000"/>
-                <a:shade val="98000"/>
-                <a:lumMod val="102000"/>
-              </a:schemeClr>
-            </a:gs>
-            <a:gs pos="50000">
-              <a:schemeClr val="phClr">
-                <a:tint val="98000"/>
-                <a:satMod val="130000"/>
-                <a:shade val="90000"/>
-                <a:lumMod val="103000"/>
-              </a:schemeClr>
-            </a:gs>
-            <a:gs pos="100000">
-              <a:schemeClr val="phClr">
-                <a:shade val="63000"/>
-                <a:satMod val="120000"/>
-              </a:schemeClr>
-            </a:gs>
-          </a:gsLst>
-          <a:lin ang="5400000" scaled="0"/>
-        </a:gradFill>
-      </a:bgFillStyleLst>
-    </a:fmtScheme>
-  </a:themeElements>
-  <a:objectDefaults/>
-  <a:extraClrSchemeLst/>
-  <a:extLst>
-    <a:ext uri="{05A4C25C-085E-4340-85A3-A5531E510DB2}">
-      <thm15:themeFamily xmlns:thm15="http://schemas.microsoft.com/office/thememl/2012/main" name="Presentation1" id="{CE9A0C13-2CCB-4F92-8A0E-E6C2DCD1F7B1}" vid="{243EA940-D5F3-4787-B928-CF67E8CF8082}"/>
-    </a:ext>
-  </a:extLst>
-</a:theme>
-</file>
-
-<file path=ppt/theme/theme3.xml><?xml version="1.0" encoding="utf-8"?>
-<a:theme xmlns:a="http://schemas.openxmlformats.org/drawingml/2006/main" name="1_Office Theme">
-  <a:themeElements>
-    <a:clrScheme name="Office">
-      <a:dk1>
-        <a:sysClr val="windowText" lastClr="000000"/>
-      </a:dk1>
-      <a:lt1>
-        <a:sysClr val="window" lastClr="FFFFFF"/>
-      </a:lt1>
-      <a:dk2>
-        <a:srgbClr val="44546A"/>
-      </a:dk2>
-      <a:lt2>
-        <a:srgbClr val="E7E6E6"/>
-      </a:lt2>
-      <a:accent1>
-        <a:srgbClr val="4472C4"/>
-      </a:accent1>
-      <a:accent2>
-        <a:srgbClr val="ED7D31"/>
-      </a:accent2>
-      <a:accent3>
-        <a:srgbClr val="A5A5A5"/>
-      </a:accent3>
-      <a:accent4>
-        <a:srgbClr val="FFC000"/>
-      </a:accent4>
-      <a:accent5>
-        <a:srgbClr val="5B9BD5"/>
-      </a:accent5>
-      <a:accent6>
-        <a:srgbClr val="70AD47"/>
-      </a:accent6>
-      <a:hlink>
-        <a:srgbClr val="0563C1"/>
-      </a:hlink>
-      <a:folHlink>
-        <a:srgbClr val="954F72"/>
-      </a:folHlink>
-    </a:clrScheme>
-    <a:fontScheme name="Office">
-      <a:majorFont>
-        <a:latin typeface="Calibri Light" panose="020F0302020204030204"/>
-        <a:ea typeface=""/>
-        <a:cs typeface=""/>
-        <a:font script="Jpan" typeface="游ゴシック Light"/>
-        <a:font script="Hang" typeface="맑은 고딕"/>
-        <a:font script="Hans" typeface="等线 Light"/>
-        <a:font script="Hant" typeface="新細明體"/>
-        <a:font script="Arab" typeface="Times New Roman"/>
-        <a:font script="Hebr" typeface="Times New Roman"/>
-        <a:font script="Thai" typeface="Angsana New"/>
-        <a:font script="Ethi" typeface="Nyala"/>
-        <a:font script="Beng" typeface="Vrinda"/>
-        <a:font script="Gujr" typeface="Shruti"/>
-        <a:font script="Khmr" typeface="MoolBoran"/>
-        <a:font script="Knda" typeface="Tunga"/>
-        <a:font script="Guru" typeface="Raavi"/>
-        <a:font script="Cans" typeface="Euphemia"/>
-        <a:font script="Cher" typeface="Plantagenet Cherokee"/>
-        <a:font script="Yiii" typeface="Microsoft Yi Baiti"/>
-        <a:font script="Tibt" typeface="Microsoft Himalaya"/>
-        <a:font script="Thaa" typeface="MV Boli"/>
-        <a:font script="Deva" typeface="Mangal"/>
-        <a:font script="Telu" typeface="Gautami"/>
-        <a:font script="Taml" typeface="Latha"/>
-        <a:font script="Syrc" typeface="Estrangelo Edessa"/>
-        <a:font script="Orya" typeface="Kalinga"/>
-        <a:font script="Mlym" typeface="Kartika"/>
-        <a:font script="Laoo" typeface="DokChampa"/>
-        <a:font script="Sinh" typeface="Iskoola Pota"/>
-        <a:font script="Mong" typeface="Mongolian Baiti"/>
-        <a:font script="Viet" typeface="Times New Roman"/>
-        <a:font script="Uigh" typeface="Microsoft Uighur"/>
-        <a:font script="Geor" typeface="Sylfaen"/>
-        <a:font script="Armn" typeface="Arial"/>
-        <a:font script="Bugi" typeface="Leelawadee UI"/>
-        <a:font script="Bopo" typeface="Microsoft JhengHei"/>
-        <a:font script="Java" typeface="Javanese Text"/>
-        <a:font script="Lisu" typeface="Segoe UI"/>
-        <a:font script="Mymr" typeface="Myanmar Text"/>
-        <a:font script="Nkoo" typeface="Ebrima"/>
-        <a:font script="Olck" typeface="Nirmala UI"/>
-        <a:font script="Osma" typeface="Ebrima"/>
-        <a:font script="Phag" typeface="Phagspa"/>
-        <a:font script="Syrn" typeface="Estrangelo Edessa"/>
-        <a:font script="Syrj" typeface="Estrangelo Edessa"/>
-        <a:font script="Syre" typeface="Estrangelo Edessa"/>
-        <a:font script="Sora" typeface="Nirmala UI"/>
-        <a:font script="Tale" typeface="Microsoft Tai Le"/>
-        <a:font script="Talu" typeface="Microsoft New Tai Lue"/>
-        <a:font script="Tfng" typeface="Ebrima"/>
-      </a:majorFont>
-      <a:minorFont>
-        <a:latin typeface="Calibri" panose="020F0502020204030204"/>
-        <a:ea typeface=""/>
-        <a:cs typeface=""/>
-        <a:font script="Jpan" typeface="游ゴシック"/>
-        <a:font script="Hang" typeface="맑은 고딕"/>
-        <a:font script="Hans" typeface="等线"/>
-        <a:font script="Hant" typeface="新細明體"/>
-        <a:font script="Arab" typeface="Arial"/>
-        <a:font script="Hebr" typeface="Arial"/>
-        <a:font script="Thai" typeface="Cordia New"/>
-        <a:font script="Ethi" typeface="Nyala"/>
-        <a:font script="Beng" typeface="Vrinda"/>
-        <a:font script="Gujr" typeface="Shruti"/>
-        <a:font script="Khmr" typeface="DaunPenh"/>
-        <a:font script="Knda" typeface="Tunga"/>
-        <a:font script="Guru" typeface="Raavi"/>
-        <a:font script="Cans" typeface="Euphemia"/>
-        <a:font script="Cher" typeface="Plantagenet Cherokee"/>
-        <a:font script="Yiii" typeface="Microsoft Yi Baiti"/>
-        <a:font script="Tibt" typeface="Microsoft Himalaya"/>
-        <a:font script="Thaa" typeface="MV Boli"/>
-        <a:font script="Deva" typeface="Mangal"/>
-        <a:font script="Telu" typeface="Gautami"/>
-        <a:font script="Taml" typeface="Latha"/>
-        <a:font script="Syrc" typeface="Estrangelo Edessa"/>
-        <a:font script="Orya" typeface="Kalinga"/>
-        <a:font script="Mlym" typeface="Kartika"/>
-        <a:font script="Laoo" typeface="DokChampa"/>
-        <a:font script="Sinh" typeface="Iskoola Pota"/>
-        <a:font script="Mong" typeface="Mongolian Baiti"/>
-        <a:font script="Viet" typeface="Arial"/>
-        <a:font script="Uigh" typeface="Microsoft Uighur"/>
-        <a:font script="Geor" typeface="Sylfaen"/>
-        <a:font script="Armn" typeface="Arial"/>
-        <a:font script="Bugi" typeface="Leelawadee UI"/>
-        <a:font script="Bopo" typeface="Microsoft JhengHei"/>
-        <a:font script="Java" typeface="Javanese Text"/>
-        <a:font script="Lisu" typeface="Segoe UI"/>
-        <a:font script="Mymr" typeface="Myanmar Text"/>
-        <a:font script="Nkoo" typeface="Ebrima"/>
-        <a:font script="Olck" typeface="Nirmala UI"/>
-        <a:font script="Osma" typeface="Ebrima"/>
-        <a:font script="Phag" typeface="Phagspa"/>
-        <a:font script="Syrn" typeface="Estrangelo Edessa"/>
-        <a:font script="Syrj" typeface="Estrangelo Edessa"/>
-        <a:font script="Syre" typeface="Estrangelo Edessa"/>
-        <a:font script="Sora" typeface="Nirmala UI"/>
-        <a:font script="Tale" typeface="Microsoft Tai Le"/>
-        <a:font script="Talu" typeface="Microsoft New Tai Lue"/>
-        <a:font script="Tfng" typeface="Ebrima"/>
-      </a:minorFont>
-    </a:fontScheme>
-    <a:fmtScheme name="Office">
-      <a:fillStyleLst>
-        <a:solidFill>
-          <a:schemeClr val="phClr"/>
-        </a:solidFill>
-        <a:gradFill rotWithShape="1">
-          <a:gsLst>
-            <a:gs pos="0">
-              <a:schemeClr val="phClr">
-                <a:lumMod val="110000"/>
-                <a:satMod val="105000"/>
-                <a:tint val="67000"/>
-              </a:schemeClr>
-            </a:gs>
-            <a:gs pos="50000">
-              <a:schemeClr val="phClr">
-                <a:lumMod val="105000"/>
-                <a:satMod val="103000"/>
-                <a:tint val="73000"/>
-              </a:schemeClr>
-            </a:gs>
-            <a:gs pos="100000">
-              <a:schemeClr val="phClr">
-                <a:lumMod val="105000"/>
-                <a:satMod val="109000"/>
-                <a:tint val="81000"/>
-              </a:schemeClr>
-            </a:gs>
-          </a:gsLst>
-          <a:lin ang="5400000" scaled="0"/>
-        </a:gradFill>
-        <a:gradFill rotWithShape="1">
-          <a:gsLst>
-            <a:gs pos="0">
-              <a:schemeClr val="phClr">
-                <a:satMod val="103000"/>
-                <a:lumMod val="102000"/>
-                <a:tint val="94000"/>
-              </a:schemeClr>
-            </a:gs>
-            <a:gs pos="50000">
-              <a:schemeClr val="phClr">
-                <a:satMod val="110000"/>
-                <a:lumMod val="100000"/>
-                <a:shade val="100000"/>
-              </a:schemeClr>
-            </a:gs>
-            <a:gs pos="100000">
-              <a:schemeClr val="phClr">
-                <a:lumMod val="99000"/>
-                <a:satMod val="120000"/>
-                <a:shade val="78000"/>
-              </a:schemeClr>
-            </a:gs>
-          </a:gsLst>
-          <a:lin ang="5400000" scaled="0"/>
-        </a:gradFill>
-      </a:fillStyleLst>
-      <a:lnStyleLst>
-        <a:ln w="6350" cap="flat" cmpd="sng" algn="ctr">
-          <a:solidFill>
-            <a:schemeClr val="phClr"/>
-          </a:solidFill>
-          <a:prstDash val="solid"/>
-          <a:miter lim="800000"/>
-        </a:ln>
-        <a:ln w="12700" cap="flat" cmpd="sng" algn="ctr">
-          <a:solidFill>
-            <a:schemeClr val="phClr"/>
-          </a:solidFill>
-          <a:prstDash val="solid"/>
-          <a:miter lim="800000"/>
-        </a:ln>
-        <a:ln w="19050" cap="flat" cmpd="sng" algn="ctr">
-          <a:solidFill>
-            <a:schemeClr val="phClr"/>
-          </a:solidFill>
-          <a:prstDash val="solid"/>
-          <a:miter lim="800000"/>
-        </a:ln>
-      </a:lnStyleLst>
-      <a:effectStyleLst>
-        <a:effectStyle>
-          <a:effectLst/>
-        </a:effectStyle>
-        <a:effectStyle>
-          <a:effectLst/>
-        </a:effectStyle>
-        <a:effectStyle>
-          <a:effectLst>
-            <a:outerShdw blurRad="57150" dist="19050" dir="5400000" algn="ctr" rotWithShape="0">
-              <a:srgbClr val="000000">
-                <a:alpha val="63000"/>
-              </a:srgbClr>
-            </a:outerShdw>
-          </a:effectLst>
-        </a:effectStyle>
-      </a:effectStyleLst>
-      <a:bgFillStyleLst>
-        <a:solidFill>
-          <a:schemeClr val="phClr"/>
-        </a:solidFill>
-        <a:solidFill>
-          <a:schemeClr val="phClr">
-            <a:tint val="95000"/>
-            <a:satMod val="170000"/>
-          </a:schemeClr>
-        </a:solidFill>
-        <a:gradFill rotWithShape="1">
-          <a:gsLst>
-            <a:gs pos="0">
-              <a:schemeClr val="phClr">
-                <a:tint val="93000"/>
-                <a:satMod val="150000"/>
-                <a:shade val="98000"/>
-                <a:lumMod val="102000"/>
-              </a:schemeClr>
-            </a:gs>
-            <a:gs pos="50000">
-              <a:schemeClr val="phClr">
-                <a:tint val="98000"/>
-                <a:satMod val="130000"/>
-                <a:shade val="90000"/>
-                <a:lumMod val="103000"/>
-              </a:schemeClr>
-            </a:gs>
-            <a:gs pos="100000">
-              <a:schemeClr val="phClr">
-                <a:shade val="63000"/>
-                <a:satMod val="120000"/>
-              </a:schemeClr>
-            </a:gs>
-          </a:gsLst>
-          <a:lin ang="5400000" scaled="0"/>
-        </a:gradFill>
-      </a:bgFillStyleLst>
-    </a:fmtScheme>
-  </a:themeElements>
-  <a:objectDefaults/>
-  <a:extraClrSchemeLst/>
-  <a:extLst>
-    <a:ext uri="{05A4C25C-085E-4340-85A3-A5531E510DB2}">
-      <thm15:themeFamily xmlns:thm15="http://schemas.microsoft.com/office/thememl/2012/main" name="Presentation1" id="{CE9A0C13-2CCB-4F92-8A0E-E6C2DCD1F7B1}" vid="{243EA940-D5F3-4787-B928-CF67E8CF8082}"/>
     </a:ext>
   </a:extLst>
 </a:theme>

--- a/alcoholquestions.pptx
+++ b/alcoholquestions.pptx
@@ -132,7 +132,7 @@
   <pc:docChgLst>
     <pc:chgData name="Brennan Brown" userId="bcf6cc9e-21d7-4e63-b7dc-a8459bd698b0" providerId="ADAL" clId="{30F1509B-5785-4C08-8791-C8021B43727B}"/>
     <pc:docChg chg="undo redo custSel addSld delSld modSld sldOrd delMainMaster modMainMaster">
-      <pc:chgData name="Brennan Brown" userId="bcf6cc9e-21d7-4e63-b7dc-a8459bd698b0" providerId="ADAL" clId="{30F1509B-5785-4C08-8791-C8021B43727B}" dt="2026-02-19T15:26:40.760" v="164" actId="20578"/>
+      <pc:chgData name="Brennan Brown" userId="bcf6cc9e-21d7-4e63-b7dc-a8459bd698b0" providerId="ADAL" clId="{30F1509B-5785-4C08-8791-C8021B43727B}" dt="2026-02-19T15:26:50.851" v="166" actId="680"/>
       <pc:docMkLst>
         <pc:docMk/>
       </pc:docMkLst>
@@ -395,7 +395,14 @@
         </pc:spChg>
       </pc:sldChg>
       <pc:sldChg chg="new">
-        <pc:chgData name="Brennan Brown" userId="bcf6cc9e-21d7-4e63-b7dc-a8459bd698b0" providerId="ADAL" clId="{30F1509B-5785-4C08-8791-C8021B43727B}" dt="2026-02-19T15:10:55.640" v="160" actId="680"/>
+        <pc:chgData name="Brennan Brown" userId="bcf6cc9e-21d7-4e63-b7dc-a8459bd698b0" providerId="ADAL" clId="{30F1509B-5785-4C08-8791-C8021B43727B}" dt="2026-02-19T15:26:50.851" v="166" actId="680"/>
+        <pc:sldMkLst>
+          <pc:docMk/>
+          <pc:sldMk cId="385433050" sldId="338"/>
+        </pc:sldMkLst>
+      </pc:sldChg>
+      <pc:sldChg chg="new del">
+        <pc:chgData name="Brennan Brown" userId="bcf6cc9e-21d7-4e63-b7dc-a8459bd698b0" providerId="ADAL" clId="{30F1509B-5785-4C08-8791-C8021B43727B}" dt="2026-02-19T15:26:47.427" v="165" actId="47"/>
         <pc:sldMkLst>
           <pc:docMk/>
           <pc:sldMk cId="2336822022" sldId="338"/>
@@ -7210,7 +7217,7 @@
           <p:cNvPr id="2" name="Online Image Placeholder 1">
             <a:extLst>
               <a:ext uri="{FF2B5EF4-FFF2-40B4-BE49-F238E27FC236}">
-                <a16:creationId xmlns:a16="http://schemas.microsoft.com/office/drawing/2014/main" id="{CB50A119-D8E8-3E6C-EBB1-BF280168A5BE}"/>
+                <a16:creationId xmlns:a16="http://schemas.microsoft.com/office/drawing/2014/main" id="{DBB1E2A0-DC6B-6B84-CDD2-903531F585EA}"/>
               </a:ext>
             </a:extLst>
           </p:cNvPr>
@@ -7222,20 +7229,13 @@
           </p:nvPr>
         </p:nvSpPr>
         <p:spPr/>
-        <p:txBody>
-          <a:bodyPr/>
-          <a:lstStyle/>
-          <a:p>
-            <a:endParaRPr lang="en-US"/>
-          </a:p>
-        </p:txBody>
       </p:sp>
       <p:sp>
         <p:nvSpPr>
           <p:cNvPr id="3" name="Online Image Placeholder 2">
             <a:extLst>
               <a:ext uri="{FF2B5EF4-FFF2-40B4-BE49-F238E27FC236}">
-                <a16:creationId xmlns:a16="http://schemas.microsoft.com/office/drawing/2014/main" id="{12B0E730-6B73-028B-C7D1-E4418AC6DEDE}"/>
+                <a16:creationId xmlns:a16="http://schemas.microsoft.com/office/drawing/2014/main" id="{3F215092-FA07-33D5-C86B-88E3E602570A}"/>
               </a:ext>
             </a:extLst>
           </p:cNvPr>
@@ -7247,18 +7247,11 @@
           </p:nvPr>
         </p:nvSpPr>
         <p:spPr/>
-        <p:txBody>
-          <a:bodyPr/>
-          <a:lstStyle/>
-          <a:p>
-            <a:endParaRPr lang="en-US"/>
-          </a:p>
-        </p:txBody>
       </p:sp>
     </p:spTree>
     <p:extLst>
       <p:ext uri="{BB962C8B-B14F-4D97-AF65-F5344CB8AC3E}">
-        <p14:creationId xmlns:p14="http://schemas.microsoft.com/office/powerpoint/2010/main" val="2336822022"/>
+        <p14:creationId xmlns:p14="http://schemas.microsoft.com/office/powerpoint/2010/main" val="385433050"/>
       </p:ext>
     </p:extLst>
   </p:cSld>

--- a/alcoholquestions.pptx
+++ b/alcoholquestions.pptx
@@ -13,6 +13,7 @@
     <p:sldId id="335" r:id="rId10"/>
     <p:sldId id="336" r:id="rId11"/>
     <p:sldId id="338" r:id="rId12"/>
+    <p:sldId id="339" r:id="rId13"/>
   </p:sldIdLst>
   <p:sldSz cx="12192000" cy="6858000"/>
   <p:notesSz cx="6858000" cy="9144000"/>
@@ -122,7 +123,7 @@
 <file path=ppt/revisionInfo.xml><?xml version="1.0" encoding="utf-8"?>
 <p1510:revInfo xmlns:a="http://schemas.openxmlformats.org/drawingml/2006/main" xmlns:r="http://schemas.openxmlformats.org/officeDocument/2006/relationships" xmlns:p1510="http://schemas.microsoft.com/office/powerpoint/2015/10/main">
   <p1510:revLst>
-    <p1510:client id="{35CB8859-946B-47B2-B238-137014B76091}" v="13" dt="2026-02-19T15:26:22.076"/>
+    <p1510:client id="{35CB8859-946B-47B2-B238-137014B76091}" v="18" dt="2026-02-19T15:27:54.443"/>
   </p1510:revLst>
 </p1510:revInfo>
 </file>
@@ -132,7 +133,7 @@
   <pc:docChgLst>
     <pc:chgData name="Brennan Brown" userId="bcf6cc9e-21d7-4e63-b7dc-a8459bd698b0" providerId="ADAL" clId="{30F1509B-5785-4C08-8791-C8021B43727B}"/>
     <pc:docChg chg="undo redo custSel addSld delSld modSld sldOrd delMainMaster modMainMaster">
-      <pc:chgData name="Brennan Brown" userId="bcf6cc9e-21d7-4e63-b7dc-a8459bd698b0" providerId="ADAL" clId="{30F1509B-5785-4C08-8791-C8021B43727B}" dt="2026-02-19T15:26:50.851" v="166" actId="680"/>
+      <pc:chgData name="Brennan Brown" userId="bcf6cc9e-21d7-4e63-b7dc-a8459bd698b0" providerId="ADAL" clId="{30F1509B-5785-4C08-8791-C8021B43727B}" dt="2026-02-19T15:27:54.443" v="172"/>
       <pc:docMkLst>
         <pc:docMk/>
       </pc:docMkLst>
@@ -394,12 +395,52 @@
           </ac:spMkLst>
         </pc:spChg>
       </pc:sldChg>
-      <pc:sldChg chg="new">
-        <pc:chgData name="Brennan Brown" userId="bcf6cc9e-21d7-4e63-b7dc-a8459bd698b0" providerId="ADAL" clId="{30F1509B-5785-4C08-8791-C8021B43727B}" dt="2026-02-19T15:26:50.851" v="166" actId="680"/>
+      <pc:sldChg chg="addSp delSp modSp new">
+        <pc:chgData name="Brennan Brown" userId="bcf6cc9e-21d7-4e63-b7dc-a8459bd698b0" providerId="ADAL" clId="{30F1509B-5785-4C08-8791-C8021B43727B}" dt="2026-02-19T15:27:32.588" v="170"/>
         <pc:sldMkLst>
           <pc:docMk/>
           <pc:sldMk cId="385433050" sldId="338"/>
         </pc:sldMkLst>
+        <pc:spChg chg="del">
+          <ac:chgData name="Brennan Brown" userId="bcf6cc9e-21d7-4e63-b7dc-a8459bd698b0" providerId="ADAL" clId="{30F1509B-5785-4C08-8791-C8021B43727B}" dt="2026-02-19T15:27:20.100" v="167"/>
+          <ac:spMkLst>
+            <pc:docMk/>
+            <pc:sldMk cId="385433050" sldId="338"/>
+            <ac:spMk id="2" creationId="{DBB1E2A0-DC6B-6B84-CDD2-903531F585EA}"/>
+          </ac:spMkLst>
+        </pc:spChg>
+        <pc:spChg chg="add del">
+          <ac:chgData name="Brennan Brown" userId="bcf6cc9e-21d7-4e63-b7dc-a8459bd698b0" providerId="ADAL" clId="{30F1509B-5785-4C08-8791-C8021B43727B}" dt="2026-02-19T15:27:32.588" v="170"/>
+          <ac:spMkLst>
+            <pc:docMk/>
+            <pc:sldMk cId="385433050" sldId="338"/>
+            <ac:spMk id="3" creationId="{3F215092-FA07-33D5-C86B-88E3E602570A}"/>
+          </ac:spMkLst>
+        </pc:spChg>
+        <pc:spChg chg="add mod">
+          <ac:chgData name="Brennan Brown" userId="bcf6cc9e-21d7-4e63-b7dc-a8459bd698b0" providerId="ADAL" clId="{30F1509B-5785-4C08-8791-C8021B43727B}" dt="2026-02-19T15:27:28.817" v="169"/>
+          <ac:spMkLst>
+            <pc:docMk/>
+            <pc:sldMk cId="385433050" sldId="338"/>
+            <ac:spMk id="5" creationId="{369C9740-C61D-1D1A-DD0A-F92E4838CE87}"/>
+          </ac:spMkLst>
+        </pc:spChg>
+        <pc:picChg chg="add mod">
+          <ac:chgData name="Brennan Brown" userId="bcf6cc9e-21d7-4e63-b7dc-a8459bd698b0" providerId="ADAL" clId="{30F1509B-5785-4C08-8791-C8021B43727B}" dt="2026-02-19T15:27:20.100" v="167"/>
+          <ac:picMkLst>
+            <pc:docMk/>
+            <pc:sldMk cId="385433050" sldId="338"/>
+            <ac:picMk id="4" creationId="{D3801708-34EC-BF9D-FA44-635252D12940}"/>
+          </ac:picMkLst>
+        </pc:picChg>
+        <pc:picChg chg="add mod">
+          <ac:chgData name="Brennan Brown" userId="bcf6cc9e-21d7-4e63-b7dc-a8459bd698b0" providerId="ADAL" clId="{30F1509B-5785-4C08-8791-C8021B43727B}" dt="2026-02-19T15:27:32.588" v="170"/>
+          <ac:picMkLst>
+            <pc:docMk/>
+            <pc:sldMk cId="385433050" sldId="338"/>
+            <ac:picMk id="6" creationId="{82C9C93E-2739-E26C-9484-68718786D68C}"/>
+          </ac:picMkLst>
+        </pc:picChg>
       </pc:sldChg>
       <pc:sldChg chg="new del">
         <pc:chgData name="Brennan Brown" userId="bcf6cc9e-21d7-4e63-b7dc-a8459bd698b0" providerId="ADAL" clId="{30F1509B-5785-4C08-8791-C8021B43727B}" dt="2026-02-19T15:26:47.427" v="165" actId="47"/>
@@ -407,6 +448,29 @@
           <pc:docMk/>
           <pc:sldMk cId="2336822022" sldId="338"/>
         </pc:sldMkLst>
+      </pc:sldChg>
+      <pc:sldChg chg="addSp delSp modSp new">
+        <pc:chgData name="Brennan Brown" userId="bcf6cc9e-21d7-4e63-b7dc-a8459bd698b0" providerId="ADAL" clId="{30F1509B-5785-4C08-8791-C8021B43727B}" dt="2026-02-19T15:27:54.443" v="172"/>
+        <pc:sldMkLst>
+          <pc:docMk/>
+          <pc:sldMk cId="3014626694" sldId="339"/>
+        </pc:sldMkLst>
+        <pc:spChg chg="del">
+          <ac:chgData name="Brennan Brown" userId="bcf6cc9e-21d7-4e63-b7dc-a8459bd698b0" providerId="ADAL" clId="{30F1509B-5785-4C08-8791-C8021B43727B}" dt="2026-02-19T15:27:54.443" v="172"/>
+          <ac:spMkLst>
+            <pc:docMk/>
+            <pc:sldMk cId="3014626694" sldId="339"/>
+            <ac:spMk id="2" creationId="{85CE3E16-AE82-735E-5398-E4C162E9CD14}"/>
+          </ac:spMkLst>
+        </pc:spChg>
+        <pc:picChg chg="add mod">
+          <ac:chgData name="Brennan Brown" userId="bcf6cc9e-21d7-4e63-b7dc-a8459bd698b0" providerId="ADAL" clId="{30F1509B-5785-4C08-8791-C8021B43727B}" dt="2026-02-19T15:27:54.443" v="172"/>
+          <ac:picMkLst>
+            <pc:docMk/>
+            <pc:sldMk cId="3014626694" sldId="339"/>
+            <ac:picMk id="4" creationId="{F40C66BF-BC57-6854-6FEC-0F6F8F5377D5}"/>
+          </ac:picMkLst>
+        </pc:picChg>
       </pc:sldChg>
       <pc:sldMasterChg chg="modSldLayout sldLayoutOrd">
         <pc:chgData name="Brennan Brown" userId="bcf6cc9e-21d7-4e63-b7dc-a8459bd698b0" providerId="ADAL" clId="{30F1509B-5785-4C08-8791-C8021B43727B}" dt="2026-02-19T15:26:40.760" v="164" actId="20578"/>
@@ -7212,46 +7276,175 @@
           <a:chExt cx="0" cy="0"/>
         </a:xfrm>
       </p:grpSpPr>
-      <p:sp>
-        <p:nvSpPr>
-          <p:cNvPr id="2" name="Online Image Placeholder 1">
-            <a:extLst>
-              <a:ext uri="{FF2B5EF4-FFF2-40B4-BE49-F238E27FC236}">
-                <a16:creationId xmlns:a16="http://schemas.microsoft.com/office/drawing/2014/main" id="{DBB1E2A0-DC6B-6B84-CDD2-903531F585EA}"/>
-              </a:ext>
-            </a:extLst>
-          </p:cNvPr>
-          <p:cNvSpPr>
-            <a:spLocks noGrp="1"/>
-          </p:cNvSpPr>
+      <p:pic>
+        <p:nvPicPr>
+          <p:cNvPr id="4" name="Online Image Placeholder 3">
+            <a:extLst>
+              <a:ext uri="{FF2B5EF4-FFF2-40B4-BE49-F238E27FC236}">
+                <a16:creationId xmlns:a16="http://schemas.microsoft.com/office/drawing/2014/main" id="{D3801708-34EC-BF9D-FA44-635252D12940}"/>
+              </a:ext>
+            </a:extLst>
+          </p:cNvPr>
+          <p:cNvPicPr>
+            <a:picLocks noGrp="1" noChangeAspect="1"/>
+          </p:cNvPicPr>
           <p:nvPr>
             <p:ph type="clipArt" sz="quarter" idx="13"/>
           </p:nvPr>
-        </p:nvSpPr>
-        <p:spPr/>
-      </p:sp>
-      <p:sp>
-        <p:nvSpPr>
-          <p:cNvPr id="3" name="Online Image Placeholder 2">
-            <a:extLst>
-              <a:ext uri="{FF2B5EF4-FFF2-40B4-BE49-F238E27FC236}">
-                <a16:creationId xmlns:a16="http://schemas.microsoft.com/office/drawing/2014/main" id="{3F215092-FA07-33D5-C86B-88E3E602570A}"/>
-              </a:ext>
-            </a:extLst>
-          </p:cNvPr>
-          <p:cNvSpPr>
-            <a:spLocks noGrp="1"/>
-          </p:cNvSpPr>
+        </p:nvPicPr>
+        <p:blipFill>
+          <a:blip r:embed="rId2"/>
+          <a:stretch>
+            <a:fillRect/>
+          </a:stretch>
+        </p:blipFill>
+        <p:spPr>
+          <a:xfrm>
+            <a:off x="3978584" y="1030288"/>
+            <a:ext cx="4234832" cy="1514475"/>
+          </a:xfrm>
+          <a:prstGeom prst="rect">
+            <a:avLst/>
+          </a:prstGeom>
+        </p:spPr>
+      </p:pic>
+      <p:pic>
+        <p:nvPicPr>
+          <p:cNvPr id="6" name="Online Image Placeholder 5">
+            <a:extLst>
+              <a:ext uri="{FF2B5EF4-FFF2-40B4-BE49-F238E27FC236}">
+                <a16:creationId xmlns:a16="http://schemas.microsoft.com/office/drawing/2014/main" id="{82C9C93E-2739-E26C-9484-68718786D68C}"/>
+              </a:ext>
+            </a:extLst>
+          </p:cNvPr>
+          <p:cNvPicPr>
+            <a:picLocks noGrp="1" noChangeAspect="1"/>
+          </p:cNvPicPr>
           <p:nvPr>
             <p:ph type="clipArt" sz="quarter" idx="14"/>
           </p:nvPr>
-        </p:nvSpPr>
-        <p:spPr/>
-      </p:sp>
+        </p:nvPicPr>
+        <p:blipFill>
+          <a:blip r:embed="rId3"/>
+          <a:stretch>
+            <a:fillRect/>
+          </a:stretch>
+        </p:blipFill>
+        <p:spPr>
+          <a:xfrm>
+            <a:off x="2482850" y="4666300"/>
+            <a:ext cx="7226300" cy="806763"/>
+          </a:xfrm>
+          <a:prstGeom prst="rect">
+            <a:avLst/>
+          </a:prstGeom>
+        </p:spPr>
+      </p:pic>
     </p:spTree>
     <p:extLst>
       <p:ext uri="{BB962C8B-B14F-4D97-AF65-F5344CB8AC3E}">
         <p14:creationId xmlns:p14="http://schemas.microsoft.com/office/powerpoint/2010/main" val="385433050"/>
+      </p:ext>
+    </p:extLst>
+  </p:cSld>
+  <p:clrMapOvr>
+    <a:masterClrMapping/>
+  </p:clrMapOvr>
+</p:sld>
+</file>
+
+<file path=ppt/slides/slide9.xml><?xml version="1.0" encoding="utf-8"?>
+<p:sld xmlns:a="http://schemas.openxmlformats.org/drawingml/2006/main" xmlns:r="http://schemas.openxmlformats.org/officeDocument/2006/relationships" xmlns:p="http://schemas.openxmlformats.org/presentationml/2006/main">
+  <p:cSld>
+    <p:spTree>
+      <p:nvGrpSpPr>
+        <p:cNvPr id="1" name=""/>
+        <p:cNvGrpSpPr/>
+        <p:nvPr/>
+      </p:nvGrpSpPr>
+      <p:grpSpPr>
+        <a:xfrm>
+          <a:off x="0" y="0"/>
+          <a:ext cx="0" cy="0"/>
+          <a:chOff x="0" y="0"/>
+          <a:chExt cx="0" cy="0"/>
+        </a:xfrm>
+      </p:grpSpPr>
+      <p:sp>
+        <p:nvSpPr>
+          <p:cNvPr id="3" name="Online Image Placeholder 2">
+            <a:extLst>
+              <a:ext uri="{FF2B5EF4-FFF2-40B4-BE49-F238E27FC236}">
+                <a16:creationId xmlns:a16="http://schemas.microsoft.com/office/drawing/2014/main" id="{6BBE792D-41DD-2E8B-E303-A4716CA5D31A}"/>
+              </a:ext>
+            </a:extLst>
+          </p:cNvPr>
+          <p:cNvSpPr>
+            <a:spLocks noGrp="1"/>
+          </p:cNvSpPr>
+          <p:nvPr>
+            <p:ph type="clipArt" sz="quarter" idx="14"/>
+          </p:nvPr>
+        </p:nvSpPr>
+        <p:spPr/>
+        <p:txBody>
+          <a:bodyPr/>
+          <a:lstStyle/>
+          <a:p>
+            <a:endParaRPr lang="en-US"/>
+          </a:p>
+        </p:txBody>
+      </p:sp>
+      <p:pic>
+        <p:nvPicPr>
+          <p:cNvPr id="4" name="Online Image Placeholder 3">
+            <a:extLst>
+              <a:ext uri="{FF2B5EF4-FFF2-40B4-BE49-F238E27FC236}">
+                <a16:creationId xmlns:a16="http://schemas.microsoft.com/office/drawing/2014/main" id="{F40C66BF-BC57-6854-6FEC-0F6F8F5377D5}"/>
+              </a:ext>
+            </a:extLst>
+          </p:cNvPr>
+          <p:cNvPicPr>
+            <a:picLocks noGrp="1" noChangeAspect="1"/>
+          </p:cNvPicPr>
+          <p:nvPr>
+            <p:ph type="clipArt" sz="quarter" idx="13"/>
+          </p:nvPr>
+        </p:nvPicPr>
+        <p:blipFill>
+          <a:blip r:embed="rId2"/>
+          <a:stretch>
+            <a:fillRect/>
+          </a:stretch>
+        </p:blipFill>
+        <p:spPr>
+          <a:xfrm>
+            <a:off x="4205057" y="1030288"/>
+            <a:ext cx="3781885" cy="1514475"/>
+          </a:xfrm>
+          <a:prstGeom prst="rect">
+            <a:avLst/>
+          </a:prstGeom>
+          <a:ln w="38100" cap="sq">
+            <a:solidFill>
+              <a:srgbClr val="000000"/>
+            </a:solidFill>
+            <a:prstDash val="solid"/>
+            <a:miter lim="800000"/>
+          </a:ln>
+          <a:effectLst>
+            <a:outerShdw blurRad="50800" dist="38100" dir="2700000" algn="tl" rotWithShape="0">
+              <a:srgbClr val="000000">
+                <a:alpha val="43000"/>
+              </a:srgbClr>
+            </a:outerShdw>
+          </a:effectLst>
+        </p:spPr>
+      </p:pic>
+    </p:spTree>
+    <p:extLst>
+      <p:ext uri="{BB962C8B-B14F-4D97-AF65-F5344CB8AC3E}">
+        <p14:creationId xmlns:p14="http://schemas.microsoft.com/office/powerpoint/2010/main" val="3014626694"/>
       </p:ext>
     </p:extLst>
   </p:cSld>

--- a/alcoholquestions.pptx
+++ b/alcoholquestions.pptx
@@ -133,7 +133,7 @@
   <pc:docChgLst>
     <pc:chgData name="Brennan Brown" userId="bcf6cc9e-21d7-4e63-b7dc-a8459bd698b0" providerId="ADAL" clId="{30F1509B-5785-4C08-8791-C8021B43727B}"/>
     <pc:docChg chg="undo redo custSel addSld delSld modSld sldOrd delMainMaster modMainMaster">
-      <pc:chgData name="Brennan Brown" userId="bcf6cc9e-21d7-4e63-b7dc-a8459bd698b0" providerId="ADAL" clId="{30F1509B-5785-4C08-8791-C8021B43727B}" dt="2026-02-19T15:27:54.443" v="172"/>
+      <pc:chgData name="Brennan Brown" userId="bcf6cc9e-21d7-4e63-b7dc-a8459bd698b0" providerId="ADAL" clId="{30F1509B-5785-4C08-8791-C8021B43727B}" dt="2026-02-19T15:28:19.073" v="173" actId="478"/>
       <pc:docMkLst>
         <pc:docMk/>
       </pc:docMkLst>
@@ -449,8 +449,8 @@
           <pc:sldMk cId="2336822022" sldId="338"/>
         </pc:sldMkLst>
       </pc:sldChg>
-      <pc:sldChg chg="addSp delSp modSp new">
-        <pc:chgData name="Brennan Brown" userId="bcf6cc9e-21d7-4e63-b7dc-a8459bd698b0" providerId="ADAL" clId="{30F1509B-5785-4C08-8791-C8021B43727B}" dt="2026-02-19T15:27:54.443" v="172"/>
+      <pc:sldChg chg="addSp delSp modSp new mod">
+        <pc:chgData name="Brennan Brown" userId="bcf6cc9e-21d7-4e63-b7dc-a8459bd698b0" providerId="ADAL" clId="{30F1509B-5785-4C08-8791-C8021B43727B}" dt="2026-02-19T15:28:19.073" v="173" actId="478"/>
         <pc:sldMkLst>
           <pc:docMk/>
           <pc:sldMk cId="3014626694" sldId="339"/>
@@ -463,8 +463,16 @@
             <ac:spMk id="2" creationId="{85CE3E16-AE82-735E-5398-E4C162E9CD14}"/>
           </ac:spMkLst>
         </pc:spChg>
-        <pc:picChg chg="add mod">
-          <ac:chgData name="Brennan Brown" userId="bcf6cc9e-21d7-4e63-b7dc-a8459bd698b0" providerId="ADAL" clId="{30F1509B-5785-4C08-8791-C8021B43727B}" dt="2026-02-19T15:27:54.443" v="172"/>
+        <pc:spChg chg="add mod">
+          <ac:chgData name="Brennan Brown" userId="bcf6cc9e-21d7-4e63-b7dc-a8459bd698b0" providerId="ADAL" clId="{30F1509B-5785-4C08-8791-C8021B43727B}" dt="2026-02-19T15:28:19.073" v="173" actId="478"/>
+          <ac:spMkLst>
+            <pc:docMk/>
+            <pc:sldMk cId="3014626694" sldId="339"/>
+            <ac:spMk id="6" creationId="{DBCFE1C9-367E-D67C-A093-56E783B0DA59}"/>
+          </ac:spMkLst>
+        </pc:spChg>
+        <pc:picChg chg="add del mod">
+          <ac:chgData name="Brennan Brown" userId="bcf6cc9e-21d7-4e63-b7dc-a8459bd698b0" providerId="ADAL" clId="{30F1509B-5785-4C08-8791-C8021B43727B}" dt="2026-02-19T15:28:19.073" v="173" actId="478"/>
           <ac:picMkLst>
             <pc:docMk/>
             <pc:sldMk cId="3014626694" sldId="339"/>
@@ -7395,52 +7403,31 @@
           </a:p>
         </p:txBody>
       </p:sp>
-      <p:pic>
-        <p:nvPicPr>
-          <p:cNvPr id="4" name="Online Image Placeholder 3">
-            <a:extLst>
-              <a:ext uri="{FF2B5EF4-FFF2-40B4-BE49-F238E27FC236}">
-                <a16:creationId xmlns:a16="http://schemas.microsoft.com/office/drawing/2014/main" id="{F40C66BF-BC57-6854-6FEC-0F6F8F5377D5}"/>
-              </a:ext>
-            </a:extLst>
-          </p:cNvPr>
-          <p:cNvPicPr>
-            <a:picLocks noGrp="1" noChangeAspect="1"/>
-          </p:cNvPicPr>
+      <p:sp>
+        <p:nvSpPr>
+          <p:cNvPr id="6" name="Online Image Placeholder 5">
+            <a:extLst>
+              <a:ext uri="{FF2B5EF4-FFF2-40B4-BE49-F238E27FC236}">
+                <a16:creationId xmlns:a16="http://schemas.microsoft.com/office/drawing/2014/main" id="{DBCFE1C9-367E-D67C-A093-56E783B0DA59}"/>
+              </a:ext>
+            </a:extLst>
+          </p:cNvPr>
+          <p:cNvSpPr>
+            <a:spLocks noGrp="1"/>
+          </p:cNvSpPr>
           <p:nvPr>
             <p:ph type="clipArt" sz="quarter" idx="13"/>
           </p:nvPr>
-        </p:nvPicPr>
-        <p:blipFill>
-          <a:blip r:embed="rId2"/>
-          <a:stretch>
-            <a:fillRect/>
-          </a:stretch>
-        </p:blipFill>
-        <p:spPr>
-          <a:xfrm>
-            <a:off x="4205057" y="1030288"/>
-            <a:ext cx="3781885" cy="1514475"/>
-          </a:xfrm>
-          <a:prstGeom prst="rect">
-            <a:avLst/>
-          </a:prstGeom>
-          <a:ln w="38100" cap="sq">
-            <a:solidFill>
-              <a:srgbClr val="000000"/>
-            </a:solidFill>
-            <a:prstDash val="solid"/>
-            <a:miter lim="800000"/>
-          </a:ln>
-          <a:effectLst>
-            <a:outerShdw blurRad="50800" dist="38100" dir="2700000" algn="tl" rotWithShape="0">
-              <a:srgbClr val="000000">
-                <a:alpha val="43000"/>
-              </a:srgbClr>
-            </a:outerShdw>
-          </a:effectLst>
-        </p:spPr>
-      </p:pic>
+        </p:nvSpPr>
+        <p:spPr/>
+        <p:txBody>
+          <a:bodyPr/>
+          <a:lstStyle/>
+          <a:p>
+            <a:endParaRPr lang="en-US"/>
+          </a:p>
+        </p:txBody>
+      </p:sp>
     </p:spTree>
     <p:extLst>
       <p:ext uri="{BB962C8B-B14F-4D97-AF65-F5344CB8AC3E}">

--- a/alcoholquestions.pptx
+++ b/alcoholquestions.pptx
@@ -14,6 +14,7 @@
     <p:sldId id="336" r:id="rId11"/>
     <p:sldId id="338" r:id="rId12"/>
     <p:sldId id="339" r:id="rId13"/>
+    <p:sldId id="340" r:id="rId14"/>
   </p:sldIdLst>
   <p:sldSz cx="12192000" cy="6858000"/>
   <p:notesSz cx="6858000" cy="9144000"/>
@@ -123,7 +124,7 @@
 <file path=ppt/revisionInfo.xml><?xml version="1.0" encoding="utf-8"?>
 <p1510:revInfo xmlns:a="http://schemas.openxmlformats.org/drawingml/2006/main" xmlns:r="http://schemas.openxmlformats.org/officeDocument/2006/relationships" xmlns:p1510="http://schemas.microsoft.com/office/powerpoint/2015/10/main">
   <p1510:revLst>
-    <p1510:client id="{35CB8859-946B-47B2-B238-137014B76091}" v="18" dt="2026-02-19T15:27:54.443"/>
+    <p1510:client id="{35CB8859-946B-47B2-B238-137014B76091}" v="19" dt="2026-02-19T15:28:42.350"/>
   </p1510:revLst>
 </p1510:revInfo>
 </file>
@@ -133,7 +134,7 @@
   <pc:docChgLst>
     <pc:chgData name="Brennan Brown" userId="bcf6cc9e-21d7-4e63-b7dc-a8459bd698b0" providerId="ADAL" clId="{30F1509B-5785-4C08-8791-C8021B43727B}"/>
     <pc:docChg chg="undo redo custSel addSld delSld modSld sldOrd delMainMaster modMainMaster">
-      <pc:chgData name="Brennan Brown" userId="bcf6cc9e-21d7-4e63-b7dc-a8459bd698b0" providerId="ADAL" clId="{30F1509B-5785-4C08-8791-C8021B43727B}" dt="2026-02-19T15:28:19.073" v="173" actId="478"/>
+      <pc:chgData name="Brennan Brown" userId="bcf6cc9e-21d7-4e63-b7dc-a8459bd698b0" providerId="ADAL" clId="{30F1509B-5785-4C08-8791-C8021B43727B}" dt="2026-02-19T15:28:47.476" v="176" actId="680"/>
       <pc:docMkLst>
         <pc:docMk/>
       </pc:docMkLst>
@@ -450,7 +451,7 @@
         </pc:sldMkLst>
       </pc:sldChg>
       <pc:sldChg chg="addSp delSp modSp new mod">
-        <pc:chgData name="Brennan Brown" userId="bcf6cc9e-21d7-4e63-b7dc-a8459bd698b0" providerId="ADAL" clId="{30F1509B-5785-4C08-8791-C8021B43727B}" dt="2026-02-19T15:28:19.073" v="173" actId="478"/>
+        <pc:chgData name="Brennan Brown" userId="bcf6cc9e-21d7-4e63-b7dc-a8459bd698b0" providerId="ADAL" clId="{30F1509B-5785-4C08-8791-C8021B43727B}" dt="2026-02-19T15:28:42.350" v="175"/>
         <pc:sldMkLst>
           <pc:docMk/>
           <pc:sldMk cId="3014626694" sldId="339"/>
@@ -463,8 +464,16 @@
             <ac:spMk id="2" creationId="{85CE3E16-AE82-735E-5398-E4C162E9CD14}"/>
           </ac:spMkLst>
         </pc:spChg>
-        <pc:spChg chg="add mod">
-          <ac:chgData name="Brennan Brown" userId="bcf6cc9e-21d7-4e63-b7dc-a8459bd698b0" providerId="ADAL" clId="{30F1509B-5785-4C08-8791-C8021B43727B}" dt="2026-02-19T15:28:19.073" v="173" actId="478"/>
+        <pc:spChg chg="del">
+          <ac:chgData name="Brennan Brown" userId="bcf6cc9e-21d7-4e63-b7dc-a8459bd698b0" providerId="ADAL" clId="{30F1509B-5785-4C08-8791-C8021B43727B}" dt="2026-02-19T15:28:42.350" v="175"/>
+          <ac:spMkLst>
+            <pc:docMk/>
+            <pc:sldMk cId="3014626694" sldId="339"/>
+            <ac:spMk id="3" creationId="{6BBE792D-41DD-2E8B-E303-A4716CA5D31A}"/>
+          </ac:spMkLst>
+        </pc:spChg>
+        <pc:spChg chg="add del mod">
+          <ac:chgData name="Brennan Brown" userId="bcf6cc9e-21d7-4e63-b7dc-a8459bd698b0" providerId="ADAL" clId="{30F1509B-5785-4C08-8791-C8021B43727B}" dt="2026-02-19T15:28:31.344" v="174" actId="22"/>
           <ac:spMkLst>
             <pc:docMk/>
             <pc:sldMk cId="3014626694" sldId="339"/>
@@ -479,6 +488,29 @@
             <ac:picMk id="4" creationId="{F40C66BF-BC57-6854-6FEC-0F6F8F5377D5}"/>
           </ac:picMkLst>
         </pc:picChg>
+        <pc:picChg chg="add mod ord">
+          <ac:chgData name="Brennan Brown" userId="bcf6cc9e-21d7-4e63-b7dc-a8459bd698b0" providerId="ADAL" clId="{30F1509B-5785-4C08-8791-C8021B43727B}" dt="2026-02-19T15:28:31.344" v="174" actId="22"/>
+          <ac:picMkLst>
+            <pc:docMk/>
+            <pc:sldMk cId="3014626694" sldId="339"/>
+            <ac:picMk id="8" creationId="{1604B358-AA62-A4D9-CBBF-FADCF25BA970}"/>
+          </ac:picMkLst>
+        </pc:picChg>
+        <pc:picChg chg="add mod">
+          <ac:chgData name="Brennan Brown" userId="bcf6cc9e-21d7-4e63-b7dc-a8459bd698b0" providerId="ADAL" clId="{30F1509B-5785-4C08-8791-C8021B43727B}" dt="2026-02-19T15:28:42.350" v="175"/>
+          <ac:picMkLst>
+            <pc:docMk/>
+            <pc:sldMk cId="3014626694" sldId="339"/>
+            <ac:picMk id="9" creationId="{9FADD5FF-99B8-4B5A-AA92-EFCD259292F5}"/>
+          </ac:picMkLst>
+        </pc:picChg>
+      </pc:sldChg>
+      <pc:sldChg chg="new">
+        <pc:chgData name="Brennan Brown" userId="bcf6cc9e-21d7-4e63-b7dc-a8459bd698b0" providerId="ADAL" clId="{30F1509B-5785-4C08-8791-C8021B43727B}" dt="2026-02-19T15:28:47.476" v="176" actId="680"/>
+        <pc:sldMkLst>
+          <pc:docMk/>
+          <pc:sldMk cId="4104179299" sldId="340"/>
+        </pc:sldMkLst>
       </pc:sldChg>
       <pc:sldMasterChg chg="modSldLayout sldLayoutOrd">
         <pc:chgData name="Brennan Brown" userId="bcf6cc9e-21d7-4e63-b7dc-a8459bd698b0" providerId="ADAL" clId="{30F1509B-5785-4C08-8791-C8021B43727B}" dt="2026-02-19T15:26:40.760" v="164" actId="20578"/>
@@ -5970,6 +6002,72 @@
 </p:sld>
 </file>
 
+<file path=ppt/slides/slide10.xml><?xml version="1.0" encoding="utf-8"?>
+<p:sld xmlns:a="http://schemas.openxmlformats.org/drawingml/2006/main" xmlns:r="http://schemas.openxmlformats.org/officeDocument/2006/relationships" xmlns:p="http://schemas.openxmlformats.org/presentationml/2006/main">
+  <p:cSld>
+    <p:spTree>
+      <p:nvGrpSpPr>
+        <p:cNvPr id="1" name=""/>
+        <p:cNvGrpSpPr/>
+        <p:nvPr/>
+      </p:nvGrpSpPr>
+      <p:grpSpPr>
+        <a:xfrm>
+          <a:off x="0" y="0"/>
+          <a:ext cx="0" cy="0"/>
+          <a:chOff x="0" y="0"/>
+          <a:chExt cx="0" cy="0"/>
+        </a:xfrm>
+      </p:grpSpPr>
+      <p:sp>
+        <p:nvSpPr>
+          <p:cNvPr id="2" name="Online Image Placeholder 1">
+            <a:extLst>
+              <a:ext uri="{FF2B5EF4-FFF2-40B4-BE49-F238E27FC236}">
+                <a16:creationId xmlns:a16="http://schemas.microsoft.com/office/drawing/2014/main" id="{521264B4-EBF3-A6AC-DCF7-36A62FC3170F}"/>
+              </a:ext>
+            </a:extLst>
+          </p:cNvPr>
+          <p:cNvSpPr>
+            <a:spLocks noGrp="1"/>
+          </p:cNvSpPr>
+          <p:nvPr>
+            <p:ph type="clipArt" sz="quarter" idx="13"/>
+          </p:nvPr>
+        </p:nvSpPr>
+        <p:spPr/>
+      </p:sp>
+      <p:sp>
+        <p:nvSpPr>
+          <p:cNvPr id="3" name="Online Image Placeholder 2">
+            <a:extLst>
+              <a:ext uri="{FF2B5EF4-FFF2-40B4-BE49-F238E27FC236}">
+                <a16:creationId xmlns:a16="http://schemas.microsoft.com/office/drawing/2014/main" id="{E1DDA4AC-7D63-B0B2-CD47-14F69514BE92}"/>
+              </a:ext>
+            </a:extLst>
+          </p:cNvPr>
+          <p:cNvSpPr>
+            <a:spLocks noGrp="1"/>
+          </p:cNvSpPr>
+          <p:nvPr>
+            <p:ph type="clipArt" sz="quarter" idx="14"/>
+          </p:nvPr>
+        </p:nvSpPr>
+        <p:spPr/>
+      </p:sp>
+    </p:spTree>
+    <p:extLst>
+      <p:ext uri="{BB962C8B-B14F-4D97-AF65-F5344CB8AC3E}">
+        <p14:creationId xmlns:p14="http://schemas.microsoft.com/office/powerpoint/2010/main" val="4104179299"/>
+      </p:ext>
+    </p:extLst>
+  </p:cSld>
+  <p:clrMapOvr>
+    <a:masterClrMapping/>
+  </p:clrMapOvr>
+</p:sld>
+</file>
+
 <file path=ppt/slides/slide2.xml><?xml version="1.0" encoding="utf-8"?>
 <p:sld xmlns:a="http://schemas.openxmlformats.org/drawingml/2006/main" xmlns:r="http://schemas.openxmlformats.org/officeDocument/2006/relationships" xmlns:p="http://schemas.openxmlformats.org/presentationml/2006/main">
   <p:cSld>
@@ -7378,56 +7476,70 @@
           <a:chExt cx="0" cy="0"/>
         </a:xfrm>
       </p:grpSpPr>
-      <p:sp>
-        <p:nvSpPr>
-          <p:cNvPr id="3" name="Online Image Placeholder 2">
-            <a:extLst>
-              <a:ext uri="{FF2B5EF4-FFF2-40B4-BE49-F238E27FC236}">
-                <a16:creationId xmlns:a16="http://schemas.microsoft.com/office/drawing/2014/main" id="{6BBE792D-41DD-2E8B-E303-A4716CA5D31A}"/>
-              </a:ext>
-            </a:extLst>
-          </p:cNvPr>
-          <p:cNvSpPr>
-            <a:spLocks noGrp="1"/>
-          </p:cNvSpPr>
+      <p:pic>
+        <p:nvPicPr>
+          <p:cNvPr id="8" name="Online Image Placeholder 7">
+            <a:extLst>
+              <a:ext uri="{FF2B5EF4-FFF2-40B4-BE49-F238E27FC236}">
+                <a16:creationId xmlns:a16="http://schemas.microsoft.com/office/drawing/2014/main" id="{1604B358-AA62-A4D9-CBBF-FADCF25BA970}"/>
+              </a:ext>
+            </a:extLst>
+          </p:cNvPr>
+          <p:cNvPicPr>
+            <a:picLocks noGrp="1" noChangeAspect="1"/>
+          </p:cNvPicPr>
+          <p:nvPr>
+            <p:ph type="clipArt" sz="quarter" idx="13"/>
+          </p:nvPr>
+        </p:nvPicPr>
+        <p:blipFill>
+          <a:blip r:embed="rId2"/>
+          <a:stretch>
+            <a:fillRect/>
+          </a:stretch>
+        </p:blipFill>
+        <p:spPr>
+          <a:xfrm>
+            <a:off x="4276471" y="1092103"/>
+            <a:ext cx="3639058" cy="1390844"/>
+          </a:xfrm>
+          <a:prstGeom prst="rect">
+            <a:avLst/>
+          </a:prstGeom>
+        </p:spPr>
+      </p:pic>
+      <p:pic>
+        <p:nvPicPr>
+          <p:cNvPr id="9" name="Online Image Placeholder 8">
+            <a:extLst>
+              <a:ext uri="{FF2B5EF4-FFF2-40B4-BE49-F238E27FC236}">
+                <a16:creationId xmlns:a16="http://schemas.microsoft.com/office/drawing/2014/main" id="{9FADD5FF-99B8-4B5A-AA92-EFCD259292F5}"/>
+              </a:ext>
+            </a:extLst>
+          </p:cNvPr>
+          <p:cNvPicPr>
+            <a:picLocks noGrp="1" noChangeAspect="1"/>
+          </p:cNvPicPr>
           <p:nvPr>
             <p:ph type="clipArt" sz="quarter" idx="14"/>
           </p:nvPr>
-        </p:nvSpPr>
-        <p:spPr/>
-        <p:txBody>
-          <a:bodyPr/>
-          <a:lstStyle/>
-          <a:p>
-            <a:endParaRPr lang="en-US"/>
-          </a:p>
-        </p:txBody>
-      </p:sp>
-      <p:sp>
-        <p:nvSpPr>
-          <p:cNvPr id="6" name="Online Image Placeholder 5">
-            <a:extLst>
-              <a:ext uri="{FF2B5EF4-FFF2-40B4-BE49-F238E27FC236}">
-                <a16:creationId xmlns:a16="http://schemas.microsoft.com/office/drawing/2014/main" id="{DBCFE1C9-367E-D67C-A093-56E783B0DA59}"/>
-              </a:ext>
-            </a:extLst>
-          </p:cNvPr>
-          <p:cNvSpPr>
-            <a:spLocks noGrp="1"/>
-          </p:cNvSpPr>
-          <p:nvPr>
-            <p:ph type="clipArt" sz="quarter" idx="13"/>
-          </p:nvPr>
-        </p:nvSpPr>
-        <p:spPr/>
-        <p:txBody>
-          <a:bodyPr/>
-          <a:lstStyle/>
-          <a:p>
-            <a:endParaRPr lang="en-US"/>
-          </a:p>
-        </p:txBody>
-      </p:sp>
+        </p:nvPicPr>
+        <p:blipFill>
+          <a:blip r:embed="rId3"/>
+          <a:stretch>
+            <a:fillRect/>
+          </a:stretch>
+        </p:blipFill>
+        <p:spPr>
+          <a:xfrm>
+            <a:off x="2482850" y="4605659"/>
+            <a:ext cx="7226300" cy="928044"/>
+          </a:xfrm>
+          <a:prstGeom prst="rect">
+            <a:avLst/>
+          </a:prstGeom>
+        </p:spPr>
+      </p:pic>
     </p:spTree>
     <p:extLst>
       <p:ext uri="{BB962C8B-B14F-4D97-AF65-F5344CB8AC3E}">

--- a/alcoholquestions.pptx
+++ b/alcoholquestions.pptx
@@ -134,7 +134,7 @@
   <pc:docChgLst>
     <pc:chgData name="Brennan Brown" userId="bcf6cc9e-21d7-4e63-b7dc-a8459bd698b0" providerId="ADAL" clId="{30F1509B-5785-4C08-8791-C8021B43727B}"/>
     <pc:docChg chg="undo redo custSel addSld delSld modSld sldOrd delMainMaster modMainMaster">
-      <pc:chgData name="Brennan Brown" userId="bcf6cc9e-21d7-4e63-b7dc-a8459bd698b0" providerId="ADAL" clId="{30F1509B-5785-4C08-8791-C8021B43727B}" dt="2026-02-19T15:28:47.476" v="176" actId="680"/>
+      <pc:chgData name="Brennan Brown" userId="bcf6cc9e-21d7-4e63-b7dc-a8459bd698b0" providerId="ADAL" clId="{30F1509B-5785-4C08-8791-C8021B43727B}" dt="2026-02-19T15:29:36.932" v="179" actId="22"/>
       <pc:docMkLst>
         <pc:docMk/>
       </pc:docMkLst>
@@ -505,12 +505,44 @@
           </ac:picMkLst>
         </pc:picChg>
       </pc:sldChg>
-      <pc:sldChg chg="new">
-        <pc:chgData name="Brennan Brown" userId="bcf6cc9e-21d7-4e63-b7dc-a8459bd698b0" providerId="ADAL" clId="{30F1509B-5785-4C08-8791-C8021B43727B}" dt="2026-02-19T15:28:47.476" v="176" actId="680"/>
+      <pc:sldChg chg="addSp delSp modSp new mod">
+        <pc:chgData name="Brennan Brown" userId="bcf6cc9e-21d7-4e63-b7dc-a8459bd698b0" providerId="ADAL" clId="{30F1509B-5785-4C08-8791-C8021B43727B}" dt="2026-02-19T15:29:36.932" v="179" actId="22"/>
         <pc:sldMkLst>
           <pc:docMk/>
           <pc:sldMk cId="4104179299" sldId="340"/>
         </pc:sldMkLst>
+        <pc:spChg chg="del">
+          <ac:chgData name="Brennan Brown" userId="bcf6cc9e-21d7-4e63-b7dc-a8459bd698b0" providerId="ADAL" clId="{30F1509B-5785-4C08-8791-C8021B43727B}" dt="2026-02-19T15:29:04.511" v="177" actId="22"/>
+          <ac:spMkLst>
+            <pc:docMk/>
+            <pc:sldMk cId="4104179299" sldId="340"/>
+            <ac:spMk id="2" creationId="{521264B4-EBF3-A6AC-DCF7-36A62FC3170F}"/>
+          </ac:spMkLst>
+        </pc:spChg>
+        <pc:spChg chg="add del mod">
+          <ac:chgData name="Brennan Brown" userId="bcf6cc9e-21d7-4e63-b7dc-a8459bd698b0" providerId="ADAL" clId="{30F1509B-5785-4C08-8791-C8021B43727B}" dt="2026-02-19T15:29:36.932" v="179" actId="22"/>
+          <ac:spMkLst>
+            <pc:docMk/>
+            <pc:sldMk cId="4104179299" sldId="340"/>
+            <ac:spMk id="7" creationId="{D133DBF4-5ED8-B0AA-1481-F2323A30FF4D}"/>
+          </ac:spMkLst>
+        </pc:spChg>
+        <pc:picChg chg="add del mod ord">
+          <ac:chgData name="Brennan Brown" userId="bcf6cc9e-21d7-4e63-b7dc-a8459bd698b0" providerId="ADAL" clId="{30F1509B-5785-4C08-8791-C8021B43727B}" dt="2026-02-19T15:29:26.632" v="178" actId="478"/>
+          <ac:picMkLst>
+            <pc:docMk/>
+            <pc:sldMk cId="4104179299" sldId="340"/>
+            <ac:picMk id="5" creationId="{61333940-AF45-9B3A-1645-69B2A4483100}"/>
+          </ac:picMkLst>
+        </pc:picChg>
+        <pc:picChg chg="add mod ord">
+          <ac:chgData name="Brennan Brown" userId="bcf6cc9e-21d7-4e63-b7dc-a8459bd698b0" providerId="ADAL" clId="{30F1509B-5785-4C08-8791-C8021B43727B}" dt="2026-02-19T15:29:36.932" v="179" actId="22"/>
+          <ac:picMkLst>
+            <pc:docMk/>
+            <pc:sldMk cId="4104179299" sldId="340"/>
+            <ac:picMk id="9" creationId="{15E95C16-09F1-5B18-1176-EE2F3CBF1B8B}"/>
+          </ac:picMkLst>
+        </pc:picChg>
       </pc:sldChg>
       <pc:sldMasterChg chg="modSldLayout sldLayoutOrd">
         <pc:chgData name="Brennan Brown" userId="bcf6cc9e-21d7-4e63-b7dc-a8459bd698b0" providerId="ADAL" clId="{30F1509B-5785-4C08-8791-C8021B43727B}" dt="2026-02-19T15:26:40.760" v="164" actId="20578"/>
@@ -6021,10 +6053,10 @@
       </p:grpSpPr>
       <p:sp>
         <p:nvSpPr>
-          <p:cNvPr id="2" name="Online Image Placeholder 1">
-            <a:extLst>
-              <a:ext uri="{FF2B5EF4-FFF2-40B4-BE49-F238E27FC236}">
-                <a16:creationId xmlns:a16="http://schemas.microsoft.com/office/drawing/2014/main" id="{521264B4-EBF3-A6AC-DCF7-36A62FC3170F}"/>
+          <p:cNvPr id="3" name="Online Image Placeholder 2">
+            <a:extLst>
+              <a:ext uri="{FF2B5EF4-FFF2-40B4-BE49-F238E27FC236}">
+                <a16:creationId xmlns:a16="http://schemas.microsoft.com/office/drawing/2014/main" id="{E1DDA4AC-7D63-B0B2-CD47-14F69514BE92}"/>
               </a:ext>
             </a:extLst>
           </p:cNvPr>
@@ -6032,29 +6064,50 @@
             <a:spLocks noGrp="1"/>
           </p:cNvSpPr>
           <p:nvPr>
+            <p:ph type="clipArt" sz="quarter" idx="14"/>
+          </p:nvPr>
+        </p:nvSpPr>
+        <p:spPr/>
+        <p:txBody>
+          <a:bodyPr/>
+          <a:lstStyle/>
+          <a:p>
+            <a:endParaRPr lang="en-US"/>
+          </a:p>
+        </p:txBody>
+      </p:sp>
+      <p:pic>
+        <p:nvPicPr>
+          <p:cNvPr id="9" name="Online Image Placeholder 8">
+            <a:extLst>
+              <a:ext uri="{FF2B5EF4-FFF2-40B4-BE49-F238E27FC236}">
+                <a16:creationId xmlns:a16="http://schemas.microsoft.com/office/drawing/2014/main" id="{15E95C16-09F1-5B18-1176-EE2F3CBF1B8B}"/>
+              </a:ext>
+            </a:extLst>
+          </p:cNvPr>
+          <p:cNvPicPr>
+            <a:picLocks noGrp="1" noChangeAspect="1"/>
+          </p:cNvPicPr>
+          <p:nvPr>
             <p:ph type="clipArt" sz="quarter" idx="13"/>
           </p:nvPr>
-        </p:nvSpPr>
-        <p:spPr/>
-      </p:sp>
-      <p:sp>
-        <p:nvSpPr>
-          <p:cNvPr id="3" name="Online Image Placeholder 2">
-            <a:extLst>
-              <a:ext uri="{FF2B5EF4-FFF2-40B4-BE49-F238E27FC236}">
-                <a16:creationId xmlns:a16="http://schemas.microsoft.com/office/drawing/2014/main" id="{E1DDA4AC-7D63-B0B2-CD47-14F69514BE92}"/>
-              </a:ext>
-            </a:extLst>
-          </p:cNvPr>
-          <p:cNvSpPr>
-            <a:spLocks noGrp="1"/>
-          </p:cNvSpPr>
-          <p:nvPr>
-            <p:ph type="clipArt" sz="quarter" idx="14"/>
-          </p:nvPr>
-        </p:nvSpPr>
-        <p:spPr/>
-      </p:sp>
+        </p:nvPicPr>
+        <p:blipFill>
+          <a:blip r:embed="rId2"/>
+          <a:stretch>
+            <a:fillRect/>
+          </a:stretch>
+        </p:blipFill>
+        <p:spPr>
+          <a:xfrm>
+            <a:off x="4271708" y="1149261"/>
+            <a:ext cx="3648584" cy="1276528"/>
+          </a:xfrm>
+          <a:prstGeom prst="rect">
+            <a:avLst/>
+          </a:prstGeom>
+        </p:spPr>
+      </p:pic>
     </p:spTree>
     <p:extLst>
       <p:ext uri="{BB962C8B-B14F-4D97-AF65-F5344CB8AC3E}">

--- a/alcoholquestions.pptx
+++ b/alcoholquestions.pptx
@@ -124,7 +124,7 @@
 <file path=ppt/revisionInfo.xml><?xml version="1.0" encoding="utf-8"?>
 <p1510:revInfo xmlns:a="http://schemas.openxmlformats.org/drawingml/2006/main" xmlns:r="http://schemas.openxmlformats.org/officeDocument/2006/relationships" xmlns:p1510="http://schemas.microsoft.com/office/powerpoint/2015/10/main">
   <p1510:revLst>
-    <p1510:client id="{35CB8859-946B-47B2-B238-137014B76091}" v="19" dt="2026-02-19T15:28:42.350"/>
+    <p1510:client id="{35CB8859-946B-47B2-B238-137014B76091}" v="20" dt="2026-02-19T15:30:06.645"/>
   </p1510:revLst>
 </p1510:revInfo>
 </file>
@@ -134,7 +134,7 @@
   <pc:docChgLst>
     <pc:chgData name="Brennan Brown" userId="bcf6cc9e-21d7-4e63-b7dc-a8459bd698b0" providerId="ADAL" clId="{30F1509B-5785-4C08-8791-C8021B43727B}"/>
     <pc:docChg chg="undo redo custSel addSld delSld modSld sldOrd delMainMaster modMainMaster">
-      <pc:chgData name="Brennan Brown" userId="bcf6cc9e-21d7-4e63-b7dc-a8459bd698b0" providerId="ADAL" clId="{30F1509B-5785-4C08-8791-C8021B43727B}" dt="2026-02-19T15:29:36.932" v="179" actId="22"/>
+      <pc:chgData name="Brennan Brown" userId="bcf6cc9e-21d7-4e63-b7dc-a8459bd698b0" providerId="ADAL" clId="{30F1509B-5785-4C08-8791-C8021B43727B}" dt="2026-02-19T15:30:06.645" v="180"/>
       <pc:docMkLst>
         <pc:docMk/>
       </pc:docMkLst>
@@ -506,7 +506,7 @@
         </pc:picChg>
       </pc:sldChg>
       <pc:sldChg chg="addSp delSp modSp new mod">
-        <pc:chgData name="Brennan Brown" userId="bcf6cc9e-21d7-4e63-b7dc-a8459bd698b0" providerId="ADAL" clId="{30F1509B-5785-4C08-8791-C8021B43727B}" dt="2026-02-19T15:29:36.932" v="179" actId="22"/>
+        <pc:chgData name="Brennan Brown" userId="bcf6cc9e-21d7-4e63-b7dc-a8459bd698b0" providerId="ADAL" clId="{30F1509B-5785-4C08-8791-C8021B43727B}" dt="2026-02-19T15:30:06.645" v="180"/>
         <pc:sldMkLst>
           <pc:docMk/>
           <pc:sldMk cId="4104179299" sldId="340"/>
@@ -517,6 +517,14 @@
             <pc:docMk/>
             <pc:sldMk cId="4104179299" sldId="340"/>
             <ac:spMk id="2" creationId="{521264B4-EBF3-A6AC-DCF7-36A62FC3170F}"/>
+          </ac:spMkLst>
+        </pc:spChg>
+        <pc:spChg chg="del">
+          <ac:chgData name="Brennan Brown" userId="bcf6cc9e-21d7-4e63-b7dc-a8459bd698b0" providerId="ADAL" clId="{30F1509B-5785-4C08-8791-C8021B43727B}" dt="2026-02-19T15:30:06.645" v="180"/>
+          <ac:spMkLst>
+            <pc:docMk/>
+            <pc:sldMk cId="4104179299" sldId="340"/>
+            <ac:spMk id="3" creationId="{E1DDA4AC-7D63-B0B2-CD47-14F69514BE92}"/>
           </ac:spMkLst>
         </pc:spChg>
         <pc:spChg chg="add del mod">
@@ -541,6 +549,14 @@
             <pc:docMk/>
             <pc:sldMk cId="4104179299" sldId="340"/>
             <ac:picMk id="9" creationId="{15E95C16-09F1-5B18-1176-EE2F3CBF1B8B}"/>
+          </ac:picMkLst>
+        </pc:picChg>
+        <pc:picChg chg="add mod">
+          <ac:chgData name="Brennan Brown" userId="bcf6cc9e-21d7-4e63-b7dc-a8459bd698b0" providerId="ADAL" clId="{30F1509B-5785-4C08-8791-C8021B43727B}" dt="2026-02-19T15:30:06.645" v="180"/>
+          <ac:picMkLst>
+            <pc:docMk/>
+            <pc:sldMk cId="4104179299" sldId="340"/>
+            <ac:picMk id="10" creationId="{32C32021-4208-7E23-9946-4C0F4D27212A}"/>
           </ac:picMkLst>
         </pc:picChg>
       </pc:sldChg>
@@ -6051,31 +6067,6 @@
           <a:chExt cx="0" cy="0"/>
         </a:xfrm>
       </p:grpSpPr>
-      <p:sp>
-        <p:nvSpPr>
-          <p:cNvPr id="3" name="Online Image Placeholder 2">
-            <a:extLst>
-              <a:ext uri="{FF2B5EF4-FFF2-40B4-BE49-F238E27FC236}">
-                <a16:creationId xmlns:a16="http://schemas.microsoft.com/office/drawing/2014/main" id="{E1DDA4AC-7D63-B0B2-CD47-14F69514BE92}"/>
-              </a:ext>
-            </a:extLst>
-          </p:cNvPr>
-          <p:cNvSpPr>
-            <a:spLocks noGrp="1"/>
-          </p:cNvSpPr>
-          <p:nvPr>
-            <p:ph type="clipArt" sz="quarter" idx="14"/>
-          </p:nvPr>
-        </p:nvSpPr>
-        <p:spPr/>
-        <p:txBody>
-          <a:bodyPr/>
-          <a:lstStyle/>
-          <a:p>
-            <a:endParaRPr lang="en-US"/>
-          </a:p>
-        </p:txBody>
-      </p:sp>
       <p:pic>
         <p:nvPicPr>
           <p:cNvPr id="9" name="Online Image Placeholder 8">
@@ -6102,6 +6093,38 @@
           <a:xfrm>
             <a:off x="4271708" y="1149261"/>
             <a:ext cx="3648584" cy="1276528"/>
+          </a:xfrm>
+          <a:prstGeom prst="rect">
+            <a:avLst/>
+          </a:prstGeom>
+        </p:spPr>
+      </p:pic>
+      <p:pic>
+        <p:nvPicPr>
+          <p:cNvPr id="10" name="Online Image Placeholder 9">
+            <a:extLst>
+              <a:ext uri="{FF2B5EF4-FFF2-40B4-BE49-F238E27FC236}">
+                <a16:creationId xmlns:a16="http://schemas.microsoft.com/office/drawing/2014/main" id="{32C32021-4208-7E23-9946-4C0F4D27212A}"/>
+              </a:ext>
+            </a:extLst>
+          </p:cNvPr>
+          <p:cNvPicPr>
+            <a:picLocks noGrp="1" noChangeAspect="1"/>
+          </p:cNvPicPr>
+          <p:nvPr>
+            <p:ph type="clipArt" sz="quarter" idx="14"/>
+          </p:nvPr>
+        </p:nvPicPr>
+        <p:blipFill>
+          <a:blip r:embed="rId3"/>
+          <a:stretch>
+            <a:fillRect/>
+          </a:stretch>
+        </p:blipFill>
+        <p:spPr>
+          <a:xfrm>
+            <a:off x="2482850" y="4687315"/>
+            <a:ext cx="7226300" cy="764733"/>
           </a:xfrm>
           <a:prstGeom prst="rect">
             <a:avLst/>

--- a/alcoholquestions.pptx
+++ b/alcoholquestions.pptx
@@ -124,7 +124,7 @@
 <file path=ppt/revisionInfo.xml><?xml version="1.0" encoding="utf-8"?>
 <p1510:revInfo xmlns:a="http://schemas.openxmlformats.org/drawingml/2006/main" xmlns:r="http://schemas.openxmlformats.org/officeDocument/2006/relationships" xmlns:p1510="http://schemas.microsoft.com/office/powerpoint/2015/10/main">
   <p1510:revLst>
-    <p1510:client id="{35CB8859-946B-47B2-B238-137014B76091}" v="20" dt="2026-02-19T15:30:06.645"/>
+    <p1510:client id="{35CB8859-946B-47B2-B238-137014B76091}" v="21" dt="2026-02-19T15:31:33.658"/>
   </p1510:revLst>
 </p1510:revInfo>
 </file>
@@ -134,7 +134,7 @@
   <pc:docChgLst>
     <pc:chgData name="Brennan Brown" userId="bcf6cc9e-21d7-4e63-b7dc-a8459bd698b0" providerId="ADAL" clId="{30F1509B-5785-4C08-8791-C8021B43727B}"/>
     <pc:docChg chg="undo redo custSel addSld delSld modSld sldOrd delMainMaster modMainMaster">
-      <pc:chgData name="Brennan Brown" userId="bcf6cc9e-21d7-4e63-b7dc-a8459bd698b0" providerId="ADAL" clId="{30F1509B-5785-4C08-8791-C8021B43727B}" dt="2026-02-19T15:30:06.645" v="180"/>
+      <pc:chgData name="Brennan Brown" userId="bcf6cc9e-21d7-4e63-b7dc-a8459bd698b0" providerId="ADAL" clId="{30F1509B-5785-4C08-8791-C8021B43727B}" dt="2026-02-19T15:31:33.658" v="185" actId="767"/>
       <pc:docMkLst>
         <pc:docMk/>
       </pc:docMkLst>
@@ -561,11 +561,46 @@
         </pc:picChg>
       </pc:sldChg>
       <pc:sldMasterChg chg="modSldLayout sldLayoutOrd">
-        <pc:chgData name="Brennan Brown" userId="bcf6cc9e-21d7-4e63-b7dc-a8459bd698b0" providerId="ADAL" clId="{30F1509B-5785-4C08-8791-C8021B43727B}" dt="2026-02-19T15:26:40.760" v="164" actId="20578"/>
+        <pc:chgData name="Brennan Brown" userId="bcf6cc9e-21d7-4e63-b7dc-a8459bd698b0" providerId="ADAL" clId="{30F1509B-5785-4C08-8791-C8021B43727B}" dt="2026-02-19T15:31:33.658" v="185" actId="767"/>
         <pc:sldMasterMkLst>
           <pc:docMk/>
           <pc:sldMasterMk cId="2719746289" sldId="2147483648"/>
         </pc:sldMasterMkLst>
+        <pc:sldLayoutChg chg="addSp delSp modSp mod">
+          <pc:chgData name="Brennan Brown" userId="bcf6cc9e-21d7-4e63-b7dc-a8459bd698b0" providerId="ADAL" clId="{30F1509B-5785-4C08-8791-C8021B43727B}" dt="2026-02-19T15:31:33.658" v="185" actId="767"/>
+          <pc:sldLayoutMkLst>
+            <pc:docMk/>
+            <pc:sldMasterMk cId="2719746289" sldId="2147483648"/>
+            <pc:sldLayoutMk cId="3983859811" sldId="2147483649"/>
+          </pc:sldLayoutMkLst>
+          <pc:spChg chg="add del">
+            <ac:chgData name="Brennan Brown" userId="bcf6cc9e-21d7-4e63-b7dc-a8459bd698b0" providerId="ADAL" clId="{30F1509B-5785-4C08-8791-C8021B43727B}" dt="2026-02-19T15:31:21.725" v="184" actId="478"/>
+            <ac:spMkLst>
+              <pc:docMk/>
+              <pc:sldMasterMk cId="2719746289" sldId="2147483648"/>
+              <pc:sldLayoutMk cId="3983859811" sldId="2147483649"/>
+              <ac:spMk id="3" creationId="{79FAE004-A489-430D-9165-3D7AFD637CF6}"/>
+            </ac:spMkLst>
+          </pc:spChg>
+          <pc:spChg chg="add del">
+            <ac:chgData name="Brennan Brown" userId="bcf6cc9e-21d7-4e63-b7dc-a8459bd698b0" providerId="ADAL" clId="{30F1509B-5785-4C08-8791-C8021B43727B}" dt="2026-02-19T15:31:21.296" v="183" actId="11529"/>
+            <ac:spMkLst>
+              <pc:docMk/>
+              <pc:sldMasterMk cId="2719746289" sldId="2147483648"/>
+              <pc:sldLayoutMk cId="3983859811" sldId="2147483649"/>
+              <ac:spMk id="7" creationId="{DCFA7F77-6FD6-C62F-106A-D416E4F5D606}"/>
+            </ac:spMkLst>
+          </pc:spChg>
+          <pc:spChg chg="add mod">
+            <ac:chgData name="Brennan Brown" userId="bcf6cc9e-21d7-4e63-b7dc-a8459bd698b0" providerId="ADAL" clId="{30F1509B-5785-4C08-8791-C8021B43727B}" dt="2026-02-19T15:31:33.658" v="185" actId="767"/>
+            <ac:spMkLst>
+              <pc:docMk/>
+              <pc:sldMasterMk cId="2719746289" sldId="2147483648"/>
+              <pc:sldLayoutMk cId="3983859811" sldId="2147483649"/>
+              <ac:spMk id="8" creationId="{E0407E84-8BFA-34CE-DEE6-9765C519D47E}"/>
+            </ac:spMkLst>
+          </pc:spChg>
+        </pc:sldLayoutChg>
         <pc:sldLayoutChg chg="modSp mod ord">
           <pc:chgData name="Brennan Brown" userId="bcf6cc9e-21d7-4e63-b7dc-a8459bd698b0" providerId="ADAL" clId="{30F1509B-5785-4C08-8791-C8021B43727B}" dt="2026-02-19T15:26:40.760" v="164" actId="20578"/>
           <pc:sldLayoutMkLst>
@@ -640,7 +675,7 @@
 </file>
 
 <file path=ppt/slideLayouts/slideLayout1.xml><?xml version="1.0" encoding="utf-8"?>
-<p:sldLayout xmlns:a="http://schemas.openxmlformats.org/drawingml/2006/main" xmlns:r="http://schemas.openxmlformats.org/officeDocument/2006/relationships" xmlns:p="http://schemas.openxmlformats.org/presentationml/2006/main" type="title" preserve="1">
+<p:sldLayout xmlns:a="http://schemas.openxmlformats.org/drawingml/2006/main" xmlns:r="http://schemas.openxmlformats.org/officeDocument/2006/relationships" xmlns:p="http://schemas.openxmlformats.org/presentationml/2006/main" preserve="1" userDrawn="1">
   <p:cSld name="Title Slide">
     <p:spTree>
       <p:nvGrpSpPr>
@@ -687,7 +722,7 @@
           </a:lstStyle>
           <a:p>
             <a:r>
-              <a:rPr lang="en-US"/>
+              <a:rPr lang="en-US" dirty="0"/>
               <a:t>Click to edit Master title style</a:t>
             </a:r>
           </a:p>
@@ -757,7 +792,7 @@
           </a:lstStyle>
           <a:p>
             <a:r>
-              <a:rPr lang="en-US"/>
+              <a:rPr lang="en-US" dirty="0"/>
               <a:t>Click to edit Master subtitle style</a:t>
             </a:r>
           </a:p>
@@ -842,6 +877,38 @@
               <a:rPr lang="en-US" smtClean="0"/>
               <a:t>‹#›</a:t>
             </a:fld>
+            <a:endParaRPr lang="en-US"/>
+          </a:p>
+        </p:txBody>
+      </p:sp>
+      <p:sp>
+        <p:nvSpPr>
+          <p:cNvPr id="8" name="TextBox 7">
+            <a:extLst>
+              <a:ext uri="{FF2B5EF4-FFF2-40B4-BE49-F238E27FC236}">
+                <a16:creationId xmlns:a16="http://schemas.microsoft.com/office/drawing/2014/main" id="{E0407E84-8BFA-34CE-DEE6-9765C519D47E}"/>
+              </a:ext>
+            </a:extLst>
+          </p:cNvPr>
+          <p:cNvSpPr txBox="1"/>
+          <p:nvPr userDrawn="1"/>
+        </p:nvSpPr>
+        <p:spPr>
+          <a:xfrm>
+            <a:off x="1524000" y="5451894"/>
+            <a:ext cx="7249064" cy="577970"/>
+          </a:xfrm>
+          <a:prstGeom prst="rect">
+            <a:avLst/>
+          </a:prstGeom>
+          <a:noFill/>
+        </p:spPr>
+        <p:txBody>
+          <a:bodyPr wrap="square" rtlCol="0">
+            <a:spAutoFit/>
+          </a:bodyPr>
+          <a:lstStyle/>
+          <a:p>
             <a:endParaRPr lang="en-US"/>
           </a:p>
         </p:txBody>
@@ -6022,10 +6089,15 @@
             <a:spLocks noGrp="1"/>
           </p:cNvSpPr>
           <p:nvPr>
-            <p:ph type="subTitle" idx="1"/>
-          </p:nvPr>
-        </p:nvSpPr>
-        <p:spPr/>
+            <p:ph type="subTitle" idx="4294967295"/>
+          </p:nvPr>
+        </p:nvSpPr>
+        <p:spPr>
+          <a:xfrm>
+            <a:off x="1524000" y="3602038"/>
+            <a:ext cx="9144000" cy="1655762"/>
+          </a:xfrm>
+        </p:spPr>
         <p:txBody>
           <a:bodyPr/>
           <a:lstStyle/>
@@ -7413,10 +7485,15 @@
             <a:spLocks noGrp="1"/>
           </p:cNvSpPr>
           <p:nvPr>
-            <p:ph type="subTitle" idx="1"/>
-          </p:nvPr>
-        </p:nvSpPr>
-        <p:spPr/>
+            <p:ph type="subTitle" idx="4294967295"/>
+          </p:nvPr>
+        </p:nvSpPr>
+        <p:spPr>
+          <a:xfrm>
+            <a:off x="1524000" y="3602038"/>
+            <a:ext cx="9144000" cy="1655762"/>
+          </a:xfrm>
+        </p:spPr>
         <p:txBody>
           <a:bodyPr/>
           <a:lstStyle/>

--- a/alcoholquestions.pptx
+++ b/alcoholquestions.pptx
@@ -134,7 +134,7 @@
   <pc:docChgLst>
     <pc:chgData name="Brennan Brown" userId="bcf6cc9e-21d7-4e63-b7dc-a8459bd698b0" providerId="ADAL" clId="{30F1509B-5785-4C08-8791-C8021B43727B}"/>
     <pc:docChg chg="undo redo custSel addSld delSld modSld sldOrd delMainMaster modMainMaster">
-      <pc:chgData name="Brennan Brown" userId="bcf6cc9e-21d7-4e63-b7dc-a8459bd698b0" providerId="ADAL" clId="{30F1509B-5785-4C08-8791-C8021B43727B}" dt="2026-02-19T15:31:33.658" v="185" actId="767"/>
+      <pc:chgData name="Brennan Brown" userId="bcf6cc9e-21d7-4e63-b7dc-a8459bd698b0" providerId="ADAL" clId="{30F1509B-5785-4C08-8791-C8021B43727B}" dt="2026-02-19T15:32:39.038" v="226" actId="2711"/>
       <pc:docMkLst>
         <pc:docMk/>
       </pc:docMkLst>
@@ -561,20 +561,29 @@
         </pc:picChg>
       </pc:sldChg>
       <pc:sldMasterChg chg="modSldLayout sldLayoutOrd">
-        <pc:chgData name="Brennan Brown" userId="bcf6cc9e-21d7-4e63-b7dc-a8459bd698b0" providerId="ADAL" clId="{30F1509B-5785-4C08-8791-C8021B43727B}" dt="2026-02-19T15:31:33.658" v="185" actId="767"/>
+        <pc:chgData name="Brennan Brown" userId="bcf6cc9e-21d7-4e63-b7dc-a8459bd698b0" providerId="ADAL" clId="{30F1509B-5785-4C08-8791-C8021B43727B}" dt="2026-02-19T15:32:39.038" v="226" actId="2711"/>
         <pc:sldMasterMkLst>
           <pc:docMk/>
           <pc:sldMasterMk cId="2719746289" sldId="2147483648"/>
         </pc:sldMasterMkLst>
         <pc:sldLayoutChg chg="addSp delSp modSp mod">
-          <pc:chgData name="Brennan Brown" userId="bcf6cc9e-21d7-4e63-b7dc-a8459bd698b0" providerId="ADAL" clId="{30F1509B-5785-4C08-8791-C8021B43727B}" dt="2026-02-19T15:31:33.658" v="185" actId="767"/>
+          <pc:chgData name="Brennan Brown" userId="bcf6cc9e-21d7-4e63-b7dc-a8459bd698b0" providerId="ADAL" clId="{30F1509B-5785-4C08-8791-C8021B43727B}" dt="2026-02-19T15:32:39.038" v="226" actId="2711"/>
           <pc:sldLayoutMkLst>
             <pc:docMk/>
             <pc:sldMasterMk cId="2719746289" sldId="2147483648"/>
             <pc:sldLayoutMk cId="3983859811" sldId="2147483649"/>
           </pc:sldLayoutMkLst>
-          <pc:spChg chg="add del">
-            <ac:chgData name="Brennan Brown" userId="bcf6cc9e-21d7-4e63-b7dc-a8459bd698b0" providerId="ADAL" clId="{30F1509B-5785-4C08-8791-C8021B43727B}" dt="2026-02-19T15:31:21.725" v="184" actId="478"/>
+          <pc:spChg chg="mod">
+            <ac:chgData name="Brennan Brown" userId="bcf6cc9e-21d7-4e63-b7dc-a8459bd698b0" providerId="ADAL" clId="{30F1509B-5785-4C08-8791-C8021B43727B}" dt="2026-02-19T15:32:18.932" v="222" actId="1076"/>
+            <ac:spMkLst>
+              <pc:docMk/>
+              <pc:sldMasterMk cId="2719746289" sldId="2147483648"/>
+              <pc:sldLayoutMk cId="3983859811" sldId="2147483649"/>
+              <ac:spMk id="2" creationId="{40581F45-C111-4723-9BD6-9CC6447CD09A}"/>
+            </ac:spMkLst>
+          </pc:spChg>
+          <pc:spChg chg="add del mod">
+            <ac:chgData name="Brennan Brown" userId="bcf6cc9e-21d7-4e63-b7dc-a8459bd698b0" providerId="ADAL" clId="{30F1509B-5785-4C08-8791-C8021B43727B}" dt="2026-02-19T15:32:22.968" v="223" actId="1076"/>
             <ac:spMkLst>
               <pc:docMk/>
               <pc:sldMasterMk cId="2719746289" sldId="2147483648"/>
@@ -592,7 +601,7 @@
             </ac:spMkLst>
           </pc:spChg>
           <pc:spChg chg="add mod">
-            <ac:chgData name="Brennan Brown" userId="bcf6cc9e-21d7-4e63-b7dc-a8459bd698b0" providerId="ADAL" clId="{30F1509B-5785-4C08-8791-C8021B43727B}" dt="2026-02-19T15:31:33.658" v="185" actId="767"/>
+            <ac:chgData name="Brennan Brown" userId="bcf6cc9e-21d7-4e63-b7dc-a8459bd698b0" providerId="ADAL" clId="{30F1509B-5785-4C08-8791-C8021B43727B}" dt="2026-02-19T15:32:39.038" v="226" actId="2711"/>
             <ac:spMkLst>
               <pc:docMk/>
               <pc:sldMasterMk cId="2719746289" sldId="2147483648"/>
@@ -709,8 +718,8 @@
         </p:nvSpPr>
         <p:spPr>
           <a:xfrm>
-            <a:off x="1524000" y="1122363"/>
-            <a:ext cx="9144000" cy="2387600"/>
+            <a:off x="0" y="-271418"/>
+            <a:ext cx="10498347" cy="2387600"/>
           </a:xfrm>
         </p:spPr>
         <p:txBody>
@@ -746,8 +755,8 @@
         </p:nvSpPr>
         <p:spPr>
           <a:xfrm>
-            <a:off x="1524000" y="3602038"/>
-            <a:ext cx="9144000" cy="1655762"/>
+            <a:off x="0" y="2129631"/>
+            <a:ext cx="9144000" cy="357487"/>
           </a:xfrm>
         </p:spPr>
         <p:txBody>
@@ -895,8 +904,8 @@
         </p:nvSpPr>
         <p:spPr>
           <a:xfrm>
-            <a:off x="1524000" y="5451894"/>
-            <a:ext cx="7249064" cy="577970"/>
+            <a:off x="83389" y="3059668"/>
+            <a:ext cx="7249064" cy="369332"/>
           </a:xfrm>
           <a:prstGeom prst="rect">
             <a:avLst/>
@@ -909,7 +918,13 @@
           </a:bodyPr>
           <a:lstStyle/>
           <a:p>
-            <a:endParaRPr lang="en-US"/>
+            <a:r>
+              <a:rPr lang="en-US" dirty="0">
+                <a:latin typeface="Vani" panose="02040502050405020303" pitchFamily="18" charset="0"/>
+                <a:cs typeface="Vani" panose="02040502050405020303" pitchFamily="18" charset="0"/>
+              </a:rPr>
+              <a:t>Choose a Question:</a:t>
+            </a:r>
           </a:p>
         </p:txBody>
       </p:sp>

--- a/alcoholquestions.pptx
+++ b/alcoholquestions.pptx
@@ -134,7 +134,7 @@
   <pc:docChgLst>
     <pc:chgData name="Brennan Brown" userId="bcf6cc9e-21d7-4e63-b7dc-a8459bd698b0" providerId="ADAL" clId="{30F1509B-5785-4C08-8791-C8021B43727B}"/>
     <pc:docChg chg="undo redo custSel addSld delSld modSld sldOrd delMainMaster modMainMaster">
-      <pc:chgData name="Brennan Brown" userId="bcf6cc9e-21d7-4e63-b7dc-a8459bd698b0" providerId="ADAL" clId="{30F1509B-5785-4C08-8791-C8021B43727B}" dt="2026-02-19T15:32:39.038" v="226" actId="2711"/>
+      <pc:chgData name="Brennan Brown" userId="bcf6cc9e-21d7-4e63-b7dc-a8459bd698b0" providerId="ADAL" clId="{30F1509B-5785-4C08-8791-C8021B43727B}" dt="2026-02-19T15:33:08.925" v="234" actId="1076"/>
       <pc:docMkLst>
         <pc:docMk/>
       </pc:docMkLst>
@@ -561,13 +561,13 @@
         </pc:picChg>
       </pc:sldChg>
       <pc:sldMasterChg chg="modSldLayout sldLayoutOrd">
-        <pc:chgData name="Brennan Brown" userId="bcf6cc9e-21d7-4e63-b7dc-a8459bd698b0" providerId="ADAL" clId="{30F1509B-5785-4C08-8791-C8021B43727B}" dt="2026-02-19T15:32:39.038" v="226" actId="2711"/>
+        <pc:chgData name="Brennan Brown" userId="bcf6cc9e-21d7-4e63-b7dc-a8459bd698b0" providerId="ADAL" clId="{30F1509B-5785-4C08-8791-C8021B43727B}" dt="2026-02-19T15:33:08.925" v="234" actId="1076"/>
         <pc:sldMasterMkLst>
           <pc:docMk/>
           <pc:sldMasterMk cId="2719746289" sldId="2147483648"/>
         </pc:sldMasterMkLst>
         <pc:sldLayoutChg chg="addSp delSp modSp mod">
-          <pc:chgData name="Brennan Brown" userId="bcf6cc9e-21d7-4e63-b7dc-a8459bd698b0" providerId="ADAL" clId="{30F1509B-5785-4C08-8791-C8021B43727B}" dt="2026-02-19T15:32:39.038" v="226" actId="2711"/>
+          <pc:chgData name="Brennan Brown" userId="bcf6cc9e-21d7-4e63-b7dc-a8459bd698b0" providerId="ADAL" clId="{30F1509B-5785-4C08-8791-C8021B43727B}" dt="2026-02-19T15:33:08.925" v="234" actId="1076"/>
           <pc:sldLayoutMkLst>
             <pc:docMk/>
             <pc:sldMasterMk cId="2719746289" sldId="2147483648"/>
@@ -601,12 +601,21 @@
             </ac:spMkLst>
           </pc:spChg>
           <pc:spChg chg="add mod">
-            <ac:chgData name="Brennan Brown" userId="bcf6cc9e-21d7-4e63-b7dc-a8459bd698b0" providerId="ADAL" clId="{30F1509B-5785-4C08-8791-C8021B43727B}" dt="2026-02-19T15:32:39.038" v="226" actId="2711"/>
+            <ac:chgData name="Brennan Brown" userId="bcf6cc9e-21d7-4e63-b7dc-a8459bd698b0" providerId="ADAL" clId="{30F1509B-5785-4C08-8791-C8021B43727B}" dt="2026-02-19T15:33:05.445" v="233" actId="1076"/>
             <ac:spMkLst>
               <pc:docMk/>
               <pc:sldMasterMk cId="2719746289" sldId="2147483648"/>
               <pc:sldLayoutMk cId="3983859811" sldId="2147483649"/>
               <ac:spMk id="8" creationId="{E0407E84-8BFA-34CE-DEE6-9765C519D47E}"/>
+            </ac:spMkLst>
+          </pc:spChg>
+          <pc:spChg chg="add mod ord">
+            <ac:chgData name="Brennan Brown" userId="bcf6cc9e-21d7-4e63-b7dc-a8459bd698b0" providerId="ADAL" clId="{30F1509B-5785-4C08-8791-C8021B43727B}" dt="2026-02-19T15:33:08.925" v="234" actId="1076"/>
+            <ac:spMkLst>
+              <pc:docMk/>
+              <pc:sldMasterMk cId="2719746289" sldId="2147483648"/>
+              <pc:sldLayoutMk cId="3983859811" sldId="2147483649"/>
+              <ac:spMk id="9" creationId="{1E5F0057-E3C0-8956-CADE-0C28009221C6}"/>
             </ac:spMkLst>
           </pc:spChg>
         </pc:sldLayoutChg>
@@ -702,6 +711,52 @@
       </p:grpSpPr>
       <p:sp>
         <p:nvSpPr>
+          <p:cNvPr id="9" name="Rectangle: Rounded Corners 8">
+            <a:extLst>
+              <a:ext uri="{FF2B5EF4-FFF2-40B4-BE49-F238E27FC236}">
+                <a16:creationId xmlns:a16="http://schemas.microsoft.com/office/drawing/2014/main" id="{1E5F0057-E3C0-8956-CADE-0C28009221C6}"/>
+              </a:ext>
+            </a:extLst>
+          </p:cNvPr>
+          <p:cNvSpPr/>
+          <p:nvPr userDrawn="1"/>
+        </p:nvSpPr>
+        <p:spPr>
+          <a:xfrm>
+            <a:off x="1932316" y="2893504"/>
+            <a:ext cx="7556740" cy="2685524"/>
+          </a:xfrm>
+          <a:prstGeom prst="roundRect">
+            <a:avLst/>
+          </a:prstGeom>
+        </p:spPr>
+        <p:style>
+          <a:lnRef idx="2">
+            <a:schemeClr val="accent1">
+              <a:shade val="15000"/>
+            </a:schemeClr>
+          </a:lnRef>
+          <a:fillRef idx="1">
+            <a:schemeClr val="accent1"/>
+          </a:fillRef>
+          <a:effectRef idx="0">
+            <a:schemeClr val="accent1"/>
+          </a:effectRef>
+          <a:fontRef idx="minor">
+            <a:schemeClr val="lt1"/>
+          </a:fontRef>
+        </p:style>
+        <p:txBody>
+          <a:bodyPr rtlCol="0" anchor="ctr"/>
+          <a:lstStyle/>
+          <a:p>
+            <a:pPr algn="ctr"/>
+            <a:endParaRPr lang="en-US"/>
+          </a:p>
+        </p:txBody>
+      </p:sp>
+      <p:sp>
+        <p:nvSpPr>
           <p:cNvPr id="2" name="Title 1">
             <a:extLst>
               <a:ext uri="{FF2B5EF4-FFF2-40B4-BE49-F238E27FC236}">
@@ -904,8 +959,8 @@
         </p:nvSpPr>
         <p:spPr>
           <a:xfrm>
-            <a:off x="83389" y="3059668"/>
-            <a:ext cx="7249064" cy="369332"/>
+            <a:off x="4433977" y="3079774"/>
+            <a:ext cx="2553419" cy="369332"/>
           </a:xfrm>
           <a:prstGeom prst="rect">
             <a:avLst/>

--- a/alcoholquestions.pptx
+++ b/alcoholquestions.pptx
@@ -124,7 +124,7 @@
 <file path=ppt/revisionInfo.xml><?xml version="1.0" encoding="utf-8"?>
 <p1510:revInfo xmlns:a="http://schemas.openxmlformats.org/drawingml/2006/main" xmlns:r="http://schemas.openxmlformats.org/officeDocument/2006/relationships" xmlns:p1510="http://schemas.microsoft.com/office/powerpoint/2015/10/main">
   <p1510:revLst>
-    <p1510:client id="{35CB8859-946B-47B2-B238-137014B76091}" v="21" dt="2026-02-19T15:31:33.658"/>
+    <p1510:client id="{35CB8859-946B-47B2-B238-137014B76091}" v="22" dt="2026-02-19T15:33:44.364"/>
   </p1510:revLst>
 </p1510:revInfo>
 </file>
@@ -134,7 +134,7 @@
   <pc:docChgLst>
     <pc:chgData name="Brennan Brown" userId="bcf6cc9e-21d7-4e63-b7dc-a8459bd698b0" providerId="ADAL" clId="{30F1509B-5785-4C08-8791-C8021B43727B}"/>
     <pc:docChg chg="undo redo custSel addSld delSld modSld sldOrd delMainMaster modMainMaster">
-      <pc:chgData name="Brennan Brown" userId="bcf6cc9e-21d7-4e63-b7dc-a8459bd698b0" providerId="ADAL" clId="{30F1509B-5785-4C08-8791-C8021B43727B}" dt="2026-02-19T15:33:08.925" v="234" actId="1076"/>
+      <pc:chgData name="Brennan Brown" userId="bcf6cc9e-21d7-4e63-b7dc-a8459bd698b0" providerId="ADAL" clId="{30F1509B-5785-4C08-8791-C8021B43727B}" dt="2026-02-19T15:33:44.364" v="235" actId="339"/>
       <pc:docMkLst>
         <pc:docMk/>
       </pc:docMkLst>
@@ -561,13 +561,13 @@
         </pc:picChg>
       </pc:sldChg>
       <pc:sldMasterChg chg="modSldLayout sldLayoutOrd">
-        <pc:chgData name="Brennan Brown" userId="bcf6cc9e-21d7-4e63-b7dc-a8459bd698b0" providerId="ADAL" clId="{30F1509B-5785-4C08-8791-C8021B43727B}" dt="2026-02-19T15:33:08.925" v="234" actId="1076"/>
+        <pc:chgData name="Brennan Brown" userId="bcf6cc9e-21d7-4e63-b7dc-a8459bd698b0" providerId="ADAL" clId="{30F1509B-5785-4C08-8791-C8021B43727B}" dt="2026-02-19T15:33:44.364" v="235" actId="339"/>
         <pc:sldMasterMkLst>
           <pc:docMk/>
           <pc:sldMasterMk cId="2719746289" sldId="2147483648"/>
         </pc:sldMasterMkLst>
         <pc:sldLayoutChg chg="addSp delSp modSp mod">
-          <pc:chgData name="Brennan Brown" userId="bcf6cc9e-21d7-4e63-b7dc-a8459bd698b0" providerId="ADAL" clId="{30F1509B-5785-4C08-8791-C8021B43727B}" dt="2026-02-19T15:33:08.925" v="234" actId="1076"/>
+          <pc:chgData name="Brennan Brown" userId="bcf6cc9e-21d7-4e63-b7dc-a8459bd698b0" providerId="ADAL" clId="{30F1509B-5785-4C08-8791-C8021B43727B}" dt="2026-02-19T15:33:44.364" v="235" actId="339"/>
           <pc:sldLayoutMkLst>
             <pc:docMk/>
             <pc:sldMasterMk cId="2719746289" sldId="2147483648"/>
@@ -610,7 +610,7 @@
             </ac:spMkLst>
           </pc:spChg>
           <pc:spChg chg="add mod ord">
-            <ac:chgData name="Brennan Brown" userId="bcf6cc9e-21d7-4e63-b7dc-a8459bd698b0" providerId="ADAL" clId="{30F1509B-5785-4C08-8791-C8021B43727B}" dt="2026-02-19T15:33:08.925" v="234" actId="1076"/>
+            <ac:chgData name="Brennan Brown" userId="bcf6cc9e-21d7-4e63-b7dc-a8459bd698b0" providerId="ADAL" clId="{30F1509B-5785-4C08-8791-C8021B43727B}" dt="2026-02-19T15:33:44.364" v="235" actId="339"/>
             <ac:spMkLst>
               <pc:docMk/>
               <pc:sldMasterMk cId="2719746289" sldId="2147483648"/>
@@ -729,6 +729,27 @@
           <a:prstGeom prst="roundRect">
             <a:avLst/>
           </a:prstGeom>
+          <a:ln>
+            <a:noFill/>
+          </a:ln>
+          <a:effectLst>
+            <a:outerShdw blurRad="44450" dist="27940" dir="5400000" algn="ctr">
+              <a:srgbClr val="000000">
+                <a:alpha val="32000"/>
+              </a:srgbClr>
+            </a:outerShdw>
+          </a:effectLst>
+          <a:scene3d>
+            <a:camera prst="orthographicFront">
+              <a:rot lat="0" lon="0" rev="0"/>
+            </a:camera>
+            <a:lightRig rig="balanced" dir="t">
+              <a:rot lat="0" lon="0" rev="8700000"/>
+            </a:lightRig>
+          </a:scene3d>
+          <a:sp3d>
+            <a:bevelT w="190500" h="38100"/>
+          </a:sp3d>
         </p:spPr>
         <p:style>
           <a:lnRef idx="2">

--- a/alcoholquestions.pptx
+++ b/alcoholquestions.pptx
@@ -124,7 +124,7 @@
 <file path=ppt/revisionInfo.xml><?xml version="1.0" encoding="utf-8"?>
 <p1510:revInfo xmlns:a="http://schemas.openxmlformats.org/drawingml/2006/main" xmlns:r="http://schemas.openxmlformats.org/officeDocument/2006/relationships" xmlns:p1510="http://schemas.microsoft.com/office/powerpoint/2015/10/main">
   <p1510:revLst>
-    <p1510:client id="{35CB8859-946B-47B2-B238-137014B76091}" v="22" dt="2026-02-19T15:33:44.364"/>
+    <p1510:client id="{35CB8859-946B-47B2-B238-137014B76091}" v="24" dt="2026-02-19T15:35:31.508"/>
   </p1510:revLst>
 </p1510:revInfo>
 </file>
@@ -134,7 +134,7 @@
   <pc:docChgLst>
     <pc:chgData name="Brennan Brown" userId="bcf6cc9e-21d7-4e63-b7dc-a8459bd698b0" providerId="ADAL" clId="{30F1509B-5785-4C08-8791-C8021B43727B}"/>
     <pc:docChg chg="undo redo custSel addSld delSld modSld sldOrd delMainMaster modMainMaster">
-      <pc:chgData name="Brennan Brown" userId="bcf6cc9e-21d7-4e63-b7dc-a8459bd698b0" providerId="ADAL" clId="{30F1509B-5785-4C08-8791-C8021B43727B}" dt="2026-02-19T15:33:44.364" v="235" actId="339"/>
+      <pc:chgData name="Brennan Brown" userId="bcf6cc9e-21d7-4e63-b7dc-a8459bd698b0" providerId="ADAL" clId="{30F1509B-5785-4C08-8791-C8021B43727B}" dt="2026-02-19T15:35:35.665" v="246" actId="1076"/>
       <pc:docMkLst>
         <pc:docMk/>
       </pc:docMkLst>
@@ -561,13 +561,13 @@
         </pc:picChg>
       </pc:sldChg>
       <pc:sldMasterChg chg="modSldLayout sldLayoutOrd">
-        <pc:chgData name="Brennan Brown" userId="bcf6cc9e-21d7-4e63-b7dc-a8459bd698b0" providerId="ADAL" clId="{30F1509B-5785-4C08-8791-C8021B43727B}" dt="2026-02-19T15:33:44.364" v="235" actId="339"/>
+        <pc:chgData name="Brennan Brown" userId="bcf6cc9e-21d7-4e63-b7dc-a8459bd698b0" providerId="ADAL" clId="{30F1509B-5785-4C08-8791-C8021B43727B}" dt="2026-02-19T15:35:35.665" v="246" actId="1076"/>
         <pc:sldMasterMkLst>
           <pc:docMk/>
           <pc:sldMasterMk cId="2719746289" sldId="2147483648"/>
         </pc:sldMasterMkLst>
         <pc:sldLayoutChg chg="addSp delSp modSp mod">
-          <pc:chgData name="Brennan Brown" userId="bcf6cc9e-21d7-4e63-b7dc-a8459bd698b0" providerId="ADAL" clId="{30F1509B-5785-4C08-8791-C8021B43727B}" dt="2026-02-19T15:33:44.364" v="235" actId="339"/>
+          <pc:chgData name="Brennan Brown" userId="bcf6cc9e-21d7-4e63-b7dc-a8459bd698b0" providerId="ADAL" clId="{30F1509B-5785-4C08-8791-C8021B43727B}" dt="2026-02-19T15:35:35.665" v="246" actId="1076"/>
           <pc:sldLayoutMkLst>
             <pc:docMk/>
             <pc:sldMasterMk cId="2719746289" sldId="2147483648"/>
@@ -601,7 +601,7 @@
             </ac:spMkLst>
           </pc:spChg>
           <pc:spChg chg="add mod">
-            <ac:chgData name="Brennan Brown" userId="bcf6cc9e-21d7-4e63-b7dc-a8459bd698b0" providerId="ADAL" clId="{30F1509B-5785-4C08-8791-C8021B43727B}" dt="2026-02-19T15:33:05.445" v="233" actId="1076"/>
+            <ac:chgData name="Brennan Brown" userId="bcf6cc9e-21d7-4e63-b7dc-a8459bd698b0" providerId="ADAL" clId="{30F1509B-5785-4C08-8791-C8021B43727B}" dt="2026-02-19T15:34:58.219" v="238" actId="1076"/>
             <ac:spMkLst>
               <pc:docMk/>
               <pc:sldMasterMk cId="2719746289" sldId="2147483648"/>
@@ -610,12 +610,39 @@
             </ac:spMkLst>
           </pc:spChg>
           <pc:spChg chg="add mod ord">
-            <ac:chgData name="Brennan Brown" userId="bcf6cc9e-21d7-4e63-b7dc-a8459bd698b0" providerId="ADAL" clId="{30F1509B-5785-4C08-8791-C8021B43727B}" dt="2026-02-19T15:33:44.364" v="235" actId="339"/>
+            <ac:chgData name="Brennan Brown" userId="bcf6cc9e-21d7-4e63-b7dc-a8459bd698b0" providerId="ADAL" clId="{30F1509B-5785-4C08-8791-C8021B43727B}" dt="2026-02-19T15:34:50.680" v="237" actId="207"/>
             <ac:spMkLst>
               <pc:docMk/>
               <pc:sldMasterMk cId="2719746289" sldId="2147483648"/>
               <pc:sldLayoutMk cId="3983859811" sldId="2147483649"/>
               <ac:spMk id="9" creationId="{1E5F0057-E3C0-8956-CADE-0C28009221C6}"/>
+            </ac:spMkLst>
+          </pc:spChg>
+          <pc:spChg chg="add del">
+            <ac:chgData name="Brennan Brown" userId="bcf6cc9e-21d7-4e63-b7dc-a8459bd698b0" providerId="ADAL" clId="{30F1509B-5785-4C08-8791-C8021B43727B}" dt="2026-02-19T15:35:07.196" v="240" actId="478"/>
+            <ac:spMkLst>
+              <pc:docMk/>
+              <pc:sldMasterMk cId="2719746289" sldId="2147483648"/>
+              <pc:sldLayoutMk cId="3983859811" sldId="2147483649"/>
+              <ac:spMk id="10" creationId="{890786DA-33B2-9608-0F47-CB37A8FE6A1A}"/>
+            </ac:spMkLst>
+          </pc:spChg>
+          <pc:spChg chg="add mod">
+            <ac:chgData name="Brennan Brown" userId="bcf6cc9e-21d7-4e63-b7dc-a8459bd698b0" providerId="ADAL" clId="{30F1509B-5785-4C08-8791-C8021B43727B}" dt="2026-02-19T15:35:28.968" v="244" actId="339"/>
+            <ac:spMkLst>
+              <pc:docMk/>
+              <pc:sldMasterMk cId="2719746289" sldId="2147483648"/>
+              <pc:sldLayoutMk cId="3983859811" sldId="2147483649"/>
+              <ac:spMk id="11" creationId="{805E7421-4D8D-69B4-6D72-0B86DC96C2FA}"/>
+            </ac:spMkLst>
+          </pc:spChg>
+          <pc:spChg chg="add mod">
+            <ac:chgData name="Brennan Brown" userId="bcf6cc9e-21d7-4e63-b7dc-a8459bd698b0" providerId="ADAL" clId="{30F1509B-5785-4C08-8791-C8021B43727B}" dt="2026-02-19T15:35:35.665" v="246" actId="1076"/>
+            <ac:spMkLst>
+              <pc:docMk/>
+              <pc:sldMasterMk cId="2719746289" sldId="2147483648"/>
+              <pc:sldLayoutMk cId="3983859811" sldId="2147483649"/>
+              <ac:spMk id="12" creationId="{9953CE9B-0F8E-0EAC-02E5-55F6E8D38629}"/>
             </ac:spMkLst>
           </pc:spChg>
         </pc:sldLayoutChg>
@@ -729,6 +756,12 @@
           <a:prstGeom prst="roundRect">
             <a:avLst/>
           </a:prstGeom>
+          <a:blipFill>
+            <a:blip r:embed="rId2"/>
+            <a:stretch>
+              <a:fillRect/>
+            </a:stretch>
+          </a:blipFill>
           <a:ln>
             <a:noFill/>
           </a:ln>
@@ -980,7 +1013,7 @@
         </p:nvSpPr>
         <p:spPr>
           <a:xfrm>
-            <a:off x="4433977" y="3079774"/>
+            <a:off x="4572000" y="3079774"/>
             <a:ext cx="2553419" cy="369332"/>
           </a:xfrm>
           <a:prstGeom prst="rect">
@@ -1001,6 +1034,140 @@
               </a:rPr>
               <a:t>Choose a Question:</a:t>
             </a:r>
+          </a:p>
+        </p:txBody>
+      </p:sp>
+      <p:sp>
+        <p:nvSpPr>
+          <p:cNvPr id="11" name="Oval 10">
+            <a:extLst>
+              <a:ext uri="{FF2B5EF4-FFF2-40B4-BE49-F238E27FC236}">
+                <a16:creationId xmlns:a16="http://schemas.microsoft.com/office/drawing/2014/main" id="{805E7421-4D8D-69B4-6D72-0B86DC96C2FA}"/>
+              </a:ext>
+            </a:extLst>
+          </p:cNvPr>
+          <p:cNvSpPr/>
+          <p:nvPr userDrawn="1"/>
+        </p:nvSpPr>
+        <p:spPr>
+          <a:xfrm>
+            <a:off x="2447636" y="4017819"/>
+            <a:ext cx="1052945" cy="1052945"/>
+          </a:xfrm>
+          <a:prstGeom prst="ellipse">
+            <a:avLst/>
+          </a:prstGeom>
+          <a:ln>
+            <a:noFill/>
+          </a:ln>
+          <a:effectLst>
+            <a:outerShdw blurRad="44450" dist="27940" dir="5400000" algn="ctr">
+              <a:srgbClr val="000000">
+                <a:alpha val="32000"/>
+              </a:srgbClr>
+            </a:outerShdw>
+          </a:effectLst>
+          <a:scene3d>
+            <a:camera prst="orthographicFront">
+              <a:rot lat="0" lon="0" rev="0"/>
+            </a:camera>
+            <a:lightRig rig="balanced" dir="t">
+              <a:rot lat="0" lon="0" rev="8700000"/>
+            </a:lightRig>
+          </a:scene3d>
+          <a:sp3d>
+            <a:bevelT w="190500" h="38100"/>
+          </a:sp3d>
+        </p:spPr>
+        <p:style>
+          <a:lnRef idx="2">
+            <a:schemeClr val="accent1">
+              <a:shade val="15000"/>
+            </a:schemeClr>
+          </a:lnRef>
+          <a:fillRef idx="1">
+            <a:schemeClr val="accent1"/>
+          </a:fillRef>
+          <a:effectRef idx="0">
+            <a:schemeClr val="accent1"/>
+          </a:effectRef>
+          <a:fontRef idx="minor">
+            <a:schemeClr val="lt1"/>
+          </a:fontRef>
+        </p:style>
+        <p:txBody>
+          <a:bodyPr rtlCol="0" anchor="ctr"/>
+          <a:lstStyle/>
+          <a:p>
+            <a:pPr algn="ctr"/>
+            <a:endParaRPr lang="en-US"/>
+          </a:p>
+        </p:txBody>
+      </p:sp>
+      <p:sp>
+        <p:nvSpPr>
+          <p:cNvPr id="12" name="Oval 11">
+            <a:extLst>
+              <a:ext uri="{FF2B5EF4-FFF2-40B4-BE49-F238E27FC236}">
+                <a16:creationId xmlns:a16="http://schemas.microsoft.com/office/drawing/2014/main" id="{9953CE9B-0F8E-0EAC-02E5-55F6E8D38629}"/>
+              </a:ext>
+            </a:extLst>
+          </p:cNvPr>
+          <p:cNvSpPr/>
+          <p:nvPr userDrawn="1"/>
+        </p:nvSpPr>
+        <p:spPr>
+          <a:xfrm>
+            <a:off x="3671454" y="4017819"/>
+            <a:ext cx="1052945" cy="1052945"/>
+          </a:xfrm>
+          <a:prstGeom prst="ellipse">
+            <a:avLst/>
+          </a:prstGeom>
+          <a:ln>
+            <a:noFill/>
+          </a:ln>
+          <a:effectLst>
+            <a:outerShdw blurRad="44450" dist="27940" dir="5400000" algn="ctr">
+              <a:srgbClr val="000000">
+                <a:alpha val="32000"/>
+              </a:srgbClr>
+            </a:outerShdw>
+          </a:effectLst>
+          <a:scene3d>
+            <a:camera prst="orthographicFront">
+              <a:rot lat="0" lon="0" rev="0"/>
+            </a:camera>
+            <a:lightRig rig="balanced" dir="t">
+              <a:rot lat="0" lon="0" rev="8700000"/>
+            </a:lightRig>
+          </a:scene3d>
+          <a:sp3d>
+            <a:bevelT w="190500" h="38100"/>
+          </a:sp3d>
+        </p:spPr>
+        <p:style>
+          <a:lnRef idx="2">
+            <a:schemeClr val="accent1">
+              <a:shade val="15000"/>
+            </a:schemeClr>
+          </a:lnRef>
+          <a:fillRef idx="1">
+            <a:schemeClr val="accent1"/>
+          </a:fillRef>
+          <a:effectRef idx="0">
+            <a:schemeClr val="accent1"/>
+          </a:effectRef>
+          <a:fontRef idx="minor">
+            <a:schemeClr val="lt1"/>
+          </a:fontRef>
+        </p:style>
+        <p:txBody>
+          <a:bodyPr rtlCol="0" anchor="ctr"/>
+          <a:lstStyle/>
+          <a:p>
+            <a:pPr algn="ctr"/>
+            <a:endParaRPr lang="en-US"/>
           </a:p>
         </p:txBody>
       </p:sp>

--- a/alcoholquestions.pptx
+++ b/alcoholquestions.pptx
@@ -124,7 +124,7 @@
 <file path=ppt/revisionInfo.xml><?xml version="1.0" encoding="utf-8"?>
 <p1510:revInfo xmlns:a="http://schemas.openxmlformats.org/drawingml/2006/main" xmlns:r="http://schemas.openxmlformats.org/officeDocument/2006/relationships" xmlns:p1510="http://schemas.microsoft.com/office/powerpoint/2015/10/main">
   <p1510:revLst>
-    <p1510:client id="{35CB8859-946B-47B2-B238-137014B76091}" v="24" dt="2026-02-19T15:35:31.508"/>
+    <p1510:client id="{35CB8859-946B-47B2-B238-137014B76091}" v="27" dt="2026-02-19T15:36:13.584"/>
   </p1510:revLst>
 </p1510:revInfo>
 </file>
@@ -134,7 +134,7 @@
   <pc:docChgLst>
     <pc:chgData name="Brennan Brown" userId="bcf6cc9e-21d7-4e63-b7dc-a8459bd698b0" providerId="ADAL" clId="{30F1509B-5785-4C08-8791-C8021B43727B}"/>
     <pc:docChg chg="undo redo custSel addSld delSld modSld sldOrd delMainMaster modMainMaster">
-      <pc:chgData name="Brennan Brown" userId="bcf6cc9e-21d7-4e63-b7dc-a8459bd698b0" providerId="ADAL" clId="{30F1509B-5785-4C08-8791-C8021B43727B}" dt="2026-02-19T15:35:35.665" v="246" actId="1076"/>
+      <pc:chgData name="Brennan Brown" userId="bcf6cc9e-21d7-4e63-b7dc-a8459bd698b0" providerId="ADAL" clId="{30F1509B-5785-4C08-8791-C8021B43727B}" dt="2026-02-19T15:36:42.661" v="254" actId="171"/>
       <pc:docMkLst>
         <pc:docMk/>
       </pc:docMkLst>
@@ -561,13 +561,13 @@
         </pc:picChg>
       </pc:sldChg>
       <pc:sldMasterChg chg="modSldLayout sldLayoutOrd">
-        <pc:chgData name="Brennan Brown" userId="bcf6cc9e-21d7-4e63-b7dc-a8459bd698b0" providerId="ADAL" clId="{30F1509B-5785-4C08-8791-C8021B43727B}" dt="2026-02-19T15:35:35.665" v="246" actId="1076"/>
+        <pc:chgData name="Brennan Brown" userId="bcf6cc9e-21d7-4e63-b7dc-a8459bd698b0" providerId="ADAL" clId="{30F1509B-5785-4C08-8791-C8021B43727B}" dt="2026-02-19T15:36:42.661" v="254" actId="171"/>
         <pc:sldMasterMkLst>
           <pc:docMk/>
           <pc:sldMasterMk cId="2719746289" sldId="2147483648"/>
         </pc:sldMasterMkLst>
         <pc:sldLayoutChg chg="addSp delSp modSp mod">
-          <pc:chgData name="Brennan Brown" userId="bcf6cc9e-21d7-4e63-b7dc-a8459bd698b0" providerId="ADAL" clId="{30F1509B-5785-4C08-8791-C8021B43727B}" dt="2026-02-19T15:35:35.665" v="246" actId="1076"/>
+          <pc:chgData name="Brennan Brown" userId="bcf6cc9e-21d7-4e63-b7dc-a8459bd698b0" providerId="ADAL" clId="{30F1509B-5785-4C08-8791-C8021B43727B}" dt="2026-02-19T15:36:42.661" v="254" actId="171"/>
           <pc:sldLayoutMkLst>
             <pc:docMk/>
             <pc:sldMasterMk cId="2719746289" sldId="2147483648"/>
@@ -636,8 +636,8 @@
               <ac:spMk id="11" creationId="{805E7421-4D8D-69B4-6D72-0B86DC96C2FA}"/>
             </ac:spMkLst>
           </pc:spChg>
-          <pc:spChg chg="add mod">
-            <ac:chgData name="Brennan Brown" userId="bcf6cc9e-21d7-4e63-b7dc-a8459bd698b0" providerId="ADAL" clId="{30F1509B-5785-4C08-8791-C8021B43727B}" dt="2026-02-19T15:35:35.665" v="246" actId="1076"/>
+          <pc:spChg chg="add mod ord">
+            <ac:chgData name="Brennan Brown" userId="bcf6cc9e-21d7-4e63-b7dc-a8459bd698b0" providerId="ADAL" clId="{30F1509B-5785-4C08-8791-C8021B43727B}" dt="2026-02-19T15:36:42.661" v="254" actId="171"/>
             <ac:spMkLst>
               <pc:docMk/>
               <pc:sldMasterMk cId="2719746289" sldId="2147483648"/>
@@ -1039,10 +1039,10 @@
       </p:sp>
       <p:sp>
         <p:nvSpPr>
-          <p:cNvPr id="11" name="Oval 10">
-            <a:extLst>
-              <a:ext uri="{FF2B5EF4-FFF2-40B4-BE49-F238E27FC236}">
-                <a16:creationId xmlns:a16="http://schemas.microsoft.com/office/drawing/2014/main" id="{805E7421-4D8D-69B4-6D72-0B86DC96C2FA}"/>
+          <p:cNvPr id="12" name="Oval 11">
+            <a:extLst>
+              <a:ext uri="{FF2B5EF4-FFF2-40B4-BE49-F238E27FC236}">
+                <a16:creationId xmlns:a16="http://schemas.microsoft.com/office/drawing/2014/main" id="{9953CE9B-0F8E-0EAC-02E5-55F6E8D38629}"/>
               </a:ext>
             </a:extLst>
           </p:cNvPr>
@@ -1051,8 +1051,8 @@
         </p:nvSpPr>
         <p:spPr>
           <a:xfrm>
-            <a:off x="2447636" y="4017819"/>
-            <a:ext cx="1052945" cy="1052945"/>
+            <a:off x="2507671" y="4077854"/>
+            <a:ext cx="932873" cy="932873"/>
           </a:xfrm>
           <a:prstGeom prst="ellipse">
             <a:avLst/>
@@ -1061,6 +1061,12 @@
             <a:noFill/>
           </a:ln>
           <a:effectLst>
+            <a:glow rad="63500">
+              <a:schemeClr val="accent4">
+                <a:satMod val="175000"/>
+                <a:alpha val="40000"/>
+              </a:schemeClr>
+            </a:glow>
             <a:outerShdw blurRad="44450" dist="27940" dir="5400000" algn="ctr">
               <a:srgbClr val="000000">
                 <a:alpha val="32000"/>
@@ -1076,7 +1082,7 @@
             </a:lightRig>
           </a:scene3d>
           <a:sp3d>
-            <a:bevelT w="190500" h="38100"/>
+            <a:bevelT w="190500" h="38100" prst="softRound"/>
           </a:sp3d>
         </p:spPr>
         <p:style>
@@ -1106,10 +1112,10 @@
       </p:sp>
       <p:sp>
         <p:nvSpPr>
-          <p:cNvPr id="12" name="Oval 11">
-            <a:extLst>
-              <a:ext uri="{FF2B5EF4-FFF2-40B4-BE49-F238E27FC236}">
-                <a16:creationId xmlns:a16="http://schemas.microsoft.com/office/drawing/2014/main" id="{9953CE9B-0F8E-0EAC-02E5-55F6E8D38629}"/>
+          <p:cNvPr id="11" name="Oval 10">
+            <a:extLst>
+              <a:ext uri="{FF2B5EF4-FFF2-40B4-BE49-F238E27FC236}">
+                <a16:creationId xmlns:a16="http://schemas.microsoft.com/office/drawing/2014/main" id="{805E7421-4D8D-69B4-6D72-0B86DC96C2FA}"/>
               </a:ext>
             </a:extLst>
           </p:cNvPr>
@@ -1118,7 +1124,7 @@
         </p:nvSpPr>
         <p:spPr>
           <a:xfrm>
-            <a:off x="3671454" y="4017819"/>
+            <a:off x="2447636" y="4017819"/>
             <a:ext cx="1052945" cy="1052945"/>
           </a:xfrm>
           <a:prstGeom prst="ellipse">

--- a/alcoholquestions.pptx
+++ b/alcoholquestions.pptx
@@ -124,7 +124,7 @@
 <file path=ppt/revisionInfo.xml><?xml version="1.0" encoding="utf-8"?>
 <p1510:revInfo xmlns:a="http://schemas.openxmlformats.org/drawingml/2006/main" xmlns:r="http://schemas.openxmlformats.org/officeDocument/2006/relationships" xmlns:p1510="http://schemas.microsoft.com/office/powerpoint/2015/10/main">
   <p1510:revLst>
-    <p1510:client id="{35CB8859-946B-47B2-B238-137014B76091}" v="27" dt="2026-02-19T15:36:13.584"/>
+    <p1510:client id="{35CB8859-946B-47B2-B238-137014B76091}" v="28" dt="2026-02-19T15:36:56.062"/>
   </p1510:revLst>
 </p1510:revInfo>
 </file>
@@ -134,7 +134,7 @@
   <pc:docChgLst>
     <pc:chgData name="Brennan Brown" userId="bcf6cc9e-21d7-4e63-b7dc-a8459bd698b0" providerId="ADAL" clId="{30F1509B-5785-4C08-8791-C8021B43727B}"/>
     <pc:docChg chg="undo redo custSel addSld delSld modSld sldOrd delMainMaster modMainMaster">
-      <pc:chgData name="Brennan Brown" userId="bcf6cc9e-21d7-4e63-b7dc-a8459bd698b0" providerId="ADAL" clId="{30F1509B-5785-4C08-8791-C8021B43727B}" dt="2026-02-19T15:36:42.661" v="254" actId="171"/>
+      <pc:chgData name="Brennan Brown" userId="bcf6cc9e-21d7-4e63-b7dc-a8459bd698b0" providerId="ADAL" clId="{30F1509B-5785-4C08-8791-C8021B43727B}" dt="2026-02-19T15:36:56.062" v="255"/>
       <pc:docMkLst>
         <pc:docMk/>
       </pc:docMkLst>
@@ -334,8 +334,8 @@
           </ac:picMkLst>
         </pc:picChg>
       </pc:sldChg>
-      <pc:sldChg chg="addSp delSp modSp new mod modClrScheme chgLayout">
-        <pc:chgData name="Brennan Brown" userId="bcf6cc9e-21d7-4e63-b7dc-a8459bd698b0" providerId="ADAL" clId="{30F1509B-5785-4C08-8791-C8021B43727B}" dt="2026-02-19T15:10:52.850" v="159" actId="20577"/>
+      <pc:sldChg chg="addSp delSp modSp new mod modClrScheme modAnim chgLayout">
+        <pc:chgData name="Brennan Brown" userId="bcf6cc9e-21d7-4e63-b7dc-a8459bd698b0" providerId="ADAL" clId="{30F1509B-5785-4C08-8791-C8021B43727B}" dt="2026-02-19T15:36:56.062" v="255"/>
         <pc:sldMkLst>
           <pc:docMk/>
           <pc:sldMk cId="3840861800" sldId="336"/>
@@ -373,8 +373,8 @@
           </ac:spMkLst>
         </pc:spChg>
       </pc:sldChg>
-      <pc:sldChg chg="addSp modSp new mod ord modClrScheme chgLayout">
-        <pc:chgData name="Brennan Brown" userId="bcf6cc9e-21d7-4e63-b7dc-a8459bd698b0" providerId="ADAL" clId="{30F1509B-5785-4C08-8791-C8021B43727B}" dt="2026-02-19T15:09:41.035" v="95" actId="20577"/>
+      <pc:sldChg chg="addSp modSp new mod ord modClrScheme modAnim chgLayout">
+        <pc:chgData name="Brennan Brown" userId="bcf6cc9e-21d7-4e63-b7dc-a8459bd698b0" providerId="ADAL" clId="{30F1509B-5785-4C08-8791-C8021B43727B}" dt="2026-02-19T15:36:56.062" v="255"/>
         <pc:sldMkLst>
           <pc:docMk/>
           <pc:sldMk cId="4124199133" sldId="337"/>
@@ -561,13 +561,13 @@
         </pc:picChg>
       </pc:sldChg>
       <pc:sldMasterChg chg="modSldLayout sldLayoutOrd">
-        <pc:chgData name="Brennan Brown" userId="bcf6cc9e-21d7-4e63-b7dc-a8459bd698b0" providerId="ADAL" clId="{30F1509B-5785-4C08-8791-C8021B43727B}" dt="2026-02-19T15:36:42.661" v="254" actId="171"/>
+        <pc:chgData name="Brennan Brown" userId="bcf6cc9e-21d7-4e63-b7dc-a8459bd698b0" providerId="ADAL" clId="{30F1509B-5785-4C08-8791-C8021B43727B}" dt="2026-02-19T15:36:56.062" v="255"/>
         <pc:sldMasterMkLst>
           <pc:docMk/>
           <pc:sldMasterMk cId="2719746289" sldId="2147483648"/>
         </pc:sldMasterMkLst>
-        <pc:sldLayoutChg chg="addSp delSp modSp mod">
-          <pc:chgData name="Brennan Brown" userId="bcf6cc9e-21d7-4e63-b7dc-a8459bd698b0" providerId="ADAL" clId="{30F1509B-5785-4C08-8791-C8021B43727B}" dt="2026-02-19T15:36:42.661" v="254" actId="171"/>
+        <pc:sldLayoutChg chg="addSp delSp modSp mod modAnim">
+          <pc:chgData name="Brennan Brown" userId="bcf6cc9e-21d7-4e63-b7dc-a8459bd698b0" providerId="ADAL" clId="{30F1509B-5785-4C08-8791-C8021B43727B}" dt="2026-02-19T15:36:56.062" v="255"/>
           <pc:sldLayoutMkLst>
             <pc:docMk/>
             <pc:sldMasterMk cId="2719746289" sldId="2147483648"/>
@@ -1187,6 +1187,84 @@
   <p:clrMapOvr>
     <a:masterClrMapping/>
   </p:clrMapOvr>
+  <p:timing>
+    <p:tnLst>
+      <p:par>
+        <p:cTn id="1" dur="indefinite" restart="never" nodeType="tmRoot">
+          <p:childTnLst>
+            <p:seq concurrent="1" nextAc="seek">
+              <p:cTn id="2" dur="indefinite" nodeType="mainSeq">
+                <p:childTnLst>
+                  <p:par>
+                    <p:cTn id="3" fill="hold">
+                      <p:stCondLst>
+                        <p:cond delay="indefinite"/>
+                      </p:stCondLst>
+                      <p:childTnLst>
+                        <p:par>
+                          <p:cTn id="4" fill="hold">
+                            <p:stCondLst>
+                              <p:cond delay="0"/>
+                            </p:stCondLst>
+                            <p:childTnLst>
+                              <p:par>
+                                <p:cTn id="5" presetID="1" presetClass="exit" presetSubtype="0" fill="hold" grpId="0" nodeType="clickEffect">
+                                  <p:stCondLst>
+                                    <p:cond delay="0"/>
+                                  </p:stCondLst>
+                                  <p:childTnLst>
+                                    <p:set>
+                                      <p:cBhvr>
+                                        <p:cTn id="6" dur="1" fill="hold">
+                                          <p:stCondLst>
+                                            <p:cond delay="0"/>
+                                          </p:stCondLst>
+                                        </p:cTn>
+                                        <p:tgtEl>
+                                          <p:spTgt spid="11"/>
+                                        </p:tgtEl>
+                                        <p:attrNameLst>
+                                          <p:attrName>style.visibility</p:attrName>
+                                        </p:attrNameLst>
+                                      </p:cBhvr>
+                                      <p:to>
+                                        <p:strVal val="hidden"/>
+                                      </p:to>
+                                    </p:set>
+                                  </p:childTnLst>
+                                </p:cTn>
+                              </p:par>
+                            </p:childTnLst>
+                          </p:cTn>
+                        </p:par>
+                      </p:childTnLst>
+                    </p:cTn>
+                  </p:par>
+                </p:childTnLst>
+              </p:cTn>
+              <p:prevCondLst>
+                <p:cond evt="onPrev" delay="0">
+                  <p:tgtEl>
+                    <p:sldTgt/>
+                  </p:tgtEl>
+                </p:cond>
+              </p:prevCondLst>
+              <p:nextCondLst>
+                <p:cond evt="onNext" delay="0">
+                  <p:tgtEl>
+                    <p:sldTgt/>
+                  </p:tgtEl>
+                </p:cond>
+              </p:nextCondLst>
+            </p:seq>
+          </p:childTnLst>
+        </p:cTn>
+      </p:par>
+    </p:tnLst>
+    <p:bldLst>
+      <p:bldP spid="11" grpId="0" animBg="1"/>
+    </p:bldLst>
+  </p:timing>
 </p:sldLayout>
 </file>
 

--- a/alcoholquestions.pptx
+++ b/alcoholquestions.pptx
@@ -124,7 +124,7 @@
 <file path=ppt/revisionInfo.xml><?xml version="1.0" encoding="utf-8"?>
 <p1510:revInfo xmlns:a="http://schemas.openxmlformats.org/drawingml/2006/main" xmlns:r="http://schemas.openxmlformats.org/officeDocument/2006/relationships" xmlns:p1510="http://schemas.microsoft.com/office/powerpoint/2015/10/main">
   <p1510:revLst>
-    <p1510:client id="{35CB8859-946B-47B2-B238-137014B76091}" v="28" dt="2026-02-19T15:36:56.062"/>
+    <p1510:client id="{35CB8859-946B-47B2-B238-137014B76091}" v="29" dt="2026-02-19T15:37:25.304"/>
   </p1510:revLst>
 </p1510:revInfo>
 </file>
@@ -134,7 +134,7 @@
   <pc:docChgLst>
     <pc:chgData name="Brennan Brown" userId="bcf6cc9e-21d7-4e63-b7dc-a8459bd698b0" providerId="ADAL" clId="{30F1509B-5785-4C08-8791-C8021B43727B}"/>
     <pc:docChg chg="undo redo custSel addSld delSld modSld sldOrd delMainMaster modMainMaster">
-      <pc:chgData name="Brennan Brown" userId="bcf6cc9e-21d7-4e63-b7dc-a8459bd698b0" providerId="ADAL" clId="{30F1509B-5785-4C08-8791-C8021B43727B}" dt="2026-02-19T15:36:56.062" v="255"/>
+      <pc:chgData name="Brennan Brown" userId="bcf6cc9e-21d7-4e63-b7dc-a8459bd698b0" providerId="ADAL" clId="{30F1509B-5785-4C08-8791-C8021B43727B}" dt="2026-02-19T15:37:25.304" v="256"/>
       <pc:docMkLst>
         <pc:docMk/>
       </pc:docMkLst>
@@ -335,7 +335,7 @@
         </pc:picChg>
       </pc:sldChg>
       <pc:sldChg chg="addSp delSp modSp new mod modClrScheme modAnim chgLayout">
-        <pc:chgData name="Brennan Brown" userId="bcf6cc9e-21d7-4e63-b7dc-a8459bd698b0" providerId="ADAL" clId="{30F1509B-5785-4C08-8791-C8021B43727B}" dt="2026-02-19T15:36:56.062" v="255"/>
+        <pc:chgData name="Brennan Brown" userId="bcf6cc9e-21d7-4e63-b7dc-a8459bd698b0" providerId="ADAL" clId="{30F1509B-5785-4C08-8791-C8021B43727B}" dt="2026-02-19T15:37:25.304" v="256"/>
         <pc:sldMkLst>
           <pc:docMk/>
           <pc:sldMk cId="3840861800" sldId="336"/>
@@ -374,7 +374,7 @@
         </pc:spChg>
       </pc:sldChg>
       <pc:sldChg chg="addSp modSp new mod ord modClrScheme modAnim chgLayout">
-        <pc:chgData name="Brennan Brown" userId="bcf6cc9e-21d7-4e63-b7dc-a8459bd698b0" providerId="ADAL" clId="{30F1509B-5785-4C08-8791-C8021B43727B}" dt="2026-02-19T15:36:56.062" v="255"/>
+        <pc:chgData name="Brennan Brown" userId="bcf6cc9e-21d7-4e63-b7dc-a8459bd698b0" providerId="ADAL" clId="{30F1509B-5785-4C08-8791-C8021B43727B}" dt="2026-02-19T15:37:25.304" v="256"/>
         <pc:sldMkLst>
           <pc:docMk/>
           <pc:sldMk cId="4124199133" sldId="337"/>
@@ -561,13 +561,13 @@
         </pc:picChg>
       </pc:sldChg>
       <pc:sldMasterChg chg="modSldLayout sldLayoutOrd">
-        <pc:chgData name="Brennan Brown" userId="bcf6cc9e-21d7-4e63-b7dc-a8459bd698b0" providerId="ADAL" clId="{30F1509B-5785-4C08-8791-C8021B43727B}" dt="2026-02-19T15:36:56.062" v="255"/>
+        <pc:chgData name="Brennan Brown" userId="bcf6cc9e-21d7-4e63-b7dc-a8459bd698b0" providerId="ADAL" clId="{30F1509B-5785-4C08-8791-C8021B43727B}" dt="2026-02-19T15:37:25.304" v="256"/>
         <pc:sldMasterMkLst>
           <pc:docMk/>
           <pc:sldMasterMk cId="2719746289" sldId="2147483648"/>
         </pc:sldMasterMkLst>
         <pc:sldLayoutChg chg="addSp delSp modSp mod modAnim">
-          <pc:chgData name="Brennan Brown" userId="bcf6cc9e-21d7-4e63-b7dc-a8459bd698b0" providerId="ADAL" clId="{30F1509B-5785-4C08-8791-C8021B43727B}" dt="2026-02-19T15:36:56.062" v="255"/>
+          <pc:chgData name="Brennan Brown" userId="bcf6cc9e-21d7-4e63-b7dc-a8459bd698b0" providerId="ADAL" clId="{30F1509B-5785-4C08-8791-C8021B43727B}" dt="2026-02-19T15:37:25.304" v="256"/>
           <pc:sldLayoutMkLst>
             <pc:docMk/>
             <pc:sldMasterMk cId="2719746289" sldId="2147483648"/>
@@ -1193,12 +1193,22 @@
         <p:cTn id="1" dur="indefinite" restart="never" nodeType="tmRoot">
           <p:childTnLst>
             <p:seq concurrent="1" nextAc="seek">
-              <p:cTn id="2" dur="indefinite" nodeType="mainSeq">
+              <p:cTn id="2" restart="whenNotActive" fill="hold" evtFilter="cancelBubble" nodeType="interactiveSeq">
+                <p:stCondLst>
+                  <p:cond evt="onClick" delay="0">
+                    <p:tgtEl>
+                      <p:spTgt spid="11"/>
+                    </p:tgtEl>
+                  </p:cond>
+                </p:stCondLst>
+                <p:endSync evt="end" delay="0">
+                  <p:rtn val="all"/>
+                </p:endSync>
                 <p:childTnLst>
                   <p:par>
                     <p:cTn id="3" fill="hold">
                       <p:stCondLst>
-                        <p:cond delay="indefinite"/>
+                        <p:cond delay="0"/>
                       </p:stCondLst>
                       <p:childTnLst>
                         <p:par>
@@ -1242,17 +1252,10 @@
                   </p:par>
                 </p:childTnLst>
               </p:cTn>
-              <p:prevCondLst>
-                <p:cond evt="onPrev" delay="0">
+              <p:nextCondLst>
+                <p:cond evt="onClick" delay="0">
                   <p:tgtEl>
-                    <p:sldTgt/>
-                  </p:tgtEl>
-                </p:cond>
-              </p:prevCondLst>
-              <p:nextCondLst>
-                <p:cond evt="onNext" delay="0">
-                  <p:tgtEl>
-                    <p:sldTgt/>
+                    <p:spTgt spid="11"/>
                   </p:tgtEl>
                 </p:cond>
               </p:nextCondLst>

--- a/alcoholquestions.pptx
+++ b/alcoholquestions.pptx
@@ -124,7 +124,7 @@
 <file path=ppt/revisionInfo.xml><?xml version="1.0" encoding="utf-8"?>
 <p1510:revInfo xmlns:a="http://schemas.openxmlformats.org/drawingml/2006/main" xmlns:r="http://schemas.openxmlformats.org/officeDocument/2006/relationships" xmlns:p1510="http://schemas.microsoft.com/office/powerpoint/2015/10/main">
   <p1510:revLst>
-    <p1510:client id="{35CB8859-946B-47B2-B238-137014B76091}" v="29" dt="2026-02-19T15:37:25.304"/>
+    <p1510:client id="{35CB8859-946B-47B2-B238-137014B76091}" v="31" dt="2026-02-19T15:37:44.146"/>
   </p1510:revLst>
 </p1510:revInfo>
 </file>
@@ -134,7 +134,7 @@
   <pc:docChgLst>
     <pc:chgData name="Brennan Brown" userId="bcf6cc9e-21d7-4e63-b7dc-a8459bd698b0" providerId="ADAL" clId="{30F1509B-5785-4C08-8791-C8021B43727B}"/>
     <pc:docChg chg="undo redo custSel addSld delSld modSld sldOrd delMainMaster modMainMaster">
-      <pc:chgData name="Brennan Brown" userId="bcf6cc9e-21d7-4e63-b7dc-a8459bd698b0" providerId="ADAL" clId="{30F1509B-5785-4C08-8791-C8021B43727B}" dt="2026-02-19T15:37:25.304" v="256"/>
+      <pc:chgData name="Brennan Brown" userId="bcf6cc9e-21d7-4e63-b7dc-a8459bd698b0" providerId="ADAL" clId="{30F1509B-5785-4C08-8791-C8021B43727B}" dt="2026-02-19T15:37:44.146" v="258"/>
       <pc:docMkLst>
         <pc:docMk/>
       </pc:docMkLst>
@@ -335,7 +335,7 @@
         </pc:picChg>
       </pc:sldChg>
       <pc:sldChg chg="addSp delSp modSp new mod modClrScheme modAnim chgLayout">
-        <pc:chgData name="Brennan Brown" userId="bcf6cc9e-21d7-4e63-b7dc-a8459bd698b0" providerId="ADAL" clId="{30F1509B-5785-4C08-8791-C8021B43727B}" dt="2026-02-19T15:37:25.304" v="256"/>
+        <pc:chgData name="Brennan Brown" userId="bcf6cc9e-21d7-4e63-b7dc-a8459bd698b0" providerId="ADAL" clId="{30F1509B-5785-4C08-8791-C8021B43727B}" dt="2026-02-19T15:37:44.146" v="258"/>
         <pc:sldMkLst>
           <pc:docMk/>
           <pc:sldMk cId="3840861800" sldId="336"/>
@@ -374,7 +374,7 @@
         </pc:spChg>
       </pc:sldChg>
       <pc:sldChg chg="addSp modSp new mod ord modClrScheme modAnim chgLayout">
-        <pc:chgData name="Brennan Brown" userId="bcf6cc9e-21d7-4e63-b7dc-a8459bd698b0" providerId="ADAL" clId="{30F1509B-5785-4C08-8791-C8021B43727B}" dt="2026-02-19T15:37:25.304" v="256"/>
+        <pc:chgData name="Brennan Brown" userId="bcf6cc9e-21d7-4e63-b7dc-a8459bd698b0" providerId="ADAL" clId="{30F1509B-5785-4C08-8791-C8021B43727B}" dt="2026-02-19T15:37:44.146" v="258"/>
         <pc:sldMkLst>
           <pc:docMk/>
           <pc:sldMk cId="4124199133" sldId="337"/>
@@ -561,13 +561,13 @@
         </pc:picChg>
       </pc:sldChg>
       <pc:sldMasterChg chg="modSldLayout sldLayoutOrd">
-        <pc:chgData name="Brennan Brown" userId="bcf6cc9e-21d7-4e63-b7dc-a8459bd698b0" providerId="ADAL" clId="{30F1509B-5785-4C08-8791-C8021B43727B}" dt="2026-02-19T15:37:25.304" v="256"/>
+        <pc:chgData name="Brennan Brown" userId="bcf6cc9e-21d7-4e63-b7dc-a8459bd698b0" providerId="ADAL" clId="{30F1509B-5785-4C08-8791-C8021B43727B}" dt="2026-02-19T15:37:44.146" v="258"/>
         <pc:sldMasterMkLst>
           <pc:docMk/>
           <pc:sldMasterMk cId="2719746289" sldId="2147483648"/>
         </pc:sldMasterMkLst>
         <pc:sldLayoutChg chg="addSp delSp modSp mod modAnim">
-          <pc:chgData name="Brennan Brown" userId="bcf6cc9e-21d7-4e63-b7dc-a8459bd698b0" providerId="ADAL" clId="{30F1509B-5785-4C08-8791-C8021B43727B}" dt="2026-02-19T15:37:25.304" v="256"/>
+          <pc:chgData name="Brennan Brown" userId="bcf6cc9e-21d7-4e63-b7dc-a8459bd698b0" providerId="ADAL" clId="{30F1509B-5785-4C08-8791-C8021B43727B}" dt="2026-02-19T15:37:44.146" v="258"/>
           <pc:sldLayoutMkLst>
             <pc:docMk/>
             <pc:sldMasterMk cId="2719746289" sldId="2147483648"/>
@@ -628,7 +628,7 @@
             </ac:spMkLst>
           </pc:spChg>
           <pc:spChg chg="add mod">
-            <ac:chgData name="Brennan Brown" userId="bcf6cc9e-21d7-4e63-b7dc-a8459bd698b0" providerId="ADAL" clId="{30F1509B-5785-4C08-8791-C8021B43727B}" dt="2026-02-19T15:35:28.968" v="244" actId="339"/>
+            <ac:chgData name="Brennan Brown" userId="bcf6cc9e-21d7-4e63-b7dc-a8459bd698b0" providerId="ADAL" clId="{30F1509B-5785-4C08-8791-C8021B43727B}" dt="2026-02-19T15:37:33.460" v="257" actId="20577"/>
             <ac:spMkLst>
               <pc:docMk/>
               <pc:sldMasterMk cId="2719746289" sldId="2147483648"/>
@@ -643,6 +643,24 @@
               <pc:sldMasterMk cId="2719746289" sldId="2147483648"/>
               <pc:sldLayoutMk cId="3983859811" sldId="2147483649"/>
               <ac:spMk id="12" creationId="{9953CE9B-0F8E-0EAC-02E5-55F6E8D38629}"/>
+            </ac:spMkLst>
+          </pc:spChg>
+          <pc:spChg chg="add mod">
+            <ac:chgData name="Brennan Brown" userId="bcf6cc9e-21d7-4e63-b7dc-a8459bd698b0" providerId="ADAL" clId="{30F1509B-5785-4C08-8791-C8021B43727B}" dt="2026-02-19T15:37:44.146" v="258"/>
+            <ac:spMkLst>
+              <pc:docMk/>
+              <pc:sldMasterMk cId="2719746289" sldId="2147483648"/>
+              <pc:sldLayoutMk cId="3983859811" sldId="2147483649"/>
+              <ac:spMk id="13" creationId="{274BE651-857D-2041-37D3-CDCEF3B8430E}"/>
+            </ac:spMkLst>
+          </pc:spChg>
+          <pc:spChg chg="add mod">
+            <ac:chgData name="Brennan Brown" userId="bcf6cc9e-21d7-4e63-b7dc-a8459bd698b0" providerId="ADAL" clId="{30F1509B-5785-4C08-8791-C8021B43727B}" dt="2026-02-19T15:37:44.146" v="258"/>
+            <ac:spMkLst>
+              <pc:docMk/>
+              <pc:sldMasterMk cId="2719746289" sldId="2147483648"/>
+              <pc:sldLayoutMk cId="3983859811" sldId="2147483649"/>
+              <ac:spMk id="14" creationId="{4EC9F5D0-F10D-A364-7F4E-73B968C2536F}"/>
             </ac:spMkLst>
           </pc:spChg>
         </pc:sldLayoutChg>
@@ -1173,7 +1191,153 @@
           <a:lstStyle/>
           <a:p>
             <a:pPr algn="ctr"/>
+            <a:r>
+              <a:rPr lang="en-US" dirty="0"/>
+              <a:t>1</a:t>
+            </a:r>
+          </a:p>
+        </p:txBody>
+      </p:sp>
+      <p:sp>
+        <p:nvSpPr>
+          <p:cNvPr id="13" name="Oval 12">
+            <a:extLst>
+              <a:ext uri="{FF2B5EF4-FFF2-40B4-BE49-F238E27FC236}">
+                <a16:creationId xmlns:a16="http://schemas.microsoft.com/office/drawing/2014/main" id="{274BE651-857D-2041-37D3-CDCEF3B8430E}"/>
+              </a:ext>
+            </a:extLst>
+          </p:cNvPr>
+          <p:cNvSpPr/>
+          <p:nvPr userDrawn="1"/>
+        </p:nvSpPr>
+        <p:spPr>
+          <a:xfrm>
+            <a:off x="2660071" y="4230254"/>
+            <a:ext cx="932873" cy="932873"/>
+          </a:xfrm>
+          <a:prstGeom prst="ellipse">
+            <a:avLst/>
+          </a:prstGeom>
+          <a:ln>
+            <a:noFill/>
+          </a:ln>
+          <a:effectLst>
+            <a:glow rad="63500">
+              <a:schemeClr val="accent4">
+                <a:satMod val="175000"/>
+                <a:alpha val="40000"/>
+              </a:schemeClr>
+            </a:glow>
+            <a:outerShdw blurRad="44450" dist="27940" dir="5400000" algn="ctr">
+              <a:srgbClr val="000000">
+                <a:alpha val="32000"/>
+              </a:srgbClr>
+            </a:outerShdw>
+          </a:effectLst>
+          <a:scene3d>
+            <a:camera prst="orthographicFront">
+              <a:rot lat="0" lon="0" rev="0"/>
+            </a:camera>
+            <a:lightRig rig="balanced" dir="t">
+              <a:rot lat="0" lon="0" rev="8700000"/>
+            </a:lightRig>
+          </a:scene3d>
+          <a:sp3d>
+            <a:bevelT w="190500" h="38100" prst="softRound"/>
+          </a:sp3d>
+        </p:spPr>
+        <p:style>
+          <a:lnRef idx="2">
+            <a:schemeClr val="accent1">
+              <a:shade val="15000"/>
+            </a:schemeClr>
+          </a:lnRef>
+          <a:fillRef idx="1">
+            <a:schemeClr val="accent1"/>
+          </a:fillRef>
+          <a:effectRef idx="0">
+            <a:schemeClr val="accent1"/>
+          </a:effectRef>
+          <a:fontRef idx="minor">
+            <a:schemeClr val="lt1"/>
+          </a:fontRef>
+        </p:style>
+        <p:txBody>
+          <a:bodyPr rtlCol="0" anchor="ctr"/>
+          <a:lstStyle/>
+          <a:p>
+            <a:pPr algn="ctr"/>
             <a:endParaRPr lang="en-US"/>
+          </a:p>
+        </p:txBody>
+      </p:sp>
+      <p:sp>
+        <p:nvSpPr>
+          <p:cNvPr id="14" name="Oval 13">
+            <a:extLst>
+              <a:ext uri="{FF2B5EF4-FFF2-40B4-BE49-F238E27FC236}">
+                <a16:creationId xmlns:a16="http://schemas.microsoft.com/office/drawing/2014/main" id="{4EC9F5D0-F10D-A364-7F4E-73B968C2536F}"/>
+              </a:ext>
+            </a:extLst>
+          </p:cNvPr>
+          <p:cNvSpPr/>
+          <p:nvPr userDrawn="1"/>
+        </p:nvSpPr>
+        <p:spPr>
+          <a:xfrm>
+            <a:off x="2600036" y="4170219"/>
+            <a:ext cx="1052945" cy="1052945"/>
+          </a:xfrm>
+          <a:prstGeom prst="ellipse">
+            <a:avLst/>
+          </a:prstGeom>
+          <a:ln>
+            <a:noFill/>
+          </a:ln>
+          <a:effectLst>
+            <a:outerShdw blurRad="44450" dist="27940" dir="5400000" algn="ctr">
+              <a:srgbClr val="000000">
+                <a:alpha val="32000"/>
+              </a:srgbClr>
+            </a:outerShdw>
+          </a:effectLst>
+          <a:scene3d>
+            <a:camera prst="orthographicFront">
+              <a:rot lat="0" lon="0" rev="0"/>
+            </a:camera>
+            <a:lightRig rig="balanced" dir="t">
+              <a:rot lat="0" lon="0" rev="8700000"/>
+            </a:lightRig>
+          </a:scene3d>
+          <a:sp3d>
+            <a:bevelT w="190500" h="38100"/>
+          </a:sp3d>
+        </p:spPr>
+        <p:style>
+          <a:lnRef idx="2">
+            <a:schemeClr val="accent1">
+              <a:shade val="15000"/>
+            </a:schemeClr>
+          </a:lnRef>
+          <a:fillRef idx="1">
+            <a:schemeClr val="accent1"/>
+          </a:fillRef>
+          <a:effectRef idx="0">
+            <a:schemeClr val="accent1"/>
+          </a:effectRef>
+          <a:fontRef idx="minor">
+            <a:schemeClr val="lt1"/>
+          </a:fontRef>
+        </p:style>
+        <p:txBody>
+          <a:bodyPr rtlCol="0" anchor="ctr"/>
+          <a:lstStyle/>
+          <a:p>
+            <a:pPr algn="ctr"/>
+            <a:r>
+              <a:rPr lang="en-US" dirty="0"/>
+              <a:t>1</a:t>
+            </a:r>
           </a:p>
         </p:txBody>
       </p:sp>
@@ -1260,12 +1424,81 @@
                 </p:cond>
               </p:nextCondLst>
             </p:seq>
+            <p:seq concurrent="1" nextAc="seek">
+              <p:cTn id="7" restart="whenNotActive" fill="hold" evtFilter="cancelBubble" nodeType="interactiveSeq">
+                <p:stCondLst>
+                  <p:cond evt="onClick" delay="0">
+                    <p:tgtEl>
+                      <p:spTgt spid="14"/>
+                    </p:tgtEl>
+                  </p:cond>
+                </p:stCondLst>
+                <p:endSync evt="end" delay="0">
+                  <p:rtn val="all"/>
+                </p:endSync>
+                <p:childTnLst>
+                  <p:par>
+                    <p:cTn id="8" fill="hold">
+                      <p:stCondLst>
+                        <p:cond delay="0"/>
+                      </p:stCondLst>
+                      <p:childTnLst>
+                        <p:par>
+                          <p:cTn id="9" fill="hold">
+                            <p:stCondLst>
+                              <p:cond delay="0"/>
+                            </p:stCondLst>
+                            <p:childTnLst>
+                              <p:par>
+                                <p:cTn id="10" presetID="1" presetClass="exit" presetSubtype="0" fill="hold" grpId="0" nodeType="clickEffect">
+                                  <p:stCondLst>
+                                    <p:cond delay="0"/>
+                                  </p:stCondLst>
+                                  <p:childTnLst>
+                                    <p:set>
+                                      <p:cBhvr>
+                                        <p:cTn id="11" dur="1" fill="hold">
+                                          <p:stCondLst>
+                                            <p:cond delay="0"/>
+                                          </p:stCondLst>
+                                        </p:cTn>
+                                        <p:tgtEl>
+                                          <p:spTgt spid="14"/>
+                                        </p:tgtEl>
+                                        <p:attrNameLst>
+                                          <p:attrName>style.visibility</p:attrName>
+                                        </p:attrNameLst>
+                                      </p:cBhvr>
+                                      <p:to>
+                                        <p:strVal val="hidden"/>
+                                      </p:to>
+                                    </p:set>
+                                  </p:childTnLst>
+                                </p:cTn>
+                              </p:par>
+                            </p:childTnLst>
+                          </p:cTn>
+                        </p:par>
+                      </p:childTnLst>
+                    </p:cTn>
+                  </p:par>
+                </p:childTnLst>
+              </p:cTn>
+              <p:nextCondLst>
+                <p:cond evt="onClick" delay="0">
+                  <p:tgtEl>
+                    <p:spTgt spid="14"/>
+                  </p:tgtEl>
+                </p:cond>
+              </p:nextCondLst>
+            </p:seq>
           </p:childTnLst>
         </p:cTn>
       </p:par>
     </p:tnLst>
     <p:bldLst>
       <p:bldP spid="11" grpId="0" animBg="1"/>
+      <p:bldP spid="14" grpId="0" animBg="1"/>
     </p:bldLst>
   </p:timing>
 </p:sldLayout>

--- a/alcoholquestions.pptx
+++ b/alcoholquestions.pptx
@@ -124,7 +124,7 @@
 <file path=ppt/revisionInfo.xml><?xml version="1.0" encoding="utf-8"?>
 <p1510:revInfo xmlns:a="http://schemas.openxmlformats.org/drawingml/2006/main" xmlns:r="http://schemas.openxmlformats.org/officeDocument/2006/relationships" xmlns:p1510="http://schemas.microsoft.com/office/powerpoint/2015/10/main">
   <p1510:revLst>
-    <p1510:client id="{35CB8859-946B-47B2-B238-137014B76091}" v="31" dt="2026-02-19T15:37:44.146"/>
+    <p1510:client id="{35CB8859-946B-47B2-B238-137014B76091}" v="32" dt="2026-02-19T15:37:56.770"/>
   </p1510:revLst>
 </p1510:revInfo>
 </file>
@@ -134,7 +134,7 @@
   <pc:docChgLst>
     <pc:chgData name="Brennan Brown" userId="bcf6cc9e-21d7-4e63-b7dc-a8459bd698b0" providerId="ADAL" clId="{30F1509B-5785-4C08-8791-C8021B43727B}"/>
     <pc:docChg chg="undo redo custSel addSld delSld modSld sldOrd delMainMaster modMainMaster">
-      <pc:chgData name="Brennan Brown" userId="bcf6cc9e-21d7-4e63-b7dc-a8459bd698b0" providerId="ADAL" clId="{30F1509B-5785-4C08-8791-C8021B43727B}" dt="2026-02-19T15:37:44.146" v="258"/>
+      <pc:chgData name="Brennan Brown" userId="bcf6cc9e-21d7-4e63-b7dc-a8459bd698b0" providerId="ADAL" clId="{30F1509B-5785-4C08-8791-C8021B43727B}" dt="2026-02-19T15:38:04.018" v="262" actId="1076"/>
       <pc:docMkLst>
         <pc:docMk/>
       </pc:docMkLst>
@@ -335,7 +335,7 @@
         </pc:picChg>
       </pc:sldChg>
       <pc:sldChg chg="addSp delSp modSp new mod modClrScheme modAnim chgLayout">
-        <pc:chgData name="Brennan Brown" userId="bcf6cc9e-21d7-4e63-b7dc-a8459bd698b0" providerId="ADAL" clId="{30F1509B-5785-4C08-8791-C8021B43727B}" dt="2026-02-19T15:37:44.146" v="258"/>
+        <pc:chgData name="Brennan Brown" userId="bcf6cc9e-21d7-4e63-b7dc-a8459bd698b0" providerId="ADAL" clId="{30F1509B-5785-4C08-8791-C8021B43727B}" dt="2026-02-19T15:37:56.770" v="261"/>
         <pc:sldMkLst>
           <pc:docMk/>
           <pc:sldMk cId="3840861800" sldId="336"/>
@@ -374,7 +374,7 @@
         </pc:spChg>
       </pc:sldChg>
       <pc:sldChg chg="addSp modSp new mod ord modClrScheme modAnim chgLayout">
-        <pc:chgData name="Brennan Brown" userId="bcf6cc9e-21d7-4e63-b7dc-a8459bd698b0" providerId="ADAL" clId="{30F1509B-5785-4C08-8791-C8021B43727B}" dt="2026-02-19T15:37:44.146" v="258"/>
+        <pc:chgData name="Brennan Brown" userId="bcf6cc9e-21d7-4e63-b7dc-a8459bd698b0" providerId="ADAL" clId="{30F1509B-5785-4C08-8791-C8021B43727B}" dt="2026-02-19T15:37:56.770" v="261"/>
         <pc:sldMkLst>
           <pc:docMk/>
           <pc:sldMk cId="4124199133" sldId="337"/>
@@ -561,13 +561,13 @@
         </pc:picChg>
       </pc:sldChg>
       <pc:sldMasterChg chg="modSldLayout sldLayoutOrd">
-        <pc:chgData name="Brennan Brown" userId="bcf6cc9e-21d7-4e63-b7dc-a8459bd698b0" providerId="ADAL" clId="{30F1509B-5785-4C08-8791-C8021B43727B}" dt="2026-02-19T15:37:44.146" v="258"/>
+        <pc:chgData name="Brennan Brown" userId="bcf6cc9e-21d7-4e63-b7dc-a8459bd698b0" providerId="ADAL" clId="{30F1509B-5785-4C08-8791-C8021B43727B}" dt="2026-02-19T15:38:04.018" v="262" actId="1076"/>
         <pc:sldMasterMkLst>
           <pc:docMk/>
           <pc:sldMasterMk cId="2719746289" sldId="2147483648"/>
         </pc:sldMasterMkLst>
         <pc:sldLayoutChg chg="addSp delSp modSp mod modAnim">
-          <pc:chgData name="Brennan Brown" userId="bcf6cc9e-21d7-4e63-b7dc-a8459bd698b0" providerId="ADAL" clId="{30F1509B-5785-4C08-8791-C8021B43727B}" dt="2026-02-19T15:37:44.146" v="258"/>
+          <pc:chgData name="Brennan Brown" userId="bcf6cc9e-21d7-4e63-b7dc-a8459bd698b0" providerId="ADAL" clId="{30F1509B-5785-4C08-8791-C8021B43727B}" dt="2026-02-19T15:38:04.018" v="262" actId="1076"/>
           <pc:sldLayoutMkLst>
             <pc:docMk/>
             <pc:sldMasterMk cId="2719746289" sldId="2147483648"/>
@@ -646,7 +646,7 @@
             </ac:spMkLst>
           </pc:spChg>
           <pc:spChg chg="add mod">
-            <ac:chgData name="Brennan Brown" userId="bcf6cc9e-21d7-4e63-b7dc-a8459bd698b0" providerId="ADAL" clId="{30F1509B-5785-4C08-8791-C8021B43727B}" dt="2026-02-19T15:37:44.146" v="258"/>
+            <ac:chgData name="Brennan Brown" userId="bcf6cc9e-21d7-4e63-b7dc-a8459bd698b0" providerId="ADAL" clId="{30F1509B-5785-4C08-8791-C8021B43727B}" dt="2026-02-19T15:37:55.006" v="260" actId="1076"/>
             <ac:spMkLst>
               <pc:docMk/>
               <pc:sldMasterMk cId="2719746289" sldId="2147483648"/>
@@ -655,12 +655,30 @@
             </ac:spMkLst>
           </pc:spChg>
           <pc:spChg chg="add mod">
-            <ac:chgData name="Brennan Brown" userId="bcf6cc9e-21d7-4e63-b7dc-a8459bd698b0" providerId="ADAL" clId="{30F1509B-5785-4C08-8791-C8021B43727B}" dt="2026-02-19T15:37:44.146" v="258"/>
+            <ac:chgData name="Brennan Brown" userId="bcf6cc9e-21d7-4e63-b7dc-a8459bd698b0" providerId="ADAL" clId="{30F1509B-5785-4C08-8791-C8021B43727B}" dt="2026-02-19T15:37:55.006" v="260" actId="1076"/>
             <ac:spMkLst>
               <pc:docMk/>
               <pc:sldMasterMk cId="2719746289" sldId="2147483648"/>
               <pc:sldLayoutMk cId="3983859811" sldId="2147483649"/>
               <ac:spMk id="14" creationId="{4EC9F5D0-F10D-A364-7F4E-73B968C2536F}"/>
+            </ac:spMkLst>
+          </pc:spChg>
+          <pc:spChg chg="add mod">
+            <ac:chgData name="Brennan Brown" userId="bcf6cc9e-21d7-4e63-b7dc-a8459bd698b0" providerId="ADAL" clId="{30F1509B-5785-4C08-8791-C8021B43727B}" dt="2026-02-19T15:38:04.018" v="262" actId="1076"/>
+            <ac:spMkLst>
+              <pc:docMk/>
+              <pc:sldMasterMk cId="2719746289" sldId="2147483648"/>
+              <pc:sldLayoutMk cId="3983859811" sldId="2147483649"/>
+              <ac:spMk id="15" creationId="{78CD2D05-0D58-396C-AECC-75EF97CAA1BA}"/>
+            </ac:spMkLst>
+          </pc:spChg>
+          <pc:spChg chg="add mod">
+            <ac:chgData name="Brennan Brown" userId="bcf6cc9e-21d7-4e63-b7dc-a8459bd698b0" providerId="ADAL" clId="{30F1509B-5785-4C08-8791-C8021B43727B}" dt="2026-02-19T15:38:04.018" v="262" actId="1076"/>
+            <ac:spMkLst>
+              <pc:docMk/>
+              <pc:sldMasterMk cId="2719746289" sldId="2147483648"/>
+              <pc:sldLayoutMk cId="3983859811" sldId="2147483649"/>
+              <ac:spMk id="16" creationId="{34B476B9-688B-31F7-C7DD-8CF319FD171E}"/>
             </ac:spMkLst>
           </pc:spChg>
         </pc:sldLayoutChg>
@@ -1212,7 +1230,7 @@
         </p:nvSpPr>
         <p:spPr>
           <a:xfrm>
-            <a:off x="2660071" y="4230254"/>
+            <a:off x="3827969" y="4047629"/>
             <a:ext cx="932873" cy="932873"/>
           </a:xfrm>
           <a:prstGeom prst="ellipse">
@@ -1285,7 +1303,150 @@
         </p:nvSpPr>
         <p:spPr>
           <a:xfrm>
-            <a:off x="2600036" y="4170219"/>
+            <a:off x="3767934" y="3987594"/>
+            <a:ext cx="1052945" cy="1052945"/>
+          </a:xfrm>
+          <a:prstGeom prst="ellipse">
+            <a:avLst/>
+          </a:prstGeom>
+          <a:ln>
+            <a:noFill/>
+          </a:ln>
+          <a:effectLst>
+            <a:outerShdw blurRad="44450" dist="27940" dir="5400000" algn="ctr">
+              <a:srgbClr val="000000">
+                <a:alpha val="32000"/>
+              </a:srgbClr>
+            </a:outerShdw>
+          </a:effectLst>
+          <a:scene3d>
+            <a:camera prst="orthographicFront">
+              <a:rot lat="0" lon="0" rev="0"/>
+            </a:camera>
+            <a:lightRig rig="balanced" dir="t">
+              <a:rot lat="0" lon="0" rev="8700000"/>
+            </a:lightRig>
+          </a:scene3d>
+          <a:sp3d>
+            <a:bevelT w="190500" h="38100"/>
+          </a:sp3d>
+        </p:spPr>
+        <p:style>
+          <a:lnRef idx="2">
+            <a:schemeClr val="accent1">
+              <a:shade val="15000"/>
+            </a:schemeClr>
+          </a:lnRef>
+          <a:fillRef idx="1">
+            <a:schemeClr val="accent1"/>
+          </a:fillRef>
+          <a:effectRef idx="0">
+            <a:schemeClr val="accent1"/>
+          </a:effectRef>
+          <a:fontRef idx="minor">
+            <a:schemeClr val="lt1"/>
+          </a:fontRef>
+        </p:style>
+        <p:txBody>
+          <a:bodyPr rtlCol="0" anchor="ctr"/>
+          <a:lstStyle/>
+          <a:p>
+            <a:pPr algn="ctr"/>
+            <a:r>
+              <a:rPr lang="en-US" dirty="0"/>
+              <a:t>1</a:t>
+            </a:r>
+          </a:p>
+        </p:txBody>
+      </p:sp>
+      <p:sp>
+        <p:nvSpPr>
+          <p:cNvPr id="15" name="Oval 14">
+            <a:extLst>
+              <a:ext uri="{FF2B5EF4-FFF2-40B4-BE49-F238E27FC236}">
+                <a16:creationId xmlns:a16="http://schemas.microsoft.com/office/drawing/2014/main" id="{78CD2D05-0D58-396C-AECC-75EF97CAA1BA}"/>
+              </a:ext>
+            </a:extLst>
+          </p:cNvPr>
+          <p:cNvSpPr/>
+          <p:nvPr userDrawn="1"/>
+        </p:nvSpPr>
+        <p:spPr>
+          <a:xfrm>
+            <a:off x="5308195" y="4077854"/>
+            <a:ext cx="932873" cy="932873"/>
+          </a:xfrm>
+          <a:prstGeom prst="ellipse">
+            <a:avLst/>
+          </a:prstGeom>
+          <a:ln>
+            <a:noFill/>
+          </a:ln>
+          <a:effectLst>
+            <a:glow rad="63500">
+              <a:schemeClr val="accent4">
+                <a:satMod val="175000"/>
+                <a:alpha val="40000"/>
+              </a:schemeClr>
+            </a:glow>
+            <a:outerShdw blurRad="44450" dist="27940" dir="5400000" algn="ctr">
+              <a:srgbClr val="000000">
+                <a:alpha val="32000"/>
+              </a:srgbClr>
+            </a:outerShdw>
+          </a:effectLst>
+          <a:scene3d>
+            <a:camera prst="orthographicFront">
+              <a:rot lat="0" lon="0" rev="0"/>
+            </a:camera>
+            <a:lightRig rig="balanced" dir="t">
+              <a:rot lat="0" lon="0" rev="8700000"/>
+            </a:lightRig>
+          </a:scene3d>
+          <a:sp3d>
+            <a:bevelT w="190500" h="38100" prst="softRound"/>
+          </a:sp3d>
+        </p:spPr>
+        <p:style>
+          <a:lnRef idx="2">
+            <a:schemeClr val="accent1">
+              <a:shade val="15000"/>
+            </a:schemeClr>
+          </a:lnRef>
+          <a:fillRef idx="1">
+            <a:schemeClr val="accent1"/>
+          </a:fillRef>
+          <a:effectRef idx="0">
+            <a:schemeClr val="accent1"/>
+          </a:effectRef>
+          <a:fontRef idx="minor">
+            <a:schemeClr val="lt1"/>
+          </a:fontRef>
+        </p:style>
+        <p:txBody>
+          <a:bodyPr rtlCol="0" anchor="ctr"/>
+          <a:lstStyle/>
+          <a:p>
+            <a:pPr algn="ctr"/>
+            <a:endParaRPr lang="en-US"/>
+          </a:p>
+        </p:txBody>
+      </p:sp>
+      <p:sp>
+        <p:nvSpPr>
+          <p:cNvPr id="16" name="Oval 15">
+            <a:extLst>
+              <a:ext uri="{FF2B5EF4-FFF2-40B4-BE49-F238E27FC236}">
+                <a16:creationId xmlns:a16="http://schemas.microsoft.com/office/drawing/2014/main" id="{34B476B9-688B-31F7-C7DD-8CF319FD171E}"/>
+              </a:ext>
+            </a:extLst>
+          </p:cNvPr>
+          <p:cNvSpPr/>
+          <p:nvPr userDrawn="1"/>
+        </p:nvSpPr>
+        <p:spPr>
+          <a:xfrm>
+            <a:off x="5248160" y="4017819"/>
             <a:ext cx="1052945" cy="1052945"/>
           </a:xfrm>
           <a:prstGeom prst="ellipse">
@@ -1492,6 +1653,74 @@
                 </p:cond>
               </p:nextCondLst>
             </p:seq>
+            <p:seq concurrent="1" nextAc="seek">
+              <p:cTn id="12" restart="whenNotActive" fill="hold" evtFilter="cancelBubble" nodeType="interactiveSeq">
+                <p:stCondLst>
+                  <p:cond evt="onClick" delay="0">
+                    <p:tgtEl>
+                      <p:spTgt spid="16"/>
+                    </p:tgtEl>
+                  </p:cond>
+                </p:stCondLst>
+                <p:endSync evt="end" delay="0">
+                  <p:rtn val="all"/>
+                </p:endSync>
+                <p:childTnLst>
+                  <p:par>
+                    <p:cTn id="13" fill="hold">
+                      <p:stCondLst>
+                        <p:cond delay="0"/>
+                      </p:stCondLst>
+                      <p:childTnLst>
+                        <p:par>
+                          <p:cTn id="14" fill="hold">
+                            <p:stCondLst>
+                              <p:cond delay="0"/>
+                            </p:stCondLst>
+                            <p:childTnLst>
+                              <p:par>
+                                <p:cTn id="15" presetID="1" presetClass="exit" presetSubtype="0" fill="hold" grpId="0" nodeType="clickEffect">
+                                  <p:stCondLst>
+                                    <p:cond delay="0"/>
+                                  </p:stCondLst>
+                                  <p:childTnLst>
+                                    <p:set>
+                                      <p:cBhvr>
+                                        <p:cTn id="16" dur="1" fill="hold">
+                                          <p:stCondLst>
+                                            <p:cond delay="0"/>
+                                          </p:stCondLst>
+                                        </p:cTn>
+                                        <p:tgtEl>
+                                          <p:spTgt spid="16"/>
+                                        </p:tgtEl>
+                                        <p:attrNameLst>
+                                          <p:attrName>style.visibility</p:attrName>
+                                        </p:attrNameLst>
+                                      </p:cBhvr>
+                                      <p:to>
+                                        <p:strVal val="hidden"/>
+                                      </p:to>
+                                    </p:set>
+                                  </p:childTnLst>
+                                </p:cTn>
+                              </p:par>
+                            </p:childTnLst>
+                          </p:cTn>
+                        </p:par>
+                      </p:childTnLst>
+                    </p:cTn>
+                  </p:par>
+                </p:childTnLst>
+              </p:cTn>
+              <p:nextCondLst>
+                <p:cond evt="onClick" delay="0">
+                  <p:tgtEl>
+                    <p:spTgt spid="16"/>
+                  </p:tgtEl>
+                </p:cond>
+              </p:nextCondLst>
+            </p:seq>
           </p:childTnLst>
         </p:cTn>
       </p:par>
@@ -1499,6 +1728,7 @@
     <p:bldLst>
       <p:bldP spid="11" grpId="0" animBg="1"/>
       <p:bldP spid="14" grpId="0" animBg="1"/>
+      <p:bldP spid="16" grpId="0" animBg="1"/>
     </p:bldLst>
   </p:timing>
 </p:sldLayout>

--- a/alcoholquestions.pptx
+++ b/alcoholquestions.pptx
@@ -124,7 +124,7 @@
 <file path=ppt/revisionInfo.xml><?xml version="1.0" encoding="utf-8"?>
 <p1510:revInfo xmlns:a="http://schemas.openxmlformats.org/drawingml/2006/main" xmlns:r="http://schemas.openxmlformats.org/officeDocument/2006/relationships" xmlns:p1510="http://schemas.microsoft.com/office/powerpoint/2015/10/main">
   <p1510:revLst>
-    <p1510:client id="{35CB8859-946B-47B2-B238-137014B76091}" v="32" dt="2026-02-19T15:37:56.770"/>
+    <p1510:client id="{35CB8859-946B-47B2-B238-137014B76091}" v="33" dt="2026-02-19T15:38:55.226"/>
   </p1510:revLst>
 </p1510:revInfo>
 </file>
@@ -134,7 +134,7 @@
   <pc:docChgLst>
     <pc:chgData name="Brennan Brown" userId="bcf6cc9e-21d7-4e63-b7dc-a8459bd698b0" providerId="ADAL" clId="{30F1509B-5785-4C08-8791-C8021B43727B}"/>
     <pc:docChg chg="undo redo custSel addSld delSld modSld sldOrd delMainMaster modMainMaster">
-      <pc:chgData name="Brennan Brown" userId="bcf6cc9e-21d7-4e63-b7dc-a8459bd698b0" providerId="ADAL" clId="{30F1509B-5785-4C08-8791-C8021B43727B}" dt="2026-02-19T15:38:04.018" v="262" actId="1076"/>
+      <pc:chgData name="Brennan Brown" userId="bcf6cc9e-21d7-4e63-b7dc-a8459bd698b0" providerId="ADAL" clId="{30F1509B-5785-4C08-8791-C8021B43727B}" dt="2026-02-19T15:39:07.542" v="269" actId="1076"/>
       <pc:docMkLst>
         <pc:docMk/>
       </pc:docMkLst>
@@ -335,7 +335,7 @@
         </pc:picChg>
       </pc:sldChg>
       <pc:sldChg chg="addSp delSp modSp new mod modClrScheme modAnim chgLayout">
-        <pc:chgData name="Brennan Brown" userId="bcf6cc9e-21d7-4e63-b7dc-a8459bd698b0" providerId="ADAL" clId="{30F1509B-5785-4C08-8791-C8021B43727B}" dt="2026-02-19T15:37:56.770" v="261"/>
+        <pc:chgData name="Brennan Brown" userId="bcf6cc9e-21d7-4e63-b7dc-a8459bd698b0" providerId="ADAL" clId="{30F1509B-5785-4C08-8791-C8021B43727B}" dt="2026-02-19T15:38:55.226" v="267"/>
         <pc:sldMkLst>
           <pc:docMk/>
           <pc:sldMk cId="3840861800" sldId="336"/>
@@ -374,7 +374,7 @@
         </pc:spChg>
       </pc:sldChg>
       <pc:sldChg chg="addSp modSp new mod ord modClrScheme modAnim chgLayout">
-        <pc:chgData name="Brennan Brown" userId="bcf6cc9e-21d7-4e63-b7dc-a8459bd698b0" providerId="ADAL" clId="{30F1509B-5785-4C08-8791-C8021B43727B}" dt="2026-02-19T15:37:56.770" v="261"/>
+        <pc:chgData name="Brennan Brown" userId="bcf6cc9e-21d7-4e63-b7dc-a8459bd698b0" providerId="ADAL" clId="{30F1509B-5785-4C08-8791-C8021B43727B}" dt="2026-02-19T15:38:55.226" v="267"/>
         <pc:sldMkLst>
           <pc:docMk/>
           <pc:sldMk cId="4124199133" sldId="337"/>
@@ -561,13 +561,13 @@
         </pc:picChg>
       </pc:sldChg>
       <pc:sldMasterChg chg="modSldLayout sldLayoutOrd">
-        <pc:chgData name="Brennan Brown" userId="bcf6cc9e-21d7-4e63-b7dc-a8459bd698b0" providerId="ADAL" clId="{30F1509B-5785-4C08-8791-C8021B43727B}" dt="2026-02-19T15:38:04.018" v="262" actId="1076"/>
+        <pc:chgData name="Brennan Brown" userId="bcf6cc9e-21d7-4e63-b7dc-a8459bd698b0" providerId="ADAL" clId="{30F1509B-5785-4C08-8791-C8021B43727B}" dt="2026-02-19T15:39:07.542" v="269" actId="1076"/>
         <pc:sldMasterMkLst>
           <pc:docMk/>
           <pc:sldMasterMk cId="2719746289" sldId="2147483648"/>
         </pc:sldMasterMkLst>
         <pc:sldLayoutChg chg="addSp delSp modSp mod modAnim">
-          <pc:chgData name="Brennan Brown" userId="bcf6cc9e-21d7-4e63-b7dc-a8459bd698b0" providerId="ADAL" clId="{30F1509B-5785-4C08-8791-C8021B43727B}" dt="2026-02-19T15:38:04.018" v="262" actId="1076"/>
+          <pc:chgData name="Brennan Brown" userId="bcf6cc9e-21d7-4e63-b7dc-a8459bd698b0" providerId="ADAL" clId="{30F1509B-5785-4C08-8791-C8021B43727B}" dt="2026-02-19T15:39:07.542" v="269" actId="1076"/>
           <pc:sldLayoutMkLst>
             <pc:docMk/>
             <pc:sldMasterMk cId="2719746289" sldId="2147483648"/>
@@ -610,7 +610,7 @@
             </ac:spMkLst>
           </pc:spChg>
           <pc:spChg chg="add mod ord">
-            <ac:chgData name="Brennan Brown" userId="bcf6cc9e-21d7-4e63-b7dc-a8459bd698b0" providerId="ADAL" clId="{30F1509B-5785-4C08-8791-C8021B43727B}" dt="2026-02-19T15:34:50.680" v="237" actId="207"/>
+            <ac:chgData name="Brennan Brown" userId="bcf6cc9e-21d7-4e63-b7dc-a8459bd698b0" providerId="ADAL" clId="{30F1509B-5785-4C08-8791-C8021B43727B}" dt="2026-02-19T15:38:15.396" v="263" actId="1076"/>
             <ac:spMkLst>
               <pc:docMk/>
               <pc:sldMasterMk cId="2719746289" sldId="2147483648"/>
@@ -646,7 +646,7 @@
             </ac:spMkLst>
           </pc:spChg>
           <pc:spChg chg="add mod">
-            <ac:chgData name="Brennan Brown" userId="bcf6cc9e-21d7-4e63-b7dc-a8459bd698b0" providerId="ADAL" clId="{30F1509B-5785-4C08-8791-C8021B43727B}" dt="2026-02-19T15:37:55.006" v="260" actId="1076"/>
+            <ac:chgData name="Brennan Brown" userId="bcf6cc9e-21d7-4e63-b7dc-a8459bd698b0" providerId="ADAL" clId="{30F1509B-5785-4C08-8791-C8021B43727B}" dt="2026-02-19T15:38:39.780" v="265" actId="1076"/>
             <ac:spMkLst>
               <pc:docMk/>
               <pc:sldMasterMk cId="2719746289" sldId="2147483648"/>
@@ -655,7 +655,7 @@
             </ac:spMkLst>
           </pc:spChg>
           <pc:spChg chg="add mod">
-            <ac:chgData name="Brennan Brown" userId="bcf6cc9e-21d7-4e63-b7dc-a8459bd698b0" providerId="ADAL" clId="{30F1509B-5785-4C08-8791-C8021B43727B}" dt="2026-02-19T15:37:55.006" v="260" actId="1076"/>
+            <ac:chgData name="Brennan Brown" userId="bcf6cc9e-21d7-4e63-b7dc-a8459bd698b0" providerId="ADAL" clId="{30F1509B-5785-4C08-8791-C8021B43727B}" dt="2026-02-19T15:38:39.780" v="265" actId="1076"/>
             <ac:spMkLst>
               <pc:docMk/>
               <pc:sldMasterMk cId="2719746289" sldId="2147483648"/>
@@ -664,7 +664,7 @@
             </ac:spMkLst>
           </pc:spChg>
           <pc:spChg chg="add mod">
-            <ac:chgData name="Brennan Brown" userId="bcf6cc9e-21d7-4e63-b7dc-a8459bd698b0" providerId="ADAL" clId="{30F1509B-5785-4C08-8791-C8021B43727B}" dt="2026-02-19T15:38:04.018" v="262" actId="1076"/>
+            <ac:chgData name="Brennan Brown" userId="bcf6cc9e-21d7-4e63-b7dc-a8459bd698b0" providerId="ADAL" clId="{30F1509B-5785-4C08-8791-C8021B43727B}" dt="2026-02-19T15:38:49.998" v="266" actId="1076"/>
             <ac:spMkLst>
               <pc:docMk/>
               <pc:sldMasterMk cId="2719746289" sldId="2147483648"/>
@@ -673,12 +673,48 @@
             </ac:spMkLst>
           </pc:spChg>
           <pc:spChg chg="add mod">
-            <ac:chgData name="Brennan Brown" userId="bcf6cc9e-21d7-4e63-b7dc-a8459bd698b0" providerId="ADAL" clId="{30F1509B-5785-4C08-8791-C8021B43727B}" dt="2026-02-19T15:38:04.018" v="262" actId="1076"/>
+            <ac:chgData name="Brennan Brown" userId="bcf6cc9e-21d7-4e63-b7dc-a8459bd698b0" providerId="ADAL" clId="{30F1509B-5785-4C08-8791-C8021B43727B}" dt="2026-02-19T15:38:49.998" v="266" actId="1076"/>
             <ac:spMkLst>
               <pc:docMk/>
               <pc:sldMasterMk cId="2719746289" sldId="2147483648"/>
               <pc:sldLayoutMk cId="3983859811" sldId="2147483649"/>
               <ac:spMk id="16" creationId="{34B476B9-688B-31F7-C7DD-8CF319FD171E}"/>
+            </ac:spMkLst>
+          </pc:spChg>
+          <pc:spChg chg="add mod">
+            <ac:chgData name="Brennan Brown" userId="bcf6cc9e-21d7-4e63-b7dc-a8459bd698b0" providerId="ADAL" clId="{30F1509B-5785-4C08-8791-C8021B43727B}" dt="2026-02-19T15:39:01.313" v="268" actId="1076"/>
+            <ac:spMkLst>
+              <pc:docMk/>
+              <pc:sldMasterMk cId="2719746289" sldId="2147483648"/>
+              <pc:sldLayoutMk cId="3983859811" sldId="2147483649"/>
+              <ac:spMk id="17" creationId="{03F4276D-5884-546E-034B-3B4270179EAB}"/>
+            </ac:spMkLst>
+          </pc:spChg>
+          <pc:spChg chg="add mod">
+            <ac:chgData name="Brennan Brown" userId="bcf6cc9e-21d7-4e63-b7dc-a8459bd698b0" providerId="ADAL" clId="{30F1509B-5785-4C08-8791-C8021B43727B}" dt="2026-02-19T15:39:01.313" v="268" actId="1076"/>
+            <ac:spMkLst>
+              <pc:docMk/>
+              <pc:sldMasterMk cId="2719746289" sldId="2147483648"/>
+              <pc:sldLayoutMk cId="3983859811" sldId="2147483649"/>
+              <ac:spMk id="18" creationId="{6068D649-689D-DEFA-A6C7-0A0842A90146}"/>
+            </ac:spMkLst>
+          </pc:spChg>
+          <pc:spChg chg="add mod">
+            <ac:chgData name="Brennan Brown" userId="bcf6cc9e-21d7-4e63-b7dc-a8459bd698b0" providerId="ADAL" clId="{30F1509B-5785-4C08-8791-C8021B43727B}" dt="2026-02-19T15:39:07.542" v="269" actId="1076"/>
+            <ac:spMkLst>
+              <pc:docMk/>
+              <pc:sldMasterMk cId="2719746289" sldId="2147483648"/>
+              <pc:sldLayoutMk cId="3983859811" sldId="2147483649"/>
+              <ac:spMk id="19" creationId="{12B9BB3E-BE59-9F51-A324-2CFD22535A1C}"/>
+            </ac:spMkLst>
+          </pc:spChg>
+          <pc:spChg chg="add mod">
+            <ac:chgData name="Brennan Brown" userId="bcf6cc9e-21d7-4e63-b7dc-a8459bd698b0" providerId="ADAL" clId="{30F1509B-5785-4C08-8791-C8021B43727B}" dt="2026-02-19T15:39:07.542" v="269" actId="1076"/>
+            <ac:spMkLst>
+              <pc:docMk/>
+              <pc:sldMasterMk cId="2719746289" sldId="2147483648"/>
+              <pc:sldLayoutMk cId="3983859811" sldId="2147483649"/>
+              <ac:spMk id="20" creationId="{578954B9-9661-4C18-574F-49C975FF44E2}"/>
             </ac:spMkLst>
           </pc:spChg>
         </pc:sldLayoutChg>
@@ -786,7 +822,7 @@
         </p:nvSpPr>
         <p:spPr>
           <a:xfrm>
-            <a:off x="1932316" y="2893504"/>
+            <a:off x="2792395" y="5515238"/>
             <a:ext cx="7556740" cy="2685524"/>
           </a:xfrm>
           <a:prstGeom prst="roundRect">
@@ -1002,7 +1038,7 @@
           <a:bodyPr/>
           <a:lstStyle/>
           <a:p>
-            <a:endParaRPr lang="en-US"/>
+            <a:endParaRPr lang="en-US" dirty="0"/>
           </a:p>
         </p:txBody>
       </p:sp>
@@ -1230,7 +1266,7 @@
         </p:nvSpPr>
         <p:spPr>
           <a:xfrm>
-            <a:off x="3827969" y="4047629"/>
+            <a:off x="3981878" y="4073850"/>
             <a:ext cx="932873" cy="932873"/>
           </a:xfrm>
           <a:prstGeom prst="ellipse">
@@ -1303,7 +1339,7 @@
         </p:nvSpPr>
         <p:spPr>
           <a:xfrm>
-            <a:off x="3767934" y="3987594"/>
+            <a:off x="3921843" y="4013815"/>
             <a:ext cx="1052945" cy="1052945"/>
           </a:xfrm>
           <a:prstGeom prst="ellipse">
@@ -1373,7 +1409,7 @@
         </p:nvSpPr>
         <p:spPr>
           <a:xfrm>
-            <a:off x="5308195" y="4077854"/>
+            <a:off x="5456085" y="4074007"/>
             <a:ext cx="932873" cy="932873"/>
           </a:xfrm>
           <a:prstGeom prst="ellipse">
@@ -1446,7 +1482,293 @@
         </p:nvSpPr>
         <p:spPr>
           <a:xfrm>
-            <a:off x="5248160" y="4017819"/>
+            <a:off x="5396050" y="4013972"/>
+            <a:ext cx="1052945" cy="1052945"/>
+          </a:xfrm>
+          <a:prstGeom prst="ellipse">
+            <a:avLst/>
+          </a:prstGeom>
+          <a:ln>
+            <a:noFill/>
+          </a:ln>
+          <a:effectLst>
+            <a:outerShdw blurRad="44450" dist="27940" dir="5400000" algn="ctr">
+              <a:srgbClr val="000000">
+                <a:alpha val="32000"/>
+              </a:srgbClr>
+            </a:outerShdw>
+          </a:effectLst>
+          <a:scene3d>
+            <a:camera prst="orthographicFront">
+              <a:rot lat="0" lon="0" rev="0"/>
+            </a:camera>
+            <a:lightRig rig="balanced" dir="t">
+              <a:rot lat="0" lon="0" rev="8700000"/>
+            </a:lightRig>
+          </a:scene3d>
+          <a:sp3d>
+            <a:bevelT w="190500" h="38100"/>
+          </a:sp3d>
+        </p:spPr>
+        <p:style>
+          <a:lnRef idx="2">
+            <a:schemeClr val="accent1">
+              <a:shade val="15000"/>
+            </a:schemeClr>
+          </a:lnRef>
+          <a:fillRef idx="1">
+            <a:schemeClr val="accent1"/>
+          </a:fillRef>
+          <a:effectRef idx="0">
+            <a:schemeClr val="accent1"/>
+          </a:effectRef>
+          <a:fontRef idx="minor">
+            <a:schemeClr val="lt1"/>
+          </a:fontRef>
+        </p:style>
+        <p:txBody>
+          <a:bodyPr rtlCol="0" anchor="ctr"/>
+          <a:lstStyle/>
+          <a:p>
+            <a:pPr algn="ctr"/>
+            <a:r>
+              <a:rPr lang="en-US" dirty="0"/>
+              <a:t>1</a:t>
+            </a:r>
+          </a:p>
+        </p:txBody>
+      </p:sp>
+      <p:sp>
+        <p:nvSpPr>
+          <p:cNvPr id="17" name="Oval 16">
+            <a:extLst>
+              <a:ext uri="{FF2B5EF4-FFF2-40B4-BE49-F238E27FC236}">
+                <a16:creationId xmlns:a16="http://schemas.microsoft.com/office/drawing/2014/main" id="{03F4276D-5884-546E-034B-3B4270179EAB}"/>
+              </a:ext>
+            </a:extLst>
+          </p:cNvPr>
+          <p:cNvSpPr/>
+          <p:nvPr userDrawn="1"/>
+        </p:nvSpPr>
+        <p:spPr>
+          <a:xfrm>
+            <a:off x="6930292" y="4073693"/>
+            <a:ext cx="932873" cy="932873"/>
+          </a:xfrm>
+          <a:prstGeom prst="ellipse">
+            <a:avLst/>
+          </a:prstGeom>
+          <a:ln>
+            <a:noFill/>
+          </a:ln>
+          <a:effectLst>
+            <a:glow rad="63500">
+              <a:schemeClr val="accent4">
+                <a:satMod val="175000"/>
+                <a:alpha val="40000"/>
+              </a:schemeClr>
+            </a:glow>
+            <a:outerShdw blurRad="44450" dist="27940" dir="5400000" algn="ctr">
+              <a:srgbClr val="000000">
+                <a:alpha val="32000"/>
+              </a:srgbClr>
+            </a:outerShdw>
+          </a:effectLst>
+          <a:scene3d>
+            <a:camera prst="orthographicFront">
+              <a:rot lat="0" lon="0" rev="0"/>
+            </a:camera>
+            <a:lightRig rig="balanced" dir="t">
+              <a:rot lat="0" lon="0" rev="8700000"/>
+            </a:lightRig>
+          </a:scene3d>
+          <a:sp3d>
+            <a:bevelT w="190500" h="38100" prst="softRound"/>
+          </a:sp3d>
+        </p:spPr>
+        <p:style>
+          <a:lnRef idx="2">
+            <a:schemeClr val="accent1">
+              <a:shade val="15000"/>
+            </a:schemeClr>
+          </a:lnRef>
+          <a:fillRef idx="1">
+            <a:schemeClr val="accent1"/>
+          </a:fillRef>
+          <a:effectRef idx="0">
+            <a:schemeClr val="accent1"/>
+          </a:effectRef>
+          <a:fontRef idx="minor">
+            <a:schemeClr val="lt1"/>
+          </a:fontRef>
+        </p:style>
+        <p:txBody>
+          <a:bodyPr rtlCol="0" anchor="ctr"/>
+          <a:lstStyle/>
+          <a:p>
+            <a:pPr algn="ctr"/>
+            <a:endParaRPr lang="en-US"/>
+          </a:p>
+        </p:txBody>
+      </p:sp>
+      <p:sp>
+        <p:nvSpPr>
+          <p:cNvPr id="18" name="Oval 17">
+            <a:extLst>
+              <a:ext uri="{FF2B5EF4-FFF2-40B4-BE49-F238E27FC236}">
+                <a16:creationId xmlns:a16="http://schemas.microsoft.com/office/drawing/2014/main" id="{6068D649-689D-DEFA-A6C7-0A0842A90146}"/>
+              </a:ext>
+            </a:extLst>
+          </p:cNvPr>
+          <p:cNvSpPr/>
+          <p:nvPr userDrawn="1"/>
+        </p:nvSpPr>
+        <p:spPr>
+          <a:xfrm>
+            <a:off x="6870257" y="4013658"/>
+            <a:ext cx="1052945" cy="1052945"/>
+          </a:xfrm>
+          <a:prstGeom prst="ellipse">
+            <a:avLst/>
+          </a:prstGeom>
+          <a:ln>
+            <a:noFill/>
+          </a:ln>
+          <a:effectLst>
+            <a:outerShdw blurRad="44450" dist="27940" dir="5400000" algn="ctr">
+              <a:srgbClr val="000000">
+                <a:alpha val="32000"/>
+              </a:srgbClr>
+            </a:outerShdw>
+          </a:effectLst>
+          <a:scene3d>
+            <a:camera prst="orthographicFront">
+              <a:rot lat="0" lon="0" rev="0"/>
+            </a:camera>
+            <a:lightRig rig="balanced" dir="t">
+              <a:rot lat="0" lon="0" rev="8700000"/>
+            </a:lightRig>
+          </a:scene3d>
+          <a:sp3d>
+            <a:bevelT w="190500" h="38100"/>
+          </a:sp3d>
+        </p:spPr>
+        <p:style>
+          <a:lnRef idx="2">
+            <a:schemeClr val="accent1">
+              <a:shade val="15000"/>
+            </a:schemeClr>
+          </a:lnRef>
+          <a:fillRef idx="1">
+            <a:schemeClr val="accent1"/>
+          </a:fillRef>
+          <a:effectRef idx="0">
+            <a:schemeClr val="accent1"/>
+          </a:effectRef>
+          <a:fontRef idx="minor">
+            <a:schemeClr val="lt1"/>
+          </a:fontRef>
+        </p:style>
+        <p:txBody>
+          <a:bodyPr rtlCol="0" anchor="ctr"/>
+          <a:lstStyle/>
+          <a:p>
+            <a:pPr algn="ctr"/>
+            <a:r>
+              <a:rPr lang="en-US" dirty="0"/>
+              <a:t>1</a:t>
+            </a:r>
+          </a:p>
+        </p:txBody>
+      </p:sp>
+      <p:sp>
+        <p:nvSpPr>
+          <p:cNvPr id="19" name="Oval 18">
+            <a:extLst>
+              <a:ext uri="{FF2B5EF4-FFF2-40B4-BE49-F238E27FC236}">
+                <a16:creationId xmlns:a16="http://schemas.microsoft.com/office/drawing/2014/main" id="{12B9BB3E-BE59-9F51-A324-2CFD22535A1C}"/>
+              </a:ext>
+            </a:extLst>
+          </p:cNvPr>
+          <p:cNvSpPr/>
+          <p:nvPr userDrawn="1"/>
+        </p:nvSpPr>
+        <p:spPr>
+          <a:xfrm>
+            <a:off x="8404499" y="4073693"/>
+            <a:ext cx="932873" cy="932873"/>
+          </a:xfrm>
+          <a:prstGeom prst="ellipse">
+            <a:avLst/>
+          </a:prstGeom>
+          <a:ln>
+            <a:noFill/>
+          </a:ln>
+          <a:effectLst>
+            <a:glow rad="63500">
+              <a:schemeClr val="accent4">
+                <a:satMod val="175000"/>
+                <a:alpha val="40000"/>
+              </a:schemeClr>
+            </a:glow>
+            <a:outerShdw blurRad="44450" dist="27940" dir="5400000" algn="ctr">
+              <a:srgbClr val="000000">
+                <a:alpha val="32000"/>
+              </a:srgbClr>
+            </a:outerShdw>
+          </a:effectLst>
+          <a:scene3d>
+            <a:camera prst="orthographicFront">
+              <a:rot lat="0" lon="0" rev="0"/>
+            </a:camera>
+            <a:lightRig rig="balanced" dir="t">
+              <a:rot lat="0" lon="0" rev="8700000"/>
+            </a:lightRig>
+          </a:scene3d>
+          <a:sp3d>
+            <a:bevelT w="190500" h="38100" prst="softRound"/>
+          </a:sp3d>
+        </p:spPr>
+        <p:style>
+          <a:lnRef idx="2">
+            <a:schemeClr val="accent1">
+              <a:shade val="15000"/>
+            </a:schemeClr>
+          </a:lnRef>
+          <a:fillRef idx="1">
+            <a:schemeClr val="accent1"/>
+          </a:fillRef>
+          <a:effectRef idx="0">
+            <a:schemeClr val="accent1"/>
+          </a:effectRef>
+          <a:fontRef idx="minor">
+            <a:schemeClr val="lt1"/>
+          </a:fontRef>
+        </p:style>
+        <p:txBody>
+          <a:bodyPr rtlCol="0" anchor="ctr"/>
+          <a:lstStyle/>
+          <a:p>
+            <a:pPr algn="ctr"/>
+            <a:endParaRPr lang="en-US"/>
+          </a:p>
+        </p:txBody>
+      </p:sp>
+      <p:sp>
+        <p:nvSpPr>
+          <p:cNvPr id="20" name="Oval 19">
+            <a:extLst>
+              <a:ext uri="{FF2B5EF4-FFF2-40B4-BE49-F238E27FC236}">
+                <a16:creationId xmlns:a16="http://schemas.microsoft.com/office/drawing/2014/main" id="{578954B9-9661-4C18-574F-49C975FF44E2}"/>
+              </a:ext>
+            </a:extLst>
+          </p:cNvPr>
+          <p:cNvSpPr/>
+          <p:nvPr userDrawn="1"/>
+        </p:nvSpPr>
+        <p:spPr>
+          <a:xfrm>
+            <a:off x="8344464" y="4013658"/>
             <a:ext cx="1052945" cy="1052945"/>
           </a:xfrm>
           <a:prstGeom prst="ellipse">
@@ -1721,6 +2043,142 @@
                 </p:cond>
               </p:nextCondLst>
             </p:seq>
+            <p:seq concurrent="1" nextAc="seek">
+              <p:cTn id="17" restart="whenNotActive" fill="hold" evtFilter="cancelBubble" nodeType="interactiveSeq">
+                <p:stCondLst>
+                  <p:cond evt="onClick" delay="0">
+                    <p:tgtEl>
+                      <p:spTgt spid="18"/>
+                    </p:tgtEl>
+                  </p:cond>
+                </p:stCondLst>
+                <p:endSync evt="end" delay="0">
+                  <p:rtn val="all"/>
+                </p:endSync>
+                <p:childTnLst>
+                  <p:par>
+                    <p:cTn id="18" fill="hold">
+                      <p:stCondLst>
+                        <p:cond delay="0"/>
+                      </p:stCondLst>
+                      <p:childTnLst>
+                        <p:par>
+                          <p:cTn id="19" fill="hold">
+                            <p:stCondLst>
+                              <p:cond delay="0"/>
+                            </p:stCondLst>
+                            <p:childTnLst>
+                              <p:par>
+                                <p:cTn id="20" presetID="1" presetClass="exit" presetSubtype="0" fill="hold" grpId="0" nodeType="clickEffect">
+                                  <p:stCondLst>
+                                    <p:cond delay="0"/>
+                                  </p:stCondLst>
+                                  <p:childTnLst>
+                                    <p:set>
+                                      <p:cBhvr>
+                                        <p:cTn id="21" dur="1" fill="hold">
+                                          <p:stCondLst>
+                                            <p:cond delay="0"/>
+                                          </p:stCondLst>
+                                        </p:cTn>
+                                        <p:tgtEl>
+                                          <p:spTgt spid="18"/>
+                                        </p:tgtEl>
+                                        <p:attrNameLst>
+                                          <p:attrName>style.visibility</p:attrName>
+                                        </p:attrNameLst>
+                                      </p:cBhvr>
+                                      <p:to>
+                                        <p:strVal val="hidden"/>
+                                      </p:to>
+                                    </p:set>
+                                  </p:childTnLst>
+                                </p:cTn>
+                              </p:par>
+                            </p:childTnLst>
+                          </p:cTn>
+                        </p:par>
+                      </p:childTnLst>
+                    </p:cTn>
+                  </p:par>
+                </p:childTnLst>
+              </p:cTn>
+              <p:nextCondLst>
+                <p:cond evt="onClick" delay="0">
+                  <p:tgtEl>
+                    <p:spTgt spid="18"/>
+                  </p:tgtEl>
+                </p:cond>
+              </p:nextCondLst>
+            </p:seq>
+            <p:seq concurrent="1" nextAc="seek">
+              <p:cTn id="22" restart="whenNotActive" fill="hold" evtFilter="cancelBubble" nodeType="interactiveSeq">
+                <p:stCondLst>
+                  <p:cond evt="onClick" delay="0">
+                    <p:tgtEl>
+                      <p:spTgt spid="20"/>
+                    </p:tgtEl>
+                  </p:cond>
+                </p:stCondLst>
+                <p:endSync evt="end" delay="0">
+                  <p:rtn val="all"/>
+                </p:endSync>
+                <p:childTnLst>
+                  <p:par>
+                    <p:cTn id="23" fill="hold">
+                      <p:stCondLst>
+                        <p:cond delay="0"/>
+                      </p:stCondLst>
+                      <p:childTnLst>
+                        <p:par>
+                          <p:cTn id="24" fill="hold">
+                            <p:stCondLst>
+                              <p:cond delay="0"/>
+                            </p:stCondLst>
+                            <p:childTnLst>
+                              <p:par>
+                                <p:cTn id="25" presetID="1" presetClass="exit" presetSubtype="0" fill="hold" grpId="0" nodeType="clickEffect">
+                                  <p:stCondLst>
+                                    <p:cond delay="0"/>
+                                  </p:stCondLst>
+                                  <p:childTnLst>
+                                    <p:set>
+                                      <p:cBhvr>
+                                        <p:cTn id="26" dur="1" fill="hold">
+                                          <p:stCondLst>
+                                            <p:cond delay="0"/>
+                                          </p:stCondLst>
+                                        </p:cTn>
+                                        <p:tgtEl>
+                                          <p:spTgt spid="20"/>
+                                        </p:tgtEl>
+                                        <p:attrNameLst>
+                                          <p:attrName>style.visibility</p:attrName>
+                                        </p:attrNameLst>
+                                      </p:cBhvr>
+                                      <p:to>
+                                        <p:strVal val="hidden"/>
+                                      </p:to>
+                                    </p:set>
+                                  </p:childTnLst>
+                                </p:cTn>
+                              </p:par>
+                            </p:childTnLst>
+                          </p:cTn>
+                        </p:par>
+                      </p:childTnLst>
+                    </p:cTn>
+                  </p:par>
+                </p:childTnLst>
+              </p:cTn>
+              <p:nextCondLst>
+                <p:cond evt="onClick" delay="0">
+                  <p:tgtEl>
+                    <p:spTgt spid="20"/>
+                  </p:tgtEl>
+                </p:cond>
+              </p:nextCondLst>
+            </p:seq>
           </p:childTnLst>
         </p:cTn>
       </p:par>
@@ -1729,6 +2187,8 @@
       <p:bldP spid="11" grpId="0" animBg="1"/>
       <p:bldP spid="14" grpId="0" animBg="1"/>
       <p:bldP spid="16" grpId="0" animBg="1"/>
+      <p:bldP spid="18" grpId="0" animBg="1"/>
+      <p:bldP spid="20" grpId="0" animBg="1"/>
     </p:bldLst>
   </p:timing>
 </p:sldLayout>

--- a/alcoholquestions.pptx
+++ b/alcoholquestions.pptx
@@ -124,7 +124,7 @@
 <file path=ppt/revisionInfo.xml><?xml version="1.0" encoding="utf-8"?>
 <p1510:revInfo xmlns:a="http://schemas.openxmlformats.org/drawingml/2006/main" xmlns:r="http://schemas.openxmlformats.org/officeDocument/2006/relationships" xmlns:p1510="http://schemas.microsoft.com/office/powerpoint/2015/10/main">
   <p1510:revLst>
-    <p1510:client id="{35CB8859-946B-47B2-B238-137014B76091}" v="33" dt="2026-02-19T15:38:55.226"/>
+    <p1510:client id="{35CB8859-946B-47B2-B238-137014B76091}" v="43" dt="2026-02-19T15:39:28.960"/>
   </p1510:revLst>
 </p1510:revInfo>
 </file>
@@ -134,7 +134,7 @@
   <pc:docChgLst>
     <pc:chgData name="Brennan Brown" userId="bcf6cc9e-21d7-4e63-b7dc-a8459bd698b0" providerId="ADAL" clId="{30F1509B-5785-4C08-8791-C8021B43727B}"/>
     <pc:docChg chg="undo redo custSel addSld delSld modSld sldOrd delMainMaster modMainMaster">
-      <pc:chgData name="Brennan Brown" userId="bcf6cc9e-21d7-4e63-b7dc-a8459bd698b0" providerId="ADAL" clId="{30F1509B-5785-4C08-8791-C8021B43727B}" dt="2026-02-19T15:39:07.542" v="269" actId="1076"/>
+      <pc:chgData name="Brennan Brown" userId="bcf6cc9e-21d7-4e63-b7dc-a8459bd698b0" providerId="ADAL" clId="{30F1509B-5785-4C08-8791-C8021B43727B}" dt="2026-02-19T15:39:33.523" v="281" actId="20578"/>
       <pc:docMkLst>
         <pc:docMk/>
       </pc:docMkLst>
@@ -561,13 +561,13 @@
         </pc:picChg>
       </pc:sldChg>
       <pc:sldMasterChg chg="modSldLayout sldLayoutOrd">
-        <pc:chgData name="Brennan Brown" userId="bcf6cc9e-21d7-4e63-b7dc-a8459bd698b0" providerId="ADAL" clId="{30F1509B-5785-4C08-8791-C8021B43727B}" dt="2026-02-19T15:39:07.542" v="269" actId="1076"/>
+        <pc:chgData name="Brennan Brown" userId="bcf6cc9e-21d7-4e63-b7dc-a8459bd698b0" providerId="ADAL" clId="{30F1509B-5785-4C08-8791-C8021B43727B}" dt="2026-02-19T15:39:33.523" v="281" actId="20578"/>
         <pc:sldMasterMkLst>
           <pc:docMk/>
           <pc:sldMasterMk cId="2719746289" sldId="2147483648"/>
         </pc:sldMasterMkLst>
         <pc:sldLayoutChg chg="addSp delSp modSp mod modAnim">
-          <pc:chgData name="Brennan Brown" userId="bcf6cc9e-21d7-4e63-b7dc-a8459bd698b0" providerId="ADAL" clId="{30F1509B-5785-4C08-8791-C8021B43727B}" dt="2026-02-19T15:39:07.542" v="269" actId="1076"/>
+          <pc:chgData name="Brennan Brown" userId="bcf6cc9e-21d7-4e63-b7dc-a8459bd698b0" providerId="ADAL" clId="{30F1509B-5785-4C08-8791-C8021B43727B}" dt="2026-02-19T15:39:28.960" v="280" actId="20577"/>
           <pc:sldLayoutMkLst>
             <pc:docMk/>
             <pc:sldMasterMk cId="2719746289" sldId="2147483648"/>
@@ -610,7 +610,7 @@
             </ac:spMkLst>
           </pc:spChg>
           <pc:spChg chg="add mod ord">
-            <ac:chgData name="Brennan Brown" userId="bcf6cc9e-21d7-4e63-b7dc-a8459bd698b0" providerId="ADAL" clId="{30F1509B-5785-4C08-8791-C8021B43727B}" dt="2026-02-19T15:38:15.396" v="263" actId="1076"/>
+            <ac:chgData name="Brennan Brown" userId="bcf6cc9e-21d7-4e63-b7dc-a8459bd698b0" providerId="ADAL" clId="{30F1509B-5785-4C08-8791-C8021B43727B}" dt="2026-02-19T15:39:14.016" v="270" actId="1076"/>
             <ac:spMkLst>
               <pc:docMk/>
               <pc:sldMasterMk cId="2719746289" sldId="2147483648"/>
@@ -655,7 +655,7 @@
             </ac:spMkLst>
           </pc:spChg>
           <pc:spChg chg="add mod">
-            <ac:chgData name="Brennan Brown" userId="bcf6cc9e-21d7-4e63-b7dc-a8459bd698b0" providerId="ADAL" clId="{30F1509B-5785-4C08-8791-C8021B43727B}" dt="2026-02-19T15:38:39.780" v="265" actId="1076"/>
+            <ac:chgData name="Brennan Brown" userId="bcf6cc9e-21d7-4e63-b7dc-a8459bd698b0" providerId="ADAL" clId="{30F1509B-5785-4C08-8791-C8021B43727B}" dt="2026-02-19T15:39:28.960" v="280" actId="20577"/>
             <ac:spMkLst>
               <pc:docMk/>
               <pc:sldMasterMk cId="2719746289" sldId="2147483648"/>
@@ -673,7 +673,7 @@
             </ac:spMkLst>
           </pc:spChg>
           <pc:spChg chg="add mod">
-            <ac:chgData name="Brennan Brown" userId="bcf6cc9e-21d7-4e63-b7dc-a8459bd698b0" providerId="ADAL" clId="{30F1509B-5785-4C08-8791-C8021B43727B}" dt="2026-02-19T15:38:49.998" v="266" actId="1076"/>
+            <ac:chgData name="Brennan Brown" userId="bcf6cc9e-21d7-4e63-b7dc-a8459bd698b0" providerId="ADAL" clId="{30F1509B-5785-4C08-8791-C8021B43727B}" dt="2026-02-19T15:39:25.311" v="278" actId="20577"/>
             <ac:spMkLst>
               <pc:docMk/>
               <pc:sldMasterMk cId="2719746289" sldId="2147483648"/>
@@ -691,7 +691,7 @@
             </ac:spMkLst>
           </pc:spChg>
           <pc:spChg chg="add mod">
-            <ac:chgData name="Brennan Brown" userId="bcf6cc9e-21d7-4e63-b7dc-a8459bd698b0" providerId="ADAL" clId="{30F1509B-5785-4C08-8791-C8021B43727B}" dt="2026-02-19T15:39:01.313" v="268" actId="1076"/>
+            <ac:chgData name="Brennan Brown" userId="bcf6cc9e-21d7-4e63-b7dc-a8459bd698b0" providerId="ADAL" clId="{30F1509B-5785-4C08-8791-C8021B43727B}" dt="2026-02-19T15:39:21.265" v="276" actId="20577"/>
             <ac:spMkLst>
               <pc:docMk/>
               <pc:sldMasterMk cId="2719746289" sldId="2147483648"/>
@@ -709,7 +709,7 @@
             </ac:spMkLst>
           </pc:spChg>
           <pc:spChg chg="add mod">
-            <ac:chgData name="Brennan Brown" userId="bcf6cc9e-21d7-4e63-b7dc-a8459bd698b0" providerId="ADAL" clId="{30F1509B-5785-4C08-8791-C8021B43727B}" dt="2026-02-19T15:39:07.542" v="269" actId="1076"/>
+            <ac:chgData name="Brennan Brown" userId="bcf6cc9e-21d7-4e63-b7dc-a8459bd698b0" providerId="ADAL" clId="{30F1509B-5785-4C08-8791-C8021B43727B}" dt="2026-02-19T15:39:17.270" v="272" actId="20577"/>
             <ac:spMkLst>
               <pc:docMk/>
               <pc:sldMasterMk cId="2719746289" sldId="2147483648"/>
@@ -717,6 +717,14 @@
               <ac:spMk id="20" creationId="{578954B9-9661-4C18-574F-49C975FF44E2}"/>
             </ac:spMkLst>
           </pc:spChg>
+        </pc:sldLayoutChg>
+        <pc:sldLayoutChg chg="ord">
+          <pc:chgData name="Brennan Brown" userId="bcf6cc9e-21d7-4e63-b7dc-a8459bd698b0" providerId="ADAL" clId="{30F1509B-5785-4C08-8791-C8021B43727B}" dt="2026-02-19T15:39:33.523" v="281" actId="20578"/>
+          <pc:sldLayoutMkLst>
+            <pc:docMk/>
+            <pc:sldMasterMk cId="2719746289" sldId="2147483648"/>
+            <pc:sldLayoutMk cId="845933481" sldId="2147483662"/>
+          </pc:sldLayoutMkLst>
         </pc:sldLayoutChg>
         <pc:sldLayoutChg chg="modSp mod ord">
           <pc:chgData name="Brennan Brown" userId="bcf6cc9e-21d7-4e63-b7dc-a8459bd698b0" providerId="ADAL" clId="{30F1509B-5785-4C08-8791-C8021B43727B}" dt="2026-02-19T15:26:40.760" v="164" actId="20578"/>
@@ -793,6 +801,1268 @@
 
 <file path=ppt/slideLayouts/slideLayout1.xml><?xml version="1.0" encoding="utf-8"?>
 <p:sldLayout xmlns:a="http://schemas.openxmlformats.org/drawingml/2006/main" xmlns:r="http://schemas.openxmlformats.org/officeDocument/2006/relationships" xmlns:p="http://schemas.openxmlformats.org/presentationml/2006/main" preserve="1" userDrawn="1">
+  <p:cSld name="Custom Layout">
+    <p:spTree>
+      <p:nvGrpSpPr>
+        <p:cNvPr id="1" name=""/>
+        <p:cNvGrpSpPr/>
+        <p:nvPr/>
+      </p:nvGrpSpPr>
+      <p:grpSpPr>
+        <a:xfrm>
+          <a:off x="0" y="0"/>
+          <a:ext cx="0" cy="0"/>
+          <a:chOff x="0" y="0"/>
+          <a:chExt cx="0" cy="0"/>
+        </a:xfrm>
+      </p:grpSpPr>
+      <p:sp>
+        <p:nvSpPr>
+          <p:cNvPr id="2" name="Title 1">
+            <a:extLst>
+              <a:ext uri="{FF2B5EF4-FFF2-40B4-BE49-F238E27FC236}">
+                <a16:creationId xmlns:a16="http://schemas.microsoft.com/office/drawing/2014/main" id="{0CDA8AA7-8EA0-59A2-B496-71DF0D135F02}"/>
+              </a:ext>
+            </a:extLst>
+          </p:cNvPr>
+          <p:cNvSpPr>
+            <a:spLocks noGrp="1"/>
+          </p:cNvSpPr>
+          <p:nvPr>
+            <p:ph type="title"/>
+          </p:nvPr>
+        </p:nvSpPr>
+        <p:spPr/>
+        <p:txBody>
+          <a:bodyPr/>
+          <a:lstStyle/>
+          <a:p>
+            <a:r>
+              <a:rPr lang="en-US"/>
+              <a:t>Click to edit Master title style</a:t>
+            </a:r>
+          </a:p>
+        </p:txBody>
+      </p:sp>
+      <p:sp>
+        <p:nvSpPr>
+          <p:cNvPr id="3" name="Date Placeholder 2">
+            <a:extLst>
+              <a:ext uri="{FF2B5EF4-FFF2-40B4-BE49-F238E27FC236}">
+                <a16:creationId xmlns:a16="http://schemas.microsoft.com/office/drawing/2014/main" id="{BA49D652-4E7E-92A9-BF62-A14DE5F061F4}"/>
+              </a:ext>
+            </a:extLst>
+          </p:cNvPr>
+          <p:cNvSpPr>
+            <a:spLocks noGrp="1"/>
+          </p:cNvSpPr>
+          <p:nvPr>
+            <p:ph type="dt" sz="half" idx="10"/>
+          </p:nvPr>
+        </p:nvSpPr>
+        <p:spPr/>
+        <p:txBody>
+          <a:bodyPr/>
+          <a:lstStyle/>
+          <a:p>
+            <a:fld id="{13014762-DFFB-4EBE-8655-EB0D0E44861E}" type="datetimeFigureOut">
+              <a:rPr lang="en-US" smtClean="0"/>
+              <a:t>2/19/2026</a:t>
+            </a:fld>
+            <a:endParaRPr lang="en-US"/>
+          </a:p>
+        </p:txBody>
+      </p:sp>
+      <p:sp>
+        <p:nvSpPr>
+          <p:cNvPr id="4" name="Footer Placeholder 3">
+            <a:extLst>
+              <a:ext uri="{FF2B5EF4-FFF2-40B4-BE49-F238E27FC236}">
+                <a16:creationId xmlns:a16="http://schemas.microsoft.com/office/drawing/2014/main" id="{D733C40B-E264-B308-7B73-F01C193F1EBF}"/>
+              </a:ext>
+            </a:extLst>
+          </p:cNvPr>
+          <p:cNvSpPr>
+            <a:spLocks noGrp="1"/>
+          </p:cNvSpPr>
+          <p:nvPr>
+            <p:ph type="ftr" sz="quarter" idx="11"/>
+          </p:nvPr>
+        </p:nvSpPr>
+        <p:spPr/>
+        <p:txBody>
+          <a:bodyPr/>
+          <a:lstStyle/>
+          <a:p>
+            <a:endParaRPr lang="en-US"/>
+          </a:p>
+        </p:txBody>
+      </p:sp>
+      <p:sp>
+        <p:nvSpPr>
+          <p:cNvPr id="5" name="Slide Number Placeholder 4">
+            <a:extLst>
+              <a:ext uri="{FF2B5EF4-FFF2-40B4-BE49-F238E27FC236}">
+                <a16:creationId xmlns:a16="http://schemas.microsoft.com/office/drawing/2014/main" id="{6032C9BD-71E5-5F2C-D1DE-F17F1267F704}"/>
+              </a:ext>
+            </a:extLst>
+          </p:cNvPr>
+          <p:cNvSpPr>
+            <a:spLocks noGrp="1"/>
+          </p:cNvSpPr>
+          <p:nvPr>
+            <p:ph type="sldNum" sz="quarter" idx="12"/>
+          </p:nvPr>
+        </p:nvSpPr>
+        <p:spPr/>
+        <p:txBody>
+          <a:bodyPr/>
+          <a:lstStyle/>
+          <a:p>
+            <a:fld id="{698B0EB1-831C-4439-A09B-221EC37904F7}" type="slidenum">
+              <a:rPr lang="en-US" smtClean="0"/>
+              <a:t>‹#›</a:t>
+            </a:fld>
+            <a:endParaRPr lang="en-US"/>
+          </a:p>
+        </p:txBody>
+      </p:sp>
+    </p:spTree>
+    <p:extLst>
+      <p:ext uri="{BB962C8B-B14F-4D97-AF65-F5344CB8AC3E}">
+        <p14:creationId xmlns:p14="http://schemas.microsoft.com/office/powerpoint/2010/main" val="845933481"/>
+      </p:ext>
+    </p:extLst>
+  </p:cSld>
+  <p:clrMapOvr>
+    <a:masterClrMapping/>
+  </p:clrMapOvr>
+</p:sldLayout>
+</file>
+
+<file path=ppt/slideLayouts/slideLayout10.xml><?xml version="1.0" encoding="utf-8"?>
+<p:sldLayout xmlns:a="http://schemas.openxmlformats.org/drawingml/2006/main" xmlns:r="http://schemas.openxmlformats.org/officeDocument/2006/relationships" xmlns:p="http://schemas.openxmlformats.org/presentationml/2006/main" type="blank" preserve="1">
+  <p:cSld name="Blank">
+    <p:spTree>
+      <p:nvGrpSpPr>
+        <p:cNvPr id="1" name=""/>
+        <p:cNvGrpSpPr/>
+        <p:nvPr/>
+      </p:nvGrpSpPr>
+      <p:grpSpPr>
+        <a:xfrm>
+          <a:off x="0" y="0"/>
+          <a:ext cx="0" cy="0"/>
+          <a:chOff x="0" y="0"/>
+          <a:chExt cx="0" cy="0"/>
+        </a:xfrm>
+      </p:grpSpPr>
+      <p:sp>
+        <p:nvSpPr>
+          <p:cNvPr id="2" name="Date Placeholder 1">
+            <a:extLst>
+              <a:ext uri="{FF2B5EF4-FFF2-40B4-BE49-F238E27FC236}">
+                <a16:creationId xmlns:a16="http://schemas.microsoft.com/office/drawing/2014/main" id="{F527DD7A-35FD-4374-8631-FFA5E1259E09}"/>
+              </a:ext>
+            </a:extLst>
+          </p:cNvPr>
+          <p:cNvSpPr>
+            <a:spLocks noGrp="1"/>
+          </p:cNvSpPr>
+          <p:nvPr>
+            <p:ph type="dt" sz="half" idx="10"/>
+          </p:nvPr>
+        </p:nvSpPr>
+        <p:spPr/>
+        <p:txBody>
+          <a:bodyPr/>
+          <a:lstStyle/>
+          <a:p>
+            <a:fld id="{13014762-DFFB-4EBE-8655-EB0D0E44861E}" type="datetimeFigureOut">
+              <a:rPr lang="en-US" smtClean="0"/>
+              <a:t>2/19/2026</a:t>
+            </a:fld>
+            <a:endParaRPr lang="en-US"/>
+          </a:p>
+        </p:txBody>
+      </p:sp>
+      <p:sp>
+        <p:nvSpPr>
+          <p:cNvPr id="3" name="Footer Placeholder 2">
+            <a:extLst>
+              <a:ext uri="{FF2B5EF4-FFF2-40B4-BE49-F238E27FC236}">
+                <a16:creationId xmlns:a16="http://schemas.microsoft.com/office/drawing/2014/main" id="{FA1CAD15-EA38-42C9-9F11-CDB7DDBA3079}"/>
+              </a:ext>
+            </a:extLst>
+          </p:cNvPr>
+          <p:cNvSpPr>
+            <a:spLocks noGrp="1"/>
+          </p:cNvSpPr>
+          <p:nvPr>
+            <p:ph type="ftr" sz="quarter" idx="11"/>
+          </p:nvPr>
+        </p:nvSpPr>
+        <p:spPr/>
+        <p:txBody>
+          <a:bodyPr/>
+          <a:lstStyle/>
+          <a:p>
+            <a:endParaRPr lang="en-US"/>
+          </a:p>
+        </p:txBody>
+      </p:sp>
+      <p:sp>
+        <p:nvSpPr>
+          <p:cNvPr id="4" name="Slide Number Placeholder 3">
+            <a:extLst>
+              <a:ext uri="{FF2B5EF4-FFF2-40B4-BE49-F238E27FC236}">
+                <a16:creationId xmlns:a16="http://schemas.microsoft.com/office/drawing/2014/main" id="{58C030A8-FBDF-47AF-819D-2F006685B502}"/>
+              </a:ext>
+            </a:extLst>
+          </p:cNvPr>
+          <p:cNvSpPr>
+            <a:spLocks noGrp="1"/>
+          </p:cNvSpPr>
+          <p:nvPr>
+            <p:ph type="sldNum" sz="quarter" idx="12"/>
+          </p:nvPr>
+        </p:nvSpPr>
+        <p:spPr/>
+        <p:txBody>
+          <a:bodyPr/>
+          <a:lstStyle/>
+          <a:p>
+            <a:fld id="{698B0EB1-831C-4439-A09B-221EC37904F7}" type="slidenum">
+              <a:rPr lang="en-US" smtClean="0"/>
+              <a:t>‹#›</a:t>
+            </a:fld>
+            <a:endParaRPr lang="en-US"/>
+          </a:p>
+        </p:txBody>
+      </p:sp>
+    </p:spTree>
+    <p:extLst>
+      <p:ext uri="{BB962C8B-B14F-4D97-AF65-F5344CB8AC3E}">
+        <p14:creationId xmlns:p14="http://schemas.microsoft.com/office/powerpoint/2010/main" val="66846930"/>
+      </p:ext>
+    </p:extLst>
+  </p:cSld>
+  <p:clrMapOvr>
+    <a:masterClrMapping/>
+  </p:clrMapOvr>
+</p:sldLayout>
+</file>
+
+<file path=ppt/slideLayouts/slideLayout11.xml><?xml version="1.0" encoding="utf-8"?>
+<p:sldLayout xmlns:a="http://schemas.openxmlformats.org/drawingml/2006/main" xmlns:r="http://schemas.openxmlformats.org/officeDocument/2006/relationships" xmlns:p="http://schemas.openxmlformats.org/presentationml/2006/main" type="objTx" preserve="1">
+  <p:cSld name="Content with Caption">
+    <p:spTree>
+      <p:nvGrpSpPr>
+        <p:cNvPr id="1" name=""/>
+        <p:cNvGrpSpPr/>
+        <p:nvPr/>
+      </p:nvGrpSpPr>
+      <p:grpSpPr>
+        <a:xfrm>
+          <a:off x="0" y="0"/>
+          <a:ext cx="0" cy="0"/>
+          <a:chOff x="0" y="0"/>
+          <a:chExt cx="0" cy="0"/>
+        </a:xfrm>
+      </p:grpSpPr>
+      <p:sp>
+        <p:nvSpPr>
+          <p:cNvPr id="2" name="Title 1">
+            <a:extLst>
+              <a:ext uri="{FF2B5EF4-FFF2-40B4-BE49-F238E27FC236}">
+                <a16:creationId xmlns:a16="http://schemas.microsoft.com/office/drawing/2014/main" id="{F092F68E-F5B2-421B-A02C-D7D87542B602}"/>
+              </a:ext>
+            </a:extLst>
+          </p:cNvPr>
+          <p:cNvSpPr>
+            <a:spLocks noGrp="1"/>
+          </p:cNvSpPr>
+          <p:nvPr>
+            <p:ph type="title"/>
+          </p:nvPr>
+        </p:nvSpPr>
+        <p:spPr>
+          <a:xfrm>
+            <a:off x="839788" y="457200"/>
+            <a:ext cx="3932237" cy="1600200"/>
+          </a:xfrm>
+        </p:spPr>
+        <p:txBody>
+          <a:bodyPr anchor="b"/>
+          <a:lstStyle>
+            <a:lvl1pPr>
+              <a:defRPr sz="3200"/>
+            </a:lvl1pPr>
+          </a:lstStyle>
+          <a:p>
+            <a:r>
+              <a:rPr lang="en-US"/>
+              <a:t>Click to edit Master title style</a:t>
+            </a:r>
+          </a:p>
+        </p:txBody>
+      </p:sp>
+      <p:sp>
+        <p:nvSpPr>
+          <p:cNvPr id="3" name="Content Placeholder 2">
+            <a:extLst>
+              <a:ext uri="{FF2B5EF4-FFF2-40B4-BE49-F238E27FC236}">
+                <a16:creationId xmlns:a16="http://schemas.microsoft.com/office/drawing/2014/main" id="{510EDD4C-9ED6-4238-A516-E584D502D2E8}"/>
+              </a:ext>
+            </a:extLst>
+          </p:cNvPr>
+          <p:cNvSpPr>
+            <a:spLocks noGrp="1"/>
+          </p:cNvSpPr>
+          <p:nvPr>
+            <p:ph idx="1"/>
+          </p:nvPr>
+        </p:nvSpPr>
+        <p:spPr>
+          <a:xfrm>
+            <a:off x="5183188" y="987425"/>
+            <a:ext cx="6172200" cy="4873625"/>
+          </a:xfrm>
+        </p:spPr>
+        <p:txBody>
+          <a:bodyPr/>
+          <a:lstStyle>
+            <a:lvl1pPr>
+              <a:defRPr sz="3200"/>
+            </a:lvl1pPr>
+            <a:lvl2pPr>
+              <a:defRPr sz="2800"/>
+            </a:lvl2pPr>
+            <a:lvl3pPr>
+              <a:defRPr sz="2400"/>
+            </a:lvl3pPr>
+            <a:lvl4pPr>
+              <a:defRPr sz="2000"/>
+            </a:lvl4pPr>
+            <a:lvl5pPr>
+              <a:defRPr sz="2000"/>
+            </a:lvl5pPr>
+            <a:lvl6pPr>
+              <a:defRPr sz="2000"/>
+            </a:lvl6pPr>
+            <a:lvl7pPr>
+              <a:defRPr sz="2000"/>
+            </a:lvl7pPr>
+            <a:lvl8pPr>
+              <a:defRPr sz="2000"/>
+            </a:lvl8pPr>
+            <a:lvl9pPr>
+              <a:defRPr sz="2000"/>
+            </a:lvl9pPr>
+          </a:lstStyle>
+          <a:p>
+            <a:pPr lvl="0"/>
+            <a:r>
+              <a:rPr lang="en-US"/>
+              <a:t>Click to edit Master text styles</a:t>
+            </a:r>
+          </a:p>
+          <a:p>
+            <a:pPr lvl="1"/>
+            <a:r>
+              <a:rPr lang="en-US"/>
+              <a:t>Second level</a:t>
+            </a:r>
+          </a:p>
+          <a:p>
+            <a:pPr lvl="2"/>
+            <a:r>
+              <a:rPr lang="en-US"/>
+              <a:t>Third level</a:t>
+            </a:r>
+          </a:p>
+          <a:p>
+            <a:pPr lvl="3"/>
+            <a:r>
+              <a:rPr lang="en-US"/>
+              <a:t>Fourth level</a:t>
+            </a:r>
+          </a:p>
+          <a:p>
+            <a:pPr lvl="4"/>
+            <a:r>
+              <a:rPr lang="en-US"/>
+              <a:t>Fifth level</a:t>
+            </a:r>
+          </a:p>
+        </p:txBody>
+      </p:sp>
+      <p:sp>
+        <p:nvSpPr>
+          <p:cNvPr id="4" name="Text Placeholder 3">
+            <a:extLst>
+              <a:ext uri="{FF2B5EF4-FFF2-40B4-BE49-F238E27FC236}">
+                <a16:creationId xmlns:a16="http://schemas.microsoft.com/office/drawing/2014/main" id="{8278C6F1-AAB9-4723-99F8-CFBA073A750A}"/>
+              </a:ext>
+            </a:extLst>
+          </p:cNvPr>
+          <p:cNvSpPr>
+            <a:spLocks noGrp="1"/>
+          </p:cNvSpPr>
+          <p:nvPr>
+            <p:ph type="body" sz="half" idx="2"/>
+          </p:nvPr>
+        </p:nvSpPr>
+        <p:spPr>
+          <a:xfrm>
+            <a:off x="839788" y="2057400"/>
+            <a:ext cx="3932237" cy="3811588"/>
+          </a:xfrm>
+        </p:spPr>
+        <p:txBody>
+          <a:bodyPr/>
+          <a:lstStyle>
+            <a:lvl1pPr marL="0" indent="0">
+              <a:buNone/>
+              <a:defRPr sz="1600"/>
+            </a:lvl1pPr>
+            <a:lvl2pPr marL="457200" indent="0">
+              <a:buNone/>
+              <a:defRPr sz="1400"/>
+            </a:lvl2pPr>
+            <a:lvl3pPr marL="914400" indent="0">
+              <a:buNone/>
+              <a:defRPr sz="1200"/>
+            </a:lvl3pPr>
+            <a:lvl4pPr marL="1371600" indent="0">
+              <a:buNone/>
+              <a:defRPr sz="1000"/>
+            </a:lvl4pPr>
+            <a:lvl5pPr marL="1828800" indent="0">
+              <a:buNone/>
+              <a:defRPr sz="1000"/>
+            </a:lvl5pPr>
+            <a:lvl6pPr marL="2286000" indent="0">
+              <a:buNone/>
+              <a:defRPr sz="1000"/>
+            </a:lvl6pPr>
+            <a:lvl7pPr marL="2743200" indent="0">
+              <a:buNone/>
+              <a:defRPr sz="1000"/>
+            </a:lvl7pPr>
+            <a:lvl8pPr marL="3200400" indent="0">
+              <a:buNone/>
+              <a:defRPr sz="1000"/>
+            </a:lvl8pPr>
+            <a:lvl9pPr marL="3657600" indent="0">
+              <a:buNone/>
+              <a:defRPr sz="1000"/>
+            </a:lvl9pPr>
+          </a:lstStyle>
+          <a:p>
+            <a:pPr lvl="0"/>
+            <a:r>
+              <a:rPr lang="en-US"/>
+              <a:t>Click to edit Master text styles</a:t>
+            </a:r>
+          </a:p>
+        </p:txBody>
+      </p:sp>
+      <p:sp>
+        <p:nvSpPr>
+          <p:cNvPr id="5" name="Date Placeholder 4">
+            <a:extLst>
+              <a:ext uri="{FF2B5EF4-FFF2-40B4-BE49-F238E27FC236}">
+                <a16:creationId xmlns:a16="http://schemas.microsoft.com/office/drawing/2014/main" id="{FA5C6B83-F23B-4AEC-9CCB-BEC01613551C}"/>
+              </a:ext>
+            </a:extLst>
+          </p:cNvPr>
+          <p:cNvSpPr>
+            <a:spLocks noGrp="1"/>
+          </p:cNvSpPr>
+          <p:nvPr>
+            <p:ph type="dt" sz="half" idx="10"/>
+          </p:nvPr>
+        </p:nvSpPr>
+        <p:spPr/>
+        <p:txBody>
+          <a:bodyPr/>
+          <a:lstStyle/>
+          <a:p>
+            <a:fld id="{13014762-DFFB-4EBE-8655-EB0D0E44861E}" type="datetimeFigureOut">
+              <a:rPr lang="en-US" smtClean="0"/>
+              <a:t>2/19/2026</a:t>
+            </a:fld>
+            <a:endParaRPr lang="en-US"/>
+          </a:p>
+        </p:txBody>
+      </p:sp>
+      <p:sp>
+        <p:nvSpPr>
+          <p:cNvPr id="6" name="Footer Placeholder 5">
+            <a:extLst>
+              <a:ext uri="{FF2B5EF4-FFF2-40B4-BE49-F238E27FC236}">
+                <a16:creationId xmlns:a16="http://schemas.microsoft.com/office/drawing/2014/main" id="{BB4D1C9D-67F8-4160-A6B6-1C5BBC968F2C}"/>
+              </a:ext>
+            </a:extLst>
+          </p:cNvPr>
+          <p:cNvSpPr>
+            <a:spLocks noGrp="1"/>
+          </p:cNvSpPr>
+          <p:nvPr>
+            <p:ph type="ftr" sz="quarter" idx="11"/>
+          </p:nvPr>
+        </p:nvSpPr>
+        <p:spPr/>
+        <p:txBody>
+          <a:bodyPr/>
+          <a:lstStyle/>
+          <a:p>
+            <a:endParaRPr lang="en-US"/>
+          </a:p>
+        </p:txBody>
+      </p:sp>
+      <p:sp>
+        <p:nvSpPr>
+          <p:cNvPr id="7" name="Slide Number Placeholder 6">
+            <a:extLst>
+              <a:ext uri="{FF2B5EF4-FFF2-40B4-BE49-F238E27FC236}">
+                <a16:creationId xmlns:a16="http://schemas.microsoft.com/office/drawing/2014/main" id="{38076209-E739-4BB1-81B0-679D756F5155}"/>
+              </a:ext>
+            </a:extLst>
+          </p:cNvPr>
+          <p:cNvSpPr>
+            <a:spLocks noGrp="1"/>
+          </p:cNvSpPr>
+          <p:nvPr>
+            <p:ph type="sldNum" sz="quarter" idx="12"/>
+          </p:nvPr>
+        </p:nvSpPr>
+        <p:spPr/>
+        <p:txBody>
+          <a:bodyPr/>
+          <a:lstStyle/>
+          <a:p>
+            <a:fld id="{698B0EB1-831C-4439-A09B-221EC37904F7}" type="slidenum">
+              <a:rPr lang="en-US" smtClean="0"/>
+              <a:t>‹#›</a:t>
+            </a:fld>
+            <a:endParaRPr lang="en-US"/>
+          </a:p>
+        </p:txBody>
+      </p:sp>
+    </p:spTree>
+    <p:extLst>
+      <p:ext uri="{BB962C8B-B14F-4D97-AF65-F5344CB8AC3E}">
+        <p14:creationId xmlns:p14="http://schemas.microsoft.com/office/powerpoint/2010/main" val="375894196"/>
+      </p:ext>
+    </p:extLst>
+  </p:cSld>
+  <p:clrMapOvr>
+    <a:masterClrMapping/>
+  </p:clrMapOvr>
+</p:sldLayout>
+</file>
+
+<file path=ppt/slideLayouts/slideLayout12.xml><?xml version="1.0" encoding="utf-8"?>
+<p:sldLayout xmlns:a="http://schemas.openxmlformats.org/drawingml/2006/main" xmlns:r="http://schemas.openxmlformats.org/officeDocument/2006/relationships" xmlns:p="http://schemas.openxmlformats.org/presentationml/2006/main" type="picTx" preserve="1">
+  <p:cSld name="Picture with Caption">
+    <p:spTree>
+      <p:nvGrpSpPr>
+        <p:cNvPr id="1" name=""/>
+        <p:cNvGrpSpPr/>
+        <p:nvPr/>
+      </p:nvGrpSpPr>
+      <p:grpSpPr>
+        <a:xfrm>
+          <a:off x="0" y="0"/>
+          <a:ext cx="0" cy="0"/>
+          <a:chOff x="0" y="0"/>
+          <a:chExt cx="0" cy="0"/>
+        </a:xfrm>
+      </p:grpSpPr>
+      <p:sp>
+        <p:nvSpPr>
+          <p:cNvPr id="2" name="Title 1">
+            <a:extLst>
+              <a:ext uri="{FF2B5EF4-FFF2-40B4-BE49-F238E27FC236}">
+                <a16:creationId xmlns:a16="http://schemas.microsoft.com/office/drawing/2014/main" id="{02EC6B47-AF45-444E-B166-14B26BD20486}"/>
+              </a:ext>
+            </a:extLst>
+          </p:cNvPr>
+          <p:cNvSpPr>
+            <a:spLocks noGrp="1"/>
+          </p:cNvSpPr>
+          <p:nvPr>
+            <p:ph type="title"/>
+          </p:nvPr>
+        </p:nvSpPr>
+        <p:spPr>
+          <a:xfrm>
+            <a:off x="839788" y="457200"/>
+            <a:ext cx="3932237" cy="1600200"/>
+          </a:xfrm>
+        </p:spPr>
+        <p:txBody>
+          <a:bodyPr anchor="b"/>
+          <a:lstStyle>
+            <a:lvl1pPr>
+              <a:defRPr sz="3200"/>
+            </a:lvl1pPr>
+          </a:lstStyle>
+          <a:p>
+            <a:r>
+              <a:rPr lang="en-US"/>
+              <a:t>Click to edit Master title style</a:t>
+            </a:r>
+          </a:p>
+        </p:txBody>
+      </p:sp>
+      <p:sp>
+        <p:nvSpPr>
+          <p:cNvPr id="3" name="Picture Placeholder 2">
+            <a:extLst>
+              <a:ext uri="{FF2B5EF4-FFF2-40B4-BE49-F238E27FC236}">
+                <a16:creationId xmlns:a16="http://schemas.microsoft.com/office/drawing/2014/main" id="{FB6EE360-D9DA-4021-A440-3B58CF319313}"/>
+              </a:ext>
+            </a:extLst>
+          </p:cNvPr>
+          <p:cNvSpPr>
+            <a:spLocks noGrp="1"/>
+          </p:cNvSpPr>
+          <p:nvPr>
+            <p:ph type="pic" idx="1"/>
+          </p:nvPr>
+        </p:nvSpPr>
+        <p:spPr>
+          <a:xfrm>
+            <a:off x="5183188" y="987425"/>
+            <a:ext cx="6172200" cy="4873625"/>
+          </a:xfrm>
+        </p:spPr>
+        <p:txBody>
+          <a:bodyPr/>
+          <a:lstStyle>
+            <a:lvl1pPr marL="0" indent="0">
+              <a:buNone/>
+              <a:defRPr sz="3200"/>
+            </a:lvl1pPr>
+            <a:lvl2pPr marL="457200" indent="0">
+              <a:buNone/>
+              <a:defRPr sz="2800"/>
+            </a:lvl2pPr>
+            <a:lvl3pPr marL="914400" indent="0">
+              <a:buNone/>
+              <a:defRPr sz="2400"/>
+            </a:lvl3pPr>
+            <a:lvl4pPr marL="1371600" indent="0">
+              <a:buNone/>
+              <a:defRPr sz="2000"/>
+            </a:lvl4pPr>
+            <a:lvl5pPr marL="1828800" indent="0">
+              <a:buNone/>
+              <a:defRPr sz="2000"/>
+            </a:lvl5pPr>
+            <a:lvl6pPr marL="2286000" indent="0">
+              <a:buNone/>
+              <a:defRPr sz="2000"/>
+            </a:lvl6pPr>
+            <a:lvl7pPr marL="2743200" indent="0">
+              <a:buNone/>
+              <a:defRPr sz="2000"/>
+            </a:lvl7pPr>
+            <a:lvl8pPr marL="3200400" indent="0">
+              <a:buNone/>
+              <a:defRPr sz="2000"/>
+            </a:lvl8pPr>
+            <a:lvl9pPr marL="3657600" indent="0">
+              <a:buNone/>
+              <a:defRPr sz="2000"/>
+            </a:lvl9pPr>
+          </a:lstStyle>
+          <a:p>
+            <a:r>
+              <a:rPr lang="en-US"/>
+              <a:t>Click icon to add picture</a:t>
+            </a:r>
+          </a:p>
+        </p:txBody>
+      </p:sp>
+      <p:sp>
+        <p:nvSpPr>
+          <p:cNvPr id="4" name="Text Placeholder 3">
+            <a:extLst>
+              <a:ext uri="{FF2B5EF4-FFF2-40B4-BE49-F238E27FC236}">
+                <a16:creationId xmlns:a16="http://schemas.microsoft.com/office/drawing/2014/main" id="{205FAB69-2536-4242-A051-49BED868E83E}"/>
+              </a:ext>
+            </a:extLst>
+          </p:cNvPr>
+          <p:cNvSpPr>
+            <a:spLocks noGrp="1"/>
+          </p:cNvSpPr>
+          <p:nvPr>
+            <p:ph type="body" sz="half" idx="2"/>
+          </p:nvPr>
+        </p:nvSpPr>
+        <p:spPr>
+          <a:xfrm>
+            <a:off x="839788" y="2057400"/>
+            <a:ext cx="3932237" cy="3811588"/>
+          </a:xfrm>
+        </p:spPr>
+        <p:txBody>
+          <a:bodyPr/>
+          <a:lstStyle>
+            <a:lvl1pPr marL="0" indent="0">
+              <a:buNone/>
+              <a:defRPr sz="1600"/>
+            </a:lvl1pPr>
+            <a:lvl2pPr marL="457200" indent="0">
+              <a:buNone/>
+              <a:defRPr sz="1400"/>
+            </a:lvl2pPr>
+            <a:lvl3pPr marL="914400" indent="0">
+              <a:buNone/>
+              <a:defRPr sz="1200"/>
+            </a:lvl3pPr>
+            <a:lvl4pPr marL="1371600" indent="0">
+              <a:buNone/>
+              <a:defRPr sz="1000"/>
+            </a:lvl4pPr>
+            <a:lvl5pPr marL="1828800" indent="0">
+              <a:buNone/>
+              <a:defRPr sz="1000"/>
+            </a:lvl5pPr>
+            <a:lvl6pPr marL="2286000" indent="0">
+              <a:buNone/>
+              <a:defRPr sz="1000"/>
+            </a:lvl6pPr>
+            <a:lvl7pPr marL="2743200" indent="0">
+              <a:buNone/>
+              <a:defRPr sz="1000"/>
+            </a:lvl7pPr>
+            <a:lvl8pPr marL="3200400" indent="0">
+              <a:buNone/>
+              <a:defRPr sz="1000"/>
+            </a:lvl8pPr>
+            <a:lvl9pPr marL="3657600" indent="0">
+              <a:buNone/>
+              <a:defRPr sz="1000"/>
+            </a:lvl9pPr>
+          </a:lstStyle>
+          <a:p>
+            <a:pPr lvl="0"/>
+            <a:r>
+              <a:rPr lang="en-US"/>
+              <a:t>Click to edit Master text styles</a:t>
+            </a:r>
+          </a:p>
+        </p:txBody>
+      </p:sp>
+      <p:sp>
+        <p:nvSpPr>
+          <p:cNvPr id="5" name="Date Placeholder 4">
+            <a:extLst>
+              <a:ext uri="{FF2B5EF4-FFF2-40B4-BE49-F238E27FC236}">
+                <a16:creationId xmlns:a16="http://schemas.microsoft.com/office/drawing/2014/main" id="{E4D5A149-D834-43FC-BC9A-202687E2DF41}"/>
+              </a:ext>
+            </a:extLst>
+          </p:cNvPr>
+          <p:cNvSpPr>
+            <a:spLocks noGrp="1"/>
+          </p:cNvSpPr>
+          <p:nvPr>
+            <p:ph type="dt" sz="half" idx="10"/>
+          </p:nvPr>
+        </p:nvSpPr>
+        <p:spPr/>
+        <p:txBody>
+          <a:bodyPr/>
+          <a:lstStyle/>
+          <a:p>
+            <a:fld id="{13014762-DFFB-4EBE-8655-EB0D0E44861E}" type="datetimeFigureOut">
+              <a:rPr lang="en-US" smtClean="0"/>
+              <a:t>2/19/2026</a:t>
+            </a:fld>
+            <a:endParaRPr lang="en-US"/>
+          </a:p>
+        </p:txBody>
+      </p:sp>
+      <p:sp>
+        <p:nvSpPr>
+          <p:cNvPr id="6" name="Footer Placeholder 5">
+            <a:extLst>
+              <a:ext uri="{FF2B5EF4-FFF2-40B4-BE49-F238E27FC236}">
+                <a16:creationId xmlns:a16="http://schemas.microsoft.com/office/drawing/2014/main" id="{0CAAEC10-F8A1-4167-A1E1-DDF70C091B12}"/>
+              </a:ext>
+            </a:extLst>
+          </p:cNvPr>
+          <p:cNvSpPr>
+            <a:spLocks noGrp="1"/>
+          </p:cNvSpPr>
+          <p:nvPr>
+            <p:ph type="ftr" sz="quarter" idx="11"/>
+          </p:nvPr>
+        </p:nvSpPr>
+        <p:spPr/>
+        <p:txBody>
+          <a:bodyPr/>
+          <a:lstStyle/>
+          <a:p>
+            <a:endParaRPr lang="en-US"/>
+          </a:p>
+        </p:txBody>
+      </p:sp>
+      <p:sp>
+        <p:nvSpPr>
+          <p:cNvPr id="7" name="Slide Number Placeholder 6">
+            <a:extLst>
+              <a:ext uri="{FF2B5EF4-FFF2-40B4-BE49-F238E27FC236}">
+                <a16:creationId xmlns:a16="http://schemas.microsoft.com/office/drawing/2014/main" id="{C00FAFD7-8C5E-4241-ADDF-33CB8DE03267}"/>
+              </a:ext>
+            </a:extLst>
+          </p:cNvPr>
+          <p:cNvSpPr>
+            <a:spLocks noGrp="1"/>
+          </p:cNvSpPr>
+          <p:nvPr>
+            <p:ph type="sldNum" sz="quarter" idx="12"/>
+          </p:nvPr>
+        </p:nvSpPr>
+        <p:spPr/>
+        <p:txBody>
+          <a:bodyPr/>
+          <a:lstStyle/>
+          <a:p>
+            <a:fld id="{698B0EB1-831C-4439-A09B-221EC37904F7}" type="slidenum">
+              <a:rPr lang="en-US" smtClean="0"/>
+              <a:t>‹#›</a:t>
+            </a:fld>
+            <a:endParaRPr lang="en-US"/>
+          </a:p>
+        </p:txBody>
+      </p:sp>
+    </p:spTree>
+    <p:extLst>
+      <p:ext uri="{BB962C8B-B14F-4D97-AF65-F5344CB8AC3E}">
+        <p14:creationId xmlns:p14="http://schemas.microsoft.com/office/powerpoint/2010/main" val="19572780"/>
+      </p:ext>
+    </p:extLst>
+  </p:cSld>
+  <p:clrMapOvr>
+    <a:masterClrMapping/>
+  </p:clrMapOvr>
+</p:sldLayout>
+</file>
+
+<file path=ppt/slideLayouts/slideLayout13.xml><?xml version="1.0" encoding="utf-8"?>
+<p:sldLayout xmlns:a="http://schemas.openxmlformats.org/drawingml/2006/main" xmlns:r="http://schemas.openxmlformats.org/officeDocument/2006/relationships" xmlns:p="http://schemas.openxmlformats.org/presentationml/2006/main" type="vertTx" preserve="1">
+  <p:cSld name="Title and Vertical Text">
+    <p:spTree>
+      <p:nvGrpSpPr>
+        <p:cNvPr id="1" name=""/>
+        <p:cNvGrpSpPr/>
+        <p:nvPr/>
+      </p:nvGrpSpPr>
+      <p:grpSpPr>
+        <a:xfrm>
+          <a:off x="0" y="0"/>
+          <a:ext cx="0" cy="0"/>
+          <a:chOff x="0" y="0"/>
+          <a:chExt cx="0" cy="0"/>
+        </a:xfrm>
+      </p:grpSpPr>
+      <p:sp>
+        <p:nvSpPr>
+          <p:cNvPr id="2" name="Title 1">
+            <a:extLst>
+              <a:ext uri="{FF2B5EF4-FFF2-40B4-BE49-F238E27FC236}">
+                <a16:creationId xmlns:a16="http://schemas.microsoft.com/office/drawing/2014/main" id="{CAF5659B-6963-492D-8016-EE3381971CD4}"/>
+              </a:ext>
+            </a:extLst>
+          </p:cNvPr>
+          <p:cNvSpPr>
+            <a:spLocks noGrp="1"/>
+          </p:cNvSpPr>
+          <p:nvPr>
+            <p:ph type="title"/>
+          </p:nvPr>
+        </p:nvSpPr>
+        <p:spPr/>
+        <p:txBody>
+          <a:bodyPr/>
+          <a:lstStyle/>
+          <a:p>
+            <a:r>
+              <a:rPr lang="en-US"/>
+              <a:t>Click to edit Master title style</a:t>
+            </a:r>
+          </a:p>
+        </p:txBody>
+      </p:sp>
+      <p:sp>
+        <p:nvSpPr>
+          <p:cNvPr id="3" name="Vertical Text Placeholder 2">
+            <a:extLst>
+              <a:ext uri="{FF2B5EF4-FFF2-40B4-BE49-F238E27FC236}">
+                <a16:creationId xmlns:a16="http://schemas.microsoft.com/office/drawing/2014/main" id="{214584C3-06E8-41AE-95D1-E3BD088AA1C1}"/>
+              </a:ext>
+            </a:extLst>
+          </p:cNvPr>
+          <p:cNvSpPr>
+            <a:spLocks noGrp="1"/>
+          </p:cNvSpPr>
+          <p:nvPr>
+            <p:ph type="body" orient="vert" idx="1"/>
+          </p:nvPr>
+        </p:nvSpPr>
+        <p:spPr/>
+        <p:txBody>
+          <a:bodyPr vert="eaVert"/>
+          <a:lstStyle/>
+          <a:p>
+            <a:pPr lvl="0"/>
+            <a:r>
+              <a:rPr lang="en-US"/>
+              <a:t>Click to edit Master text styles</a:t>
+            </a:r>
+          </a:p>
+          <a:p>
+            <a:pPr lvl="1"/>
+            <a:r>
+              <a:rPr lang="en-US"/>
+              <a:t>Second level</a:t>
+            </a:r>
+          </a:p>
+          <a:p>
+            <a:pPr lvl="2"/>
+            <a:r>
+              <a:rPr lang="en-US"/>
+              <a:t>Third level</a:t>
+            </a:r>
+          </a:p>
+          <a:p>
+            <a:pPr lvl="3"/>
+            <a:r>
+              <a:rPr lang="en-US"/>
+              <a:t>Fourth level</a:t>
+            </a:r>
+          </a:p>
+          <a:p>
+            <a:pPr lvl="4"/>
+            <a:r>
+              <a:rPr lang="en-US"/>
+              <a:t>Fifth level</a:t>
+            </a:r>
+          </a:p>
+        </p:txBody>
+      </p:sp>
+      <p:sp>
+        <p:nvSpPr>
+          <p:cNvPr id="4" name="Date Placeholder 3">
+            <a:extLst>
+              <a:ext uri="{FF2B5EF4-FFF2-40B4-BE49-F238E27FC236}">
+                <a16:creationId xmlns:a16="http://schemas.microsoft.com/office/drawing/2014/main" id="{7DECC6B3-6450-4C26-8B73-0CFCD3DFE12A}"/>
+              </a:ext>
+            </a:extLst>
+          </p:cNvPr>
+          <p:cNvSpPr>
+            <a:spLocks noGrp="1"/>
+          </p:cNvSpPr>
+          <p:nvPr>
+            <p:ph type="dt" sz="half" idx="10"/>
+          </p:nvPr>
+        </p:nvSpPr>
+        <p:spPr/>
+        <p:txBody>
+          <a:bodyPr/>
+          <a:lstStyle/>
+          <a:p>
+            <a:fld id="{13014762-DFFB-4EBE-8655-EB0D0E44861E}" type="datetimeFigureOut">
+              <a:rPr lang="en-US" smtClean="0"/>
+              <a:t>2/19/2026</a:t>
+            </a:fld>
+            <a:endParaRPr lang="en-US"/>
+          </a:p>
+        </p:txBody>
+      </p:sp>
+      <p:sp>
+        <p:nvSpPr>
+          <p:cNvPr id="5" name="Footer Placeholder 4">
+            <a:extLst>
+              <a:ext uri="{FF2B5EF4-FFF2-40B4-BE49-F238E27FC236}">
+                <a16:creationId xmlns:a16="http://schemas.microsoft.com/office/drawing/2014/main" id="{5318CFCF-8A5A-43F3-A1E1-3069AA971A57}"/>
+              </a:ext>
+            </a:extLst>
+          </p:cNvPr>
+          <p:cNvSpPr>
+            <a:spLocks noGrp="1"/>
+          </p:cNvSpPr>
+          <p:nvPr>
+            <p:ph type="ftr" sz="quarter" idx="11"/>
+          </p:nvPr>
+        </p:nvSpPr>
+        <p:spPr/>
+        <p:txBody>
+          <a:bodyPr/>
+          <a:lstStyle/>
+          <a:p>
+            <a:endParaRPr lang="en-US"/>
+          </a:p>
+        </p:txBody>
+      </p:sp>
+      <p:sp>
+        <p:nvSpPr>
+          <p:cNvPr id="6" name="Slide Number Placeholder 5">
+            <a:extLst>
+              <a:ext uri="{FF2B5EF4-FFF2-40B4-BE49-F238E27FC236}">
+                <a16:creationId xmlns:a16="http://schemas.microsoft.com/office/drawing/2014/main" id="{5E9F8B1E-962A-4D78-978E-A512A0E9DF6E}"/>
+              </a:ext>
+            </a:extLst>
+          </p:cNvPr>
+          <p:cNvSpPr>
+            <a:spLocks noGrp="1"/>
+          </p:cNvSpPr>
+          <p:nvPr>
+            <p:ph type="sldNum" sz="quarter" idx="12"/>
+          </p:nvPr>
+        </p:nvSpPr>
+        <p:spPr/>
+        <p:txBody>
+          <a:bodyPr/>
+          <a:lstStyle/>
+          <a:p>
+            <a:fld id="{698B0EB1-831C-4439-A09B-221EC37904F7}" type="slidenum">
+              <a:rPr lang="en-US" smtClean="0"/>
+              <a:t>‹#›</a:t>
+            </a:fld>
+            <a:endParaRPr lang="en-US"/>
+          </a:p>
+        </p:txBody>
+      </p:sp>
+    </p:spTree>
+    <p:extLst>
+      <p:ext uri="{BB962C8B-B14F-4D97-AF65-F5344CB8AC3E}">
+        <p14:creationId xmlns:p14="http://schemas.microsoft.com/office/powerpoint/2010/main" val="36385294"/>
+      </p:ext>
+    </p:extLst>
+  </p:cSld>
+  <p:clrMapOvr>
+    <a:masterClrMapping/>
+  </p:clrMapOvr>
+</p:sldLayout>
+</file>
+
+<file path=ppt/slideLayouts/slideLayout14.xml><?xml version="1.0" encoding="utf-8"?>
+<p:sldLayout xmlns:a="http://schemas.openxmlformats.org/drawingml/2006/main" xmlns:r="http://schemas.openxmlformats.org/officeDocument/2006/relationships" xmlns:p="http://schemas.openxmlformats.org/presentationml/2006/main" type="vertTitleAndTx" preserve="1">
+  <p:cSld name="Vertical Title and Text">
+    <p:spTree>
+      <p:nvGrpSpPr>
+        <p:cNvPr id="1" name=""/>
+        <p:cNvGrpSpPr/>
+        <p:nvPr/>
+      </p:nvGrpSpPr>
+      <p:grpSpPr>
+        <a:xfrm>
+          <a:off x="0" y="0"/>
+          <a:ext cx="0" cy="0"/>
+          <a:chOff x="0" y="0"/>
+          <a:chExt cx="0" cy="0"/>
+        </a:xfrm>
+      </p:grpSpPr>
+      <p:sp>
+        <p:nvSpPr>
+          <p:cNvPr id="2" name="Vertical Title 1">
+            <a:extLst>
+              <a:ext uri="{FF2B5EF4-FFF2-40B4-BE49-F238E27FC236}">
+                <a16:creationId xmlns:a16="http://schemas.microsoft.com/office/drawing/2014/main" id="{FFD0FA23-1206-4DF2-8AA8-0999EAF8011E}"/>
+              </a:ext>
+            </a:extLst>
+          </p:cNvPr>
+          <p:cNvSpPr>
+            <a:spLocks noGrp="1"/>
+          </p:cNvSpPr>
+          <p:nvPr>
+            <p:ph type="title" orient="vert"/>
+          </p:nvPr>
+        </p:nvSpPr>
+        <p:spPr>
+          <a:xfrm>
+            <a:off x="8724900" y="365125"/>
+            <a:ext cx="2628900" cy="5811838"/>
+          </a:xfrm>
+        </p:spPr>
+        <p:txBody>
+          <a:bodyPr vert="eaVert"/>
+          <a:lstStyle/>
+          <a:p>
+            <a:r>
+              <a:rPr lang="en-US"/>
+              <a:t>Click to edit Master title style</a:t>
+            </a:r>
+          </a:p>
+        </p:txBody>
+      </p:sp>
+      <p:sp>
+        <p:nvSpPr>
+          <p:cNvPr id="3" name="Vertical Text Placeholder 2">
+            <a:extLst>
+              <a:ext uri="{FF2B5EF4-FFF2-40B4-BE49-F238E27FC236}">
+                <a16:creationId xmlns:a16="http://schemas.microsoft.com/office/drawing/2014/main" id="{3B882FB8-7E82-4ECC-B1F4-A747F1BEBD9D}"/>
+              </a:ext>
+            </a:extLst>
+          </p:cNvPr>
+          <p:cNvSpPr>
+            <a:spLocks noGrp="1"/>
+          </p:cNvSpPr>
+          <p:nvPr>
+            <p:ph type="body" orient="vert" idx="1"/>
+          </p:nvPr>
+        </p:nvSpPr>
+        <p:spPr>
+          <a:xfrm>
+            <a:off x="838200" y="365125"/>
+            <a:ext cx="7734300" cy="5811838"/>
+          </a:xfrm>
+        </p:spPr>
+        <p:txBody>
+          <a:bodyPr vert="eaVert"/>
+          <a:lstStyle/>
+          <a:p>
+            <a:pPr lvl="0"/>
+            <a:r>
+              <a:rPr lang="en-US"/>
+              <a:t>Click to edit Master text styles</a:t>
+            </a:r>
+          </a:p>
+          <a:p>
+            <a:pPr lvl="1"/>
+            <a:r>
+              <a:rPr lang="en-US"/>
+              <a:t>Second level</a:t>
+            </a:r>
+          </a:p>
+          <a:p>
+            <a:pPr lvl="2"/>
+            <a:r>
+              <a:rPr lang="en-US"/>
+              <a:t>Third level</a:t>
+            </a:r>
+          </a:p>
+          <a:p>
+            <a:pPr lvl="3"/>
+            <a:r>
+              <a:rPr lang="en-US"/>
+              <a:t>Fourth level</a:t>
+            </a:r>
+          </a:p>
+          <a:p>
+            <a:pPr lvl="4"/>
+            <a:r>
+              <a:rPr lang="en-US"/>
+              <a:t>Fifth level</a:t>
+            </a:r>
+          </a:p>
+        </p:txBody>
+      </p:sp>
+      <p:sp>
+        <p:nvSpPr>
+          <p:cNvPr id="4" name="Date Placeholder 3">
+            <a:extLst>
+              <a:ext uri="{FF2B5EF4-FFF2-40B4-BE49-F238E27FC236}">
+                <a16:creationId xmlns:a16="http://schemas.microsoft.com/office/drawing/2014/main" id="{345F2896-FDAC-4D0A-9161-CF53F980F965}"/>
+              </a:ext>
+            </a:extLst>
+          </p:cNvPr>
+          <p:cNvSpPr>
+            <a:spLocks noGrp="1"/>
+          </p:cNvSpPr>
+          <p:nvPr>
+            <p:ph type="dt" sz="half" idx="10"/>
+          </p:nvPr>
+        </p:nvSpPr>
+        <p:spPr/>
+        <p:txBody>
+          <a:bodyPr/>
+          <a:lstStyle/>
+          <a:p>
+            <a:fld id="{13014762-DFFB-4EBE-8655-EB0D0E44861E}" type="datetimeFigureOut">
+              <a:rPr lang="en-US" smtClean="0"/>
+              <a:t>2/19/2026</a:t>
+            </a:fld>
+            <a:endParaRPr lang="en-US"/>
+          </a:p>
+        </p:txBody>
+      </p:sp>
+      <p:sp>
+        <p:nvSpPr>
+          <p:cNvPr id="5" name="Footer Placeholder 4">
+            <a:extLst>
+              <a:ext uri="{FF2B5EF4-FFF2-40B4-BE49-F238E27FC236}">
+                <a16:creationId xmlns:a16="http://schemas.microsoft.com/office/drawing/2014/main" id="{30343B7F-83F0-4671-8918-80CDEE283D8C}"/>
+              </a:ext>
+            </a:extLst>
+          </p:cNvPr>
+          <p:cNvSpPr>
+            <a:spLocks noGrp="1"/>
+          </p:cNvSpPr>
+          <p:nvPr>
+            <p:ph type="ftr" sz="quarter" idx="11"/>
+          </p:nvPr>
+        </p:nvSpPr>
+        <p:spPr/>
+        <p:txBody>
+          <a:bodyPr/>
+          <a:lstStyle/>
+          <a:p>
+            <a:endParaRPr lang="en-US"/>
+          </a:p>
+        </p:txBody>
+      </p:sp>
+      <p:sp>
+        <p:nvSpPr>
+          <p:cNvPr id="6" name="Slide Number Placeholder 5">
+            <a:extLst>
+              <a:ext uri="{FF2B5EF4-FFF2-40B4-BE49-F238E27FC236}">
+                <a16:creationId xmlns:a16="http://schemas.microsoft.com/office/drawing/2014/main" id="{2A1742F1-0E5D-42FE-AFA0-A4F5B15D35B2}"/>
+              </a:ext>
+            </a:extLst>
+          </p:cNvPr>
+          <p:cNvSpPr>
+            <a:spLocks noGrp="1"/>
+          </p:cNvSpPr>
+          <p:nvPr>
+            <p:ph type="sldNum" sz="quarter" idx="12"/>
+          </p:nvPr>
+        </p:nvSpPr>
+        <p:spPr/>
+        <p:txBody>
+          <a:bodyPr/>
+          <a:lstStyle/>
+          <a:p>
+            <a:fld id="{698B0EB1-831C-4439-A09B-221EC37904F7}" type="slidenum">
+              <a:rPr lang="en-US" smtClean="0"/>
+              <a:t>‹#›</a:t>
+            </a:fld>
+            <a:endParaRPr lang="en-US"/>
+          </a:p>
+        </p:txBody>
+      </p:sp>
+    </p:spTree>
+    <p:extLst>
+      <p:ext uri="{BB962C8B-B14F-4D97-AF65-F5344CB8AC3E}">
+        <p14:creationId xmlns:p14="http://schemas.microsoft.com/office/powerpoint/2010/main" val="593627078"/>
+      </p:ext>
+    </p:extLst>
+  </p:cSld>
+  <p:clrMapOvr>
+    <a:masterClrMapping/>
+  </p:clrMapOvr>
+</p:sldLayout>
+</file>
+
+<file path=ppt/slideLayouts/slideLayout2.xml><?xml version="1.0" encoding="utf-8"?>
+<p:sldLayout xmlns:a="http://schemas.openxmlformats.org/drawingml/2006/main" xmlns:r="http://schemas.openxmlformats.org/officeDocument/2006/relationships" xmlns:p="http://schemas.openxmlformats.org/presentationml/2006/main" preserve="1" userDrawn="1">
   <p:cSld name="Title Slide">
     <p:spTree>
       <p:nvGrpSpPr>
@@ -822,7 +2092,7 @@
         </p:nvSpPr>
         <p:spPr>
           <a:xfrm>
-            <a:off x="2792395" y="5515238"/>
+            <a:off x="2070339" y="2893504"/>
             <a:ext cx="7556740" cy="2685524"/>
           </a:xfrm>
           <a:prstGeom prst="roundRect">
@@ -1390,7 +2660,7 @@
             <a:pPr algn="ctr"/>
             <a:r>
               <a:rPr lang="en-US" dirty="0"/>
-              <a:t>1</a:t>
+              <a:t>2</a:t>
             </a:r>
           </a:p>
         </p:txBody>
@@ -1533,7 +2803,7 @@
             <a:pPr algn="ctr"/>
             <a:r>
               <a:rPr lang="en-US" dirty="0"/>
-              <a:t>1</a:t>
+              <a:t>3</a:t>
             </a:r>
           </a:p>
         </p:txBody>
@@ -1676,7 +2946,7 @@
             <a:pPr algn="ctr"/>
             <a:r>
               <a:rPr lang="en-US" dirty="0"/>
-              <a:t>1</a:t>
+              <a:t>4</a:t>
             </a:r>
           </a:p>
         </p:txBody>
@@ -1819,7 +3089,7 @@
             <a:pPr algn="ctr"/>
             <a:r>
               <a:rPr lang="en-US" dirty="0"/>
-              <a:t>1</a:t>
+              <a:t>5</a:t>
             </a:r>
           </a:p>
         </p:txBody>
@@ -2194,1268 +3464,6 @@
 </p:sldLayout>
 </file>
 
-<file path=ppt/slideLayouts/slideLayout10.xml><?xml version="1.0" encoding="utf-8"?>
-<p:sldLayout xmlns:a="http://schemas.openxmlformats.org/drawingml/2006/main" xmlns:r="http://schemas.openxmlformats.org/officeDocument/2006/relationships" xmlns:p="http://schemas.openxmlformats.org/presentationml/2006/main" type="blank" preserve="1">
-  <p:cSld name="Blank">
-    <p:spTree>
-      <p:nvGrpSpPr>
-        <p:cNvPr id="1" name=""/>
-        <p:cNvGrpSpPr/>
-        <p:nvPr/>
-      </p:nvGrpSpPr>
-      <p:grpSpPr>
-        <a:xfrm>
-          <a:off x="0" y="0"/>
-          <a:ext cx="0" cy="0"/>
-          <a:chOff x="0" y="0"/>
-          <a:chExt cx="0" cy="0"/>
-        </a:xfrm>
-      </p:grpSpPr>
-      <p:sp>
-        <p:nvSpPr>
-          <p:cNvPr id="2" name="Date Placeholder 1">
-            <a:extLst>
-              <a:ext uri="{FF2B5EF4-FFF2-40B4-BE49-F238E27FC236}">
-                <a16:creationId xmlns:a16="http://schemas.microsoft.com/office/drawing/2014/main" id="{F527DD7A-35FD-4374-8631-FFA5E1259E09}"/>
-              </a:ext>
-            </a:extLst>
-          </p:cNvPr>
-          <p:cNvSpPr>
-            <a:spLocks noGrp="1"/>
-          </p:cNvSpPr>
-          <p:nvPr>
-            <p:ph type="dt" sz="half" idx="10"/>
-          </p:nvPr>
-        </p:nvSpPr>
-        <p:spPr/>
-        <p:txBody>
-          <a:bodyPr/>
-          <a:lstStyle/>
-          <a:p>
-            <a:fld id="{13014762-DFFB-4EBE-8655-EB0D0E44861E}" type="datetimeFigureOut">
-              <a:rPr lang="en-US" smtClean="0"/>
-              <a:t>2/19/2026</a:t>
-            </a:fld>
-            <a:endParaRPr lang="en-US"/>
-          </a:p>
-        </p:txBody>
-      </p:sp>
-      <p:sp>
-        <p:nvSpPr>
-          <p:cNvPr id="3" name="Footer Placeholder 2">
-            <a:extLst>
-              <a:ext uri="{FF2B5EF4-FFF2-40B4-BE49-F238E27FC236}">
-                <a16:creationId xmlns:a16="http://schemas.microsoft.com/office/drawing/2014/main" id="{FA1CAD15-EA38-42C9-9F11-CDB7DDBA3079}"/>
-              </a:ext>
-            </a:extLst>
-          </p:cNvPr>
-          <p:cNvSpPr>
-            <a:spLocks noGrp="1"/>
-          </p:cNvSpPr>
-          <p:nvPr>
-            <p:ph type="ftr" sz="quarter" idx="11"/>
-          </p:nvPr>
-        </p:nvSpPr>
-        <p:spPr/>
-        <p:txBody>
-          <a:bodyPr/>
-          <a:lstStyle/>
-          <a:p>
-            <a:endParaRPr lang="en-US"/>
-          </a:p>
-        </p:txBody>
-      </p:sp>
-      <p:sp>
-        <p:nvSpPr>
-          <p:cNvPr id="4" name="Slide Number Placeholder 3">
-            <a:extLst>
-              <a:ext uri="{FF2B5EF4-FFF2-40B4-BE49-F238E27FC236}">
-                <a16:creationId xmlns:a16="http://schemas.microsoft.com/office/drawing/2014/main" id="{58C030A8-FBDF-47AF-819D-2F006685B502}"/>
-              </a:ext>
-            </a:extLst>
-          </p:cNvPr>
-          <p:cNvSpPr>
-            <a:spLocks noGrp="1"/>
-          </p:cNvSpPr>
-          <p:nvPr>
-            <p:ph type="sldNum" sz="quarter" idx="12"/>
-          </p:nvPr>
-        </p:nvSpPr>
-        <p:spPr/>
-        <p:txBody>
-          <a:bodyPr/>
-          <a:lstStyle/>
-          <a:p>
-            <a:fld id="{698B0EB1-831C-4439-A09B-221EC37904F7}" type="slidenum">
-              <a:rPr lang="en-US" smtClean="0"/>
-              <a:t>‹#›</a:t>
-            </a:fld>
-            <a:endParaRPr lang="en-US"/>
-          </a:p>
-        </p:txBody>
-      </p:sp>
-    </p:spTree>
-    <p:extLst>
-      <p:ext uri="{BB962C8B-B14F-4D97-AF65-F5344CB8AC3E}">
-        <p14:creationId xmlns:p14="http://schemas.microsoft.com/office/powerpoint/2010/main" val="66846930"/>
-      </p:ext>
-    </p:extLst>
-  </p:cSld>
-  <p:clrMapOvr>
-    <a:masterClrMapping/>
-  </p:clrMapOvr>
-</p:sldLayout>
-</file>
-
-<file path=ppt/slideLayouts/slideLayout11.xml><?xml version="1.0" encoding="utf-8"?>
-<p:sldLayout xmlns:a="http://schemas.openxmlformats.org/drawingml/2006/main" xmlns:r="http://schemas.openxmlformats.org/officeDocument/2006/relationships" xmlns:p="http://schemas.openxmlformats.org/presentationml/2006/main" type="objTx" preserve="1">
-  <p:cSld name="Content with Caption">
-    <p:spTree>
-      <p:nvGrpSpPr>
-        <p:cNvPr id="1" name=""/>
-        <p:cNvGrpSpPr/>
-        <p:nvPr/>
-      </p:nvGrpSpPr>
-      <p:grpSpPr>
-        <a:xfrm>
-          <a:off x="0" y="0"/>
-          <a:ext cx="0" cy="0"/>
-          <a:chOff x="0" y="0"/>
-          <a:chExt cx="0" cy="0"/>
-        </a:xfrm>
-      </p:grpSpPr>
-      <p:sp>
-        <p:nvSpPr>
-          <p:cNvPr id="2" name="Title 1">
-            <a:extLst>
-              <a:ext uri="{FF2B5EF4-FFF2-40B4-BE49-F238E27FC236}">
-                <a16:creationId xmlns:a16="http://schemas.microsoft.com/office/drawing/2014/main" id="{F092F68E-F5B2-421B-A02C-D7D87542B602}"/>
-              </a:ext>
-            </a:extLst>
-          </p:cNvPr>
-          <p:cNvSpPr>
-            <a:spLocks noGrp="1"/>
-          </p:cNvSpPr>
-          <p:nvPr>
-            <p:ph type="title"/>
-          </p:nvPr>
-        </p:nvSpPr>
-        <p:spPr>
-          <a:xfrm>
-            <a:off x="839788" y="457200"/>
-            <a:ext cx="3932237" cy="1600200"/>
-          </a:xfrm>
-        </p:spPr>
-        <p:txBody>
-          <a:bodyPr anchor="b"/>
-          <a:lstStyle>
-            <a:lvl1pPr>
-              <a:defRPr sz="3200"/>
-            </a:lvl1pPr>
-          </a:lstStyle>
-          <a:p>
-            <a:r>
-              <a:rPr lang="en-US"/>
-              <a:t>Click to edit Master title style</a:t>
-            </a:r>
-          </a:p>
-        </p:txBody>
-      </p:sp>
-      <p:sp>
-        <p:nvSpPr>
-          <p:cNvPr id="3" name="Content Placeholder 2">
-            <a:extLst>
-              <a:ext uri="{FF2B5EF4-FFF2-40B4-BE49-F238E27FC236}">
-                <a16:creationId xmlns:a16="http://schemas.microsoft.com/office/drawing/2014/main" id="{510EDD4C-9ED6-4238-A516-E584D502D2E8}"/>
-              </a:ext>
-            </a:extLst>
-          </p:cNvPr>
-          <p:cNvSpPr>
-            <a:spLocks noGrp="1"/>
-          </p:cNvSpPr>
-          <p:nvPr>
-            <p:ph idx="1"/>
-          </p:nvPr>
-        </p:nvSpPr>
-        <p:spPr>
-          <a:xfrm>
-            <a:off x="5183188" y="987425"/>
-            <a:ext cx="6172200" cy="4873625"/>
-          </a:xfrm>
-        </p:spPr>
-        <p:txBody>
-          <a:bodyPr/>
-          <a:lstStyle>
-            <a:lvl1pPr>
-              <a:defRPr sz="3200"/>
-            </a:lvl1pPr>
-            <a:lvl2pPr>
-              <a:defRPr sz="2800"/>
-            </a:lvl2pPr>
-            <a:lvl3pPr>
-              <a:defRPr sz="2400"/>
-            </a:lvl3pPr>
-            <a:lvl4pPr>
-              <a:defRPr sz="2000"/>
-            </a:lvl4pPr>
-            <a:lvl5pPr>
-              <a:defRPr sz="2000"/>
-            </a:lvl5pPr>
-            <a:lvl6pPr>
-              <a:defRPr sz="2000"/>
-            </a:lvl6pPr>
-            <a:lvl7pPr>
-              <a:defRPr sz="2000"/>
-            </a:lvl7pPr>
-            <a:lvl8pPr>
-              <a:defRPr sz="2000"/>
-            </a:lvl8pPr>
-            <a:lvl9pPr>
-              <a:defRPr sz="2000"/>
-            </a:lvl9pPr>
-          </a:lstStyle>
-          <a:p>
-            <a:pPr lvl="0"/>
-            <a:r>
-              <a:rPr lang="en-US"/>
-              <a:t>Click to edit Master text styles</a:t>
-            </a:r>
-          </a:p>
-          <a:p>
-            <a:pPr lvl="1"/>
-            <a:r>
-              <a:rPr lang="en-US"/>
-              <a:t>Second level</a:t>
-            </a:r>
-          </a:p>
-          <a:p>
-            <a:pPr lvl="2"/>
-            <a:r>
-              <a:rPr lang="en-US"/>
-              <a:t>Third level</a:t>
-            </a:r>
-          </a:p>
-          <a:p>
-            <a:pPr lvl="3"/>
-            <a:r>
-              <a:rPr lang="en-US"/>
-              <a:t>Fourth level</a:t>
-            </a:r>
-          </a:p>
-          <a:p>
-            <a:pPr lvl="4"/>
-            <a:r>
-              <a:rPr lang="en-US"/>
-              <a:t>Fifth level</a:t>
-            </a:r>
-          </a:p>
-        </p:txBody>
-      </p:sp>
-      <p:sp>
-        <p:nvSpPr>
-          <p:cNvPr id="4" name="Text Placeholder 3">
-            <a:extLst>
-              <a:ext uri="{FF2B5EF4-FFF2-40B4-BE49-F238E27FC236}">
-                <a16:creationId xmlns:a16="http://schemas.microsoft.com/office/drawing/2014/main" id="{8278C6F1-AAB9-4723-99F8-CFBA073A750A}"/>
-              </a:ext>
-            </a:extLst>
-          </p:cNvPr>
-          <p:cNvSpPr>
-            <a:spLocks noGrp="1"/>
-          </p:cNvSpPr>
-          <p:nvPr>
-            <p:ph type="body" sz="half" idx="2"/>
-          </p:nvPr>
-        </p:nvSpPr>
-        <p:spPr>
-          <a:xfrm>
-            <a:off x="839788" y="2057400"/>
-            <a:ext cx="3932237" cy="3811588"/>
-          </a:xfrm>
-        </p:spPr>
-        <p:txBody>
-          <a:bodyPr/>
-          <a:lstStyle>
-            <a:lvl1pPr marL="0" indent="0">
-              <a:buNone/>
-              <a:defRPr sz="1600"/>
-            </a:lvl1pPr>
-            <a:lvl2pPr marL="457200" indent="0">
-              <a:buNone/>
-              <a:defRPr sz="1400"/>
-            </a:lvl2pPr>
-            <a:lvl3pPr marL="914400" indent="0">
-              <a:buNone/>
-              <a:defRPr sz="1200"/>
-            </a:lvl3pPr>
-            <a:lvl4pPr marL="1371600" indent="0">
-              <a:buNone/>
-              <a:defRPr sz="1000"/>
-            </a:lvl4pPr>
-            <a:lvl5pPr marL="1828800" indent="0">
-              <a:buNone/>
-              <a:defRPr sz="1000"/>
-            </a:lvl5pPr>
-            <a:lvl6pPr marL="2286000" indent="0">
-              <a:buNone/>
-              <a:defRPr sz="1000"/>
-            </a:lvl6pPr>
-            <a:lvl7pPr marL="2743200" indent="0">
-              <a:buNone/>
-              <a:defRPr sz="1000"/>
-            </a:lvl7pPr>
-            <a:lvl8pPr marL="3200400" indent="0">
-              <a:buNone/>
-              <a:defRPr sz="1000"/>
-            </a:lvl8pPr>
-            <a:lvl9pPr marL="3657600" indent="0">
-              <a:buNone/>
-              <a:defRPr sz="1000"/>
-            </a:lvl9pPr>
-          </a:lstStyle>
-          <a:p>
-            <a:pPr lvl="0"/>
-            <a:r>
-              <a:rPr lang="en-US"/>
-              <a:t>Click to edit Master text styles</a:t>
-            </a:r>
-          </a:p>
-        </p:txBody>
-      </p:sp>
-      <p:sp>
-        <p:nvSpPr>
-          <p:cNvPr id="5" name="Date Placeholder 4">
-            <a:extLst>
-              <a:ext uri="{FF2B5EF4-FFF2-40B4-BE49-F238E27FC236}">
-                <a16:creationId xmlns:a16="http://schemas.microsoft.com/office/drawing/2014/main" id="{FA5C6B83-F23B-4AEC-9CCB-BEC01613551C}"/>
-              </a:ext>
-            </a:extLst>
-          </p:cNvPr>
-          <p:cNvSpPr>
-            <a:spLocks noGrp="1"/>
-          </p:cNvSpPr>
-          <p:nvPr>
-            <p:ph type="dt" sz="half" idx="10"/>
-          </p:nvPr>
-        </p:nvSpPr>
-        <p:spPr/>
-        <p:txBody>
-          <a:bodyPr/>
-          <a:lstStyle/>
-          <a:p>
-            <a:fld id="{13014762-DFFB-4EBE-8655-EB0D0E44861E}" type="datetimeFigureOut">
-              <a:rPr lang="en-US" smtClean="0"/>
-              <a:t>2/19/2026</a:t>
-            </a:fld>
-            <a:endParaRPr lang="en-US"/>
-          </a:p>
-        </p:txBody>
-      </p:sp>
-      <p:sp>
-        <p:nvSpPr>
-          <p:cNvPr id="6" name="Footer Placeholder 5">
-            <a:extLst>
-              <a:ext uri="{FF2B5EF4-FFF2-40B4-BE49-F238E27FC236}">
-                <a16:creationId xmlns:a16="http://schemas.microsoft.com/office/drawing/2014/main" id="{BB4D1C9D-67F8-4160-A6B6-1C5BBC968F2C}"/>
-              </a:ext>
-            </a:extLst>
-          </p:cNvPr>
-          <p:cNvSpPr>
-            <a:spLocks noGrp="1"/>
-          </p:cNvSpPr>
-          <p:nvPr>
-            <p:ph type="ftr" sz="quarter" idx="11"/>
-          </p:nvPr>
-        </p:nvSpPr>
-        <p:spPr/>
-        <p:txBody>
-          <a:bodyPr/>
-          <a:lstStyle/>
-          <a:p>
-            <a:endParaRPr lang="en-US"/>
-          </a:p>
-        </p:txBody>
-      </p:sp>
-      <p:sp>
-        <p:nvSpPr>
-          <p:cNvPr id="7" name="Slide Number Placeholder 6">
-            <a:extLst>
-              <a:ext uri="{FF2B5EF4-FFF2-40B4-BE49-F238E27FC236}">
-                <a16:creationId xmlns:a16="http://schemas.microsoft.com/office/drawing/2014/main" id="{38076209-E739-4BB1-81B0-679D756F5155}"/>
-              </a:ext>
-            </a:extLst>
-          </p:cNvPr>
-          <p:cNvSpPr>
-            <a:spLocks noGrp="1"/>
-          </p:cNvSpPr>
-          <p:nvPr>
-            <p:ph type="sldNum" sz="quarter" idx="12"/>
-          </p:nvPr>
-        </p:nvSpPr>
-        <p:spPr/>
-        <p:txBody>
-          <a:bodyPr/>
-          <a:lstStyle/>
-          <a:p>
-            <a:fld id="{698B0EB1-831C-4439-A09B-221EC37904F7}" type="slidenum">
-              <a:rPr lang="en-US" smtClean="0"/>
-              <a:t>‹#›</a:t>
-            </a:fld>
-            <a:endParaRPr lang="en-US"/>
-          </a:p>
-        </p:txBody>
-      </p:sp>
-    </p:spTree>
-    <p:extLst>
-      <p:ext uri="{BB962C8B-B14F-4D97-AF65-F5344CB8AC3E}">
-        <p14:creationId xmlns:p14="http://schemas.microsoft.com/office/powerpoint/2010/main" val="375894196"/>
-      </p:ext>
-    </p:extLst>
-  </p:cSld>
-  <p:clrMapOvr>
-    <a:masterClrMapping/>
-  </p:clrMapOvr>
-</p:sldLayout>
-</file>
-
-<file path=ppt/slideLayouts/slideLayout12.xml><?xml version="1.0" encoding="utf-8"?>
-<p:sldLayout xmlns:a="http://schemas.openxmlformats.org/drawingml/2006/main" xmlns:r="http://schemas.openxmlformats.org/officeDocument/2006/relationships" xmlns:p="http://schemas.openxmlformats.org/presentationml/2006/main" type="picTx" preserve="1">
-  <p:cSld name="Picture with Caption">
-    <p:spTree>
-      <p:nvGrpSpPr>
-        <p:cNvPr id="1" name=""/>
-        <p:cNvGrpSpPr/>
-        <p:nvPr/>
-      </p:nvGrpSpPr>
-      <p:grpSpPr>
-        <a:xfrm>
-          <a:off x="0" y="0"/>
-          <a:ext cx="0" cy="0"/>
-          <a:chOff x="0" y="0"/>
-          <a:chExt cx="0" cy="0"/>
-        </a:xfrm>
-      </p:grpSpPr>
-      <p:sp>
-        <p:nvSpPr>
-          <p:cNvPr id="2" name="Title 1">
-            <a:extLst>
-              <a:ext uri="{FF2B5EF4-FFF2-40B4-BE49-F238E27FC236}">
-                <a16:creationId xmlns:a16="http://schemas.microsoft.com/office/drawing/2014/main" id="{02EC6B47-AF45-444E-B166-14B26BD20486}"/>
-              </a:ext>
-            </a:extLst>
-          </p:cNvPr>
-          <p:cNvSpPr>
-            <a:spLocks noGrp="1"/>
-          </p:cNvSpPr>
-          <p:nvPr>
-            <p:ph type="title"/>
-          </p:nvPr>
-        </p:nvSpPr>
-        <p:spPr>
-          <a:xfrm>
-            <a:off x="839788" y="457200"/>
-            <a:ext cx="3932237" cy="1600200"/>
-          </a:xfrm>
-        </p:spPr>
-        <p:txBody>
-          <a:bodyPr anchor="b"/>
-          <a:lstStyle>
-            <a:lvl1pPr>
-              <a:defRPr sz="3200"/>
-            </a:lvl1pPr>
-          </a:lstStyle>
-          <a:p>
-            <a:r>
-              <a:rPr lang="en-US"/>
-              <a:t>Click to edit Master title style</a:t>
-            </a:r>
-          </a:p>
-        </p:txBody>
-      </p:sp>
-      <p:sp>
-        <p:nvSpPr>
-          <p:cNvPr id="3" name="Picture Placeholder 2">
-            <a:extLst>
-              <a:ext uri="{FF2B5EF4-FFF2-40B4-BE49-F238E27FC236}">
-                <a16:creationId xmlns:a16="http://schemas.microsoft.com/office/drawing/2014/main" id="{FB6EE360-D9DA-4021-A440-3B58CF319313}"/>
-              </a:ext>
-            </a:extLst>
-          </p:cNvPr>
-          <p:cNvSpPr>
-            <a:spLocks noGrp="1"/>
-          </p:cNvSpPr>
-          <p:nvPr>
-            <p:ph type="pic" idx="1"/>
-          </p:nvPr>
-        </p:nvSpPr>
-        <p:spPr>
-          <a:xfrm>
-            <a:off x="5183188" y="987425"/>
-            <a:ext cx="6172200" cy="4873625"/>
-          </a:xfrm>
-        </p:spPr>
-        <p:txBody>
-          <a:bodyPr/>
-          <a:lstStyle>
-            <a:lvl1pPr marL="0" indent="0">
-              <a:buNone/>
-              <a:defRPr sz="3200"/>
-            </a:lvl1pPr>
-            <a:lvl2pPr marL="457200" indent="0">
-              <a:buNone/>
-              <a:defRPr sz="2800"/>
-            </a:lvl2pPr>
-            <a:lvl3pPr marL="914400" indent="0">
-              <a:buNone/>
-              <a:defRPr sz="2400"/>
-            </a:lvl3pPr>
-            <a:lvl4pPr marL="1371600" indent="0">
-              <a:buNone/>
-              <a:defRPr sz="2000"/>
-            </a:lvl4pPr>
-            <a:lvl5pPr marL="1828800" indent="0">
-              <a:buNone/>
-              <a:defRPr sz="2000"/>
-            </a:lvl5pPr>
-            <a:lvl6pPr marL="2286000" indent="0">
-              <a:buNone/>
-              <a:defRPr sz="2000"/>
-            </a:lvl6pPr>
-            <a:lvl7pPr marL="2743200" indent="0">
-              <a:buNone/>
-              <a:defRPr sz="2000"/>
-            </a:lvl7pPr>
-            <a:lvl8pPr marL="3200400" indent="0">
-              <a:buNone/>
-              <a:defRPr sz="2000"/>
-            </a:lvl8pPr>
-            <a:lvl9pPr marL="3657600" indent="0">
-              <a:buNone/>
-              <a:defRPr sz="2000"/>
-            </a:lvl9pPr>
-          </a:lstStyle>
-          <a:p>
-            <a:r>
-              <a:rPr lang="en-US"/>
-              <a:t>Click icon to add picture</a:t>
-            </a:r>
-          </a:p>
-        </p:txBody>
-      </p:sp>
-      <p:sp>
-        <p:nvSpPr>
-          <p:cNvPr id="4" name="Text Placeholder 3">
-            <a:extLst>
-              <a:ext uri="{FF2B5EF4-FFF2-40B4-BE49-F238E27FC236}">
-                <a16:creationId xmlns:a16="http://schemas.microsoft.com/office/drawing/2014/main" id="{205FAB69-2536-4242-A051-49BED868E83E}"/>
-              </a:ext>
-            </a:extLst>
-          </p:cNvPr>
-          <p:cNvSpPr>
-            <a:spLocks noGrp="1"/>
-          </p:cNvSpPr>
-          <p:nvPr>
-            <p:ph type="body" sz="half" idx="2"/>
-          </p:nvPr>
-        </p:nvSpPr>
-        <p:spPr>
-          <a:xfrm>
-            <a:off x="839788" y="2057400"/>
-            <a:ext cx="3932237" cy="3811588"/>
-          </a:xfrm>
-        </p:spPr>
-        <p:txBody>
-          <a:bodyPr/>
-          <a:lstStyle>
-            <a:lvl1pPr marL="0" indent="0">
-              <a:buNone/>
-              <a:defRPr sz="1600"/>
-            </a:lvl1pPr>
-            <a:lvl2pPr marL="457200" indent="0">
-              <a:buNone/>
-              <a:defRPr sz="1400"/>
-            </a:lvl2pPr>
-            <a:lvl3pPr marL="914400" indent="0">
-              <a:buNone/>
-              <a:defRPr sz="1200"/>
-            </a:lvl3pPr>
-            <a:lvl4pPr marL="1371600" indent="0">
-              <a:buNone/>
-              <a:defRPr sz="1000"/>
-            </a:lvl4pPr>
-            <a:lvl5pPr marL="1828800" indent="0">
-              <a:buNone/>
-              <a:defRPr sz="1000"/>
-            </a:lvl5pPr>
-            <a:lvl6pPr marL="2286000" indent="0">
-              <a:buNone/>
-              <a:defRPr sz="1000"/>
-            </a:lvl6pPr>
-            <a:lvl7pPr marL="2743200" indent="0">
-              <a:buNone/>
-              <a:defRPr sz="1000"/>
-            </a:lvl7pPr>
-            <a:lvl8pPr marL="3200400" indent="0">
-              <a:buNone/>
-              <a:defRPr sz="1000"/>
-            </a:lvl8pPr>
-            <a:lvl9pPr marL="3657600" indent="0">
-              <a:buNone/>
-              <a:defRPr sz="1000"/>
-            </a:lvl9pPr>
-          </a:lstStyle>
-          <a:p>
-            <a:pPr lvl="0"/>
-            <a:r>
-              <a:rPr lang="en-US"/>
-              <a:t>Click to edit Master text styles</a:t>
-            </a:r>
-          </a:p>
-        </p:txBody>
-      </p:sp>
-      <p:sp>
-        <p:nvSpPr>
-          <p:cNvPr id="5" name="Date Placeholder 4">
-            <a:extLst>
-              <a:ext uri="{FF2B5EF4-FFF2-40B4-BE49-F238E27FC236}">
-                <a16:creationId xmlns:a16="http://schemas.microsoft.com/office/drawing/2014/main" id="{E4D5A149-D834-43FC-BC9A-202687E2DF41}"/>
-              </a:ext>
-            </a:extLst>
-          </p:cNvPr>
-          <p:cNvSpPr>
-            <a:spLocks noGrp="1"/>
-          </p:cNvSpPr>
-          <p:nvPr>
-            <p:ph type="dt" sz="half" idx="10"/>
-          </p:nvPr>
-        </p:nvSpPr>
-        <p:spPr/>
-        <p:txBody>
-          <a:bodyPr/>
-          <a:lstStyle/>
-          <a:p>
-            <a:fld id="{13014762-DFFB-4EBE-8655-EB0D0E44861E}" type="datetimeFigureOut">
-              <a:rPr lang="en-US" smtClean="0"/>
-              <a:t>2/19/2026</a:t>
-            </a:fld>
-            <a:endParaRPr lang="en-US"/>
-          </a:p>
-        </p:txBody>
-      </p:sp>
-      <p:sp>
-        <p:nvSpPr>
-          <p:cNvPr id="6" name="Footer Placeholder 5">
-            <a:extLst>
-              <a:ext uri="{FF2B5EF4-FFF2-40B4-BE49-F238E27FC236}">
-                <a16:creationId xmlns:a16="http://schemas.microsoft.com/office/drawing/2014/main" id="{0CAAEC10-F8A1-4167-A1E1-DDF70C091B12}"/>
-              </a:ext>
-            </a:extLst>
-          </p:cNvPr>
-          <p:cNvSpPr>
-            <a:spLocks noGrp="1"/>
-          </p:cNvSpPr>
-          <p:nvPr>
-            <p:ph type="ftr" sz="quarter" idx="11"/>
-          </p:nvPr>
-        </p:nvSpPr>
-        <p:spPr/>
-        <p:txBody>
-          <a:bodyPr/>
-          <a:lstStyle/>
-          <a:p>
-            <a:endParaRPr lang="en-US"/>
-          </a:p>
-        </p:txBody>
-      </p:sp>
-      <p:sp>
-        <p:nvSpPr>
-          <p:cNvPr id="7" name="Slide Number Placeholder 6">
-            <a:extLst>
-              <a:ext uri="{FF2B5EF4-FFF2-40B4-BE49-F238E27FC236}">
-                <a16:creationId xmlns:a16="http://schemas.microsoft.com/office/drawing/2014/main" id="{C00FAFD7-8C5E-4241-ADDF-33CB8DE03267}"/>
-              </a:ext>
-            </a:extLst>
-          </p:cNvPr>
-          <p:cNvSpPr>
-            <a:spLocks noGrp="1"/>
-          </p:cNvSpPr>
-          <p:nvPr>
-            <p:ph type="sldNum" sz="quarter" idx="12"/>
-          </p:nvPr>
-        </p:nvSpPr>
-        <p:spPr/>
-        <p:txBody>
-          <a:bodyPr/>
-          <a:lstStyle/>
-          <a:p>
-            <a:fld id="{698B0EB1-831C-4439-A09B-221EC37904F7}" type="slidenum">
-              <a:rPr lang="en-US" smtClean="0"/>
-              <a:t>‹#›</a:t>
-            </a:fld>
-            <a:endParaRPr lang="en-US"/>
-          </a:p>
-        </p:txBody>
-      </p:sp>
-    </p:spTree>
-    <p:extLst>
-      <p:ext uri="{BB962C8B-B14F-4D97-AF65-F5344CB8AC3E}">
-        <p14:creationId xmlns:p14="http://schemas.microsoft.com/office/powerpoint/2010/main" val="19572780"/>
-      </p:ext>
-    </p:extLst>
-  </p:cSld>
-  <p:clrMapOvr>
-    <a:masterClrMapping/>
-  </p:clrMapOvr>
-</p:sldLayout>
-</file>
-
-<file path=ppt/slideLayouts/slideLayout13.xml><?xml version="1.0" encoding="utf-8"?>
-<p:sldLayout xmlns:a="http://schemas.openxmlformats.org/drawingml/2006/main" xmlns:r="http://schemas.openxmlformats.org/officeDocument/2006/relationships" xmlns:p="http://schemas.openxmlformats.org/presentationml/2006/main" type="vertTx" preserve="1">
-  <p:cSld name="Title and Vertical Text">
-    <p:spTree>
-      <p:nvGrpSpPr>
-        <p:cNvPr id="1" name=""/>
-        <p:cNvGrpSpPr/>
-        <p:nvPr/>
-      </p:nvGrpSpPr>
-      <p:grpSpPr>
-        <a:xfrm>
-          <a:off x="0" y="0"/>
-          <a:ext cx="0" cy="0"/>
-          <a:chOff x="0" y="0"/>
-          <a:chExt cx="0" cy="0"/>
-        </a:xfrm>
-      </p:grpSpPr>
-      <p:sp>
-        <p:nvSpPr>
-          <p:cNvPr id="2" name="Title 1">
-            <a:extLst>
-              <a:ext uri="{FF2B5EF4-FFF2-40B4-BE49-F238E27FC236}">
-                <a16:creationId xmlns:a16="http://schemas.microsoft.com/office/drawing/2014/main" id="{CAF5659B-6963-492D-8016-EE3381971CD4}"/>
-              </a:ext>
-            </a:extLst>
-          </p:cNvPr>
-          <p:cNvSpPr>
-            <a:spLocks noGrp="1"/>
-          </p:cNvSpPr>
-          <p:nvPr>
-            <p:ph type="title"/>
-          </p:nvPr>
-        </p:nvSpPr>
-        <p:spPr/>
-        <p:txBody>
-          <a:bodyPr/>
-          <a:lstStyle/>
-          <a:p>
-            <a:r>
-              <a:rPr lang="en-US"/>
-              <a:t>Click to edit Master title style</a:t>
-            </a:r>
-          </a:p>
-        </p:txBody>
-      </p:sp>
-      <p:sp>
-        <p:nvSpPr>
-          <p:cNvPr id="3" name="Vertical Text Placeholder 2">
-            <a:extLst>
-              <a:ext uri="{FF2B5EF4-FFF2-40B4-BE49-F238E27FC236}">
-                <a16:creationId xmlns:a16="http://schemas.microsoft.com/office/drawing/2014/main" id="{214584C3-06E8-41AE-95D1-E3BD088AA1C1}"/>
-              </a:ext>
-            </a:extLst>
-          </p:cNvPr>
-          <p:cNvSpPr>
-            <a:spLocks noGrp="1"/>
-          </p:cNvSpPr>
-          <p:nvPr>
-            <p:ph type="body" orient="vert" idx="1"/>
-          </p:nvPr>
-        </p:nvSpPr>
-        <p:spPr/>
-        <p:txBody>
-          <a:bodyPr vert="eaVert"/>
-          <a:lstStyle/>
-          <a:p>
-            <a:pPr lvl="0"/>
-            <a:r>
-              <a:rPr lang="en-US"/>
-              <a:t>Click to edit Master text styles</a:t>
-            </a:r>
-          </a:p>
-          <a:p>
-            <a:pPr lvl="1"/>
-            <a:r>
-              <a:rPr lang="en-US"/>
-              <a:t>Second level</a:t>
-            </a:r>
-          </a:p>
-          <a:p>
-            <a:pPr lvl="2"/>
-            <a:r>
-              <a:rPr lang="en-US"/>
-              <a:t>Third level</a:t>
-            </a:r>
-          </a:p>
-          <a:p>
-            <a:pPr lvl="3"/>
-            <a:r>
-              <a:rPr lang="en-US"/>
-              <a:t>Fourth level</a:t>
-            </a:r>
-          </a:p>
-          <a:p>
-            <a:pPr lvl="4"/>
-            <a:r>
-              <a:rPr lang="en-US"/>
-              <a:t>Fifth level</a:t>
-            </a:r>
-          </a:p>
-        </p:txBody>
-      </p:sp>
-      <p:sp>
-        <p:nvSpPr>
-          <p:cNvPr id="4" name="Date Placeholder 3">
-            <a:extLst>
-              <a:ext uri="{FF2B5EF4-FFF2-40B4-BE49-F238E27FC236}">
-                <a16:creationId xmlns:a16="http://schemas.microsoft.com/office/drawing/2014/main" id="{7DECC6B3-6450-4C26-8B73-0CFCD3DFE12A}"/>
-              </a:ext>
-            </a:extLst>
-          </p:cNvPr>
-          <p:cNvSpPr>
-            <a:spLocks noGrp="1"/>
-          </p:cNvSpPr>
-          <p:nvPr>
-            <p:ph type="dt" sz="half" idx="10"/>
-          </p:nvPr>
-        </p:nvSpPr>
-        <p:spPr/>
-        <p:txBody>
-          <a:bodyPr/>
-          <a:lstStyle/>
-          <a:p>
-            <a:fld id="{13014762-DFFB-4EBE-8655-EB0D0E44861E}" type="datetimeFigureOut">
-              <a:rPr lang="en-US" smtClean="0"/>
-              <a:t>2/19/2026</a:t>
-            </a:fld>
-            <a:endParaRPr lang="en-US"/>
-          </a:p>
-        </p:txBody>
-      </p:sp>
-      <p:sp>
-        <p:nvSpPr>
-          <p:cNvPr id="5" name="Footer Placeholder 4">
-            <a:extLst>
-              <a:ext uri="{FF2B5EF4-FFF2-40B4-BE49-F238E27FC236}">
-                <a16:creationId xmlns:a16="http://schemas.microsoft.com/office/drawing/2014/main" id="{5318CFCF-8A5A-43F3-A1E1-3069AA971A57}"/>
-              </a:ext>
-            </a:extLst>
-          </p:cNvPr>
-          <p:cNvSpPr>
-            <a:spLocks noGrp="1"/>
-          </p:cNvSpPr>
-          <p:nvPr>
-            <p:ph type="ftr" sz="quarter" idx="11"/>
-          </p:nvPr>
-        </p:nvSpPr>
-        <p:spPr/>
-        <p:txBody>
-          <a:bodyPr/>
-          <a:lstStyle/>
-          <a:p>
-            <a:endParaRPr lang="en-US"/>
-          </a:p>
-        </p:txBody>
-      </p:sp>
-      <p:sp>
-        <p:nvSpPr>
-          <p:cNvPr id="6" name="Slide Number Placeholder 5">
-            <a:extLst>
-              <a:ext uri="{FF2B5EF4-FFF2-40B4-BE49-F238E27FC236}">
-                <a16:creationId xmlns:a16="http://schemas.microsoft.com/office/drawing/2014/main" id="{5E9F8B1E-962A-4D78-978E-A512A0E9DF6E}"/>
-              </a:ext>
-            </a:extLst>
-          </p:cNvPr>
-          <p:cNvSpPr>
-            <a:spLocks noGrp="1"/>
-          </p:cNvSpPr>
-          <p:nvPr>
-            <p:ph type="sldNum" sz="quarter" idx="12"/>
-          </p:nvPr>
-        </p:nvSpPr>
-        <p:spPr/>
-        <p:txBody>
-          <a:bodyPr/>
-          <a:lstStyle/>
-          <a:p>
-            <a:fld id="{698B0EB1-831C-4439-A09B-221EC37904F7}" type="slidenum">
-              <a:rPr lang="en-US" smtClean="0"/>
-              <a:t>‹#›</a:t>
-            </a:fld>
-            <a:endParaRPr lang="en-US"/>
-          </a:p>
-        </p:txBody>
-      </p:sp>
-    </p:spTree>
-    <p:extLst>
-      <p:ext uri="{BB962C8B-B14F-4D97-AF65-F5344CB8AC3E}">
-        <p14:creationId xmlns:p14="http://schemas.microsoft.com/office/powerpoint/2010/main" val="36385294"/>
-      </p:ext>
-    </p:extLst>
-  </p:cSld>
-  <p:clrMapOvr>
-    <a:masterClrMapping/>
-  </p:clrMapOvr>
-</p:sldLayout>
-</file>
-
-<file path=ppt/slideLayouts/slideLayout14.xml><?xml version="1.0" encoding="utf-8"?>
-<p:sldLayout xmlns:a="http://schemas.openxmlformats.org/drawingml/2006/main" xmlns:r="http://schemas.openxmlformats.org/officeDocument/2006/relationships" xmlns:p="http://schemas.openxmlformats.org/presentationml/2006/main" type="vertTitleAndTx" preserve="1">
-  <p:cSld name="Vertical Title and Text">
-    <p:spTree>
-      <p:nvGrpSpPr>
-        <p:cNvPr id="1" name=""/>
-        <p:cNvGrpSpPr/>
-        <p:nvPr/>
-      </p:nvGrpSpPr>
-      <p:grpSpPr>
-        <a:xfrm>
-          <a:off x="0" y="0"/>
-          <a:ext cx="0" cy="0"/>
-          <a:chOff x="0" y="0"/>
-          <a:chExt cx="0" cy="0"/>
-        </a:xfrm>
-      </p:grpSpPr>
-      <p:sp>
-        <p:nvSpPr>
-          <p:cNvPr id="2" name="Vertical Title 1">
-            <a:extLst>
-              <a:ext uri="{FF2B5EF4-FFF2-40B4-BE49-F238E27FC236}">
-                <a16:creationId xmlns:a16="http://schemas.microsoft.com/office/drawing/2014/main" id="{FFD0FA23-1206-4DF2-8AA8-0999EAF8011E}"/>
-              </a:ext>
-            </a:extLst>
-          </p:cNvPr>
-          <p:cNvSpPr>
-            <a:spLocks noGrp="1"/>
-          </p:cNvSpPr>
-          <p:nvPr>
-            <p:ph type="title" orient="vert"/>
-          </p:nvPr>
-        </p:nvSpPr>
-        <p:spPr>
-          <a:xfrm>
-            <a:off x="8724900" y="365125"/>
-            <a:ext cx="2628900" cy="5811838"/>
-          </a:xfrm>
-        </p:spPr>
-        <p:txBody>
-          <a:bodyPr vert="eaVert"/>
-          <a:lstStyle/>
-          <a:p>
-            <a:r>
-              <a:rPr lang="en-US"/>
-              <a:t>Click to edit Master title style</a:t>
-            </a:r>
-          </a:p>
-        </p:txBody>
-      </p:sp>
-      <p:sp>
-        <p:nvSpPr>
-          <p:cNvPr id="3" name="Vertical Text Placeholder 2">
-            <a:extLst>
-              <a:ext uri="{FF2B5EF4-FFF2-40B4-BE49-F238E27FC236}">
-                <a16:creationId xmlns:a16="http://schemas.microsoft.com/office/drawing/2014/main" id="{3B882FB8-7E82-4ECC-B1F4-A747F1BEBD9D}"/>
-              </a:ext>
-            </a:extLst>
-          </p:cNvPr>
-          <p:cNvSpPr>
-            <a:spLocks noGrp="1"/>
-          </p:cNvSpPr>
-          <p:nvPr>
-            <p:ph type="body" orient="vert" idx="1"/>
-          </p:nvPr>
-        </p:nvSpPr>
-        <p:spPr>
-          <a:xfrm>
-            <a:off x="838200" y="365125"/>
-            <a:ext cx="7734300" cy="5811838"/>
-          </a:xfrm>
-        </p:spPr>
-        <p:txBody>
-          <a:bodyPr vert="eaVert"/>
-          <a:lstStyle/>
-          <a:p>
-            <a:pPr lvl="0"/>
-            <a:r>
-              <a:rPr lang="en-US"/>
-              <a:t>Click to edit Master text styles</a:t>
-            </a:r>
-          </a:p>
-          <a:p>
-            <a:pPr lvl="1"/>
-            <a:r>
-              <a:rPr lang="en-US"/>
-              <a:t>Second level</a:t>
-            </a:r>
-          </a:p>
-          <a:p>
-            <a:pPr lvl="2"/>
-            <a:r>
-              <a:rPr lang="en-US"/>
-              <a:t>Third level</a:t>
-            </a:r>
-          </a:p>
-          <a:p>
-            <a:pPr lvl="3"/>
-            <a:r>
-              <a:rPr lang="en-US"/>
-              <a:t>Fourth level</a:t>
-            </a:r>
-          </a:p>
-          <a:p>
-            <a:pPr lvl="4"/>
-            <a:r>
-              <a:rPr lang="en-US"/>
-              <a:t>Fifth level</a:t>
-            </a:r>
-          </a:p>
-        </p:txBody>
-      </p:sp>
-      <p:sp>
-        <p:nvSpPr>
-          <p:cNvPr id="4" name="Date Placeholder 3">
-            <a:extLst>
-              <a:ext uri="{FF2B5EF4-FFF2-40B4-BE49-F238E27FC236}">
-                <a16:creationId xmlns:a16="http://schemas.microsoft.com/office/drawing/2014/main" id="{345F2896-FDAC-4D0A-9161-CF53F980F965}"/>
-              </a:ext>
-            </a:extLst>
-          </p:cNvPr>
-          <p:cNvSpPr>
-            <a:spLocks noGrp="1"/>
-          </p:cNvSpPr>
-          <p:nvPr>
-            <p:ph type="dt" sz="half" idx="10"/>
-          </p:nvPr>
-        </p:nvSpPr>
-        <p:spPr/>
-        <p:txBody>
-          <a:bodyPr/>
-          <a:lstStyle/>
-          <a:p>
-            <a:fld id="{13014762-DFFB-4EBE-8655-EB0D0E44861E}" type="datetimeFigureOut">
-              <a:rPr lang="en-US" smtClean="0"/>
-              <a:t>2/19/2026</a:t>
-            </a:fld>
-            <a:endParaRPr lang="en-US"/>
-          </a:p>
-        </p:txBody>
-      </p:sp>
-      <p:sp>
-        <p:nvSpPr>
-          <p:cNvPr id="5" name="Footer Placeholder 4">
-            <a:extLst>
-              <a:ext uri="{FF2B5EF4-FFF2-40B4-BE49-F238E27FC236}">
-                <a16:creationId xmlns:a16="http://schemas.microsoft.com/office/drawing/2014/main" id="{30343B7F-83F0-4671-8918-80CDEE283D8C}"/>
-              </a:ext>
-            </a:extLst>
-          </p:cNvPr>
-          <p:cNvSpPr>
-            <a:spLocks noGrp="1"/>
-          </p:cNvSpPr>
-          <p:nvPr>
-            <p:ph type="ftr" sz="quarter" idx="11"/>
-          </p:nvPr>
-        </p:nvSpPr>
-        <p:spPr/>
-        <p:txBody>
-          <a:bodyPr/>
-          <a:lstStyle/>
-          <a:p>
-            <a:endParaRPr lang="en-US"/>
-          </a:p>
-        </p:txBody>
-      </p:sp>
-      <p:sp>
-        <p:nvSpPr>
-          <p:cNvPr id="6" name="Slide Number Placeholder 5">
-            <a:extLst>
-              <a:ext uri="{FF2B5EF4-FFF2-40B4-BE49-F238E27FC236}">
-                <a16:creationId xmlns:a16="http://schemas.microsoft.com/office/drawing/2014/main" id="{2A1742F1-0E5D-42FE-AFA0-A4F5B15D35B2}"/>
-              </a:ext>
-            </a:extLst>
-          </p:cNvPr>
-          <p:cNvSpPr>
-            <a:spLocks noGrp="1"/>
-          </p:cNvSpPr>
-          <p:nvPr>
-            <p:ph type="sldNum" sz="quarter" idx="12"/>
-          </p:nvPr>
-        </p:nvSpPr>
-        <p:spPr/>
-        <p:txBody>
-          <a:bodyPr/>
-          <a:lstStyle/>
-          <a:p>
-            <a:fld id="{698B0EB1-831C-4439-A09B-221EC37904F7}" type="slidenum">
-              <a:rPr lang="en-US" smtClean="0"/>
-              <a:t>‹#›</a:t>
-            </a:fld>
-            <a:endParaRPr lang="en-US"/>
-          </a:p>
-        </p:txBody>
-      </p:sp>
-    </p:spTree>
-    <p:extLst>
-      <p:ext uri="{BB962C8B-B14F-4D97-AF65-F5344CB8AC3E}">
-        <p14:creationId xmlns:p14="http://schemas.microsoft.com/office/powerpoint/2010/main" val="593627078"/>
-      </p:ext>
-    </p:extLst>
-  </p:cSld>
-  <p:clrMapOvr>
-    <a:masterClrMapping/>
-  </p:clrMapOvr>
-</p:sldLayout>
-</file>
-
-<file path=ppt/slideLayouts/slideLayout2.xml><?xml version="1.0" encoding="utf-8"?>
-<p:sldLayout xmlns:a="http://schemas.openxmlformats.org/drawingml/2006/main" xmlns:r="http://schemas.openxmlformats.org/officeDocument/2006/relationships" xmlns:p="http://schemas.openxmlformats.org/presentationml/2006/main" preserve="1" userDrawn="1">
-  <p:cSld name="Custom Layout">
-    <p:spTree>
-      <p:nvGrpSpPr>
-        <p:cNvPr id="1" name=""/>
-        <p:cNvGrpSpPr/>
-        <p:nvPr/>
-      </p:nvGrpSpPr>
-      <p:grpSpPr>
-        <a:xfrm>
-          <a:off x="0" y="0"/>
-          <a:ext cx="0" cy="0"/>
-          <a:chOff x="0" y="0"/>
-          <a:chExt cx="0" cy="0"/>
-        </a:xfrm>
-      </p:grpSpPr>
-      <p:sp>
-        <p:nvSpPr>
-          <p:cNvPr id="2" name="Title 1">
-            <a:extLst>
-              <a:ext uri="{FF2B5EF4-FFF2-40B4-BE49-F238E27FC236}">
-                <a16:creationId xmlns:a16="http://schemas.microsoft.com/office/drawing/2014/main" id="{0CDA8AA7-8EA0-59A2-B496-71DF0D135F02}"/>
-              </a:ext>
-            </a:extLst>
-          </p:cNvPr>
-          <p:cNvSpPr>
-            <a:spLocks noGrp="1"/>
-          </p:cNvSpPr>
-          <p:nvPr>
-            <p:ph type="title"/>
-          </p:nvPr>
-        </p:nvSpPr>
-        <p:spPr/>
-        <p:txBody>
-          <a:bodyPr/>
-          <a:lstStyle/>
-          <a:p>
-            <a:r>
-              <a:rPr lang="en-US"/>
-              <a:t>Click to edit Master title style</a:t>
-            </a:r>
-          </a:p>
-        </p:txBody>
-      </p:sp>
-      <p:sp>
-        <p:nvSpPr>
-          <p:cNvPr id="3" name="Date Placeholder 2">
-            <a:extLst>
-              <a:ext uri="{FF2B5EF4-FFF2-40B4-BE49-F238E27FC236}">
-                <a16:creationId xmlns:a16="http://schemas.microsoft.com/office/drawing/2014/main" id="{BA49D652-4E7E-92A9-BF62-A14DE5F061F4}"/>
-              </a:ext>
-            </a:extLst>
-          </p:cNvPr>
-          <p:cNvSpPr>
-            <a:spLocks noGrp="1"/>
-          </p:cNvSpPr>
-          <p:nvPr>
-            <p:ph type="dt" sz="half" idx="10"/>
-          </p:nvPr>
-        </p:nvSpPr>
-        <p:spPr/>
-        <p:txBody>
-          <a:bodyPr/>
-          <a:lstStyle/>
-          <a:p>
-            <a:fld id="{13014762-DFFB-4EBE-8655-EB0D0E44861E}" type="datetimeFigureOut">
-              <a:rPr lang="en-US" smtClean="0"/>
-              <a:t>2/19/2026</a:t>
-            </a:fld>
-            <a:endParaRPr lang="en-US"/>
-          </a:p>
-        </p:txBody>
-      </p:sp>
-      <p:sp>
-        <p:nvSpPr>
-          <p:cNvPr id="4" name="Footer Placeholder 3">
-            <a:extLst>
-              <a:ext uri="{FF2B5EF4-FFF2-40B4-BE49-F238E27FC236}">
-                <a16:creationId xmlns:a16="http://schemas.microsoft.com/office/drawing/2014/main" id="{D733C40B-E264-B308-7B73-F01C193F1EBF}"/>
-              </a:ext>
-            </a:extLst>
-          </p:cNvPr>
-          <p:cNvSpPr>
-            <a:spLocks noGrp="1"/>
-          </p:cNvSpPr>
-          <p:nvPr>
-            <p:ph type="ftr" sz="quarter" idx="11"/>
-          </p:nvPr>
-        </p:nvSpPr>
-        <p:spPr/>
-        <p:txBody>
-          <a:bodyPr/>
-          <a:lstStyle/>
-          <a:p>
-            <a:endParaRPr lang="en-US"/>
-          </a:p>
-        </p:txBody>
-      </p:sp>
-      <p:sp>
-        <p:nvSpPr>
-          <p:cNvPr id="5" name="Slide Number Placeholder 4">
-            <a:extLst>
-              <a:ext uri="{FF2B5EF4-FFF2-40B4-BE49-F238E27FC236}">
-                <a16:creationId xmlns:a16="http://schemas.microsoft.com/office/drawing/2014/main" id="{6032C9BD-71E5-5F2C-D1DE-F17F1267F704}"/>
-              </a:ext>
-            </a:extLst>
-          </p:cNvPr>
-          <p:cNvSpPr>
-            <a:spLocks noGrp="1"/>
-          </p:cNvSpPr>
-          <p:nvPr>
-            <p:ph type="sldNum" sz="quarter" idx="12"/>
-          </p:nvPr>
-        </p:nvSpPr>
-        <p:spPr/>
-        <p:txBody>
-          <a:bodyPr/>
-          <a:lstStyle/>
-          <a:p>
-            <a:fld id="{698B0EB1-831C-4439-A09B-221EC37904F7}" type="slidenum">
-              <a:rPr lang="en-US" smtClean="0"/>
-              <a:t>‹#›</a:t>
-            </a:fld>
-            <a:endParaRPr lang="en-US"/>
-          </a:p>
-        </p:txBody>
-      </p:sp>
-    </p:spTree>
-    <p:extLst>
-      <p:ext uri="{BB962C8B-B14F-4D97-AF65-F5344CB8AC3E}">
-        <p14:creationId xmlns:p14="http://schemas.microsoft.com/office/powerpoint/2010/main" val="845933481"/>
-      </p:ext>
-    </p:extLst>
-  </p:cSld>
-  <p:clrMapOvr>
-    <a:masterClrMapping/>
-  </p:clrMapOvr>
-</p:sldLayout>
-</file>
-
 <file path=ppt/slideLayouts/slideLayout3.xml><?xml version="1.0" encoding="utf-8"?>
 <p:sldLayout xmlns:a="http://schemas.openxmlformats.org/drawingml/2006/main" xmlns:r="http://schemas.openxmlformats.org/officeDocument/2006/relationships" xmlns:p="http://schemas.openxmlformats.org/presentationml/2006/main" preserve="1" userDrawn="1">
   <p:cSld name="Q&amp;A 2">
@@ -7001,8 +7009,8 @@
   </p:cSld>
   <p:clrMap bg1="lt1" tx1="dk1" bg2="lt2" tx2="dk2" accent1="accent1" accent2="accent2" accent3="accent3" accent4="accent4" accent5="accent5" accent6="accent6" hlink="hlink" folHlink="folHlink"/>
   <p:sldLayoutIdLst>
-    <p:sldLayoutId id="2147483649" r:id="rId1"/>
-    <p:sldLayoutId id="2147483662" r:id="rId2"/>
+    <p:sldLayoutId id="2147483662" r:id="rId1"/>
+    <p:sldLayoutId id="2147483649" r:id="rId2"/>
     <p:sldLayoutId id="2147483664" r:id="rId3"/>
     <p:sldLayoutId id="2147483660" r:id="rId4"/>
     <p:sldLayoutId id="2147483650" r:id="rId5"/>

--- a/alcoholquestions.pptx
+++ b/alcoholquestions.pptx
@@ -134,7 +134,7 @@
   <pc:docChgLst>
     <pc:chgData name="Brennan Brown" userId="bcf6cc9e-21d7-4e63-b7dc-a8459bd698b0" providerId="ADAL" clId="{30F1509B-5785-4C08-8791-C8021B43727B}"/>
     <pc:docChg chg="undo redo custSel addSld delSld modSld sldOrd delMainMaster modMainMaster">
-      <pc:chgData name="Brennan Brown" userId="bcf6cc9e-21d7-4e63-b7dc-a8459bd698b0" providerId="ADAL" clId="{30F1509B-5785-4C08-8791-C8021B43727B}" dt="2026-02-19T15:39:33.523" v="281" actId="20578"/>
+      <pc:chgData name="Brennan Brown" userId="bcf6cc9e-21d7-4e63-b7dc-a8459bd698b0" providerId="ADAL" clId="{30F1509B-5785-4C08-8791-C8021B43727B}" dt="2026-02-19T15:39:35.459" v="282" actId="20578"/>
       <pc:docMkLst>
         <pc:docMk/>
       </pc:docMkLst>
@@ -561,7 +561,7 @@
         </pc:picChg>
       </pc:sldChg>
       <pc:sldMasterChg chg="modSldLayout sldLayoutOrd">
-        <pc:chgData name="Brennan Brown" userId="bcf6cc9e-21d7-4e63-b7dc-a8459bd698b0" providerId="ADAL" clId="{30F1509B-5785-4C08-8791-C8021B43727B}" dt="2026-02-19T15:39:33.523" v="281" actId="20578"/>
+        <pc:chgData name="Brennan Brown" userId="bcf6cc9e-21d7-4e63-b7dc-a8459bd698b0" providerId="ADAL" clId="{30F1509B-5785-4C08-8791-C8021B43727B}" dt="2026-02-19T15:39:35.459" v="282" actId="20578"/>
         <pc:sldMasterMkLst>
           <pc:docMk/>
           <pc:sldMasterMk cId="2719746289" sldId="2147483648"/>
@@ -719,7 +719,7 @@
           </pc:spChg>
         </pc:sldLayoutChg>
         <pc:sldLayoutChg chg="ord">
-          <pc:chgData name="Brennan Brown" userId="bcf6cc9e-21d7-4e63-b7dc-a8459bd698b0" providerId="ADAL" clId="{30F1509B-5785-4C08-8791-C8021B43727B}" dt="2026-02-19T15:39:33.523" v="281" actId="20578"/>
+          <pc:chgData name="Brennan Brown" userId="bcf6cc9e-21d7-4e63-b7dc-a8459bd698b0" providerId="ADAL" clId="{30F1509B-5785-4C08-8791-C8021B43727B}" dt="2026-02-19T15:39:35.459" v="282" actId="20578"/>
           <pc:sldLayoutMkLst>
             <pc:docMk/>
             <pc:sldMasterMk cId="2719746289" sldId="2147483648"/>
@@ -800,1268 +800,6 @@
 </file>
 
 <file path=ppt/slideLayouts/slideLayout1.xml><?xml version="1.0" encoding="utf-8"?>
-<p:sldLayout xmlns:a="http://schemas.openxmlformats.org/drawingml/2006/main" xmlns:r="http://schemas.openxmlformats.org/officeDocument/2006/relationships" xmlns:p="http://schemas.openxmlformats.org/presentationml/2006/main" preserve="1" userDrawn="1">
-  <p:cSld name="Custom Layout">
-    <p:spTree>
-      <p:nvGrpSpPr>
-        <p:cNvPr id="1" name=""/>
-        <p:cNvGrpSpPr/>
-        <p:nvPr/>
-      </p:nvGrpSpPr>
-      <p:grpSpPr>
-        <a:xfrm>
-          <a:off x="0" y="0"/>
-          <a:ext cx="0" cy="0"/>
-          <a:chOff x="0" y="0"/>
-          <a:chExt cx="0" cy="0"/>
-        </a:xfrm>
-      </p:grpSpPr>
-      <p:sp>
-        <p:nvSpPr>
-          <p:cNvPr id="2" name="Title 1">
-            <a:extLst>
-              <a:ext uri="{FF2B5EF4-FFF2-40B4-BE49-F238E27FC236}">
-                <a16:creationId xmlns:a16="http://schemas.microsoft.com/office/drawing/2014/main" id="{0CDA8AA7-8EA0-59A2-B496-71DF0D135F02}"/>
-              </a:ext>
-            </a:extLst>
-          </p:cNvPr>
-          <p:cNvSpPr>
-            <a:spLocks noGrp="1"/>
-          </p:cNvSpPr>
-          <p:nvPr>
-            <p:ph type="title"/>
-          </p:nvPr>
-        </p:nvSpPr>
-        <p:spPr/>
-        <p:txBody>
-          <a:bodyPr/>
-          <a:lstStyle/>
-          <a:p>
-            <a:r>
-              <a:rPr lang="en-US"/>
-              <a:t>Click to edit Master title style</a:t>
-            </a:r>
-          </a:p>
-        </p:txBody>
-      </p:sp>
-      <p:sp>
-        <p:nvSpPr>
-          <p:cNvPr id="3" name="Date Placeholder 2">
-            <a:extLst>
-              <a:ext uri="{FF2B5EF4-FFF2-40B4-BE49-F238E27FC236}">
-                <a16:creationId xmlns:a16="http://schemas.microsoft.com/office/drawing/2014/main" id="{BA49D652-4E7E-92A9-BF62-A14DE5F061F4}"/>
-              </a:ext>
-            </a:extLst>
-          </p:cNvPr>
-          <p:cNvSpPr>
-            <a:spLocks noGrp="1"/>
-          </p:cNvSpPr>
-          <p:nvPr>
-            <p:ph type="dt" sz="half" idx="10"/>
-          </p:nvPr>
-        </p:nvSpPr>
-        <p:spPr/>
-        <p:txBody>
-          <a:bodyPr/>
-          <a:lstStyle/>
-          <a:p>
-            <a:fld id="{13014762-DFFB-4EBE-8655-EB0D0E44861E}" type="datetimeFigureOut">
-              <a:rPr lang="en-US" smtClean="0"/>
-              <a:t>2/19/2026</a:t>
-            </a:fld>
-            <a:endParaRPr lang="en-US"/>
-          </a:p>
-        </p:txBody>
-      </p:sp>
-      <p:sp>
-        <p:nvSpPr>
-          <p:cNvPr id="4" name="Footer Placeholder 3">
-            <a:extLst>
-              <a:ext uri="{FF2B5EF4-FFF2-40B4-BE49-F238E27FC236}">
-                <a16:creationId xmlns:a16="http://schemas.microsoft.com/office/drawing/2014/main" id="{D733C40B-E264-B308-7B73-F01C193F1EBF}"/>
-              </a:ext>
-            </a:extLst>
-          </p:cNvPr>
-          <p:cNvSpPr>
-            <a:spLocks noGrp="1"/>
-          </p:cNvSpPr>
-          <p:nvPr>
-            <p:ph type="ftr" sz="quarter" idx="11"/>
-          </p:nvPr>
-        </p:nvSpPr>
-        <p:spPr/>
-        <p:txBody>
-          <a:bodyPr/>
-          <a:lstStyle/>
-          <a:p>
-            <a:endParaRPr lang="en-US"/>
-          </a:p>
-        </p:txBody>
-      </p:sp>
-      <p:sp>
-        <p:nvSpPr>
-          <p:cNvPr id="5" name="Slide Number Placeholder 4">
-            <a:extLst>
-              <a:ext uri="{FF2B5EF4-FFF2-40B4-BE49-F238E27FC236}">
-                <a16:creationId xmlns:a16="http://schemas.microsoft.com/office/drawing/2014/main" id="{6032C9BD-71E5-5F2C-D1DE-F17F1267F704}"/>
-              </a:ext>
-            </a:extLst>
-          </p:cNvPr>
-          <p:cNvSpPr>
-            <a:spLocks noGrp="1"/>
-          </p:cNvSpPr>
-          <p:nvPr>
-            <p:ph type="sldNum" sz="quarter" idx="12"/>
-          </p:nvPr>
-        </p:nvSpPr>
-        <p:spPr/>
-        <p:txBody>
-          <a:bodyPr/>
-          <a:lstStyle/>
-          <a:p>
-            <a:fld id="{698B0EB1-831C-4439-A09B-221EC37904F7}" type="slidenum">
-              <a:rPr lang="en-US" smtClean="0"/>
-              <a:t>‹#›</a:t>
-            </a:fld>
-            <a:endParaRPr lang="en-US"/>
-          </a:p>
-        </p:txBody>
-      </p:sp>
-    </p:spTree>
-    <p:extLst>
-      <p:ext uri="{BB962C8B-B14F-4D97-AF65-F5344CB8AC3E}">
-        <p14:creationId xmlns:p14="http://schemas.microsoft.com/office/powerpoint/2010/main" val="845933481"/>
-      </p:ext>
-    </p:extLst>
-  </p:cSld>
-  <p:clrMapOvr>
-    <a:masterClrMapping/>
-  </p:clrMapOvr>
-</p:sldLayout>
-</file>
-
-<file path=ppt/slideLayouts/slideLayout10.xml><?xml version="1.0" encoding="utf-8"?>
-<p:sldLayout xmlns:a="http://schemas.openxmlformats.org/drawingml/2006/main" xmlns:r="http://schemas.openxmlformats.org/officeDocument/2006/relationships" xmlns:p="http://schemas.openxmlformats.org/presentationml/2006/main" type="blank" preserve="1">
-  <p:cSld name="Blank">
-    <p:spTree>
-      <p:nvGrpSpPr>
-        <p:cNvPr id="1" name=""/>
-        <p:cNvGrpSpPr/>
-        <p:nvPr/>
-      </p:nvGrpSpPr>
-      <p:grpSpPr>
-        <a:xfrm>
-          <a:off x="0" y="0"/>
-          <a:ext cx="0" cy="0"/>
-          <a:chOff x="0" y="0"/>
-          <a:chExt cx="0" cy="0"/>
-        </a:xfrm>
-      </p:grpSpPr>
-      <p:sp>
-        <p:nvSpPr>
-          <p:cNvPr id="2" name="Date Placeholder 1">
-            <a:extLst>
-              <a:ext uri="{FF2B5EF4-FFF2-40B4-BE49-F238E27FC236}">
-                <a16:creationId xmlns:a16="http://schemas.microsoft.com/office/drawing/2014/main" id="{F527DD7A-35FD-4374-8631-FFA5E1259E09}"/>
-              </a:ext>
-            </a:extLst>
-          </p:cNvPr>
-          <p:cNvSpPr>
-            <a:spLocks noGrp="1"/>
-          </p:cNvSpPr>
-          <p:nvPr>
-            <p:ph type="dt" sz="half" idx="10"/>
-          </p:nvPr>
-        </p:nvSpPr>
-        <p:spPr/>
-        <p:txBody>
-          <a:bodyPr/>
-          <a:lstStyle/>
-          <a:p>
-            <a:fld id="{13014762-DFFB-4EBE-8655-EB0D0E44861E}" type="datetimeFigureOut">
-              <a:rPr lang="en-US" smtClean="0"/>
-              <a:t>2/19/2026</a:t>
-            </a:fld>
-            <a:endParaRPr lang="en-US"/>
-          </a:p>
-        </p:txBody>
-      </p:sp>
-      <p:sp>
-        <p:nvSpPr>
-          <p:cNvPr id="3" name="Footer Placeholder 2">
-            <a:extLst>
-              <a:ext uri="{FF2B5EF4-FFF2-40B4-BE49-F238E27FC236}">
-                <a16:creationId xmlns:a16="http://schemas.microsoft.com/office/drawing/2014/main" id="{FA1CAD15-EA38-42C9-9F11-CDB7DDBA3079}"/>
-              </a:ext>
-            </a:extLst>
-          </p:cNvPr>
-          <p:cNvSpPr>
-            <a:spLocks noGrp="1"/>
-          </p:cNvSpPr>
-          <p:nvPr>
-            <p:ph type="ftr" sz="quarter" idx="11"/>
-          </p:nvPr>
-        </p:nvSpPr>
-        <p:spPr/>
-        <p:txBody>
-          <a:bodyPr/>
-          <a:lstStyle/>
-          <a:p>
-            <a:endParaRPr lang="en-US"/>
-          </a:p>
-        </p:txBody>
-      </p:sp>
-      <p:sp>
-        <p:nvSpPr>
-          <p:cNvPr id="4" name="Slide Number Placeholder 3">
-            <a:extLst>
-              <a:ext uri="{FF2B5EF4-FFF2-40B4-BE49-F238E27FC236}">
-                <a16:creationId xmlns:a16="http://schemas.microsoft.com/office/drawing/2014/main" id="{58C030A8-FBDF-47AF-819D-2F006685B502}"/>
-              </a:ext>
-            </a:extLst>
-          </p:cNvPr>
-          <p:cNvSpPr>
-            <a:spLocks noGrp="1"/>
-          </p:cNvSpPr>
-          <p:nvPr>
-            <p:ph type="sldNum" sz="quarter" idx="12"/>
-          </p:nvPr>
-        </p:nvSpPr>
-        <p:spPr/>
-        <p:txBody>
-          <a:bodyPr/>
-          <a:lstStyle/>
-          <a:p>
-            <a:fld id="{698B0EB1-831C-4439-A09B-221EC37904F7}" type="slidenum">
-              <a:rPr lang="en-US" smtClean="0"/>
-              <a:t>‹#›</a:t>
-            </a:fld>
-            <a:endParaRPr lang="en-US"/>
-          </a:p>
-        </p:txBody>
-      </p:sp>
-    </p:spTree>
-    <p:extLst>
-      <p:ext uri="{BB962C8B-B14F-4D97-AF65-F5344CB8AC3E}">
-        <p14:creationId xmlns:p14="http://schemas.microsoft.com/office/powerpoint/2010/main" val="66846930"/>
-      </p:ext>
-    </p:extLst>
-  </p:cSld>
-  <p:clrMapOvr>
-    <a:masterClrMapping/>
-  </p:clrMapOvr>
-</p:sldLayout>
-</file>
-
-<file path=ppt/slideLayouts/slideLayout11.xml><?xml version="1.0" encoding="utf-8"?>
-<p:sldLayout xmlns:a="http://schemas.openxmlformats.org/drawingml/2006/main" xmlns:r="http://schemas.openxmlformats.org/officeDocument/2006/relationships" xmlns:p="http://schemas.openxmlformats.org/presentationml/2006/main" type="objTx" preserve="1">
-  <p:cSld name="Content with Caption">
-    <p:spTree>
-      <p:nvGrpSpPr>
-        <p:cNvPr id="1" name=""/>
-        <p:cNvGrpSpPr/>
-        <p:nvPr/>
-      </p:nvGrpSpPr>
-      <p:grpSpPr>
-        <a:xfrm>
-          <a:off x="0" y="0"/>
-          <a:ext cx="0" cy="0"/>
-          <a:chOff x="0" y="0"/>
-          <a:chExt cx="0" cy="0"/>
-        </a:xfrm>
-      </p:grpSpPr>
-      <p:sp>
-        <p:nvSpPr>
-          <p:cNvPr id="2" name="Title 1">
-            <a:extLst>
-              <a:ext uri="{FF2B5EF4-FFF2-40B4-BE49-F238E27FC236}">
-                <a16:creationId xmlns:a16="http://schemas.microsoft.com/office/drawing/2014/main" id="{F092F68E-F5B2-421B-A02C-D7D87542B602}"/>
-              </a:ext>
-            </a:extLst>
-          </p:cNvPr>
-          <p:cNvSpPr>
-            <a:spLocks noGrp="1"/>
-          </p:cNvSpPr>
-          <p:nvPr>
-            <p:ph type="title"/>
-          </p:nvPr>
-        </p:nvSpPr>
-        <p:spPr>
-          <a:xfrm>
-            <a:off x="839788" y="457200"/>
-            <a:ext cx="3932237" cy="1600200"/>
-          </a:xfrm>
-        </p:spPr>
-        <p:txBody>
-          <a:bodyPr anchor="b"/>
-          <a:lstStyle>
-            <a:lvl1pPr>
-              <a:defRPr sz="3200"/>
-            </a:lvl1pPr>
-          </a:lstStyle>
-          <a:p>
-            <a:r>
-              <a:rPr lang="en-US"/>
-              <a:t>Click to edit Master title style</a:t>
-            </a:r>
-          </a:p>
-        </p:txBody>
-      </p:sp>
-      <p:sp>
-        <p:nvSpPr>
-          <p:cNvPr id="3" name="Content Placeholder 2">
-            <a:extLst>
-              <a:ext uri="{FF2B5EF4-FFF2-40B4-BE49-F238E27FC236}">
-                <a16:creationId xmlns:a16="http://schemas.microsoft.com/office/drawing/2014/main" id="{510EDD4C-9ED6-4238-A516-E584D502D2E8}"/>
-              </a:ext>
-            </a:extLst>
-          </p:cNvPr>
-          <p:cNvSpPr>
-            <a:spLocks noGrp="1"/>
-          </p:cNvSpPr>
-          <p:nvPr>
-            <p:ph idx="1"/>
-          </p:nvPr>
-        </p:nvSpPr>
-        <p:spPr>
-          <a:xfrm>
-            <a:off x="5183188" y="987425"/>
-            <a:ext cx="6172200" cy="4873625"/>
-          </a:xfrm>
-        </p:spPr>
-        <p:txBody>
-          <a:bodyPr/>
-          <a:lstStyle>
-            <a:lvl1pPr>
-              <a:defRPr sz="3200"/>
-            </a:lvl1pPr>
-            <a:lvl2pPr>
-              <a:defRPr sz="2800"/>
-            </a:lvl2pPr>
-            <a:lvl3pPr>
-              <a:defRPr sz="2400"/>
-            </a:lvl3pPr>
-            <a:lvl4pPr>
-              <a:defRPr sz="2000"/>
-            </a:lvl4pPr>
-            <a:lvl5pPr>
-              <a:defRPr sz="2000"/>
-            </a:lvl5pPr>
-            <a:lvl6pPr>
-              <a:defRPr sz="2000"/>
-            </a:lvl6pPr>
-            <a:lvl7pPr>
-              <a:defRPr sz="2000"/>
-            </a:lvl7pPr>
-            <a:lvl8pPr>
-              <a:defRPr sz="2000"/>
-            </a:lvl8pPr>
-            <a:lvl9pPr>
-              <a:defRPr sz="2000"/>
-            </a:lvl9pPr>
-          </a:lstStyle>
-          <a:p>
-            <a:pPr lvl="0"/>
-            <a:r>
-              <a:rPr lang="en-US"/>
-              <a:t>Click to edit Master text styles</a:t>
-            </a:r>
-          </a:p>
-          <a:p>
-            <a:pPr lvl="1"/>
-            <a:r>
-              <a:rPr lang="en-US"/>
-              <a:t>Second level</a:t>
-            </a:r>
-          </a:p>
-          <a:p>
-            <a:pPr lvl="2"/>
-            <a:r>
-              <a:rPr lang="en-US"/>
-              <a:t>Third level</a:t>
-            </a:r>
-          </a:p>
-          <a:p>
-            <a:pPr lvl="3"/>
-            <a:r>
-              <a:rPr lang="en-US"/>
-              <a:t>Fourth level</a:t>
-            </a:r>
-          </a:p>
-          <a:p>
-            <a:pPr lvl="4"/>
-            <a:r>
-              <a:rPr lang="en-US"/>
-              <a:t>Fifth level</a:t>
-            </a:r>
-          </a:p>
-        </p:txBody>
-      </p:sp>
-      <p:sp>
-        <p:nvSpPr>
-          <p:cNvPr id="4" name="Text Placeholder 3">
-            <a:extLst>
-              <a:ext uri="{FF2B5EF4-FFF2-40B4-BE49-F238E27FC236}">
-                <a16:creationId xmlns:a16="http://schemas.microsoft.com/office/drawing/2014/main" id="{8278C6F1-AAB9-4723-99F8-CFBA073A750A}"/>
-              </a:ext>
-            </a:extLst>
-          </p:cNvPr>
-          <p:cNvSpPr>
-            <a:spLocks noGrp="1"/>
-          </p:cNvSpPr>
-          <p:nvPr>
-            <p:ph type="body" sz="half" idx="2"/>
-          </p:nvPr>
-        </p:nvSpPr>
-        <p:spPr>
-          <a:xfrm>
-            <a:off x="839788" y="2057400"/>
-            <a:ext cx="3932237" cy="3811588"/>
-          </a:xfrm>
-        </p:spPr>
-        <p:txBody>
-          <a:bodyPr/>
-          <a:lstStyle>
-            <a:lvl1pPr marL="0" indent="0">
-              <a:buNone/>
-              <a:defRPr sz="1600"/>
-            </a:lvl1pPr>
-            <a:lvl2pPr marL="457200" indent="0">
-              <a:buNone/>
-              <a:defRPr sz="1400"/>
-            </a:lvl2pPr>
-            <a:lvl3pPr marL="914400" indent="0">
-              <a:buNone/>
-              <a:defRPr sz="1200"/>
-            </a:lvl3pPr>
-            <a:lvl4pPr marL="1371600" indent="0">
-              <a:buNone/>
-              <a:defRPr sz="1000"/>
-            </a:lvl4pPr>
-            <a:lvl5pPr marL="1828800" indent="0">
-              <a:buNone/>
-              <a:defRPr sz="1000"/>
-            </a:lvl5pPr>
-            <a:lvl6pPr marL="2286000" indent="0">
-              <a:buNone/>
-              <a:defRPr sz="1000"/>
-            </a:lvl6pPr>
-            <a:lvl7pPr marL="2743200" indent="0">
-              <a:buNone/>
-              <a:defRPr sz="1000"/>
-            </a:lvl7pPr>
-            <a:lvl8pPr marL="3200400" indent="0">
-              <a:buNone/>
-              <a:defRPr sz="1000"/>
-            </a:lvl8pPr>
-            <a:lvl9pPr marL="3657600" indent="0">
-              <a:buNone/>
-              <a:defRPr sz="1000"/>
-            </a:lvl9pPr>
-          </a:lstStyle>
-          <a:p>
-            <a:pPr lvl="0"/>
-            <a:r>
-              <a:rPr lang="en-US"/>
-              <a:t>Click to edit Master text styles</a:t>
-            </a:r>
-          </a:p>
-        </p:txBody>
-      </p:sp>
-      <p:sp>
-        <p:nvSpPr>
-          <p:cNvPr id="5" name="Date Placeholder 4">
-            <a:extLst>
-              <a:ext uri="{FF2B5EF4-FFF2-40B4-BE49-F238E27FC236}">
-                <a16:creationId xmlns:a16="http://schemas.microsoft.com/office/drawing/2014/main" id="{FA5C6B83-F23B-4AEC-9CCB-BEC01613551C}"/>
-              </a:ext>
-            </a:extLst>
-          </p:cNvPr>
-          <p:cNvSpPr>
-            <a:spLocks noGrp="1"/>
-          </p:cNvSpPr>
-          <p:nvPr>
-            <p:ph type="dt" sz="half" idx="10"/>
-          </p:nvPr>
-        </p:nvSpPr>
-        <p:spPr/>
-        <p:txBody>
-          <a:bodyPr/>
-          <a:lstStyle/>
-          <a:p>
-            <a:fld id="{13014762-DFFB-4EBE-8655-EB0D0E44861E}" type="datetimeFigureOut">
-              <a:rPr lang="en-US" smtClean="0"/>
-              <a:t>2/19/2026</a:t>
-            </a:fld>
-            <a:endParaRPr lang="en-US"/>
-          </a:p>
-        </p:txBody>
-      </p:sp>
-      <p:sp>
-        <p:nvSpPr>
-          <p:cNvPr id="6" name="Footer Placeholder 5">
-            <a:extLst>
-              <a:ext uri="{FF2B5EF4-FFF2-40B4-BE49-F238E27FC236}">
-                <a16:creationId xmlns:a16="http://schemas.microsoft.com/office/drawing/2014/main" id="{BB4D1C9D-67F8-4160-A6B6-1C5BBC968F2C}"/>
-              </a:ext>
-            </a:extLst>
-          </p:cNvPr>
-          <p:cNvSpPr>
-            <a:spLocks noGrp="1"/>
-          </p:cNvSpPr>
-          <p:nvPr>
-            <p:ph type="ftr" sz="quarter" idx="11"/>
-          </p:nvPr>
-        </p:nvSpPr>
-        <p:spPr/>
-        <p:txBody>
-          <a:bodyPr/>
-          <a:lstStyle/>
-          <a:p>
-            <a:endParaRPr lang="en-US"/>
-          </a:p>
-        </p:txBody>
-      </p:sp>
-      <p:sp>
-        <p:nvSpPr>
-          <p:cNvPr id="7" name="Slide Number Placeholder 6">
-            <a:extLst>
-              <a:ext uri="{FF2B5EF4-FFF2-40B4-BE49-F238E27FC236}">
-                <a16:creationId xmlns:a16="http://schemas.microsoft.com/office/drawing/2014/main" id="{38076209-E739-4BB1-81B0-679D756F5155}"/>
-              </a:ext>
-            </a:extLst>
-          </p:cNvPr>
-          <p:cNvSpPr>
-            <a:spLocks noGrp="1"/>
-          </p:cNvSpPr>
-          <p:nvPr>
-            <p:ph type="sldNum" sz="quarter" idx="12"/>
-          </p:nvPr>
-        </p:nvSpPr>
-        <p:spPr/>
-        <p:txBody>
-          <a:bodyPr/>
-          <a:lstStyle/>
-          <a:p>
-            <a:fld id="{698B0EB1-831C-4439-A09B-221EC37904F7}" type="slidenum">
-              <a:rPr lang="en-US" smtClean="0"/>
-              <a:t>‹#›</a:t>
-            </a:fld>
-            <a:endParaRPr lang="en-US"/>
-          </a:p>
-        </p:txBody>
-      </p:sp>
-    </p:spTree>
-    <p:extLst>
-      <p:ext uri="{BB962C8B-B14F-4D97-AF65-F5344CB8AC3E}">
-        <p14:creationId xmlns:p14="http://schemas.microsoft.com/office/powerpoint/2010/main" val="375894196"/>
-      </p:ext>
-    </p:extLst>
-  </p:cSld>
-  <p:clrMapOvr>
-    <a:masterClrMapping/>
-  </p:clrMapOvr>
-</p:sldLayout>
-</file>
-
-<file path=ppt/slideLayouts/slideLayout12.xml><?xml version="1.0" encoding="utf-8"?>
-<p:sldLayout xmlns:a="http://schemas.openxmlformats.org/drawingml/2006/main" xmlns:r="http://schemas.openxmlformats.org/officeDocument/2006/relationships" xmlns:p="http://schemas.openxmlformats.org/presentationml/2006/main" type="picTx" preserve="1">
-  <p:cSld name="Picture with Caption">
-    <p:spTree>
-      <p:nvGrpSpPr>
-        <p:cNvPr id="1" name=""/>
-        <p:cNvGrpSpPr/>
-        <p:nvPr/>
-      </p:nvGrpSpPr>
-      <p:grpSpPr>
-        <a:xfrm>
-          <a:off x="0" y="0"/>
-          <a:ext cx="0" cy="0"/>
-          <a:chOff x="0" y="0"/>
-          <a:chExt cx="0" cy="0"/>
-        </a:xfrm>
-      </p:grpSpPr>
-      <p:sp>
-        <p:nvSpPr>
-          <p:cNvPr id="2" name="Title 1">
-            <a:extLst>
-              <a:ext uri="{FF2B5EF4-FFF2-40B4-BE49-F238E27FC236}">
-                <a16:creationId xmlns:a16="http://schemas.microsoft.com/office/drawing/2014/main" id="{02EC6B47-AF45-444E-B166-14B26BD20486}"/>
-              </a:ext>
-            </a:extLst>
-          </p:cNvPr>
-          <p:cNvSpPr>
-            <a:spLocks noGrp="1"/>
-          </p:cNvSpPr>
-          <p:nvPr>
-            <p:ph type="title"/>
-          </p:nvPr>
-        </p:nvSpPr>
-        <p:spPr>
-          <a:xfrm>
-            <a:off x="839788" y="457200"/>
-            <a:ext cx="3932237" cy="1600200"/>
-          </a:xfrm>
-        </p:spPr>
-        <p:txBody>
-          <a:bodyPr anchor="b"/>
-          <a:lstStyle>
-            <a:lvl1pPr>
-              <a:defRPr sz="3200"/>
-            </a:lvl1pPr>
-          </a:lstStyle>
-          <a:p>
-            <a:r>
-              <a:rPr lang="en-US"/>
-              <a:t>Click to edit Master title style</a:t>
-            </a:r>
-          </a:p>
-        </p:txBody>
-      </p:sp>
-      <p:sp>
-        <p:nvSpPr>
-          <p:cNvPr id="3" name="Picture Placeholder 2">
-            <a:extLst>
-              <a:ext uri="{FF2B5EF4-FFF2-40B4-BE49-F238E27FC236}">
-                <a16:creationId xmlns:a16="http://schemas.microsoft.com/office/drawing/2014/main" id="{FB6EE360-D9DA-4021-A440-3B58CF319313}"/>
-              </a:ext>
-            </a:extLst>
-          </p:cNvPr>
-          <p:cNvSpPr>
-            <a:spLocks noGrp="1"/>
-          </p:cNvSpPr>
-          <p:nvPr>
-            <p:ph type="pic" idx="1"/>
-          </p:nvPr>
-        </p:nvSpPr>
-        <p:spPr>
-          <a:xfrm>
-            <a:off x="5183188" y="987425"/>
-            <a:ext cx="6172200" cy="4873625"/>
-          </a:xfrm>
-        </p:spPr>
-        <p:txBody>
-          <a:bodyPr/>
-          <a:lstStyle>
-            <a:lvl1pPr marL="0" indent="0">
-              <a:buNone/>
-              <a:defRPr sz="3200"/>
-            </a:lvl1pPr>
-            <a:lvl2pPr marL="457200" indent="0">
-              <a:buNone/>
-              <a:defRPr sz="2800"/>
-            </a:lvl2pPr>
-            <a:lvl3pPr marL="914400" indent="0">
-              <a:buNone/>
-              <a:defRPr sz="2400"/>
-            </a:lvl3pPr>
-            <a:lvl4pPr marL="1371600" indent="0">
-              <a:buNone/>
-              <a:defRPr sz="2000"/>
-            </a:lvl4pPr>
-            <a:lvl5pPr marL="1828800" indent="0">
-              <a:buNone/>
-              <a:defRPr sz="2000"/>
-            </a:lvl5pPr>
-            <a:lvl6pPr marL="2286000" indent="0">
-              <a:buNone/>
-              <a:defRPr sz="2000"/>
-            </a:lvl6pPr>
-            <a:lvl7pPr marL="2743200" indent="0">
-              <a:buNone/>
-              <a:defRPr sz="2000"/>
-            </a:lvl7pPr>
-            <a:lvl8pPr marL="3200400" indent="0">
-              <a:buNone/>
-              <a:defRPr sz="2000"/>
-            </a:lvl8pPr>
-            <a:lvl9pPr marL="3657600" indent="0">
-              <a:buNone/>
-              <a:defRPr sz="2000"/>
-            </a:lvl9pPr>
-          </a:lstStyle>
-          <a:p>
-            <a:r>
-              <a:rPr lang="en-US"/>
-              <a:t>Click icon to add picture</a:t>
-            </a:r>
-          </a:p>
-        </p:txBody>
-      </p:sp>
-      <p:sp>
-        <p:nvSpPr>
-          <p:cNvPr id="4" name="Text Placeholder 3">
-            <a:extLst>
-              <a:ext uri="{FF2B5EF4-FFF2-40B4-BE49-F238E27FC236}">
-                <a16:creationId xmlns:a16="http://schemas.microsoft.com/office/drawing/2014/main" id="{205FAB69-2536-4242-A051-49BED868E83E}"/>
-              </a:ext>
-            </a:extLst>
-          </p:cNvPr>
-          <p:cNvSpPr>
-            <a:spLocks noGrp="1"/>
-          </p:cNvSpPr>
-          <p:nvPr>
-            <p:ph type="body" sz="half" idx="2"/>
-          </p:nvPr>
-        </p:nvSpPr>
-        <p:spPr>
-          <a:xfrm>
-            <a:off x="839788" y="2057400"/>
-            <a:ext cx="3932237" cy="3811588"/>
-          </a:xfrm>
-        </p:spPr>
-        <p:txBody>
-          <a:bodyPr/>
-          <a:lstStyle>
-            <a:lvl1pPr marL="0" indent="0">
-              <a:buNone/>
-              <a:defRPr sz="1600"/>
-            </a:lvl1pPr>
-            <a:lvl2pPr marL="457200" indent="0">
-              <a:buNone/>
-              <a:defRPr sz="1400"/>
-            </a:lvl2pPr>
-            <a:lvl3pPr marL="914400" indent="0">
-              <a:buNone/>
-              <a:defRPr sz="1200"/>
-            </a:lvl3pPr>
-            <a:lvl4pPr marL="1371600" indent="0">
-              <a:buNone/>
-              <a:defRPr sz="1000"/>
-            </a:lvl4pPr>
-            <a:lvl5pPr marL="1828800" indent="0">
-              <a:buNone/>
-              <a:defRPr sz="1000"/>
-            </a:lvl5pPr>
-            <a:lvl6pPr marL="2286000" indent="0">
-              <a:buNone/>
-              <a:defRPr sz="1000"/>
-            </a:lvl6pPr>
-            <a:lvl7pPr marL="2743200" indent="0">
-              <a:buNone/>
-              <a:defRPr sz="1000"/>
-            </a:lvl7pPr>
-            <a:lvl8pPr marL="3200400" indent="0">
-              <a:buNone/>
-              <a:defRPr sz="1000"/>
-            </a:lvl8pPr>
-            <a:lvl9pPr marL="3657600" indent="0">
-              <a:buNone/>
-              <a:defRPr sz="1000"/>
-            </a:lvl9pPr>
-          </a:lstStyle>
-          <a:p>
-            <a:pPr lvl="0"/>
-            <a:r>
-              <a:rPr lang="en-US"/>
-              <a:t>Click to edit Master text styles</a:t>
-            </a:r>
-          </a:p>
-        </p:txBody>
-      </p:sp>
-      <p:sp>
-        <p:nvSpPr>
-          <p:cNvPr id="5" name="Date Placeholder 4">
-            <a:extLst>
-              <a:ext uri="{FF2B5EF4-FFF2-40B4-BE49-F238E27FC236}">
-                <a16:creationId xmlns:a16="http://schemas.microsoft.com/office/drawing/2014/main" id="{E4D5A149-D834-43FC-BC9A-202687E2DF41}"/>
-              </a:ext>
-            </a:extLst>
-          </p:cNvPr>
-          <p:cNvSpPr>
-            <a:spLocks noGrp="1"/>
-          </p:cNvSpPr>
-          <p:nvPr>
-            <p:ph type="dt" sz="half" idx="10"/>
-          </p:nvPr>
-        </p:nvSpPr>
-        <p:spPr/>
-        <p:txBody>
-          <a:bodyPr/>
-          <a:lstStyle/>
-          <a:p>
-            <a:fld id="{13014762-DFFB-4EBE-8655-EB0D0E44861E}" type="datetimeFigureOut">
-              <a:rPr lang="en-US" smtClean="0"/>
-              <a:t>2/19/2026</a:t>
-            </a:fld>
-            <a:endParaRPr lang="en-US"/>
-          </a:p>
-        </p:txBody>
-      </p:sp>
-      <p:sp>
-        <p:nvSpPr>
-          <p:cNvPr id="6" name="Footer Placeholder 5">
-            <a:extLst>
-              <a:ext uri="{FF2B5EF4-FFF2-40B4-BE49-F238E27FC236}">
-                <a16:creationId xmlns:a16="http://schemas.microsoft.com/office/drawing/2014/main" id="{0CAAEC10-F8A1-4167-A1E1-DDF70C091B12}"/>
-              </a:ext>
-            </a:extLst>
-          </p:cNvPr>
-          <p:cNvSpPr>
-            <a:spLocks noGrp="1"/>
-          </p:cNvSpPr>
-          <p:nvPr>
-            <p:ph type="ftr" sz="quarter" idx="11"/>
-          </p:nvPr>
-        </p:nvSpPr>
-        <p:spPr/>
-        <p:txBody>
-          <a:bodyPr/>
-          <a:lstStyle/>
-          <a:p>
-            <a:endParaRPr lang="en-US"/>
-          </a:p>
-        </p:txBody>
-      </p:sp>
-      <p:sp>
-        <p:nvSpPr>
-          <p:cNvPr id="7" name="Slide Number Placeholder 6">
-            <a:extLst>
-              <a:ext uri="{FF2B5EF4-FFF2-40B4-BE49-F238E27FC236}">
-                <a16:creationId xmlns:a16="http://schemas.microsoft.com/office/drawing/2014/main" id="{C00FAFD7-8C5E-4241-ADDF-33CB8DE03267}"/>
-              </a:ext>
-            </a:extLst>
-          </p:cNvPr>
-          <p:cNvSpPr>
-            <a:spLocks noGrp="1"/>
-          </p:cNvSpPr>
-          <p:nvPr>
-            <p:ph type="sldNum" sz="quarter" idx="12"/>
-          </p:nvPr>
-        </p:nvSpPr>
-        <p:spPr/>
-        <p:txBody>
-          <a:bodyPr/>
-          <a:lstStyle/>
-          <a:p>
-            <a:fld id="{698B0EB1-831C-4439-A09B-221EC37904F7}" type="slidenum">
-              <a:rPr lang="en-US" smtClean="0"/>
-              <a:t>‹#›</a:t>
-            </a:fld>
-            <a:endParaRPr lang="en-US"/>
-          </a:p>
-        </p:txBody>
-      </p:sp>
-    </p:spTree>
-    <p:extLst>
-      <p:ext uri="{BB962C8B-B14F-4D97-AF65-F5344CB8AC3E}">
-        <p14:creationId xmlns:p14="http://schemas.microsoft.com/office/powerpoint/2010/main" val="19572780"/>
-      </p:ext>
-    </p:extLst>
-  </p:cSld>
-  <p:clrMapOvr>
-    <a:masterClrMapping/>
-  </p:clrMapOvr>
-</p:sldLayout>
-</file>
-
-<file path=ppt/slideLayouts/slideLayout13.xml><?xml version="1.0" encoding="utf-8"?>
-<p:sldLayout xmlns:a="http://schemas.openxmlformats.org/drawingml/2006/main" xmlns:r="http://schemas.openxmlformats.org/officeDocument/2006/relationships" xmlns:p="http://schemas.openxmlformats.org/presentationml/2006/main" type="vertTx" preserve="1">
-  <p:cSld name="Title and Vertical Text">
-    <p:spTree>
-      <p:nvGrpSpPr>
-        <p:cNvPr id="1" name=""/>
-        <p:cNvGrpSpPr/>
-        <p:nvPr/>
-      </p:nvGrpSpPr>
-      <p:grpSpPr>
-        <a:xfrm>
-          <a:off x="0" y="0"/>
-          <a:ext cx="0" cy="0"/>
-          <a:chOff x="0" y="0"/>
-          <a:chExt cx="0" cy="0"/>
-        </a:xfrm>
-      </p:grpSpPr>
-      <p:sp>
-        <p:nvSpPr>
-          <p:cNvPr id="2" name="Title 1">
-            <a:extLst>
-              <a:ext uri="{FF2B5EF4-FFF2-40B4-BE49-F238E27FC236}">
-                <a16:creationId xmlns:a16="http://schemas.microsoft.com/office/drawing/2014/main" id="{CAF5659B-6963-492D-8016-EE3381971CD4}"/>
-              </a:ext>
-            </a:extLst>
-          </p:cNvPr>
-          <p:cNvSpPr>
-            <a:spLocks noGrp="1"/>
-          </p:cNvSpPr>
-          <p:nvPr>
-            <p:ph type="title"/>
-          </p:nvPr>
-        </p:nvSpPr>
-        <p:spPr/>
-        <p:txBody>
-          <a:bodyPr/>
-          <a:lstStyle/>
-          <a:p>
-            <a:r>
-              <a:rPr lang="en-US"/>
-              <a:t>Click to edit Master title style</a:t>
-            </a:r>
-          </a:p>
-        </p:txBody>
-      </p:sp>
-      <p:sp>
-        <p:nvSpPr>
-          <p:cNvPr id="3" name="Vertical Text Placeholder 2">
-            <a:extLst>
-              <a:ext uri="{FF2B5EF4-FFF2-40B4-BE49-F238E27FC236}">
-                <a16:creationId xmlns:a16="http://schemas.microsoft.com/office/drawing/2014/main" id="{214584C3-06E8-41AE-95D1-E3BD088AA1C1}"/>
-              </a:ext>
-            </a:extLst>
-          </p:cNvPr>
-          <p:cNvSpPr>
-            <a:spLocks noGrp="1"/>
-          </p:cNvSpPr>
-          <p:nvPr>
-            <p:ph type="body" orient="vert" idx="1"/>
-          </p:nvPr>
-        </p:nvSpPr>
-        <p:spPr/>
-        <p:txBody>
-          <a:bodyPr vert="eaVert"/>
-          <a:lstStyle/>
-          <a:p>
-            <a:pPr lvl="0"/>
-            <a:r>
-              <a:rPr lang="en-US"/>
-              <a:t>Click to edit Master text styles</a:t>
-            </a:r>
-          </a:p>
-          <a:p>
-            <a:pPr lvl="1"/>
-            <a:r>
-              <a:rPr lang="en-US"/>
-              <a:t>Second level</a:t>
-            </a:r>
-          </a:p>
-          <a:p>
-            <a:pPr lvl="2"/>
-            <a:r>
-              <a:rPr lang="en-US"/>
-              <a:t>Third level</a:t>
-            </a:r>
-          </a:p>
-          <a:p>
-            <a:pPr lvl="3"/>
-            <a:r>
-              <a:rPr lang="en-US"/>
-              <a:t>Fourth level</a:t>
-            </a:r>
-          </a:p>
-          <a:p>
-            <a:pPr lvl="4"/>
-            <a:r>
-              <a:rPr lang="en-US"/>
-              <a:t>Fifth level</a:t>
-            </a:r>
-          </a:p>
-        </p:txBody>
-      </p:sp>
-      <p:sp>
-        <p:nvSpPr>
-          <p:cNvPr id="4" name="Date Placeholder 3">
-            <a:extLst>
-              <a:ext uri="{FF2B5EF4-FFF2-40B4-BE49-F238E27FC236}">
-                <a16:creationId xmlns:a16="http://schemas.microsoft.com/office/drawing/2014/main" id="{7DECC6B3-6450-4C26-8B73-0CFCD3DFE12A}"/>
-              </a:ext>
-            </a:extLst>
-          </p:cNvPr>
-          <p:cNvSpPr>
-            <a:spLocks noGrp="1"/>
-          </p:cNvSpPr>
-          <p:nvPr>
-            <p:ph type="dt" sz="half" idx="10"/>
-          </p:nvPr>
-        </p:nvSpPr>
-        <p:spPr/>
-        <p:txBody>
-          <a:bodyPr/>
-          <a:lstStyle/>
-          <a:p>
-            <a:fld id="{13014762-DFFB-4EBE-8655-EB0D0E44861E}" type="datetimeFigureOut">
-              <a:rPr lang="en-US" smtClean="0"/>
-              <a:t>2/19/2026</a:t>
-            </a:fld>
-            <a:endParaRPr lang="en-US"/>
-          </a:p>
-        </p:txBody>
-      </p:sp>
-      <p:sp>
-        <p:nvSpPr>
-          <p:cNvPr id="5" name="Footer Placeholder 4">
-            <a:extLst>
-              <a:ext uri="{FF2B5EF4-FFF2-40B4-BE49-F238E27FC236}">
-                <a16:creationId xmlns:a16="http://schemas.microsoft.com/office/drawing/2014/main" id="{5318CFCF-8A5A-43F3-A1E1-3069AA971A57}"/>
-              </a:ext>
-            </a:extLst>
-          </p:cNvPr>
-          <p:cNvSpPr>
-            <a:spLocks noGrp="1"/>
-          </p:cNvSpPr>
-          <p:nvPr>
-            <p:ph type="ftr" sz="quarter" idx="11"/>
-          </p:nvPr>
-        </p:nvSpPr>
-        <p:spPr/>
-        <p:txBody>
-          <a:bodyPr/>
-          <a:lstStyle/>
-          <a:p>
-            <a:endParaRPr lang="en-US"/>
-          </a:p>
-        </p:txBody>
-      </p:sp>
-      <p:sp>
-        <p:nvSpPr>
-          <p:cNvPr id="6" name="Slide Number Placeholder 5">
-            <a:extLst>
-              <a:ext uri="{FF2B5EF4-FFF2-40B4-BE49-F238E27FC236}">
-                <a16:creationId xmlns:a16="http://schemas.microsoft.com/office/drawing/2014/main" id="{5E9F8B1E-962A-4D78-978E-A512A0E9DF6E}"/>
-              </a:ext>
-            </a:extLst>
-          </p:cNvPr>
-          <p:cNvSpPr>
-            <a:spLocks noGrp="1"/>
-          </p:cNvSpPr>
-          <p:nvPr>
-            <p:ph type="sldNum" sz="quarter" idx="12"/>
-          </p:nvPr>
-        </p:nvSpPr>
-        <p:spPr/>
-        <p:txBody>
-          <a:bodyPr/>
-          <a:lstStyle/>
-          <a:p>
-            <a:fld id="{698B0EB1-831C-4439-A09B-221EC37904F7}" type="slidenum">
-              <a:rPr lang="en-US" smtClean="0"/>
-              <a:t>‹#›</a:t>
-            </a:fld>
-            <a:endParaRPr lang="en-US"/>
-          </a:p>
-        </p:txBody>
-      </p:sp>
-    </p:spTree>
-    <p:extLst>
-      <p:ext uri="{BB962C8B-B14F-4D97-AF65-F5344CB8AC3E}">
-        <p14:creationId xmlns:p14="http://schemas.microsoft.com/office/powerpoint/2010/main" val="36385294"/>
-      </p:ext>
-    </p:extLst>
-  </p:cSld>
-  <p:clrMapOvr>
-    <a:masterClrMapping/>
-  </p:clrMapOvr>
-</p:sldLayout>
-</file>
-
-<file path=ppt/slideLayouts/slideLayout14.xml><?xml version="1.0" encoding="utf-8"?>
-<p:sldLayout xmlns:a="http://schemas.openxmlformats.org/drawingml/2006/main" xmlns:r="http://schemas.openxmlformats.org/officeDocument/2006/relationships" xmlns:p="http://schemas.openxmlformats.org/presentationml/2006/main" type="vertTitleAndTx" preserve="1">
-  <p:cSld name="Vertical Title and Text">
-    <p:spTree>
-      <p:nvGrpSpPr>
-        <p:cNvPr id="1" name=""/>
-        <p:cNvGrpSpPr/>
-        <p:nvPr/>
-      </p:nvGrpSpPr>
-      <p:grpSpPr>
-        <a:xfrm>
-          <a:off x="0" y="0"/>
-          <a:ext cx="0" cy="0"/>
-          <a:chOff x="0" y="0"/>
-          <a:chExt cx="0" cy="0"/>
-        </a:xfrm>
-      </p:grpSpPr>
-      <p:sp>
-        <p:nvSpPr>
-          <p:cNvPr id="2" name="Vertical Title 1">
-            <a:extLst>
-              <a:ext uri="{FF2B5EF4-FFF2-40B4-BE49-F238E27FC236}">
-                <a16:creationId xmlns:a16="http://schemas.microsoft.com/office/drawing/2014/main" id="{FFD0FA23-1206-4DF2-8AA8-0999EAF8011E}"/>
-              </a:ext>
-            </a:extLst>
-          </p:cNvPr>
-          <p:cNvSpPr>
-            <a:spLocks noGrp="1"/>
-          </p:cNvSpPr>
-          <p:nvPr>
-            <p:ph type="title" orient="vert"/>
-          </p:nvPr>
-        </p:nvSpPr>
-        <p:spPr>
-          <a:xfrm>
-            <a:off x="8724900" y="365125"/>
-            <a:ext cx="2628900" cy="5811838"/>
-          </a:xfrm>
-        </p:spPr>
-        <p:txBody>
-          <a:bodyPr vert="eaVert"/>
-          <a:lstStyle/>
-          <a:p>
-            <a:r>
-              <a:rPr lang="en-US"/>
-              <a:t>Click to edit Master title style</a:t>
-            </a:r>
-          </a:p>
-        </p:txBody>
-      </p:sp>
-      <p:sp>
-        <p:nvSpPr>
-          <p:cNvPr id="3" name="Vertical Text Placeholder 2">
-            <a:extLst>
-              <a:ext uri="{FF2B5EF4-FFF2-40B4-BE49-F238E27FC236}">
-                <a16:creationId xmlns:a16="http://schemas.microsoft.com/office/drawing/2014/main" id="{3B882FB8-7E82-4ECC-B1F4-A747F1BEBD9D}"/>
-              </a:ext>
-            </a:extLst>
-          </p:cNvPr>
-          <p:cNvSpPr>
-            <a:spLocks noGrp="1"/>
-          </p:cNvSpPr>
-          <p:nvPr>
-            <p:ph type="body" orient="vert" idx="1"/>
-          </p:nvPr>
-        </p:nvSpPr>
-        <p:spPr>
-          <a:xfrm>
-            <a:off x="838200" y="365125"/>
-            <a:ext cx="7734300" cy="5811838"/>
-          </a:xfrm>
-        </p:spPr>
-        <p:txBody>
-          <a:bodyPr vert="eaVert"/>
-          <a:lstStyle/>
-          <a:p>
-            <a:pPr lvl="0"/>
-            <a:r>
-              <a:rPr lang="en-US"/>
-              <a:t>Click to edit Master text styles</a:t>
-            </a:r>
-          </a:p>
-          <a:p>
-            <a:pPr lvl="1"/>
-            <a:r>
-              <a:rPr lang="en-US"/>
-              <a:t>Second level</a:t>
-            </a:r>
-          </a:p>
-          <a:p>
-            <a:pPr lvl="2"/>
-            <a:r>
-              <a:rPr lang="en-US"/>
-              <a:t>Third level</a:t>
-            </a:r>
-          </a:p>
-          <a:p>
-            <a:pPr lvl="3"/>
-            <a:r>
-              <a:rPr lang="en-US"/>
-              <a:t>Fourth level</a:t>
-            </a:r>
-          </a:p>
-          <a:p>
-            <a:pPr lvl="4"/>
-            <a:r>
-              <a:rPr lang="en-US"/>
-              <a:t>Fifth level</a:t>
-            </a:r>
-          </a:p>
-        </p:txBody>
-      </p:sp>
-      <p:sp>
-        <p:nvSpPr>
-          <p:cNvPr id="4" name="Date Placeholder 3">
-            <a:extLst>
-              <a:ext uri="{FF2B5EF4-FFF2-40B4-BE49-F238E27FC236}">
-                <a16:creationId xmlns:a16="http://schemas.microsoft.com/office/drawing/2014/main" id="{345F2896-FDAC-4D0A-9161-CF53F980F965}"/>
-              </a:ext>
-            </a:extLst>
-          </p:cNvPr>
-          <p:cNvSpPr>
-            <a:spLocks noGrp="1"/>
-          </p:cNvSpPr>
-          <p:nvPr>
-            <p:ph type="dt" sz="half" idx="10"/>
-          </p:nvPr>
-        </p:nvSpPr>
-        <p:spPr/>
-        <p:txBody>
-          <a:bodyPr/>
-          <a:lstStyle/>
-          <a:p>
-            <a:fld id="{13014762-DFFB-4EBE-8655-EB0D0E44861E}" type="datetimeFigureOut">
-              <a:rPr lang="en-US" smtClean="0"/>
-              <a:t>2/19/2026</a:t>
-            </a:fld>
-            <a:endParaRPr lang="en-US"/>
-          </a:p>
-        </p:txBody>
-      </p:sp>
-      <p:sp>
-        <p:nvSpPr>
-          <p:cNvPr id="5" name="Footer Placeholder 4">
-            <a:extLst>
-              <a:ext uri="{FF2B5EF4-FFF2-40B4-BE49-F238E27FC236}">
-                <a16:creationId xmlns:a16="http://schemas.microsoft.com/office/drawing/2014/main" id="{30343B7F-83F0-4671-8918-80CDEE283D8C}"/>
-              </a:ext>
-            </a:extLst>
-          </p:cNvPr>
-          <p:cNvSpPr>
-            <a:spLocks noGrp="1"/>
-          </p:cNvSpPr>
-          <p:nvPr>
-            <p:ph type="ftr" sz="quarter" idx="11"/>
-          </p:nvPr>
-        </p:nvSpPr>
-        <p:spPr/>
-        <p:txBody>
-          <a:bodyPr/>
-          <a:lstStyle/>
-          <a:p>
-            <a:endParaRPr lang="en-US"/>
-          </a:p>
-        </p:txBody>
-      </p:sp>
-      <p:sp>
-        <p:nvSpPr>
-          <p:cNvPr id="6" name="Slide Number Placeholder 5">
-            <a:extLst>
-              <a:ext uri="{FF2B5EF4-FFF2-40B4-BE49-F238E27FC236}">
-                <a16:creationId xmlns:a16="http://schemas.microsoft.com/office/drawing/2014/main" id="{2A1742F1-0E5D-42FE-AFA0-A4F5B15D35B2}"/>
-              </a:ext>
-            </a:extLst>
-          </p:cNvPr>
-          <p:cNvSpPr>
-            <a:spLocks noGrp="1"/>
-          </p:cNvSpPr>
-          <p:nvPr>
-            <p:ph type="sldNum" sz="quarter" idx="12"/>
-          </p:nvPr>
-        </p:nvSpPr>
-        <p:spPr/>
-        <p:txBody>
-          <a:bodyPr/>
-          <a:lstStyle/>
-          <a:p>
-            <a:fld id="{698B0EB1-831C-4439-A09B-221EC37904F7}" type="slidenum">
-              <a:rPr lang="en-US" smtClean="0"/>
-              <a:t>‹#›</a:t>
-            </a:fld>
-            <a:endParaRPr lang="en-US"/>
-          </a:p>
-        </p:txBody>
-      </p:sp>
-    </p:spTree>
-    <p:extLst>
-      <p:ext uri="{BB962C8B-B14F-4D97-AF65-F5344CB8AC3E}">
-        <p14:creationId xmlns:p14="http://schemas.microsoft.com/office/powerpoint/2010/main" val="593627078"/>
-      </p:ext>
-    </p:extLst>
-  </p:cSld>
-  <p:clrMapOvr>
-    <a:masterClrMapping/>
-  </p:clrMapOvr>
-</p:sldLayout>
-</file>
-
-<file path=ppt/slideLayouts/slideLayout2.xml><?xml version="1.0" encoding="utf-8"?>
 <p:sldLayout xmlns:a="http://schemas.openxmlformats.org/drawingml/2006/main" xmlns:r="http://schemas.openxmlformats.org/officeDocument/2006/relationships" xmlns:p="http://schemas.openxmlformats.org/presentationml/2006/main" preserve="1" userDrawn="1">
   <p:cSld name="Title Slide">
     <p:spTree>
@@ -3464,7 +2202,1128 @@
 </p:sldLayout>
 </file>
 
-<file path=ppt/slideLayouts/slideLayout3.xml><?xml version="1.0" encoding="utf-8"?>
+<file path=ppt/slideLayouts/slideLayout10.xml><?xml version="1.0" encoding="utf-8"?>
+<p:sldLayout xmlns:a="http://schemas.openxmlformats.org/drawingml/2006/main" xmlns:r="http://schemas.openxmlformats.org/officeDocument/2006/relationships" xmlns:p="http://schemas.openxmlformats.org/presentationml/2006/main" type="blank" preserve="1">
+  <p:cSld name="Blank">
+    <p:spTree>
+      <p:nvGrpSpPr>
+        <p:cNvPr id="1" name=""/>
+        <p:cNvGrpSpPr/>
+        <p:nvPr/>
+      </p:nvGrpSpPr>
+      <p:grpSpPr>
+        <a:xfrm>
+          <a:off x="0" y="0"/>
+          <a:ext cx="0" cy="0"/>
+          <a:chOff x="0" y="0"/>
+          <a:chExt cx="0" cy="0"/>
+        </a:xfrm>
+      </p:grpSpPr>
+      <p:sp>
+        <p:nvSpPr>
+          <p:cNvPr id="2" name="Date Placeholder 1">
+            <a:extLst>
+              <a:ext uri="{FF2B5EF4-FFF2-40B4-BE49-F238E27FC236}">
+                <a16:creationId xmlns:a16="http://schemas.microsoft.com/office/drawing/2014/main" id="{F527DD7A-35FD-4374-8631-FFA5E1259E09}"/>
+              </a:ext>
+            </a:extLst>
+          </p:cNvPr>
+          <p:cNvSpPr>
+            <a:spLocks noGrp="1"/>
+          </p:cNvSpPr>
+          <p:nvPr>
+            <p:ph type="dt" sz="half" idx="10"/>
+          </p:nvPr>
+        </p:nvSpPr>
+        <p:spPr/>
+        <p:txBody>
+          <a:bodyPr/>
+          <a:lstStyle/>
+          <a:p>
+            <a:fld id="{13014762-DFFB-4EBE-8655-EB0D0E44861E}" type="datetimeFigureOut">
+              <a:rPr lang="en-US" smtClean="0"/>
+              <a:t>2/19/2026</a:t>
+            </a:fld>
+            <a:endParaRPr lang="en-US"/>
+          </a:p>
+        </p:txBody>
+      </p:sp>
+      <p:sp>
+        <p:nvSpPr>
+          <p:cNvPr id="3" name="Footer Placeholder 2">
+            <a:extLst>
+              <a:ext uri="{FF2B5EF4-FFF2-40B4-BE49-F238E27FC236}">
+                <a16:creationId xmlns:a16="http://schemas.microsoft.com/office/drawing/2014/main" id="{FA1CAD15-EA38-42C9-9F11-CDB7DDBA3079}"/>
+              </a:ext>
+            </a:extLst>
+          </p:cNvPr>
+          <p:cNvSpPr>
+            <a:spLocks noGrp="1"/>
+          </p:cNvSpPr>
+          <p:nvPr>
+            <p:ph type="ftr" sz="quarter" idx="11"/>
+          </p:nvPr>
+        </p:nvSpPr>
+        <p:spPr/>
+        <p:txBody>
+          <a:bodyPr/>
+          <a:lstStyle/>
+          <a:p>
+            <a:endParaRPr lang="en-US"/>
+          </a:p>
+        </p:txBody>
+      </p:sp>
+      <p:sp>
+        <p:nvSpPr>
+          <p:cNvPr id="4" name="Slide Number Placeholder 3">
+            <a:extLst>
+              <a:ext uri="{FF2B5EF4-FFF2-40B4-BE49-F238E27FC236}">
+                <a16:creationId xmlns:a16="http://schemas.microsoft.com/office/drawing/2014/main" id="{58C030A8-FBDF-47AF-819D-2F006685B502}"/>
+              </a:ext>
+            </a:extLst>
+          </p:cNvPr>
+          <p:cNvSpPr>
+            <a:spLocks noGrp="1"/>
+          </p:cNvSpPr>
+          <p:nvPr>
+            <p:ph type="sldNum" sz="quarter" idx="12"/>
+          </p:nvPr>
+        </p:nvSpPr>
+        <p:spPr/>
+        <p:txBody>
+          <a:bodyPr/>
+          <a:lstStyle/>
+          <a:p>
+            <a:fld id="{698B0EB1-831C-4439-A09B-221EC37904F7}" type="slidenum">
+              <a:rPr lang="en-US" smtClean="0"/>
+              <a:t>‹#›</a:t>
+            </a:fld>
+            <a:endParaRPr lang="en-US"/>
+          </a:p>
+        </p:txBody>
+      </p:sp>
+    </p:spTree>
+    <p:extLst>
+      <p:ext uri="{BB962C8B-B14F-4D97-AF65-F5344CB8AC3E}">
+        <p14:creationId xmlns:p14="http://schemas.microsoft.com/office/powerpoint/2010/main" val="66846930"/>
+      </p:ext>
+    </p:extLst>
+  </p:cSld>
+  <p:clrMapOvr>
+    <a:masterClrMapping/>
+  </p:clrMapOvr>
+</p:sldLayout>
+</file>
+
+<file path=ppt/slideLayouts/slideLayout11.xml><?xml version="1.0" encoding="utf-8"?>
+<p:sldLayout xmlns:a="http://schemas.openxmlformats.org/drawingml/2006/main" xmlns:r="http://schemas.openxmlformats.org/officeDocument/2006/relationships" xmlns:p="http://schemas.openxmlformats.org/presentationml/2006/main" type="objTx" preserve="1">
+  <p:cSld name="Content with Caption">
+    <p:spTree>
+      <p:nvGrpSpPr>
+        <p:cNvPr id="1" name=""/>
+        <p:cNvGrpSpPr/>
+        <p:nvPr/>
+      </p:nvGrpSpPr>
+      <p:grpSpPr>
+        <a:xfrm>
+          <a:off x="0" y="0"/>
+          <a:ext cx="0" cy="0"/>
+          <a:chOff x="0" y="0"/>
+          <a:chExt cx="0" cy="0"/>
+        </a:xfrm>
+      </p:grpSpPr>
+      <p:sp>
+        <p:nvSpPr>
+          <p:cNvPr id="2" name="Title 1">
+            <a:extLst>
+              <a:ext uri="{FF2B5EF4-FFF2-40B4-BE49-F238E27FC236}">
+                <a16:creationId xmlns:a16="http://schemas.microsoft.com/office/drawing/2014/main" id="{F092F68E-F5B2-421B-A02C-D7D87542B602}"/>
+              </a:ext>
+            </a:extLst>
+          </p:cNvPr>
+          <p:cNvSpPr>
+            <a:spLocks noGrp="1"/>
+          </p:cNvSpPr>
+          <p:nvPr>
+            <p:ph type="title"/>
+          </p:nvPr>
+        </p:nvSpPr>
+        <p:spPr>
+          <a:xfrm>
+            <a:off x="839788" y="457200"/>
+            <a:ext cx="3932237" cy="1600200"/>
+          </a:xfrm>
+        </p:spPr>
+        <p:txBody>
+          <a:bodyPr anchor="b"/>
+          <a:lstStyle>
+            <a:lvl1pPr>
+              <a:defRPr sz="3200"/>
+            </a:lvl1pPr>
+          </a:lstStyle>
+          <a:p>
+            <a:r>
+              <a:rPr lang="en-US"/>
+              <a:t>Click to edit Master title style</a:t>
+            </a:r>
+          </a:p>
+        </p:txBody>
+      </p:sp>
+      <p:sp>
+        <p:nvSpPr>
+          <p:cNvPr id="3" name="Content Placeholder 2">
+            <a:extLst>
+              <a:ext uri="{FF2B5EF4-FFF2-40B4-BE49-F238E27FC236}">
+                <a16:creationId xmlns:a16="http://schemas.microsoft.com/office/drawing/2014/main" id="{510EDD4C-9ED6-4238-A516-E584D502D2E8}"/>
+              </a:ext>
+            </a:extLst>
+          </p:cNvPr>
+          <p:cNvSpPr>
+            <a:spLocks noGrp="1"/>
+          </p:cNvSpPr>
+          <p:nvPr>
+            <p:ph idx="1"/>
+          </p:nvPr>
+        </p:nvSpPr>
+        <p:spPr>
+          <a:xfrm>
+            <a:off x="5183188" y="987425"/>
+            <a:ext cx="6172200" cy="4873625"/>
+          </a:xfrm>
+        </p:spPr>
+        <p:txBody>
+          <a:bodyPr/>
+          <a:lstStyle>
+            <a:lvl1pPr>
+              <a:defRPr sz="3200"/>
+            </a:lvl1pPr>
+            <a:lvl2pPr>
+              <a:defRPr sz="2800"/>
+            </a:lvl2pPr>
+            <a:lvl3pPr>
+              <a:defRPr sz="2400"/>
+            </a:lvl3pPr>
+            <a:lvl4pPr>
+              <a:defRPr sz="2000"/>
+            </a:lvl4pPr>
+            <a:lvl5pPr>
+              <a:defRPr sz="2000"/>
+            </a:lvl5pPr>
+            <a:lvl6pPr>
+              <a:defRPr sz="2000"/>
+            </a:lvl6pPr>
+            <a:lvl7pPr>
+              <a:defRPr sz="2000"/>
+            </a:lvl7pPr>
+            <a:lvl8pPr>
+              <a:defRPr sz="2000"/>
+            </a:lvl8pPr>
+            <a:lvl9pPr>
+              <a:defRPr sz="2000"/>
+            </a:lvl9pPr>
+          </a:lstStyle>
+          <a:p>
+            <a:pPr lvl="0"/>
+            <a:r>
+              <a:rPr lang="en-US"/>
+              <a:t>Click to edit Master text styles</a:t>
+            </a:r>
+          </a:p>
+          <a:p>
+            <a:pPr lvl="1"/>
+            <a:r>
+              <a:rPr lang="en-US"/>
+              <a:t>Second level</a:t>
+            </a:r>
+          </a:p>
+          <a:p>
+            <a:pPr lvl="2"/>
+            <a:r>
+              <a:rPr lang="en-US"/>
+              <a:t>Third level</a:t>
+            </a:r>
+          </a:p>
+          <a:p>
+            <a:pPr lvl="3"/>
+            <a:r>
+              <a:rPr lang="en-US"/>
+              <a:t>Fourth level</a:t>
+            </a:r>
+          </a:p>
+          <a:p>
+            <a:pPr lvl="4"/>
+            <a:r>
+              <a:rPr lang="en-US"/>
+              <a:t>Fifth level</a:t>
+            </a:r>
+          </a:p>
+        </p:txBody>
+      </p:sp>
+      <p:sp>
+        <p:nvSpPr>
+          <p:cNvPr id="4" name="Text Placeholder 3">
+            <a:extLst>
+              <a:ext uri="{FF2B5EF4-FFF2-40B4-BE49-F238E27FC236}">
+                <a16:creationId xmlns:a16="http://schemas.microsoft.com/office/drawing/2014/main" id="{8278C6F1-AAB9-4723-99F8-CFBA073A750A}"/>
+              </a:ext>
+            </a:extLst>
+          </p:cNvPr>
+          <p:cNvSpPr>
+            <a:spLocks noGrp="1"/>
+          </p:cNvSpPr>
+          <p:nvPr>
+            <p:ph type="body" sz="half" idx="2"/>
+          </p:nvPr>
+        </p:nvSpPr>
+        <p:spPr>
+          <a:xfrm>
+            <a:off x="839788" y="2057400"/>
+            <a:ext cx="3932237" cy="3811588"/>
+          </a:xfrm>
+        </p:spPr>
+        <p:txBody>
+          <a:bodyPr/>
+          <a:lstStyle>
+            <a:lvl1pPr marL="0" indent="0">
+              <a:buNone/>
+              <a:defRPr sz="1600"/>
+            </a:lvl1pPr>
+            <a:lvl2pPr marL="457200" indent="0">
+              <a:buNone/>
+              <a:defRPr sz="1400"/>
+            </a:lvl2pPr>
+            <a:lvl3pPr marL="914400" indent="0">
+              <a:buNone/>
+              <a:defRPr sz="1200"/>
+            </a:lvl3pPr>
+            <a:lvl4pPr marL="1371600" indent="0">
+              <a:buNone/>
+              <a:defRPr sz="1000"/>
+            </a:lvl4pPr>
+            <a:lvl5pPr marL="1828800" indent="0">
+              <a:buNone/>
+              <a:defRPr sz="1000"/>
+            </a:lvl5pPr>
+            <a:lvl6pPr marL="2286000" indent="0">
+              <a:buNone/>
+              <a:defRPr sz="1000"/>
+            </a:lvl6pPr>
+            <a:lvl7pPr marL="2743200" indent="0">
+              <a:buNone/>
+              <a:defRPr sz="1000"/>
+            </a:lvl7pPr>
+            <a:lvl8pPr marL="3200400" indent="0">
+              <a:buNone/>
+              <a:defRPr sz="1000"/>
+            </a:lvl8pPr>
+            <a:lvl9pPr marL="3657600" indent="0">
+              <a:buNone/>
+              <a:defRPr sz="1000"/>
+            </a:lvl9pPr>
+          </a:lstStyle>
+          <a:p>
+            <a:pPr lvl="0"/>
+            <a:r>
+              <a:rPr lang="en-US"/>
+              <a:t>Click to edit Master text styles</a:t>
+            </a:r>
+          </a:p>
+        </p:txBody>
+      </p:sp>
+      <p:sp>
+        <p:nvSpPr>
+          <p:cNvPr id="5" name="Date Placeholder 4">
+            <a:extLst>
+              <a:ext uri="{FF2B5EF4-FFF2-40B4-BE49-F238E27FC236}">
+                <a16:creationId xmlns:a16="http://schemas.microsoft.com/office/drawing/2014/main" id="{FA5C6B83-F23B-4AEC-9CCB-BEC01613551C}"/>
+              </a:ext>
+            </a:extLst>
+          </p:cNvPr>
+          <p:cNvSpPr>
+            <a:spLocks noGrp="1"/>
+          </p:cNvSpPr>
+          <p:nvPr>
+            <p:ph type="dt" sz="half" idx="10"/>
+          </p:nvPr>
+        </p:nvSpPr>
+        <p:spPr/>
+        <p:txBody>
+          <a:bodyPr/>
+          <a:lstStyle/>
+          <a:p>
+            <a:fld id="{13014762-DFFB-4EBE-8655-EB0D0E44861E}" type="datetimeFigureOut">
+              <a:rPr lang="en-US" smtClean="0"/>
+              <a:t>2/19/2026</a:t>
+            </a:fld>
+            <a:endParaRPr lang="en-US"/>
+          </a:p>
+        </p:txBody>
+      </p:sp>
+      <p:sp>
+        <p:nvSpPr>
+          <p:cNvPr id="6" name="Footer Placeholder 5">
+            <a:extLst>
+              <a:ext uri="{FF2B5EF4-FFF2-40B4-BE49-F238E27FC236}">
+                <a16:creationId xmlns:a16="http://schemas.microsoft.com/office/drawing/2014/main" id="{BB4D1C9D-67F8-4160-A6B6-1C5BBC968F2C}"/>
+              </a:ext>
+            </a:extLst>
+          </p:cNvPr>
+          <p:cNvSpPr>
+            <a:spLocks noGrp="1"/>
+          </p:cNvSpPr>
+          <p:nvPr>
+            <p:ph type="ftr" sz="quarter" idx="11"/>
+          </p:nvPr>
+        </p:nvSpPr>
+        <p:spPr/>
+        <p:txBody>
+          <a:bodyPr/>
+          <a:lstStyle/>
+          <a:p>
+            <a:endParaRPr lang="en-US"/>
+          </a:p>
+        </p:txBody>
+      </p:sp>
+      <p:sp>
+        <p:nvSpPr>
+          <p:cNvPr id="7" name="Slide Number Placeholder 6">
+            <a:extLst>
+              <a:ext uri="{FF2B5EF4-FFF2-40B4-BE49-F238E27FC236}">
+                <a16:creationId xmlns:a16="http://schemas.microsoft.com/office/drawing/2014/main" id="{38076209-E739-4BB1-81B0-679D756F5155}"/>
+              </a:ext>
+            </a:extLst>
+          </p:cNvPr>
+          <p:cNvSpPr>
+            <a:spLocks noGrp="1"/>
+          </p:cNvSpPr>
+          <p:nvPr>
+            <p:ph type="sldNum" sz="quarter" idx="12"/>
+          </p:nvPr>
+        </p:nvSpPr>
+        <p:spPr/>
+        <p:txBody>
+          <a:bodyPr/>
+          <a:lstStyle/>
+          <a:p>
+            <a:fld id="{698B0EB1-831C-4439-A09B-221EC37904F7}" type="slidenum">
+              <a:rPr lang="en-US" smtClean="0"/>
+              <a:t>‹#›</a:t>
+            </a:fld>
+            <a:endParaRPr lang="en-US"/>
+          </a:p>
+        </p:txBody>
+      </p:sp>
+    </p:spTree>
+    <p:extLst>
+      <p:ext uri="{BB962C8B-B14F-4D97-AF65-F5344CB8AC3E}">
+        <p14:creationId xmlns:p14="http://schemas.microsoft.com/office/powerpoint/2010/main" val="375894196"/>
+      </p:ext>
+    </p:extLst>
+  </p:cSld>
+  <p:clrMapOvr>
+    <a:masterClrMapping/>
+  </p:clrMapOvr>
+</p:sldLayout>
+</file>
+
+<file path=ppt/slideLayouts/slideLayout12.xml><?xml version="1.0" encoding="utf-8"?>
+<p:sldLayout xmlns:a="http://schemas.openxmlformats.org/drawingml/2006/main" xmlns:r="http://schemas.openxmlformats.org/officeDocument/2006/relationships" xmlns:p="http://schemas.openxmlformats.org/presentationml/2006/main" type="picTx" preserve="1">
+  <p:cSld name="Picture with Caption">
+    <p:spTree>
+      <p:nvGrpSpPr>
+        <p:cNvPr id="1" name=""/>
+        <p:cNvGrpSpPr/>
+        <p:nvPr/>
+      </p:nvGrpSpPr>
+      <p:grpSpPr>
+        <a:xfrm>
+          <a:off x="0" y="0"/>
+          <a:ext cx="0" cy="0"/>
+          <a:chOff x="0" y="0"/>
+          <a:chExt cx="0" cy="0"/>
+        </a:xfrm>
+      </p:grpSpPr>
+      <p:sp>
+        <p:nvSpPr>
+          <p:cNvPr id="2" name="Title 1">
+            <a:extLst>
+              <a:ext uri="{FF2B5EF4-FFF2-40B4-BE49-F238E27FC236}">
+                <a16:creationId xmlns:a16="http://schemas.microsoft.com/office/drawing/2014/main" id="{02EC6B47-AF45-444E-B166-14B26BD20486}"/>
+              </a:ext>
+            </a:extLst>
+          </p:cNvPr>
+          <p:cNvSpPr>
+            <a:spLocks noGrp="1"/>
+          </p:cNvSpPr>
+          <p:nvPr>
+            <p:ph type="title"/>
+          </p:nvPr>
+        </p:nvSpPr>
+        <p:spPr>
+          <a:xfrm>
+            <a:off x="839788" y="457200"/>
+            <a:ext cx="3932237" cy="1600200"/>
+          </a:xfrm>
+        </p:spPr>
+        <p:txBody>
+          <a:bodyPr anchor="b"/>
+          <a:lstStyle>
+            <a:lvl1pPr>
+              <a:defRPr sz="3200"/>
+            </a:lvl1pPr>
+          </a:lstStyle>
+          <a:p>
+            <a:r>
+              <a:rPr lang="en-US"/>
+              <a:t>Click to edit Master title style</a:t>
+            </a:r>
+          </a:p>
+        </p:txBody>
+      </p:sp>
+      <p:sp>
+        <p:nvSpPr>
+          <p:cNvPr id="3" name="Picture Placeholder 2">
+            <a:extLst>
+              <a:ext uri="{FF2B5EF4-FFF2-40B4-BE49-F238E27FC236}">
+                <a16:creationId xmlns:a16="http://schemas.microsoft.com/office/drawing/2014/main" id="{FB6EE360-D9DA-4021-A440-3B58CF319313}"/>
+              </a:ext>
+            </a:extLst>
+          </p:cNvPr>
+          <p:cNvSpPr>
+            <a:spLocks noGrp="1"/>
+          </p:cNvSpPr>
+          <p:nvPr>
+            <p:ph type="pic" idx="1"/>
+          </p:nvPr>
+        </p:nvSpPr>
+        <p:spPr>
+          <a:xfrm>
+            <a:off x="5183188" y="987425"/>
+            <a:ext cx="6172200" cy="4873625"/>
+          </a:xfrm>
+        </p:spPr>
+        <p:txBody>
+          <a:bodyPr/>
+          <a:lstStyle>
+            <a:lvl1pPr marL="0" indent="0">
+              <a:buNone/>
+              <a:defRPr sz="3200"/>
+            </a:lvl1pPr>
+            <a:lvl2pPr marL="457200" indent="0">
+              <a:buNone/>
+              <a:defRPr sz="2800"/>
+            </a:lvl2pPr>
+            <a:lvl3pPr marL="914400" indent="0">
+              <a:buNone/>
+              <a:defRPr sz="2400"/>
+            </a:lvl3pPr>
+            <a:lvl4pPr marL="1371600" indent="0">
+              <a:buNone/>
+              <a:defRPr sz="2000"/>
+            </a:lvl4pPr>
+            <a:lvl5pPr marL="1828800" indent="0">
+              <a:buNone/>
+              <a:defRPr sz="2000"/>
+            </a:lvl5pPr>
+            <a:lvl6pPr marL="2286000" indent="0">
+              <a:buNone/>
+              <a:defRPr sz="2000"/>
+            </a:lvl6pPr>
+            <a:lvl7pPr marL="2743200" indent="0">
+              <a:buNone/>
+              <a:defRPr sz="2000"/>
+            </a:lvl7pPr>
+            <a:lvl8pPr marL="3200400" indent="0">
+              <a:buNone/>
+              <a:defRPr sz="2000"/>
+            </a:lvl8pPr>
+            <a:lvl9pPr marL="3657600" indent="0">
+              <a:buNone/>
+              <a:defRPr sz="2000"/>
+            </a:lvl9pPr>
+          </a:lstStyle>
+          <a:p>
+            <a:r>
+              <a:rPr lang="en-US"/>
+              <a:t>Click icon to add picture</a:t>
+            </a:r>
+          </a:p>
+        </p:txBody>
+      </p:sp>
+      <p:sp>
+        <p:nvSpPr>
+          <p:cNvPr id="4" name="Text Placeholder 3">
+            <a:extLst>
+              <a:ext uri="{FF2B5EF4-FFF2-40B4-BE49-F238E27FC236}">
+                <a16:creationId xmlns:a16="http://schemas.microsoft.com/office/drawing/2014/main" id="{205FAB69-2536-4242-A051-49BED868E83E}"/>
+              </a:ext>
+            </a:extLst>
+          </p:cNvPr>
+          <p:cNvSpPr>
+            <a:spLocks noGrp="1"/>
+          </p:cNvSpPr>
+          <p:nvPr>
+            <p:ph type="body" sz="half" idx="2"/>
+          </p:nvPr>
+        </p:nvSpPr>
+        <p:spPr>
+          <a:xfrm>
+            <a:off x="839788" y="2057400"/>
+            <a:ext cx="3932237" cy="3811588"/>
+          </a:xfrm>
+        </p:spPr>
+        <p:txBody>
+          <a:bodyPr/>
+          <a:lstStyle>
+            <a:lvl1pPr marL="0" indent="0">
+              <a:buNone/>
+              <a:defRPr sz="1600"/>
+            </a:lvl1pPr>
+            <a:lvl2pPr marL="457200" indent="0">
+              <a:buNone/>
+              <a:defRPr sz="1400"/>
+            </a:lvl2pPr>
+            <a:lvl3pPr marL="914400" indent="0">
+              <a:buNone/>
+              <a:defRPr sz="1200"/>
+            </a:lvl3pPr>
+            <a:lvl4pPr marL="1371600" indent="0">
+              <a:buNone/>
+              <a:defRPr sz="1000"/>
+            </a:lvl4pPr>
+            <a:lvl5pPr marL="1828800" indent="0">
+              <a:buNone/>
+              <a:defRPr sz="1000"/>
+            </a:lvl5pPr>
+            <a:lvl6pPr marL="2286000" indent="0">
+              <a:buNone/>
+              <a:defRPr sz="1000"/>
+            </a:lvl6pPr>
+            <a:lvl7pPr marL="2743200" indent="0">
+              <a:buNone/>
+              <a:defRPr sz="1000"/>
+            </a:lvl7pPr>
+            <a:lvl8pPr marL="3200400" indent="0">
+              <a:buNone/>
+              <a:defRPr sz="1000"/>
+            </a:lvl8pPr>
+            <a:lvl9pPr marL="3657600" indent="0">
+              <a:buNone/>
+              <a:defRPr sz="1000"/>
+            </a:lvl9pPr>
+          </a:lstStyle>
+          <a:p>
+            <a:pPr lvl="0"/>
+            <a:r>
+              <a:rPr lang="en-US"/>
+              <a:t>Click to edit Master text styles</a:t>
+            </a:r>
+          </a:p>
+        </p:txBody>
+      </p:sp>
+      <p:sp>
+        <p:nvSpPr>
+          <p:cNvPr id="5" name="Date Placeholder 4">
+            <a:extLst>
+              <a:ext uri="{FF2B5EF4-FFF2-40B4-BE49-F238E27FC236}">
+                <a16:creationId xmlns:a16="http://schemas.microsoft.com/office/drawing/2014/main" id="{E4D5A149-D834-43FC-BC9A-202687E2DF41}"/>
+              </a:ext>
+            </a:extLst>
+          </p:cNvPr>
+          <p:cNvSpPr>
+            <a:spLocks noGrp="1"/>
+          </p:cNvSpPr>
+          <p:nvPr>
+            <p:ph type="dt" sz="half" idx="10"/>
+          </p:nvPr>
+        </p:nvSpPr>
+        <p:spPr/>
+        <p:txBody>
+          <a:bodyPr/>
+          <a:lstStyle/>
+          <a:p>
+            <a:fld id="{13014762-DFFB-4EBE-8655-EB0D0E44861E}" type="datetimeFigureOut">
+              <a:rPr lang="en-US" smtClean="0"/>
+              <a:t>2/19/2026</a:t>
+            </a:fld>
+            <a:endParaRPr lang="en-US"/>
+          </a:p>
+        </p:txBody>
+      </p:sp>
+      <p:sp>
+        <p:nvSpPr>
+          <p:cNvPr id="6" name="Footer Placeholder 5">
+            <a:extLst>
+              <a:ext uri="{FF2B5EF4-FFF2-40B4-BE49-F238E27FC236}">
+                <a16:creationId xmlns:a16="http://schemas.microsoft.com/office/drawing/2014/main" id="{0CAAEC10-F8A1-4167-A1E1-DDF70C091B12}"/>
+              </a:ext>
+            </a:extLst>
+          </p:cNvPr>
+          <p:cNvSpPr>
+            <a:spLocks noGrp="1"/>
+          </p:cNvSpPr>
+          <p:nvPr>
+            <p:ph type="ftr" sz="quarter" idx="11"/>
+          </p:nvPr>
+        </p:nvSpPr>
+        <p:spPr/>
+        <p:txBody>
+          <a:bodyPr/>
+          <a:lstStyle/>
+          <a:p>
+            <a:endParaRPr lang="en-US"/>
+          </a:p>
+        </p:txBody>
+      </p:sp>
+      <p:sp>
+        <p:nvSpPr>
+          <p:cNvPr id="7" name="Slide Number Placeholder 6">
+            <a:extLst>
+              <a:ext uri="{FF2B5EF4-FFF2-40B4-BE49-F238E27FC236}">
+                <a16:creationId xmlns:a16="http://schemas.microsoft.com/office/drawing/2014/main" id="{C00FAFD7-8C5E-4241-ADDF-33CB8DE03267}"/>
+              </a:ext>
+            </a:extLst>
+          </p:cNvPr>
+          <p:cNvSpPr>
+            <a:spLocks noGrp="1"/>
+          </p:cNvSpPr>
+          <p:nvPr>
+            <p:ph type="sldNum" sz="quarter" idx="12"/>
+          </p:nvPr>
+        </p:nvSpPr>
+        <p:spPr/>
+        <p:txBody>
+          <a:bodyPr/>
+          <a:lstStyle/>
+          <a:p>
+            <a:fld id="{698B0EB1-831C-4439-A09B-221EC37904F7}" type="slidenum">
+              <a:rPr lang="en-US" smtClean="0"/>
+              <a:t>‹#›</a:t>
+            </a:fld>
+            <a:endParaRPr lang="en-US"/>
+          </a:p>
+        </p:txBody>
+      </p:sp>
+    </p:spTree>
+    <p:extLst>
+      <p:ext uri="{BB962C8B-B14F-4D97-AF65-F5344CB8AC3E}">
+        <p14:creationId xmlns:p14="http://schemas.microsoft.com/office/powerpoint/2010/main" val="19572780"/>
+      </p:ext>
+    </p:extLst>
+  </p:cSld>
+  <p:clrMapOvr>
+    <a:masterClrMapping/>
+  </p:clrMapOvr>
+</p:sldLayout>
+</file>
+
+<file path=ppt/slideLayouts/slideLayout13.xml><?xml version="1.0" encoding="utf-8"?>
+<p:sldLayout xmlns:a="http://schemas.openxmlformats.org/drawingml/2006/main" xmlns:r="http://schemas.openxmlformats.org/officeDocument/2006/relationships" xmlns:p="http://schemas.openxmlformats.org/presentationml/2006/main" type="vertTx" preserve="1">
+  <p:cSld name="Title and Vertical Text">
+    <p:spTree>
+      <p:nvGrpSpPr>
+        <p:cNvPr id="1" name=""/>
+        <p:cNvGrpSpPr/>
+        <p:nvPr/>
+      </p:nvGrpSpPr>
+      <p:grpSpPr>
+        <a:xfrm>
+          <a:off x="0" y="0"/>
+          <a:ext cx="0" cy="0"/>
+          <a:chOff x="0" y="0"/>
+          <a:chExt cx="0" cy="0"/>
+        </a:xfrm>
+      </p:grpSpPr>
+      <p:sp>
+        <p:nvSpPr>
+          <p:cNvPr id="2" name="Title 1">
+            <a:extLst>
+              <a:ext uri="{FF2B5EF4-FFF2-40B4-BE49-F238E27FC236}">
+                <a16:creationId xmlns:a16="http://schemas.microsoft.com/office/drawing/2014/main" id="{CAF5659B-6963-492D-8016-EE3381971CD4}"/>
+              </a:ext>
+            </a:extLst>
+          </p:cNvPr>
+          <p:cNvSpPr>
+            <a:spLocks noGrp="1"/>
+          </p:cNvSpPr>
+          <p:nvPr>
+            <p:ph type="title"/>
+          </p:nvPr>
+        </p:nvSpPr>
+        <p:spPr/>
+        <p:txBody>
+          <a:bodyPr/>
+          <a:lstStyle/>
+          <a:p>
+            <a:r>
+              <a:rPr lang="en-US"/>
+              <a:t>Click to edit Master title style</a:t>
+            </a:r>
+          </a:p>
+        </p:txBody>
+      </p:sp>
+      <p:sp>
+        <p:nvSpPr>
+          <p:cNvPr id="3" name="Vertical Text Placeholder 2">
+            <a:extLst>
+              <a:ext uri="{FF2B5EF4-FFF2-40B4-BE49-F238E27FC236}">
+                <a16:creationId xmlns:a16="http://schemas.microsoft.com/office/drawing/2014/main" id="{214584C3-06E8-41AE-95D1-E3BD088AA1C1}"/>
+              </a:ext>
+            </a:extLst>
+          </p:cNvPr>
+          <p:cNvSpPr>
+            <a:spLocks noGrp="1"/>
+          </p:cNvSpPr>
+          <p:nvPr>
+            <p:ph type="body" orient="vert" idx="1"/>
+          </p:nvPr>
+        </p:nvSpPr>
+        <p:spPr/>
+        <p:txBody>
+          <a:bodyPr vert="eaVert"/>
+          <a:lstStyle/>
+          <a:p>
+            <a:pPr lvl="0"/>
+            <a:r>
+              <a:rPr lang="en-US"/>
+              <a:t>Click to edit Master text styles</a:t>
+            </a:r>
+          </a:p>
+          <a:p>
+            <a:pPr lvl="1"/>
+            <a:r>
+              <a:rPr lang="en-US"/>
+              <a:t>Second level</a:t>
+            </a:r>
+          </a:p>
+          <a:p>
+            <a:pPr lvl="2"/>
+            <a:r>
+              <a:rPr lang="en-US"/>
+              <a:t>Third level</a:t>
+            </a:r>
+          </a:p>
+          <a:p>
+            <a:pPr lvl="3"/>
+            <a:r>
+              <a:rPr lang="en-US"/>
+              <a:t>Fourth level</a:t>
+            </a:r>
+          </a:p>
+          <a:p>
+            <a:pPr lvl="4"/>
+            <a:r>
+              <a:rPr lang="en-US"/>
+              <a:t>Fifth level</a:t>
+            </a:r>
+          </a:p>
+        </p:txBody>
+      </p:sp>
+      <p:sp>
+        <p:nvSpPr>
+          <p:cNvPr id="4" name="Date Placeholder 3">
+            <a:extLst>
+              <a:ext uri="{FF2B5EF4-FFF2-40B4-BE49-F238E27FC236}">
+                <a16:creationId xmlns:a16="http://schemas.microsoft.com/office/drawing/2014/main" id="{7DECC6B3-6450-4C26-8B73-0CFCD3DFE12A}"/>
+              </a:ext>
+            </a:extLst>
+          </p:cNvPr>
+          <p:cNvSpPr>
+            <a:spLocks noGrp="1"/>
+          </p:cNvSpPr>
+          <p:nvPr>
+            <p:ph type="dt" sz="half" idx="10"/>
+          </p:nvPr>
+        </p:nvSpPr>
+        <p:spPr/>
+        <p:txBody>
+          <a:bodyPr/>
+          <a:lstStyle/>
+          <a:p>
+            <a:fld id="{13014762-DFFB-4EBE-8655-EB0D0E44861E}" type="datetimeFigureOut">
+              <a:rPr lang="en-US" smtClean="0"/>
+              <a:t>2/19/2026</a:t>
+            </a:fld>
+            <a:endParaRPr lang="en-US"/>
+          </a:p>
+        </p:txBody>
+      </p:sp>
+      <p:sp>
+        <p:nvSpPr>
+          <p:cNvPr id="5" name="Footer Placeholder 4">
+            <a:extLst>
+              <a:ext uri="{FF2B5EF4-FFF2-40B4-BE49-F238E27FC236}">
+                <a16:creationId xmlns:a16="http://schemas.microsoft.com/office/drawing/2014/main" id="{5318CFCF-8A5A-43F3-A1E1-3069AA971A57}"/>
+              </a:ext>
+            </a:extLst>
+          </p:cNvPr>
+          <p:cNvSpPr>
+            <a:spLocks noGrp="1"/>
+          </p:cNvSpPr>
+          <p:nvPr>
+            <p:ph type="ftr" sz="quarter" idx="11"/>
+          </p:nvPr>
+        </p:nvSpPr>
+        <p:spPr/>
+        <p:txBody>
+          <a:bodyPr/>
+          <a:lstStyle/>
+          <a:p>
+            <a:endParaRPr lang="en-US"/>
+          </a:p>
+        </p:txBody>
+      </p:sp>
+      <p:sp>
+        <p:nvSpPr>
+          <p:cNvPr id="6" name="Slide Number Placeholder 5">
+            <a:extLst>
+              <a:ext uri="{FF2B5EF4-FFF2-40B4-BE49-F238E27FC236}">
+                <a16:creationId xmlns:a16="http://schemas.microsoft.com/office/drawing/2014/main" id="{5E9F8B1E-962A-4D78-978E-A512A0E9DF6E}"/>
+              </a:ext>
+            </a:extLst>
+          </p:cNvPr>
+          <p:cNvSpPr>
+            <a:spLocks noGrp="1"/>
+          </p:cNvSpPr>
+          <p:nvPr>
+            <p:ph type="sldNum" sz="quarter" idx="12"/>
+          </p:nvPr>
+        </p:nvSpPr>
+        <p:spPr/>
+        <p:txBody>
+          <a:bodyPr/>
+          <a:lstStyle/>
+          <a:p>
+            <a:fld id="{698B0EB1-831C-4439-A09B-221EC37904F7}" type="slidenum">
+              <a:rPr lang="en-US" smtClean="0"/>
+              <a:t>‹#›</a:t>
+            </a:fld>
+            <a:endParaRPr lang="en-US"/>
+          </a:p>
+        </p:txBody>
+      </p:sp>
+    </p:spTree>
+    <p:extLst>
+      <p:ext uri="{BB962C8B-B14F-4D97-AF65-F5344CB8AC3E}">
+        <p14:creationId xmlns:p14="http://schemas.microsoft.com/office/powerpoint/2010/main" val="36385294"/>
+      </p:ext>
+    </p:extLst>
+  </p:cSld>
+  <p:clrMapOvr>
+    <a:masterClrMapping/>
+  </p:clrMapOvr>
+</p:sldLayout>
+</file>
+
+<file path=ppt/slideLayouts/slideLayout14.xml><?xml version="1.0" encoding="utf-8"?>
+<p:sldLayout xmlns:a="http://schemas.openxmlformats.org/drawingml/2006/main" xmlns:r="http://schemas.openxmlformats.org/officeDocument/2006/relationships" xmlns:p="http://schemas.openxmlformats.org/presentationml/2006/main" type="vertTitleAndTx" preserve="1">
+  <p:cSld name="Vertical Title and Text">
+    <p:spTree>
+      <p:nvGrpSpPr>
+        <p:cNvPr id="1" name=""/>
+        <p:cNvGrpSpPr/>
+        <p:nvPr/>
+      </p:nvGrpSpPr>
+      <p:grpSpPr>
+        <a:xfrm>
+          <a:off x="0" y="0"/>
+          <a:ext cx="0" cy="0"/>
+          <a:chOff x="0" y="0"/>
+          <a:chExt cx="0" cy="0"/>
+        </a:xfrm>
+      </p:grpSpPr>
+      <p:sp>
+        <p:nvSpPr>
+          <p:cNvPr id="2" name="Vertical Title 1">
+            <a:extLst>
+              <a:ext uri="{FF2B5EF4-FFF2-40B4-BE49-F238E27FC236}">
+                <a16:creationId xmlns:a16="http://schemas.microsoft.com/office/drawing/2014/main" id="{FFD0FA23-1206-4DF2-8AA8-0999EAF8011E}"/>
+              </a:ext>
+            </a:extLst>
+          </p:cNvPr>
+          <p:cNvSpPr>
+            <a:spLocks noGrp="1"/>
+          </p:cNvSpPr>
+          <p:nvPr>
+            <p:ph type="title" orient="vert"/>
+          </p:nvPr>
+        </p:nvSpPr>
+        <p:spPr>
+          <a:xfrm>
+            <a:off x="8724900" y="365125"/>
+            <a:ext cx="2628900" cy="5811838"/>
+          </a:xfrm>
+        </p:spPr>
+        <p:txBody>
+          <a:bodyPr vert="eaVert"/>
+          <a:lstStyle/>
+          <a:p>
+            <a:r>
+              <a:rPr lang="en-US"/>
+              <a:t>Click to edit Master title style</a:t>
+            </a:r>
+          </a:p>
+        </p:txBody>
+      </p:sp>
+      <p:sp>
+        <p:nvSpPr>
+          <p:cNvPr id="3" name="Vertical Text Placeholder 2">
+            <a:extLst>
+              <a:ext uri="{FF2B5EF4-FFF2-40B4-BE49-F238E27FC236}">
+                <a16:creationId xmlns:a16="http://schemas.microsoft.com/office/drawing/2014/main" id="{3B882FB8-7E82-4ECC-B1F4-A747F1BEBD9D}"/>
+              </a:ext>
+            </a:extLst>
+          </p:cNvPr>
+          <p:cNvSpPr>
+            <a:spLocks noGrp="1"/>
+          </p:cNvSpPr>
+          <p:nvPr>
+            <p:ph type="body" orient="vert" idx="1"/>
+          </p:nvPr>
+        </p:nvSpPr>
+        <p:spPr>
+          <a:xfrm>
+            <a:off x="838200" y="365125"/>
+            <a:ext cx="7734300" cy="5811838"/>
+          </a:xfrm>
+        </p:spPr>
+        <p:txBody>
+          <a:bodyPr vert="eaVert"/>
+          <a:lstStyle/>
+          <a:p>
+            <a:pPr lvl="0"/>
+            <a:r>
+              <a:rPr lang="en-US"/>
+              <a:t>Click to edit Master text styles</a:t>
+            </a:r>
+          </a:p>
+          <a:p>
+            <a:pPr lvl="1"/>
+            <a:r>
+              <a:rPr lang="en-US"/>
+              <a:t>Second level</a:t>
+            </a:r>
+          </a:p>
+          <a:p>
+            <a:pPr lvl="2"/>
+            <a:r>
+              <a:rPr lang="en-US"/>
+              <a:t>Third level</a:t>
+            </a:r>
+          </a:p>
+          <a:p>
+            <a:pPr lvl="3"/>
+            <a:r>
+              <a:rPr lang="en-US"/>
+              <a:t>Fourth level</a:t>
+            </a:r>
+          </a:p>
+          <a:p>
+            <a:pPr lvl="4"/>
+            <a:r>
+              <a:rPr lang="en-US"/>
+              <a:t>Fifth level</a:t>
+            </a:r>
+          </a:p>
+        </p:txBody>
+      </p:sp>
+      <p:sp>
+        <p:nvSpPr>
+          <p:cNvPr id="4" name="Date Placeholder 3">
+            <a:extLst>
+              <a:ext uri="{FF2B5EF4-FFF2-40B4-BE49-F238E27FC236}">
+                <a16:creationId xmlns:a16="http://schemas.microsoft.com/office/drawing/2014/main" id="{345F2896-FDAC-4D0A-9161-CF53F980F965}"/>
+              </a:ext>
+            </a:extLst>
+          </p:cNvPr>
+          <p:cNvSpPr>
+            <a:spLocks noGrp="1"/>
+          </p:cNvSpPr>
+          <p:nvPr>
+            <p:ph type="dt" sz="half" idx="10"/>
+          </p:nvPr>
+        </p:nvSpPr>
+        <p:spPr/>
+        <p:txBody>
+          <a:bodyPr/>
+          <a:lstStyle/>
+          <a:p>
+            <a:fld id="{13014762-DFFB-4EBE-8655-EB0D0E44861E}" type="datetimeFigureOut">
+              <a:rPr lang="en-US" smtClean="0"/>
+              <a:t>2/19/2026</a:t>
+            </a:fld>
+            <a:endParaRPr lang="en-US"/>
+          </a:p>
+        </p:txBody>
+      </p:sp>
+      <p:sp>
+        <p:nvSpPr>
+          <p:cNvPr id="5" name="Footer Placeholder 4">
+            <a:extLst>
+              <a:ext uri="{FF2B5EF4-FFF2-40B4-BE49-F238E27FC236}">
+                <a16:creationId xmlns:a16="http://schemas.microsoft.com/office/drawing/2014/main" id="{30343B7F-83F0-4671-8918-80CDEE283D8C}"/>
+              </a:ext>
+            </a:extLst>
+          </p:cNvPr>
+          <p:cNvSpPr>
+            <a:spLocks noGrp="1"/>
+          </p:cNvSpPr>
+          <p:nvPr>
+            <p:ph type="ftr" sz="quarter" idx="11"/>
+          </p:nvPr>
+        </p:nvSpPr>
+        <p:spPr/>
+        <p:txBody>
+          <a:bodyPr/>
+          <a:lstStyle/>
+          <a:p>
+            <a:endParaRPr lang="en-US"/>
+          </a:p>
+        </p:txBody>
+      </p:sp>
+      <p:sp>
+        <p:nvSpPr>
+          <p:cNvPr id="6" name="Slide Number Placeholder 5">
+            <a:extLst>
+              <a:ext uri="{FF2B5EF4-FFF2-40B4-BE49-F238E27FC236}">
+                <a16:creationId xmlns:a16="http://schemas.microsoft.com/office/drawing/2014/main" id="{2A1742F1-0E5D-42FE-AFA0-A4F5B15D35B2}"/>
+              </a:ext>
+            </a:extLst>
+          </p:cNvPr>
+          <p:cNvSpPr>
+            <a:spLocks noGrp="1"/>
+          </p:cNvSpPr>
+          <p:nvPr>
+            <p:ph type="sldNum" sz="quarter" idx="12"/>
+          </p:nvPr>
+        </p:nvSpPr>
+        <p:spPr/>
+        <p:txBody>
+          <a:bodyPr/>
+          <a:lstStyle/>
+          <a:p>
+            <a:fld id="{698B0EB1-831C-4439-A09B-221EC37904F7}" type="slidenum">
+              <a:rPr lang="en-US" smtClean="0"/>
+              <a:t>‹#›</a:t>
+            </a:fld>
+            <a:endParaRPr lang="en-US"/>
+          </a:p>
+        </p:txBody>
+      </p:sp>
+    </p:spTree>
+    <p:extLst>
+      <p:ext uri="{BB962C8B-B14F-4D97-AF65-F5344CB8AC3E}">
+        <p14:creationId xmlns:p14="http://schemas.microsoft.com/office/powerpoint/2010/main" val="593627078"/>
+      </p:ext>
+    </p:extLst>
+  </p:cSld>
+  <p:clrMapOvr>
+    <a:masterClrMapping/>
+  </p:clrMapOvr>
+</p:sldLayout>
+</file>
+
+<file path=ppt/slideLayouts/slideLayout2.xml><?xml version="1.0" encoding="utf-8"?>
 <p:sldLayout xmlns:a="http://schemas.openxmlformats.org/drawingml/2006/main" xmlns:r="http://schemas.openxmlformats.org/officeDocument/2006/relationships" xmlns:p="http://schemas.openxmlformats.org/presentationml/2006/main" preserve="1" userDrawn="1">
   <p:cSld name="Q&amp;A 2">
     <p:spTree>
@@ -4489,7 +4348,7 @@
 </p:sldLayout>
 </file>
 
-<file path=ppt/slideLayouts/slideLayout4.xml><?xml version="1.0" encoding="utf-8"?>
+<file path=ppt/slideLayouts/slideLayout3.xml><?xml version="1.0" encoding="utf-8"?>
 <p:sldLayout xmlns:a="http://schemas.openxmlformats.org/drawingml/2006/main" xmlns:r="http://schemas.openxmlformats.org/officeDocument/2006/relationships" xmlns:p="http://schemas.openxmlformats.org/presentationml/2006/main" preserve="1" userDrawn="1">
   <p:cSld name="Question and Answer ">
     <p:spTree>
@@ -5175,6 +5034,147 @@
 </p:sldLayout>
 </file>
 
+<file path=ppt/slideLayouts/slideLayout4.xml><?xml version="1.0" encoding="utf-8"?>
+<p:sldLayout xmlns:a="http://schemas.openxmlformats.org/drawingml/2006/main" xmlns:r="http://schemas.openxmlformats.org/officeDocument/2006/relationships" xmlns:p="http://schemas.openxmlformats.org/presentationml/2006/main" preserve="1" userDrawn="1">
+  <p:cSld name="Custom Layout">
+    <p:spTree>
+      <p:nvGrpSpPr>
+        <p:cNvPr id="1" name=""/>
+        <p:cNvGrpSpPr/>
+        <p:nvPr/>
+      </p:nvGrpSpPr>
+      <p:grpSpPr>
+        <a:xfrm>
+          <a:off x="0" y="0"/>
+          <a:ext cx="0" cy="0"/>
+          <a:chOff x="0" y="0"/>
+          <a:chExt cx="0" cy="0"/>
+        </a:xfrm>
+      </p:grpSpPr>
+      <p:sp>
+        <p:nvSpPr>
+          <p:cNvPr id="2" name="Title 1">
+            <a:extLst>
+              <a:ext uri="{FF2B5EF4-FFF2-40B4-BE49-F238E27FC236}">
+                <a16:creationId xmlns:a16="http://schemas.microsoft.com/office/drawing/2014/main" id="{0CDA8AA7-8EA0-59A2-B496-71DF0D135F02}"/>
+              </a:ext>
+            </a:extLst>
+          </p:cNvPr>
+          <p:cNvSpPr>
+            <a:spLocks noGrp="1"/>
+          </p:cNvSpPr>
+          <p:nvPr>
+            <p:ph type="title"/>
+          </p:nvPr>
+        </p:nvSpPr>
+        <p:spPr/>
+        <p:txBody>
+          <a:bodyPr/>
+          <a:lstStyle/>
+          <a:p>
+            <a:r>
+              <a:rPr lang="en-US"/>
+              <a:t>Click to edit Master title style</a:t>
+            </a:r>
+          </a:p>
+        </p:txBody>
+      </p:sp>
+      <p:sp>
+        <p:nvSpPr>
+          <p:cNvPr id="3" name="Date Placeholder 2">
+            <a:extLst>
+              <a:ext uri="{FF2B5EF4-FFF2-40B4-BE49-F238E27FC236}">
+                <a16:creationId xmlns:a16="http://schemas.microsoft.com/office/drawing/2014/main" id="{BA49D652-4E7E-92A9-BF62-A14DE5F061F4}"/>
+              </a:ext>
+            </a:extLst>
+          </p:cNvPr>
+          <p:cNvSpPr>
+            <a:spLocks noGrp="1"/>
+          </p:cNvSpPr>
+          <p:nvPr>
+            <p:ph type="dt" sz="half" idx="10"/>
+          </p:nvPr>
+        </p:nvSpPr>
+        <p:spPr/>
+        <p:txBody>
+          <a:bodyPr/>
+          <a:lstStyle/>
+          <a:p>
+            <a:fld id="{13014762-DFFB-4EBE-8655-EB0D0E44861E}" type="datetimeFigureOut">
+              <a:rPr lang="en-US" smtClean="0"/>
+              <a:t>2/19/2026</a:t>
+            </a:fld>
+            <a:endParaRPr lang="en-US"/>
+          </a:p>
+        </p:txBody>
+      </p:sp>
+      <p:sp>
+        <p:nvSpPr>
+          <p:cNvPr id="4" name="Footer Placeholder 3">
+            <a:extLst>
+              <a:ext uri="{FF2B5EF4-FFF2-40B4-BE49-F238E27FC236}">
+                <a16:creationId xmlns:a16="http://schemas.microsoft.com/office/drawing/2014/main" id="{D733C40B-E264-B308-7B73-F01C193F1EBF}"/>
+              </a:ext>
+            </a:extLst>
+          </p:cNvPr>
+          <p:cNvSpPr>
+            <a:spLocks noGrp="1"/>
+          </p:cNvSpPr>
+          <p:nvPr>
+            <p:ph type="ftr" sz="quarter" idx="11"/>
+          </p:nvPr>
+        </p:nvSpPr>
+        <p:spPr/>
+        <p:txBody>
+          <a:bodyPr/>
+          <a:lstStyle/>
+          <a:p>
+            <a:endParaRPr lang="en-US"/>
+          </a:p>
+        </p:txBody>
+      </p:sp>
+      <p:sp>
+        <p:nvSpPr>
+          <p:cNvPr id="5" name="Slide Number Placeholder 4">
+            <a:extLst>
+              <a:ext uri="{FF2B5EF4-FFF2-40B4-BE49-F238E27FC236}">
+                <a16:creationId xmlns:a16="http://schemas.microsoft.com/office/drawing/2014/main" id="{6032C9BD-71E5-5F2C-D1DE-F17F1267F704}"/>
+              </a:ext>
+            </a:extLst>
+          </p:cNvPr>
+          <p:cNvSpPr>
+            <a:spLocks noGrp="1"/>
+          </p:cNvSpPr>
+          <p:nvPr>
+            <p:ph type="sldNum" sz="quarter" idx="12"/>
+          </p:nvPr>
+        </p:nvSpPr>
+        <p:spPr/>
+        <p:txBody>
+          <a:bodyPr/>
+          <a:lstStyle/>
+          <a:p>
+            <a:fld id="{698B0EB1-831C-4439-A09B-221EC37904F7}" type="slidenum">
+              <a:rPr lang="en-US" smtClean="0"/>
+              <a:t>‹#›</a:t>
+            </a:fld>
+            <a:endParaRPr lang="en-US"/>
+          </a:p>
+        </p:txBody>
+      </p:sp>
+    </p:spTree>
+    <p:extLst>
+      <p:ext uri="{BB962C8B-B14F-4D97-AF65-F5344CB8AC3E}">
+        <p14:creationId xmlns:p14="http://schemas.microsoft.com/office/powerpoint/2010/main" val="845933481"/>
+      </p:ext>
+    </p:extLst>
+  </p:cSld>
+  <p:clrMapOvr>
+    <a:masterClrMapping/>
+  </p:clrMapOvr>
+</p:sldLayout>
+</file>
+
 <file path=ppt/slideLayouts/slideLayout5.xml><?xml version="1.0" encoding="utf-8"?>
 <p:sldLayout xmlns:a="http://schemas.openxmlformats.org/drawingml/2006/main" xmlns:r="http://schemas.openxmlformats.org/officeDocument/2006/relationships" xmlns:p="http://schemas.openxmlformats.org/presentationml/2006/main" type="obj" preserve="1">
   <p:cSld name="Title and Content">
@@ -7009,10 +7009,10 @@
   </p:cSld>
   <p:clrMap bg1="lt1" tx1="dk1" bg2="lt2" tx2="dk2" accent1="accent1" accent2="accent2" accent3="accent3" accent4="accent4" accent5="accent5" accent6="accent6" hlink="hlink" folHlink="folHlink"/>
   <p:sldLayoutIdLst>
-    <p:sldLayoutId id="2147483662" r:id="rId1"/>
-    <p:sldLayoutId id="2147483649" r:id="rId2"/>
-    <p:sldLayoutId id="2147483664" r:id="rId3"/>
-    <p:sldLayoutId id="2147483660" r:id="rId4"/>
+    <p:sldLayoutId id="2147483649" r:id="rId1"/>
+    <p:sldLayoutId id="2147483664" r:id="rId2"/>
+    <p:sldLayoutId id="2147483660" r:id="rId3"/>
+    <p:sldLayoutId id="2147483662" r:id="rId4"/>
     <p:sldLayoutId id="2147483650" r:id="rId5"/>
     <p:sldLayoutId id="2147483651" r:id="rId6"/>
     <p:sldLayoutId id="2147483652" r:id="rId7"/>

--- a/alcoholquestions.pptx
+++ b/alcoholquestions.pptx
@@ -134,7 +134,7 @@
   <pc:docChgLst>
     <pc:chgData name="Brennan Brown" userId="bcf6cc9e-21d7-4e63-b7dc-a8459bd698b0" providerId="ADAL" clId="{30F1509B-5785-4C08-8791-C8021B43727B}"/>
     <pc:docChg chg="undo redo custSel addSld delSld modSld sldOrd delMainMaster modMainMaster">
-      <pc:chgData name="Brennan Brown" userId="bcf6cc9e-21d7-4e63-b7dc-a8459bd698b0" providerId="ADAL" clId="{30F1509B-5785-4C08-8791-C8021B43727B}" dt="2026-02-19T15:39:35.459" v="282" actId="20578"/>
+      <pc:chgData name="Brennan Brown" userId="bcf6cc9e-21d7-4e63-b7dc-a8459bd698b0" providerId="ADAL" clId="{30F1509B-5785-4C08-8791-C8021B43727B}" dt="2026-02-19T15:40:21.280" v="286" actId="1076"/>
       <pc:docMkLst>
         <pc:docMk/>
       </pc:docMkLst>
@@ -335,7 +335,7 @@
         </pc:picChg>
       </pc:sldChg>
       <pc:sldChg chg="addSp delSp modSp new mod modClrScheme modAnim chgLayout">
-        <pc:chgData name="Brennan Brown" userId="bcf6cc9e-21d7-4e63-b7dc-a8459bd698b0" providerId="ADAL" clId="{30F1509B-5785-4C08-8791-C8021B43727B}" dt="2026-02-19T15:38:55.226" v="267"/>
+        <pc:chgData name="Brennan Brown" userId="bcf6cc9e-21d7-4e63-b7dc-a8459bd698b0" providerId="ADAL" clId="{30F1509B-5785-4C08-8791-C8021B43727B}" dt="2026-02-19T15:40:21.280" v="286" actId="1076"/>
         <pc:sldMkLst>
           <pc:docMk/>
           <pc:sldMk cId="3840861800" sldId="336"/>
@@ -357,7 +357,7 @@
           </ac:spMkLst>
         </pc:spChg>
         <pc:spChg chg="add mod">
-          <ac:chgData name="Brennan Brown" userId="bcf6cc9e-21d7-4e63-b7dc-a8459bd698b0" providerId="ADAL" clId="{30F1509B-5785-4C08-8791-C8021B43727B}" dt="2026-02-19T15:10:43.730" v="129" actId="20577"/>
+          <ac:chgData name="Brennan Brown" userId="bcf6cc9e-21d7-4e63-b7dc-a8459bd698b0" providerId="ADAL" clId="{30F1509B-5785-4C08-8791-C8021B43727B}" dt="2026-02-19T15:40:19.184" v="285" actId="1076"/>
           <ac:spMkLst>
             <pc:docMk/>
             <pc:sldMk cId="3840861800" sldId="336"/>
@@ -365,7 +365,7 @@
           </ac:spMkLst>
         </pc:spChg>
         <pc:spChg chg="add mod">
-          <ac:chgData name="Brennan Brown" userId="bcf6cc9e-21d7-4e63-b7dc-a8459bd698b0" providerId="ADAL" clId="{30F1509B-5785-4C08-8791-C8021B43727B}" dt="2026-02-19T15:10:52.850" v="159" actId="20577"/>
+          <ac:chgData name="Brennan Brown" userId="bcf6cc9e-21d7-4e63-b7dc-a8459bd698b0" providerId="ADAL" clId="{30F1509B-5785-4C08-8791-C8021B43727B}" dt="2026-02-19T15:40:21.280" v="286" actId="1076"/>
           <ac:spMkLst>
             <pc:docMk/>
             <pc:sldMk cId="3840861800" sldId="336"/>
@@ -8736,7 +8736,12 @@
             <p:ph type="ctrTitle"/>
           </p:nvPr>
         </p:nvSpPr>
-        <p:spPr/>
+        <p:spPr>
+          <a:xfrm>
+            <a:off x="-669956" y="-496667"/>
+            <a:ext cx="10498347" cy="2387600"/>
+          </a:xfrm>
+        </p:spPr>
         <p:txBody>
           <a:bodyPr/>
           <a:lstStyle/>
@@ -8766,8 +8771,8 @@
         </p:nvSpPr>
         <p:spPr>
           <a:xfrm>
-            <a:off x="1524000" y="3602038"/>
-            <a:ext cx="9144000" cy="1655762"/>
+            <a:off x="971738" y="1890933"/>
+            <a:ext cx="9144000" cy="571610"/>
           </a:xfrm>
         </p:spPr>
         <p:txBody>

--- a/alcoholquestions.pptx
+++ b/alcoholquestions.pptx
@@ -12,9 +12,10 @@
     <p:sldId id="334" r:id="rId9"/>
     <p:sldId id="335" r:id="rId10"/>
     <p:sldId id="336" r:id="rId11"/>
-    <p:sldId id="338" r:id="rId12"/>
-    <p:sldId id="339" r:id="rId13"/>
-    <p:sldId id="340" r:id="rId14"/>
+    <p:sldId id="341" r:id="rId12"/>
+    <p:sldId id="338" r:id="rId13"/>
+    <p:sldId id="339" r:id="rId14"/>
+    <p:sldId id="340" r:id="rId15"/>
   </p:sldIdLst>
   <p:sldSz cx="12192000" cy="6858000"/>
   <p:notesSz cx="6858000" cy="9144000"/>
@@ -134,7 +135,7 @@
   <pc:docChgLst>
     <pc:chgData name="Brennan Brown" userId="bcf6cc9e-21d7-4e63-b7dc-a8459bd698b0" providerId="ADAL" clId="{30F1509B-5785-4C08-8791-C8021B43727B}"/>
     <pc:docChg chg="undo redo custSel addSld delSld modSld sldOrd delMainMaster modMainMaster">
-      <pc:chgData name="Brennan Brown" userId="bcf6cc9e-21d7-4e63-b7dc-a8459bd698b0" providerId="ADAL" clId="{30F1509B-5785-4C08-8791-C8021B43727B}" dt="2026-02-19T15:40:21.280" v="286" actId="1076"/>
+      <pc:chgData name="Brennan Brown" userId="bcf6cc9e-21d7-4e63-b7dc-a8459bd698b0" providerId="ADAL" clId="{30F1509B-5785-4C08-8791-C8021B43727B}" dt="2026-02-19T15:41:09.662" v="287" actId="680"/>
       <pc:docMkLst>
         <pc:docMk/>
       </pc:docMkLst>
@@ -560,6 +561,13 @@
           </ac:picMkLst>
         </pc:picChg>
       </pc:sldChg>
+      <pc:sldChg chg="new">
+        <pc:chgData name="Brennan Brown" userId="bcf6cc9e-21d7-4e63-b7dc-a8459bd698b0" providerId="ADAL" clId="{30F1509B-5785-4C08-8791-C8021B43727B}" dt="2026-02-19T15:41:09.662" v="287" actId="680"/>
+        <pc:sldMkLst>
+          <pc:docMk/>
+          <pc:sldMk cId="2132112343" sldId="341"/>
+        </pc:sldMkLst>
+      </pc:sldChg>
       <pc:sldMasterChg chg="modSldLayout sldLayoutOrd">
         <pc:chgData name="Brennan Brown" userId="bcf6cc9e-21d7-4e63-b7dc-a8459bd698b0" providerId="ADAL" clId="{30F1509B-5785-4C08-8791-C8021B43727B}" dt="2026-02-19T15:39:35.459" v="282" actId="20578"/>
         <pc:sldMasterMkLst>
@@ -7417,6 +7425,100 @@
       </p:grpSpPr>
       <p:pic>
         <p:nvPicPr>
+          <p:cNvPr id="8" name="Online Image Placeholder 7">
+            <a:extLst>
+              <a:ext uri="{FF2B5EF4-FFF2-40B4-BE49-F238E27FC236}">
+                <a16:creationId xmlns:a16="http://schemas.microsoft.com/office/drawing/2014/main" id="{1604B358-AA62-A4D9-CBBF-FADCF25BA970}"/>
+              </a:ext>
+            </a:extLst>
+          </p:cNvPr>
+          <p:cNvPicPr>
+            <a:picLocks noGrp="1" noChangeAspect="1"/>
+          </p:cNvPicPr>
+          <p:nvPr>
+            <p:ph type="clipArt" sz="quarter" idx="13"/>
+          </p:nvPr>
+        </p:nvPicPr>
+        <p:blipFill>
+          <a:blip r:embed="rId2"/>
+          <a:stretch>
+            <a:fillRect/>
+          </a:stretch>
+        </p:blipFill>
+        <p:spPr>
+          <a:xfrm>
+            <a:off x="4276471" y="1092103"/>
+            <a:ext cx="3639058" cy="1390844"/>
+          </a:xfrm>
+          <a:prstGeom prst="rect">
+            <a:avLst/>
+          </a:prstGeom>
+        </p:spPr>
+      </p:pic>
+      <p:pic>
+        <p:nvPicPr>
+          <p:cNvPr id="9" name="Online Image Placeholder 8">
+            <a:extLst>
+              <a:ext uri="{FF2B5EF4-FFF2-40B4-BE49-F238E27FC236}">
+                <a16:creationId xmlns:a16="http://schemas.microsoft.com/office/drawing/2014/main" id="{9FADD5FF-99B8-4B5A-AA92-EFCD259292F5}"/>
+              </a:ext>
+            </a:extLst>
+          </p:cNvPr>
+          <p:cNvPicPr>
+            <a:picLocks noGrp="1" noChangeAspect="1"/>
+          </p:cNvPicPr>
+          <p:nvPr>
+            <p:ph type="clipArt" sz="quarter" idx="14"/>
+          </p:nvPr>
+        </p:nvPicPr>
+        <p:blipFill>
+          <a:blip r:embed="rId3"/>
+          <a:stretch>
+            <a:fillRect/>
+          </a:stretch>
+        </p:blipFill>
+        <p:spPr>
+          <a:xfrm>
+            <a:off x="2482850" y="4605659"/>
+            <a:ext cx="7226300" cy="928044"/>
+          </a:xfrm>
+          <a:prstGeom prst="rect">
+            <a:avLst/>
+          </a:prstGeom>
+        </p:spPr>
+      </p:pic>
+    </p:spTree>
+    <p:extLst>
+      <p:ext uri="{BB962C8B-B14F-4D97-AF65-F5344CB8AC3E}">
+        <p14:creationId xmlns:p14="http://schemas.microsoft.com/office/powerpoint/2010/main" val="3014626694"/>
+      </p:ext>
+    </p:extLst>
+  </p:cSld>
+  <p:clrMapOvr>
+    <a:masterClrMapping/>
+  </p:clrMapOvr>
+</p:sld>
+</file>
+
+<file path=ppt/slides/slide11.xml><?xml version="1.0" encoding="utf-8"?>
+<p:sld xmlns:a="http://schemas.openxmlformats.org/drawingml/2006/main" xmlns:r="http://schemas.openxmlformats.org/officeDocument/2006/relationships" xmlns:p="http://schemas.openxmlformats.org/presentationml/2006/main">
+  <p:cSld>
+    <p:spTree>
+      <p:nvGrpSpPr>
+        <p:cNvPr id="1" name=""/>
+        <p:cNvGrpSpPr/>
+        <p:nvPr/>
+      </p:nvGrpSpPr>
+      <p:grpSpPr>
+        <a:xfrm>
+          <a:off x="0" y="0"/>
+          <a:ext cx="0" cy="0"/>
+          <a:chOff x="0" y="0"/>
+          <a:chExt cx="0" cy="0"/>
+        </a:xfrm>
+      </p:grpSpPr>
+      <p:pic>
+        <p:nvPicPr>
           <p:cNvPr id="9" name="Online Image Placeholder 8">
             <a:extLst>
               <a:ext uri="{FF2B5EF4-FFF2-40B4-BE49-F238E27FC236}">
@@ -8816,74 +8918,60 @@
           <a:chExt cx="0" cy="0"/>
         </a:xfrm>
       </p:grpSpPr>
-      <p:pic>
-        <p:nvPicPr>
-          <p:cNvPr id="4" name="Online Image Placeholder 3">
-            <a:extLst>
-              <a:ext uri="{FF2B5EF4-FFF2-40B4-BE49-F238E27FC236}">
-                <a16:creationId xmlns:a16="http://schemas.microsoft.com/office/drawing/2014/main" id="{D3801708-34EC-BF9D-FA44-635252D12940}"/>
-              </a:ext>
-            </a:extLst>
-          </p:cNvPr>
-          <p:cNvPicPr>
-            <a:picLocks noGrp="1" noChangeAspect="1"/>
-          </p:cNvPicPr>
+      <p:sp>
+        <p:nvSpPr>
+          <p:cNvPr id="2" name="Title 1">
+            <a:extLst>
+              <a:ext uri="{FF2B5EF4-FFF2-40B4-BE49-F238E27FC236}">
+                <a16:creationId xmlns:a16="http://schemas.microsoft.com/office/drawing/2014/main" id="{9DF2C48C-1524-495B-9203-AAE468F14E04}"/>
+              </a:ext>
+            </a:extLst>
+          </p:cNvPr>
+          <p:cNvSpPr>
+            <a:spLocks noGrp="1"/>
+          </p:cNvSpPr>
           <p:nvPr>
-            <p:ph type="clipArt" sz="quarter" idx="13"/>
+            <p:ph type="ctrTitle"/>
           </p:nvPr>
-        </p:nvPicPr>
-        <p:blipFill>
-          <a:blip r:embed="rId2"/>
-          <a:stretch>
-            <a:fillRect/>
-          </a:stretch>
-        </p:blipFill>
-        <p:spPr>
-          <a:xfrm>
-            <a:off x="3978584" y="1030288"/>
-            <a:ext cx="4234832" cy="1514475"/>
-          </a:xfrm>
-          <a:prstGeom prst="rect">
-            <a:avLst/>
-          </a:prstGeom>
-        </p:spPr>
-      </p:pic>
-      <p:pic>
-        <p:nvPicPr>
-          <p:cNvPr id="6" name="Online Image Placeholder 5">
-            <a:extLst>
-              <a:ext uri="{FF2B5EF4-FFF2-40B4-BE49-F238E27FC236}">
-                <a16:creationId xmlns:a16="http://schemas.microsoft.com/office/drawing/2014/main" id="{82C9C93E-2739-E26C-9484-68718786D68C}"/>
-              </a:ext>
-            </a:extLst>
-          </p:cNvPr>
-          <p:cNvPicPr>
-            <a:picLocks noGrp="1" noChangeAspect="1"/>
-          </p:cNvPicPr>
+        </p:nvSpPr>
+        <p:spPr/>
+        <p:txBody>
+          <a:bodyPr/>
+          <a:lstStyle/>
+          <a:p>
+            <a:endParaRPr lang="en-US"/>
+          </a:p>
+        </p:txBody>
+      </p:sp>
+      <p:sp>
+        <p:nvSpPr>
+          <p:cNvPr id="3" name="Subtitle 2">
+            <a:extLst>
+              <a:ext uri="{FF2B5EF4-FFF2-40B4-BE49-F238E27FC236}">
+                <a16:creationId xmlns:a16="http://schemas.microsoft.com/office/drawing/2014/main" id="{12A5F6BB-F612-BEF4-68B0-8A5B2C026A62}"/>
+              </a:ext>
+            </a:extLst>
+          </p:cNvPr>
+          <p:cNvSpPr>
+            <a:spLocks noGrp="1"/>
+          </p:cNvSpPr>
           <p:nvPr>
-            <p:ph type="clipArt" sz="quarter" idx="14"/>
+            <p:ph type="subTitle" idx="1"/>
           </p:nvPr>
-        </p:nvPicPr>
-        <p:blipFill>
-          <a:blip r:embed="rId3"/>
-          <a:stretch>
-            <a:fillRect/>
-          </a:stretch>
-        </p:blipFill>
-        <p:spPr>
-          <a:xfrm>
-            <a:off x="2482850" y="4666300"/>
-            <a:ext cx="7226300" cy="806763"/>
-          </a:xfrm>
-          <a:prstGeom prst="rect">
-            <a:avLst/>
-          </a:prstGeom>
-        </p:spPr>
-      </p:pic>
+        </p:nvSpPr>
+        <p:spPr/>
+        <p:txBody>
+          <a:bodyPr/>
+          <a:lstStyle/>
+          <a:p>
+            <a:endParaRPr lang="en-US" dirty="0"/>
+          </a:p>
+        </p:txBody>
+      </p:sp>
     </p:spTree>
     <p:extLst>
       <p:ext uri="{BB962C8B-B14F-4D97-AF65-F5344CB8AC3E}">
-        <p14:creationId xmlns:p14="http://schemas.microsoft.com/office/powerpoint/2010/main" val="385433050"/>
+        <p14:creationId xmlns:p14="http://schemas.microsoft.com/office/powerpoint/2010/main" val="2132112343"/>
       </p:ext>
     </p:extLst>
   </p:cSld>
@@ -8912,10 +9000,10 @@
       </p:grpSpPr>
       <p:pic>
         <p:nvPicPr>
-          <p:cNvPr id="8" name="Online Image Placeholder 7">
-            <a:extLst>
-              <a:ext uri="{FF2B5EF4-FFF2-40B4-BE49-F238E27FC236}">
-                <a16:creationId xmlns:a16="http://schemas.microsoft.com/office/drawing/2014/main" id="{1604B358-AA62-A4D9-CBBF-FADCF25BA970}"/>
+          <p:cNvPr id="4" name="Online Image Placeholder 3">
+            <a:extLst>
+              <a:ext uri="{FF2B5EF4-FFF2-40B4-BE49-F238E27FC236}">
+                <a16:creationId xmlns:a16="http://schemas.microsoft.com/office/drawing/2014/main" id="{D3801708-34EC-BF9D-FA44-635252D12940}"/>
               </a:ext>
             </a:extLst>
           </p:cNvPr>
@@ -8934,8 +9022,8 @@
         </p:blipFill>
         <p:spPr>
           <a:xfrm>
-            <a:off x="4276471" y="1092103"/>
-            <a:ext cx="3639058" cy="1390844"/>
+            <a:off x="3978584" y="1030288"/>
+            <a:ext cx="4234832" cy="1514475"/>
           </a:xfrm>
           <a:prstGeom prst="rect">
             <a:avLst/>
@@ -8944,10 +9032,10 @@
       </p:pic>
       <p:pic>
         <p:nvPicPr>
-          <p:cNvPr id="9" name="Online Image Placeholder 8">
-            <a:extLst>
-              <a:ext uri="{FF2B5EF4-FFF2-40B4-BE49-F238E27FC236}">
-                <a16:creationId xmlns:a16="http://schemas.microsoft.com/office/drawing/2014/main" id="{9FADD5FF-99B8-4B5A-AA92-EFCD259292F5}"/>
+          <p:cNvPr id="6" name="Online Image Placeholder 5">
+            <a:extLst>
+              <a:ext uri="{FF2B5EF4-FFF2-40B4-BE49-F238E27FC236}">
+                <a16:creationId xmlns:a16="http://schemas.microsoft.com/office/drawing/2014/main" id="{82C9C93E-2739-E26C-9484-68718786D68C}"/>
               </a:ext>
             </a:extLst>
           </p:cNvPr>
@@ -8966,8 +9054,8 @@
         </p:blipFill>
         <p:spPr>
           <a:xfrm>
-            <a:off x="2482850" y="4605659"/>
-            <a:ext cx="7226300" cy="928044"/>
+            <a:off x="2482850" y="4666300"/>
+            <a:ext cx="7226300" cy="806763"/>
           </a:xfrm>
           <a:prstGeom prst="rect">
             <a:avLst/>
@@ -8977,7 +9065,7 @@
     </p:spTree>
     <p:extLst>
       <p:ext uri="{BB962C8B-B14F-4D97-AF65-F5344CB8AC3E}">
-        <p14:creationId xmlns:p14="http://schemas.microsoft.com/office/powerpoint/2010/main" val="3014626694"/>
+        <p14:creationId xmlns:p14="http://schemas.microsoft.com/office/powerpoint/2010/main" val="385433050"/>
       </p:ext>
     </p:extLst>
   </p:cSld>

--- a/alcoholquestions.pptx
+++ b/alcoholquestions.pptx
@@ -125,7 +125,7 @@
 <file path=ppt/revisionInfo.xml><?xml version="1.0" encoding="utf-8"?>
 <p1510:revInfo xmlns:a="http://schemas.openxmlformats.org/drawingml/2006/main" xmlns:r="http://schemas.openxmlformats.org/officeDocument/2006/relationships" xmlns:p1510="http://schemas.microsoft.com/office/powerpoint/2015/10/main">
   <p1510:revLst>
-    <p1510:client id="{35CB8859-946B-47B2-B238-137014B76091}" v="43" dt="2026-02-19T15:39:28.960"/>
+    <p1510:client id="{35CB8859-946B-47B2-B238-137014B76091}" v="44" dt="2026-02-19T15:42:11.525"/>
   </p1510:revLst>
 </p1510:revInfo>
 </file>
@@ -135,7 +135,7 @@
   <pc:docChgLst>
     <pc:chgData name="Brennan Brown" userId="bcf6cc9e-21d7-4e63-b7dc-a8459bd698b0" providerId="ADAL" clId="{30F1509B-5785-4C08-8791-C8021B43727B}"/>
     <pc:docChg chg="undo redo custSel addSld delSld modSld sldOrd delMainMaster modMainMaster">
-      <pc:chgData name="Brennan Brown" userId="bcf6cc9e-21d7-4e63-b7dc-a8459bd698b0" providerId="ADAL" clId="{30F1509B-5785-4C08-8791-C8021B43727B}" dt="2026-02-19T15:41:09.662" v="287" actId="680"/>
+      <pc:chgData name="Brennan Brown" userId="bcf6cc9e-21d7-4e63-b7dc-a8459bd698b0" providerId="ADAL" clId="{30F1509B-5785-4C08-8791-C8021B43727B}" dt="2026-02-19T15:42:11.597" v="288" actId="27636"/>
       <pc:docMkLst>
         <pc:docMk/>
       </pc:docMkLst>
@@ -561,12 +561,20 @@
           </ac:picMkLst>
         </pc:picChg>
       </pc:sldChg>
-      <pc:sldChg chg="new">
-        <pc:chgData name="Brennan Brown" userId="bcf6cc9e-21d7-4e63-b7dc-a8459bd698b0" providerId="ADAL" clId="{30F1509B-5785-4C08-8791-C8021B43727B}" dt="2026-02-19T15:41:09.662" v="287" actId="680"/>
+      <pc:sldChg chg="modSp new mod">
+        <pc:chgData name="Brennan Brown" userId="bcf6cc9e-21d7-4e63-b7dc-a8459bd698b0" providerId="ADAL" clId="{30F1509B-5785-4C08-8791-C8021B43727B}" dt="2026-02-19T15:42:11.597" v="288" actId="27636"/>
         <pc:sldMkLst>
           <pc:docMk/>
           <pc:sldMk cId="2132112343" sldId="341"/>
         </pc:sldMkLst>
+        <pc:spChg chg="mod">
+          <ac:chgData name="Brennan Brown" userId="bcf6cc9e-21d7-4e63-b7dc-a8459bd698b0" providerId="ADAL" clId="{30F1509B-5785-4C08-8791-C8021B43727B}" dt="2026-02-19T15:42:11.597" v="288" actId="27636"/>
+          <ac:spMkLst>
+            <pc:docMk/>
+            <pc:sldMk cId="2132112343" sldId="341"/>
+            <ac:spMk id="3" creationId="{12A5F6BB-F612-BEF4-68B0-8A5B2C026A62}"/>
+          </ac:spMkLst>
+        </pc:spChg>
       </pc:sldChg>
       <pc:sldMasterChg chg="modSldLayout sldLayoutOrd">
         <pc:chgData name="Brennan Brown" userId="bcf6cc9e-21d7-4e63-b7dc-a8459bd698b0" providerId="ADAL" clId="{30F1509B-5785-4C08-8791-C8021B43727B}" dt="2026-02-19T15:39:35.459" v="282" actId="20578"/>
@@ -1201,6 +1209,7 @@
       <p:sp>
         <p:nvSpPr>
           <p:cNvPr id="11" name="Oval 10">
+            <a:hlinkClick r:id="rId3" action="ppaction://hlinksldjump"/>
             <a:extLst>
               <a:ext uri="{FF2B5EF4-FFF2-40B4-BE49-F238E27FC236}">
                 <a16:creationId xmlns:a16="http://schemas.microsoft.com/office/drawing/2014/main" id="{805E7421-4D8D-69B4-6D72-0B86DC96C2FA}"/>
@@ -8961,7 +8970,9 @@
         </p:nvSpPr>
         <p:spPr/>
         <p:txBody>
-          <a:bodyPr/>
+          <a:bodyPr>
+            <a:normAutofit fontScale="92500" lnSpcReduction="20000"/>
+          </a:bodyPr>
           <a:lstStyle/>
           <a:p>
             <a:endParaRPr lang="en-US" dirty="0"/>

--- a/alcoholquestions.pptx
+++ b/alcoholquestions.pptx
@@ -125,7 +125,7 @@
 <file path=ppt/revisionInfo.xml><?xml version="1.0" encoding="utf-8"?>
 <p1510:revInfo xmlns:a="http://schemas.openxmlformats.org/drawingml/2006/main" xmlns:r="http://schemas.openxmlformats.org/officeDocument/2006/relationships" xmlns:p1510="http://schemas.microsoft.com/office/powerpoint/2015/10/main">
   <p1510:revLst>
-    <p1510:client id="{35CB8859-946B-47B2-B238-137014B76091}" v="44" dt="2026-02-19T15:42:11.525"/>
+    <p1510:client id="{35CB8859-946B-47B2-B238-137014B76091}" v="45" dt="2026-02-19T15:44:26.863"/>
   </p1510:revLst>
 </p1510:revInfo>
 </file>
@@ -135,7 +135,7 @@
   <pc:docChgLst>
     <pc:chgData name="Brennan Brown" userId="bcf6cc9e-21d7-4e63-b7dc-a8459bd698b0" providerId="ADAL" clId="{30F1509B-5785-4C08-8791-C8021B43727B}"/>
     <pc:docChg chg="undo redo custSel addSld delSld modSld sldOrd delMainMaster modMainMaster">
-      <pc:chgData name="Brennan Brown" userId="bcf6cc9e-21d7-4e63-b7dc-a8459bd698b0" providerId="ADAL" clId="{30F1509B-5785-4C08-8791-C8021B43727B}" dt="2026-02-19T15:42:11.597" v="288" actId="27636"/>
+      <pc:chgData name="Brennan Brown" userId="bcf6cc9e-21d7-4e63-b7dc-a8459bd698b0" providerId="ADAL" clId="{30F1509B-5785-4C08-8791-C8021B43727B}" dt="2026-02-19T15:44:33.556" v="289" actId="3626"/>
       <pc:docMkLst>
         <pc:docMk/>
       </pc:docMkLst>
@@ -577,13 +577,13 @@
         </pc:spChg>
       </pc:sldChg>
       <pc:sldMasterChg chg="modSldLayout sldLayoutOrd">
-        <pc:chgData name="Brennan Brown" userId="bcf6cc9e-21d7-4e63-b7dc-a8459bd698b0" providerId="ADAL" clId="{30F1509B-5785-4C08-8791-C8021B43727B}" dt="2026-02-19T15:39:35.459" v="282" actId="20578"/>
+        <pc:chgData name="Brennan Brown" userId="bcf6cc9e-21d7-4e63-b7dc-a8459bd698b0" providerId="ADAL" clId="{30F1509B-5785-4C08-8791-C8021B43727B}" dt="2026-02-19T15:44:33.556" v="289" actId="3626"/>
         <pc:sldMasterMkLst>
           <pc:docMk/>
           <pc:sldMasterMk cId="2719746289" sldId="2147483648"/>
         </pc:sldMasterMkLst>
         <pc:sldLayoutChg chg="addSp delSp modSp mod modAnim">
-          <pc:chgData name="Brennan Brown" userId="bcf6cc9e-21d7-4e63-b7dc-a8459bd698b0" providerId="ADAL" clId="{30F1509B-5785-4C08-8791-C8021B43727B}" dt="2026-02-19T15:39:28.960" v="280" actId="20577"/>
+          <pc:chgData name="Brennan Brown" userId="bcf6cc9e-21d7-4e63-b7dc-a8459bd698b0" providerId="ADAL" clId="{30F1509B-5785-4C08-8791-C8021B43727B}" dt="2026-02-19T15:44:33.556" v="289" actId="3626"/>
           <pc:sldLayoutMkLst>
             <pc:docMk/>
             <pc:sldMasterMk cId="2719746289" sldId="2147483648"/>
@@ -644,7 +644,7 @@
             </ac:spMkLst>
           </pc:spChg>
           <pc:spChg chg="add mod">
-            <ac:chgData name="Brennan Brown" userId="bcf6cc9e-21d7-4e63-b7dc-a8459bd698b0" providerId="ADAL" clId="{30F1509B-5785-4C08-8791-C8021B43727B}" dt="2026-02-19T15:37:33.460" v="257" actId="20577"/>
+            <ac:chgData name="Brennan Brown" userId="bcf6cc9e-21d7-4e63-b7dc-a8459bd698b0" providerId="ADAL" clId="{30F1509B-5785-4C08-8791-C8021B43727B}" dt="2026-02-19T15:44:33.556" v="289" actId="3626"/>
             <ac:spMkLst>
               <pc:docMk/>
               <pc:sldMasterMk cId="2719746289" sldId="2147483648"/>
@@ -1209,7 +1209,6 @@
       <p:sp>
         <p:nvSpPr>
           <p:cNvPr id="11" name="Oval 10">
-            <a:hlinkClick r:id="rId3" action="ppaction://hlinksldjump"/>
             <a:extLst>
               <a:ext uri="{FF2B5EF4-FFF2-40B4-BE49-F238E27FC236}">
                 <a16:creationId xmlns:a16="http://schemas.microsoft.com/office/drawing/2014/main" id="{805E7421-4D8D-69B4-6D72-0B86DC96C2FA}"/>

--- a/alcoholquestions.pptx
+++ b/alcoholquestions.pptx
@@ -12,10 +12,9 @@
     <p:sldId id="334" r:id="rId9"/>
     <p:sldId id="335" r:id="rId10"/>
     <p:sldId id="336" r:id="rId11"/>
-    <p:sldId id="341" r:id="rId12"/>
-    <p:sldId id="338" r:id="rId13"/>
-    <p:sldId id="339" r:id="rId14"/>
-    <p:sldId id="340" r:id="rId15"/>
+    <p:sldId id="338" r:id="rId12"/>
+    <p:sldId id="339" r:id="rId13"/>
+    <p:sldId id="340" r:id="rId14"/>
   </p:sldIdLst>
   <p:sldSz cx="12192000" cy="6858000"/>
   <p:notesSz cx="6858000" cy="9144000"/>
@@ -135,7 +134,7 @@
   <pc:docChgLst>
     <pc:chgData name="Brennan Brown" userId="bcf6cc9e-21d7-4e63-b7dc-a8459bd698b0" providerId="ADAL" clId="{30F1509B-5785-4C08-8791-C8021B43727B}"/>
     <pc:docChg chg="undo redo custSel addSld delSld modSld sldOrd delMainMaster modMainMaster">
-      <pc:chgData name="Brennan Brown" userId="bcf6cc9e-21d7-4e63-b7dc-a8459bd698b0" providerId="ADAL" clId="{30F1509B-5785-4C08-8791-C8021B43727B}" dt="2026-02-19T15:44:33.556" v="289" actId="3626"/>
+      <pc:chgData name="Brennan Brown" userId="bcf6cc9e-21d7-4e63-b7dc-a8459bd698b0" providerId="ADAL" clId="{30F1509B-5785-4C08-8791-C8021B43727B}" dt="2026-02-19T15:46:04.506" v="301" actId="1076"/>
       <pc:docMkLst>
         <pc:docMk/>
       </pc:docMkLst>
@@ -375,13 +374,13 @@
         </pc:spChg>
       </pc:sldChg>
       <pc:sldChg chg="addSp modSp new mod ord modClrScheme modAnim chgLayout">
-        <pc:chgData name="Brennan Brown" userId="bcf6cc9e-21d7-4e63-b7dc-a8459bd698b0" providerId="ADAL" clId="{30F1509B-5785-4C08-8791-C8021B43727B}" dt="2026-02-19T15:38:55.226" v="267"/>
+        <pc:chgData name="Brennan Brown" userId="bcf6cc9e-21d7-4e63-b7dc-a8459bd698b0" providerId="ADAL" clId="{30F1509B-5785-4C08-8791-C8021B43727B}" dt="2026-02-19T15:46:04.506" v="301" actId="1076"/>
         <pc:sldMkLst>
           <pc:docMk/>
           <pc:sldMk cId="4124199133" sldId="337"/>
         </pc:sldMkLst>
         <pc:spChg chg="add mod">
-          <ac:chgData name="Brennan Brown" userId="bcf6cc9e-21d7-4e63-b7dc-a8459bd698b0" providerId="ADAL" clId="{30F1509B-5785-4C08-8791-C8021B43727B}" dt="2026-02-19T15:09:33.035" v="61" actId="20577"/>
+          <ac:chgData name="Brennan Brown" userId="bcf6cc9e-21d7-4e63-b7dc-a8459bd698b0" providerId="ADAL" clId="{30F1509B-5785-4C08-8791-C8021B43727B}" dt="2026-02-19T15:46:02.077" v="300" actId="1076"/>
           <ac:spMkLst>
             <pc:docMk/>
             <pc:sldMk cId="4124199133" sldId="337"/>
@@ -389,7 +388,7 @@
           </ac:spMkLst>
         </pc:spChg>
         <pc:spChg chg="add mod">
-          <ac:chgData name="Brennan Brown" userId="bcf6cc9e-21d7-4e63-b7dc-a8459bd698b0" providerId="ADAL" clId="{30F1509B-5785-4C08-8791-C8021B43727B}" dt="2026-02-19T15:09:41.035" v="95" actId="20577"/>
+          <ac:chgData name="Brennan Brown" userId="bcf6cc9e-21d7-4e63-b7dc-a8459bd698b0" providerId="ADAL" clId="{30F1509B-5785-4C08-8791-C8021B43727B}" dt="2026-02-19T15:46:04.506" v="301" actId="1076"/>
           <ac:spMkLst>
             <pc:docMk/>
             <pc:sldMk cId="4124199133" sldId="337"/>
@@ -561,8 +560,8 @@
           </ac:picMkLst>
         </pc:picChg>
       </pc:sldChg>
-      <pc:sldChg chg="modSp new mod">
-        <pc:chgData name="Brennan Brown" userId="bcf6cc9e-21d7-4e63-b7dc-a8459bd698b0" providerId="ADAL" clId="{30F1509B-5785-4C08-8791-C8021B43727B}" dt="2026-02-19T15:42:11.597" v="288" actId="27636"/>
+      <pc:sldChg chg="modSp new del mod">
+        <pc:chgData name="Brennan Brown" userId="bcf6cc9e-21d7-4e63-b7dc-a8459bd698b0" providerId="ADAL" clId="{30F1509B-5785-4C08-8791-C8021B43727B}" dt="2026-02-19T15:45:39.201" v="290" actId="47"/>
         <pc:sldMkLst>
           <pc:docMk/>
           <pc:sldMk cId="2132112343" sldId="341"/>
@@ -7356,7 +7355,12 @@
             <p:ph type="ctrTitle"/>
           </p:nvPr>
         </p:nvSpPr>
-        <p:spPr/>
+        <p:spPr>
+          <a:xfrm>
+            <a:off x="0" y="774511"/>
+            <a:ext cx="8604892" cy="1091090"/>
+          </a:xfrm>
+        </p:spPr>
         <p:txBody>
           <a:bodyPr/>
           <a:lstStyle/>
@@ -7386,12 +7390,14 @@
         </p:nvSpPr>
         <p:spPr>
           <a:xfrm>
-            <a:off x="1524000" y="3602038"/>
-            <a:ext cx="9144000" cy="1655762"/>
+            <a:off x="729674" y="1967201"/>
+            <a:ext cx="9144000" cy="415781"/>
           </a:xfrm>
         </p:spPr>
         <p:txBody>
-          <a:bodyPr/>
+          <a:bodyPr>
+            <a:normAutofit fontScale="92500" lnSpcReduction="20000"/>
+          </a:bodyPr>
           <a:lstStyle/>
           <a:p>
             <a:r>
@@ -7415,100 +7421,6 @@
 </file>
 
 <file path=ppt/slides/slide10.xml><?xml version="1.0" encoding="utf-8"?>
-<p:sld xmlns:a="http://schemas.openxmlformats.org/drawingml/2006/main" xmlns:r="http://schemas.openxmlformats.org/officeDocument/2006/relationships" xmlns:p="http://schemas.openxmlformats.org/presentationml/2006/main">
-  <p:cSld>
-    <p:spTree>
-      <p:nvGrpSpPr>
-        <p:cNvPr id="1" name=""/>
-        <p:cNvGrpSpPr/>
-        <p:nvPr/>
-      </p:nvGrpSpPr>
-      <p:grpSpPr>
-        <a:xfrm>
-          <a:off x="0" y="0"/>
-          <a:ext cx="0" cy="0"/>
-          <a:chOff x="0" y="0"/>
-          <a:chExt cx="0" cy="0"/>
-        </a:xfrm>
-      </p:grpSpPr>
-      <p:pic>
-        <p:nvPicPr>
-          <p:cNvPr id="8" name="Online Image Placeholder 7">
-            <a:extLst>
-              <a:ext uri="{FF2B5EF4-FFF2-40B4-BE49-F238E27FC236}">
-                <a16:creationId xmlns:a16="http://schemas.microsoft.com/office/drawing/2014/main" id="{1604B358-AA62-A4D9-CBBF-FADCF25BA970}"/>
-              </a:ext>
-            </a:extLst>
-          </p:cNvPr>
-          <p:cNvPicPr>
-            <a:picLocks noGrp="1" noChangeAspect="1"/>
-          </p:cNvPicPr>
-          <p:nvPr>
-            <p:ph type="clipArt" sz="quarter" idx="13"/>
-          </p:nvPr>
-        </p:nvPicPr>
-        <p:blipFill>
-          <a:blip r:embed="rId2"/>
-          <a:stretch>
-            <a:fillRect/>
-          </a:stretch>
-        </p:blipFill>
-        <p:spPr>
-          <a:xfrm>
-            <a:off x="4276471" y="1092103"/>
-            <a:ext cx="3639058" cy="1390844"/>
-          </a:xfrm>
-          <a:prstGeom prst="rect">
-            <a:avLst/>
-          </a:prstGeom>
-        </p:spPr>
-      </p:pic>
-      <p:pic>
-        <p:nvPicPr>
-          <p:cNvPr id="9" name="Online Image Placeholder 8">
-            <a:extLst>
-              <a:ext uri="{FF2B5EF4-FFF2-40B4-BE49-F238E27FC236}">
-                <a16:creationId xmlns:a16="http://schemas.microsoft.com/office/drawing/2014/main" id="{9FADD5FF-99B8-4B5A-AA92-EFCD259292F5}"/>
-              </a:ext>
-            </a:extLst>
-          </p:cNvPr>
-          <p:cNvPicPr>
-            <a:picLocks noGrp="1" noChangeAspect="1"/>
-          </p:cNvPicPr>
-          <p:nvPr>
-            <p:ph type="clipArt" sz="quarter" idx="14"/>
-          </p:nvPr>
-        </p:nvPicPr>
-        <p:blipFill>
-          <a:blip r:embed="rId3"/>
-          <a:stretch>
-            <a:fillRect/>
-          </a:stretch>
-        </p:blipFill>
-        <p:spPr>
-          <a:xfrm>
-            <a:off x="2482850" y="4605659"/>
-            <a:ext cx="7226300" cy="928044"/>
-          </a:xfrm>
-          <a:prstGeom prst="rect">
-            <a:avLst/>
-          </a:prstGeom>
-        </p:spPr>
-      </p:pic>
-    </p:spTree>
-    <p:extLst>
-      <p:ext uri="{BB962C8B-B14F-4D97-AF65-F5344CB8AC3E}">
-        <p14:creationId xmlns:p14="http://schemas.microsoft.com/office/powerpoint/2010/main" val="3014626694"/>
-      </p:ext>
-    </p:extLst>
-  </p:cSld>
-  <p:clrMapOvr>
-    <a:masterClrMapping/>
-  </p:clrMapOvr>
-</p:sld>
-</file>
-
-<file path=ppt/slides/slide11.xml><?xml version="1.0" encoding="utf-8"?>
 <p:sld xmlns:a="http://schemas.openxmlformats.org/drawingml/2006/main" xmlns:r="http://schemas.openxmlformats.org/officeDocument/2006/relationships" xmlns:p="http://schemas.openxmlformats.org/presentationml/2006/main">
   <p:cSld>
     <p:spTree>
@@ -8926,62 +8838,74 @@
           <a:chExt cx="0" cy="0"/>
         </a:xfrm>
       </p:grpSpPr>
-      <p:sp>
-        <p:nvSpPr>
-          <p:cNvPr id="2" name="Title 1">
-            <a:extLst>
-              <a:ext uri="{FF2B5EF4-FFF2-40B4-BE49-F238E27FC236}">
-                <a16:creationId xmlns:a16="http://schemas.microsoft.com/office/drawing/2014/main" id="{9DF2C48C-1524-495B-9203-AAE468F14E04}"/>
-              </a:ext>
-            </a:extLst>
-          </p:cNvPr>
-          <p:cNvSpPr>
-            <a:spLocks noGrp="1"/>
-          </p:cNvSpPr>
+      <p:pic>
+        <p:nvPicPr>
+          <p:cNvPr id="4" name="Online Image Placeholder 3">
+            <a:extLst>
+              <a:ext uri="{FF2B5EF4-FFF2-40B4-BE49-F238E27FC236}">
+                <a16:creationId xmlns:a16="http://schemas.microsoft.com/office/drawing/2014/main" id="{D3801708-34EC-BF9D-FA44-635252D12940}"/>
+              </a:ext>
+            </a:extLst>
+          </p:cNvPr>
+          <p:cNvPicPr>
+            <a:picLocks noGrp="1" noChangeAspect="1"/>
+          </p:cNvPicPr>
           <p:nvPr>
-            <p:ph type="ctrTitle"/>
+            <p:ph type="clipArt" sz="quarter" idx="13"/>
           </p:nvPr>
-        </p:nvSpPr>
-        <p:spPr/>
-        <p:txBody>
-          <a:bodyPr/>
-          <a:lstStyle/>
-          <a:p>
-            <a:endParaRPr lang="en-US"/>
-          </a:p>
-        </p:txBody>
-      </p:sp>
-      <p:sp>
-        <p:nvSpPr>
-          <p:cNvPr id="3" name="Subtitle 2">
-            <a:extLst>
-              <a:ext uri="{FF2B5EF4-FFF2-40B4-BE49-F238E27FC236}">
-                <a16:creationId xmlns:a16="http://schemas.microsoft.com/office/drawing/2014/main" id="{12A5F6BB-F612-BEF4-68B0-8A5B2C026A62}"/>
-              </a:ext>
-            </a:extLst>
-          </p:cNvPr>
-          <p:cNvSpPr>
-            <a:spLocks noGrp="1"/>
-          </p:cNvSpPr>
+        </p:nvPicPr>
+        <p:blipFill>
+          <a:blip r:embed="rId2"/>
+          <a:stretch>
+            <a:fillRect/>
+          </a:stretch>
+        </p:blipFill>
+        <p:spPr>
+          <a:xfrm>
+            <a:off x="3978584" y="1030288"/>
+            <a:ext cx="4234832" cy="1514475"/>
+          </a:xfrm>
+          <a:prstGeom prst="rect">
+            <a:avLst/>
+          </a:prstGeom>
+        </p:spPr>
+      </p:pic>
+      <p:pic>
+        <p:nvPicPr>
+          <p:cNvPr id="6" name="Online Image Placeholder 5">
+            <a:extLst>
+              <a:ext uri="{FF2B5EF4-FFF2-40B4-BE49-F238E27FC236}">
+                <a16:creationId xmlns:a16="http://schemas.microsoft.com/office/drawing/2014/main" id="{82C9C93E-2739-E26C-9484-68718786D68C}"/>
+              </a:ext>
+            </a:extLst>
+          </p:cNvPr>
+          <p:cNvPicPr>
+            <a:picLocks noGrp="1" noChangeAspect="1"/>
+          </p:cNvPicPr>
           <p:nvPr>
-            <p:ph type="subTitle" idx="1"/>
+            <p:ph type="clipArt" sz="quarter" idx="14"/>
           </p:nvPr>
-        </p:nvSpPr>
-        <p:spPr/>
-        <p:txBody>
-          <a:bodyPr>
-            <a:normAutofit fontScale="92500" lnSpcReduction="20000"/>
-          </a:bodyPr>
-          <a:lstStyle/>
-          <a:p>
-            <a:endParaRPr lang="en-US" dirty="0"/>
-          </a:p>
-        </p:txBody>
-      </p:sp>
+        </p:nvPicPr>
+        <p:blipFill>
+          <a:blip r:embed="rId3"/>
+          <a:stretch>
+            <a:fillRect/>
+          </a:stretch>
+        </p:blipFill>
+        <p:spPr>
+          <a:xfrm>
+            <a:off x="2482850" y="4666300"/>
+            <a:ext cx="7226300" cy="806763"/>
+          </a:xfrm>
+          <a:prstGeom prst="rect">
+            <a:avLst/>
+          </a:prstGeom>
+        </p:spPr>
+      </p:pic>
     </p:spTree>
     <p:extLst>
       <p:ext uri="{BB962C8B-B14F-4D97-AF65-F5344CB8AC3E}">
-        <p14:creationId xmlns:p14="http://schemas.microsoft.com/office/powerpoint/2010/main" val="2132112343"/>
+        <p14:creationId xmlns:p14="http://schemas.microsoft.com/office/powerpoint/2010/main" val="385433050"/>
       </p:ext>
     </p:extLst>
   </p:cSld>
@@ -9010,10 +8934,10 @@
       </p:grpSpPr>
       <p:pic>
         <p:nvPicPr>
-          <p:cNvPr id="4" name="Online Image Placeholder 3">
-            <a:extLst>
-              <a:ext uri="{FF2B5EF4-FFF2-40B4-BE49-F238E27FC236}">
-                <a16:creationId xmlns:a16="http://schemas.microsoft.com/office/drawing/2014/main" id="{D3801708-34EC-BF9D-FA44-635252D12940}"/>
+          <p:cNvPr id="8" name="Online Image Placeholder 7">
+            <a:extLst>
+              <a:ext uri="{FF2B5EF4-FFF2-40B4-BE49-F238E27FC236}">
+                <a16:creationId xmlns:a16="http://schemas.microsoft.com/office/drawing/2014/main" id="{1604B358-AA62-A4D9-CBBF-FADCF25BA970}"/>
               </a:ext>
             </a:extLst>
           </p:cNvPr>
@@ -9032,8 +8956,8 @@
         </p:blipFill>
         <p:spPr>
           <a:xfrm>
-            <a:off x="3978584" y="1030288"/>
-            <a:ext cx="4234832" cy="1514475"/>
+            <a:off x="4276471" y="1092103"/>
+            <a:ext cx="3639058" cy="1390844"/>
           </a:xfrm>
           <a:prstGeom prst="rect">
             <a:avLst/>
@@ -9042,10 +8966,10 @@
       </p:pic>
       <p:pic>
         <p:nvPicPr>
-          <p:cNvPr id="6" name="Online Image Placeholder 5">
-            <a:extLst>
-              <a:ext uri="{FF2B5EF4-FFF2-40B4-BE49-F238E27FC236}">
-                <a16:creationId xmlns:a16="http://schemas.microsoft.com/office/drawing/2014/main" id="{82C9C93E-2739-E26C-9484-68718786D68C}"/>
+          <p:cNvPr id="9" name="Online Image Placeholder 8">
+            <a:extLst>
+              <a:ext uri="{FF2B5EF4-FFF2-40B4-BE49-F238E27FC236}">
+                <a16:creationId xmlns:a16="http://schemas.microsoft.com/office/drawing/2014/main" id="{9FADD5FF-99B8-4B5A-AA92-EFCD259292F5}"/>
               </a:ext>
             </a:extLst>
           </p:cNvPr>
@@ -9064,8 +8988,8 @@
         </p:blipFill>
         <p:spPr>
           <a:xfrm>
-            <a:off x="2482850" y="4666300"/>
-            <a:ext cx="7226300" cy="806763"/>
+            <a:off x="2482850" y="4605659"/>
+            <a:ext cx="7226300" cy="928044"/>
           </a:xfrm>
           <a:prstGeom prst="rect">
             <a:avLst/>
@@ -9075,7 +8999,7 @@
     </p:spTree>
     <p:extLst>
       <p:ext uri="{BB962C8B-B14F-4D97-AF65-F5344CB8AC3E}">
-        <p14:creationId xmlns:p14="http://schemas.microsoft.com/office/powerpoint/2010/main" val="385433050"/>
+        <p14:creationId xmlns:p14="http://schemas.microsoft.com/office/powerpoint/2010/main" val="3014626694"/>
       </p:ext>
     </p:extLst>
   </p:cSld>

--- a/alcoholquestions.pptx
+++ b/alcoholquestions.pptx
@@ -134,7 +134,7 @@
   <pc:docChgLst>
     <pc:chgData name="Brennan Brown" userId="bcf6cc9e-21d7-4e63-b7dc-a8459bd698b0" providerId="ADAL" clId="{30F1509B-5785-4C08-8791-C8021B43727B}"/>
     <pc:docChg chg="undo redo custSel addSld delSld modSld sldOrd delMainMaster modMainMaster">
-      <pc:chgData name="Brennan Brown" userId="bcf6cc9e-21d7-4e63-b7dc-a8459bd698b0" providerId="ADAL" clId="{30F1509B-5785-4C08-8791-C8021B43727B}" dt="2026-02-19T15:46:04.506" v="301" actId="1076"/>
+      <pc:chgData name="Brennan Brown" userId="bcf6cc9e-21d7-4e63-b7dc-a8459bd698b0" providerId="ADAL" clId="{30F1509B-5785-4C08-8791-C8021B43727B}" dt="2026-02-19T15:46:11.900" v="303" actId="1076"/>
       <pc:docMkLst>
         <pc:docMk/>
       </pc:docMkLst>
@@ -374,13 +374,13 @@
         </pc:spChg>
       </pc:sldChg>
       <pc:sldChg chg="addSp modSp new mod ord modClrScheme modAnim chgLayout">
-        <pc:chgData name="Brennan Brown" userId="bcf6cc9e-21d7-4e63-b7dc-a8459bd698b0" providerId="ADAL" clId="{30F1509B-5785-4C08-8791-C8021B43727B}" dt="2026-02-19T15:46:04.506" v="301" actId="1076"/>
+        <pc:chgData name="Brennan Brown" userId="bcf6cc9e-21d7-4e63-b7dc-a8459bd698b0" providerId="ADAL" clId="{30F1509B-5785-4C08-8791-C8021B43727B}" dt="2026-02-19T15:46:11.900" v="303" actId="1076"/>
         <pc:sldMkLst>
           <pc:docMk/>
           <pc:sldMk cId="4124199133" sldId="337"/>
         </pc:sldMkLst>
         <pc:spChg chg="add mod">
-          <ac:chgData name="Brennan Brown" userId="bcf6cc9e-21d7-4e63-b7dc-a8459bd698b0" providerId="ADAL" clId="{30F1509B-5785-4C08-8791-C8021B43727B}" dt="2026-02-19T15:46:02.077" v="300" actId="1076"/>
+          <ac:chgData name="Brennan Brown" userId="bcf6cc9e-21d7-4e63-b7dc-a8459bd698b0" providerId="ADAL" clId="{30F1509B-5785-4C08-8791-C8021B43727B}" dt="2026-02-19T15:46:08.386" v="302" actId="1076"/>
           <ac:spMkLst>
             <pc:docMk/>
             <pc:sldMk cId="4124199133" sldId="337"/>
@@ -388,7 +388,7 @@
           </ac:spMkLst>
         </pc:spChg>
         <pc:spChg chg="add mod">
-          <ac:chgData name="Brennan Brown" userId="bcf6cc9e-21d7-4e63-b7dc-a8459bd698b0" providerId="ADAL" clId="{30F1509B-5785-4C08-8791-C8021B43727B}" dt="2026-02-19T15:46:04.506" v="301" actId="1076"/>
+          <ac:chgData name="Brennan Brown" userId="bcf6cc9e-21d7-4e63-b7dc-a8459bd698b0" providerId="ADAL" clId="{30F1509B-5785-4C08-8791-C8021B43727B}" dt="2026-02-19T15:46:11.900" v="303" actId="1076"/>
           <ac:spMkLst>
             <pc:docMk/>
             <pc:sldMk cId="4124199133" sldId="337"/>
@@ -7357,7 +7357,7 @@
         </p:nvSpPr>
         <p:spPr>
           <a:xfrm>
-            <a:off x="0" y="774511"/>
+            <a:off x="0" y="876111"/>
             <a:ext cx="8604892" cy="1091090"/>
           </a:xfrm>
         </p:spPr>
@@ -7390,7 +7390,7 @@
         </p:nvSpPr>
         <p:spPr>
           <a:xfrm>
-            <a:off x="729674" y="1967201"/>
+            <a:off x="674256" y="1994766"/>
             <a:ext cx="9144000" cy="415781"/>
           </a:xfrm>
         </p:spPr>

--- a/alcoholquestions.pptx
+++ b/alcoholquestions.pptx
@@ -15,6 +15,7 @@
     <p:sldId id="338" r:id="rId12"/>
     <p:sldId id="339" r:id="rId13"/>
     <p:sldId id="340" r:id="rId14"/>
+    <p:sldId id="341" r:id="rId15"/>
   </p:sldIdLst>
   <p:sldSz cx="12192000" cy="6858000"/>
   <p:notesSz cx="6858000" cy="9144000"/>
@@ -134,7 +135,7 @@
   <pc:docChgLst>
     <pc:chgData name="Brennan Brown" userId="bcf6cc9e-21d7-4e63-b7dc-a8459bd698b0" providerId="ADAL" clId="{30F1509B-5785-4C08-8791-C8021B43727B}"/>
     <pc:docChg chg="undo redo custSel addSld delSld modSld sldOrd delMainMaster modMainMaster">
-      <pc:chgData name="Brennan Brown" userId="bcf6cc9e-21d7-4e63-b7dc-a8459bd698b0" providerId="ADAL" clId="{30F1509B-5785-4C08-8791-C8021B43727B}" dt="2026-02-19T15:46:11.900" v="303" actId="1076"/>
+      <pc:chgData name="Brennan Brown" userId="bcf6cc9e-21d7-4e63-b7dc-a8459bd698b0" providerId="ADAL" clId="{30F1509B-5785-4C08-8791-C8021B43727B}" dt="2026-02-19T15:46:28.895" v="304" actId="680"/>
       <pc:docMkLst>
         <pc:docMk/>
       </pc:docMkLst>
@@ -560,6 +561,13 @@
           </ac:picMkLst>
         </pc:picChg>
       </pc:sldChg>
+      <pc:sldChg chg="new">
+        <pc:chgData name="Brennan Brown" userId="bcf6cc9e-21d7-4e63-b7dc-a8459bd698b0" providerId="ADAL" clId="{30F1509B-5785-4C08-8791-C8021B43727B}" dt="2026-02-19T15:46:28.895" v="304" actId="680"/>
+        <pc:sldMkLst>
+          <pc:docMk/>
+          <pc:sldMk cId="2037179664" sldId="341"/>
+        </pc:sldMkLst>
+      </pc:sldChg>
       <pc:sldChg chg="modSp new del mod">
         <pc:chgData name="Brennan Brown" userId="bcf6cc9e-21d7-4e63-b7dc-a8459bd698b0" providerId="ADAL" clId="{30F1509B-5785-4C08-8791-C8021B43727B}" dt="2026-02-19T15:45:39.201" v="290" actId="47"/>
         <pc:sldMkLst>
@@ -7505,6 +7513,86 @@
     <p:extLst>
       <p:ext uri="{BB962C8B-B14F-4D97-AF65-F5344CB8AC3E}">
         <p14:creationId xmlns:p14="http://schemas.microsoft.com/office/powerpoint/2010/main" val="4104179299"/>
+      </p:ext>
+    </p:extLst>
+  </p:cSld>
+  <p:clrMapOvr>
+    <a:masterClrMapping/>
+  </p:clrMapOvr>
+</p:sld>
+</file>
+
+<file path=ppt/slides/slide11.xml><?xml version="1.0" encoding="utf-8"?>
+<p:sld xmlns:a="http://schemas.openxmlformats.org/drawingml/2006/main" xmlns:r="http://schemas.openxmlformats.org/officeDocument/2006/relationships" xmlns:p="http://schemas.openxmlformats.org/presentationml/2006/main">
+  <p:cSld>
+    <p:spTree>
+      <p:nvGrpSpPr>
+        <p:cNvPr id="1" name=""/>
+        <p:cNvGrpSpPr/>
+        <p:nvPr/>
+      </p:nvGrpSpPr>
+      <p:grpSpPr>
+        <a:xfrm>
+          <a:off x="0" y="0"/>
+          <a:ext cx="0" cy="0"/>
+          <a:chOff x="0" y="0"/>
+          <a:chExt cx="0" cy="0"/>
+        </a:xfrm>
+      </p:grpSpPr>
+      <p:sp>
+        <p:nvSpPr>
+          <p:cNvPr id="2" name="Online Image Placeholder 1">
+            <a:extLst>
+              <a:ext uri="{FF2B5EF4-FFF2-40B4-BE49-F238E27FC236}">
+                <a16:creationId xmlns:a16="http://schemas.microsoft.com/office/drawing/2014/main" id="{80732736-A46F-CE71-55B9-25FC8DD46DB8}"/>
+              </a:ext>
+            </a:extLst>
+          </p:cNvPr>
+          <p:cNvSpPr>
+            <a:spLocks noGrp="1"/>
+          </p:cNvSpPr>
+          <p:nvPr>
+            <p:ph type="clipArt" sz="quarter" idx="13"/>
+          </p:nvPr>
+        </p:nvSpPr>
+        <p:spPr/>
+        <p:txBody>
+          <a:bodyPr/>
+          <a:lstStyle/>
+          <a:p>
+            <a:endParaRPr lang="en-US"/>
+          </a:p>
+        </p:txBody>
+      </p:sp>
+      <p:sp>
+        <p:nvSpPr>
+          <p:cNvPr id="3" name="Online Image Placeholder 2">
+            <a:extLst>
+              <a:ext uri="{FF2B5EF4-FFF2-40B4-BE49-F238E27FC236}">
+                <a16:creationId xmlns:a16="http://schemas.microsoft.com/office/drawing/2014/main" id="{F63B748B-DB31-8A6F-0868-F06154F5AA74}"/>
+              </a:ext>
+            </a:extLst>
+          </p:cNvPr>
+          <p:cNvSpPr>
+            <a:spLocks noGrp="1"/>
+          </p:cNvSpPr>
+          <p:nvPr>
+            <p:ph type="clipArt" sz="quarter" idx="14"/>
+          </p:nvPr>
+        </p:nvSpPr>
+        <p:spPr/>
+        <p:txBody>
+          <a:bodyPr/>
+          <a:lstStyle/>
+          <a:p>
+            <a:endParaRPr lang="en-US"/>
+          </a:p>
+        </p:txBody>
+      </p:sp>
+    </p:spTree>
+    <p:extLst>
+      <p:ext uri="{BB962C8B-B14F-4D97-AF65-F5344CB8AC3E}">
+        <p14:creationId xmlns:p14="http://schemas.microsoft.com/office/powerpoint/2010/main" val="2037179664"/>
       </p:ext>
     </p:extLst>
   </p:cSld>

--- a/alcoholquestions.pptx
+++ b/alcoholquestions.pptx
@@ -125,7 +125,7 @@
 <file path=ppt/revisionInfo.xml><?xml version="1.0" encoding="utf-8"?>
 <p1510:revInfo xmlns:a="http://schemas.openxmlformats.org/drawingml/2006/main" xmlns:r="http://schemas.openxmlformats.org/officeDocument/2006/relationships" xmlns:p1510="http://schemas.microsoft.com/office/powerpoint/2015/10/main">
   <p1510:revLst>
-    <p1510:client id="{35CB8859-946B-47B2-B238-137014B76091}" v="45" dt="2026-02-19T15:44:26.863"/>
+    <p1510:client id="{35CB8859-946B-47B2-B238-137014B76091}" v="47" dt="2026-02-19T15:46:57.170"/>
   </p1510:revLst>
 </p1510:revInfo>
 </file>
@@ -135,7 +135,7 @@
   <pc:docChgLst>
     <pc:chgData name="Brennan Brown" userId="bcf6cc9e-21d7-4e63-b7dc-a8459bd698b0" providerId="ADAL" clId="{30F1509B-5785-4C08-8791-C8021B43727B}"/>
     <pc:docChg chg="undo redo custSel addSld delSld modSld sldOrd delMainMaster modMainMaster">
-      <pc:chgData name="Brennan Brown" userId="bcf6cc9e-21d7-4e63-b7dc-a8459bd698b0" providerId="ADAL" clId="{30F1509B-5785-4C08-8791-C8021B43727B}" dt="2026-02-19T15:46:28.895" v="304" actId="680"/>
+      <pc:chgData name="Brennan Brown" userId="bcf6cc9e-21d7-4e63-b7dc-a8459bd698b0" providerId="ADAL" clId="{30F1509B-5785-4C08-8791-C8021B43727B}" dt="2026-02-19T15:46:57.170" v="306"/>
       <pc:docMkLst>
         <pc:docMk/>
       </pc:docMkLst>
@@ -561,12 +561,44 @@
           </ac:picMkLst>
         </pc:picChg>
       </pc:sldChg>
-      <pc:sldChg chg="new">
-        <pc:chgData name="Brennan Brown" userId="bcf6cc9e-21d7-4e63-b7dc-a8459bd698b0" providerId="ADAL" clId="{30F1509B-5785-4C08-8791-C8021B43727B}" dt="2026-02-19T15:46:28.895" v="304" actId="680"/>
+      <pc:sldChg chg="addSp delSp modSp new">
+        <pc:chgData name="Brennan Brown" userId="bcf6cc9e-21d7-4e63-b7dc-a8459bd698b0" providerId="ADAL" clId="{30F1509B-5785-4C08-8791-C8021B43727B}" dt="2026-02-19T15:46:57.170" v="306"/>
         <pc:sldMkLst>
           <pc:docMk/>
           <pc:sldMk cId="2037179664" sldId="341"/>
         </pc:sldMkLst>
+        <pc:spChg chg="del">
+          <ac:chgData name="Brennan Brown" userId="bcf6cc9e-21d7-4e63-b7dc-a8459bd698b0" providerId="ADAL" clId="{30F1509B-5785-4C08-8791-C8021B43727B}" dt="2026-02-19T15:46:47.376" v="305"/>
+          <ac:spMkLst>
+            <pc:docMk/>
+            <pc:sldMk cId="2037179664" sldId="341"/>
+            <ac:spMk id="2" creationId="{80732736-A46F-CE71-55B9-25FC8DD46DB8}"/>
+          </ac:spMkLst>
+        </pc:spChg>
+        <pc:spChg chg="del">
+          <ac:chgData name="Brennan Brown" userId="bcf6cc9e-21d7-4e63-b7dc-a8459bd698b0" providerId="ADAL" clId="{30F1509B-5785-4C08-8791-C8021B43727B}" dt="2026-02-19T15:46:57.170" v="306"/>
+          <ac:spMkLst>
+            <pc:docMk/>
+            <pc:sldMk cId="2037179664" sldId="341"/>
+            <ac:spMk id="3" creationId="{F63B748B-DB31-8A6F-0868-F06154F5AA74}"/>
+          </ac:spMkLst>
+        </pc:spChg>
+        <pc:picChg chg="add mod">
+          <ac:chgData name="Brennan Brown" userId="bcf6cc9e-21d7-4e63-b7dc-a8459bd698b0" providerId="ADAL" clId="{30F1509B-5785-4C08-8791-C8021B43727B}" dt="2026-02-19T15:46:47.376" v="305"/>
+          <ac:picMkLst>
+            <pc:docMk/>
+            <pc:sldMk cId="2037179664" sldId="341"/>
+            <ac:picMk id="4" creationId="{CE77A4CE-DC81-2459-B583-3ABB811BD1A2}"/>
+          </ac:picMkLst>
+        </pc:picChg>
+        <pc:picChg chg="add mod">
+          <ac:chgData name="Brennan Brown" userId="bcf6cc9e-21d7-4e63-b7dc-a8459bd698b0" providerId="ADAL" clId="{30F1509B-5785-4C08-8791-C8021B43727B}" dt="2026-02-19T15:46:57.170" v="306"/>
+          <ac:picMkLst>
+            <pc:docMk/>
+            <pc:sldMk cId="2037179664" sldId="341"/>
+            <ac:picMk id="5" creationId="{2480E602-2957-C93A-3BA3-697FF767DBEF}"/>
+          </ac:picMkLst>
+        </pc:picChg>
       </pc:sldChg>
       <pc:sldChg chg="modSp new del mod">
         <pc:chgData name="Brennan Brown" userId="bcf6cc9e-21d7-4e63-b7dc-a8459bd698b0" providerId="ADAL" clId="{30F1509B-5785-4C08-8791-C8021B43727B}" dt="2026-02-19T15:45:39.201" v="290" actId="47"/>
@@ -7539,56 +7571,70 @@
           <a:chExt cx="0" cy="0"/>
         </a:xfrm>
       </p:grpSpPr>
-      <p:sp>
-        <p:nvSpPr>
-          <p:cNvPr id="2" name="Online Image Placeholder 1">
-            <a:extLst>
-              <a:ext uri="{FF2B5EF4-FFF2-40B4-BE49-F238E27FC236}">
-                <a16:creationId xmlns:a16="http://schemas.microsoft.com/office/drawing/2014/main" id="{80732736-A46F-CE71-55B9-25FC8DD46DB8}"/>
-              </a:ext>
-            </a:extLst>
-          </p:cNvPr>
-          <p:cNvSpPr>
-            <a:spLocks noGrp="1"/>
-          </p:cNvSpPr>
+      <p:pic>
+        <p:nvPicPr>
+          <p:cNvPr id="4" name="Online Image Placeholder 3">
+            <a:extLst>
+              <a:ext uri="{FF2B5EF4-FFF2-40B4-BE49-F238E27FC236}">
+                <a16:creationId xmlns:a16="http://schemas.microsoft.com/office/drawing/2014/main" id="{CE77A4CE-DC81-2459-B583-3ABB811BD1A2}"/>
+              </a:ext>
+            </a:extLst>
+          </p:cNvPr>
+          <p:cNvPicPr>
+            <a:picLocks noGrp="1" noChangeAspect="1"/>
+          </p:cNvPicPr>
           <p:nvPr>
             <p:ph type="clipArt" sz="quarter" idx="13"/>
           </p:nvPr>
-        </p:nvSpPr>
-        <p:spPr/>
-        <p:txBody>
-          <a:bodyPr/>
-          <a:lstStyle/>
-          <a:p>
-            <a:endParaRPr lang="en-US"/>
-          </a:p>
-        </p:txBody>
-      </p:sp>
-      <p:sp>
-        <p:nvSpPr>
-          <p:cNvPr id="3" name="Online Image Placeholder 2">
-            <a:extLst>
-              <a:ext uri="{FF2B5EF4-FFF2-40B4-BE49-F238E27FC236}">
-                <a16:creationId xmlns:a16="http://schemas.microsoft.com/office/drawing/2014/main" id="{F63B748B-DB31-8A6F-0868-F06154F5AA74}"/>
-              </a:ext>
-            </a:extLst>
-          </p:cNvPr>
-          <p:cNvSpPr>
-            <a:spLocks noGrp="1"/>
-          </p:cNvSpPr>
+        </p:nvPicPr>
+        <p:blipFill>
+          <a:blip r:embed="rId2"/>
+          <a:stretch>
+            <a:fillRect/>
+          </a:stretch>
+        </p:blipFill>
+        <p:spPr>
+          <a:xfrm>
+            <a:off x="3139317" y="1030288"/>
+            <a:ext cx="5913365" cy="1514475"/>
+          </a:xfrm>
+          <a:prstGeom prst="rect">
+            <a:avLst/>
+          </a:prstGeom>
+        </p:spPr>
+      </p:pic>
+      <p:pic>
+        <p:nvPicPr>
+          <p:cNvPr id="5" name="Online Image Placeholder 4">
+            <a:extLst>
+              <a:ext uri="{FF2B5EF4-FFF2-40B4-BE49-F238E27FC236}">
+                <a16:creationId xmlns:a16="http://schemas.microsoft.com/office/drawing/2014/main" id="{2480E602-2957-C93A-3BA3-697FF767DBEF}"/>
+              </a:ext>
+            </a:extLst>
+          </p:cNvPr>
+          <p:cNvPicPr>
+            <a:picLocks noGrp="1" noChangeAspect="1"/>
+          </p:cNvPicPr>
           <p:nvPr>
             <p:ph type="clipArt" sz="quarter" idx="14"/>
           </p:nvPr>
-        </p:nvSpPr>
-        <p:spPr/>
-        <p:txBody>
-          <a:bodyPr/>
-          <a:lstStyle/>
-          <a:p>
-            <a:endParaRPr lang="en-US"/>
-          </a:p>
-        </p:txBody>
-      </p:sp>
+        </p:nvPicPr>
+        <p:blipFill>
+          <a:blip r:embed="rId3"/>
+          <a:stretch>
+            <a:fillRect/>
+          </a:stretch>
+        </p:blipFill>
+        <p:spPr>
+          <a:xfrm>
+            <a:off x="2482850" y="4319302"/>
+            <a:ext cx="7226300" cy="1500759"/>
+          </a:xfrm>
+          <a:prstGeom prst="rect">
+            <a:avLst/>
+          </a:prstGeom>
+        </p:spPr>
+      </p:pic>
     </p:spTree>
     <p:extLst>
       <p:ext uri="{BB962C8B-B14F-4D97-AF65-F5344CB8AC3E}">

--- a/alcoholquestions.pptx
+++ b/alcoholquestions.pptx
@@ -15,7 +15,9 @@
     <p:sldId id="338" r:id="rId12"/>
     <p:sldId id="339" r:id="rId13"/>
     <p:sldId id="340" r:id="rId14"/>
-    <p:sldId id="341" r:id="rId15"/>
+    <p:sldId id="343" r:id="rId15"/>
+    <p:sldId id="341" r:id="rId16"/>
+    <p:sldId id="342" r:id="rId17"/>
   </p:sldIdLst>
   <p:sldSz cx="12192000" cy="6858000"/>
   <p:notesSz cx="6858000" cy="9144000"/>
@@ -135,7 +137,7 @@
   <pc:docChgLst>
     <pc:chgData name="Brennan Brown" userId="bcf6cc9e-21d7-4e63-b7dc-a8459bd698b0" providerId="ADAL" clId="{30F1509B-5785-4C08-8791-C8021B43727B}"/>
     <pc:docChg chg="undo redo custSel addSld delSld modSld sldOrd delMainMaster modMainMaster">
-      <pc:chgData name="Brennan Brown" userId="bcf6cc9e-21d7-4e63-b7dc-a8459bd698b0" providerId="ADAL" clId="{30F1509B-5785-4C08-8791-C8021B43727B}" dt="2026-02-19T15:46:57.170" v="306"/>
+      <pc:chgData name="Brennan Brown" userId="bcf6cc9e-21d7-4e63-b7dc-a8459bd698b0" providerId="ADAL" clId="{30F1509B-5785-4C08-8791-C8021B43727B}" dt="2026-02-19T15:47:15.936" v="317" actId="20577"/>
       <pc:docMkLst>
         <pc:docMk/>
       </pc:docMkLst>
@@ -615,6 +617,28 @@
           </ac:spMkLst>
         </pc:spChg>
       </pc:sldChg>
+      <pc:sldChg chg="new">
+        <pc:chgData name="Brennan Brown" userId="bcf6cc9e-21d7-4e63-b7dc-a8459bd698b0" providerId="ADAL" clId="{30F1509B-5785-4C08-8791-C8021B43727B}" dt="2026-02-19T15:47:00.174" v="307" actId="680"/>
+        <pc:sldMkLst>
+          <pc:docMk/>
+          <pc:sldMk cId="3094289431" sldId="342"/>
+        </pc:sldMkLst>
+      </pc:sldChg>
+      <pc:sldChg chg="modSp new mod">
+        <pc:chgData name="Brennan Brown" userId="bcf6cc9e-21d7-4e63-b7dc-a8459bd698b0" providerId="ADAL" clId="{30F1509B-5785-4C08-8791-C8021B43727B}" dt="2026-02-19T15:47:15.936" v="317" actId="20577"/>
+        <pc:sldMkLst>
+          <pc:docMk/>
+          <pc:sldMk cId="838912480" sldId="343"/>
+        </pc:sldMkLst>
+        <pc:spChg chg="mod">
+          <ac:chgData name="Brennan Brown" userId="bcf6cc9e-21d7-4e63-b7dc-a8459bd698b0" providerId="ADAL" clId="{30F1509B-5785-4C08-8791-C8021B43727B}" dt="2026-02-19T15:47:15.936" v="317" actId="20577"/>
+          <ac:spMkLst>
+            <pc:docMk/>
+            <pc:sldMk cId="838912480" sldId="343"/>
+            <ac:spMk id="2" creationId="{44984129-70CF-C7FB-8155-4E8737ED1348}"/>
+          </ac:spMkLst>
+        </pc:spChg>
+      </pc:sldChg>
       <pc:sldMasterChg chg="modSldLayout sldLayoutOrd">
         <pc:chgData name="Brennan Brown" userId="bcf6cc9e-21d7-4e63-b7dc-a8459bd698b0" providerId="ADAL" clId="{30F1509B-5785-4C08-8791-C8021B43727B}" dt="2026-02-19T15:44:33.556" v="289" actId="3626"/>
         <pc:sldMasterMkLst>
@@ -7571,6 +7595,86 @@
           <a:chExt cx="0" cy="0"/>
         </a:xfrm>
       </p:grpSpPr>
+      <p:sp>
+        <p:nvSpPr>
+          <p:cNvPr id="2" name="Title 1">
+            <a:extLst>
+              <a:ext uri="{FF2B5EF4-FFF2-40B4-BE49-F238E27FC236}">
+                <a16:creationId xmlns:a16="http://schemas.microsoft.com/office/drawing/2014/main" id="{44984129-70CF-C7FB-8155-4E8737ED1348}"/>
+              </a:ext>
+            </a:extLst>
+          </p:cNvPr>
+          <p:cNvSpPr>
+            <a:spLocks noGrp="1"/>
+          </p:cNvSpPr>
+          <p:nvPr>
+            <p:ph type="ctrTitle"/>
+          </p:nvPr>
+        </p:nvSpPr>
+        <p:spPr/>
+        <p:txBody>
+          <a:bodyPr/>
+          <a:lstStyle/>
+          <a:p>
+            <a:endParaRPr lang="en-US"/>
+          </a:p>
+        </p:txBody>
+      </p:sp>
+      <p:sp>
+        <p:nvSpPr>
+          <p:cNvPr id="3" name="Subtitle 2">
+            <a:extLst>
+              <a:ext uri="{FF2B5EF4-FFF2-40B4-BE49-F238E27FC236}">
+                <a16:creationId xmlns:a16="http://schemas.microsoft.com/office/drawing/2014/main" id="{5F3213F9-EE2D-37BD-2CBB-2D503FF17D22}"/>
+              </a:ext>
+            </a:extLst>
+          </p:cNvPr>
+          <p:cNvSpPr>
+            <a:spLocks noGrp="1"/>
+          </p:cNvSpPr>
+          <p:nvPr>
+            <p:ph type="subTitle" idx="1"/>
+          </p:nvPr>
+        </p:nvSpPr>
+        <p:spPr/>
+        <p:txBody>
+          <a:bodyPr/>
+          <a:lstStyle/>
+          <a:p>
+            <a:endParaRPr lang="en-US"/>
+          </a:p>
+        </p:txBody>
+      </p:sp>
+    </p:spTree>
+    <p:extLst>
+      <p:ext uri="{BB962C8B-B14F-4D97-AF65-F5344CB8AC3E}">
+        <p14:creationId xmlns:p14="http://schemas.microsoft.com/office/powerpoint/2010/main" val="838912480"/>
+      </p:ext>
+    </p:extLst>
+  </p:cSld>
+  <p:clrMapOvr>
+    <a:masterClrMapping/>
+  </p:clrMapOvr>
+</p:sld>
+</file>
+
+<file path=ppt/slides/slide12.xml><?xml version="1.0" encoding="utf-8"?>
+<p:sld xmlns:a="http://schemas.openxmlformats.org/drawingml/2006/main" xmlns:r="http://schemas.openxmlformats.org/officeDocument/2006/relationships" xmlns:p="http://schemas.openxmlformats.org/presentationml/2006/main">
+  <p:cSld>
+    <p:spTree>
+      <p:nvGrpSpPr>
+        <p:cNvPr id="1" name=""/>
+        <p:cNvGrpSpPr/>
+        <p:nvPr/>
+      </p:nvGrpSpPr>
+      <p:grpSpPr>
+        <a:xfrm>
+          <a:off x="0" y="0"/>
+          <a:ext cx="0" cy="0"/>
+          <a:chOff x="0" y="0"/>
+          <a:chExt cx="0" cy="0"/>
+        </a:xfrm>
+      </p:grpSpPr>
       <p:pic>
         <p:nvPicPr>
           <p:cNvPr id="4" name="Online Image Placeholder 3">
@@ -7639,6 +7743,86 @@
     <p:extLst>
       <p:ext uri="{BB962C8B-B14F-4D97-AF65-F5344CB8AC3E}">
         <p14:creationId xmlns:p14="http://schemas.microsoft.com/office/powerpoint/2010/main" val="2037179664"/>
+      </p:ext>
+    </p:extLst>
+  </p:cSld>
+  <p:clrMapOvr>
+    <a:masterClrMapping/>
+  </p:clrMapOvr>
+</p:sld>
+</file>
+
+<file path=ppt/slides/slide13.xml><?xml version="1.0" encoding="utf-8"?>
+<p:sld xmlns:a="http://schemas.openxmlformats.org/drawingml/2006/main" xmlns:r="http://schemas.openxmlformats.org/officeDocument/2006/relationships" xmlns:p="http://schemas.openxmlformats.org/presentationml/2006/main">
+  <p:cSld>
+    <p:spTree>
+      <p:nvGrpSpPr>
+        <p:cNvPr id="1" name=""/>
+        <p:cNvGrpSpPr/>
+        <p:nvPr/>
+      </p:nvGrpSpPr>
+      <p:grpSpPr>
+        <a:xfrm>
+          <a:off x="0" y="0"/>
+          <a:ext cx="0" cy="0"/>
+          <a:chOff x="0" y="0"/>
+          <a:chExt cx="0" cy="0"/>
+        </a:xfrm>
+      </p:grpSpPr>
+      <p:sp>
+        <p:nvSpPr>
+          <p:cNvPr id="2" name="Online Image Placeholder 1">
+            <a:extLst>
+              <a:ext uri="{FF2B5EF4-FFF2-40B4-BE49-F238E27FC236}">
+                <a16:creationId xmlns:a16="http://schemas.microsoft.com/office/drawing/2014/main" id="{6E99DC70-6615-B861-3398-3AF60218D5D1}"/>
+              </a:ext>
+            </a:extLst>
+          </p:cNvPr>
+          <p:cNvSpPr>
+            <a:spLocks noGrp="1"/>
+          </p:cNvSpPr>
+          <p:nvPr>
+            <p:ph type="clipArt" sz="quarter" idx="13"/>
+          </p:nvPr>
+        </p:nvSpPr>
+        <p:spPr/>
+        <p:txBody>
+          <a:bodyPr/>
+          <a:lstStyle/>
+          <a:p>
+            <a:endParaRPr lang="en-US"/>
+          </a:p>
+        </p:txBody>
+      </p:sp>
+      <p:sp>
+        <p:nvSpPr>
+          <p:cNvPr id="3" name="Online Image Placeholder 2">
+            <a:extLst>
+              <a:ext uri="{FF2B5EF4-FFF2-40B4-BE49-F238E27FC236}">
+                <a16:creationId xmlns:a16="http://schemas.microsoft.com/office/drawing/2014/main" id="{3E934119-C871-8B7A-781A-294F77BC20C7}"/>
+              </a:ext>
+            </a:extLst>
+          </p:cNvPr>
+          <p:cNvSpPr>
+            <a:spLocks noGrp="1"/>
+          </p:cNvSpPr>
+          <p:nvPr>
+            <p:ph type="clipArt" sz="quarter" idx="14"/>
+          </p:nvPr>
+        </p:nvSpPr>
+        <p:spPr/>
+        <p:txBody>
+          <a:bodyPr/>
+          <a:lstStyle/>
+          <a:p>
+            <a:endParaRPr lang="en-US"/>
+          </a:p>
+        </p:txBody>
+      </p:sp>
+    </p:spTree>
+    <p:extLst>
+      <p:ext uri="{BB962C8B-B14F-4D97-AF65-F5344CB8AC3E}">
+        <p14:creationId xmlns:p14="http://schemas.microsoft.com/office/powerpoint/2010/main" val="3094289431"/>
       </p:ext>
     </p:extLst>
   </p:cSld>

--- a/alcoholquestions.pptx
+++ b/alcoholquestions.pptx
@@ -137,7 +137,7 @@
   <pc:docChgLst>
     <pc:chgData name="Brennan Brown" userId="bcf6cc9e-21d7-4e63-b7dc-a8459bd698b0" providerId="ADAL" clId="{30F1509B-5785-4C08-8791-C8021B43727B}"/>
     <pc:docChg chg="undo redo custSel addSld delSld modSld sldOrd delMainMaster modMainMaster">
-      <pc:chgData name="Brennan Brown" userId="bcf6cc9e-21d7-4e63-b7dc-a8459bd698b0" providerId="ADAL" clId="{30F1509B-5785-4C08-8791-C8021B43727B}" dt="2026-02-19T15:47:15.936" v="317" actId="20577"/>
+      <pc:chgData name="Brennan Brown" userId="bcf6cc9e-21d7-4e63-b7dc-a8459bd698b0" providerId="ADAL" clId="{30F1509B-5785-4C08-8791-C8021B43727B}" dt="2026-02-19T15:47:33.433" v="383" actId="20577"/>
       <pc:docMkLst>
         <pc:docMk/>
       </pc:docMkLst>
@@ -625,17 +625,25 @@
         </pc:sldMkLst>
       </pc:sldChg>
       <pc:sldChg chg="modSp new mod">
-        <pc:chgData name="Brennan Brown" userId="bcf6cc9e-21d7-4e63-b7dc-a8459bd698b0" providerId="ADAL" clId="{30F1509B-5785-4C08-8791-C8021B43727B}" dt="2026-02-19T15:47:15.936" v="317" actId="20577"/>
+        <pc:chgData name="Brennan Brown" userId="bcf6cc9e-21d7-4e63-b7dc-a8459bd698b0" providerId="ADAL" clId="{30F1509B-5785-4C08-8791-C8021B43727B}" dt="2026-02-19T15:47:33.433" v="383" actId="20577"/>
         <pc:sldMkLst>
           <pc:docMk/>
           <pc:sldMk cId="838912480" sldId="343"/>
         </pc:sldMkLst>
         <pc:spChg chg="mod">
-          <ac:chgData name="Brennan Brown" userId="bcf6cc9e-21d7-4e63-b7dc-a8459bd698b0" providerId="ADAL" clId="{30F1509B-5785-4C08-8791-C8021B43727B}" dt="2026-02-19T15:47:15.936" v="317" actId="20577"/>
+          <ac:chgData name="Brennan Brown" userId="bcf6cc9e-21d7-4e63-b7dc-a8459bd698b0" providerId="ADAL" clId="{30F1509B-5785-4C08-8791-C8021B43727B}" dt="2026-02-19T15:47:22.146" v="347" actId="20577"/>
           <ac:spMkLst>
             <pc:docMk/>
             <pc:sldMk cId="838912480" sldId="343"/>
             <ac:spMk id="2" creationId="{44984129-70CF-C7FB-8155-4E8737ED1348}"/>
+          </ac:spMkLst>
+        </pc:spChg>
+        <pc:spChg chg="mod">
+          <ac:chgData name="Brennan Brown" userId="bcf6cc9e-21d7-4e63-b7dc-a8459bd698b0" providerId="ADAL" clId="{30F1509B-5785-4C08-8791-C8021B43727B}" dt="2026-02-19T15:47:33.433" v="383" actId="20577"/>
+          <ac:spMkLst>
+            <pc:docMk/>
+            <pc:sldMk cId="838912480" sldId="343"/>
+            <ac:spMk id="3" creationId="{5F3213F9-EE2D-37BD-2CBB-2D503FF17D22}"/>
           </ac:spMkLst>
         </pc:spChg>
       </pc:sldChg>
@@ -7616,7 +7624,10 @@
           <a:bodyPr/>
           <a:lstStyle/>
           <a:p>
-            <a:endParaRPr lang="en-US"/>
+            <a:r>
+              <a:rPr lang="en-US" dirty="0"/>
+              <a:t>Preparation of Alcohols</a:t>
+            </a:r>
           </a:p>
         </p:txBody>
       </p:sp>
@@ -7638,10 +7649,19 @@
         </p:nvSpPr>
         <p:spPr/>
         <p:txBody>
-          <a:bodyPr/>
+          <a:bodyPr>
+            <a:normAutofit fontScale="92500" lnSpcReduction="20000"/>
+          </a:bodyPr>
           <a:lstStyle/>
           <a:p>
-            <a:endParaRPr lang="en-US"/>
+            <a:r>
+              <a:rPr lang="en-US" dirty="0"/>
+              <a:t>Alkene Oxymercuration/</a:t>
+            </a:r>
+            <a:r>
+              <a:rPr lang="en-US"/>
+              <a:t>Demurcuration</a:t>
+            </a:r>
           </a:p>
         </p:txBody>
       </p:sp>

--- a/alcoholquestions.pptx
+++ b/alcoholquestions.pptx
@@ -17,7 +17,8 @@
     <p:sldId id="340" r:id="rId14"/>
     <p:sldId id="343" r:id="rId15"/>
     <p:sldId id="341" r:id="rId16"/>
-    <p:sldId id="342" r:id="rId17"/>
+    <p:sldId id="344" r:id="rId17"/>
+    <p:sldId id="342" r:id="rId18"/>
   </p:sldIdLst>
   <p:sldSz cx="12192000" cy="6858000"/>
   <p:notesSz cx="6858000" cy="9144000"/>
@@ -137,7 +138,7 @@
   <pc:docChgLst>
     <pc:chgData name="Brennan Brown" userId="bcf6cc9e-21d7-4e63-b7dc-a8459bd698b0" providerId="ADAL" clId="{30F1509B-5785-4C08-8791-C8021B43727B}"/>
     <pc:docChg chg="undo redo custSel addSld delSld modSld sldOrd delMainMaster modMainMaster">
-      <pc:chgData name="Brennan Brown" userId="bcf6cc9e-21d7-4e63-b7dc-a8459bd698b0" providerId="ADAL" clId="{30F1509B-5785-4C08-8791-C8021B43727B}" dt="2026-02-19T15:47:33.433" v="383" actId="20577"/>
+      <pc:chgData name="Brennan Brown" userId="bcf6cc9e-21d7-4e63-b7dc-a8459bd698b0" providerId="ADAL" clId="{30F1509B-5785-4C08-8791-C8021B43727B}" dt="2026-02-19T15:47:40.698" v="386"/>
       <pc:docMkLst>
         <pc:docMk/>
       </pc:docMkLst>
@@ -563,8 +564,8 @@
           </ac:picMkLst>
         </pc:picChg>
       </pc:sldChg>
-      <pc:sldChg chg="addSp delSp modSp new">
-        <pc:chgData name="Brennan Brown" userId="bcf6cc9e-21d7-4e63-b7dc-a8459bd698b0" providerId="ADAL" clId="{30F1509B-5785-4C08-8791-C8021B43727B}" dt="2026-02-19T15:46:57.170" v="306"/>
+      <pc:sldChg chg="addSp delSp modSp new ord">
+        <pc:chgData name="Brennan Brown" userId="bcf6cc9e-21d7-4e63-b7dc-a8459bd698b0" providerId="ADAL" clId="{30F1509B-5785-4C08-8791-C8021B43727B}" dt="2026-02-19T15:47:40.698" v="386"/>
         <pc:sldMkLst>
           <pc:docMk/>
           <pc:sldMk cId="2037179664" sldId="341"/>
@@ -646,6 +647,13 @@
             <ac:spMk id="3" creationId="{5F3213F9-EE2D-37BD-2CBB-2D503FF17D22}"/>
           </ac:spMkLst>
         </pc:spChg>
+      </pc:sldChg>
+      <pc:sldChg chg="new">
+        <pc:chgData name="Brennan Brown" userId="bcf6cc9e-21d7-4e63-b7dc-a8459bd698b0" providerId="ADAL" clId="{30F1509B-5785-4C08-8791-C8021B43727B}" dt="2026-02-19T15:47:36.376" v="384" actId="680"/>
+        <pc:sldMkLst>
+          <pc:docMk/>
+          <pc:sldMk cId="3247050220" sldId="344"/>
+        </pc:sldMkLst>
       </pc:sldChg>
       <pc:sldMasterChg chg="modSldLayout sldLayoutOrd">
         <pc:chgData name="Brennan Brown" userId="bcf6cc9e-21d7-4e63-b7dc-a8459bd698b0" providerId="ADAL" clId="{30F1509B-5785-4C08-8791-C8021B43727B}" dt="2026-02-19T15:44:33.556" v="289" actId="3626"/>
@@ -7659,9 +7667,10 @@
               <a:t>Alkene Oxymercuration/</a:t>
             </a:r>
             <a:r>
-              <a:rPr lang="en-US"/>
+              <a:rPr lang="en-US" dirty="0" err="1"/>
               <a:t>Demurcuration</a:t>
             </a:r>
+            <a:endParaRPr lang="en-US" dirty="0"/>
           </a:p>
         </p:txBody>
       </p:sp>
@@ -7773,6 +7782,86 @@
 </file>
 
 <file path=ppt/slides/slide13.xml><?xml version="1.0" encoding="utf-8"?>
+<p:sld xmlns:a="http://schemas.openxmlformats.org/drawingml/2006/main" xmlns:r="http://schemas.openxmlformats.org/officeDocument/2006/relationships" xmlns:p="http://schemas.openxmlformats.org/presentationml/2006/main">
+  <p:cSld>
+    <p:spTree>
+      <p:nvGrpSpPr>
+        <p:cNvPr id="1" name=""/>
+        <p:cNvGrpSpPr/>
+        <p:nvPr/>
+      </p:nvGrpSpPr>
+      <p:grpSpPr>
+        <a:xfrm>
+          <a:off x="0" y="0"/>
+          <a:ext cx="0" cy="0"/>
+          <a:chOff x="0" y="0"/>
+          <a:chExt cx="0" cy="0"/>
+        </a:xfrm>
+      </p:grpSpPr>
+      <p:sp>
+        <p:nvSpPr>
+          <p:cNvPr id="2" name="Online Image Placeholder 1">
+            <a:extLst>
+              <a:ext uri="{FF2B5EF4-FFF2-40B4-BE49-F238E27FC236}">
+                <a16:creationId xmlns:a16="http://schemas.microsoft.com/office/drawing/2014/main" id="{87ABC59E-9673-540E-ACBF-A5B081C58E7E}"/>
+              </a:ext>
+            </a:extLst>
+          </p:cNvPr>
+          <p:cNvSpPr>
+            <a:spLocks noGrp="1"/>
+          </p:cNvSpPr>
+          <p:nvPr>
+            <p:ph type="clipArt" sz="quarter" idx="13"/>
+          </p:nvPr>
+        </p:nvSpPr>
+        <p:spPr/>
+        <p:txBody>
+          <a:bodyPr/>
+          <a:lstStyle/>
+          <a:p>
+            <a:endParaRPr lang="en-US"/>
+          </a:p>
+        </p:txBody>
+      </p:sp>
+      <p:sp>
+        <p:nvSpPr>
+          <p:cNvPr id="3" name="Online Image Placeholder 2">
+            <a:extLst>
+              <a:ext uri="{FF2B5EF4-FFF2-40B4-BE49-F238E27FC236}">
+                <a16:creationId xmlns:a16="http://schemas.microsoft.com/office/drawing/2014/main" id="{1C1E6557-3D33-E990-DB60-5E963DC1A93B}"/>
+              </a:ext>
+            </a:extLst>
+          </p:cNvPr>
+          <p:cNvSpPr>
+            <a:spLocks noGrp="1"/>
+          </p:cNvSpPr>
+          <p:nvPr>
+            <p:ph type="clipArt" sz="quarter" idx="14"/>
+          </p:nvPr>
+        </p:nvSpPr>
+        <p:spPr/>
+        <p:txBody>
+          <a:bodyPr/>
+          <a:lstStyle/>
+          <a:p>
+            <a:endParaRPr lang="en-US"/>
+          </a:p>
+        </p:txBody>
+      </p:sp>
+    </p:spTree>
+    <p:extLst>
+      <p:ext uri="{BB962C8B-B14F-4D97-AF65-F5344CB8AC3E}">
+        <p14:creationId xmlns:p14="http://schemas.microsoft.com/office/powerpoint/2010/main" val="3247050220"/>
+      </p:ext>
+    </p:extLst>
+  </p:cSld>
+  <p:clrMapOvr>
+    <a:masterClrMapping/>
+  </p:clrMapOvr>
+</p:sld>
+</file>
+
+<file path=ppt/slides/slide14.xml><?xml version="1.0" encoding="utf-8"?>
 <p:sld xmlns:a="http://schemas.openxmlformats.org/drawingml/2006/main" xmlns:r="http://schemas.openxmlformats.org/officeDocument/2006/relationships" xmlns:p="http://schemas.openxmlformats.org/presentationml/2006/main">
   <p:cSld>
     <p:spTree>

--- a/alcoholquestions.pptx
+++ b/alcoholquestions.pptx
@@ -128,7 +128,7 @@
 <file path=ppt/revisionInfo.xml><?xml version="1.0" encoding="utf-8"?>
 <p1510:revInfo xmlns:a="http://schemas.openxmlformats.org/drawingml/2006/main" xmlns:r="http://schemas.openxmlformats.org/officeDocument/2006/relationships" xmlns:p1510="http://schemas.microsoft.com/office/powerpoint/2015/10/main">
   <p1510:revLst>
-    <p1510:client id="{35CB8859-946B-47B2-B238-137014B76091}" v="47" dt="2026-02-19T15:46:57.170"/>
+    <p1510:client id="{35CB8859-946B-47B2-B238-137014B76091}" v="49" dt="2026-02-19T15:47:58.381"/>
   </p1510:revLst>
 </p1510:revInfo>
 </file>
@@ -138,7 +138,7 @@
   <pc:docChgLst>
     <pc:chgData name="Brennan Brown" userId="bcf6cc9e-21d7-4e63-b7dc-a8459bd698b0" providerId="ADAL" clId="{30F1509B-5785-4C08-8791-C8021B43727B}"/>
     <pc:docChg chg="undo redo custSel addSld delSld modSld sldOrd delMainMaster modMainMaster">
-      <pc:chgData name="Brennan Brown" userId="bcf6cc9e-21d7-4e63-b7dc-a8459bd698b0" providerId="ADAL" clId="{30F1509B-5785-4C08-8791-C8021B43727B}" dt="2026-02-19T15:47:40.698" v="386"/>
+      <pc:chgData name="Brennan Brown" userId="bcf6cc9e-21d7-4e63-b7dc-a8459bd698b0" providerId="ADAL" clId="{30F1509B-5785-4C08-8791-C8021B43727B}" dt="2026-02-19T15:47:58.381" v="388"/>
       <pc:docMkLst>
         <pc:docMk/>
       </pc:docMkLst>
@@ -648,12 +648,44 @@
           </ac:spMkLst>
         </pc:spChg>
       </pc:sldChg>
-      <pc:sldChg chg="new">
-        <pc:chgData name="Brennan Brown" userId="bcf6cc9e-21d7-4e63-b7dc-a8459bd698b0" providerId="ADAL" clId="{30F1509B-5785-4C08-8791-C8021B43727B}" dt="2026-02-19T15:47:36.376" v="384" actId="680"/>
+      <pc:sldChg chg="addSp delSp modSp new">
+        <pc:chgData name="Brennan Brown" userId="bcf6cc9e-21d7-4e63-b7dc-a8459bd698b0" providerId="ADAL" clId="{30F1509B-5785-4C08-8791-C8021B43727B}" dt="2026-02-19T15:47:58.381" v="388"/>
         <pc:sldMkLst>
           <pc:docMk/>
           <pc:sldMk cId="3247050220" sldId="344"/>
         </pc:sldMkLst>
+        <pc:spChg chg="del">
+          <ac:chgData name="Brennan Brown" userId="bcf6cc9e-21d7-4e63-b7dc-a8459bd698b0" providerId="ADAL" clId="{30F1509B-5785-4C08-8791-C8021B43727B}" dt="2026-02-19T15:47:52.919" v="387"/>
+          <ac:spMkLst>
+            <pc:docMk/>
+            <pc:sldMk cId="3247050220" sldId="344"/>
+            <ac:spMk id="2" creationId="{87ABC59E-9673-540E-ACBF-A5B081C58E7E}"/>
+          </ac:spMkLst>
+        </pc:spChg>
+        <pc:spChg chg="del">
+          <ac:chgData name="Brennan Brown" userId="bcf6cc9e-21d7-4e63-b7dc-a8459bd698b0" providerId="ADAL" clId="{30F1509B-5785-4C08-8791-C8021B43727B}" dt="2026-02-19T15:47:58.381" v="388"/>
+          <ac:spMkLst>
+            <pc:docMk/>
+            <pc:sldMk cId="3247050220" sldId="344"/>
+            <ac:spMk id="3" creationId="{1C1E6557-3D33-E990-DB60-5E963DC1A93B}"/>
+          </ac:spMkLst>
+        </pc:spChg>
+        <pc:picChg chg="add mod">
+          <ac:chgData name="Brennan Brown" userId="bcf6cc9e-21d7-4e63-b7dc-a8459bd698b0" providerId="ADAL" clId="{30F1509B-5785-4C08-8791-C8021B43727B}" dt="2026-02-19T15:47:52.919" v="387"/>
+          <ac:picMkLst>
+            <pc:docMk/>
+            <pc:sldMk cId="3247050220" sldId="344"/>
+            <ac:picMk id="4" creationId="{32507073-8542-05B8-4E95-CBB33C4C560B}"/>
+          </ac:picMkLst>
+        </pc:picChg>
+        <pc:picChg chg="add mod">
+          <ac:chgData name="Brennan Brown" userId="bcf6cc9e-21d7-4e63-b7dc-a8459bd698b0" providerId="ADAL" clId="{30F1509B-5785-4C08-8791-C8021B43727B}" dt="2026-02-19T15:47:58.381" v="388"/>
+          <ac:picMkLst>
+            <pc:docMk/>
+            <pc:sldMk cId="3247050220" sldId="344"/>
+            <ac:picMk id="5" creationId="{E55D5BD4-64F6-D608-3832-468E53B2C479}"/>
+          </ac:picMkLst>
+        </pc:picChg>
       </pc:sldChg>
       <pc:sldMasterChg chg="modSldLayout sldLayoutOrd">
         <pc:chgData name="Brennan Brown" userId="bcf6cc9e-21d7-4e63-b7dc-a8459bd698b0" providerId="ADAL" clId="{30F1509B-5785-4C08-8791-C8021B43727B}" dt="2026-02-19T15:44:33.556" v="289" actId="3626"/>
@@ -7798,56 +7830,70 @@
           <a:chExt cx="0" cy="0"/>
         </a:xfrm>
       </p:grpSpPr>
-      <p:sp>
-        <p:nvSpPr>
-          <p:cNvPr id="2" name="Online Image Placeholder 1">
-            <a:extLst>
-              <a:ext uri="{FF2B5EF4-FFF2-40B4-BE49-F238E27FC236}">
-                <a16:creationId xmlns:a16="http://schemas.microsoft.com/office/drawing/2014/main" id="{87ABC59E-9673-540E-ACBF-A5B081C58E7E}"/>
-              </a:ext>
-            </a:extLst>
-          </p:cNvPr>
-          <p:cNvSpPr>
-            <a:spLocks noGrp="1"/>
-          </p:cNvSpPr>
+      <p:pic>
+        <p:nvPicPr>
+          <p:cNvPr id="4" name="Online Image Placeholder 3">
+            <a:extLst>
+              <a:ext uri="{FF2B5EF4-FFF2-40B4-BE49-F238E27FC236}">
+                <a16:creationId xmlns:a16="http://schemas.microsoft.com/office/drawing/2014/main" id="{32507073-8542-05B8-4E95-CBB33C4C560B}"/>
+              </a:ext>
+            </a:extLst>
+          </p:cNvPr>
+          <p:cNvPicPr>
+            <a:picLocks noGrp="1" noChangeAspect="1"/>
+          </p:cNvPicPr>
           <p:nvPr>
             <p:ph type="clipArt" sz="quarter" idx="13"/>
           </p:nvPr>
-        </p:nvSpPr>
-        <p:spPr/>
-        <p:txBody>
-          <a:bodyPr/>
-          <a:lstStyle/>
-          <a:p>
-            <a:endParaRPr lang="en-US"/>
-          </a:p>
-        </p:txBody>
-      </p:sp>
-      <p:sp>
-        <p:nvSpPr>
-          <p:cNvPr id="3" name="Online Image Placeholder 2">
-            <a:extLst>
-              <a:ext uri="{FF2B5EF4-FFF2-40B4-BE49-F238E27FC236}">
-                <a16:creationId xmlns:a16="http://schemas.microsoft.com/office/drawing/2014/main" id="{1C1E6557-3D33-E990-DB60-5E963DC1A93B}"/>
-              </a:ext>
-            </a:extLst>
-          </p:cNvPr>
-          <p:cNvSpPr>
-            <a:spLocks noGrp="1"/>
-          </p:cNvSpPr>
+        </p:nvPicPr>
+        <p:blipFill>
+          <a:blip r:embed="rId2"/>
+          <a:stretch>
+            <a:fillRect/>
+          </a:stretch>
+        </p:blipFill>
+        <p:spPr>
+          <a:xfrm>
+            <a:off x="3817276" y="1030288"/>
+            <a:ext cx="4557447" cy="1514475"/>
+          </a:xfrm>
+          <a:prstGeom prst="rect">
+            <a:avLst/>
+          </a:prstGeom>
+        </p:spPr>
+      </p:pic>
+      <p:pic>
+        <p:nvPicPr>
+          <p:cNvPr id="5" name="Online Image Placeholder 4">
+            <a:extLst>
+              <a:ext uri="{FF2B5EF4-FFF2-40B4-BE49-F238E27FC236}">
+                <a16:creationId xmlns:a16="http://schemas.microsoft.com/office/drawing/2014/main" id="{E55D5BD4-64F6-D608-3832-468E53B2C479}"/>
+              </a:ext>
+            </a:extLst>
+          </p:cNvPr>
+          <p:cNvPicPr>
+            <a:picLocks noGrp="1" noChangeAspect="1"/>
+          </p:cNvPicPr>
           <p:nvPr>
             <p:ph type="clipArt" sz="quarter" idx="14"/>
           </p:nvPr>
-        </p:nvSpPr>
-        <p:spPr/>
-        <p:txBody>
-          <a:bodyPr/>
-          <a:lstStyle/>
-          <a:p>
-            <a:endParaRPr lang="en-US"/>
-          </a:p>
-        </p:txBody>
-      </p:sp>
+        </p:nvPicPr>
+        <p:blipFill>
+          <a:blip r:embed="rId3"/>
+          <a:stretch>
+            <a:fillRect/>
+          </a:stretch>
+        </p:blipFill>
+        <p:spPr>
+          <a:xfrm>
+            <a:off x="2610006" y="4311650"/>
+            <a:ext cx="6971988" cy="1516063"/>
+          </a:xfrm>
+          <a:prstGeom prst="rect">
+            <a:avLst/>
+          </a:prstGeom>
+        </p:spPr>
+      </p:pic>
     </p:spTree>
     <p:extLst>
       <p:ext uri="{BB962C8B-B14F-4D97-AF65-F5344CB8AC3E}">

--- a/alcoholquestions.pptx
+++ b/alcoholquestions.pptx
@@ -128,7 +128,7 @@
 <file path=ppt/revisionInfo.xml><?xml version="1.0" encoding="utf-8"?>
 <p1510:revInfo xmlns:a="http://schemas.openxmlformats.org/drawingml/2006/main" xmlns:r="http://schemas.openxmlformats.org/officeDocument/2006/relationships" xmlns:p1510="http://schemas.microsoft.com/office/powerpoint/2015/10/main">
   <p1510:revLst>
-    <p1510:client id="{35CB8859-946B-47B2-B238-137014B76091}" v="49" dt="2026-02-19T15:47:58.381"/>
+    <p1510:client id="{35CB8859-946B-47B2-B238-137014B76091}" v="51" dt="2026-02-19T15:48:16.645"/>
   </p1510:revLst>
 </p1510:revInfo>
 </file>
@@ -138,7 +138,7 @@
   <pc:docChgLst>
     <pc:chgData name="Brennan Brown" userId="bcf6cc9e-21d7-4e63-b7dc-a8459bd698b0" providerId="ADAL" clId="{30F1509B-5785-4C08-8791-C8021B43727B}"/>
     <pc:docChg chg="undo redo custSel addSld delSld modSld sldOrd delMainMaster modMainMaster">
-      <pc:chgData name="Brennan Brown" userId="bcf6cc9e-21d7-4e63-b7dc-a8459bd698b0" providerId="ADAL" clId="{30F1509B-5785-4C08-8791-C8021B43727B}" dt="2026-02-19T15:47:58.381" v="388"/>
+      <pc:chgData name="Brennan Brown" userId="bcf6cc9e-21d7-4e63-b7dc-a8459bd698b0" providerId="ADAL" clId="{30F1509B-5785-4C08-8791-C8021B43727B}" dt="2026-02-19T15:48:16.645" v="390"/>
       <pc:docMkLst>
         <pc:docMk/>
       </pc:docMkLst>
@@ -618,12 +618,44 @@
           </ac:spMkLst>
         </pc:spChg>
       </pc:sldChg>
-      <pc:sldChg chg="new">
-        <pc:chgData name="Brennan Brown" userId="bcf6cc9e-21d7-4e63-b7dc-a8459bd698b0" providerId="ADAL" clId="{30F1509B-5785-4C08-8791-C8021B43727B}" dt="2026-02-19T15:47:00.174" v="307" actId="680"/>
+      <pc:sldChg chg="addSp delSp modSp new">
+        <pc:chgData name="Brennan Brown" userId="bcf6cc9e-21d7-4e63-b7dc-a8459bd698b0" providerId="ADAL" clId="{30F1509B-5785-4C08-8791-C8021B43727B}" dt="2026-02-19T15:48:16.645" v="390"/>
         <pc:sldMkLst>
           <pc:docMk/>
           <pc:sldMk cId="3094289431" sldId="342"/>
         </pc:sldMkLst>
+        <pc:spChg chg="del">
+          <ac:chgData name="Brennan Brown" userId="bcf6cc9e-21d7-4e63-b7dc-a8459bd698b0" providerId="ADAL" clId="{30F1509B-5785-4C08-8791-C8021B43727B}" dt="2026-02-19T15:48:10.221" v="389"/>
+          <ac:spMkLst>
+            <pc:docMk/>
+            <pc:sldMk cId="3094289431" sldId="342"/>
+            <ac:spMk id="2" creationId="{6E99DC70-6615-B861-3398-3AF60218D5D1}"/>
+          </ac:spMkLst>
+        </pc:spChg>
+        <pc:spChg chg="del">
+          <ac:chgData name="Brennan Brown" userId="bcf6cc9e-21d7-4e63-b7dc-a8459bd698b0" providerId="ADAL" clId="{30F1509B-5785-4C08-8791-C8021B43727B}" dt="2026-02-19T15:48:16.645" v="390"/>
+          <ac:spMkLst>
+            <pc:docMk/>
+            <pc:sldMk cId="3094289431" sldId="342"/>
+            <ac:spMk id="3" creationId="{3E934119-C871-8B7A-781A-294F77BC20C7}"/>
+          </ac:spMkLst>
+        </pc:spChg>
+        <pc:picChg chg="add mod">
+          <ac:chgData name="Brennan Brown" userId="bcf6cc9e-21d7-4e63-b7dc-a8459bd698b0" providerId="ADAL" clId="{30F1509B-5785-4C08-8791-C8021B43727B}" dt="2026-02-19T15:48:10.221" v="389"/>
+          <ac:picMkLst>
+            <pc:docMk/>
+            <pc:sldMk cId="3094289431" sldId="342"/>
+            <ac:picMk id="4" creationId="{3823B1DD-EED7-1551-C6F9-9685348BED21}"/>
+          </ac:picMkLst>
+        </pc:picChg>
+        <pc:picChg chg="add mod">
+          <ac:chgData name="Brennan Brown" userId="bcf6cc9e-21d7-4e63-b7dc-a8459bd698b0" providerId="ADAL" clId="{30F1509B-5785-4C08-8791-C8021B43727B}" dt="2026-02-19T15:48:16.645" v="390"/>
+          <ac:picMkLst>
+            <pc:docMk/>
+            <pc:sldMk cId="3094289431" sldId="342"/>
+            <ac:picMk id="5" creationId="{875E15F5-F5CD-B3B4-3D23-025DAC599C4B}"/>
+          </ac:picMkLst>
+        </pc:picChg>
       </pc:sldChg>
       <pc:sldChg chg="modSp new mod">
         <pc:chgData name="Brennan Brown" userId="bcf6cc9e-21d7-4e63-b7dc-a8459bd698b0" providerId="ADAL" clId="{30F1509B-5785-4C08-8791-C8021B43727B}" dt="2026-02-19T15:47:33.433" v="383" actId="20577"/>
@@ -7924,56 +7956,70 @@
           <a:chExt cx="0" cy="0"/>
         </a:xfrm>
       </p:grpSpPr>
-      <p:sp>
-        <p:nvSpPr>
-          <p:cNvPr id="2" name="Online Image Placeholder 1">
-            <a:extLst>
-              <a:ext uri="{FF2B5EF4-FFF2-40B4-BE49-F238E27FC236}">
-                <a16:creationId xmlns:a16="http://schemas.microsoft.com/office/drawing/2014/main" id="{6E99DC70-6615-B861-3398-3AF60218D5D1}"/>
-              </a:ext>
-            </a:extLst>
-          </p:cNvPr>
-          <p:cNvSpPr>
-            <a:spLocks noGrp="1"/>
-          </p:cNvSpPr>
+      <p:pic>
+        <p:nvPicPr>
+          <p:cNvPr id="4" name="Online Image Placeholder 3">
+            <a:extLst>
+              <a:ext uri="{FF2B5EF4-FFF2-40B4-BE49-F238E27FC236}">
+                <a16:creationId xmlns:a16="http://schemas.microsoft.com/office/drawing/2014/main" id="{3823B1DD-EED7-1551-C6F9-9685348BED21}"/>
+              </a:ext>
+            </a:extLst>
+          </p:cNvPr>
+          <p:cNvPicPr>
+            <a:picLocks noGrp="1" noChangeAspect="1"/>
+          </p:cNvPicPr>
           <p:nvPr>
             <p:ph type="clipArt" sz="quarter" idx="13"/>
           </p:nvPr>
-        </p:nvSpPr>
-        <p:spPr/>
-        <p:txBody>
-          <a:bodyPr/>
-          <a:lstStyle/>
-          <a:p>
-            <a:endParaRPr lang="en-US"/>
-          </a:p>
-        </p:txBody>
-      </p:sp>
-      <p:sp>
-        <p:nvSpPr>
-          <p:cNvPr id="3" name="Online Image Placeholder 2">
-            <a:extLst>
-              <a:ext uri="{FF2B5EF4-FFF2-40B4-BE49-F238E27FC236}">
-                <a16:creationId xmlns:a16="http://schemas.microsoft.com/office/drawing/2014/main" id="{3E934119-C871-8B7A-781A-294F77BC20C7}"/>
-              </a:ext>
-            </a:extLst>
-          </p:cNvPr>
-          <p:cNvSpPr>
-            <a:spLocks noGrp="1"/>
-          </p:cNvSpPr>
+        </p:nvPicPr>
+        <p:blipFill>
+          <a:blip r:embed="rId2"/>
+          <a:stretch>
+            <a:fillRect/>
+          </a:stretch>
+        </p:blipFill>
+        <p:spPr>
+          <a:xfrm>
+            <a:off x="3985246" y="1030288"/>
+            <a:ext cx="4221507" cy="1514475"/>
+          </a:xfrm>
+          <a:prstGeom prst="rect">
+            <a:avLst/>
+          </a:prstGeom>
+        </p:spPr>
+      </p:pic>
+      <p:pic>
+        <p:nvPicPr>
+          <p:cNvPr id="5" name="Online Image Placeholder 4">
+            <a:extLst>
+              <a:ext uri="{FF2B5EF4-FFF2-40B4-BE49-F238E27FC236}">
+                <a16:creationId xmlns:a16="http://schemas.microsoft.com/office/drawing/2014/main" id="{875E15F5-F5CD-B3B4-3D23-025DAC599C4B}"/>
+              </a:ext>
+            </a:extLst>
+          </p:cNvPr>
+          <p:cNvPicPr>
+            <a:picLocks noGrp="1" noChangeAspect="1"/>
+          </p:cNvPicPr>
           <p:nvPr>
             <p:ph type="clipArt" sz="quarter" idx="14"/>
           </p:nvPr>
-        </p:nvSpPr>
-        <p:spPr/>
-        <p:txBody>
-          <a:bodyPr/>
-          <a:lstStyle/>
-          <a:p>
-            <a:endParaRPr lang="en-US"/>
-          </a:p>
-        </p:txBody>
-      </p:sp>
+        </p:nvPicPr>
+        <p:blipFill>
+          <a:blip r:embed="rId3"/>
+          <a:stretch>
+            <a:fillRect/>
+          </a:stretch>
+        </p:blipFill>
+        <p:spPr>
+          <a:xfrm>
+            <a:off x="2667184" y="4311650"/>
+            <a:ext cx="6857632" cy="1516063"/>
+          </a:xfrm>
+          <a:prstGeom prst="rect">
+            <a:avLst/>
+          </a:prstGeom>
+        </p:spPr>
+      </p:pic>
     </p:spTree>
     <p:extLst>
       <p:ext uri="{BB962C8B-B14F-4D97-AF65-F5344CB8AC3E}">

--- a/alcoholquestions.pptx
+++ b/alcoholquestions.pptx
@@ -19,6 +19,7 @@
     <p:sldId id="341" r:id="rId16"/>
     <p:sldId id="344" r:id="rId17"/>
     <p:sldId id="342" r:id="rId18"/>
+    <p:sldId id="345" r:id="rId19"/>
   </p:sldIdLst>
   <p:sldSz cx="12192000" cy="6858000"/>
   <p:notesSz cx="6858000" cy="9144000"/>
@@ -138,7 +139,7 @@
   <pc:docChgLst>
     <pc:chgData name="Brennan Brown" userId="bcf6cc9e-21d7-4e63-b7dc-a8459bd698b0" providerId="ADAL" clId="{30F1509B-5785-4C08-8791-C8021B43727B}"/>
     <pc:docChg chg="undo redo custSel addSld delSld modSld sldOrd delMainMaster modMainMaster">
-      <pc:chgData name="Brennan Brown" userId="bcf6cc9e-21d7-4e63-b7dc-a8459bd698b0" providerId="ADAL" clId="{30F1509B-5785-4C08-8791-C8021B43727B}" dt="2026-02-19T15:48:16.645" v="390"/>
+      <pc:chgData name="Brennan Brown" userId="bcf6cc9e-21d7-4e63-b7dc-a8459bd698b0" providerId="ADAL" clId="{30F1509B-5785-4C08-8791-C8021B43727B}" dt="2026-02-19T15:48:31.642" v="391" actId="680"/>
       <pc:docMkLst>
         <pc:docMk/>
       </pc:docMkLst>
@@ -719,6 +720,13 @@
           </ac:picMkLst>
         </pc:picChg>
       </pc:sldChg>
+      <pc:sldChg chg="new">
+        <pc:chgData name="Brennan Brown" userId="bcf6cc9e-21d7-4e63-b7dc-a8459bd698b0" providerId="ADAL" clId="{30F1509B-5785-4C08-8791-C8021B43727B}" dt="2026-02-19T15:48:31.642" v="391" actId="680"/>
+        <pc:sldMkLst>
+          <pc:docMk/>
+          <pc:sldMk cId="3647756474" sldId="345"/>
+        </pc:sldMkLst>
+      </pc:sldChg>
       <pc:sldMasterChg chg="modSldLayout sldLayoutOrd">
         <pc:chgData name="Brennan Brown" userId="bcf6cc9e-21d7-4e63-b7dc-a8459bd698b0" providerId="ADAL" clId="{30F1509B-5785-4C08-8791-C8021B43727B}" dt="2026-02-19T15:44:33.556" v="289" actId="3626"/>
         <pc:sldMasterMkLst>
@@ -8024,6 +8032,86 @@
     <p:extLst>
       <p:ext uri="{BB962C8B-B14F-4D97-AF65-F5344CB8AC3E}">
         <p14:creationId xmlns:p14="http://schemas.microsoft.com/office/powerpoint/2010/main" val="3094289431"/>
+      </p:ext>
+    </p:extLst>
+  </p:cSld>
+  <p:clrMapOvr>
+    <a:masterClrMapping/>
+  </p:clrMapOvr>
+</p:sld>
+</file>
+
+<file path=ppt/slides/slide15.xml><?xml version="1.0" encoding="utf-8"?>
+<p:sld xmlns:a="http://schemas.openxmlformats.org/drawingml/2006/main" xmlns:r="http://schemas.openxmlformats.org/officeDocument/2006/relationships" xmlns:p="http://schemas.openxmlformats.org/presentationml/2006/main">
+  <p:cSld>
+    <p:spTree>
+      <p:nvGrpSpPr>
+        <p:cNvPr id="1" name=""/>
+        <p:cNvGrpSpPr/>
+        <p:nvPr/>
+      </p:nvGrpSpPr>
+      <p:grpSpPr>
+        <a:xfrm>
+          <a:off x="0" y="0"/>
+          <a:ext cx="0" cy="0"/>
+          <a:chOff x="0" y="0"/>
+          <a:chExt cx="0" cy="0"/>
+        </a:xfrm>
+      </p:grpSpPr>
+      <p:sp>
+        <p:nvSpPr>
+          <p:cNvPr id="2" name="Title 1">
+            <a:extLst>
+              <a:ext uri="{FF2B5EF4-FFF2-40B4-BE49-F238E27FC236}">
+                <a16:creationId xmlns:a16="http://schemas.microsoft.com/office/drawing/2014/main" id="{4A70416C-E422-05BA-04C9-0C41FC83BD33}"/>
+              </a:ext>
+            </a:extLst>
+          </p:cNvPr>
+          <p:cNvSpPr>
+            <a:spLocks noGrp="1"/>
+          </p:cNvSpPr>
+          <p:nvPr>
+            <p:ph type="ctrTitle"/>
+          </p:nvPr>
+        </p:nvSpPr>
+        <p:spPr/>
+        <p:txBody>
+          <a:bodyPr/>
+          <a:lstStyle/>
+          <a:p>
+            <a:endParaRPr lang="en-US"/>
+          </a:p>
+        </p:txBody>
+      </p:sp>
+      <p:sp>
+        <p:nvSpPr>
+          <p:cNvPr id="3" name="Subtitle 2">
+            <a:extLst>
+              <a:ext uri="{FF2B5EF4-FFF2-40B4-BE49-F238E27FC236}">
+                <a16:creationId xmlns:a16="http://schemas.microsoft.com/office/drawing/2014/main" id="{4381359B-772E-DD5B-F641-064152BB5999}"/>
+              </a:ext>
+            </a:extLst>
+          </p:cNvPr>
+          <p:cNvSpPr>
+            <a:spLocks noGrp="1"/>
+          </p:cNvSpPr>
+          <p:nvPr>
+            <p:ph type="subTitle" idx="1"/>
+          </p:nvPr>
+        </p:nvSpPr>
+        <p:spPr/>
+        <p:txBody>
+          <a:bodyPr/>
+          <a:lstStyle/>
+          <a:p>
+            <a:endParaRPr lang="en-US"/>
+          </a:p>
+        </p:txBody>
+      </p:sp>
+    </p:spTree>
+    <p:extLst>
+      <p:ext uri="{BB962C8B-B14F-4D97-AF65-F5344CB8AC3E}">
+        <p14:creationId xmlns:p14="http://schemas.microsoft.com/office/powerpoint/2010/main" val="3647756474"/>
       </p:ext>
     </p:extLst>
   </p:cSld>

--- a/alcoholquestions.pptx
+++ b/alcoholquestions.pptx
@@ -139,7 +139,7 @@
   <pc:docChgLst>
     <pc:chgData name="Brennan Brown" userId="bcf6cc9e-21d7-4e63-b7dc-a8459bd698b0" providerId="ADAL" clId="{30F1509B-5785-4C08-8791-C8021B43727B}"/>
     <pc:docChg chg="undo redo custSel addSld delSld modSld sldOrd delMainMaster modMainMaster">
-      <pc:chgData name="Brennan Brown" userId="bcf6cc9e-21d7-4e63-b7dc-a8459bd698b0" providerId="ADAL" clId="{30F1509B-5785-4C08-8791-C8021B43727B}" dt="2026-02-19T15:48:31.642" v="391" actId="680"/>
+      <pc:chgData name="Brennan Brown" userId="bcf6cc9e-21d7-4e63-b7dc-a8459bd698b0" providerId="ADAL" clId="{30F1509B-5785-4C08-8791-C8021B43727B}" dt="2026-02-19T15:48:50.044" v="456" actId="20577"/>
       <pc:docMkLst>
         <pc:docMk/>
       </pc:docMkLst>
@@ -720,12 +720,28 @@
           </ac:picMkLst>
         </pc:picChg>
       </pc:sldChg>
-      <pc:sldChg chg="new">
-        <pc:chgData name="Brennan Brown" userId="bcf6cc9e-21d7-4e63-b7dc-a8459bd698b0" providerId="ADAL" clId="{30F1509B-5785-4C08-8791-C8021B43727B}" dt="2026-02-19T15:48:31.642" v="391" actId="680"/>
+      <pc:sldChg chg="modSp new mod">
+        <pc:chgData name="Brennan Brown" userId="bcf6cc9e-21d7-4e63-b7dc-a8459bd698b0" providerId="ADAL" clId="{30F1509B-5785-4C08-8791-C8021B43727B}" dt="2026-02-19T15:48:50.044" v="456" actId="20577"/>
         <pc:sldMkLst>
           <pc:docMk/>
           <pc:sldMk cId="3647756474" sldId="345"/>
         </pc:sldMkLst>
+        <pc:spChg chg="mod">
+          <ac:chgData name="Brennan Brown" userId="bcf6cc9e-21d7-4e63-b7dc-a8459bd698b0" providerId="ADAL" clId="{30F1509B-5785-4C08-8791-C8021B43727B}" dt="2026-02-19T15:48:40.721" v="421" actId="20577"/>
+          <ac:spMkLst>
+            <pc:docMk/>
+            <pc:sldMk cId="3647756474" sldId="345"/>
+            <ac:spMk id="2" creationId="{4A70416C-E422-05BA-04C9-0C41FC83BD33}"/>
+          </ac:spMkLst>
+        </pc:spChg>
+        <pc:spChg chg="mod">
+          <ac:chgData name="Brennan Brown" userId="bcf6cc9e-21d7-4e63-b7dc-a8459bd698b0" providerId="ADAL" clId="{30F1509B-5785-4C08-8791-C8021B43727B}" dt="2026-02-19T15:48:50.044" v="456" actId="20577"/>
+          <ac:spMkLst>
+            <pc:docMk/>
+            <pc:sldMk cId="3647756474" sldId="345"/>
+            <ac:spMk id="3" creationId="{4381359B-772E-DD5B-F641-064152BB5999}"/>
+          </ac:spMkLst>
+        </pc:spChg>
       </pc:sldChg>
       <pc:sldMasterChg chg="modSldLayout sldLayoutOrd">
         <pc:chgData name="Brennan Brown" userId="bcf6cc9e-21d7-4e63-b7dc-a8459bd698b0" providerId="ADAL" clId="{30F1509B-5785-4C08-8791-C8021B43727B}" dt="2026-02-19T15:44:33.556" v="289" actId="3626"/>
@@ -8079,7 +8095,15 @@
           <a:bodyPr/>
           <a:lstStyle/>
           <a:p>
-            <a:endParaRPr lang="en-US"/>
+            <a:r>
+              <a:rPr lang="en-US" dirty="0"/>
+              <a:t>Preparation of </a:t>
+            </a:r>
+            <a:r>
+              <a:rPr lang="en-US" dirty="0" err="1"/>
+              <a:t>Alchols</a:t>
+            </a:r>
+            <a:endParaRPr lang="en-US" dirty="0"/>
           </a:p>
         </p:txBody>
       </p:sp>
@@ -8101,10 +8125,19 @@
         </p:nvSpPr>
         <p:spPr/>
         <p:txBody>
-          <a:bodyPr/>
+          <a:bodyPr>
+            <a:normAutofit fontScale="92500" lnSpcReduction="20000"/>
+          </a:bodyPr>
           <a:lstStyle/>
           <a:p>
-            <a:endParaRPr lang="en-US"/>
+            <a:r>
+              <a:rPr lang="en-US" dirty="0"/>
+              <a:t>Hydroboration</a:t>
+            </a:r>
+            <a:r>
+              <a:rPr lang="en-US"/>
+              <a:t>/Oxidation of Alkene</a:t>
+            </a:r>
           </a:p>
         </p:txBody>
       </p:sp>

--- a/alcoholquestions.pptx
+++ b/alcoholquestions.pptx
@@ -20,6 +20,7 @@
     <p:sldId id="344" r:id="rId17"/>
     <p:sldId id="342" r:id="rId18"/>
     <p:sldId id="345" r:id="rId19"/>
+    <p:sldId id="346" r:id="rId20"/>
   </p:sldIdLst>
   <p:sldSz cx="12192000" cy="6858000"/>
   <p:notesSz cx="6858000" cy="9144000"/>
@@ -129,7 +130,7 @@
 <file path=ppt/revisionInfo.xml><?xml version="1.0" encoding="utf-8"?>
 <p1510:revInfo xmlns:a="http://schemas.openxmlformats.org/drawingml/2006/main" xmlns:r="http://schemas.openxmlformats.org/officeDocument/2006/relationships" xmlns:p1510="http://schemas.microsoft.com/office/powerpoint/2015/10/main">
   <p1510:revLst>
-    <p1510:client id="{35CB8859-946B-47B2-B238-137014B76091}" v="51" dt="2026-02-19T15:48:16.645"/>
+    <p1510:client id="{35CB8859-946B-47B2-B238-137014B76091}" v="52" dt="2026-02-19T15:49:04.512"/>
   </p1510:revLst>
 </p1510:revInfo>
 </file>
@@ -139,7 +140,7 @@
   <pc:docChgLst>
     <pc:chgData name="Brennan Brown" userId="bcf6cc9e-21d7-4e63-b7dc-a8459bd698b0" providerId="ADAL" clId="{30F1509B-5785-4C08-8791-C8021B43727B}"/>
     <pc:docChg chg="undo redo custSel addSld delSld modSld sldOrd delMainMaster modMainMaster">
-      <pc:chgData name="Brennan Brown" userId="bcf6cc9e-21d7-4e63-b7dc-a8459bd698b0" providerId="ADAL" clId="{30F1509B-5785-4C08-8791-C8021B43727B}" dt="2026-02-19T15:48:50.044" v="456" actId="20577"/>
+      <pc:chgData name="Brennan Brown" userId="bcf6cc9e-21d7-4e63-b7dc-a8459bd698b0" providerId="ADAL" clId="{30F1509B-5785-4C08-8791-C8021B43727B}" dt="2026-02-19T15:49:04.512" v="458"/>
       <pc:docMkLst>
         <pc:docMk/>
       </pc:docMkLst>
@@ -743,6 +744,29 @@
           </ac:spMkLst>
         </pc:spChg>
       </pc:sldChg>
+      <pc:sldChg chg="addSp delSp modSp new">
+        <pc:chgData name="Brennan Brown" userId="bcf6cc9e-21d7-4e63-b7dc-a8459bd698b0" providerId="ADAL" clId="{30F1509B-5785-4C08-8791-C8021B43727B}" dt="2026-02-19T15:49:04.512" v="458"/>
+        <pc:sldMkLst>
+          <pc:docMk/>
+          <pc:sldMk cId="4265754142" sldId="346"/>
+        </pc:sldMkLst>
+        <pc:spChg chg="del">
+          <ac:chgData name="Brennan Brown" userId="bcf6cc9e-21d7-4e63-b7dc-a8459bd698b0" providerId="ADAL" clId="{30F1509B-5785-4C08-8791-C8021B43727B}" dt="2026-02-19T15:49:04.512" v="458"/>
+          <ac:spMkLst>
+            <pc:docMk/>
+            <pc:sldMk cId="4265754142" sldId="346"/>
+            <ac:spMk id="2" creationId="{6884A9C5-45C4-5048-0531-8F61F8BA1399}"/>
+          </ac:spMkLst>
+        </pc:spChg>
+        <pc:picChg chg="add mod">
+          <ac:chgData name="Brennan Brown" userId="bcf6cc9e-21d7-4e63-b7dc-a8459bd698b0" providerId="ADAL" clId="{30F1509B-5785-4C08-8791-C8021B43727B}" dt="2026-02-19T15:49:04.512" v="458"/>
+          <ac:picMkLst>
+            <pc:docMk/>
+            <pc:sldMk cId="4265754142" sldId="346"/>
+            <ac:picMk id="4" creationId="{39B1B1D6-E426-8487-B71C-D788351316D4}"/>
+          </ac:picMkLst>
+        </pc:picChg>
+      </pc:sldChg>
       <pc:sldMasterChg chg="modSldLayout sldLayoutOrd">
         <pc:chgData name="Brennan Brown" userId="bcf6cc9e-21d7-4e63-b7dc-a8459bd698b0" providerId="ADAL" clId="{30F1509B-5785-4C08-8791-C8021B43727B}" dt="2026-02-19T15:44:33.556" v="289" actId="3626"/>
         <pc:sldMasterMkLst>
@@ -8132,11 +8156,7 @@
           <a:p>
             <a:r>
               <a:rPr lang="en-US" dirty="0"/>
-              <a:t>Hydroboration</a:t>
-            </a:r>
-            <a:r>
-              <a:rPr lang="en-US"/>
-              <a:t>/Oxidation of Alkene</a:t>
+              <a:t>Hydroboration/Oxidation of Alkenes</a:t>
             </a:r>
           </a:p>
         </p:txBody>
@@ -8145,6 +8165,93 @@
     <p:extLst>
       <p:ext uri="{BB962C8B-B14F-4D97-AF65-F5344CB8AC3E}">
         <p14:creationId xmlns:p14="http://schemas.microsoft.com/office/powerpoint/2010/main" val="3647756474"/>
+      </p:ext>
+    </p:extLst>
+  </p:cSld>
+  <p:clrMapOvr>
+    <a:masterClrMapping/>
+  </p:clrMapOvr>
+</p:sld>
+</file>
+
+<file path=ppt/slides/slide16.xml><?xml version="1.0" encoding="utf-8"?>
+<p:sld xmlns:a="http://schemas.openxmlformats.org/drawingml/2006/main" xmlns:r="http://schemas.openxmlformats.org/officeDocument/2006/relationships" xmlns:p="http://schemas.openxmlformats.org/presentationml/2006/main">
+  <p:cSld>
+    <p:spTree>
+      <p:nvGrpSpPr>
+        <p:cNvPr id="1" name=""/>
+        <p:cNvGrpSpPr/>
+        <p:nvPr/>
+      </p:nvGrpSpPr>
+      <p:grpSpPr>
+        <a:xfrm>
+          <a:off x="0" y="0"/>
+          <a:ext cx="0" cy="0"/>
+          <a:chOff x="0" y="0"/>
+          <a:chExt cx="0" cy="0"/>
+        </a:xfrm>
+      </p:grpSpPr>
+      <p:sp>
+        <p:nvSpPr>
+          <p:cNvPr id="3" name="Online Image Placeholder 2">
+            <a:extLst>
+              <a:ext uri="{FF2B5EF4-FFF2-40B4-BE49-F238E27FC236}">
+                <a16:creationId xmlns:a16="http://schemas.microsoft.com/office/drawing/2014/main" id="{1090A25B-9EA0-E29F-9264-FD11F02B52DE}"/>
+              </a:ext>
+            </a:extLst>
+          </p:cNvPr>
+          <p:cNvSpPr>
+            <a:spLocks noGrp="1"/>
+          </p:cNvSpPr>
+          <p:nvPr>
+            <p:ph type="clipArt" sz="quarter" idx="14"/>
+          </p:nvPr>
+        </p:nvSpPr>
+        <p:spPr/>
+        <p:txBody>
+          <a:bodyPr/>
+          <a:lstStyle/>
+          <a:p>
+            <a:endParaRPr lang="en-US"/>
+          </a:p>
+        </p:txBody>
+      </p:sp>
+      <p:pic>
+        <p:nvPicPr>
+          <p:cNvPr id="4" name="Online Image Placeholder 3">
+            <a:extLst>
+              <a:ext uri="{FF2B5EF4-FFF2-40B4-BE49-F238E27FC236}">
+                <a16:creationId xmlns:a16="http://schemas.microsoft.com/office/drawing/2014/main" id="{39B1B1D6-E426-8487-B71C-D788351316D4}"/>
+              </a:ext>
+            </a:extLst>
+          </p:cNvPr>
+          <p:cNvPicPr>
+            <a:picLocks noGrp="1" noChangeAspect="1"/>
+          </p:cNvPicPr>
+          <p:nvPr>
+            <p:ph type="clipArt" sz="quarter" idx="13"/>
+          </p:nvPr>
+        </p:nvPicPr>
+        <p:blipFill>
+          <a:blip r:embed="rId2"/>
+          <a:stretch>
+            <a:fillRect/>
+          </a:stretch>
+        </p:blipFill>
+        <p:spPr>
+          <a:xfrm>
+            <a:off x="2968002" y="1030288"/>
+            <a:ext cx="6255995" cy="1514475"/>
+          </a:xfrm>
+          <a:prstGeom prst="rect">
+            <a:avLst/>
+          </a:prstGeom>
+        </p:spPr>
+      </p:pic>
+    </p:spTree>
+    <p:extLst>
+      <p:ext uri="{BB962C8B-B14F-4D97-AF65-F5344CB8AC3E}">
+        <p14:creationId xmlns:p14="http://schemas.microsoft.com/office/powerpoint/2010/main" val="4265754142"/>
       </p:ext>
     </p:extLst>
   </p:cSld>

--- a/alcoholquestions.pptx
+++ b/alcoholquestions.pptx
@@ -21,6 +21,9 @@
     <p:sldId id="342" r:id="rId18"/>
     <p:sldId id="345" r:id="rId19"/>
     <p:sldId id="346" r:id="rId20"/>
+    <p:sldId id="347" r:id="rId21"/>
+    <p:sldId id="348" r:id="rId22"/>
+    <p:sldId id="349" r:id="rId23"/>
   </p:sldIdLst>
   <p:sldSz cx="12192000" cy="6858000"/>
   <p:notesSz cx="6858000" cy="9144000"/>
@@ -130,7 +133,7 @@
 <file path=ppt/revisionInfo.xml><?xml version="1.0" encoding="utf-8"?>
 <p1510:revInfo xmlns:a="http://schemas.openxmlformats.org/drawingml/2006/main" xmlns:r="http://schemas.openxmlformats.org/officeDocument/2006/relationships" xmlns:p1510="http://schemas.microsoft.com/office/powerpoint/2015/10/main">
   <p1510:revLst>
-    <p1510:client id="{35CB8859-946B-47B2-B238-137014B76091}" v="52" dt="2026-02-19T15:49:04.512"/>
+    <p1510:client id="{35CB8859-946B-47B2-B238-137014B76091}" v="59" dt="2026-02-19T15:49:46.444"/>
   </p1510:revLst>
 </p1510:revInfo>
 </file>
@@ -140,7 +143,7 @@
   <pc:docChgLst>
     <pc:chgData name="Brennan Brown" userId="bcf6cc9e-21d7-4e63-b7dc-a8459bd698b0" providerId="ADAL" clId="{30F1509B-5785-4C08-8791-C8021B43727B}"/>
     <pc:docChg chg="undo redo custSel addSld delSld modSld sldOrd delMainMaster modMainMaster">
-      <pc:chgData name="Brennan Brown" userId="bcf6cc9e-21d7-4e63-b7dc-a8459bd698b0" providerId="ADAL" clId="{30F1509B-5785-4C08-8791-C8021B43727B}" dt="2026-02-19T15:49:04.512" v="458"/>
+      <pc:chgData name="Brennan Brown" userId="bcf6cc9e-21d7-4e63-b7dc-a8459bd698b0" providerId="ADAL" clId="{30F1509B-5785-4C08-8791-C8021B43727B}" dt="2026-02-19T15:50:24.124" v="522" actId="20577"/>
       <pc:docMkLst>
         <pc:docMk/>
       </pc:docMkLst>
@@ -745,7 +748,7 @@
         </pc:spChg>
       </pc:sldChg>
       <pc:sldChg chg="addSp delSp modSp new">
-        <pc:chgData name="Brennan Brown" userId="bcf6cc9e-21d7-4e63-b7dc-a8459bd698b0" providerId="ADAL" clId="{30F1509B-5785-4C08-8791-C8021B43727B}" dt="2026-02-19T15:49:04.512" v="458"/>
+        <pc:chgData name="Brennan Brown" userId="bcf6cc9e-21d7-4e63-b7dc-a8459bd698b0" providerId="ADAL" clId="{30F1509B-5785-4C08-8791-C8021B43727B}" dt="2026-02-19T15:49:19.531" v="461"/>
         <pc:sldMkLst>
           <pc:docMk/>
           <pc:sldMk cId="4265754142" sldId="346"/>
@@ -758,6 +761,14 @@
             <ac:spMk id="2" creationId="{6884A9C5-45C4-5048-0531-8F61F8BA1399}"/>
           </ac:spMkLst>
         </pc:spChg>
+        <pc:spChg chg="add del">
+          <ac:chgData name="Brennan Brown" userId="bcf6cc9e-21d7-4e63-b7dc-a8459bd698b0" providerId="ADAL" clId="{30F1509B-5785-4C08-8791-C8021B43727B}" dt="2026-02-19T15:49:19.531" v="461"/>
+          <ac:spMkLst>
+            <pc:docMk/>
+            <pc:sldMk cId="4265754142" sldId="346"/>
+            <ac:spMk id="3" creationId="{1090A25B-9EA0-E29F-9264-FD11F02B52DE}"/>
+          </ac:spMkLst>
+        </pc:spChg>
         <pc:picChg chg="add mod">
           <ac:chgData name="Brennan Brown" userId="bcf6cc9e-21d7-4e63-b7dc-a8459bd698b0" providerId="ADAL" clId="{30F1509B-5785-4C08-8791-C8021B43727B}" dt="2026-02-19T15:49:04.512" v="458"/>
           <ac:picMkLst>
@@ -766,6 +777,139 @@
             <ac:picMk id="4" creationId="{39B1B1D6-E426-8487-B71C-D788351316D4}"/>
           </ac:picMkLst>
         </pc:picChg>
+        <pc:picChg chg="add mod">
+          <ac:chgData name="Brennan Brown" userId="bcf6cc9e-21d7-4e63-b7dc-a8459bd698b0" providerId="ADAL" clId="{30F1509B-5785-4C08-8791-C8021B43727B}" dt="2026-02-19T15:49:12.145" v="460"/>
+          <ac:picMkLst>
+            <pc:docMk/>
+            <pc:sldMk cId="4265754142" sldId="346"/>
+            <ac:picMk id="5" creationId="{2FB8C743-5DF1-6D06-F6EA-7EC025860C79}"/>
+          </ac:picMkLst>
+        </pc:picChg>
+        <pc:picChg chg="add mod">
+          <ac:chgData name="Brennan Brown" userId="bcf6cc9e-21d7-4e63-b7dc-a8459bd698b0" providerId="ADAL" clId="{30F1509B-5785-4C08-8791-C8021B43727B}" dt="2026-02-19T15:49:19.531" v="461"/>
+          <ac:picMkLst>
+            <pc:docMk/>
+            <pc:sldMk cId="4265754142" sldId="346"/>
+            <ac:picMk id="6" creationId="{C8963B7B-CB86-D2FB-374F-93DB81C25B88}"/>
+          </ac:picMkLst>
+        </pc:picChg>
+      </pc:sldChg>
+      <pc:sldChg chg="addSp delSp modSp new">
+        <pc:chgData name="Brennan Brown" userId="bcf6cc9e-21d7-4e63-b7dc-a8459bd698b0" providerId="ADAL" clId="{30F1509B-5785-4C08-8791-C8021B43727B}" dt="2026-02-19T15:49:34.632" v="464"/>
+        <pc:sldMkLst>
+          <pc:docMk/>
+          <pc:sldMk cId="4135642992" sldId="347"/>
+        </pc:sldMkLst>
+        <pc:spChg chg="del">
+          <ac:chgData name="Brennan Brown" userId="bcf6cc9e-21d7-4e63-b7dc-a8459bd698b0" providerId="ADAL" clId="{30F1509B-5785-4C08-8791-C8021B43727B}" dt="2026-02-19T15:49:28.129" v="463"/>
+          <ac:spMkLst>
+            <pc:docMk/>
+            <pc:sldMk cId="4135642992" sldId="347"/>
+            <ac:spMk id="2" creationId="{9B055169-9CA6-28C8-DD30-FBCF7DFEB7CC}"/>
+          </ac:spMkLst>
+        </pc:spChg>
+        <pc:spChg chg="del">
+          <ac:chgData name="Brennan Brown" userId="bcf6cc9e-21d7-4e63-b7dc-a8459bd698b0" providerId="ADAL" clId="{30F1509B-5785-4C08-8791-C8021B43727B}" dt="2026-02-19T15:49:34.632" v="464"/>
+          <ac:spMkLst>
+            <pc:docMk/>
+            <pc:sldMk cId="4135642992" sldId="347"/>
+            <ac:spMk id="3" creationId="{36E38EC0-913A-2C5A-EB71-681D03DE0D87}"/>
+          </ac:spMkLst>
+        </pc:spChg>
+        <pc:picChg chg="add mod">
+          <ac:chgData name="Brennan Brown" userId="bcf6cc9e-21d7-4e63-b7dc-a8459bd698b0" providerId="ADAL" clId="{30F1509B-5785-4C08-8791-C8021B43727B}" dt="2026-02-19T15:49:28.129" v="463"/>
+          <ac:picMkLst>
+            <pc:docMk/>
+            <pc:sldMk cId="4135642992" sldId="347"/>
+            <ac:picMk id="4" creationId="{AC482706-AFEF-D64A-64CB-67127AA53B36}"/>
+          </ac:picMkLst>
+        </pc:picChg>
+        <pc:picChg chg="add mod">
+          <ac:chgData name="Brennan Brown" userId="bcf6cc9e-21d7-4e63-b7dc-a8459bd698b0" providerId="ADAL" clId="{30F1509B-5785-4C08-8791-C8021B43727B}" dt="2026-02-19T15:49:34.632" v="464"/>
+          <ac:picMkLst>
+            <pc:docMk/>
+            <pc:sldMk cId="4135642992" sldId="347"/>
+            <ac:picMk id="5" creationId="{E8D3EA6F-2930-4C84-90BB-F8E10A9556FE}"/>
+          </ac:picMkLst>
+        </pc:picChg>
+      </pc:sldChg>
+      <pc:sldChg chg="addSp delSp modSp new">
+        <pc:chgData name="Brennan Brown" userId="bcf6cc9e-21d7-4e63-b7dc-a8459bd698b0" providerId="ADAL" clId="{30F1509B-5785-4C08-8791-C8021B43727B}" dt="2026-02-19T15:49:46.444" v="467"/>
+        <pc:sldMkLst>
+          <pc:docMk/>
+          <pc:sldMk cId="731585160" sldId="348"/>
+        </pc:sldMkLst>
+        <pc:spChg chg="del">
+          <ac:chgData name="Brennan Brown" userId="bcf6cc9e-21d7-4e63-b7dc-a8459bd698b0" providerId="ADAL" clId="{30F1509B-5785-4C08-8791-C8021B43727B}" dt="2026-02-19T15:49:41.285" v="466"/>
+          <ac:spMkLst>
+            <pc:docMk/>
+            <pc:sldMk cId="731585160" sldId="348"/>
+            <ac:spMk id="2" creationId="{5C735E46-0E45-F464-4F68-1958A8038836}"/>
+          </ac:spMkLst>
+        </pc:spChg>
+        <pc:spChg chg="del">
+          <ac:chgData name="Brennan Brown" userId="bcf6cc9e-21d7-4e63-b7dc-a8459bd698b0" providerId="ADAL" clId="{30F1509B-5785-4C08-8791-C8021B43727B}" dt="2026-02-19T15:49:46.444" v="467"/>
+          <ac:spMkLst>
+            <pc:docMk/>
+            <pc:sldMk cId="731585160" sldId="348"/>
+            <ac:spMk id="3" creationId="{0EC19F60-F8C1-0B01-B692-303895E1830B}"/>
+          </ac:spMkLst>
+        </pc:spChg>
+        <pc:picChg chg="add mod">
+          <ac:chgData name="Brennan Brown" userId="bcf6cc9e-21d7-4e63-b7dc-a8459bd698b0" providerId="ADAL" clId="{30F1509B-5785-4C08-8791-C8021B43727B}" dt="2026-02-19T15:49:41.285" v="466"/>
+          <ac:picMkLst>
+            <pc:docMk/>
+            <pc:sldMk cId="731585160" sldId="348"/>
+            <ac:picMk id="4" creationId="{DCA1C07A-EA14-1B11-26D7-87BF5FF6D683}"/>
+          </ac:picMkLst>
+        </pc:picChg>
+        <pc:picChg chg="add mod">
+          <ac:chgData name="Brennan Brown" userId="bcf6cc9e-21d7-4e63-b7dc-a8459bd698b0" providerId="ADAL" clId="{30F1509B-5785-4C08-8791-C8021B43727B}" dt="2026-02-19T15:49:46.444" v="467"/>
+          <ac:picMkLst>
+            <pc:docMk/>
+            <pc:sldMk cId="731585160" sldId="348"/>
+            <ac:picMk id="5" creationId="{5662FB57-A6F8-C67D-848F-A53C48D8C426}"/>
+          </ac:picMkLst>
+        </pc:picChg>
+      </pc:sldChg>
+      <pc:sldChg chg="addSp delSp modSp new mod modClrScheme chgLayout">
+        <pc:chgData name="Brennan Brown" userId="bcf6cc9e-21d7-4e63-b7dc-a8459bd698b0" providerId="ADAL" clId="{30F1509B-5785-4C08-8791-C8021B43727B}" dt="2026-02-19T15:50:24.124" v="522" actId="20577"/>
+        <pc:sldMkLst>
+          <pc:docMk/>
+          <pc:sldMk cId="190537893" sldId="349"/>
+        </pc:sldMkLst>
+        <pc:spChg chg="del">
+          <ac:chgData name="Brennan Brown" userId="bcf6cc9e-21d7-4e63-b7dc-a8459bd698b0" providerId="ADAL" clId="{30F1509B-5785-4C08-8791-C8021B43727B}" dt="2026-02-19T15:50:06.482" v="469" actId="700"/>
+          <ac:spMkLst>
+            <pc:docMk/>
+            <pc:sldMk cId="190537893" sldId="349"/>
+            <ac:spMk id="2" creationId="{7C84D977-FF6F-B5AB-B9D9-E6CF90297DE5}"/>
+          </ac:spMkLst>
+        </pc:spChg>
+        <pc:spChg chg="del">
+          <ac:chgData name="Brennan Brown" userId="bcf6cc9e-21d7-4e63-b7dc-a8459bd698b0" providerId="ADAL" clId="{30F1509B-5785-4C08-8791-C8021B43727B}" dt="2026-02-19T15:50:06.482" v="469" actId="700"/>
+          <ac:spMkLst>
+            <pc:docMk/>
+            <pc:sldMk cId="190537893" sldId="349"/>
+            <ac:spMk id="3" creationId="{83BBA219-DC79-4829-0B87-0A3902727A01}"/>
+          </ac:spMkLst>
+        </pc:spChg>
+        <pc:spChg chg="add mod">
+          <ac:chgData name="Brennan Brown" userId="bcf6cc9e-21d7-4e63-b7dc-a8459bd698b0" providerId="ADAL" clId="{30F1509B-5785-4C08-8791-C8021B43727B}" dt="2026-02-19T15:50:14.840" v="494" actId="20577"/>
+          <ac:spMkLst>
+            <pc:docMk/>
+            <pc:sldMk cId="190537893" sldId="349"/>
+            <ac:spMk id="4" creationId="{0B2B0EAA-C8CD-A21B-7D85-349DBAF43F39}"/>
+          </ac:spMkLst>
+        </pc:spChg>
+        <pc:spChg chg="add mod">
+          <ac:chgData name="Brennan Brown" userId="bcf6cc9e-21d7-4e63-b7dc-a8459bd698b0" providerId="ADAL" clId="{30F1509B-5785-4C08-8791-C8021B43727B}" dt="2026-02-19T15:50:24.124" v="522" actId="20577"/>
+          <ac:spMkLst>
+            <pc:docMk/>
+            <pc:sldMk cId="190537893" sldId="349"/>
+            <ac:spMk id="5" creationId="{0F58866C-040F-2387-B1F3-BD4733FEC8E2}"/>
+          </ac:spMkLst>
+        </pc:spChg>
       </pc:sldChg>
       <pc:sldMasterChg chg="modSldLayout sldLayoutOrd">
         <pc:chgData name="Brennan Brown" userId="bcf6cc9e-21d7-4e63-b7dc-a8459bd698b0" providerId="ADAL" clId="{30F1509B-5785-4C08-8791-C8021B43727B}" dt="2026-02-19T15:44:33.556" v="289" actId="3626"/>
@@ -8191,31 +8335,6 @@
           <a:chExt cx="0" cy="0"/>
         </a:xfrm>
       </p:grpSpPr>
-      <p:sp>
-        <p:nvSpPr>
-          <p:cNvPr id="3" name="Online Image Placeholder 2">
-            <a:extLst>
-              <a:ext uri="{FF2B5EF4-FFF2-40B4-BE49-F238E27FC236}">
-                <a16:creationId xmlns:a16="http://schemas.microsoft.com/office/drawing/2014/main" id="{1090A25B-9EA0-E29F-9264-FD11F02B52DE}"/>
-              </a:ext>
-            </a:extLst>
-          </p:cNvPr>
-          <p:cNvSpPr>
-            <a:spLocks noGrp="1"/>
-          </p:cNvSpPr>
-          <p:nvPr>
-            <p:ph type="clipArt" sz="quarter" idx="14"/>
-          </p:nvPr>
-        </p:nvSpPr>
-        <p:spPr/>
-        <p:txBody>
-          <a:bodyPr/>
-          <a:lstStyle/>
-          <a:p>
-            <a:endParaRPr lang="en-US"/>
-          </a:p>
-        </p:txBody>
-      </p:sp>
       <p:pic>
         <p:nvPicPr>
           <p:cNvPr id="4" name="Online Image Placeholder 3">
@@ -8248,10 +8367,322 @@
           </a:prstGeom>
         </p:spPr>
       </p:pic>
+      <p:pic>
+        <p:nvPicPr>
+          <p:cNvPr id="6" name="Online Image Placeholder 5">
+            <a:extLst>
+              <a:ext uri="{FF2B5EF4-FFF2-40B4-BE49-F238E27FC236}">
+                <a16:creationId xmlns:a16="http://schemas.microsoft.com/office/drawing/2014/main" id="{C8963B7B-CB86-D2FB-374F-93DB81C25B88}"/>
+              </a:ext>
+            </a:extLst>
+          </p:cNvPr>
+          <p:cNvPicPr>
+            <a:picLocks noGrp="1" noChangeAspect="1"/>
+          </p:cNvPicPr>
+          <p:nvPr>
+            <p:ph type="clipArt" sz="quarter" idx="14"/>
+          </p:nvPr>
+        </p:nvPicPr>
+        <p:blipFill>
+          <a:blip r:embed="rId3"/>
+          <a:stretch>
+            <a:fillRect/>
+          </a:stretch>
+        </p:blipFill>
+        <p:spPr>
+          <a:xfrm>
+            <a:off x="2844990" y="4311650"/>
+            <a:ext cx="6502020" cy="1516063"/>
+          </a:xfrm>
+          <a:prstGeom prst="rect">
+            <a:avLst/>
+          </a:prstGeom>
+        </p:spPr>
+      </p:pic>
     </p:spTree>
     <p:extLst>
       <p:ext uri="{BB962C8B-B14F-4D97-AF65-F5344CB8AC3E}">
         <p14:creationId xmlns:p14="http://schemas.microsoft.com/office/powerpoint/2010/main" val="4265754142"/>
+      </p:ext>
+    </p:extLst>
+  </p:cSld>
+  <p:clrMapOvr>
+    <a:masterClrMapping/>
+  </p:clrMapOvr>
+</p:sld>
+</file>
+
+<file path=ppt/slides/slide17.xml><?xml version="1.0" encoding="utf-8"?>
+<p:sld xmlns:a="http://schemas.openxmlformats.org/drawingml/2006/main" xmlns:r="http://schemas.openxmlformats.org/officeDocument/2006/relationships" xmlns:p="http://schemas.openxmlformats.org/presentationml/2006/main">
+  <p:cSld>
+    <p:spTree>
+      <p:nvGrpSpPr>
+        <p:cNvPr id="1" name=""/>
+        <p:cNvGrpSpPr/>
+        <p:nvPr/>
+      </p:nvGrpSpPr>
+      <p:grpSpPr>
+        <a:xfrm>
+          <a:off x="0" y="0"/>
+          <a:ext cx="0" cy="0"/>
+          <a:chOff x="0" y="0"/>
+          <a:chExt cx="0" cy="0"/>
+        </a:xfrm>
+      </p:grpSpPr>
+      <p:pic>
+        <p:nvPicPr>
+          <p:cNvPr id="4" name="Online Image Placeholder 3">
+            <a:extLst>
+              <a:ext uri="{FF2B5EF4-FFF2-40B4-BE49-F238E27FC236}">
+                <a16:creationId xmlns:a16="http://schemas.microsoft.com/office/drawing/2014/main" id="{AC482706-AFEF-D64A-64CB-67127AA53B36}"/>
+              </a:ext>
+            </a:extLst>
+          </p:cNvPr>
+          <p:cNvPicPr>
+            <a:picLocks noGrp="1" noChangeAspect="1"/>
+          </p:cNvPicPr>
+          <p:nvPr>
+            <p:ph type="clipArt" sz="quarter" idx="13"/>
+          </p:nvPr>
+        </p:nvPicPr>
+        <p:blipFill>
+          <a:blip r:embed="rId2"/>
+          <a:stretch>
+            <a:fillRect/>
+          </a:stretch>
+        </p:blipFill>
+        <p:spPr>
+          <a:xfrm>
+            <a:off x="3851658" y="1030288"/>
+            <a:ext cx="4488684" cy="1514475"/>
+          </a:xfrm>
+          <a:prstGeom prst="rect">
+            <a:avLst/>
+          </a:prstGeom>
+        </p:spPr>
+      </p:pic>
+      <p:pic>
+        <p:nvPicPr>
+          <p:cNvPr id="5" name="Online Image Placeholder 4">
+            <a:extLst>
+              <a:ext uri="{FF2B5EF4-FFF2-40B4-BE49-F238E27FC236}">
+                <a16:creationId xmlns:a16="http://schemas.microsoft.com/office/drawing/2014/main" id="{E8D3EA6F-2930-4C84-90BB-F8E10A9556FE}"/>
+              </a:ext>
+            </a:extLst>
+          </p:cNvPr>
+          <p:cNvPicPr>
+            <a:picLocks noGrp="1" noChangeAspect="1"/>
+          </p:cNvPicPr>
+          <p:nvPr>
+            <p:ph type="clipArt" sz="quarter" idx="14"/>
+          </p:nvPr>
+        </p:nvPicPr>
+        <p:blipFill>
+          <a:blip r:embed="rId3"/>
+          <a:stretch>
+            <a:fillRect/>
+          </a:stretch>
+        </p:blipFill>
+        <p:spPr>
+          <a:xfrm>
+            <a:off x="2603641" y="4311650"/>
+            <a:ext cx="6984718" cy="1516063"/>
+          </a:xfrm>
+          <a:prstGeom prst="rect">
+            <a:avLst/>
+          </a:prstGeom>
+        </p:spPr>
+      </p:pic>
+    </p:spTree>
+    <p:extLst>
+      <p:ext uri="{BB962C8B-B14F-4D97-AF65-F5344CB8AC3E}">
+        <p14:creationId xmlns:p14="http://schemas.microsoft.com/office/powerpoint/2010/main" val="4135642992"/>
+      </p:ext>
+    </p:extLst>
+  </p:cSld>
+  <p:clrMapOvr>
+    <a:masterClrMapping/>
+  </p:clrMapOvr>
+</p:sld>
+</file>
+
+<file path=ppt/slides/slide18.xml><?xml version="1.0" encoding="utf-8"?>
+<p:sld xmlns:a="http://schemas.openxmlformats.org/drawingml/2006/main" xmlns:r="http://schemas.openxmlformats.org/officeDocument/2006/relationships" xmlns:p="http://schemas.openxmlformats.org/presentationml/2006/main">
+  <p:cSld>
+    <p:spTree>
+      <p:nvGrpSpPr>
+        <p:cNvPr id="1" name=""/>
+        <p:cNvGrpSpPr/>
+        <p:nvPr/>
+      </p:nvGrpSpPr>
+      <p:grpSpPr>
+        <a:xfrm>
+          <a:off x="0" y="0"/>
+          <a:ext cx="0" cy="0"/>
+          <a:chOff x="0" y="0"/>
+          <a:chExt cx="0" cy="0"/>
+        </a:xfrm>
+      </p:grpSpPr>
+      <p:pic>
+        <p:nvPicPr>
+          <p:cNvPr id="4" name="Online Image Placeholder 3">
+            <a:extLst>
+              <a:ext uri="{FF2B5EF4-FFF2-40B4-BE49-F238E27FC236}">
+                <a16:creationId xmlns:a16="http://schemas.microsoft.com/office/drawing/2014/main" id="{DCA1C07A-EA14-1B11-26D7-87BF5FF6D683}"/>
+              </a:ext>
+            </a:extLst>
+          </p:cNvPr>
+          <p:cNvPicPr>
+            <a:picLocks noGrp="1" noChangeAspect="1"/>
+          </p:cNvPicPr>
+          <p:nvPr>
+            <p:ph type="clipArt" sz="quarter" idx="13"/>
+          </p:nvPr>
+        </p:nvPicPr>
+        <p:blipFill>
+          <a:blip r:embed="rId2"/>
+          <a:stretch>
+            <a:fillRect/>
+          </a:stretch>
+        </p:blipFill>
+        <p:spPr>
+          <a:xfrm>
+            <a:off x="3768196" y="1030288"/>
+            <a:ext cx="4655608" cy="1514475"/>
+          </a:xfrm>
+          <a:prstGeom prst="rect">
+            <a:avLst/>
+          </a:prstGeom>
+        </p:spPr>
+      </p:pic>
+      <p:pic>
+        <p:nvPicPr>
+          <p:cNvPr id="5" name="Online Image Placeholder 4">
+            <a:extLst>
+              <a:ext uri="{FF2B5EF4-FFF2-40B4-BE49-F238E27FC236}">
+                <a16:creationId xmlns:a16="http://schemas.microsoft.com/office/drawing/2014/main" id="{5662FB57-A6F8-C67D-848F-A53C48D8C426}"/>
+              </a:ext>
+            </a:extLst>
+          </p:cNvPr>
+          <p:cNvPicPr>
+            <a:picLocks noGrp="1" noChangeAspect="1"/>
+          </p:cNvPicPr>
+          <p:nvPr>
+            <p:ph type="clipArt" sz="quarter" idx="14"/>
+          </p:nvPr>
+        </p:nvPicPr>
+        <p:blipFill>
+          <a:blip r:embed="rId3"/>
+          <a:stretch>
+            <a:fillRect/>
+          </a:stretch>
+        </p:blipFill>
+        <p:spPr>
+          <a:xfrm>
+            <a:off x="3264109" y="4311650"/>
+            <a:ext cx="5663782" cy="1516063"/>
+          </a:xfrm>
+          <a:prstGeom prst="rect">
+            <a:avLst/>
+          </a:prstGeom>
+        </p:spPr>
+      </p:pic>
+    </p:spTree>
+    <p:extLst>
+      <p:ext uri="{BB962C8B-B14F-4D97-AF65-F5344CB8AC3E}">
+        <p14:creationId xmlns:p14="http://schemas.microsoft.com/office/powerpoint/2010/main" val="731585160"/>
+      </p:ext>
+    </p:extLst>
+  </p:cSld>
+  <p:clrMapOvr>
+    <a:masterClrMapping/>
+  </p:clrMapOvr>
+</p:sld>
+</file>
+
+<file path=ppt/slides/slide19.xml><?xml version="1.0" encoding="utf-8"?>
+<p:sld xmlns:a="http://schemas.openxmlformats.org/drawingml/2006/main" xmlns:r="http://schemas.openxmlformats.org/officeDocument/2006/relationships" xmlns:p="http://schemas.openxmlformats.org/presentationml/2006/main">
+  <p:cSld>
+    <p:spTree>
+      <p:nvGrpSpPr>
+        <p:cNvPr id="1" name=""/>
+        <p:cNvGrpSpPr/>
+        <p:nvPr/>
+      </p:nvGrpSpPr>
+      <p:grpSpPr>
+        <a:xfrm>
+          <a:off x="0" y="0"/>
+          <a:ext cx="0" cy="0"/>
+          <a:chOff x="0" y="0"/>
+          <a:chExt cx="0" cy="0"/>
+        </a:xfrm>
+      </p:grpSpPr>
+      <p:sp>
+        <p:nvSpPr>
+          <p:cNvPr id="4" name="Title 3">
+            <a:extLst>
+              <a:ext uri="{FF2B5EF4-FFF2-40B4-BE49-F238E27FC236}">
+                <a16:creationId xmlns:a16="http://schemas.microsoft.com/office/drawing/2014/main" id="{0B2B0EAA-C8CD-A21B-7D85-349DBAF43F39}"/>
+              </a:ext>
+            </a:extLst>
+          </p:cNvPr>
+          <p:cNvSpPr>
+            <a:spLocks noGrp="1"/>
+          </p:cNvSpPr>
+          <p:nvPr>
+            <p:ph type="ctrTitle"/>
+          </p:nvPr>
+        </p:nvSpPr>
+        <p:spPr/>
+        <p:txBody>
+          <a:bodyPr/>
+          <a:lstStyle/>
+          <a:p>
+            <a:r>
+              <a:rPr lang="en-US" dirty="0"/>
+              <a:t>Preparation of Alcohols:</a:t>
+            </a:r>
+          </a:p>
+        </p:txBody>
+      </p:sp>
+      <p:sp>
+        <p:nvSpPr>
+          <p:cNvPr id="5" name="Subtitle 4">
+            <a:extLst>
+              <a:ext uri="{FF2B5EF4-FFF2-40B4-BE49-F238E27FC236}">
+                <a16:creationId xmlns:a16="http://schemas.microsoft.com/office/drawing/2014/main" id="{0F58866C-040F-2387-B1F3-BD4733FEC8E2}"/>
+              </a:ext>
+            </a:extLst>
+          </p:cNvPr>
+          <p:cNvSpPr>
+            <a:spLocks noGrp="1"/>
+          </p:cNvSpPr>
+          <p:nvPr>
+            <p:ph type="subTitle" idx="1"/>
+          </p:nvPr>
+        </p:nvSpPr>
+        <p:spPr/>
+        <p:txBody>
+          <a:bodyPr>
+            <a:normAutofit fontScale="92500" lnSpcReduction="20000"/>
+          </a:bodyPr>
+          <a:lstStyle/>
+          <a:p>
+            <a:r>
+              <a:rPr lang="en-US" dirty="0"/>
+              <a:t>Carbonyl </a:t>
+            </a:r>
+            <a:r>
+              <a:rPr lang="en-US"/>
+              <a:t>Reduction Reactions</a:t>
+            </a:r>
+          </a:p>
+        </p:txBody>
+      </p:sp>
+    </p:spTree>
+    <p:extLst>
+      <p:ext uri="{BB962C8B-B14F-4D97-AF65-F5344CB8AC3E}">
+        <p14:creationId xmlns:p14="http://schemas.microsoft.com/office/powerpoint/2010/main" val="190537893"/>
       </p:ext>
     </p:extLst>
   </p:cSld>

--- a/alcoholquestions.pptx
+++ b/alcoholquestions.pptx
@@ -133,7 +133,7 @@
 <file path=ppt/revisionInfo.xml><?xml version="1.0" encoding="utf-8"?>
 <p1510:revInfo xmlns:a="http://schemas.openxmlformats.org/drawingml/2006/main" xmlns:r="http://schemas.openxmlformats.org/officeDocument/2006/relationships" xmlns:p1510="http://schemas.microsoft.com/office/powerpoint/2015/10/main">
   <p1510:revLst>
-    <p1510:client id="{35CB8859-946B-47B2-B238-137014B76091}" v="59" dt="2026-02-19T15:49:46.444"/>
+    <p1510:client id="{35CB8859-946B-47B2-B238-137014B76091}" v="60" dt="2026-02-19T15:50:38.870"/>
   </p1510:revLst>
 </p1510:revInfo>
 </file>
@@ -143,7 +143,7 @@
   <pc:docChgLst>
     <pc:chgData name="Brennan Brown" userId="bcf6cc9e-21d7-4e63-b7dc-a8459bd698b0" providerId="ADAL" clId="{30F1509B-5785-4C08-8791-C8021B43727B}"/>
     <pc:docChg chg="undo redo custSel addSld delSld modSld sldOrd delMainMaster modMainMaster">
-      <pc:chgData name="Brennan Brown" userId="bcf6cc9e-21d7-4e63-b7dc-a8459bd698b0" providerId="ADAL" clId="{30F1509B-5785-4C08-8791-C8021B43727B}" dt="2026-02-19T15:50:24.124" v="522" actId="20577"/>
+      <pc:chgData name="Brennan Brown" userId="bcf6cc9e-21d7-4e63-b7dc-a8459bd698b0" providerId="ADAL" clId="{30F1509B-5785-4C08-8791-C8021B43727B}" dt="2026-02-19T15:51:02.541" v="533" actId="1076"/>
       <pc:docMkLst>
         <pc:docMk/>
       </pc:docMkLst>
@@ -873,7 +873,7 @@
         </pc:picChg>
       </pc:sldChg>
       <pc:sldChg chg="addSp delSp modSp new mod modClrScheme chgLayout">
-        <pc:chgData name="Brennan Brown" userId="bcf6cc9e-21d7-4e63-b7dc-a8459bd698b0" providerId="ADAL" clId="{30F1509B-5785-4C08-8791-C8021B43727B}" dt="2026-02-19T15:50:24.124" v="522" actId="20577"/>
+        <pc:chgData name="Brennan Brown" userId="bcf6cc9e-21d7-4e63-b7dc-a8459bd698b0" providerId="ADAL" clId="{30F1509B-5785-4C08-8791-C8021B43727B}" dt="2026-02-19T15:51:02.541" v="533" actId="1076"/>
         <pc:sldMkLst>
           <pc:docMk/>
           <pc:sldMk cId="190537893" sldId="349"/>
@@ -895,7 +895,7 @@
           </ac:spMkLst>
         </pc:spChg>
         <pc:spChg chg="add mod">
-          <ac:chgData name="Brennan Brown" userId="bcf6cc9e-21d7-4e63-b7dc-a8459bd698b0" providerId="ADAL" clId="{30F1509B-5785-4C08-8791-C8021B43727B}" dt="2026-02-19T15:50:14.840" v="494" actId="20577"/>
+          <ac:chgData name="Brennan Brown" userId="bcf6cc9e-21d7-4e63-b7dc-a8459bd698b0" providerId="ADAL" clId="{30F1509B-5785-4C08-8791-C8021B43727B}" dt="2026-02-19T15:51:02.541" v="533" actId="1076"/>
           <ac:spMkLst>
             <pc:docMk/>
             <pc:sldMk cId="190537893" sldId="349"/>
@@ -903,13 +903,21 @@
           </ac:spMkLst>
         </pc:spChg>
         <pc:spChg chg="add mod">
-          <ac:chgData name="Brennan Brown" userId="bcf6cc9e-21d7-4e63-b7dc-a8459bd698b0" providerId="ADAL" clId="{30F1509B-5785-4C08-8791-C8021B43727B}" dt="2026-02-19T15:50:24.124" v="522" actId="20577"/>
+          <ac:chgData name="Brennan Brown" userId="bcf6cc9e-21d7-4e63-b7dc-a8459bd698b0" providerId="ADAL" clId="{30F1509B-5785-4C08-8791-C8021B43727B}" dt="2026-02-19T15:50:49.370" v="528" actId="1076"/>
           <ac:spMkLst>
             <pc:docMk/>
             <pc:sldMk cId="190537893" sldId="349"/>
             <ac:spMk id="5" creationId="{0F58866C-040F-2387-B1F3-BD4733FEC8E2}"/>
           </ac:spMkLst>
         </pc:spChg>
+        <pc:picChg chg="add mod">
+          <ac:chgData name="Brennan Brown" userId="bcf6cc9e-21d7-4e63-b7dc-a8459bd698b0" providerId="ADAL" clId="{30F1509B-5785-4C08-8791-C8021B43727B}" dt="2026-02-19T15:50:56.851" v="532" actId="1076"/>
+          <ac:picMkLst>
+            <pc:docMk/>
+            <pc:sldMk cId="190537893" sldId="349"/>
+            <ac:picMk id="6" creationId="{29EC0766-1B02-331E-4622-6190D89FB91E}"/>
+          </ac:picMkLst>
+        </pc:picChg>
       </pc:sldChg>
       <pc:sldMasterChg chg="modSldLayout sldLayoutOrd">
         <pc:chgData name="Brennan Brown" userId="bcf6cc9e-21d7-4e63-b7dc-a8459bd698b0" providerId="ADAL" clId="{30F1509B-5785-4C08-8791-C8021B43727B}" dt="2026-02-19T15:44:33.556" v="289" actId="3626"/>
@@ -8633,9 +8641,16 @@
             <p:ph type="ctrTitle"/>
           </p:nvPr>
         </p:nvSpPr>
-        <p:spPr/>
+        <p:spPr>
+          <a:xfrm>
+            <a:off x="-1062182" y="1044114"/>
+            <a:ext cx="7158182" cy="1608182"/>
+          </a:xfrm>
+        </p:spPr>
         <p:txBody>
-          <a:bodyPr/>
+          <a:bodyPr>
+            <a:normAutofit fontScale="90000"/>
+          </a:bodyPr>
           <a:lstStyle/>
           <a:p>
             <a:r>
@@ -8661,7 +8676,12 @@
             <p:ph type="subTitle" idx="1"/>
           </p:nvPr>
         </p:nvSpPr>
-        <p:spPr/>
+        <p:spPr>
+          <a:xfrm>
+            <a:off x="184726" y="2473553"/>
+            <a:ext cx="4987637" cy="357487"/>
+          </a:xfrm>
+        </p:spPr>
         <p:txBody>
           <a:bodyPr>
             <a:normAutofit fontScale="92500" lnSpcReduction="20000"/>
@@ -8670,15 +8690,51 @@
           <a:p>
             <a:r>
               <a:rPr lang="en-US" dirty="0"/>
-              <a:t>Carbonyl </a:t>
-            </a:r>
-            <a:r>
-              <a:rPr lang="en-US"/>
-              <a:t>Reduction Reactions</a:t>
+              <a:t>Carbonyl Reduction Reactions</a:t>
             </a:r>
           </a:p>
         </p:txBody>
       </p:sp>
+      <p:pic>
+        <p:nvPicPr>
+          <p:cNvPr id="6" name="Picture 5">
+            <a:extLst>
+              <a:ext uri="{FF2B5EF4-FFF2-40B4-BE49-F238E27FC236}">
+                <a16:creationId xmlns:a16="http://schemas.microsoft.com/office/drawing/2014/main" id="{29EC0766-1B02-331E-4622-6190D89FB91E}"/>
+              </a:ext>
+            </a:extLst>
+          </p:cNvPr>
+          <p:cNvPicPr>
+            <a:picLocks noChangeAspect="1"/>
+          </p:cNvPicPr>
+          <p:nvPr/>
+        </p:nvPicPr>
+        <p:blipFill>
+          <a:blip r:embed="rId2"/>
+          <a:stretch>
+            <a:fillRect/>
+          </a:stretch>
+        </p:blipFill>
+        <p:spPr>
+          <a:xfrm>
+            <a:off x="5014886" y="865371"/>
+            <a:ext cx="5193791" cy="1787203"/>
+          </a:xfrm>
+          <a:prstGeom prst="rect">
+            <a:avLst/>
+          </a:prstGeom>
+          <a:ln>
+            <a:noFill/>
+          </a:ln>
+          <a:effectLst>
+            <a:outerShdw blurRad="292100" dist="139700" dir="2700000" algn="tl" rotWithShape="0">
+              <a:srgbClr val="333333">
+                <a:alpha val="65000"/>
+              </a:srgbClr>
+            </a:outerShdw>
+          </a:effectLst>
+        </p:spPr>
+      </p:pic>
     </p:spTree>
     <p:extLst>
       <p:ext uri="{BB962C8B-B14F-4D97-AF65-F5344CB8AC3E}">
